--- a/slides/CS-E4740_FLDesignPrinciple.pptx
+++ b/slides/CS-E4740_FLDesignPrinciple.pptx
@@ -5,7 +5,7 @@
     <p:sldMasterId id="2147483648" r:id="rId1"/>
   </p:sldMasterIdLst>
   <p:notesMasterIdLst>
-    <p:notesMasterId r:id="rId42"/>
+    <p:notesMasterId r:id="rId41"/>
   </p:notesMasterIdLst>
   <p:sldIdLst>
     <p:sldId id="257" r:id="rId2"/>
@@ -19,35 +19,34 @@
     <p:sldId id="379" r:id="rId10"/>
     <p:sldId id="296" r:id="rId11"/>
     <p:sldId id="298" r:id="rId12"/>
-    <p:sldId id="342" r:id="rId13"/>
-    <p:sldId id="346" r:id="rId14"/>
-    <p:sldId id="299" r:id="rId15"/>
-    <p:sldId id="300" r:id="rId16"/>
-    <p:sldId id="301" r:id="rId17"/>
-    <p:sldId id="656" r:id="rId18"/>
-    <p:sldId id="657" r:id="rId19"/>
-    <p:sldId id="386" r:id="rId20"/>
-    <p:sldId id="326" r:id="rId21"/>
-    <p:sldId id="395" r:id="rId22"/>
-    <p:sldId id="655" r:id="rId23"/>
-    <p:sldId id="658" r:id="rId24"/>
-    <p:sldId id="659" r:id="rId25"/>
-    <p:sldId id="660" r:id="rId26"/>
-    <p:sldId id="661" r:id="rId27"/>
-    <p:sldId id="338" r:id="rId28"/>
-    <p:sldId id="400" r:id="rId29"/>
-    <p:sldId id="258" r:id="rId30"/>
-    <p:sldId id="262" r:id="rId31"/>
-    <p:sldId id="374" r:id="rId32"/>
-    <p:sldId id="382" r:id="rId33"/>
-    <p:sldId id="375" r:id="rId34"/>
-    <p:sldId id="399" r:id="rId35"/>
-    <p:sldId id="412" r:id="rId36"/>
-    <p:sldId id="394" r:id="rId37"/>
-    <p:sldId id="654" r:id="rId38"/>
-    <p:sldId id="336" r:id="rId39"/>
-    <p:sldId id="317" r:id="rId40"/>
-    <p:sldId id="365" r:id="rId41"/>
+    <p:sldId id="346" r:id="rId13"/>
+    <p:sldId id="299" r:id="rId14"/>
+    <p:sldId id="300" r:id="rId15"/>
+    <p:sldId id="301" r:id="rId16"/>
+    <p:sldId id="656" r:id="rId17"/>
+    <p:sldId id="657" r:id="rId18"/>
+    <p:sldId id="386" r:id="rId19"/>
+    <p:sldId id="326" r:id="rId20"/>
+    <p:sldId id="395" r:id="rId21"/>
+    <p:sldId id="655" r:id="rId22"/>
+    <p:sldId id="658" r:id="rId23"/>
+    <p:sldId id="659" r:id="rId24"/>
+    <p:sldId id="660" r:id="rId25"/>
+    <p:sldId id="661" r:id="rId26"/>
+    <p:sldId id="338" r:id="rId27"/>
+    <p:sldId id="400" r:id="rId28"/>
+    <p:sldId id="258" r:id="rId29"/>
+    <p:sldId id="262" r:id="rId30"/>
+    <p:sldId id="374" r:id="rId31"/>
+    <p:sldId id="382" r:id="rId32"/>
+    <p:sldId id="375" r:id="rId33"/>
+    <p:sldId id="399" r:id="rId34"/>
+    <p:sldId id="412" r:id="rId35"/>
+    <p:sldId id="394" r:id="rId36"/>
+    <p:sldId id="654" r:id="rId37"/>
+    <p:sldId id="336" r:id="rId38"/>
+    <p:sldId id="317" r:id="rId39"/>
+    <p:sldId id="365" r:id="rId40"/>
   </p:sldIdLst>
   <p:sldSz cx="12192000" cy="6858000"/>
   <p:notesSz cx="6858000" cy="9144000"/>
@@ -236,7 +235,7 @@
           <a:p>
             <a:fld id="{5372C89E-AE76-CF41-9C0B-87D42EF69527}" type="datetimeFigureOut">
               <a:rPr lang="en-US" smtClean="0"/>
-              <a:t>3/19/23</a:t>
+              <a:t>3/20/23</a:t>
             </a:fld>
             <a:endParaRPr lang="en-US"/>
           </a:p>
@@ -548,26 +547,7 @@
           <a:bodyPr/>
           <a:lstStyle/>
           <a:p>
-            <a:r>
-              <a:rPr lang="en-US" dirty="0"/>
-              <a:t>We represent networked data using an undirected weighted graph which we refer to as the empirical graph. The nodes of the empirical graph represent individual local datasets, e.g., generated by a particular person or by a particular IoT sensing device. Two nodes are connected by an edge if they are similar in a domain-specific sense. This similarity notion might be be obtained from </a:t>
-            </a:r>
-            <a:r>
-              <a:rPr lang="en-US" dirty="0" err="1"/>
-              <a:t>spatio</a:t>
-            </a:r>
-            <a:r>
-              <a:rPr lang="en-US" dirty="0"/>
-              <a:t>-temporal proximity as in contact networks for disease spread or by presence/absence of direct communication links. Our research studies how to combine the geometry of the network or network </a:t>
-            </a:r>
-            <a:r>
-              <a:rPr lang="en-US" dirty="0" err="1"/>
-              <a:t>topoloy</a:t>
-            </a:r>
-            <a:r>
-              <a:rPr lang="en-US" dirty="0"/>
-              <a:t> with the geometry of local models that are used for each local dataset. </a:t>
-            </a:r>
+            <a:endParaRPr lang="en-US" dirty="0"/>
           </a:p>
         </p:txBody>
       </p:sp>
@@ -684,7 +664,7 @@
     </p:spTree>
     <p:extLst>
       <p:ext uri="{BB962C8B-B14F-4D97-AF65-F5344CB8AC3E}">
-        <p14:creationId xmlns:p14="http://schemas.microsoft.com/office/powerpoint/2010/main" val="2240397995"/>
+        <p14:creationId xmlns:p14="http://schemas.microsoft.com/office/powerpoint/2010/main" val="2492892479"/>
       </p:ext>
     </p:extLst>
   </p:cSld>
@@ -738,10 +718,7 @@
           <a:bodyPr/>
           <a:lstStyle/>
           <a:p>
-            <a:r>
-              <a:rPr lang="en-US" dirty="0"/>
-              <a:t>We then aim at learning separate weights for each local dataset. This is a multi-task learning problem with each local data being a separate learning task. To have any chance at solving this multi-task learning problem we exploit similarities' between the individual tasks that is tied to the network structure. </a:t>
-            </a:r>
+            <a:endParaRPr lang="en-US" dirty="0"/>
           </a:p>
         </p:txBody>
       </p:sp>
@@ -771,7 +748,7 @@
     </p:spTree>
     <p:extLst>
       <p:ext uri="{BB962C8B-B14F-4D97-AF65-F5344CB8AC3E}">
-        <p14:creationId xmlns:p14="http://schemas.microsoft.com/office/powerpoint/2010/main" val="2492892479"/>
+        <p14:creationId xmlns:p14="http://schemas.microsoft.com/office/powerpoint/2010/main" val="4292612927"/>
       </p:ext>
     </p:extLst>
   </p:cSld>
@@ -825,7 +802,10 @@
           <a:bodyPr/>
           <a:lstStyle/>
           <a:p>
-            <a:endParaRPr lang="en-US" dirty="0"/>
+            <a:r>
+              <a:rPr lang="en-US" dirty="0"/>
+              <a:t>The local loss function encapsulates the local dataset from the perspective of federated learning algorithms. We only need the local dataset to construct a local loss function to score different choices for the parameters. </a:t>
+            </a:r>
           </a:p>
         </p:txBody>
       </p:sp>
@@ -846,7 +826,7 @@
           <a:p>
             <a:fld id="{D23F596F-AE3B-CB49-A71A-0B549FB29E75}" type="slidenum">
               <a:rPr lang="en-US" smtClean="0"/>
-              <a:t>33</a:t>
+              <a:t>36</a:t>
             </a:fld>
             <a:endParaRPr lang="en-US"/>
           </a:p>
@@ -855,7 +835,7 @@
     </p:spTree>
     <p:extLst>
       <p:ext uri="{BB962C8B-B14F-4D97-AF65-F5344CB8AC3E}">
-        <p14:creationId xmlns:p14="http://schemas.microsoft.com/office/powerpoint/2010/main" val="4292612927"/>
+        <p14:creationId xmlns:p14="http://schemas.microsoft.com/office/powerpoint/2010/main" val="114843098"/>
       </p:ext>
     </p:extLst>
   </p:cSld>
@@ -909,10 +889,7 @@
           <a:bodyPr/>
           <a:lstStyle/>
           <a:p>
-            <a:r>
-              <a:rPr lang="en-US" dirty="0"/>
-              <a:t>The local loss function encapsulates the local dataset from the perspective of federated learning algorithms. We only need the local dataset to construct a local loss function to score different choices for the parameters. </a:t>
-            </a:r>
+            <a:endParaRPr lang="en-US" dirty="0"/>
           </a:p>
         </p:txBody>
       </p:sp>
@@ -923,7 +900,7 @@
             <a:spLocks noGrp="1"/>
           </p:cNvSpPr>
           <p:nvPr>
-            <p:ph type="sldNum" sz="quarter" idx="5"/>
+            <p:ph type="sldNum" sz="quarter" idx="10"/>
           </p:nvPr>
         </p:nvSpPr>
         <p:spPr/>
@@ -931,7 +908,7 @@
           <a:bodyPr/>
           <a:lstStyle/>
           <a:p>
-            <a:fld id="{D23F596F-AE3B-CB49-A71A-0B549FB29E75}" type="slidenum">
+            <a:fld id="{A3F83B88-D72D-4BE1-B4FE-0489C6C5AFAA}" type="slidenum">
               <a:rPr lang="en-US" smtClean="0"/>
               <a:t>37</a:t>
             </a:fld>
@@ -942,7 +919,7 @@
     </p:spTree>
     <p:extLst>
       <p:ext uri="{BB962C8B-B14F-4D97-AF65-F5344CB8AC3E}">
-        <p14:creationId xmlns:p14="http://schemas.microsoft.com/office/powerpoint/2010/main" val="114843098"/>
+        <p14:creationId xmlns:p14="http://schemas.microsoft.com/office/powerpoint/2010/main" val="2354667001"/>
       </p:ext>
     </p:extLst>
   </p:cSld>
@@ -1007,90 +984,6 @@
             <a:spLocks noGrp="1"/>
           </p:cNvSpPr>
           <p:nvPr>
-            <p:ph type="sldNum" sz="quarter" idx="10"/>
-          </p:nvPr>
-        </p:nvSpPr>
-        <p:spPr/>
-        <p:txBody>
-          <a:bodyPr/>
-          <a:lstStyle/>
-          <a:p>
-            <a:fld id="{A3F83B88-D72D-4BE1-B4FE-0489C6C5AFAA}" type="slidenum">
-              <a:rPr lang="en-US" smtClean="0"/>
-              <a:t>38</a:t>
-            </a:fld>
-            <a:endParaRPr lang="en-US"/>
-          </a:p>
-        </p:txBody>
-      </p:sp>
-    </p:spTree>
-    <p:extLst>
-      <p:ext uri="{BB962C8B-B14F-4D97-AF65-F5344CB8AC3E}">
-        <p14:creationId xmlns:p14="http://schemas.microsoft.com/office/powerpoint/2010/main" val="2354667001"/>
-      </p:ext>
-    </p:extLst>
-  </p:cSld>
-  <p:clrMapOvr>
-    <a:masterClrMapping/>
-  </p:clrMapOvr>
-</p:notes>
-</file>
-
-<file path=ppt/notesSlides/notesSlide15.xml><?xml version="1.0" encoding="utf-8"?>
-<p:notes xmlns:a="http://schemas.openxmlformats.org/drawingml/2006/main" xmlns:r="http://schemas.openxmlformats.org/officeDocument/2006/relationships" xmlns:p="http://schemas.openxmlformats.org/presentationml/2006/main">
-  <p:cSld>
-    <p:spTree>
-      <p:nvGrpSpPr>
-        <p:cNvPr id="1" name=""/>
-        <p:cNvGrpSpPr/>
-        <p:nvPr/>
-      </p:nvGrpSpPr>
-      <p:grpSpPr>
-        <a:xfrm>
-          <a:off x="0" y="0"/>
-          <a:ext cx="0" cy="0"/>
-          <a:chOff x="0" y="0"/>
-          <a:chExt cx="0" cy="0"/>
-        </a:xfrm>
-      </p:grpSpPr>
-      <p:sp>
-        <p:nvSpPr>
-          <p:cNvPr id="2" name="Slide Image Placeholder 1"/>
-          <p:cNvSpPr>
-            <a:spLocks noGrp="1" noRot="1" noChangeAspect="1"/>
-          </p:cNvSpPr>
-          <p:nvPr>
-            <p:ph type="sldImg"/>
-          </p:nvPr>
-        </p:nvSpPr>
-        <p:spPr/>
-      </p:sp>
-      <p:sp>
-        <p:nvSpPr>
-          <p:cNvPr id="3" name="Notes Placeholder 2"/>
-          <p:cNvSpPr>
-            <a:spLocks noGrp="1"/>
-          </p:cNvSpPr>
-          <p:nvPr>
-            <p:ph type="body" idx="1"/>
-          </p:nvPr>
-        </p:nvSpPr>
-        <p:spPr/>
-        <p:txBody>
-          <a:bodyPr/>
-          <a:lstStyle/>
-          <a:p>
-            <a:endParaRPr lang="en-US" dirty="0"/>
-          </a:p>
-        </p:txBody>
-      </p:sp>
-      <p:sp>
-        <p:nvSpPr>
-          <p:cNvPr id="4" name="Slide Number Placeholder 3"/>
-          <p:cNvSpPr>
-            <a:spLocks noGrp="1"/>
-          </p:cNvSpPr>
-          <p:nvPr>
             <p:ph type="sldNum" sz="quarter" idx="5"/>
           </p:nvPr>
         </p:nvSpPr>
@@ -1101,7 +994,7 @@
           <a:p>
             <a:fld id="{D23F596F-AE3B-CB49-A71A-0B549FB29E75}" type="slidenum">
               <a:rPr lang="en-US" smtClean="0"/>
-              <a:t>39</a:t>
+              <a:t>38</a:t>
             </a:fld>
             <a:endParaRPr lang="en-US"/>
           </a:p>
@@ -1164,18 +1057,7 @@
           <a:bodyPr/>
           <a:lstStyle/>
           <a:p>
-            <a:r>
-              <a:rPr lang="en-US" dirty="0"/>
-              <a:t>Starting with a given empirical graph we define a networked model. Each node is equipped with some parametric model with </a:t>
-            </a:r>
-            <a:r>
-              <a:rPr lang="en-US" dirty="0" err="1"/>
-              <a:t>paramters</a:t>
-            </a:r>
-            <a:r>
-              <a:rPr lang="en-US" dirty="0"/>
-              <a:t> of weights w. These local models could be linear regression models or deep neural nets. Our methods allow to abstract from the details of the local models and only need a loss function that provides a score for a given choice of weights. </a:t>
-            </a:r>
+            <a:endParaRPr lang="en-US" dirty="0"/>
           </a:p>
         </p:txBody>
       </p:sp>
@@ -1471,7 +1353,7 @@
     </p:spTree>
     <p:extLst>
       <p:ext uri="{BB962C8B-B14F-4D97-AF65-F5344CB8AC3E}">
-        <p14:creationId xmlns:p14="http://schemas.microsoft.com/office/powerpoint/2010/main" val="2465585377"/>
+        <p14:creationId xmlns:p14="http://schemas.microsoft.com/office/powerpoint/2010/main" val="379505063"/>
       </p:ext>
     </p:extLst>
   </p:cSld>
@@ -1525,7 +1407,7 @@
           <a:bodyPr/>
           <a:lstStyle/>
           <a:p>
-            <a:endParaRPr lang="en-US" dirty="0"/>
+            <a:endParaRPr lang="en-GB" dirty="0"/>
           </a:p>
         </p:txBody>
       </p:sp>
@@ -1546,7 +1428,7 @@
           <a:p>
             <a:fld id="{D23F596F-AE3B-CB49-A71A-0B549FB29E75}" type="slidenum">
               <a:rPr lang="en-US" smtClean="0"/>
-              <a:t>13</a:t>
+              <a:t>14</a:t>
             </a:fld>
             <a:endParaRPr lang="en-US"/>
           </a:p>
@@ -1555,7 +1437,7 @@
     </p:spTree>
     <p:extLst>
       <p:ext uri="{BB962C8B-B14F-4D97-AF65-F5344CB8AC3E}">
-        <p14:creationId xmlns:p14="http://schemas.microsoft.com/office/powerpoint/2010/main" val="379505063"/>
+        <p14:creationId xmlns:p14="http://schemas.microsoft.com/office/powerpoint/2010/main" val="2725914515"/>
       </p:ext>
     </p:extLst>
   </p:cSld>
@@ -1609,7 +1491,7 @@
           <a:bodyPr/>
           <a:lstStyle/>
           <a:p>
-            <a:endParaRPr lang="en-GB" dirty="0"/>
+            <a:endParaRPr lang="en-US" dirty="0"/>
           </a:p>
         </p:txBody>
       </p:sp>
@@ -1620,7 +1502,7 @@
             <a:spLocks noGrp="1"/>
           </p:cNvSpPr>
           <p:nvPr>
-            <p:ph type="sldNum" sz="quarter" idx="5"/>
+            <p:ph type="sldNum" sz="quarter" idx="10"/>
           </p:nvPr>
         </p:nvSpPr>
         <p:spPr/>
@@ -1628,9 +1510,9 @@
           <a:bodyPr/>
           <a:lstStyle/>
           <a:p>
-            <a:fld id="{D23F596F-AE3B-CB49-A71A-0B549FB29E75}" type="slidenum">
+            <a:fld id="{A3F83B88-D72D-4BE1-B4FE-0489C6C5AFAA}" type="slidenum">
               <a:rPr lang="en-US" smtClean="0"/>
-              <a:t>15</a:t>
+              <a:t>26</a:t>
             </a:fld>
             <a:endParaRPr lang="en-US"/>
           </a:p>
@@ -1639,7 +1521,7 @@
     </p:spTree>
     <p:extLst>
       <p:ext uri="{BB962C8B-B14F-4D97-AF65-F5344CB8AC3E}">
-        <p14:creationId xmlns:p14="http://schemas.microsoft.com/office/powerpoint/2010/main" val="2725914515"/>
+        <p14:creationId xmlns:p14="http://schemas.microsoft.com/office/powerpoint/2010/main" val="3224195744"/>
       </p:ext>
     </p:extLst>
   </p:cSld>
@@ -1693,7 +1575,10 @@
           <a:bodyPr/>
           <a:lstStyle/>
           <a:p>
-            <a:endParaRPr lang="en-US" dirty="0"/>
+            <a:r>
+              <a:rPr lang="en-US" dirty="0"/>
+              <a:t>We then aim at learning separate weights for each local dataset. This is a multi-task learning problem with each local data being a separate learning task. To have any chance at solving this multi-task learning problem we exploit similarities' between the individual tasks that is tied to the network structure. </a:t>
+            </a:r>
           </a:p>
         </p:txBody>
       </p:sp>
@@ -1704,7 +1589,7 @@
             <a:spLocks noGrp="1"/>
           </p:cNvSpPr>
           <p:nvPr>
-            <p:ph type="sldNum" sz="quarter" idx="10"/>
+            <p:ph type="sldNum" sz="quarter" idx="5"/>
           </p:nvPr>
         </p:nvSpPr>
         <p:spPr/>
@@ -1712,9 +1597,9 @@
           <a:bodyPr/>
           <a:lstStyle/>
           <a:p>
-            <a:fld id="{A3F83B88-D72D-4BE1-B4FE-0489C6C5AFAA}" type="slidenum">
+            <a:fld id="{D23F596F-AE3B-CB49-A71A-0B549FB29E75}" type="slidenum">
               <a:rPr lang="en-US" smtClean="0"/>
-              <a:t>27</a:t>
+              <a:t>28</a:t>
             </a:fld>
             <a:endParaRPr lang="en-US"/>
           </a:p>
@@ -1723,7 +1608,7 @@
     </p:spTree>
     <p:extLst>
       <p:ext uri="{BB962C8B-B14F-4D97-AF65-F5344CB8AC3E}">
-        <p14:creationId xmlns:p14="http://schemas.microsoft.com/office/powerpoint/2010/main" val="3224195744"/>
+        <p14:creationId xmlns:p14="http://schemas.microsoft.com/office/powerpoint/2010/main" val="2236876474"/>
       </p:ext>
     </p:extLst>
   </p:cSld>
@@ -1801,7 +1686,7 @@
           <a:p>
             <a:fld id="{D23F596F-AE3B-CB49-A71A-0B549FB29E75}" type="slidenum">
               <a:rPr lang="en-US" smtClean="0"/>
-              <a:t>29</a:t>
+              <a:t>30</a:t>
             </a:fld>
             <a:endParaRPr lang="en-US"/>
           </a:p>
@@ -1810,7 +1695,7 @@
     </p:spTree>
     <p:extLst>
       <p:ext uri="{BB962C8B-B14F-4D97-AF65-F5344CB8AC3E}">
-        <p14:creationId xmlns:p14="http://schemas.microsoft.com/office/powerpoint/2010/main" val="2236876474"/>
+        <p14:creationId xmlns:p14="http://schemas.microsoft.com/office/powerpoint/2010/main" val="2240397995"/>
       </p:ext>
     </p:extLst>
   </p:cSld>
@@ -1969,7 +1854,7 @@
           <a:p>
             <a:fld id="{3EBB3D31-B868-8144-9252-A83E6281C812}" type="datetime1">
               <a:rPr lang="en-US" smtClean="0"/>
-              <a:t>3/19/23</a:t>
+              <a:t>3/20/23</a:t>
             </a:fld>
             <a:endParaRPr lang="en-US"/>
           </a:p>
@@ -2153,7 +2038,7 @@
           <a:p>
             <a:fld id="{296FA5BE-6560-2B4F-B398-067F34961958}" type="datetime1">
               <a:rPr lang="en-US" smtClean="0"/>
-              <a:t>3/19/23</a:t>
+              <a:t>3/20/23</a:t>
             </a:fld>
             <a:endParaRPr lang="en-US" dirty="0"/>
           </a:p>
@@ -2995,7 +2880,7 @@
           <a:p>
             <a:fld id="{3742B7C6-3947-D147-BE9E-AB7C73E87D2F}" type="datetime1">
               <a:rPr lang="en-US" smtClean="0"/>
-              <a:t>3/19/23</a:t>
+              <a:t>3/20/23</a:t>
             </a:fld>
             <a:endParaRPr lang="en-US" dirty="0"/>
           </a:p>
@@ -3421,7 +3306,7 @@
                 <a:latin typeface="Comic Sans MS" panose="030F0902030302020204" pitchFamily="66" charset="0"/>
                 <a:cs typeface="Arial" panose="020B0604020202020204" pitchFamily="34" charset="0"/>
               </a:rPr>
-              <a:t>A FL Design Principle</a:t>
+              <a:t>“FL Design Principle”</a:t>
             </a:r>
             <a:br>
               <a:rPr lang="en-US" sz="4000" b="1" dirty="0">
@@ -3512,7 +3397,7 @@
           <a:p>
             <a:fld id="{7153B615-BE65-1E4B-B2E8-D0FED3A26C12}" type="datetime1">
               <a:rPr lang="en-US" smtClean="0"/>
-              <a:t>3/19/23</a:t>
+              <a:t>3/20/23</a:t>
             </a:fld>
             <a:endParaRPr lang="en-US" dirty="0"/>
           </a:p>
@@ -4302,7 +4187,7 @@
           <a:p>
             <a:fld id="{E6D6ADCC-380B-5546-ADDF-6039B9B82324}" type="datetime1">
               <a:rPr lang="en-US" smtClean="0"/>
-              <a:t>3/19/23</a:t>
+              <a:t>3/20/23</a:t>
             </a:fld>
             <a:endParaRPr lang="en-US" dirty="0"/>
           </a:p>
@@ -4370,7 +4255,7 @@
               <a:rPr lang="en-US" sz="6000" b="1" dirty="0">
                 <a:latin typeface="+mn-lt"/>
               </a:rPr>
-              <a:t>Two Special Cases of GTV. </a:t>
+              <a:t>Two Special Cases of GTV </a:t>
             </a:r>
           </a:p>
         </p:txBody>
@@ -4558,7 +4443,7 @@
           <a:p>
             <a:fld id="{1BC8F5E8-AB40-CF4A-BC2B-0E263ABCE182}" type="datetime1">
               <a:rPr lang="en-US" smtClean="0"/>
-              <a:t>3/19/23</a:t>
+              <a:t>3/20/23</a:t>
             </a:fld>
             <a:endParaRPr lang="en-US" dirty="0"/>
           </a:p>
@@ -4608,1458 +4493,6 @@
         </p:nvSpPr>
         <p:spPr>
           <a:xfrm>
-            <a:off x="460290" y="504567"/>
-            <a:ext cx="6671250" cy="923330"/>
-          </a:xfrm>
-          <a:prstGeom prst="rect">
-            <a:avLst/>
-          </a:prstGeom>
-          <a:noFill/>
-        </p:spPr>
-        <p:txBody>
-          <a:bodyPr wrap="none" rtlCol="0">
-            <a:spAutoFit/>
-          </a:bodyPr>
-          <a:lstStyle/>
-          <a:p>
-            <a:r>
-              <a:rPr lang="en-US" sz="5400" b="1" dirty="0"/>
-              <a:t>Smooth Graph Signals.</a:t>
-            </a:r>
-          </a:p>
-        </p:txBody>
-      </p:sp>
-      <p:sp>
-        <p:nvSpPr>
-          <p:cNvPr id="3" name="TextBox 2">
-            <a:extLst>
-              <a:ext uri="{FF2B5EF4-FFF2-40B4-BE49-F238E27FC236}">
-                <a16:creationId xmlns:a16="http://schemas.microsoft.com/office/drawing/2014/main" id="{663B695D-F0A1-0E4A-923A-C6DFFAE67B07}"/>
-              </a:ext>
-            </a:extLst>
-          </p:cNvPr>
-          <p:cNvSpPr txBox="1"/>
-          <p:nvPr/>
-        </p:nvSpPr>
-        <p:spPr>
-          <a:xfrm>
-            <a:off x="2582504" y="2275066"/>
-            <a:ext cx="184731" cy="369332"/>
-          </a:xfrm>
-          <a:prstGeom prst="rect">
-            <a:avLst/>
-          </a:prstGeom>
-          <a:noFill/>
-        </p:spPr>
-        <p:txBody>
-          <a:bodyPr wrap="none" rtlCol="0">
-            <a:spAutoFit/>
-          </a:bodyPr>
-          <a:lstStyle/>
-          <a:p>
-            <a:endParaRPr lang="en-US" dirty="0"/>
-          </a:p>
-        </p:txBody>
-      </p:sp>
-      <p:sp>
-        <p:nvSpPr>
-          <p:cNvPr id="4" name="Slide Number Placeholder 3">
-            <a:extLst>
-              <a:ext uri="{FF2B5EF4-FFF2-40B4-BE49-F238E27FC236}">
-                <a16:creationId xmlns:a16="http://schemas.microsoft.com/office/drawing/2014/main" id="{67C4175E-1630-E448-A24B-90A6449FC134}"/>
-              </a:ext>
-            </a:extLst>
-          </p:cNvPr>
-          <p:cNvSpPr>
-            <a:spLocks noGrp="1"/>
-          </p:cNvSpPr>
-          <p:nvPr>
-            <p:ph type="sldNum" sz="quarter" idx="12"/>
-          </p:nvPr>
-        </p:nvSpPr>
-        <p:spPr/>
-        <p:txBody>
-          <a:bodyPr/>
-          <a:lstStyle/>
-          <a:p>
-            <a:fld id="{D75B69EA-F5F3-9148-B3D2-85669F9D4A27}" type="slidenum">
-              <a:rPr lang="en-US" smtClean="0"/>
-              <a:t>12</a:t>
-            </a:fld>
-            <a:endParaRPr lang="en-US"/>
-          </a:p>
-        </p:txBody>
-      </p:sp>
-      <p:sp>
-        <p:nvSpPr>
-          <p:cNvPr id="6" name="Oval 5">
-            <a:extLst>
-              <a:ext uri="{FF2B5EF4-FFF2-40B4-BE49-F238E27FC236}">
-                <a16:creationId xmlns:a16="http://schemas.microsoft.com/office/drawing/2014/main" id="{813080D5-35EC-1347-8DCB-E4F38DE88848}"/>
-              </a:ext>
-            </a:extLst>
-          </p:cNvPr>
-          <p:cNvSpPr/>
-          <p:nvPr/>
-        </p:nvSpPr>
-        <p:spPr>
-          <a:xfrm>
-            <a:off x="1885829" y="1468279"/>
-            <a:ext cx="762000" cy="685800"/>
-          </a:xfrm>
-          <a:prstGeom prst="ellipse">
-            <a:avLst/>
-          </a:prstGeom>
-        </p:spPr>
-        <p:style>
-          <a:lnRef idx="2">
-            <a:schemeClr val="accent1">
-              <a:shade val="50000"/>
-            </a:schemeClr>
-          </a:lnRef>
-          <a:fillRef idx="1">
-            <a:schemeClr val="accent1"/>
-          </a:fillRef>
-          <a:effectRef idx="0">
-            <a:schemeClr val="accent1"/>
-          </a:effectRef>
-          <a:fontRef idx="minor">
-            <a:schemeClr val="lt1"/>
-          </a:fontRef>
-        </p:style>
-        <p:txBody>
-          <a:bodyPr rtlCol="0" anchor="ctr"/>
-          <a:lstStyle/>
-          <a:p>
-            <a:pPr algn="ctr"/>
-            <a:endParaRPr lang="en-US"/>
-          </a:p>
-        </p:txBody>
-      </p:sp>
-      <p:sp>
-        <p:nvSpPr>
-          <p:cNvPr id="7" name="Oval 6">
-            <a:extLst>
-              <a:ext uri="{FF2B5EF4-FFF2-40B4-BE49-F238E27FC236}">
-                <a16:creationId xmlns:a16="http://schemas.microsoft.com/office/drawing/2014/main" id="{49FD2978-24C3-B34B-8027-5EBBCD73E7FB}"/>
-              </a:ext>
-            </a:extLst>
-          </p:cNvPr>
-          <p:cNvSpPr/>
-          <p:nvPr/>
-        </p:nvSpPr>
-        <p:spPr>
-          <a:xfrm>
-            <a:off x="4044829" y="2258450"/>
-            <a:ext cx="762000" cy="685800"/>
-          </a:xfrm>
-          <a:prstGeom prst="ellipse">
-            <a:avLst/>
-          </a:prstGeom>
-        </p:spPr>
-        <p:style>
-          <a:lnRef idx="2">
-            <a:schemeClr val="accent1">
-              <a:shade val="50000"/>
-            </a:schemeClr>
-          </a:lnRef>
-          <a:fillRef idx="1">
-            <a:schemeClr val="accent1"/>
-          </a:fillRef>
-          <a:effectRef idx="0">
-            <a:schemeClr val="accent1"/>
-          </a:effectRef>
-          <a:fontRef idx="minor">
-            <a:schemeClr val="lt1"/>
-          </a:fontRef>
-        </p:style>
-        <p:txBody>
-          <a:bodyPr rtlCol="0" anchor="ctr"/>
-          <a:lstStyle/>
-          <a:p>
-            <a:pPr algn="ctr"/>
-            <a:endParaRPr lang="en-US"/>
-          </a:p>
-        </p:txBody>
-      </p:sp>
-      <p:sp>
-        <p:nvSpPr>
-          <p:cNvPr id="8" name="Oval 7">
-            <a:extLst>
-              <a:ext uri="{FF2B5EF4-FFF2-40B4-BE49-F238E27FC236}">
-                <a16:creationId xmlns:a16="http://schemas.microsoft.com/office/drawing/2014/main" id="{9CC16BF1-0B0E-0C41-BD63-859FD1070A8F}"/>
-              </a:ext>
-            </a:extLst>
-          </p:cNvPr>
-          <p:cNvSpPr/>
-          <p:nvPr/>
-        </p:nvSpPr>
-        <p:spPr>
-          <a:xfrm>
-            <a:off x="209429" y="4094076"/>
-            <a:ext cx="762000" cy="685800"/>
-          </a:xfrm>
-          <a:prstGeom prst="ellipse">
-            <a:avLst/>
-          </a:prstGeom>
-        </p:spPr>
-        <p:style>
-          <a:lnRef idx="2">
-            <a:schemeClr val="accent1">
-              <a:shade val="50000"/>
-            </a:schemeClr>
-          </a:lnRef>
-          <a:fillRef idx="1">
-            <a:schemeClr val="accent1"/>
-          </a:fillRef>
-          <a:effectRef idx="0">
-            <a:schemeClr val="accent1"/>
-          </a:effectRef>
-          <a:fontRef idx="minor">
-            <a:schemeClr val="lt1"/>
-          </a:fontRef>
-        </p:style>
-        <p:txBody>
-          <a:bodyPr rtlCol="0" anchor="ctr"/>
-          <a:lstStyle/>
-          <a:p>
-            <a:pPr algn="ctr"/>
-            <a:endParaRPr lang="en-US"/>
-          </a:p>
-        </p:txBody>
-      </p:sp>
-      <p:sp>
-        <p:nvSpPr>
-          <p:cNvPr id="9" name="Oval 8">
-            <a:extLst>
-              <a:ext uri="{FF2B5EF4-FFF2-40B4-BE49-F238E27FC236}">
-                <a16:creationId xmlns:a16="http://schemas.microsoft.com/office/drawing/2014/main" id="{30952552-918E-A143-B7EA-9E8DA850FA84}"/>
-              </a:ext>
-            </a:extLst>
-          </p:cNvPr>
-          <p:cNvSpPr/>
-          <p:nvPr/>
-        </p:nvSpPr>
-        <p:spPr>
-          <a:xfrm>
-            <a:off x="1885829" y="5623791"/>
-            <a:ext cx="762000" cy="685800"/>
-          </a:xfrm>
-          <a:prstGeom prst="ellipse">
-            <a:avLst/>
-          </a:prstGeom>
-        </p:spPr>
-        <p:style>
-          <a:lnRef idx="2">
-            <a:schemeClr val="accent1">
-              <a:shade val="50000"/>
-            </a:schemeClr>
-          </a:lnRef>
-          <a:fillRef idx="1">
-            <a:schemeClr val="accent1"/>
-          </a:fillRef>
-          <a:effectRef idx="0">
-            <a:schemeClr val="accent1"/>
-          </a:effectRef>
-          <a:fontRef idx="minor">
-            <a:schemeClr val="lt1"/>
-          </a:fontRef>
-        </p:style>
-        <p:txBody>
-          <a:bodyPr rtlCol="0" anchor="ctr"/>
-          <a:lstStyle/>
-          <a:p>
-            <a:pPr algn="ctr"/>
-            <a:endParaRPr lang="en-US"/>
-          </a:p>
-        </p:txBody>
-      </p:sp>
-      <p:sp>
-        <p:nvSpPr>
-          <p:cNvPr id="10" name="Oval 9">
-            <a:extLst>
-              <a:ext uri="{FF2B5EF4-FFF2-40B4-BE49-F238E27FC236}">
-                <a16:creationId xmlns:a16="http://schemas.microsoft.com/office/drawing/2014/main" id="{D2EF9B9A-A849-A141-8F80-5F312CB3FA21}"/>
-              </a:ext>
-            </a:extLst>
-          </p:cNvPr>
-          <p:cNvSpPr/>
-          <p:nvPr/>
-        </p:nvSpPr>
-        <p:spPr>
-          <a:xfrm>
-            <a:off x="3244731" y="4322924"/>
-            <a:ext cx="762000" cy="685800"/>
-          </a:xfrm>
-          <a:prstGeom prst="ellipse">
-            <a:avLst/>
-          </a:prstGeom>
-        </p:spPr>
-        <p:style>
-          <a:lnRef idx="2">
-            <a:schemeClr val="accent1">
-              <a:shade val="50000"/>
-            </a:schemeClr>
-          </a:lnRef>
-          <a:fillRef idx="1">
-            <a:schemeClr val="accent1"/>
-          </a:fillRef>
-          <a:effectRef idx="0">
-            <a:schemeClr val="accent1"/>
-          </a:effectRef>
-          <a:fontRef idx="minor">
-            <a:schemeClr val="lt1"/>
-          </a:fontRef>
-        </p:style>
-        <p:txBody>
-          <a:bodyPr rtlCol="0" anchor="ctr"/>
-          <a:lstStyle/>
-          <a:p>
-            <a:pPr algn="ctr"/>
-            <a:endParaRPr lang="en-US"/>
-          </a:p>
-        </p:txBody>
-      </p:sp>
-      <p:cxnSp>
-        <p:nvCxnSpPr>
-          <p:cNvPr id="12" name="Straight Connector 11">
-            <a:extLst>
-              <a:ext uri="{FF2B5EF4-FFF2-40B4-BE49-F238E27FC236}">
-                <a16:creationId xmlns:a16="http://schemas.microsoft.com/office/drawing/2014/main" id="{8D63BC86-FE19-C746-8F1C-6645B07D2735}"/>
-              </a:ext>
-            </a:extLst>
-          </p:cNvPr>
-          <p:cNvCxnSpPr>
-            <a:cxnSpLocks/>
-          </p:cNvCxnSpPr>
-          <p:nvPr/>
-        </p:nvCxnSpPr>
-        <p:spPr>
-          <a:xfrm>
-            <a:off x="2609731" y="1994687"/>
-            <a:ext cx="1582505" cy="540389"/>
-          </a:xfrm>
-          <a:prstGeom prst="line">
-            <a:avLst/>
-          </a:prstGeom>
-          <a:ln w="63500"/>
-        </p:spPr>
-        <p:style>
-          <a:lnRef idx="1">
-            <a:schemeClr val="accent1"/>
-          </a:lnRef>
-          <a:fillRef idx="0">
-            <a:schemeClr val="accent1"/>
-          </a:fillRef>
-          <a:effectRef idx="0">
-            <a:schemeClr val="accent1"/>
-          </a:effectRef>
-          <a:fontRef idx="minor">
-            <a:schemeClr val="tx1"/>
-          </a:fontRef>
-        </p:style>
-      </p:cxnSp>
-      <p:cxnSp>
-        <p:nvCxnSpPr>
-          <p:cNvPr id="13" name="Straight Connector 12">
-            <a:extLst>
-              <a:ext uri="{FF2B5EF4-FFF2-40B4-BE49-F238E27FC236}">
-                <a16:creationId xmlns:a16="http://schemas.microsoft.com/office/drawing/2014/main" id="{FE0622E3-8E8A-3A45-844D-E62C154A4C17}"/>
-              </a:ext>
-            </a:extLst>
-          </p:cNvPr>
-          <p:cNvCxnSpPr>
-            <a:cxnSpLocks/>
-          </p:cNvCxnSpPr>
-          <p:nvPr/>
-        </p:nvCxnSpPr>
-        <p:spPr>
-          <a:xfrm flipV="1">
-            <a:off x="3760435" y="2516985"/>
-            <a:ext cx="601896" cy="2047367"/>
-          </a:xfrm>
-          <a:prstGeom prst="line">
-            <a:avLst/>
-          </a:prstGeom>
-          <a:ln w="63500"/>
-        </p:spPr>
-        <p:style>
-          <a:lnRef idx="1">
-            <a:schemeClr val="accent1"/>
-          </a:lnRef>
-          <a:fillRef idx="0">
-            <a:schemeClr val="accent1"/>
-          </a:fillRef>
-          <a:effectRef idx="0">
-            <a:schemeClr val="accent1"/>
-          </a:effectRef>
-          <a:fontRef idx="minor">
-            <a:schemeClr val="tx1"/>
-          </a:fontRef>
-        </p:style>
-      </p:cxnSp>
-      <p:cxnSp>
-        <p:nvCxnSpPr>
-          <p:cNvPr id="14" name="Straight Connector 13">
-            <a:extLst>
-              <a:ext uri="{FF2B5EF4-FFF2-40B4-BE49-F238E27FC236}">
-                <a16:creationId xmlns:a16="http://schemas.microsoft.com/office/drawing/2014/main" id="{55D923BF-2C32-EA40-A40D-1E6EDF7FB3F4}"/>
-              </a:ext>
-            </a:extLst>
-          </p:cNvPr>
-          <p:cNvCxnSpPr>
-            <a:cxnSpLocks/>
-          </p:cNvCxnSpPr>
-          <p:nvPr/>
-        </p:nvCxnSpPr>
-        <p:spPr>
-          <a:xfrm flipV="1">
-            <a:off x="2266829" y="4827531"/>
-            <a:ext cx="1308101" cy="1280189"/>
-          </a:xfrm>
-          <a:prstGeom prst="line">
-            <a:avLst/>
-          </a:prstGeom>
-          <a:ln w="63500"/>
-        </p:spPr>
-        <p:style>
-          <a:lnRef idx="1">
-            <a:schemeClr val="accent1"/>
-          </a:lnRef>
-          <a:fillRef idx="0">
-            <a:schemeClr val="accent1"/>
-          </a:fillRef>
-          <a:effectRef idx="0">
-            <a:schemeClr val="accent1"/>
-          </a:effectRef>
-          <a:fontRef idx="minor">
-            <a:schemeClr val="tx1"/>
-          </a:fontRef>
-        </p:style>
-      </p:cxnSp>
-      <p:cxnSp>
-        <p:nvCxnSpPr>
-          <p:cNvPr id="15" name="Straight Connector 14">
-            <a:extLst>
-              <a:ext uri="{FF2B5EF4-FFF2-40B4-BE49-F238E27FC236}">
-                <a16:creationId xmlns:a16="http://schemas.microsoft.com/office/drawing/2014/main" id="{84E27E48-64A9-CE4C-83F2-F49140DC5535}"/>
-              </a:ext>
-            </a:extLst>
-          </p:cNvPr>
-          <p:cNvCxnSpPr>
-            <a:cxnSpLocks/>
-          </p:cNvCxnSpPr>
-          <p:nvPr/>
-        </p:nvCxnSpPr>
-        <p:spPr>
-          <a:xfrm>
-            <a:off x="590429" y="4423357"/>
-            <a:ext cx="2984501" cy="281989"/>
-          </a:xfrm>
-          <a:prstGeom prst="line">
-            <a:avLst/>
-          </a:prstGeom>
-          <a:ln w="63500"/>
-        </p:spPr>
-        <p:style>
-          <a:lnRef idx="1">
-            <a:schemeClr val="accent1"/>
-          </a:lnRef>
-          <a:fillRef idx="0">
-            <a:schemeClr val="accent1"/>
-          </a:fillRef>
-          <a:effectRef idx="0">
-            <a:schemeClr val="accent1"/>
-          </a:effectRef>
-          <a:fontRef idx="minor">
-            <a:schemeClr val="tx1"/>
-          </a:fontRef>
-        </p:style>
-      </p:cxnSp>
-      <p:cxnSp>
-        <p:nvCxnSpPr>
-          <p:cNvPr id="16" name="Straight Connector 15">
-            <a:extLst>
-              <a:ext uri="{FF2B5EF4-FFF2-40B4-BE49-F238E27FC236}">
-                <a16:creationId xmlns:a16="http://schemas.microsoft.com/office/drawing/2014/main" id="{BEEF0658-0702-7A4B-B41D-4853A80A2056}"/>
-              </a:ext>
-            </a:extLst>
-          </p:cNvPr>
-          <p:cNvCxnSpPr>
-            <a:cxnSpLocks/>
-          </p:cNvCxnSpPr>
-          <p:nvPr/>
-        </p:nvCxnSpPr>
-        <p:spPr>
-          <a:xfrm flipH="1" flipV="1">
-            <a:off x="590429" y="4423357"/>
-            <a:ext cx="1498600" cy="1359210"/>
-          </a:xfrm>
-          <a:prstGeom prst="line">
-            <a:avLst/>
-          </a:prstGeom>
-          <a:ln w="63500"/>
-        </p:spPr>
-        <p:style>
-          <a:lnRef idx="1">
-            <a:schemeClr val="accent1"/>
-          </a:lnRef>
-          <a:fillRef idx="0">
-            <a:schemeClr val="accent1"/>
-          </a:fillRef>
-          <a:effectRef idx="0">
-            <a:schemeClr val="accent1"/>
-          </a:effectRef>
-          <a:fontRef idx="minor">
-            <a:schemeClr val="tx1"/>
-          </a:fontRef>
-        </p:style>
-      </p:cxnSp>
-      <mc:AlternateContent xmlns:mc="http://schemas.openxmlformats.org/markup-compatibility/2006" xmlns:a14="http://schemas.microsoft.com/office/drawing/2010/main">
-        <mc:Choice Requires="a14">
-          <p:sp>
-            <p:nvSpPr>
-              <p:cNvPr id="5" name="TextBox 4">
-                <a:extLst>
-                  <a:ext uri="{FF2B5EF4-FFF2-40B4-BE49-F238E27FC236}">
-                    <a16:creationId xmlns:a16="http://schemas.microsoft.com/office/drawing/2014/main" id="{D08AB213-1879-A645-A46C-658BF51AEB13}"/>
-                  </a:ext>
-                </a:extLst>
-              </p:cNvPr>
-              <p:cNvSpPr txBox="1"/>
-              <p:nvPr/>
-            </p:nvSpPr>
-            <p:spPr>
-              <a:xfrm>
-                <a:off x="4900163" y="2154079"/>
-                <a:ext cx="3452292" cy="577081"/>
-              </a:xfrm>
-              <a:prstGeom prst="rect">
-                <a:avLst/>
-              </a:prstGeom>
-              <a:noFill/>
-            </p:spPr>
-            <p:txBody>
-              <a:bodyPr wrap="none" lIns="0" tIns="0" rIns="0" bIns="0" rtlCol="0">
-                <a:spAutoFit/>
-              </a:bodyPr>
-              <a:lstStyle/>
-              <a:p>
-                <a:pPr/>
-                <a14:m>
-                  <m:oMathPara xmlns:m="http://schemas.openxmlformats.org/officeDocument/2006/math">
-                    <m:oMathParaPr>
-                      <m:jc m:val="centerGroup"/>
-                    </m:oMathParaPr>
-                    <m:oMath xmlns:m="http://schemas.openxmlformats.org/officeDocument/2006/math">
-                      <m:sSup>
-                        <m:sSupPr>
-                          <m:ctrlPr>
-                            <a:rPr lang="en-GB" sz="3600" i="1" smtClean="0">
-                              <a:latin typeface="Cambria Math" panose="02040503050406030204" pitchFamily="18" charset="0"/>
-                            </a:rPr>
-                          </m:ctrlPr>
-                        </m:sSupPr>
-                        <m:e>
-                          <m:r>
-                            <a:rPr lang="de-DE" sz="3600" b="0" i="1" smtClean="0">
-                              <a:latin typeface="Cambria Math" panose="02040503050406030204" pitchFamily="18" charset="0"/>
-                            </a:rPr>
-                            <m:t>𝑥</m:t>
-                          </m:r>
-                        </m:e>
-                        <m:sup>
-                          <m:r>
-                            <a:rPr lang="de-DE" sz="3600" b="0" i="1" smtClean="0">
-                              <a:latin typeface="Cambria Math" panose="02040503050406030204" pitchFamily="18" charset="0"/>
-                            </a:rPr>
-                            <m:t>(</m:t>
-                          </m:r>
-                          <m:r>
-                            <a:rPr lang="de-DE" sz="3600" b="0" i="1" smtClean="0">
-                              <a:latin typeface="Cambria Math" panose="02040503050406030204" pitchFamily="18" charset="0"/>
-                            </a:rPr>
-                            <m:t>𝑖</m:t>
-                          </m:r>
-                          <m:r>
-                            <a:rPr lang="de-DE" sz="3600" b="0" i="1" smtClean="0">
-                              <a:latin typeface="Cambria Math" panose="02040503050406030204" pitchFamily="18" charset="0"/>
-                            </a:rPr>
-                            <m:t>)</m:t>
-                          </m:r>
-                        </m:sup>
-                      </m:sSup>
-                      <m:r>
-                        <a:rPr lang="de-DE" sz="3600" b="0" i="1" smtClean="0">
-                          <a:latin typeface="Cambria Math" panose="02040503050406030204" pitchFamily="18" charset="0"/>
-                        </a:rPr>
-                        <m:t>=</m:t>
-                      </m:r>
-                      <m:sSup>
-                        <m:sSupPr>
-                          <m:ctrlPr>
-                            <a:rPr lang="de-DE" sz="3600" b="0" i="1" smtClean="0">
-                              <a:latin typeface="Cambria Math" panose="02040503050406030204" pitchFamily="18" charset="0"/>
-                            </a:rPr>
-                          </m:ctrlPr>
-                        </m:sSupPr>
-                        <m:e>
-                          <m:r>
-                            <a:rPr lang="de-DE" sz="3600" b="0" i="1" smtClean="0">
-                              <a:latin typeface="Cambria Math" panose="02040503050406030204" pitchFamily="18" charset="0"/>
-                            </a:rPr>
-                            <m:t>𝑤</m:t>
-                          </m:r>
-                        </m:e>
-                        <m:sup>
-                          <m:r>
-                            <a:rPr lang="de-DE" sz="3600" b="0" i="1" smtClean="0">
-                              <a:latin typeface="Cambria Math" panose="02040503050406030204" pitchFamily="18" charset="0"/>
-                            </a:rPr>
-                            <m:t>(</m:t>
-                          </m:r>
-                          <m:r>
-                            <a:rPr lang="de-DE" sz="3600" b="0" i="1" smtClean="0">
-                              <a:latin typeface="Cambria Math" panose="02040503050406030204" pitchFamily="18" charset="0"/>
-                            </a:rPr>
-                            <m:t>𝑖</m:t>
-                          </m:r>
-                          <m:r>
-                            <a:rPr lang="de-DE" sz="3600" b="0" i="1" smtClean="0">
-                              <a:latin typeface="Cambria Math" panose="02040503050406030204" pitchFamily="18" charset="0"/>
-                            </a:rPr>
-                            <m:t>)</m:t>
-                          </m:r>
-                        </m:sup>
-                      </m:sSup>
-                      <m:r>
-                        <a:rPr lang="de-DE" sz="3600" b="0" i="1" smtClean="0">
-                          <a:latin typeface="Cambria Math" panose="02040503050406030204" pitchFamily="18" charset="0"/>
-                        </a:rPr>
-                        <m:t>+</m:t>
-                      </m:r>
-                      <m:sSup>
-                        <m:sSupPr>
-                          <m:ctrlPr>
-                            <a:rPr lang="de-DE" sz="3600" b="0" i="1" smtClean="0">
-                              <a:latin typeface="Cambria Math" panose="02040503050406030204" pitchFamily="18" charset="0"/>
-                            </a:rPr>
-                          </m:ctrlPr>
-                        </m:sSupPr>
-                        <m:e>
-                          <m:r>
-                            <a:rPr lang="de-DE" sz="3600" b="0" i="1" smtClean="0">
-                              <a:latin typeface="Cambria Math" panose="02040503050406030204" pitchFamily="18" charset="0"/>
-                            </a:rPr>
-                            <m:t>𝑛</m:t>
-                          </m:r>
-                        </m:e>
-                        <m:sup>
-                          <m:r>
-                            <a:rPr lang="de-DE" sz="3600" b="0" i="1" smtClean="0">
-                              <a:latin typeface="Cambria Math" panose="02040503050406030204" pitchFamily="18" charset="0"/>
-                            </a:rPr>
-                            <m:t>(</m:t>
-                          </m:r>
-                          <m:r>
-                            <a:rPr lang="de-DE" sz="3600" b="0" i="1" smtClean="0">
-                              <a:latin typeface="Cambria Math" panose="02040503050406030204" pitchFamily="18" charset="0"/>
-                            </a:rPr>
-                            <m:t>𝑖</m:t>
-                          </m:r>
-                          <m:r>
-                            <a:rPr lang="de-DE" sz="3600" b="0" i="1" smtClean="0">
-                              <a:latin typeface="Cambria Math" panose="02040503050406030204" pitchFamily="18" charset="0"/>
-                            </a:rPr>
-                            <m:t>)</m:t>
-                          </m:r>
-                        </m:sup>
-                      </m:sSup>
-                    </m:oMath>
-                  </m:oMathPara>
-                </a14:m>
-                <a:endParaRPr lang="en-GB" sz="3600" dirty="0"/>
-              </a:p>
-            </p:txBody>
-          </p:sp>
-        </mc:Choice>
-        <mc:Fallback xmlns="">
-          <p:sp>
-            <p:nvSpPr>
-              <p:cNvPr id="5" name="TextBox 4">
-                <a:extLst>
-                  <a:ext uri="{FF2B5EF4-FFF2-40B4-BE49-F238E27FC236}">
-                    <a16:creationId xmlns:a16="http://schemas.microsoft.com/office/drawing/2014/main" id="{D08AB213-1879-A645-A46C-658BF51AEB13}"/>
-                  </a:ext>
-                </a:extLst>
-              </p:cNvPr>
-              <p:cNvSpPr txBox="1">
-                <a:spLocks noRot="1" noChangeAspect="1" noMove="1" noResize="1" noEditPoints="1" noAdjustHandles="1" noChangeArrowheads="1" noChangeShapeType="1" noTextEdit="1"/>
-              </p:cNvSpPr>
-              <p:nvPr/>
-            </p:nvSpPr>
-            <p:spPr>
-              <a:xfrm>
-                <a:off x="4900163" y="2154079"/>
-                <a:ext cx="3452292" cy="577081"/>
-              </a:xfrm>
-              <a:prstGeom prst="rect">
-                <a:avLst/>
-              </a:prstGeom>
-              <a:blipFill>
-                <a:blip r:embed="rId3"/>
-                <a:stretch>
-                  <a:fillRect l="-1099" t="-2128" r="-1832" b="-6383"/>
-                </a:stretch>
-              </a:blipFill>
-            </p:spPr>
-            <p:txBody>
-              <a:bodyPr/>
-              <a:lstStyle/>
-              <a:p>
-                <a:r>
-                  <a:rPr lang="en-GB">
-                    <a:noFill/>
-                  </a:rPr>
-                  <a:t> </a:t>
-                </a:r>
-              </a:p>
-            </p:txBody>
-          </p:sp>
-        </mc:Fallback>
-      </mc:AlternateContent>
-      <p:sp>
-        <p:nvSpPr>
-          <p:cNvPr id="11" name="TextBox 10">
-            <a:extLst>
-              <a:ext uri="{FF2B5EF4-FFF2-40B4-BE49-F238E27FC236}">
-                <a16:creationId xmlns:a16="http://schemas.microsoft.com/office/drawing/2014/main" id="{89C16FDA-CA06-B74C-A2EA-89D651A8225B}"/>
-              </a:ext>
-            </a:extLst>
-          </p:cNvPr>
-          <p:cNvSpPr txBox="1"/>
-          <p:nvPr/>
-        </p:nvSpPr>
-        <p:spPr>
-          <a:xfrm>
-            <a:off x="4476806" y="4779876"/>
-            <a:ext cx="4940776" cy="707886"/>
-          </a:xfrm>
-          <a:prstGeom prst="rect">
-            <a:avLst/>
-          </a:prstGeom>
-          <a:noFill/>
-        </p:spPr>
-        <p:txBody>
-          <a:bodyPr wrap="none" rtlCol="0">
-            <a:spAutoFit/>
-          </a:bodyPr>
-          <a:lstStyle/>
-          <a:p>
-            <a:r>
-              <a:rPr lang="en-GB" sz="4000" dirty="0"/>
-              <a:t>low pass constraint on </a:t>
-            </a:r>
-          </a:p>
-        </p:txBody>
-      </p:sp>
-      <mc:AlternateContent xmlns:mc="http://schemas.openxmlformats.org/markup-compatibility/2006" xmlns:a14="http://schemas.microsoft.com/office/drawing/2010/main">
-        <mc:Choice Requires="a14">
-          <p:sp>
-            <p:nvSpPr>
-              <p:cNvPr id="17" name="TextBox 16">
-                <a:extLst>
-                  <a:ext uri="{FF2B5EF4-FFF2-40B4-BE49-F238E27FC236}">
-                    <a16:creationId xmlns:a16="http://schemas.microsoft.com/office/drawing/2014/main" id="{0ECC5111-6F3E-6848-BA26-78B53073499D}"/>
-                  </a:ext>
-                </a:extLst>
-              </p:cNvPr>
-              <p:cNvSpPr txBox="1"/>
-              <p:nvPr/>
-            </p:nvSpPr>
-            <p:spPr>
-              <a:xfrm>
-                <a:off x="4148339" y="3296407"/>
-                <a:ext cx="872483" cy="665118"/>
-              </a:xfrm>
-              <a:prstGeom prst="rect">
-                <a:avLst/>
-              </a:prstGeom>
-              <a:noFill/>
-            </p:spPr>
-            <p:txBody>
-              <a:bodyPr wrap="none" lIns="0" tIns="0" rIns="0" bIns="0" rtlCol="0">
-                <a:spAutoFit/>
-              </a:bodyPr>
-              <a:lstStyle/>
-              <a:p>
-                <a:pPr/>
-                <a14:m>
-                  <m:oMathPara xmlns:m="http://schemas.openxmlformats.org/officeDocument/2006/math">
-                    <m:oMathParaPr>
-                      <m:jc m:val="centerGroup"/>
-                    </m:oMathParaPr>
-                    <m:oMath xmlns:m="http://schemas.openxmlformats.org/officeDocument/2006/math">
-                      <m:sSub>
-                        <m:sSubPr>
-                          <m:ctrlPr>
-                            <a:rPr lang="en-GB" sz="4000" i="1" smtClean="0">
-                              <a:latin typeface="Cambria Math" panose="02040503050406030204" pitchFamily="18" charset="0"/>
-                            </a:rPr>
-                          </m:ctrlPr>
-                        </m:sSubPr>
-                        <m:e>
-                          <m:r>
-                            <a:rPr lang="de-DE" sz="4000" b="0" i="1" smtClean="0">
-                              <a:latin typeface="Cambria Math" panose="02040503050406030204" pitchFamily="18" charset="0"/>
-                            </a:rPr>
-                            <m:t>𝐴</m:t>
-                          </m:r>
-                        </m:e>
-                        <m:sub>
-                          <m:r>
-                            <a:rPr lang="de-DE" sz="4000" b="0" i="1" smtClean="0">
-                              <a:latin typeface="Cambria Math" panose="02040503050406030204" pitchFamily="18" charset="0"/>
-                            </a:rPr>
-                            <m:t>𝑖</m:t>
-                          </m:r>
-                          <m:r>
-                            <a:rPr lang="de-DE" sz="4000" b="0" i="1" smtClean="0">
-                              <a:latin typeface="Cambria Math" panose="02040503050406030204" pitchFamily="18" charset="0"/>
-                            </a:rPr>
-                            <m:t>,</m:t>
-                          </m:r>
-                          <m:r>
-                            <a:rPr lang="de-DE" sz="4000" b="0" i="1" smtClean="0">
-                              <a:latin typeface="Cambria Math" panose="02040503050406030204" pitchFamily="18" charset="0"/>
-                            </a:rPr>
-                            <m:t>𝑗</m:t>
-                          </m:r>
-                        </m:sub>
-                      </m:sSub>
-                    </m:oMath>
-                  </m:oMathPara>
-                </a14:m>
-                <a:endParaRPr lang="en-GB" sz="4000" dirty="0"/>
-              </a:p>
-            </p:txBody>
-          </p:sp>
-        </mc:Choice>
-        <mc:Fallback xmlns="">
-          <p:sp>
-            <p:nvSpPr>
-              <p:cNvPr id="17" name="TextBox 16">
-                <a:extLst>
-                  <a:ext uri="{FF2B5EF4-FFF2-40B4-BE49-F238E27FC236}">
-                    <a16:creationId xmlns:a16="http://schemas.microsoft.com/office/drawing/2014/main" id="{0ECC5111-6F3E-6848-BA26-78B53073499D}"/>
-                  </a:ext>
-                </a:extLst>
-              </p:cNvPr>
-              <p:cNvSpPr txBox="1">
-                <a:spLocks noRot="1" noChangeAspect="1" noMove="1" noResize="1" noEditPoints="1" noAdjustHandles="1" noChangeArrowheads="1" noChangeShapeType="1" noTextEdit="1"/>
-              </p:cNvSpPr>
-              <p:nvPr/>
-            </p:nvSpPr>
-            <p:spPr>
-              <a:xfrm>
-                <a:off x="4148339" y="3296407"/>
-                <a:ext cx="872483" cy="665118"/>
-              </a:xfrm>
-              <a:prstGeom prst="rect">
-                <a:avLst/>
-              </a:prstGeom>
-              <a:blipFill>
-                <a:blip r:embed="rId4"/>
-                <a:stretch>
-                  <a:fillRect l="-12857" r="-8571" b="-24528"/>
-                </a:stretch>
-              </a:blipFill>
-            </p:spPr>
-            <p:txBody>
-              <a:bodyPr/>
-              <a:lstStyle/>
-              <a:p>
-                <a:r>
-                  <a:rPr lang="en-GB">
-                    <a:noFill/>
-                  </a:rPr>
-                  <a:t> </a:t>
-                </a:r>
-              </a:p>
-            </p:txBody>
-          </p:sp>
-        </mc:Fallback>
-      </mc:AlternateContent>
-      <mc:AlternateContent xmlns:mc="http://schemas.openxmlformats.org/markup-compatibility/2006" xmlns:a14="http://schemas.microsoft.com/office/drawing/2010/main">
-        <mc:Choice Requires="a14">
-          <p:sp>
-            <p:nvSpPr>
-              <p:cNvPr id="19" name="TextBox 18">
-                <a:extLst>
-                  <a:ext uri="{FF2B5EF4-FFF2-40B4-BE49-F238E27FC236}">
-                    <a16:creationId xmlns:a16="http://schemas.microsoft.com/office/drawing/2014/main" id="{AE392E29-4C3A-F24F-9CB8-15853510CBC9}"/>
-                  </a:ext>
-                </a:extLst>
-              </p:cNvPr>
-              <p:cNvSpPr txBox="1"/>
-              <p:nvPr/>
-            </p:nvSpPr>
-            <p:spPr>
-              <a:xfrm>
-                <a:off x="4192236" y="4209457"/>
-                <a:ext cx="3572516" cy="577081"/>
-              </a:xfrm>
-              <a:prstGeom prst="rect">
-                <a:avLst/>
-              </a:prstGeom>
-              <a:noFill/>
-            </p:spPr>
-            <p:txBody>
-              <a:bodyPr wrap="none" lIns="0" tIns="0" rIns="0" bIns="0" rtlCol="0">
-                <a:spAutoFit/>
-              </a:bodyPr>
-              <a:lstStyle/>
-              <a:p>
-                <a:pPr/>
-                <a14:m>
-                  <m:oMathPara xmlns:m="http://schemas.openxmlformats.org/officeDocument/2006/math">
-                    <m:oMathParaPr>
-                      <m:jc m:val="centerGroup"/>
-                    </m:oMathParaPr>
-                    <m:oMath xmlns:m="http://schemas.openxmlformats.org/officeDocument/2006/math">
-                      <m:sSup>
-                        <m:sSupPr>
-                          <m:ctrlPr>
-                            <a:rPr lang="en-GB" sz="3600" i="1" smtClean="0">
-                              <a:latin typeface="Cambria Math" panose="02040503050406030204" pitchFamily="18" charset="0"/>
-                            </a:rPr>
-                          </m:ctrlPr>
-                        </m:sSupPr>
-                        <m:e>
-                          <m:r>
-                            <a:rPr lang="de-DE" sz="3600" b="0" i="1" smtClean="0">
-                              <a:latin typeface="Cambria Math" panose="02040503050406030204" pitchFamily="18" charset="0"/>
-                            </a:rPr>
-                            <m:t>𝑥</m:t>
-                          </m:r>
-                        </m:e>
-                        <m:sup>
-                          <m:r>
-                            <a:rPr lang="de-DE" sz="3600" b="0" i="1" smtClean="0">
-                              <a:latin typeface="Cambria Math" panose="02040503050406030204" pitchFamily="18" charset="0"/>
-                            </a:rPr>
-                            <m:t>(</m:t>
-                          </m:r>
-                          <m:r>
-                            <a:rPr lang="de-DE" sz="3600" b="0" i="1" smtClean="0">
-                              <a:latin typeface="Cambria Math" panose="02040503050406030204" pitchFamily="18" charset="0"/>
-                            </a:rPr>
-                            <m:t>𝑗</m:t>
-                          </m:r>
-                          <m:r>
-                            <a:rPr lang="de-DE" sz="3600" b="0" i="1" smtClean="0">
-                              <a:latin typeface="Cambria Math" panose="02040503050406030204" pitchFamily="18" charset="0"/>
-                            </a:rPr>
-                            <m:t>)</m:t>
-                          </m:r>
-                        </m:sup>
-                      </m:sSup>
-                      <m:r>
-                        <a:rPr lang="de-DE" sz="3600" b="0" i="1" smtClean="0">
-                          <a:latin typeface="Cambria Math" panose="02040503050406030204" pitchFamily="18" charset="0"/>
-                        </a:rPr>
-                        <m:t>=</m:t>
-                      </m:r>
-                      <m:sSup>
-                        <m:sSupPr>
-                          <m:ctrlPr>
-                            <a:rPr lang="de-DE" sz="3600" b="0" i="1" smtClean="0">
-                              <a:latin typeface="Cambria Math" panose="02040503050406030204" pitchFamily="18" charset="0"/>
-                            </a:rPr>
-                          </m:ctrlPr>
-                        </m:sSupPr>
-                        <m:e>
-                          <m:r>
-                            <a:rPr lang="de-DE" sz="3600" b="0" i="1" smtClean="0">
-                              <a:latin typeface="Cambria Math" panose="02040503050406030204" pitchFamily="18" charset="0"/>
-                            </a:rPr>
-                            <m:t>𝑤</m:t>
-                          </m:r>
-                        </m:e>
-                        <m:sup>
-                          <m:r>
-                            <a:rPr lang="de-DE" sz="3600" b="0" i="1" smtClean="0">
-                              <a:latin typeface="Cambria Math" panose="02040503050406030204" pitchFamily="18" charset="0"/>
-                            </a:rPr>
-                            <m:t>(</m:t>
-                          </m:r>
-                          <m:r>
-                            <a:rPr lang="de-DE" sz="3600" b="0" i="1" smtClean="0">
-                              <a:latin typeface="Cambria Math" panose="02040503050406030204" pitchFamily="18" charset="0"/>
-                            </a:rPr>
-                            <m:t>𝑗</m:t>
-                          </m:r>
-                          <m:r>
-                            <a:rPr lang="de-DE" sz="3600" b="0" i="1" smtClean="0">
-                              <a:latin typeface="Cambria Math" panose="02040503050406030204" pitchFamily="18" charset="0"/>
-                            </a:rPr>
-                            <m:t>)</m:t>
-                          </m:r>
-                        </m:sup>
-                      </m:sSup>
-                      <m:r>
-                        <a:rPr lang="de-DE" sz="3600" b="0" i="1" smtClean="0">
-                          <a:latin typeface="Cambria Math" panose="02040503050406030204" pitchFamily="18" charset="0"/>
-                        </a:rPr>
-                        <m:t>+</m:t>
-                      </m:r>
-                      <m:sSup>
-                        <m:sSupPr>
-                          <m:ctrlPr>
-                            <a:rPr lang="de-DE" sz="3600" b="0" i="1" smtClean="0">
-                              <a:latin typeface="Cambria Math" panose="02040503050406030204" pitchFamily="18" charset="0"/>
-                            </a:rPr>
-                          </m:ctrlPr>
-                        </m:sSupPr>
-                        <m:e>
-                          <m:r>
-                            <a:rPr lang="de-DE" sz="3600" b="0" i="1" smtClean="0">
-                              <a:latin typeface="Cambria Math" panose="02040503050406030204" pitchFamily="18" charset="0"/>
-                            </a:rPr>
-                            <m:t>𝑛</m:t>
-                          </m:r>
-                        </m:e>
-                        <m:sup>
-                          <m:r>
-                            <a:rPr lang="de-DE" sz="3600" b="0" i="1" smtClean="0">
-                              <a:latin typeface="Cambria Math" panose="02040503050406030204" pitchFamily="18" charset="0"/>
-                            </a:rPr>
-                            <m:t>(</m:t>
-                          </m:r>
-                          <m:r>
-                            <a:rPr lang="de-DE" sz="3600" b="0" i="1" smtClean="0">
-                              <a:latin typeface="Cambria Math" panose="02040503050406030204" pitchFamily="18" charset="0"/>
-                            </a:rPr>
-                            <m:t>𝑗</m:t>
-                          </m:r>
-                          <m:r>
-                            <a:rPr lang="de-DE" sz="3600" b="0" i="1" smtClean="0">
-                              <a:latin typeface="Cambria Math" panose="02040503050406030204" pitchFamily="18" charset="0"/>
-                            </a:rPr>
-                            <m:t>)</m:t>
-                          </m:r>
-                        </m:sup>
-                      </m:sSup>
-                    </m:oMath>
-                  </m:oMathPara>
-                </a14:m>
-                <a:endParaRPr lang="en-GB" sz="3600" dirty="0"/>
-              </a:p>
-            </p:txBody>
-          </p:sp>
-        </mc:Choice>
-        <mc:Fallback xmlns="">
-          <p:sp>
-            <p:nvSpPr>
-              <p:cNvPr id="19" name="TextBox 18">
-                <a:extLst>
-                  <a:ext uri="{FF2B5EF4-FFF2-40B4-BE49-F238E27FC236}">
-                    <a16:creationId xmlns:a16="http://schemas.microsoft.com/office/drawing/2014/main" id="{AE392E29-4C3A-F24F-9CB8-15853510CBC9}"/>
-                  </a:ext>
-                </a:extLst>
-              </p:cNvPr>
-              <p:cNvSpPr txBox="1">
-                <a:spLocks noRot="1" noChangeAspect="1" noMove="1" noResize="1" noEditPoints="1" noAdjustHandles="1" noChangeArrowheads="1" noChangeShapeType="1" noTextEdit="1"/>
-              </p:cNvSpPr>
-              <p:nvPr/>
-            </p:nvSpPr>
-            <p:spPr>
-              <a:xfrm>
-                <a:off x="4192236" y="4209457"/>
-                <a:ext cx="3572516" cy="577081"/>
-              </a:xfrm>
-              <a:prstGeom prst="rect">
-                <a:avLst/>
-              </a:prstGeom>
-              <a:blipFill>
-                <a:blip r:embed="rId5"/>
-                <a:stretch>
-                  <a:fillRect l="-1418" t="-2174" r="-1773" b="-8696"/>
-                </a:stretch>
-              </a:blipFill>
-            </p:spPr>
-            <p:txBody>
-              <a:bodyPr/>
-              <a:lstStyle/>
-              <a:p>
-                <a:r>
-                  <a:rPr lang="en-GB">
-                    <a:noFill/>
-                  </a:rPr>
-                  <a:t> </a:t>
-                </a:r>
-              </a:p>
-            </p:txBody>
-          </p:sp>
-        </mc:Fallback>
-      </mc:AlternateContent>
-      <mc:AlternateContent xmlns:mc="http://schemas.openxmlformats.org/markup-compatibility/2006" xmlns:a14="http://schemas.microsoft.com/office/drawing/2010/main">
-        <mc:Choice Requires="a14">
-          <p:sp>
-            <p:nvSpPr>
-              <p:cNvPr id="20" name="TextBox 19">
-                <a:extLst>
-                  <a:ext uri="{FF2B5EF4-FFF2-40B4-BE49-F238E27FC236}">
-                    <a16:creationId xmlns:a16="http://schemas.microsoft.com/office/drawing/2014/main" id="{9DD6FCFE-A64D-F24F-91A3-0D1BEF591F77}"/>
-                  </a:ext>
-                </a:extLst>
-              </p:cNvPr>
-              <p:cNvSpPr txBox="1"/>
-              <p:nvPr/>
-            </p:nvSpPr>
-            <p:spPr>
-              <a:xfrm>
-                <a:off x="6151536" y="5291552"/>
-                <a:ext cx="3875420" cy="1253933"/>
-              </a:xfrm>
-              <a:prstGeom prst="rect">
-                <a:avLst/>
-              </a:prstGeom>
-              <a:noFill/>
-            </p:spPr>
-            <p:txBody>
-              <a:bodyPr wrap="none" lIns="0" tIns="0" rIns="0" bIns="0" rtlCol="0">
-                <a:spAutoFit/>
-              </a:bodyPr>
-              <a:lstStyle/>
-              <a:p>
-                <a:pPr/>
-                <a14:m>
-                  <m:oMathPara xmlns:m="http://schemas.openxmlformats.org/officeDocument/2006/math">
-                    <m:oMathParaPr>
-                      <m:jc m:val="centerGroup"/>
-                    </m:oMathParaPr>
-                    <m:oMath xmlns:m="http://schemas.openxmlformats.org/officeDocument/2006/math">
-                      <m:nary>
-                        <m:naryPr>
-                          <m:chr m:val="∑"/>
-                          <m:supHide m:val="on"/>
-                          <m:ctrlPr>
-                            <a:rPr lang="en-GB" sz="3200" i="1" smtClean="0">
-                              <a:latin typeface="Cambria Math" panose="02040503050406030204" pitchFamily="18" charset="0"/>
-                            </a:rPr>
-                          </m:ctrlPr>
-                        </m:naryPr>
-                        <m:sub>
-                          <m:d>
-                            <m:dPr>
-                              <m:begChr m:val="{"/>
-                              <m:endChr m:val="}"/>
-                              <m:ctrlPr>
-                                <a:rPr lang="en-GB" sz="3200" i="1" smtClean="0">
-                                  <a:latin typeface="Cambria Math" panose="02040503050406030204" pitchFamily="18" charset="0"/>
-                                </a:rPr>
-                              </m:ctrlPr>
-                            </m:dPr>
-                            <m:e>
-                              <m:r>
-                                <a:rPr lang="de-DE" sz="3200" b="0" i="1" smtClean="0">
-                                  <a:latin typeface="Cambria Math" panose="02040503050406030204" pitchFamily="18" charset="0"/>
-                                </a:rPr>
-                                <m:t>𝑖</m:t>
-                              </m:r>
-                              <m:r>
-                                <a:rPr lang="de-DE" sz="3200" b="0" i="1" smtClean="0">
-                                  <a:latin typeface="Cambria Math" panose="02040503050406030204" pitchFamily="18" charset="0"/>
-                                </a:rPr>
-                                <m:t>,</m:t>
-                              </m:r>
-                              <m:r>
-                                <a:rPr lang="de-DE" sz="3200" b="0" i="1" smtClean="0">
-                                  <a:latin typeface="Cambria Math" panose="02040503050406030204" pitchFamily="18" charset="0"/>
-                                </a:rPr>
-                                <m:t>𝑗</m:t>
-                              </m:r>
-                            </m:e>
-                          </m:d>
-                        </m:sub>
-                        <m:sup/>
-                        <m:e>
-                          <m:sSub>
-                            <m:sSubPr>
-                              <m:ctrlPr>
-                                <a:rPr lang="en-GB" sz="3200" i="1">
-                                  <a:latin typeface="Cambria Math" panose="02040503050406030204" pitchFamily="18" charset="0"/>
-                                </a:rPr>
-                              </m:ctrlPr>
-                            </m:sSubPr>
-                            <m:e>
-                              <m:r>
-                                <a:rPr lang="de-DE" sz="3200" i="1">
-                                  <a:latin typeface="Cambria Math" panose="02040503050406030204" pitchFamily="18" charset="0"/>
-                                </a:rPr>
-                                <m:t>𝐴</m:t>
-                              </m:r>
-                            </m:e>
-                            <m:sub>
-                              <m:r>
-                                <a:rPr lang="de-DE" sz="3200" i="1">
-                                  <a:latin typeface="Cambria Math" panose="02040503050406030204" pitchFamily="18" charset="0"/>
-                                </a:rPr>
-                                <m:t>𝑖</m:t>
-                              </m:r>
-                              <m:r>
-                                <a:rPr lang="de-DE" sz="3200" i="1">
-                                  <a:latin typeface="Cambria Math" panose="02040503050406030204" pitchFamily="18" charset="0"/>
-                                </a:rPr>
-                                <m:t>,</m:t>
-                              </m:r>
-                              <m:r>
-                                <a:rPr lang="de-DE" sz="3200" i="1">
-                                  <a:latin typeface="Cambria Math" panose="02040503050406030204" pitchFamily="18" charset="0"/>
-                                </a:rPr>
-                                <m:t>𝑗</m:t>
-                              </m:r>
-                            </m:sub>
-                          </m:sSub>
-                          <m:sSup>
-                            <m:sSupPr>
-                              <m:ctrlPr>
-                                <a:rPr lang="en-GB" sz="3200" i="1">
-                                  <a:latin typeface="Cambria Math" panose="02040503050406030204" pitchFamily="18" charset="0"/>
-                                </a:rPr>
-                              </m:ctrlPr>
-                            </m:sSupPr>
-                            <m:e>
-                              <m:d>
-                                <m:dPr>
-                                  <m:ctrlPr>
-                                    <a:rPr lang="en-GB" sz="3200" i="1">
-                                      <a:latin typeface="Cambria Math" panose="02040503050406030204" pitchFamily="18" charset="0"/>
-                                    </a:rPr>
-                                  </m:ctrlPr>
-                                </m:dPr>
-                                <m:e>
-                                  <m:sSup>
-                                    <m:sSupPr>
-                                      <m:ctrlPr>
-                                        <a:rPr lang="en-GB" sz="3200" i="1">
-                                          <a:latin typeface="Cambria Math" panose="02040503050406030204" pitchFamily="18" charset="0"/>
-                                        </a:rPr>
-                                      </m:ctrlPr>
-                                    </m:sSupPr>
-                                    <m:e>
-                                      <m:r>
-                                        <a:rPr lang="de-DE" sz="3200" b="1" i="0">
-                                          <a:latin typeface="Cambria Math" panose="02040503050406030204" pitchFamily="18" charset="0"/>
-                                        </a:rPr>
-                                        <m:t>𝐰</m:t>
-                                      </m:r>
-                                    </m:e>
-                                    <m:sup>
-                                      <m:r>
-                                        <a:rPr lang="de-DE" sz="3200" i="1">
-                                          <a:latin typeface="Cambria Math" panose="02040503050406030204" pitchFamily="18" charset="0"/>
-                                        </a:rPr>
-                                        <m:t>(</m:t>
-                                      </m:r>
-                                      <m:r>
-                                        <a:rPr lang="de-DE" sz="3200" i="1">
-                                          <a:latin typeface="Cambria Math" panose="02040503050406030204" pitchFamily="18" charset="0"/>
-                                        </a:rPr>
-                                        <m:t>𝑖</m:t>
-                                      </m:r>
-                                      <m:r>
-                                        <a:rPr lang="de-DE" sz="3200" i="1">
-                                          <a:latin typeface="Cambria Math" panose="02040503050406030204" pitchFamily="18" charset="0"/>
-                                        </a:rPr>
-                                        <m:t>)</m:t>
-                                      </m:r>
-                                    </m:sup>
-                                  </m:sSup>
-                                  <m:r>
-                                    <a:rPr lang="de-DE" sz="3200" i="1">
-                                      <a:latin typeface="Cambria Math" panose="02040503050406030204" pitchFamily="18" charset="0"/>
-                                    </a:rPr>
-                                    <m:t>−</m:t>
-                                  </m:r>
-                                  <m:sSup>
-                                    <m:sSupPr>
-                                      <m:ctrlPr>
-                                        <a:rPr lang="de-DE" sz="3200" i="1">
-                                          <a:latin typeface="Cambria Math" panose="02040503050406030204" pitchFamily="18" charset="0"/>
-                                        </a:rPr>
-                                      </m:ctrlPr>
-                                    </m:sSupPr>
-                                    <m:e>
-                                      <m:r>
-                                        <a:rPr lang="de-DE" sz="3200" b="1" i="0">
-                                          <a:latin typeface="Cambria Math" panose="02040503050406030204" pitchFamily="18" charset="0"/>
-                                        </a:rPr>
-                                        <m:t>𝐰</m:t>
-                                      </m:r>
-                                    </m:e>
-                                    <m:sup>
-                                      <m:r>
-                                        <a:rPr lang="de-DE" sz="3200" i="1">
-                                          <a:latin typeface="Cambria Math" panose="02040503050406030204" pitchFamily="18" charset="0"/>
-                                        </a:rPr>
-                                        <m:t>(</m:t>
-                                      </m:r>
-                                      <m:r>
-                                        <a:rPr lang="de-DE" sz="3200" i="1">
-                                          <a:latin typeface="Cambria Math" panose="02040503050406030204" pitchFamily="18" charset="0"/>
-                                        </a:rPr>
-                                        <m:t>𝑗</m:t>
-                                      </m:r>
-                                      <m:r>
-                                        <a:rPr lang="de-DE" sz="3200" i="1">
-                                          <a:latin typeface="Cambria Math" panose="02040503050406030204" pitchFamily="18" charset="0"/>
-                                        </a:rPr>
-                                        <m:t>)</m:t>
-                                      </m:r>
-                                    </m:sup>
-                                  </m:sSup>
-                                </m:e>
-                              </m:d>
-                            </m:e>
-                            <m:sup>
-                              <m:r>
-                                <a:rPr lang="de-DE" sz="3200" i="1">
-                                  <a:latin typeface="Cambria Math" panose="02040503050406030204" pitchFamily="18" charset="0"/>
-                                </a:rPr>
-                                <m:t>2</m:t>
-                              </m:r>
-                            </m:sup>
-                          </m:sSup>
-                        </m:e>
-                      </m:nary>
-                    </m:oMath>
-                  </m:oMathPara>
-                </a14:m>
-                <a:endParaRPr lang="en-GB" sz="3200" dirty="0"/>
-              </a:p>
-            </p:txBody>
-          </p:sp>
-        </mc:Choice>
-        <mc:Fallback xmlns="">
-          <p:sp>
-            <p:nvSpPr>
-              <p:cNvPr id="20" name="TextBox 19">
-                <a:extLst>
-                  <a:ext uri="{FF2B5EF4-FFF2-40B4-BE49-F238E27FC236}">
-                    <a16:creationId xmlns:a16="http://schemas.microsoft.com/office/drawing/2014/main" id="{9DD6FCFE-A64D-F24F-91A3-0D1BEF591F77}"/>
-                  </a:ext>
-                </a:extLst>
-              </p:cNvPr>
-              <p:cNvSpPr txBox="1">
-                <a:spLocks noRot="1" noChangeAspect="1" noMove="1" noResize="1" noEditPoints="1" noAdjustHandles="1" noChangeArrowheads="1" noChangeShapeType="1" noTextEdit="1"/>
-              </p:cNvSpPr>
-              <p:nvPr/>
-            </p:nvSpPr>
-            <p:spPr>
-              <a:xfrm>
-                <a:off x="6151536" y="5291552"/>
-                <a:ext cx="3875420" cy="1253933"/>
-              </a:xfrm>
-              <a:prstGeom prst="rect">
-                <a:avLst/>
-              </a:prstGeom>
-              <a:blipFill>
-                <a:blip r:embed="rId6"/>
-                <a:stretch>
-                  <a:fillRect l="-38235" t="-140000" r="-327" b="-188000"/>
-                </a:stretch>
-              </a:blipFill>
-            </p:spPr>
-            <p:txBody>
-              <a:bodyPr/>
-              <a:lstStyle/>
-              <a:p>
-                <a:r>
-                  <a:rPr lang="en-GB">
-                    <a:noFill/>
-                  </a:rPr>
-                  <a:t> </a:t>
-                </a:r>
-              </a:p>
-            </p:txBody>
-          </p:sp>
-        </mc:Fallback>
-      </mc:AlternateContent>
-      <p:sp>
-        <p:nvSpPr>
-          <p:cNvPr id="21" name="Date Placeholder 20">
-            <a:extLst>
-              <a:ext uri="{FF2B5EF4-FFF2-40B4-BE49-F238E27FC236}">
-                <a16:creationId xmlns:a16="http://schemas.microsoft.com/office/drawing/2014/main" id="{E53E789D-9F76-F674-31D3-7A8C484B68B5}"/>
-              </a:ext>
-            </a:extLst>
-          </p:cNvPr>
-          <p:cNvSpPr>
-            <a:spLocks noGrp="1"/>
-          </p:cNvSpPr>
-          <p:nvPr>
-            <p:ph type="dt" sz="half" idx="10"/>
-          </p:nvPr>
-        </p:nvSpPr>
-        <p:spPr/>
-        <p:txBody>
-          <a:bodyPr/>
-          <a:lstStyle/>
-          <a:p>
-            <a:fld id="{BF47B298-C7C5-0348-BDC3-B86CB556DBEE}" type="datetime1">
-              <a:rPr lang="en-US" smtClean="0"/>
-              <a:t>3/19/23</a:t>
-            </a:fld>
-            <a:endParaRPr lang="en-US"/>
-          </a:p>
-        </p:txBody>
-      </p:sp>
-    </p:spTree>
-    <p:extLst>
-      <p:ext uri="{BB962C8B-B14F-4D97-AF65-F5344CB8AC3E}">
-        <p14:creationId xmlns:p14="http://schemas.microsoft.com/office/powerpoint/2010/main" val="2373914207"/>
-      </p:ext>
-    </p:extLst>
-  </p:cSld>
-  <p:clrMapOvr>
-    <a:masterClrMapping/>
-  </p:clrMapOvr>
-</p:sld>
-</file>
-
-<file path=ppt/slides/slide13.xml><?xml version="1.0" encoding="utf-8"?>
-<p:sld xmlns:a="http://schemas.openxmlformats.org/drawingml/2006/main" xmlns:r="http://schemas.openxmlformats.org/officeDocument/2006/relationships" xmlns:p="http://schemas.openxmlformats.org/presentationml/2006/main">
-  <p:cSld>
-    <p:spTree>
-      <p:nvGrpSpPr>
-        <p:cNvPr id="1" name=""/>
-        <p:cNvGrpSpPr/>
-        <p:nvPr/>
-      </p:nvGrpSpPr>
-      <p:grpSpPr>
-        <a:xfrm>
-          <a:off x="0" y="0"/>
-          <a:ext cx="0" cy="0"/>
-          <a:chOff x="0" y="0"/>
-          <a:chExt cx="0" cy="0"/>
-        </a:xfrm>
-      </p:grpSpPr>
-      <p:sp>
-        <p:nvSpPr>
-          <p:cNvPr id="2" name="TextBox 1">
-            <a:extLst>
-              <a:ext uri="{FF2B5EF4-FFF2-40B4-BE49-F238E27FC236}">
-                <a16:creationId xmlns:a16="http://schemas.microsoft.com/office/drawing/2014/main" id="{F0F3E02E-0A64-4349-99EF-7FB5FF99AA0B}"/>
-              </a:ext>
-            </a:extLst>
-          </p:cNvPr>
-          <p:cNvSpPr txBox="1"/>
-          <p:nvPr/>
-        </p:nvSpPr>
-        <p:spPr>
-          <a:xfrm>
             <a:off x="482358" y="435076"/>
             <a:ext cx="5868081" cy="923330"/>
           </a:xfrm>
@@ -6076,7 +4509,7 @@
           <a:p>
             <a:r>
               <a:rPr lang="en-US" sz="5400" b="1" dirty="0"/>
-              <a:t>Local Loss Function.</a:t>
+              <a:t>Local Loss Function</a:t>
             </a:r>
           </a:p>
         </p:txBody>
@@ -6136,7 +4569,7 @@
           <a:p>
             <a:fld id="{D75B69EA-F5F3-9148-B3D2-85669F9D4A27}" type="slidenum">
               <a:rPr lang="en-US" smtClean="0"/>
-              <a:t>13</a:t>
+              <a:t>12</a:t>
             </a:fld>
             <a:endParaRPr lang="en-US"/>
           </a:p>
@@ -6204,7 +4637,7 @@
         </p:nvCxnSpPr>
         <p:spPr>
           <a:xfrm>
-            <a:off x="1163133" y="1777592"/>
+            <a:off x="1401261" y="1754237"/>
             <a:ext cx="1286777" cy="611960"/>
           </a:xfrm>
           <a:prstGeom prst="line">
@@ -6243,7 +4676,7 @@
         </p:nvCxnSpPr>
         <p:spPr>
           <a:xfrm flipV="1">
-            <a:off x="2203614" y="2782075"/>
+            <a:off x="2185552" y="2632430"/>
             <a:ext cx="601896" cy="2047367"/>
           </a:xfrm>
           <a:prstGeom prst="line">
@@ -6325,36 +4758,6 @@
           <a:xfrm>
             <a:off x="5818875" y="1843263"/>
             <a:ext cx="793946" cy="463135"/>
-          </a:xfrm>
-          <a:prstGeom prst="rect">
-            <a:avLst/>
-          </a:prstGeom>
-        </p:spPr>
-      </p:pic>
-      <p:pic>
-        <p:nvPicPr>
-          <p:cNvPr id="23" name="Picture 22">
-            <a:extLst>
-              <a:ext uri="{FF2B5EF4-FFF2-40B4-BE49-F238E27FC236}">
-                <a16:creationId xmlns:a16="http://schemas.microsoft.com/office/drawing/2014/main" id="{B6FDB135-85D6-7C45-8A3E-77C721156C20}"/>
-              </a:ext>
-            </a:extLst>
-          </p:cNvPr>
-          <p:cNvPicPr>
-            <a:picLocks noChangeAspect="1"/>
-          </p:cNvPicPr>
-          <p:nvPr/>
-        </p:nvPicPr>
-        <p:blipFill>
-          <a:blip r:embed="rId4"/>
-          <a:stretch>
-            <a:fillRect/>
-          </a:stretch>
-        </p:blipFill>
-        <p:spPr>
-          <a:xfrm>
-            <a:off x="2188367" y="1324286"/>
-            <a:ext cx="1234285" cy="720000"/>
           </a:xfrm>
           <a:prstGeom prst="rect">
             <a:avLst/>
@@ -6790,12 +5193,140 @@
           <a:p>
             <a:fld id="{277A8ED0-AB82-2645-B33D-D6C894DBAED3}" type="datetime1">
               <a:rPr lang="en-US" smtClean="0"/>
-              <a:t>3/19/23</a:t>
+              <a:t>3/20/23</a:t>
             </a:fld>
             <a:endParaRPr lang="en-US"/>
           </a:p>
         </p:txBody>
       </p:sp>
+      <mc:AlternateContent xmlns:mc="http://schemas.openxmlformats.org/markup-compatibility/2006" xmlns:a14="http://schemas.microsoft.com/office/drawing/2010/main">
+        <mc:Choice Requires="a14">
+          <p:sp>
+            <p:nvSpPr>
+              <p:cNvPr id="10" name="TextBox 9">
+                <a:extLst>
+                  <a:ext uri="{FF2B5EF4-FFF2-40B4-BE49-F238E27FC236}">
+                    <a16:creationId xmlns:a16="http://schemas.microsoft.com/office/drawing/2014/main" id="{C63F0163-F244-A7B0-C7B3-A2C3325D2729}"/>
+                  </a:ext>
+                </a:extLst>
+              </p:cNvPr>
+              <p:cNvSpPr txBox="1"/>
+              <p:nvPr/>
+            </p:nvSpPr>
+            <p:spPr>
+              <a:xfrm>
+                <a:off x="1163133" y="2540156"/>
+                <a:ext cx="1524905" cy="957891"/>
+              </a:xfrm>
+              <a:prstGeom prst="rect">
+                <a:avLst/>
+              </a:prstGeom>
+              <a:noFill/>
+            </p:spPr>
+            <p:txBody>
+              <a:bodyPr wrap="none" rtlCol="0">
+                <a:spAutoFit/>
+              </a:bodyPr>
+              <a:lstStyle/>
+              <a:p>
+                <a:pPr/>
+                <a14:m>
+                  <m:oMathPara xmlns:m="http://schemas.openxmlformats.org/officeDocument/2006/math">
+                    <m:oMathParaPr>
+                      <m:jc m:val="centerGroup"/>
+                    </m:oMathParaPr>
+                    <m:oMath xmlns:m="http://schemas.openxmlformats.org/officeDocument/2006/math">
+                      <m:sSup>
+                        <m:sSupPr>
+                          <m:ctrlPr>
+                            <a:rPr lang="en-GB" sz="5400" i="1" smtClean="0">
+                              <a:latin typeface="Cambria Math" panose="02040503050406030204" pitchFamily="18" charset="0"/>
+                            </a:rPr>
+                          </m:ctrlPr>
+                        </m:sSupPr>
+                        <m:e>
+                          <m:r>
+                            <a:rPr lang="en-GB" sz="5400" i="1" smtClean="0">
+                              <a:latin typeface="Cambria Math" panose="02040503050406030204" pitchFamily="18" charset="0"/>
+                              <a:ea typeface="Cambria Math" panose="02040503050406030204" pitchFamily="18" charset="0"/>
+                            </a:rPr>
+                            <m:t>𝒟</m:t>
+                          </m:r>
+                        </m:e>
+                        <m:sup>
+                          <m:r>
+                            <a:rPr lang="de-DE" sz="5400" b="0" i="1" smtClean="0">
+                              <a:latin typeface="Cambria Math" panose="02040503050406030204" pitchFamily="18" charset="0"/>
+                            </a:rPr>
+                            <m:t>(</m:t>
+                          </m:r>
+                          <m:r>
+                            <a:rPr lang="de-DE" sz="5400" b="0" i="1" smtClean="0">
+                              <a:latin typeface="Cambria Math" panose="02040503050406030204" pitchFamily="18" charset="0"/>
+                            </a:rPr>
+                            <m:t>𝑖</m:t>
+                          </m:r>
+                          <m:r>
+                            <a:rPr lang="de-DE" sz="5400" b="0" i="1" smtClean="0">
+                              <a:latin typeface="Cambria Math" panose="02040503050406030204" pitchFamily="18" charset="0"/>
+                            </a:rPr>
+                            <m:t>)</m:t>
+                          </m:r>
+                        </m:sup>
+                      </m:sSup>
+                    </m:oMath>
+                  </m:oMathPara>
+                </a14:m>
+                <a:endParaRPr lang="en-GB" sz="5400" dirty="0"/>
+              </a:p>
+            </p:txBody>
+          </p:sp>
+        </mc:Choice>
+        <mc:Fallback xmlns="">
+          <p:sp>
+            <p:nvSpPr>
+              <p:cNvPr id="10" name="TextBox 9">
+                <a:extLst>
+                  <a:ext uri="{FF2B5EF4-FFF2-40B4-BE49-F238E27FC236}">
+                    <a16:creationId xmlns:a16="http://schemas.microsoft.com/office/drawing/2014/main" id="{C63F0163-F244-A7B0-C7B3-A2C3325D2729}"/>
+                  </a:ext>
+                </a:extLst>
+              </p:cNvPr>
+              <p:cNvSpPr txBox="1">
+                <a:spLocks noRot="1" noChangeAspect="1" noMove="1" noResize="1" noEditPoints="1" noAdjustHandles="1" noChangeArrowheads="1" noChangeShapeType="1" noTextEdit="1"/>
+              </p:cNvSpPr>
+              <p:nvPr/>
+            </p:nvSpPr>
+            <p:spPr>
+              <a:xfrm>
+                <a:off x="1163133" y="2540156"/>
+                <a:ext cx="1524905" cy="957891"/>
+              </a:xfrm>
+              <a:prstGeom prst="rect">
+                <a:avLst/>
+              </a:prstGeom>
+              <a:blipFill>
+                <a:blip r:embed="rId6"/>
+                <a:stretch>
+                  <a:fillRect l="-3306" r="-1653"/>
+                </a:stretch>
+              </a:blipFill>
+            </p:spPr>
+            <p:txBody>
+              <a:bodyPr/>
+              <a:lstStyle/>
+              <a:p>
+                <a:r>
+                  <a:rPr lang="en-GB">
+                    <a:noFill/>
+                  </a:rPr>
+                  <a:t> </a:t>
+                </a:r>
+              </a:p>
+            </p:txBody>
+          </p:sp>
+        </mc:Fallback>
+      </mc:AlternateContent>
     </p:spTree>
     <p:extLst>
       <p:ext uri="{BB962C8B-B14F-4D97-AF65-F5344CB8AC3E}">
@@ -6809,7 +5340,7 @@
 </p:sld>
 </file>
 
-<file path=ppt/slides/slide14.xml><?xml version="1.0" encoding="utf-8"?>
+<file path=ppt/slides/slide13.xml><?xml version="1.0" encoding="utf-8"?>
 <p:sld xmlns:a="http://schemas.openxmlformats.org/drawingml/2006/main" xmlns:r="http://schemas.openxmlformats.org/officeDocument/2006/relationships" xmlns:p="http://schemas.openxmlformats.org/presentationml/2006/main">
   <p:cSld>
     <p:spTree>
@@ -6887,7 +5418,7 @@
             <a:fld id="{D75B69EA-F5F3-9148-B3D2-85669F9D4A27}" type="slidenum">
               <a:rPr lang="en-US" smtClean="0"/>
               <a:pPr/>
-              <a:t>14</a:t>
+              <a:t>13</a:t>
             </a:fld>
             <a:endParaRPr lang="en-US" dirty="0"/>
           </a:p>
@@ -7643,7 +6174,7 @@
           <a:p>
             <a:fld id="{9964A0A3-3C4F-DD49-BACB-31C74252E6B7}" type="datetime1">
               <a:rPr lang="en-US" smtClean="0"/>
-              <a:t>3/19/23</a:t>
+              <a:t>3/20/23</a:t>
             </a:fld>
             <a:endParaRPr lang="en-US" dirty="0"/>
           </a:p>
@@ -7662,7 +6193,7 @@
 </p:sld>
 </file>
 
-<file path=ppt/slides/slide15.xml><?xml version="1.0" encoding="utf-8"?>
+<file path=ppt/slides/slide14.xml><?xml version="1.0" encoding="utf-8"?>
 <p:sld xmlns:a="http://schemas.openxmlformats.org/drawingml/2006/main" xmlns:r="http://schemas.openxmlformats.org/officeDocument/2006/relationships" xmlns:p="http://schemas.openxmlformats.org/presentationml/2006/main">
   <p:cSld>
     <p:spTree>
@@ -7740,7 +6271,7 @@
             <a:fld id="{D75B69EA-F5F3-9148-B3D2-85669F9D4A27}" type="slidenum">
               <a:rPr lang="en-US" smtClean="0"/>
               <a:pPr/>
-              <a:t>15</a:t>
+              <a:t>14</a:t>
             </a:fld>
             <a:endParaRPr lang="en-US" dirty="0"/>
           </a:p>
@@ -8262,7 +6793,7 @@
           <a:p>
             <a:fld id="{EADC3B72-5643-7B4B-8E49-C08E00D7D412}" type="datetime1">
               <a:rPr lang="en-US" smtClean="0"/>
-              <a:t>3/19/23</a:t>
+              <a:t>3/20/23</a:t>
             </a:fld>
             <a:endParaRPr lang="en-US" dirty="0"/>
           </a:p>
@@ -8281,7 +6812,7 @@
 </p:sld>
 </file>
 
-<file path=ppt/slides/slide16.xml><?xml version="1.0" encoding="utf-8"?>
+<file path=ppt/slides/slide15.xml><?xml version="1.0" encoding="utf-8"?>
 <p:sld xmlns:a="http://schemas.openxmlformats.org/drawingml/2006/main" xmlns:r="http://schemas.openxmlformats.org/officeDocument/2006/relationships" xmlns:p="http://schemas.openxmlformats.org/presentationml/2006/main">
   <p:cSld>
     <p:spTree>
@@ -8359,7 +6890,7 @@
             <a:fld id="{D75B69EA-F5F3-9148-B3D2-85669F9D4A27}" type="slidenum">
               <a:rPr lang="en-US" smtClean="0"/>
               <a:pPr/>
-              <a:t>16</a:t>
+              <a:t>15</a:t>
             </a:fld>
             <a:endParaRPr lang="en-US" dirty="0"/>
           </a:p>
@@ -8904,7 +7435,7 @@
           <a:p>
             <a:fld id="{A4886EF9-437D-8543-B485-FCBE8180C4E7}" type="datetime1">
               <a:rPr lang="en-US" smtClean="0"/>
-              <a:t>3/19/23</a:t>
+              <a:t>3/20/23</a:t>
             </a:fld>
             <a:endParaRPr lang="en-US" dirty="0"/>
           </a:p>
@@ -8923,7 +7454,7 @@
 </p:sld>
 </file>
 
-<file path=ppt/slides/slide17.xml><?xml version="1.0" encoding="utf-8"?>
+<file path=ppt/slides/slide16.xml><?xml version="1.0" encoding="utf-8"?>
 <p:sld xmlns:a="http://schemas.openxmlformats.org/drawingml/2006/main" xmlns:r="http://schemas.openxmlformats.org/officeDocument/2006/relationships" xmlns:p="http://schemas.openxmlformats.org/presentationml/2006/main">
   <p:cSld>
     <p:spTree>
@@ -9001,7 +7532,7 @@
             <a:fld id="{D75B69EA-F5F3-9148-B3D2-85669F9D4A27}" type="slidenum">
               <a:rPr lang="en-US" smtClean="0"/>
               <a:pPr/>
-              <a:t>17</a:t>
+              <a:t>16</a:t>
             </a:fld>
             <a:endParaRPr lang="en-US" dirty="0"/>
           </a:p>
@@ -9030,14 +7561,14 @@
           <a:p>
             <a:fld id="{9964A0A3-3C4F-DD49-BACB-31C74252E6B7}" type="datetime1">
               <a:rPr lang="en-US" smtClean="0"/>
-              <a:t>3/19/23</a:t>
+              <a:t>3/20/23</a:t>
             </a:fld>
             <a:endParaRPr lang="en-US" dirty="0"/>
           </a:p>
         </p:txBody>
       </p:sp>
-      <mc:AlternateContent xmlns:mc="http://schemas.openxmlformats.org/markup-compatibility/2006">
-        <mc:Choice xmlns:a14="http://schemas.microsoft.com/office/drawing/2010/main" Requires="a14">
+      <mc:AlternateContent xmlns:mc="http://schemas.openxmlformats.org/markup-compatibility/2006" xmlns:a14="http://schemas.microsoft.com/office/drawing/2010/main">
+        <mc:Choice Requires="a14">
           <p:sp>
             <p:nvSpPr>
               <p:cNvPr id="10" name="TextBox 9">
@@ -9454,7 +7985,7 @@
             </p:txBody>
           </p:sp>
         </mc:Choice>
-        <mc:Fallback>
+        <mc:Fallback xmlns="">
           <p:sp>
             <p:nvSpPr>
               <p:cNvPr id="10" name="TextBox 9">
@@ -9533,7 +8064,7 @@
             </a:pPr>
             <a:r>
               <a:rPr lang="en-GB" sz="4400" dirty="0"/>
-              <a:t>computational aspects: how can we efficiently compute solutions (approximately) </a:t>
+              <a:t>computational aspects: how to compute (approximate) solutions efficiently ?</a:t>
             </a:r>
           </a:p>
           <a:p>
@@ -9559,6 +8090,134 @@
     <p:extLst>
       <p:ext uri="{BB962C8B-B14F-4D97-AF65-F5344CB8AC3E}">
         <p14:creationId xmlns:p14="http://schemas.microsoft.com/office/powerpoint/2010/main" val="4076598427"/>
+      </p:ext>
+    </p:extLst>
+  </p:cSld>
+  <p:clrMapOvr>
+    <a:masterClrMapping/>
+  </p:clrMapOvr>
+</p:sld>
+</file>
+
+<file path=ppt/slides/slide17.xml><?xml version="1.0" encoding="utf-8"?>
+<p:sld xmlns:a="http://schemas.openxmlformats.org/drawingml/2006/main" xmlns:r="http://schemas.openxmlformats.org/officeDocument/2006/relationships" xmlns:p="http://schemas.openxmlformats.org/presentationml/2006/main">
+  <p:cSld>
+    <p:spTree>
+      <p:nvGrpSpPr>
+        <p:cNvPr id="1" name=""/>
+        <p:cNvGrpSpPr/>
+        <p:nvPr/>
+      </p:nvGrpSpPr>
+      <p:grpSpPr>
+        <a:xfrm>
+          <a:off x="0" y="0"/>
+          <a:ext cx="0" cy="0"/>
+          <a:chOff x="0" y="0"/>
+          <a:chExt cx="0" cy="0"/>
+        </a:xfrm>
+      </p:grpSpPr>
+      <p:sp>
+        <p:nvSpPr>
+          <p:cNvPr id="3" name="Slide Number Placeholder 2">
+            <a:extLst>
+              <a:ext uri="{FF2B5EF4-FFF2-40B4-BE49-F238E27FC236}">
+                <a16:creationId xmlns:a16="http://schemas.microsoft.com/office/drawing/2014/main" id="{586329B8-615A-7647-98FD-7D365CE2492C}"/>
+              </a:ext>
+            </a:extLst>
+          </p:cNvPr>
+          <p:cNvSpPr>
+            <a:spLocks noGrp="1"/>
+          </p:cNvSpPr>
+          <p:nvPr>
+            <p:ph type="sldNum" sz="quarter" idx="12"/>
+          </p:nvPr>
+        </p:nvSpPr>
+        <p:spPr/>
+        <p:txBody>
+          <a:bodyPr/>
+          <a:lstStyle/>
+          <a:p>
+            <a:fld id="{D75B69EA-F5F3-9148-B3D2-85669F9D4A27}" type="slidenum">
+              <a:rPr lang="en-US" smtClean="0"/>
+              <a:pPr/>
+              <a:t>17</a:t>
+            </a:fld>
+            <a:endParaRPr lang="en-US" dirty="0"/>
+          </a:p>
+        </p:txBody>
+      </p:sp>
+      <p:sp>
+        <p:nvSpPr>
+          <p:cNvPr id="6" name="Date Placeholder 5">
+            <a:extLst>
+              <a:ext uri="{FF2B5EF4-FFF2-40B4-BE49-F238E27FC236}">
+                <a16:creationId xmlns:a16="http://schemas.microsoft.com/office/drawing/2014/main" id="{7CEAE1AE-1781-3B95-DB5D-5ACFB2CE9340}"/>
+              </a:ext>
+            </a:extLst>
+          </p:cNvPr>
+          <p:cNvSpPr>
+            <a:spLocks noGrp="1"/>
+          </p:cNvSpPr>
+          <p:nvPr>
+            <p:ph type="dt" sz="half" idx="10"/>
+          </p:nvPr>
+        </p:nvSpPr>
+        <p:spPr/>
+        <p:txBody>
+          <a:bodyPr/>
+          <a:lstStyle/>
+          <a:p>
+            <a:fld id="{9964A0A3-3C4F-DD49-BACB-31C74252E6B7}" type="datetime1">
+              <a:rPr lang="en-US" smtClean="0"/>
+              <a:t>3/20/23</a:t>
+            </a:fld>
+            <a:endParaRPr lang="en-US" dirty="0"/>
+          </a:p>
+        </p:txBody>
+      </p:sp>
+      <p:sp>
+        <p:nvSpPr>
+          <p:cNvPr id="11" name="TextBox 10">
+            <a:extLst>
+              <a:ext uri="{FF2B5EF4-FFF2-40B4-BE49-F238E27FC236}">
+                <a16:creationId xmlns:a16="http://schemas.microsoft.com/office/drawing/2014/main" id="{6492DBF3-515C-F1FA-8B15-B46143E7BCD2}"/>
+              </a:ext>
+            </a:extLst>
+          </p:cNvPr>
+          <p:cNvSpPr txBox="1"/>
+          <p:nvPr/>
+        </p:nvSpPr>
+        <p:spPr>
+          <a:xfrm>
+            <a:off x="838200" y="1631853"/>
+            <a:ext cx="10497202" cy="3046988"/>
+          </a:xfrm>
+          <a:prstGeom prst="rect">
+            <a:avLst/>
+          </a:prstGeom>
+          <a:noFill/>
+        </p:spPr>
+        <p:txBody>
+          <a:bodyPr wrap="square" rtlCol="0">
+            <a:spAutoFit/>
+          </a:bodyPr>
+          <a:lstStyle/>
+          <a:p>
+            <a:r>
+              <a:rPr lang="en-GB" sz="9600" b="1" dirty="0">
+                <a:solidFill>
+                  <a:srgbClr val="FF0000"/>
+                </a:solidFill>
+              </a:rPr>
+              <a:t>Computational Aspects</a:t>
+            </a:r>
+          </a:p>
+        </p:txBody>
+      </p:sp>
+    </p:spTree>
+    <p:extLst>
+      <p:ext uri="{BB962C8B-B14F-4D97-AF65-F5344CB8AC3E}">
+        <p14:creationId xmlns:p14="http://schemas.microsoft.com/office/powerpoint/2010/main" val="3588565550"/>
       </p:ext>
     </p:extLst>
   </p:cSld>
@@ -9587,6 +8246,43 @@
       </p:grpSpPr>
       <p:sp>
         <p:nvSpPr>
+          <p:cNvPr id="2" name="Title 1">
+            <a:extLst>
+              <a:ext uri="{FF2B5EF4-FFF2-40B4-BE49-F238E27FC236}">
+                <a16:creationId xmlns:a16="http://schemas.microsoft.com/office/drawing/2014/main" id="{1B3D9B9F-DF9D-FF4B-AD81-6E13E697543B}"/>
+              </a:ext>
+            </a:extLst>
+          </p:cNvPr>
+          <p:cNvSpPr>
+            <a:spLocks noGrp="1"/>
+          </p:cNvSpPr>
+          <p:nvPr>
+            <p:ph type="title"/>
+          </p:nvPr>
+        </p:nvSpPr>
+        <p:spPr>
+          <a:xfrm>
+            <a:off x="503510" y="262400"/>
+            <a:ext cx="9096441" cy="1157823"/>
+          </a:xfrm>
+        </p:spPr>
+        <p:txBody>
+          <a:bodyPr>
+            <a:noAutofit/>
+          </a:bodyPr>
+          <a:lstStyle/>
+          <a:p>
+            <a:r>
+              <a:rPr lang="en-US" sz="6600" b="1" dirty="0">
+                <a:latin typeface="+mn-lt"/>
+              </a:rPr>
+              <a:t>A FL Setting</a:t>
+            </a:r>
+          </a:p>
+        </p:txBody>
+      </p:sp>
+      <p:sp>
+        <p:nvSpPr>
           <p:cNvPr id="3" name="Slide Number Placeholder 2">
             <a:extLst>
               <a:ext uri="{FF2B5EF4-FFF2-40B4-BE49-F238E27FC236}">
@@ -9615,12 +8311,303 @@
           </a:p>
         </p:txBody>
       </p:sp>
+      <p:pic>
+        <p:nvPicPr>
+          <p:cNvPr id="7" name="Graphic 6" descr="Smart Phone with solid fill">
+            <a:extLst>
+              <a:ext uri="{FF2B5EF4-FFF2-40B4-BE49-F238E27FC236}">
+                <a16:creationId xmlns:a16="http://schemas.microsoft.com/office/drawing/2014/main" id="{0CF3D7CD-F118-18E8-28EC-9AACF9D9E82F}"/>
+              </a:ext>
+            </a:extLst>
+          </p:cNvPr>
+          <p:cNvPicPr>
+            <a:picLocks noChangeAspect="1"/>
+          </p:cNvPicPr>
+          <p:nvPr/>
+        </p:nvPicPr>
+        <p:blipFill>
+          <a:blip r:embed="rId2">
+            <a:extLst>
+              <a:ext uri="{96DAC541-7B7A-43D3-8B79-37D633B846F1}">
+                <asvg:svgBlip xmlns:asvg="http://schemas.microsoft.com/office/drawing/2016/SVG/main" r:embed="rId3"/>
+              </a:ext>
+            </a:extLst>
+          </a:blip>
+          <a:stretch>
+            <a:fillRect/>
+          </a:stretch>
+        </p:blipFill>
+        <p:spPr>
+          <a:xfrm>
+            <a:off x="8125098" y="1740239"/>
+            <a:ext cx="1862529" cy="1862529"/>
+          </a:xfrm>
+          <a:prstGeom prst="rect">
+            <a:avLst/>
+          </a:prstGeom>
+        </p:spPr>
+      </p:pic>
+      <p:pic>
+        <p:nvPicPr>
+          <p:cNvPr id="8" name="Graphic 7" descr="Smart Phone with solid fill">
+            <a:extLst>
+              <a:ext uri="{FF2B5EF4-FFF2-40B4-BE49-F238E27FC236}">
+                <a16:creationId xmlns:a16="http://schemas.microsoft.com/office/drawing/2014/main" id="{336DD251-CC98-8AF4-3A40-9D4351568F61}"/>
+              </a:ext>
+            </a:extLst>
+          </p:cNvPr>
+          <p:cNvPicPr>
+            <a:picLocks noChangeAspect="1"/>
+          </p:cNvPicPr>
+          <p:nvPr/>
+        </p:nvPicPr>
+        <p:blipFill>
+          <a:blip r:embed="rId2">
+            <a:extLst>
+              <a:ext uri="{96DAC541-7B7A-43D3-8B79-37D633B846F1}">
+                <asvg:svgBlip xmlns:asvg="http://schemas.microsoft.com/office/drawing/2016/SVG/main" r:embed="rId3"/>
+              </a:ext>
+            </a:extLst>
+          </a:blip>
+          <a:stretch>
+            <a:fillRect/>
+          </a:stretch>
+        </p:blipFill>
+        <p:spPr>
+          <a:xfrm>
+            <a:off x="2592049" y="1385760"/>
+            <a:ext cx="1715286" cy="1715286"/>
+          </a:xfrm>
+          <a:prstGeom prst="rect">
+            <a:avLst/>
+          </a:prstGeom>
+        </p:spPr>
+      </p:pic>
+      <p:pic>
+        <p:nvPicPr>
+          <p:cNvPr id="9" name="Graphic 8" descr="Smart Phone with solid fill">
+            <a:extLst>
+              <a:ext uri="{FF2B5EF4-FFF2-40B4-BE49-F238E27FC236}">
+                <a16:creationId xmlns:a16="http://schemas.microsoft.com/office/drawing/2014/main" id="{E4A72C99-F911-B3FB-C5EB-0731C0E130E3}"/>
+              </a:ext>
+            </a:extLst>
+          </p:cNvPr>
+          <p:cNvPicPr>
+            <a:picLocks noChangeAspect="1"/>
+          </p:cNvPicPr>
+          <p:nvPr/>
+        </p:nvPicPr>
+        <p:blipFill>
+          <a:blip r:embed="rId2">
+            <a:extLst>
+              <a:ext uri="{96DAC541-7B7A-43D3-8B79-37D633B846F1}">
+                <asvg:svgBlip xmlns:asvg="http://schemas.microsoft.com/office/drawing/2016/SVG/main" r:embed="rId3"/>
+              </a:ext>
+            </a:extLst>
+          </a:blip>
+          <a:stretch>
+            <a:fillRect/>
+          </a:stretch>
+        </p:blipFill>
+        <p:spPr>
+          <a:xfrm>
+            <a:off x="4420851" y="4499339"/>
+            <a:ext cx="2010762" cy="2010762"/>
+          </a:xfrm>
+          <a:prstGeom prst="rect">
+            <a:avLst/>
+          </a:prstGeom>
+        </p:spPr>
+      </p:pic>
+      <p:pic>
+        <p:nvPicPr>
+          <p:cNvPr id="10" name="Picture 9">
+            <a:extLst>
+              <a:ext uri="{FF2B5EF4-FFF2-40B4-BE49-F238E27FC236}">
+                <a16:creationId xmlns:a16="http://schemas.microsoft.com/office/drawing/2014/main" id="{8C5C0B4F-1D9A-7645-D7DF-C975157AE43D}"/>
+              </a:ext>
+            </a:extLst>
+          </p:cNvPr>
+          <p:cNvPicPr>
+            <a:picLocks noChangeAspect="1"/>
+          </p:cNvPicPr>
+          <p:nvPr/>
+        </p:nvPicPr>
+        <p:blipFill>
+          <a:blip r:embed="rId4" cstate="email">
+            <a:extLst>
+              <a:ext uri="{28A0092B-C50C-407E-A947-70E740481C1C}">
+                <a14:useLocalDpi xmlns:a14="http://schemas.microsoft.com/office/drawing/2010/main"/>
+              </a:ext>
+            </a:extLst>
+          </a:blip>
+          <a:stretch>
+            <a:fillRect/>
+          </a:stretch>
+        </p:blipFill>
+        <p:spPr>
+          <a:xfrm>
+            <a:off x="4169763" y="1353280"/>
+            <a:ext cx="1422400" cy="1422400"/>
+          </a:xfrm>
+          <a:prstGeom prst="rect">
+            <a:avLst/>
+          </a:prstGeom>
+        </p:spPr>
+      </p:pic>
+      <p:pic>
+        <p:nvPicPr>
+          <p:cNvPr id="11" name="Picture 10">
+            <a:extLst>
+              <a:ext uri="{FF2B5EF4-FFF2-40B4-BE49-F238E27FC236}">
+                <a16:creationId xmlns:a16="http://schemas.microsoft.com/office/drawing/2014/main" id="{3A5DC7D9-4540-677F-FD78-DDA13B53FE0F}"/>
+              </a:ext>
+            </a:extLst>
+          </p:cNvPr>
+          <p:cNvPicPr>
+            <a:picLocks noChangeAspect="1"/>
+          </p:cNvPicPr>
+          <p:nvPr/>
+        </p:nvPicPr>
+        <p:blipFill>
+          <a:blip r:embed="rId4" cstate="email">
+            <a:extLst>
+              <a:ext uri="{28A0092B-C50C-407E-A947-70E740481C1C}">
+                <a14:useLocalDpi xmlns:a14="http://schemas.microsoft.com/office/drawing/2010/main"/>
+              </a:ext>
+            </a:extLst>
+          </a:blip>
+          <a:stretch>
+            <a:fillRect/>
+          </a:stretch>
+        </p:blipFill>
+        <p:spPr>
+          <a:xfrm>
+            <a:off x="6235906" y="4129478"/>
+            <a:ext cx="1422400" cy="1422400"/>
+          </a:xfrm>
+          <a:prstGeom prst="rect">
+            <a:avLst/>
+          </a:prstGeom>
+        </p:spPr>
+      </p:pic>
+      <p:pic>
+        <p:nvPicPr>
+          <p:cNvPr id="13" name="Graphic 12" descr="Empty battery with solid fill">
+            <a:extLst>
+              <a:ext uri="{FF2B5EF4-FFF2-40B4-BE49-F238E27FC236}">
+                <a16:creationId xmlns:a16="http://schemas.microsoft.com/office/drawing/2014/main" id="{3752E70F-96ED-7DF1-095A-226C80182791}"/>
+              </a:ext>
+            </a:extLst>
+          </p:cNvPr>
+          <p:cNvPicPr>
+            <a:picLocks noChangeAspect="1"/>
+          </p:cNvPicPr>
+          <p:nvPr/>
+        </p:nvPicPr>
+        <p:blipFill>
+          <a:blip r:embed="rId5" cstate="email">
+            <a:extLst>
+              <a:ext uri="{28A0092B-C50C-407E-A947-70E740481C1C}">
+                <a14:useLocalDpi xmlns:a14="http://schemas.microsoft.com/office/drawing/2010/main"/>
+              </a:ext>
+              <a:ext uri="{96DAC541-7B7A-43D3-8B79-37D633B846F1}">
+                <asvg:svgBlip xmlns:asvg="http://schemas.microsoft.com/office/drawing/2016/SVG/main" r:embed="rId6"/>
+              </a:ext>
+            </a:extLst>
+          </a:blip>
+          <a:stretch>
+            <a:fillRect/>
+          </a:stretch>
+        </p:blipFill>
+        <p:spPr>
+          <a:xfrm rot="16200000">
+            <a:off x="8708362" y="2308615"/>
+            <a:ext cx="725775" cy="725775"/>
+          </a:xfrm>
+          <a:prstGeom prst="rect">
+            <a:avLst/>
+          </a:prstGeom>
+        </p:spPr>
+      </p:pic>
+      <p:pic>
+        <p:nvPicPr>
+          <p:cNvPr id="17" name="Graphic 16" descr="No Phones with solid fill">
+            <a:extLst>
+              <a:ext uri="{FF2B5EF4-FFF2-40B4-BE49-F238E27FC236}">
+                <a16:creationId xmlns:a16="http://schemas.microsoft.com/office/drawing/2014/main" id="{4BEBB3E9-9442-02B7-F111-4E8F977DFF9F}"/>
+              </a:ext>
+            </a:extLst>
+          </p:cNvPr>
+          <p:cNvPicPr>
+            <a:picLocks noChangeAspect="1"/>
+          </p:cNvPicPr>
+          <p:nvPr/>
+        </p:nvPicPr>
+        <p:blipFill>
+          <a:blip r:embed="rId7">
+            <a:extLst>
+              <a:ext uri="{96DAC541-7B7A-43D3-8B79-37D633B846F1}">
+                <asvg:svgBlip xmlns:asvg="http://schemas.microsoft.com/office/drawing/2016/SVG/main" r:embed="rId8"/>
+              </a:ext>
+            </a:extLst>
+          </a:blip>
+          <a:stretch>
+            <a:fillRect/>
+          </a:stretch>
+        </p:blipFill>
+        <p:spPr>
+          <a:xfrm>
+            <a:off x="295438" y="3922784"/>
+            <a:ext cx="2010762" cy="2010762"/>
+          </a:xfrm>
+          <a:prstGeom prst="rect">
+            <a:avLst/>
+          </a:prstGeom>
+        </p:spPr>
+      </p:pic>
+      <p:pic>
+        <p:nvPicPr>
+          <p:cNvPr id="12" name="Graphic 11" descr="Shield Cross outline">
+            <a:extLst>
+              <a:ext uri="{FF2B5EF4-FFF2-40B4-BE49-F238E27FC236}">
+                <a16:creationId xmlns:a16="http://schemas.microsoft.com/office/drawing/2014/main" id="{A30115FC-F18E-2F40-CCD9-0EF8FCF06E64}"/>
+              </a:ext>
+            </a:extLst>
+          </p:cNvPr>
+          <p:cNvPicPr>
+            <a:picLocks noChangeAspect="1"/>
+          </p:cNvPicPr>
+          <p:nvPr/>
+        </p:nvPicPr>
+        <p:blipFill>
+          <a:blip r:embed="rId9">
+            <a:extLst>
+              <a:ext uri="{96DAC541-7B7A-43D3-8B79-37D633B846F1}">
+                <asvg:svgBlip xmlns:asvg="http://schemas.microsoft.com/office/drawing/2016/SVG/main" r:embed="rId10"/>
+              </a:ext>
+            </a:extLst>
+          </a:blip>
+          <a:stretch>
+            <a:fillRect/>
+          </a:stretch>
+        </p:blipFill>
+        <p:spPr>
+          <a:xfrm>
+            <a:off x="6833427" y="1575787"/>
+            <a:ext cx="1525259" cy="1525259"/>
+          </a:xfrm>
+          <a:prstGeom prst="rect">
+            <a:avLst/>
+          </a:prstGeom>
+        </p:spPr>
+      </p:pic>
       <p:sp>
         <p:nvSpPr>
-          <p:cNvPr id="6" name="Date Placeholder 5">
-            <a:extLst>
-              <a:ext uri="{FF2B5EF4-FFF2-40B4-BE49-F238E27FC236}">
-                <a16:creationId xmlns:a16="http://schemas.microsoft.com/office/drawing/2014/main" id="{7CEAE1AE-1781-3B95-DB5D-5ACFB2CE9340}"/>
+          <p:cNvPr id="5" name="Date Placeholder 4">
+            <a:extLst>
+              <a:ext uri="{FF2B5EF4-FFF2-40B4-BE49-F238E27FC236}">
+                <a16:creationId xmlns:a16="http://schemas.microsoft.com/office/drawing/2014/main" id="{C80D9ADF-A0A8-235B-51D2-0371533B0D59}"/>
               </a:ext>
             </a:extLst>
           </p:cNvPr>
@@ -9636,57 +8623,18 @@
           <a:bodyPr/>
           <a:lstStyle/>
           <a:p>
-            <a:fld id="{9964A0A3-3C4F-DD49-BACB-31C74252E6B7}" type="datetime1">
+            <a:fld id="{7CEB8B5B-7C3F-C247-AD5B-07927462130C}" type="datetime1">
               <a:rPr lang="en-US" smtClean="0"/>
-              <a:t>3/19/23</a:t>
+              <a:t>3/20/23</a:t>
             </a:fld>
             <a:endParaRPr lang="en-US" dirty="0"/>
-          </a:p>
-        </p:txBody>
-      </p:sp>
-      <p:sp>
-        <p:nvSpPr>
-          <p:cNvPr id="11" name="TextBox 10">
-            <a:extLst>
-              <a:ext uri="{FF2B5EF4-FFF2-40B4-BE49-F238E27FC236}">
-                <a16:creationId xmlns:a16="http://schemas.microsoft.com/office/drawing/2014/main" id="{6492DBF3-515C-F1FA-8B15-B46143E7BCD2}"/>
-              </a:ext>
-            </a:extLst>
-          </p:cNvPr>
-          <p:cNvSpPr txBox="1"/>
-          <p:nvPr/>
-        </p:nvSpPr>
-        <p:spPr>
-          <a:xfrm>
-            <a:off x="838200" y="1631853"/>
-            <a:ext cx="10497202" cy="3046988"/>
-          </a:xfrm>
-          <a:prstGeom prst="rect">
-            <a:avLst/>
-          </a:prstGeom>
-          <a:noFill/>
-        </p:spPr>
-        <p:txBody>
-          <a:bodyPr wrap="square" rtlCol="0">
-            <a:spAutoFit/>
-          </a:bodyPr>
-          <a:lstStyle/>
-          <a:p>
-            <a:r>
-              <a:rPr lang="en-GB" sz="9600" b="1" dirty="0">
-                <a:solidFill>
-                  <a:srgbClr val="FF0000"/>
-                </a:solidFill>
-              </a:rPr>
-              <a:t>Computational Aspects</a:t>
-            </a:r>
           </a:p>
         </p:txBody>
       </p:sp>
     </p:spTree>
     <p:extLst>
       <p:ext uri="{BB962C8B-B14F-4D97-AF65-F5344CB8AC3E}">
-        <p14:creationId xmlns:p14="http://schemas.microsoft.com/office/powerpoint/2010/main" val="3588565550"/>
+        <p14:creationId xmlns:p14="http://schemas.microsoft.com/office/powerpoint/2010/main" val="1440158901"/>
       </p:ext>
     </p:extLst>
   </p:cSld>
@@ -9731,8 +8679,8 @@
         </p:nvSpPr>
         <p:spPr>
           <a:xfrm>
-            <a:off x="503510" y="262400"/>
-            <a:ext cx="9096441" cy="1157823"/>
+            <a:off x="197460" y="643435"/>
+            <a:ext cx="8413140" cy="1157823"/>
           </a:xfrm>
         </p:spPr>
         <p:txBody>
@@ -9745,7 +8693,7 @@
               <a:rPr lang="en-US" sz="6600" b="1" dirty="0">
                 <a:latin typeface="+mn-lt"/>
               </a:rPr>
-              <a:t>A FL Setting</a:t>
+              <a:t>Requirements</a:t>
             </a:r>
           </a:p>
         </p:txBody>
@@ -9780,303 +8728,80 @@
           </a:p>
         </p:txBody>
       </p:sp>
-      <p:pic>
-        <p:nvPicPr>
-          <p:cNvPr id="7" name="Graphic 6" descr="Smart Phone with solid fill">
-            <a:extLst>
-              <a:ext uri="{FF2B5EF4-FFF2-40B4-BE49-F238E27FC236}">
-                <a16:creationId xmlns:a16="http://schemas.microsoft.com/office/drawing/2014/main" id="{0CF3D7CD-F118-18E8-28EC-9AACF9D9E82F}"/>
-              </a:ext>
-            </a:extLst>
-          </p:cNvPr>
-          <p:cNvPicPr>
-            <a:picLocks noChangeAspect="1"/>
-          </p:cNvPicPr>
+      <p:sp>
+        <p:nvSpPr>
+          <p:cNvPr id="4" name="TextBox 3">
+            <a:extLst>
+              <a:ext uri="{FF2B5EF4-FFF2-40B4-BE49-F238E27FC236}">
+                <a16:creationId xmlns:a16="http://schemas.microsoft.com/office/drawing/2014/main" id="{D3B50772-2765-3346-9647-6B9739F8CDAE}"/>
+              </a:ext>
+            </a:extLst>
+          </p:cNvPr>
+          <p:cNvSpPr txBox="1"/>
           <p:nvPr/>
-        </p:nvPicPr>
-        <p:blipFill>
-          <a:blip r:embed="rId2">
-            <a:extLst>
-              <a:ext uri="{96DAC541-7B7A-43D3-8B79-37D633B846F1}">
-                <asvg:svgBlip xmlns:asvg="http://schemas.microsoft.com/office/drawing/2016/SVG/main" r:embed="rId3"/>
-              </a:ext>
-            </a:extLst>
-          </a:blip>
-          <a:stretch>
-            <a:fillRect/>
-          </a:stretch>
-        </p:blipFill>
+        </p:nvSpPr>
         <p:spPr>
           <a:xfrm>
-            <a:off x="8125098" y="1740239"/>
-            <a:ext cx="1862529" cy="1862529"/>
+            <a:off x="197460" y="2308170"/>
+            <a:ext cx="11575440" cy="3034357"/>
           </a:xfrm>
           <a:prstGeom prst="rect">
             <a:avLst/>
           </a:prstGeom>
+          <a:noFill/>
         </p:spPr>
-      </p:pic>
-      <p:pic>
-        <p:nvPicPr>
-          <p:cNvPr id="8" name="Graphic 7" descr="Smart Phone with solid fill">
-            <a:extLst>
-              <a:ext uri="{FF2B5EF4-FFF2-40B4-BE49-F238E27FC236}">
-                <a16:creationId xmlns:a16="http://schemas.microsoft.com/office/drawing/2014/main" id="{336DD251-CC98-8AF4-3A40-9D4351568F61}"/>
-              </a:ext>
-            </a:extLst>
-          </p:cNvPr>
-          <p:cNvPicPr>
-            <a:picLocks noChangeAspect="1"/>
-          </p:cNvPicPr>
-          <p:nvPr/>
-        </p:nvPicPr>
-        <p:blipFill>
-          <a:blip r:embed="rId2">
-            <a:extLst>
-              <a:ext uri="{96DAC541-7B7A-43D3-8B79-37D633B846F1}">
-                <asvg:svgBlip xmlns:asvg="http://schemas.microsoft.com/office/drawing/2016/SVG/main" r:embed="rId3"/>
-              </a:ext>
-            </a:extLst>
-          </a:blip>
-          <a:stretch>
-            <a:fillRect/>
-          </a:stretch>
-        </p:blipFill>
-        <p:spPr>
-          <a:xfrm>
-            <a:off x="2592049" y="1385760"/>
-            <a:ext cx="1715286" cy="1715286"/>
-          </a:xfrm>
-          <a:prstGeom prst="rect">
-            <a:avLst/>
-          </a:prstGeom>
-        </p:spPr>
-      </p:pic>
-      <p:pic>
-        <p:nvPicPr>
-          <p:cNvPr id="9" name="Graphic 8" descr="Smart Phone with solid fill">
-            <a:extLst>
-              <a:ext uri="{FF2B5EF4-FFF2-40B4-BE49-F238E27FC236}">
-                <a16:creationId xmlns:a16="http://schemas.microsoft.com/office/drawing/2014/main" id="{E4A72C99-F911-B3FB-C5EB-0731C0E130E3}"/>
-              </a:ext>
-            </a:extLst>
-          </p:cNvPr>
-          <p:cNvPicPr>
-            <a:picLocks noChangeAspect="1"/>
-          </p:cNvPicPr>
-          <p:nvPr/>
-        </p:nvPicPr>
-        <p:blipFill>
-          <a:blip r:embed="rId2">
-            <a:extLst>
-              <a:ext uri="{96DAC541-7B7A-43D3-8B79-37D633B846F1}">
-                <asvg:svgBlip xmlns:asvg="http://schemas.microsoft.com/office/drawing/2016/SVG/main" r:embed="rId3"/>
-              </a:ext>
-            </a:extLst>
-          </a:blip>
-          <a:stretch>
-            <a:fillRect/>
-          </a:stretch>
-        </p:blipFill>
-        <p:spPr>
-          <a:xfrm>
-            <a:off x="4420851" y="4499339"/>
-            <a:ext cx="2010762" cy="2010762"/>
-          </a:xfrm>
-          <a:prstGeom prst="rect">
-            <a:avLst/>
-          </a:prstGeom>
-        </p:spPr>
-      </p:pic>
-      <p:pic>
-        <p:nvPicPr>
-          <p:cNvPr id="10" name="Picture 9">
-            <a:extLst>
-              <a:ext uri="{FF2B5EF4-FFF2-40B4-BE49-F238E27FC236}">
-                <a16:creationId xmlns:a16="http://schemas.microsoft.com/office/drawing/2014/main" id="{8C5C0B4F-1D9A-7645-D7DF-C975157AE43D}"/>
-              </a:ext>
-            </a:extLst>
-          </p:cNvPr>
-          <p:cNvPicPr>
-            <a:picLocks noChangeAspect="1"/>
-          </p:cNvPicPr>
-          <p:nvPr/>
-        </p:nvPicPr>
-        <p:blipFill>
-          <a:blip r:embed="rId4" cstate="email">
-            <a:extLst>
-              <a:ext uri="{28A0092B-C50C-407E-A947-70E740481C1C}">
-                <a14:useLocalDpi xmlns:a14="http://schemas.microsoft.com/office/drawing/2010/main"/>
-              </a:ext>
-            </a:extLst>
-          </a:blip>
-          <a:stretch>
-            <a:fillRect/>
-          </a:stretch>
-        </p:blipFill>
-        <p:spPr>
-          <a:xfrm>
-            <a:off x="4169763" y="1353280"/>
-            <a:ext cx="1422400" cy="1422400"/>
-          </a:xfrm>
-          <a:prstGeom prst="rect">
-            <a:avLst/>
-          </a:prstGeom>
-        </p:spPr>
-      </p:pic>
-      <p:pic>
-        <p:nvPicPr>
-          <p:cNvPr id="11" name="Picture 10">
-            <a:extLst>
-              <a:ext uri="{FF2B5EF4-FFF2-40B4-BE49-F238E27FC236}">
-                <a16:creationId xmlns:a16="http://schemas.microsoft.com/office/drawing/2014/main" id="{3A5DC7D9-4540-677F-FD78-DDA13B53FE0F}"/>
-              </a:ext>
-            </a:extLst>
-          </p:cNvPr>
-          <p:cNvPicPr>
-            <a:picLocks noChangeAspect="1"/>
-          </p:cNvPicPr>
-          <p:nvPr/>
-        </p:nvPicPr>
-        <p:blipFill>
-          <a:blip r:embed="rId4" cstate="email">
-            <a:extLst>
-              <a:ext uri="{28A0092B-C50C-407E-A947-70E740481C1C}">
-                <a14:useLocalDpi xmlns:a14="http://schemas.microsoft.com/office/drawing/2010/main"/>
-              </a:ext>
-            </a:extLst>
-          </a:blip>
-          <a:stretch>
-            <a:fillRect/>
-          </a:stretch>
-        </p:blipFill>
-        <p:spPr>
-          <a:xfrm>
-            <a:off x="6235906" y="4129478"/>
-            <a:ext cx="1422400" cy="1422400"/>
-          </a:xfrm>
-          <a:prstGeom prst="rect">
-            <a:avLst/>
-          </a:prstGeom>
-        </p:spPr>
-      </p:pic>
-      <p:pic>
-        <p:nvPicPr>
-          <p:cNvPr id="13" name="Graphic 12" descr="Empty battery with solid fill">
-            <a:extLst>
-              <a:ext uri="{FF2B5EF4-FFF2-40B4-BE49-F238E27FC236}">
-                <a16:creationId xmlns:a16="http://schemas.microsoft.com/office/drawing/2014/main" id="{3752E70F-96ED-7DF1-095A-226C80182791}"/>
-              </a:ext>
-            </a:extLst>
-          </p:cNvPr>
-          <p:cNvPicPr>
-            <a:picLocks noChangeAspect="1"/>
-          </p:cNvPicPr>
-          <p:nvPr/>
-        </p:nvPicPr>
-        <p:blipFill>
-          <a:blip r:embed="rId5" cstate="email">
-            <a:extLst>
-              <a:ext uri="{28A0092B-C50C-407E-A947-70E740481C1C}">
-                <a14:useLocalDpi xmlns:a14="http://schemas.microsoft.com/office/drawing/2010/main"/>
-              </a:ext>
-              <a:ext uri="{96DAC541-7B7A-43D3-8B79-37D633B846F1}">
-                <asvg:svgBlip xmlns:asvg="http://schemas.microsoft.com/office/drawing/2016/SVG/main" r:embed="rId6"/>
-              </a:ext>
-            </a:extLst>
-          </a:blip>
-          <a:stretch>
-            <a:fillRect/>
-          </a:stretch>
-        </p:blipFill>
-        <p:spPr>
-          <a:xfrm rot="16200000">
-            <a:off x="8708362" y="2308615"/>
-            <a:ext cx="725775" cy="725775"/>
-          </a:xfrm>
-          <a:prstGeom prst="rect">
-            <a:avLst/>
-          </a:prstGeom>
-        </p:spPr>
-      </p:pic>
-      <p:pic>
-        <p:nvPicPr>
-          <p:cNvPr id="17" name="Graphic 16" descr="No Phones with solid fill">
-            <a:extLst>
-              <a:ext uri="{FF2B5EF4-FFF2-40B4-BE49-F238E27FC236}">
-                <a16:creationId xmlns:a16="http://schemas.microsoft.com/office/drawing/2014/main" id="{4BEBB3E9-9442-02B7-F111-4E8F977DFF9F}"/>
-              </a:ext>
-            </a:extLst>
-          </p:cNvPr>
-          <p:cNvPicPr>
-            <a:picLocks noChangeAspect="1"/>
-          </p:cNvPicPr>
-          <p:nvPr/>
-        </p:nvPicPr>
-        <p:blipFill>
-          <a:blip r:embed="rId7">
-            <a:extLst>
-              <a:ext uri="{96DAC541-7B7A-43D3-8B79-37D633B846F1}">
-                <asvg:svgBlip xmlns:asvg="http://schemas.microsoft.com/office/drawing/2016/SVG/main" r:embed="rId8"/>
-              </a:ext>
-            </a:extLst>
-          </a:blip>
-          <a:stretch>
-            <a:fillRect/>
-          </a:stretch>
-        </p:blipFill>
-        <p:spPr>
-          <a:xfrm>
-            <a:off x="295438" y="3922784"/>
-            <a:ext cx="2010762" cy="2010762"/>
-          </a:xfrm>
-          <a:prstGeom prst="rect">
-            <a:avLst/>
-          </a:prstGeom>
-        </p:spPr>
-      </p:pic>
-      <p:pic>
-        <p:nvPicPr>
-          <p:cNvPr id="12" name="Graphic 11" descr="Shield Cross outline">
-            <a:extLst>
-              <a:ext uri="{FF2B5EF4-FFF2-40B4-BE49-F238E27FC236}">
-                <a16:creationId xmlns:a16="http://schemas.microsoft.com/office/drawing/2014/main" id="{A30115FC-F18E-2F40-CCD9-0EF8FCF06E64}"/>
-              </a:ext>
-            </a:extLst>
-          </p:cNvPr>
-          <p:cNvPicPr>
-            <a:picLocks noChangeAspect="1"/>
-          </p:cNvPicPr>
-          <p:nvPr/>
-        </p:nvPicPr>
-        <p:blipFill>
-          <a:blip r:embed="rId9">
-            <a:extLst>
-              <a:ext uri="{96DAC541-7B7A-43D3-8B79-37D633B846F1}">
-                <asvg:svgBlip xmlns:asvg="http://schemas.microsoft.com/office/drawing/2016/SVG/main" r:embed="rId10"/>
-              </a:ext>
-            </a:extLst>
-          </a:blip>
-          <a:stretch>
-            <a:fillRect/>
-          </a:stretch>
-        </p:blipFill>
-        <p:spPr>
-          <a:xfrm>
-            <a:off x="6833427" y="1575787"/>
-            <a:ext cx="1525259" cy="1525259"/>
-          </a:xfrm>
-          <a:prstGeom prst="rect">
-            <a:avLst/>
-          </a:prstGeom>
-        </p:spPr>
-      </p:pic>
+        <p:txBody>
+          <a:bodyPr wrap="square" rtlCol="0">
+            <a:spAutoFit/>
+          </a:bodyPr>
+          <a:lstStyle/>
+          <a:p>
+            <a:pPr marL="571500" indent="-571500">
+              <a:lnSpc>
+                <a:spcPct val="150000"/>
+              </a:lnSpc>
+              <a:buFont typeface="Arial" panose="020B0604020202020204" pitchFamily="34" charset="0"/>
+              <a:buChar char="•"/>
+            </a:pPr>
+            <a:r>
+              <a:rPr lang="en-US" sz="4400" dirty="0"/>
+              <a:t>run in ad-hoc nets of low-cost devices  </a:t>
+            </a:r>
+          </a:p>
+          <a:p>
+            <a:pPr marL="571500" indent="-571500">
+              <a:lnSpc>
+                <a:spcPct val="150000"/>
+              </a:lnSpc>
+              <a:buFont typeface="Arial" panose="020B0604020202020204" pitchFamily="34" charset="0"/>
+              <a:buChar char="•"/>
+            </a:pPr>
+            <a:r>
+              <a:rPr lang="en-US" sz="4400" dirty="0"/>
+              <a:t>robustness against node/link failures </a:t>
+            </a:r>
+          </a:p>
+          <a:p>
+            <a:pPr marL="571500" indent="-571500">
+              <a:lnSpc>
+                <a:spcPct val="150000"/>
+              </a:lnSpc>
+              <a:buFont typeface="Arial" panose="020B0604020202020204" pitchFamily="34" charset="0"/>
+              <a:buChar char="•"/>
+            </a:pPr>
+            <a:r>
+              <a:rPr lang="en-US" sz="4400" dirty="0"/>
+              <a:t>robustness against “stragglers” </a:t>
+            </a:r>
+          </a:p>
+        </p:txBody>
+      </p:sp>
       <p:sp>
         <p:nvSpPr>
-          <p:cNvPr id="5" name="Date Placeholder 4">
-            <a:extLst>
-              <a:ext uri="{FF2B5EF4-FFF2-40B4-BE49-F238E27FC236}">
-                <a16:creationId xmlns:a16="http://schemas.microsoft.com/office/drawing/2014/main" id="{C80D9ADF-A0A8-235B-51D2-0371533B0D59}"/>
+          <p:cNvPr id="7" name="Date Placeholder 6">
+            <a:extLst>
+              <a:ext uri="{FF2B5EF4-FFF2-40B4-BE49-F238E27FC236}">
+                <a16:creationId xmlns:a16="http://schemas.microsoft.com/office/drawing/2014/main" id="{62873B12-57A4-82DE-623E-BA86638CF03A}"/>
               </a:ext>
             </a:extLst>
           </p:cNvPr>
@@ -10092,9 +8817,9 @@
           <a:bodyPr/>
           <a:lstStyle/>
           <a:p>
-            <a:fld id="{7CEB8B5B-7C3F-C247-AD5B-07927462130C}" type="datetime1">
+            <a:fld id="{998D1C19-5897-FA44-8290-2684318B73CF}" type="datetime1">
               <a:rPr lang="en-US" smtClean="0"/>
-              <a:t>3/19/23</a:t>
+              <a:t>3/20/23</a:t>
             </a:fld>
             <a:endParaRPr lang="en-US" dirty="0"/>
           </a:p>
@@ -10103,7 +8828,7 @@
     </p:spTree>
     <p:extLst>
       <p:ext uri="{BB962C8B-B14F-4D97-AF65-F5344CB8AC3E}">
-        <p14:creationId xmlns:p14="http://schemas.microsoft.com/office/powerpoint/2010/main" val="1440158901"/>
+        <p14:creationId xmlns:p14="http://schemas.microsoft.com/office/powerpoint/2010/main" val="117436901"/>
       </p:ext>
     </p:extLst>
   </p:cSld>
@@ -10163,7 +8888,16 @@
             </a:pPr>
             <a:r>
               <a:rPr lang="en-GB" sz="7200" dirty="0"/>
-              <a:t>What are main components of ML and how are they combined?</a:t>
+              <a:t>What are the main components of ML and </a:t>
+            </a:r>
+          </a:p>
+          <a:p>
+            <a:pPr marL="0" indent="0">
+              <a:buNone/>
+            </a:pPr>
+            <a:r>
+              <a:rPr lang="en-GB" sz="7200" dirty="0"/>
+              <a:t>how are they combined?</a:t>
             </a:r>
           </a:p>
         </p:txBody>
@@ -10191,7 +8925,7 @@
           <a:p>
             <a:fld id="{09C2894A-47FF-4D4A-84EA-3327DF49E5B5}" type="datetime1">
               <a:rPr lang="en-US" sz="2400" smtClean="0"/>
-              <a:t>3/19/23</a:t>
+              <a:t>3/20/23</a:t>
             </a:fld>
             <a:endParaRPr lang="en-GB" sz="2400" dirty="0"/>
           </a:p>
@@ -10274,8 +9008,8 @@
         </p:nvSpPr>
         <p:spPr>
           <a:xfrm>
-            <a:off x="197460" y="136525"/>
-            <a:ext cx="11994540" cy="1157823"/>
+            <a:off x="503510" y="262400"/>
+            <a:ext cx="9096441" cy="1157823"/>
           </a:xfrm>
         </p:spPr>
         <p:txBody>
@@ -10288,7 +9022,7 @@
               <a:rPr lang="en-US" sz="6600" b="1" dirty="0">
                 <a:latin typeface="+mn-lt"/>
               </a:rPr>
-              <a:t>Requirements</a:t>
+              <a:t>Another FL Setting…</a:t>
             </a:r>
           </a:p>
         </p:txBody>
@@ -10323,12 +9057,59 @@
           </a:p>
         </p:txBody>
       </p:sp>
+      <p:pic>
+        <p:nvPicPr>
+          <p:cNvPr id="1030" name="Picture 6">
+            <a:extLst>
+              <a:ext uri="{FF2B5EF4-FFF2-40B4-BE49-F238E27FC236}">
+                <a16:creationId xmlns:a16="http://schemas.microsoft.com/office/drawing/2014/main" id="{FAF597A2-BCEC-96C4-A895-BDE010D7E053}"/>
+              </a:ext>
+            </a:extLst>
+          </p:cNvPr>
+          <p:cNvPicPr>
+            <a:picLocks noChangeAspect="1" noChangeArrowheads="1"/>
+          </p:cNvPicPr>
+          <p:nvPr/>
+        </p:nvPicPr>
+        <p:blipFill>
+          <a:blip r:embed="rId2">
+            <a:extLst>
+              <a:ext uri="{28A0092B-C50C-407E-A947-70E740481C1C}">
+                <a14:useLocalDpi xmlns:a14="http://schemas.microsoft.com/office/drawing/2010/main"/>
+              </a:ext>
+            </a:extLst>
+          </a:blip>
+          <a:srcRect/>
+          <a:stretch>
+            <a:fillRect/>
+          </a:stretch>
+        </p:blipFill>
+        <p:spPr bwMode="auto">
+          <a:xfrm>
+            <a:off x="4635897" y="3127097"/>
+            <a:ext cx="2794000" cy="1752600"/>
+          </a:xfrm>
+          <a:prstGeom prst="rect">
+            <a:avLst/>
+          </a:prstGeom>
+          <a:noFill/>
+          <a:extLst>
+            <a:ext uri="{909E8E84-426E-40DD-AFC4-6F175D3DCCD1}">
+              <a14:hiddenFill xmlns:a14="http://schemas.microsoft.com/office/drawing/2010/main">
+                <a:solidFill>
+                  <a:srgbClr val="FFFFFF"/>
+                </a:solidFill>
+              </a14:hiddenFill>
+            </a:ext>
+          </a:extLst>
+        </p:spPr>
+      </p:pic>
       <p:sp>
         <p:nvSpPr>
-          <p:cNvPr id="4" name="TextBox 3">
-            <a:extLst>
-              <a:ext uri="{FF2B5EF4-FFF2-40B4-BE49-F238E27FC236}">
-                <a16:creationId xmlns:a16="http://schemas.microsoft.com/office/drawing/2014/main" id="{D3B50772-2765-3346-9647-6B9739F8CDAE}"/>
+          <p:cNvPr id="14" name="TextBox 13">
+            <a:extLst>
+              <a:ext uri="{FF2B5EF4-FFF2-40B4-BE49-F238E27FC236}">
+                <a16:creationId xmlns:a16="http://schemas.microsoft.com/office/drawing/2014/main" id="{8BC33C48-DC62-5EAF-AEAD-3BFB299F5D18}"/>
               </a:ext>
             </a:extLst>
           </p:cNvPr>
@@ -10337,8 +9118,8 @@
         </p:nvSpPr>
         <p:spPr>
           <a:xfrm>
-            <a:off x="197460" y="2308170"/>
-            <a:ext cx="11575440" cy="3034357"/>
+            <a:off x="3436829" y="5363167"/>
+            <a:ext cx="5576335" cy="461665"/>
           </a:xfrm>
           <a:prstGeom prst="rect">
             <a:avLst/>
@@ -10346,57 +9127,160 @@
           <a:noFill/>
         </p:spPr>
         <p:txBody>
-          <a:bodyPr wrap="square" rtlCol="0">
+          <a:bodyPr wrap="none" rtlCol="0">
             <a:spAutoFit/>
           </a:bodyPr>
           <a:lstStyle/>
           <a:p>
-            <a:pPr marL="571500" indent="-571500">
-              <a:lnSpc>
-                <a:spcPct val="150000"/>
-              </a:lnSpc>
-              <a:buFont typeface="Arial" panose="020B0604020202020204" pitchFamily="34" charset="0"/>
-              <a:buChar char="•"/>
-            </a:pPr>
             <a:r>
-              <a:rPr lang="en-US" sz="4400" dirty="0"/>
-              <a:t>run in ad-hoc nets of low-cost devices  </a:t>
+              <a:rPr lang="en-GB" sz="2400" dirty="0"/>
+              <a:t>https://</a:t>
             </a:r>
-          </a:p>
-          <a:p>
-            <a:pPr marL="571500" indent="-571500">
-              <a:lnSpc>
-                <a:spcPct val="150000"/>
-              </a:lnSpc>
-              <a:buFont typeface="Arial" panose="020B0604020202020204" pitchFamily="34" charset="0"/>
-              <a:buChar char="•"/>
-            </a:pPr>
             <a:r>
-              <a:rPr lang="en-US" sz="4400" dirty="0"/>
-              <a:t>robustness against node/link failures </a:t>
+              <a:rPr lang="en-GB" sz="2400" dirty="0" err="1"/>
+              <a:t>en.wikipedia.org</a:t>
             </a:r>
-          </a:p>
-          <a:p>
-            <a:pPr marL="571500" indent="-571500">
-              <a:lnSpc>
-                <a:spcPct val="150000"/>
-              </a:lnSpc>
-              <a:buFont typeface="Arial" panose="020B0604020202020204" pitchFamily="34" charset="0"/>
-              <a:buChar char="•"/>
-            </a:pPr>
             <a:r>
-              <a:rPr lang="en-US" sz="4400" dirty="0"/>
-              <a:t>robustness against “stragglers” </a:t>
+              <a:rPr lang="en-GB" sz="2400" dirty="0"/>
+              <a:t>/wiki/</a:t>
             </a:r>
+            <a:r>
+              <a:rPr lang="en-GB" sz="2400" dirty="0" err="1"/>
+              <a:t>Optical_fiber</a:t>
+            </a:r>
+            <a:endParaRPr lang="en-GB" sz="2400" dirty="0"/>
           </a:p>
         </p:txBody>
       </p:sp>
       <p:sp>
         <p:nvSpPr>
-          <p:cNvPr id="7" name="Date Placeholder 6">
-            <a:extLst>
-              <a:ext uri="{FF2B5EF4-FFF2-40B4-BE49-F238E27FC236}">
-                <a16:creationId xmlns:a16="http://schemas.microsoft.com/office/drawing/2014/main" id="{62873B12-57A4-82DE-623E-BA86638CF03A}"/>
+          <p:cNvPr id="15" name="TextBox 14">
+            <a:extLst>
+              <a:ext uri="{FF2B5EF4-FFF2-40B4-BE49-F238E27FC236}">
+                <a16:creationId xmlns:a16="http://schemas.microsoft.com/office/drawing/2014/main" id="{0DE5A674-15FE-2706-D5C3-29CBEC0CFDEB}"/>
+              </a:ext>
+            </a:extLst>
+          </p:cNvPr>
+          <p:cNvSpPr txBox="1"/>
+          <p:nvPr/>
+        </p:nvSpPr>
+        <p:spPr>
+          <a:xfrm>
+            <a:off x="3778616" y="1669803"/>
+            <a:ext cx="7785593" cy="584775"/>
+          </a:xfrm>
+          <a:prstGeom prst="rect">
+            <a:avLst/>
+          </a:prstGeom>
+          <a:noFill/>
+        </p:spPr>
+        <p:txBody>
+          <a:bodyPr wrap="none" rtlCol="0">
+            <a:spAutoFit/>
+          </a:bodyPr>
+          <a:lstStyle/>
+          <a:p>
+            <a:r>
+              <a:rPr lang="en-GB" sz="3200" dirty="0"/>
+              <a:t>https://</a:t>
+            </a:r>
+            <a:r>
+              <a:rPr lang="en-GB" sz="3200" dirty="0" err="1"/>
+              <a:t>www.google.com</a:t>
+            </a:r>
+            <a:r>
+              <a:rPr lang="en-GB" sz="3200" dirty="0"/>
+              <a:t>/about/</a:t>
+            </a:r>
+            <a:r>
+              <a:rPr lang="en-GB" sz="3200" dirty="0" err="1"/>
+              <a:t>datacenters</a:t>
+            </a:r>
+            <a:r>
+              <a:rPr lang="en-GB" sz="3200" dirty="0"/>
+              <a:t>/</a:t>
+            </a:r>
+          </a:p>
+        </p:txBody>
+      </p:sp>
+      <p:pic>
+        <p:nvPicPr>
+          <p:cNvPr id="18" name="Picture 17">
+            <a:extLst>
+              <a:ext uri="{FF2B5EF4-FFF2-40B4-BE49-F238E27FC236}">
+                <a16:creationId xmlns:a16="http://schemas.microsoft.com/office/drawing/2014/main" id="{77940222-0A2B-496C-F2A2-4954235A496E}"/>
+              </a:ext>
+            </a:extLst>
+          </p:cNvPr>
+          <p:cNvPicPr>
+            <a:picLocks noChangeAspect="1"/>
+          </p:cNvPicPr>
+          <p:nvPr/>
+        </p:nvPicPr>
+        <p:blipFill>
+          <a:blip r:embed="rId3" cstate="email">
+            <a:extLst>
+              <a:ext uri="{28A0092B-C50C-407E-A947-70E740481C1C}">
+                <a14:useLocalDpi xmlns:a14="http://schemas.microsoft.com/office/drawing/2010/main"/>
+              </a:ext>
+            </a:extLst>
+          </a:blip>
+          <a:stretch>
+            <a:fillRect/>
+          </a:stretch>
+        </p:blipFill>
+        <p:spPr>
+          <a:xfrm>
+            <a:off x="8269143" y="2482422"/>
+            <a:ext cx="3813543" cy="2519551"/>
+          </a:xfrm>
+          <a:prstGeom prst="rect">
+            <a:avLst/>
+          </a:prstGeom>
+        </p:spPr>
+      </p:pic>
+      <p:pic>
+        <p:nvPicPr>
+          <p:cNvPr id="19" name="Picture 18">
+            <a:extLst>
+              <a:ext uri="{FF2B5EF4-FFF2-40B4-BE49-F238E27FC236}">
+                <a16:creationId xmlns:a16="http://schemas.microsoft.com/office/drawing/2014/main" id="{710818F4-50B1-3DD4-EFA1-2A0CD5E84EF4}"/>
+              </a:ext>
+            </a:extLst>
+          </p:cNvPr>
+          <p:cNvPicPr>
+            <a:picLocks noChangeAspect="1"/>
+          </p:cNvPicPr>
+          <p:nvPr/>
+        </p:nvPicPr>
+        <p:blipFill>
+          <a:blip r:embed="rId3" cstate="email">
+            <a:extLst>
+              <a:ext uri="{28A0092B-C50C-407E-A947-70E740481C1C}">
+                <a14:useLocalDpi xmlns:a14="http://schemas.microsoft.com/office/drawing/2010/main"/>
+              </a:ext>
+            </a:extLst>
+          </a:blip>
+          <a:stretch>
+            <a:fillRect/>
+          </a:stretch>
+        </p:blipFill>
+        <p:spPr>
+          <a:xfrm>
+            <a:off x="176824" y="2538744"/>
+            <a:ext cx="3813543" cy="2519551"/>
+          </a:xfrm>
+          <a:prstGeom prst="rect">
+            <a:avLst/>
+          </a:prstGeom>
+        </p:spPr>
+      </p:pic>
+      <p:sp>
+        <p:nvSpPr>
+          <p:cNvPr id="5" name="Date Placeholder 4">
+            <a:extLst>
+              <a:ext uri="{FF2B5EF4-FFF2-40B4-BE49-F238E27FC236}">
+                <a16:creationId xmlns:a16="http://schemas.microsoft.com/office/drawing/2014/main" id="{9C313E02-A3DE-C0C5-9812-33A03596204F}"/>
               </a:ext>
             </a:extLst>
           </p:cNvPr>
@@ -10412,9 +9296,9 @@
           <a:bodyPr/>
           <a:lstStyle/>
           <a:p>
-            <a:fld id="{998D1C19-5897-FA44-8290-2684318B73CF}" type="datetime1">
+            <a:fld id="{5001B7EA-C65E-C743-A84E-83F4C1734606}" type="datetime1">
               <a:rPr lang="en-US" smtClean="0"/>
-              <a:t>3/19/23</a:t>
+              <a:t>3/20/23</a:t>
             </a:fld>
             <a:endParaRPr lang="en-US" dirty="0"/>
           </a:p>
@@ -10423,7 +9307,7 @@
     </p:spTree>
     <p:extLst>
       <p:ext uri="{BB962C8B-B14F-4D97-AF65-F5344CB8AC3E}">
-        <p14:creationId xmlns:p14="http://schemas.microsoft.com/office/powerpoint/2010/main" val="117436901"/>
+        <p14:creationId xmlns:p14="http://schemas.microsoft.com/office/powerpoint/2010/main" val="1910202465"/>
       </p:ext>
     </p:extLst>
   </p:cSld>
@@ -10468,350 +9352,6 @@
         </p:nvSpPr>
         <p:spPr>
           <a:xfrm>
-            <a:off x="503510" y="262400"/>
-            <a:ext cx="9096441" cy="1157823"/>
-          </a:xfrm>
-        </p:spPr>
-        <p:txBody>
-          <a:bodyPr>
-            <a:noAutofit/>
-          </a:bodyPr>
-          <a:lstStyle/>
-          <a:p>
-            <a:r>
-              <a:rPr lang="en-US" sz="6600" b="1" dirty="0">
-                <a:latin typeface="+mn-lt"/>
-              </a:rPr>
-              <a:t>Another FL Setting…</a:t>
-            </a:r>
-          </a:p>
-        </p:txBody>
-      </p:sp>
-      <p:sp>
-        <p:nvSpPr>
-          <p:cNvPr id="3" name="Slide Number Placeholder 2">
-            <a:extLst>
-              <a:ext uri="{FF2B5EF4-FFF2-40B4-BE49-F238E27FC236}">
-                <a16:creationId xmlns:a16="http://schemas.microsoft.com/office/drawing/2014/main" id="{586329B8-615A-7647-98FD-7D365CE2492C}"/>
-              </a:ext>
-            </a:extLst>
-          </p:cNvPr>
-          <p:cNvSpPr>
-            <a:spLocks noGrp="1"/>
-          </p:cNvSpPr>
-          <p:nvPr>
-            <p:ph type="sldNum" sz="quarter" idx="12"/>
-          </p:nvPr>
-        </p:nvSpPr>
-        <p:spPr/>
-        <p:txBody>
-          <a:bodyPr/>
-          <a:lstStyle/>
-          <a:p>
-            <a:fld id="{D75B69EA-F5F3-9148-B3D2-85669F9D4A27}" type="slidenum">
-              <a:rPr lang="en-US" smtClean="0"/>
-              <a:pPr/>
-              <a:t>21</a:t>
-            </a:fld>
-            <a:endParaRPr lang="en-US" dirty="0"/>
-          </a:p>
-        </p:txBody>
-      </p:sp>
-      <p:pic>
-        <p:nvPicPr>
-          <p:cNvPr id="1030" name="Picture 6">
-            <a:extLst>
-              <a:ext uri="{FF2B5EF4-FFF2-40B4-BE49-F238E27FC236}">
-                <a16:creationId xmlns:a16="http://schemas.microsoft.com/office/drawing/2014/main" id="{FAF597A2-BCEC-96C4-A895-BDE010D7E053}"/>
-              </a:ext>
-            </a:extLst>
-          </p:cNvPr>
-          <p:cNvPicPr>
-            <a:picLocks noChangeAspect="1" noChangeArrowheads="1"/>
-          </p:cNvPicPr>
-          <p:nvPr/>
-        </p:nvPicPr>
-        <p:blipFill>
-          <a:blip r:embed="rId2">
-            <a:extLst>
-              <a:ext uri="{28A0092B-C50C-407E-A947-70E740481C1C}">
-                <a14:useLocalDpi xmlns:a14="http://schemas.microsoft.com/office/drawing/2010/main"/>
-              </a:ext>
-            </a:extLst>
-          </a:blip>
-          <a:srcRect/>
-          <a:stretch>
-            <a:fillRect/>
-          </a:stretch>
-        </p:blipFill>
-        <p:spPr bwMode="auto">
-          <a:xfrm>
-            <a:off x="4635897" y="3127097"/>
-            <a:ext cx="2794000" cy="1752600"/>
-          </a:xfrm>
-          <a:prstGeom prst="rect">
-            <a:avLst/>
-          </a:prstGeom>
-          <a:noFill/>
-          <a:extLst>
-            <a:ext uri="{909E8E84-426E-40DD-AFC4-6F175D3DCCD1}">
-              <a14:hiddenFill xmlns:a14="http://schemas.microsoft.com/office/drawing/2010/main">
-                <a:solidFill>
-                  <a:srgbClr val="FFFFFF"/>
-                </a:solidFill>
-              </a14:hiddenFill>
-            </a:ext>
-          </a:extLst>
-        </p:spPr>
-      </p:pic>
-      <p:sp>
-        <p:nvSpPr>
-          <p:cNvPr id="14" name="TextBox 13">
-            <a:extLst>
-              <a:ext uri="{FF2B5EF4-FFF2-40B4-BE49-F238E27FC236}">
-                <a16:creationId xmlns:a16="http://schemas.microsoft.com/office/drawing/2014/main" id="{8BC33C48-DC62-5EAF-AEAD-3BFB299F5D18}"/>
-              </a:ext>
-            </a:extLst>
-          </p:cNvPr>
-          <p:cNvSpPr txBox="1"/>
-          <p:nvPr/>
-        </p:nvSpPr>
-        <p:spPr>
-          <a:xfrm>
-            <a:off x="3436829" y="5363167"/>
-            <a:ext cx="5576335" cy="461665"/>
-          </a:xfrm>
-          <a:prstGeom prst="rect">
-            <a:avLst/>
-          </a:prstGeom>
-          <a:noFill/>
-        </p:spPr>
-        <p:txBody>
-          <a:bodyPr wrap="none" rtlCol="0">
-            <a:spAutoFit/>
-          </a:bodyPr>
-          <a:lstStyle/>
-          <a:p>
-            <a:r>
-              <a:rPr lang="en-GB" sz="2400" dirty="0"/>
-              <a:t>https://</a:t>
-            </a:r>
-            <a:r>
-              <a:rPr lang="en-GB" sz="2400" dirty="0" err="1"/>
-              <a:t>en.wikipedia.org</a:t>
-            </a:r>
-            <a:r>
-              <a:rPr lang="en-GB" sz="2400" dirty="0"/>
-              <a:t>/wiki/</a:t>
-            </a:r>
-            <a:r>
-              <a:rPr lang="en-GB" sz="2400" dirty="0" err="1"/>
-              <a:t>Optical_fiber</a:t>
-            </a:r>
-            <a:endParaRPr lang="en-GB" sz="2400" dirty="0"/>
-          </a:p>
-        </p:txBody>
-      </p:sp>
-      <p:sp>
-        <p:nvSpPr>
-          <p:cNvPr id="15" name="TextBox 14">
-            <a:extLst>
-              <a:ext uri="{FF2B5EF4-FFF2-40B4-BE49-F238E27FC236}">
-                <a16:creationId xmlns:a16="http://schemas.microsoft.com/office/drawing/2014/main" id="{0DE5A674-15FE-2706-D5C3-29CBEC0CFDEB}"/>
-              </a:ext>
-            </a:extLst>
-          </p:cNvPr>
-          <p:cNvSpPr txBox="1"/>
-          <p:nvPr/>
-        </p:nvSpPr>
-        <p:spPr>
-          <a:xfrm>
-            <a:off x="3778616" y="1669803"/>
-            <a:ext cx="7785593" cy="584775"/>
-          </a:xfrm>
-          <a:prstGeom prst="rect">
-            <a:avLst/>
-          </a:prstGeom>
-          <a:noFill/>
-        </p:spPr>
-        <p:txBody>
-          <a:bodyPr wrap="none" rtlCol="0">
-            <a:spAutoFit/>
-          </a:bodyPr>
-          <a:lstStyle/>
-          <a:p>
-            <a:r>
-              <a:rPr lang="en-GB" sz="3200" dirty="0"/>
-              <a:t>https://</a:t>
-            </a:r>
-            <a:r>
-              <a:rPr lang="en-GB" sz="3200" dirty="0" err="1"/>
-              <a:t>www.google.com</a:t>
-            </a:r>
-            <a:r>
-              <a:rPr lang="en-GB" sz="3200" dirty="0"/>
-              <a:t>/about/</a:t>
-            </a:r>
-            <a:r>
-              <a:rPr lang="en-GB" sz="3200" dirty="0" err="1"/>
-              <a:t>datacenters</a:t>
-            </a:r>
-            <a:r>
-              <a:rPr lang="en-GB" sz="3200" dirty="0"/>
-              <a:t>/</a:t>
-            </a:r>
-          </a:p>
-        </p:txBody>
-      </p:sp>
-      <p:pic>
-        <p:nvPicPr>
-          <p:cNvPr id="18" name="Picture 17">
-            <a:extLst>
-              <a:ext uri="{FF2B5EF4-FFF2-40B4-BE49-F238E27FC236}">
-                <a16:creationId xmlns:a16="http://schemas.microsoft.com/office/drawing/2014/main" id="{77940222-0A2B-496C-F2A2-4954235A496E}"/>
-              </a:ext>
-            </a:extLst>
-          </p:cNvPr>
-          <p:cNvPicPr>
-            <a:picLocks noChangeAspect="1"/>
-          </p:cNvPicPr>
-          <p:nvPr/>
-        </p:nvPicPr>
-        <p:blipFill>
-          <a:blip r:embed="rId3" cstate="email">
-            <a:extLst>
-              <a:ext uri="{28A0092B-C50C-407E-A947-70E740481C1C}">
-                <a14:useLocalDpi xmlns:a14="http://schemas.microsoft.com/office/drawing/2010/main"/>
-              </a:ext>
-            </a:extLst>
-          </a:blip>
-          <a:stretch>
-            <a:fillRect/>
-          </a:stretch>
-        </p:blipFill>
-        <p:spPr>
-          <a:xfrm>
-            <a:off x="8269143" y="2482422"/>
-            <a:ext cx="3813543" cy="2519551"/>
-          </a:xfrm>
-          <a:prstGeom prst="rect">
-            <a:avLst/>
-          </a:prstGeom>
-        </p:spPr>
-      </p:pic>
-      <p:pic>
-        <p:nvPicPr>
-          <p:cNvPr id="19" name="Picture 18">
-            <a:extLst>
-              <a:ext uri="{FF2B5EF4-FFF2-40B4-BE49-F238E27FC236}">
-                <a16:creationId xmlns:a16="http://schemas.microsoft.com/office/drawing/2014/main" id="{710818F4-50B1-3DD4-EFA1-2A0CD5E84EF4}"/>
-              </a:ext>
-            </a:extLst>
-          </p:cNvPr>
-          <p:cNvPicPr>
-            <a:picLocks noChangeAspect="1"/>
-          </p:cNvPicPr>
-          <p:nvPr/>
-        </p:nvPicPr>
-        <p:blipFill>
-          <a:blip r:embed="rId3" cstate="email">
-            <a:extLst>
-              <a:ext uri="{28A0092B-C50C-407E-A947-70E740481C1C}">
-                <a14:useLocalDpi xmlns:a14="http://schemas.microsoft.com/office/drawing/2010/main"/>
-              </a:ext>
-            </a:extLst>
-          </a:blip>
-          <a:stretch>
-            <a:fillRect/>
-          </a:stretch>
-        </p:blipFill>
-        <p:spPr>
-          <a:xfrm>
-            <a:off x="176824" y="2538744"/>
-            <a:ext cx="3813543" cy="2519551"/>
-          </a:xfrm>
-          <a:prstGeom prst="rect">
-            <a:avLst/>
-          </a:prstGeom>
-        </p:spPr>
-      </p:pic>
-      <p:sp>
-        <p:nvSpPr>
-          <p:cNvPr id="5" name="Date Placeholder 4">
-            <a:extLst>
-              <a:ext uri="{FF2B5EF4-FFF2-40B4-BE49-F238E27FC236}">
-                <a16:creationId xmlns:a16="http://schemas.microsoft.com/office/drawing/2014/main" id="{9C313E02-A3DE-C0C5-9812-33A03596204F}"/>
-              </a:ext>
-            </a:extLst>
-          </p:cNvPr>
-          <p:cNvSpPr>
-            <a:spLocks noGrp="1"/>
-          </p:cNvSpPr>
-          <p:nvPr>
-            <p:ph type="dt" sz="half" idx="10"/>
-          </p:nvPr>
-        </p:nvSpPr>
-        <p:spPr/>
-        <p:txBody>
-          <a:bodyPr/>
-          <a:lstStyle/>
-          <a:p>
-            <a:fld id="{5001B7EA-C65E-C743-A84E-83F4C1734606}" type="datetime1">
-              <a:rPr lang="en-US" smtClean="0"/>
-              <a:t>3/19/23</a:t>
-            </a:fld>
-            <a:endParaRPr lang="en-US" dirty="0"/>
-          </a:p>
-        </p:txBody>
-      </p:sp>
-    </p:spTree>
-    <p:extLst>
-      <p:ext uri="{BB962C8B-B14F-4D97-AF65-F5344CB8AC3E}">
-        <p14:creationId xmlns:p14="http://schemas.microsoft.com/office/powerpoint/2010/main" val="1910202465"/>
-      </p:ext>
-    </p:extLst>
-  </p:cSld>
-  <p:clrMapOvr>
-    <a:masterClrMapping/>
-  </p:clrMapOvr>
-</p:sld>
-</file>
-
-<file path=ppt/slides/slide22.xml><?xml version="1.0" encoding="utf-8"?>
-<p:sld xmlns:a="http://schemas.openxmlformats.org/drawingml/2006/main" xmlns:r="http://schemas.openxmlformats.org/officeDocument/2006/relationships" xmlns:p="http://schemas.openxmlformats.org/presentationml/2006/main">
-  <p:cSld>
-    <p:spTree>
-      <p:nvGrpSpPr>
-        <p:cNvPr id="1" name=""/>
-        <p:cNvGrpSpPr/>
-        <p:nvPr/>
-      </p:nvGrpSpPr>
-      <p:grpSpPr>
-        <a:xfrm>
-          <a:off x="0" y="0"/>
-          <a:ext cx="0" cy="0"/>
-          <a:chOff x="0" y="0"/>
-          <a:chExt cx="0" cy="0"/>
-        </a:xfrm>
-      </p:grpSpPr>
-      <p:sp>
-        <p:nvSpPr>
-          <p:cNvPr id="2" name="Title 1">
-            <a:extLst>
-              <a:ext uri="{FF2B5EF4-FFF2-40B4-BE49-F238E27FC236}">
-                <a16:creationId xmlns:a16="http://schemas.microsoft.com/office/drawing/2014/main" id="{1B3D9B9F-DF9D-FF4B-AD81-6E13E697543B}"/>
-              </a:ext>
-            </a:extLst>
-          </p:cNvPr>
-          <p:cNvSpPr>
-            <a:spLocks noGrp="1"/>
-          </p:cNvSpPr>
-          <p:nvPr>
-            <p:ph type="title"/>
-          </p:nvPr>
-        </p:nvSpPr>
-        <p:spPr>
-          <a:xfrm>
             <a:off x="658689" y="294213"/>
             <a:ext cx="11636473" cy="1157823"/>
           </a:xfrm>
@@ -10867,14 +9407,14 @@
             <a:fld id="{D75B69EA-F5F3-9148-B3D2-85669F9D4A27}" type="slidenum">
               <a:rPr lang="en-US" smtClean="0"/>
               <a:pPr/>
-              <a:t>22</a:t>
+              <a:t>21</a:t>
             </a:fld>
             <a:endParaRPr lang="en-US" dirty="0"/>
           </a:p>
         </p:txBody>
       </p:sp>
-      <mc:AlternateContent xmlns:mc="http://schemas.openxmlformats.org/markup-compatibility/2006">
-        <mc:Choice xmlns:a14="http://schemas.microsoft.com/office/drawing/2010/main" Requires="a14">
+      <mc:AlternateContent xmlns:mc="http://schemas.openxmlformats.org/markup-compatibility/2006" xmlns:a14="http://schemas.microsoft.com/office/drawing/2010/main">
+        <mc:Choice Requires="a14">
           <p:sp>
             <p:nvSpPr>
               <p:cNvPr id="4" name="TextBox 3">
@@ -11376,7 +9916,7 @@
             </p:txBody>
           </p:sp>
         </mc:Choice>
-        <mc:Fallback>
+        <mc:Fallback xmlns="">
           <p:sp>
             <p:nvSpPr>
               <p:cNvPr id="4" name="TextBox 3">
@@ -11444,14 +9984,14 @@
           <a:p>
             <a:fld id="{9964A0A3-3C4F-DD49-BACB-31C74252E6B7}" type="datetime1">
               <a:rPr lang="en-US" smtClean="0"/>
-              <a:t>3/19/23</a:t>
+              <a:t>3/20/23</a:t>
             </a:fld>
             <a:endParaRPr lang="en-US" dirty="0"/>
           </a:p>
         </p:txBody>
       </p:sp>
-      <mc:AlternateContent xmlns:mc="http://schemas.openxmlformats.org/markup-compatibility/2006">
-        <mc:Choice xmlns:a14="http://schemas.microsoft.com/office/drawing/2010/main" Requires="a14">
+      <mc:AlternateContent xmlns:mc="http://schemas.openxmlformats.org/markup-compatibility/2006" xmlns:a14="http://schemas.microsoft.com/office/drawing/2010/main">
+        <mc:Choice Requires="a14">
           <p:sp>
             <p:nvSpPr>
               <p:cNvPr id="5" name="TextBox 4">
@@ -11466,7 +10006,7 @@
             </p:nvSpPr>
             <p:spPr>
               <a:xfrm>
-                <a:off x="658689" y="3458480"/>
+                <a:off x="555528" y="3233545"/>
                 <a:ext cx="9814418" cy="1104470"/>
               </a:xfrm>
               <a:prstGeom prst="rect">
@@ -11609,7 +10149,7 @@
             </p:txBody>
           </p:sp>
         </mc:Choice>
-        <mc:Fallback>
+        <mc:Fallback xmlns="">
           <p:sp>
             <p:nvSpPr>
               <p:cNvPr id="5" name="TextBox 4">
@@ -11626,7 +10166,7 @@
             </p:nvSpPr>
             <p:spPr>
               <a:xfrm>
-                <a:off x="658689" y="3458480"/>
+                <a:off x="555528" y="3233545"/>
                 <a:ext cx="9814418" cy="1104470"/>
               </a:xfrm>
               <a:prstGeom prst="rect">
@@ -11654,8 +10194,8 @@
           </p:sp>
         </mc:Fallback>
       </mc:AlternateContent>
-      <mc:AlternateContent xmlns:mc="http://schemas.openxmlformats.org/markup-compatibility/2006">
-        <mc:Choice xmlns:a14="http://schemas.microsoft.com/office/drawing/2010/main" Requires="a14">
+      <mc:AlternateContent xmlns:mc="http://schemas.openxmlformats.org/markup-compatibility/2006" xmlns:a14="http://schemas.microsoft.com/office/drawing/2010/main">
+        <mc:Choice Requires="a14">
           <p:sp>
             <p:nvSpPr>
               <p:cNvPr id="7" name="TextBox 6">
@@ -11670,7 +10210,7 @@
             </p:nvSpPr>
             <p:spPr>
               <a:xfrm>
-                <a:off x="2552078" y="4200863"/>
+                <a:off x="2551149" y="4060920"/>
                 <a:ext cx="6865034" cy="1194301"/>
               </a:xfrm>
               <a:prstGeom prst="rect">
@@ -11684,7 +10224,6 @@
               </a:bodyPr>
               <a:lstStyle/>
               <a:p>
-                <a:pPr/>
                 <a14:m>
                   <m:oMath xmlns:m="http://schemas.openxmlformats.org/officeDocument/2006/math">
                     <m:func>
@@ -11825,7 +10364,7 @@
             </p:txBody>
           </p:sp>
         </mc:Choice>
-        <mc:Fallback>
+        <mc:Fallback xmlns="">
           <p:sp>
             <p:nvSpPr>
               <p:cNvPr id="7" name="TextBox 6">
@@ -11842,7 +10381,7 @@
             </p:nvSpPr>
             <p:spPr>
               <a:xfrm>
-                <a:off x="2552078" y="4200863"/>
+                <a:off x="2551149" y="4060920"/>
                 <a:ext cx="6865034" cy="1194301"/>
               </a:xfrm>
               <a:prstGeom prst="rect">
@@ -11851,7 +10390,7 @@
               <a:blipFill>
                 <a:blip r:embed="rId4"/>
                 <a:stretch>
-                  <a:fillRect l="-1294" t="-6316"/>
+                  <a:fillRect l="-1107" t="-6316"/>
                 </a:stretch>
               </a:blipFill>
             </p:spPr>
@@ -11870,8 +10409,8 @@
           </p:sp>
         </mc:Fallback>
       </mc:AlternateContent>
-      <mc:AlternateContent xmlns:mc="http://schemas.openxmlformats.org/markup-compatibility/2006">
-        <mc:Choice xmlns:a14="http://schemas.microsoft.com/office/drawing/2010/main" Requires="a14">
+      <mc:AlternateContent xmlns:mc="http://schemas.openxmlformats.org/markup-compatibility/2006" xmlns:a14="http://schemas.microsoft.com/office/drawing/2010/main">
+        <mc:Choice Requires="a14">
           <p:sp>
             <p:nvSpPr>
               <p:cNvPr id="8" name="TextBox 7">
@@ -11968,7 +10507,7 @@
             </p:txBody>
           </p:sp>
         </mc:Choice>
-        <mc:Fallback>
+        <mc:Fallback xmlns="">
           <p:sp>
             <p:nvSpPr>
               <p:cNvPr id="8" name="TextBox 7">
@@ -12026,7 +10565,7 @@
 </p:sld>
 </file>
 
-<file path=ppt/slides/slide23.xml><?xml version="1.0" encoding="utf-8"?>
+<file path=ppt/slides/slide22.xml><?xml version="1.0" encoding="utf-8"?>
 <p:sld xmlns:a="http://schemas.openxmlformats.org/drawingml/2006/main" xmlns:r="http://schemas.openxmlformats.org/officeDocument/2006/relationships" xmlns:p="http://schemas.openxmlformats.org/presentationml/2006/main">
   <p:cSld>
     <p:spTree>
@@ -12116,7 +10655,7 @@
             <a:fld id="{D75B69EA-F5F3-9148-B3D2-85669F9D4A27}" type="slidenum">
               <a:rPr lang="en-US" smtClean="0"/>
               <a:pPr/>
-              <a:t>23</a:t>
+              <a:t>22</a:t>
             </a:fld>
             <a:endParaRPr lang="en-US" dirty="0"/>
           </a:p>
@@ -12145,14 +10684,14 @@
           <a:p>
             <a:fld id="{9964A0A3-3C4F-DD49-BACB-31C74252E6B7}" type="datetime1">
               <a:rPr lang="en-US" smtClean="0"/>
-              <a:t>3/19/23</a:t>
+              <a:t>3/20/23</a:t>
             </a:fld>
             <a:endParaRPr lang="en-US" dirty="0"/>
           </a:p>
         </p:txBody>
       </p:sp>
-      <mc:AlternateContent xmlns:mc="http://schemas.openxmlformats.org/markup-compatibility/2006">
-        <mc:Choice xmlns:a14="http://schemas.microsoft.com/office/drawing/2010/main" Requires="a14">
+      <mc:AlternateContent xmlns:mc="http://schemas.openxmlformats.org/markup-compatibility/2006" xmlns:a14="http://schemas.microsoft.com/office/drawing/2010/main">
+        <mc:Choice Requires="a14">
           <p:sp>
             <p:nvSpPr>
               <p:cNvPr id="7" name="TextBox 6">
@@ -12181,6 +10720,7 @@
               </a:bodyPr>
               <a:lstStyle/>
               <a:p>
+                <a:pPr/>
                 <a14:m>
                   <m:oMathPara xmlns:m="http://schemas.openxmlformats.org/officeDocument/2006/math">
                     <m:oMathParaPr>
@@ -12330,7 +10870,7 @@
             </p:txBody>
           </p:sp>
         </mc:Choice>
-        <mc:Fallback>
+        <mc:Fallback xmlns="">
           <p:sp>
             <p:nvSpPr>
               <p:cNvPr id="7" name="TextBox 6">
@@ -12455,8 +10995,8 @@
           </a:p>
         </p:txBody>
       </p:sp>
-      <mc:AlternateContent xmlns:mc="http://schemas.openxmlformats.org/markup-compatibility/2006">
-        <mc:Choice xmlns:a14="http://schemas.microsoft.com/office/drawing/2010/main" Requires="a14">
+      <mc:AlternateContent xmlns:mc="http://schemas.openxmlformats.org/markup-compatibility/2006" xmlns:a14="http://schemas.microsoft.com/office/drawing/2010/main">
+        <mc:Choice Requires="a14">
           <p:sp>
             <p:nvSpPr>
               <p:cNvPr id="10" name="TextBox 9">
@@ -12701,7 +11241,7 @@
             </p:txBody>
           </p:sp>
         </mc:Choice>
-        <mc:Fallback>
+        <mc:Fallback xmlns="">
           <p:sp>
             <p:nvSpPr>
               <p:cNvPr id="10" name="TextBox 9">
@@ -12759,6 +11299,144 @@
 </p:sld>
 </file>
 
+<file path=ppt/slides/slide23.xml><?xml version="1.0" encoding="utf-8"?>
+<p:sld xmlns:a="http://schemas.openxmlformats.org/drawingml/2006/main" xmlns:r="http://schemas.openxmlformats.org/officeDocument/2006/relationships" xmlns:p="http://schemas.openxmlformats.org/presentationml/2006/main">
+  <p:cSld>
+    <p:spTree>
+      <p:nvGrpSpPr>
+        <p:cNvPr id="1" name=""/>
+        <p:cNvGrpSpPr/>
+        <p:nvPr/>
+      </p:nvGrpSpPr>
+      <p:grpSpPr>
+        <a:xfrm>
+          <a:off x="0" y="0"/>
+          <a:ext cx="0" cy="0"/>
+          <a:chOff x="0" y="0"/>
+          <a:chExt cx="0" cy="0"/>
+        </a:xfrm>
+      </p:grpSpPr>
+      <p:sp>
+        <p:nvSpPr>
+          <p:cNvPr id="3" name="Slide Number Placeholder 2">
+            <a:extLst>
+              <a:ext uri="{FF2B5EF4-FFF2-40B4-BE49-F238E27FC236}">
+                <a16:creationId xmlns:a16="http://schemas.microsoft.com/office/drawing/2014/main" id="{586329B8-615A-7647-98FD-7D365CE2492C}"/>
+              </a:ext>
+            </a:extLst>
+          </p:cNvPr>
+          <p:cNvSpPr>
+            <a:spLocks noGrp="1"/>
+          </p:cNvSpPr>
+          <p:nvPr>
+            <p:ph type="sldNum" sz="quarter" idx="12"/>
+          </p:nvPr>
+        </p:nvSpPr>
+        <p:spPr/>
+        <p:txBody>
+          <a:bodyPr/>
+          <a:lstStyle/>
+          <a:p>
+            <a:fld id="{D75B69EA-F5F3-9148-B3D2-85669F9D4A27}" type="slidenum">
+              <a:rPr lang="en-US" smtClean="0"/>
+              <a:pPr/>
+              <a:t>23</a:t>
+            </a:fld>
+            <a:endParaRPr lang="en-US" dirty="0"/>
+          </a:p>
+        </p:txBody>
+      </p:sp>
+      <p:sp>
+        <p:nvSpPr>
+          <p:cNvPr id="6" name="Date Placeholder 5">
+            <a:extLst>
+              <a:ext uri="{FF2B5EF4-FFF2-40B4-BE49-F238E27FC236}">
+                <a16:creationId xmlns:a16="http://schemas.microsoft.com/office/drawing/2014/main" id="{7CEAE1AE-1781-3B95-DB5D-5ACFB2CE9340}"/>
+              </a:ext>
+            </a:extLst>
+          </p:cNvPr>
+          <p:cNvSpPr>
+            <a:spLocks noGrp="1"/>
+          </p:cNvSpPr>
+          <p:nvPr>
+            <p:ph type="dt" sz="half" idx="10"/>
+          </p:nvPr>
+        </p:nvSpPr>
+        <p:spPr/>
+        <p:txBody>
+          <a:bodyPr/>
+          <a:lstStyle/>
+          <a:p>
+            <a:fld id="{9964A0A3-3C4F-DD49-BACB-31C74252E6B7}" type="datetime1">
+              <a:rPr lang="en-US" smtClean="0"/>
+              <a:t>3/20/23</a:t>
+            </a:fld>
+            <a:endParaRPr lang="en-US" dirty="0"/>
+          </a:p>
+        </p:txBody>
+      </p:sp>
+      <p:sp>
+        <p:nvSpPr>
+          <p:cNvPr id="11" name="TextBox 10">
+            <a:extLst>
+              <a:ext uri="{FF2B5EF4-FFF2-40B4-BE49-F238E27FC236}">
+                <a16:creationId xmlns:a16="http://schemas.microsoft.com/office/drawing/2014/main" id="{6492DBF3-515C-F1FA-8B15-B46143E7BCD2}"/>
+              </a:ext>
+            </a:extLst>
+          </p:cNvPr>
+          <p:cNvSpPr txBox="1"/>
+          <p:nvPr/>
+        </p:nvSpPr>
+        <p:spPr>
+          <a:xfrm>
+            <a:off x="838200" y="1631853"/>
+            <a:ext cx="10497202" cy="3046988"/>
+          </a:xfrm>
+          <a:prstGeom prst="rect">
+            <a:avLst/>
+          </a:prstGeom>
+          <a:noFill/>
+        </p:spPr>
+        <p:txBody>
+          <a:bodyPr wrap="square" rtlCol="0">
+            <a:spAutoFit/>
+          </a:bodyPr>
+          <a:lstStyle/>
+          <a:p>
+            <a:r>
+              <a:rPr lang="en-GB" sz="9600" b="1" dirty="0">
+                <a:solidFill>
+                  <a:srgbClr val="FF0000"/>
+                </a:solidFill>
+              </a:rPr>
+              <a:t>Statistical </a:t>
+            </a:r>
+          </a:p>
+          <a:p>
+            <a:r>
+              <a:rPr lang="en-GB" sz="9600" b="1" dirty="0">
+                <a:solidFill>
+                  <a:srgbClr val="FF0000"/>
+                </a:solidFill>
+              </a:rPr>
+              <a:t>Aspects</a:t>
+            </a:r>
+          </a:p>
+        </p:txBody>
+      </p:sp>
+    </p:spTree>
+    <p:extLst>
+      <p:ext uri="{BB962C8B-B14F-4D97-AF65-F5344CB8AC3E}">
+        <p14:creationId xmlns:p14="http://schemas.microsoft.com/office/powerpoint/2010/main" val="1020277713"/>
+      </p:ext>
+    </p:extLst>
+  </p:cSld>
+  <p:clrMapOvr>
+    <a:masterClrMapping/>
+  </p:clrMapOvr>
+</p:sld>
+</file>
+
 <file path=ppt/slides/slide24.xml><?xml version="1.0" encoding="utf-8"?>
 <p:sld xmlns:a="http://schemas.openxmlformats.org/drawingml/2006/main" xmlns:r="http://schemas.openxmlformats.org/officeDocument/2006/relationships" xmlns:p="http://schemas.openxmlformats.org/presentationml/2006/main">
   <p:cSld>
@@ -12778,144 +11456,6 @@
       </p:grpSpPr>
       <p:sp>
         <p:nvSpPr>
-          <p:cNvPr id="3" name="Slide Number Placeholder 2">
-            <a:extLst>
-              <a:ext uri="{FF2B5EF4-FFF2-40B4-BE49-F238E27FC236}">
-                <a16:creationId xmlns:a16="http://schemas.microsoft.com/office/drawing/2014/main" id="{586329B8-615A-7647-98FD-7D365CE2492C}"/>
-              </a:ext>
-            </a:extLst>
-          </p:cNvPr>
-          <p:cNvSpPr>
-            <a:spLocks noGrp="1"/>
-          </p:cNvSpPr>
-          <p:nvPr>
-            <p:ph type="sldNum" sz="quarter" idx="12"/>
-          </p:nvPr>
-        </p:nvSpPr>
-        <p:spPr/>
-        <p:txBody>
-          <a:bodyPr/>
-          <a:lstStyle/>
-          <a:p>
-            <a:fld id="{D75B69EA-F5F3-9148-B3D2-85669F9D4A27}" type="slidenum">
-              <a:rPr lang="en-US" smtClean="0"/>
-              <a:pPr/>
-              <a:t>24</a:t>
-            </a:fld>
-            <a:endParaRPr lang="en-US" dirty="0"/>
-          </a:p>
-        </p:txBody>
-      </p:sp>
-      <p:sp>
-        <p:nvSpPr>
-          <p:cNvPr id="6" name="Date Placeholder 5">
-            <a:extLst>
-              <a:ext uri="{FF2B5EF4-FFF2-40B4-BE49-F238E27FC236}">
-                <a16:creationId xmlns:a16="http://schemas.microsoft.com/office/drawing/2014/main" id="{7CEAE1AE-1781-3B95-DB5D-5ACFB2CE9340}"/>
-              </a:ext>
-            </a:extLst>
-          </p:cNvPr>
-          <p:cNvSpPr>
-            <a:spLocks noGrp="1"/>
-          </p:cNvSpPr>
-          <p:nvPr>
-            <p:ph type="dt" sz="half" idx="10"/>
-          </p:nvPr>
-        </p:nvSpPr>
-        <p:spPr/>
-        <p:txBody>
-          <a:bodyPr/>
-          <a:lstStyle/>
-          <a:p>
-            <a:fld id="{9964A0A3-3C4F-DD49-BACB-31C74252E6B7}" type="datetime1">
-              <a:rPr lang="en-US" smtClean="0"/>
-              <a:t>3/19/23</a:t>
-            </a:fld>
-            <a:endParaRPr lang="en-US" dirty="0"/>
-          </a:p>
-        </p:txBody>
-      </p:sp>
-      <p:sp>
-        <p:nvSpPr>
-          <p:cNvPr id="11" name="TextBox 10">
-            <a:extLst>
-              <a:ext uri="{FF2B5EF4-FFF2-40B4-BE49-F238E27FC236}">
-                <a16:creationId xmlns:a16="http://schemas.microsoft.com/office/drawing/2014/main" id="{6492DBF3-515C-F1FA-8B15-B46143E7BCD2}"/>
-              </a:ext>
-            </a:extLst>
-          </p:cNvPr>
-          <p:cNvSpPr txBox="1"/>
-          <p:nvPr/>
-        </p:nvSpPr>
-        <p:spPr>
-          <a:xfrm>
-            <a:off x="838200" y="1631853"/>
-            <a:ext cx="10497202" cy="3046988"/>
-          </a:xfrm>
-          <a:prstGeom prst="rect">
-            <a:avLst/>
-          </a:prstGeom>
-          <a:noFill/>
-        </p:spPr>
-        <p:txBody>
-          <a:bodyPr wrap="square" rtlCol="0">
-            <a:spAutoFit/>
-          </a:bodyPr>
-          <a:lstStyle/>
-          <a:p>
-            <a:r>
-              <a:rPr lang="en-GB" sz="9600" b="1" dirty="0">
-                <a:solidFill>
-                  <a:srgbClr val="FF0000"/>
-                </a:solidFill>
-              </a:rPr>
-              <a:t>Statistical </a:t>
-            </a:r>
-          </a:p>
-          <a:p>
-            <a:r>
-              <a:rPr lang="en-GB" sz="9600" b="1" dirty="0">
-                <a:solidFill>
-                  <a:srgbClr val="FF0000"/>
-                </a:solidFill>
-              </a:rPr>
-              <a:t>Aspects</a:t>
-            </a:r>
-          </a:p>
-        </p:txBody>
-      </p:sp>
-    </p:spTree>
-    <p:extLst>
-      <p:ext uri="{BB962C8B-B14F-4D97-AF65-F5344CB8AC3E}">
-        <p14:creationId xmlns:p14="http://schemas.microsoft.com/office/powerpoint/2010/main" val="1020277713"/>
-      </p:ext>
-    </p:extLst>
-  </p:cSld>
-  <p:clrMapOvr>
-    <a:masterClrMapping/>
-  </p:clrMapOvr>
-</p:sld>
-</file>
-
-<file path=ppt/slides/slide25.xml><?xml version="1.0" encoding="utf-8"?>
-<p:sld xmlns:a="http://schemas.openxmlformats.org/drawingml/2006/main" xmlns:r="http://schemas.openxmlformats.org/officeDocument/2006/relationships" xmlns:p="http://schemas.openxmlformats.org/presentationml/2006/main">
-  <p:cSld>
-    <p:spTree>
-      <p:nvGrpSpPr>
-        <p:cNvPr id="1" name=""/>
-        <p:cNvGrpSpPr/>
-        <p:nvPr/>
-      </p:nvGrpSpPr>
-      <p:grpSpPr>
-        <a:xfrm>
-          <a:off x="0" y="0"/>
-          <a:ext cx="0" cy="0"/>
-          <a:chOff x="0" y="0"/>
-          <a:chExt cx="0" cy="0"/>
-        </a:xfrm>
-      </p:grpSpPr>
-      <p:sp>
-        <p:nvSpPr>
           <p:cNvPr id="2" name="Title 1">
             <a:extLst>
               <a:ext uri="{FF2B5EF4-FFF2-40B4-BE49-F238E27FC236}">
@@ -12987,14 +11527,14 @@
             <a:fld id="{D75B69EA-F5F3-9148-B3D2-85669F9D4A27}" type="slidenum">
               <a:rPr lang="en-US" smtClean="0"/>
               <a:pPr/>
-              <a:t>25</a:t>
+              <a:t>24</a:t>
             </a:fld>
             <a:endParaRPr lang="en-US" dirty="0"/>
           </a:p>
         </p:txBody>
       </p:sp>
-      <mc:AlternateContent xmlns:mc="http://schemas.openxmlformats.org/markup-compatibility/2006">
-        <mc:Choice xmlns:a14="http://schemas.microsoft.com/office/drawing/2010/main" Requires="a14">
+      <mc:AlternateContent xmlns:mc="http://schemas.openxmlformats.org/markup-compatibility/2006" xmlns:a14="http://schemas.microsoft.com/office/drawing/2010/main">
+        <mc:Choice Requires="a14">
           <p:sp>
             <p:nvSpPr>
               <p:cNvPr id="4" name="TextBox 3">
@@ -13496,7 +12036,7 @@
             </p:txBody>
           </p:sp>
         </mc:Choice>
-        <mc:Fallback>
+        <mc:Fallback xmlns="">
           <p:sp>
             <p:nvSpPr>
               <p:cNvPr id="4" name="TextBox 3">
@@ -13564,14 +12104,14 @@
           <a:p>
             <a:fld id="{9964A0A3-3C4F-DD49-BACB-31C74252E6B7}" type="datetime1">
               <a:rPr lang="en-US" smtClean="0"/>
-              <a:t>3/19/23</a:t>
+              <a:t>3/20/23</a:t>
             </a:fld>
             <a:endParaRPr lang="en-US" dirty="0"/>
           </a:p>
         </p:txBody>
       </p:sp>
-      <mc:AlternateContent xmlns:mc="http://schemas.openxmlformats.org/markup-compatibility/2006">
-        <mc:Choice xmlns:a14="http://schemas.microsoft.com/office/drawing/2010/main" Requires="a14">
+      <mc:AlternateContent xmlns:mc="http://schemas.openxmlformats.org/markup-compatibility/2006" xmlns:a14="http://schemas.microsoft.com/office/drawing/2010/main">
+        <mc:Choice Requires="a14">
           <p:sp>
             <p:nvSpPr>
               <p:cNvPr id="5" name="TextBox 4">
@@ -13587,7 +12127,7 @@
             <p:spPr>
               <a:xfrm>
                 <a:off x="658689" y="3178147"/>
-                <a:ext cx="8758423" cy="1022716"/>
+                <a:ext cx="10883557" cy="1186030"/>
               </a:xfrm>
               <a:prstGeom prst="rect">
                 <a:avLst/>
@@ -13601,19 +12141,19 @@
               <a:lstStyle/>
               <a:p>
                 <a:r>
-                  <a:rPr lang="en-GB" sz="3200" dirty="0"/>
+                  <a:rPr lang="en-GB" sz="4000" dirty="0"/>
                   <a:t>using stacked parameters </a:t>
                 </a:r>
                 <a14:m>
                   <m:oMath xmlns:m="http://schemas.openxmlformats.org/officeDocument/2006/math">
                     <m:r>
-                      <a:rPr lang="de-DE" sz="3200" b="1">
+                      <a:rPr lang="de-DE" sz="4000" b="1">
                         <a:latin typeface="Cambria Math" panose="02040503050406030204" pitchFamily="18" charset="0"/>
                       </a:rPr>
                       <m:t>𝐰</m:t>
                     </m:r>
                     <m:r>
-                      <a:rPr lang="de-DE" sz="3200" b="0" i="1" smtClean="0">
+                      <a:rPr lang="de-DE" sz="4000" b="0" i="1" smtClean="0">
                         <a:latin typeface="Cambria Math" panose="02040503050406030204" pitchFamily="18" charset="0"/>
                       </a:rPr>
                       <m:t>=</m:t>
@@ -13621,7 +12161,7 @@
                     <m:sSup>
                       <m:sSupPr>
                         <m:ctrlPr>
-                          <a:rPr lang="en-GB" sz="3200" i="1" smtClean="0">
+                          <a:rPr lang="en-GB" sz="4000" i="1" smtClean="0">
                             <a:latin typeface="Cambria Math" panose="02040503050406030204" pitchFamily="18" charset="0"/>
                           </a:rPr>
                         </m:ctrlPr>
@@ -13630,7 +12170,7 @@
                         <m:d>
                           <m:dPr>
                             <m:ctrlPr>
-                              <a:rPr lang="en-GB" sz="3200" i="1" smtClean="0">
+                              <a:rPr lang="en-GB" sz="4000" i="1" smtClean="0">
                                 <a:latin typeface="Cambria Math" panose="02040503050406030204" pitchFamily="18" charset="0"/>
                               </a:rPr>
                             </m:ctrlPr>
@@ -13639,14 +12179,14 @@
                             <m:sSup>
                               <m:sSupPr>
                                 <m:ctrlPr>
-                                  <a:rPr lang="en-GB" sz="3200" i="1" smtClean="0">
+                                  <a:rPr lang="en-GB" sz="4000" i="1" smtClean="0">
                                     <a:latin typeface="Cambria Math" panose="02040503050406030204" pitchFamily="18" charset="0"/>
                                   </a:rPr>
                                 </m:ctrlPr>
                               </m:sSupPr>
                               <m:e>
                                 <m:r>
-                                  <a:rPr lang="de-DE" sz="3200" b="1" i="0" smtClean="0">
+                                  <a:rPr lang="de-DE" sz="4000" b="1" i="0" smtClean="0">
                                     <a:latin typeface="Cambria Math" panose="02040503050406030204" pitchFamily="18" charset="0"/>
                                   </a:rPr>
                                   <m:t>𝐰</m:t>
@@ -13654,7 +12194,7 @@
                               </m:e>
                               <m:sup>
                                 <m:r>
-                                  <a:rPr lang="de-DE" sz="3200" b="0" i="1" smtClean="0">
+                                  <a:rPr lang="de-DE" sz="4000" b="0" i="1" smtClean="0">
                                     <a:latin typeface="Cambria Math" panose="02040503050406030204" pitchFamily="18" charset="0"/>
                                   </a:rPr>
                                   <m:t>(1)</m:t>
@@ -13662,7 +12202,7 @@
                               </m:sup>
                             </m:sSup>
                             <m:r>
-                              <a:rPr lang="de-DE" sz="3200" b="0" i="1" smtClean="0">
+                              <a:rPr lang="de-DE" sz="4000" b="0" i="1" smtClean="0">
                                 <a:latin typeface="Cambria Math" panose="02040503050406030204" pitchFamily="18" charset="0"/>
                               </a:rPr>
                               <m:t>,⋯,</m:t>
@@ -13670,14 +12210,14 @@
                             <m:sSup>
                               <m:sSupPr>
                                 <m:ctrlPr>
-                                  <a:rPr lang="en-GB" sz="3200" i="1">
+                                  <a:rPr lang="en-GB" sz="4000" i="1">
                                     <a:latin typeface="Cambria Math" panose="02040503050406030204" pitchFamily="18" charset="0"/>
                                   </a:rPr>
                                 </m:ctrlPr>
                               </m:sSupPr>
                               <m:e>
                                 <m:r>
-                                  <a:rPr lang="de-DE" sz="3200" b="1">
+                                  <a:rPr lang="de-DE" sz="4000" b="1">
                                     <a:latin typeface="Cambria Math" panose="02040503050406030204" pitchFamily="18" charset="0"/>
                                   </a:rPr>
                                   <m:t>𝐰</m:t>
@@ -13685,19 +12225,19 @@
                               </m:e>
                               <m:sup>
                                 <m:r>
-                                  <a:rPr lang="de-DE" sz="3200" i="1">
+                                  <a:rPr lang="de-DE" sz="4000" i="1">
                                     <a:latin typeface="Cambria Math" panose="02040503050406030204" pitchFamily="18" charset="0"/>
                                   </a:rPr>
                                   <m:t>(</m:t>
                                 </m:r>
                                 <m:r>
-                                  <a:rPr lang="de-DE" sz="3200" b="0" i="1" smtClean="0">
+                                  <a:rPr lang="de-DE" sz="4000" b="0" i="1" smtClean="0">
                                     <a:latin typeface="Cambria Math" panose="02040503050406030204" pitchFamily="18" charset="0"/>
                                   </a:rPr>
                                   <m:t>𝑛</m:t>
                                 </m:r>
                                 <m:r>
-                                  <a:rPr lang="de-DE" sz="3200" i="1">
+                                  <a:rPr lang="de-DE" sz="4000" i="1">
                                     <a:latin typeface="Cambria Math" panose="02040503050406030204" pitchFamily="18" charset="0"/>
                                   </a:rPr>
                                   <m:t>)</m:t>
@@ -13709,7 +12249,7 @@
                       </m:e>
                       <m:sup>
                         <m:r>
-                          <a:rPr lang="de-DE" sz="3200" b="0" i="1" smtClean="0">
+                          <a:rPr lang="de-DE" sz="4000" b="0" i="1" smtClean="0">
                             <a:latin typeface="Cambria Math" panose="02040503050406030204" pitchFamily="18" charset="0"/>
                           </a:rPr>
                           <m:t>𝑇</m:t>
@@ -13719,7 +12259,7 @@
                   </m:oMath>
                 </a14:m>
                 <a:r>
-                  <a:rPr lang="en-GB" sz="3200" dirty="0"/>
+                  <a:rPr lang="en-GB" sz="4000" dirty="0"/>
                   <a:t>,    </a:t>
                 </a:r>
               </a:p>
@@ -13729,7 +12269,7 @@
             </p:txBody>
           </p:sp>
         </mc:Choice>
-        <mc:Fallback>
+        <mc:Fallback xmlns="">
           <p:sp>
             <p:nvSpPr>
               <p:cNvPr id="5" name="TextBox 4">
@@ -13747,7 +12287,7 @@
             <p:spPr>
               <a:xfrm>
                 <a:off x="658689" y="3178147"/>
-                <a:ext cx="8758423" cy="1022716"/>
+                <a:ext cx="10883557" cy="1186030"/>
               </a:xfrm>
               <a:prstGeom prst="rect">
                 <a:avLst/>
@@ -13755,7 +12295,7 @@
               <a:blipFill>
                 <a:blip r:embed="rId3"/>
                 <a:stretch>
-                  <a:fillRect l="-1737" r="-724"/>
+                  <a:fillRect l="-1865" r="-1049"/>
                 </a:stretch>
               </a:blipFill>
             </p:spPr>
@@ -13774,8 +12314,8 @@
           </p:sp>
         </mc:Fallback>
       </mc:AlternateContent>
-      <mc:AlternateContent xmlns:mc="http://schemas.openxmlformats.org/markup-compatibility/2006">
-        <mc:Choice xmlns:a14="http://schemas.microsoft.com/office/drawing/2010/main" Requires="a14">
+      <mc:AlternateContent xmlns:mc="http://schemas.openxmlformats.org/markup-compatibility/2006" xmlns:a14="http://schemas.microsoft.com/office/drawing/2010/main">
+        <mc:Choice Requires="a14">
           <p:sp>
             <p:nvSpPr>
               <p:cNvPr id="7" name="TextBox 6">
@@ -13804,7 +12344,6 @@
               </a:bodyPr>
               <a:lstStyle/>
               <a:p>
-                <a:pPr/>
                 <a14:m>
                   <m:oMath xmlns:m="http://schemas.openxmlformats.org/officeDocument/2006/math">
                     <m:nary>
@@ -14094,7 +12633,7 @@
             </p:txBody>
           </p:sp>
         </mc:Choice>
-        <mc:Fallback>
+        <mc:Fallback xmlns="">
           <p:sp>
             <p:nvSpPr>
               <p:cNvPr id="7" name="TextBox 6">
@@ -14139,8 +12678,8 @@
           </p:sp>
         </mc:Fallback>
       </mc:AlternateContent>
-      <mc:AlternateContent xmlns:mc="http://schemas.openxmlformats.org/markup-compatibility/2006">
-        <mc:Choice xmlns:a14="http://schemas.microsoft.com/office/drawing/2010/main" Requires="a14">
+      <mc:AlternateContent xmlns:mc="http://schemas.openxmlformats.org/markup-compatibility/2006" xmlns:a14="http://schemas.microsoft.com/office/drawing/2010/main">
+        <mc:Choice Requires="a14">
           <p:sp>
             <p:nvSpPr>
               <p:cNvPr id="9" name="TextBox 8">
@@ -14155,8 +12694,8 @@
             </p:nvSpPr>
             <p:spPr>
               <a:xfrm>
-                <a:off x="838200" y="5512136"/>
-                <a:ext cx="4699941" cy="584775"/>
+                <a:off x="658689" y="5328498"/>
+                <a:ext cx="5808706" cy="707886"/>
               </a:xfrm>
               <a:prstGeom prst="rect">
                 <a:avLst/>
@@ -14170,13 +12709,13 @@
               <a:lstStyle/>
               <a:p>
                 <a:r>
-                  <a:rPr lang="en-GB" sz="3200" dirty="0"/>
+                  <a:rPr lang="en-GB" sz="4000" dirty="0"/>
                   <a:t>with the graph Laplacian </a:t>
                 </a:r>
                 <a14:m>
                   <m:oMath xmlns:m="http://schemas.openxmlformats.org/officeDocument/2006/math">
                     <m:r>
-                      <a:rPr lang="de-DE" sz="3200" b="1" i="0" smtClean="0">
+                      <a:rPr lang="de-DE" sz="4000" b="1" i="0" smtClean="0">
                         <a:latin typeface="Cambria Math" panose="02040503050406030204" pitchFamily="18" charset="0"/>
                       </a:rPr>
                       <m:t>𝐋</m:t>
@@ -14184,14 +12723,14 @@
                   </m:oMath>
                 </a14:m>
                 <a:r>
-                  <a:rPr lang="en-GB" sz="3200" dirty="0"/>
+                  <a:rPr lang="en-GB" sz="4000" dirty="0"/>
                   <a:t> </a:t>
                 </a:r>
               </a:p>
             </p:txBody>
           </p:sp>
         </mc:Choice>
-        <mc:Fallback>
+        <mc:Fallback xmlns="">
           <p:sp>
             <p:nvSpPr>
               <p:cNvPr id="9" name="TextBox 8">
@@ -14208,8 +12747,8 @@
             </p:nvSpPr>
             <p:spPr>
               <a:xfrm>
-                <a:off x="838200" y="5512136"/>
-                <a:ext cx="4699941" cy="584775"/>
+                <a:off x="658689" y="5328498"/>
+                <a:ext cx="5808706" cy="707886"/>
               </a:xfrm>
               <a:prstGeom prst="rect">
                 <a:avLst/>
@@ -14217,7 +12756,7 @@
               <a:blipFill>
                 <a:blip r:embed="rId5"/>
                 <a:stretch>
-                  <a:fillRect l="-3514" t="-12500" b="-29167"/>
+                  <a:fillRect l="-3486" t="-14035" b="-36842"/>
                 </a:stretch>
               </a:blipFill>
             </p:spPr>
@@ -14249,7 +12788,7 @@
 </p:sld>
 </file>
 
-<file path=ppt/slides/slide26.xml><?xml version="1.0" encoding="utf-8"?>
+<file path=ppt/slides/slide25.xml><?xml version="1.0" encoding="utf-8"?>
 <p:sld xmlns:a="http://schemas.openxmlformats.org/drawingml/2006/main" xmlns:r="http://schemas.openxmlformats.org/officeDocument/2006/relationships" xmlns:p="http://schemas.openxmlformats.org/presentationml/2006/main">
   <p:cSld>
     <p:spTree>
@@ -14327,7 +12866,7 @@
             <a:fld id="{D75B69EA-F5F3-9148-B3D2-85669F9D4A27}" type="slidenum">
               <a:rPr lang="en-US" smtClean="0"/>
               <a:pPr/>
-              <a:t>26</a:t>
+              <a:t>25</a:t>
             </a:fld>
             <a:endParaRPr lang="en-US" dirty="0"/>
           </a:p>
@@ -14356,14 +12895,14 @@
           <a:p>
             <a:fld id="{9964A0A3-3C4F-DD49-BACB-31C74252E6B7}" type="datetime1">
               <a:rPr lang="en-US" smtClean="0"/>
-              <a:t>3/19/23</a:t>
+              <a:t>3/20/23</a:t>
             </a:fld>
             <a:endParaRPr lang="en-US" dirty="0"/>
           </a:p>
         </p:txBody>
       </p:sp>
-      <mc:AlternateContent xmlns:mc="http://schemas.openxmlformats.org/markup-compatibility/2006">
-        <mc:Choice xmlns:a14="http://schemas.microsoft.com/office/drawing/2010/main" Requires="a14">
+      <mc:AlternateContent xmlns:mc="http://schemas.openxmlformats.org/markup-compatibility/2006" xmlns:a14="http://schemas.microsoft.com/office/drawing/2010/main">
+        <mc:Choice Requires="a14">
           <p:sp>
             <p:nvSpPr>
               <p:cNvPr id="7" name="TextBox 6">
@@ -14392,7 +12931,6 @@
               </a:bodyPr>
               <a:lstStyle/>
               <a:p>
-                <a:pPr/>
                 <a14:m>
                   <m:oMath xmlns:m="http://schemas.openxmlformats.org/officeDocument/2006/math">
                     <m:nary>
@@ -14682,7 +13220,7 @@
             </p:txBody>
           </p:sp>
         </mc:Choice>
-        <mc:Fallback>
+        <mc:Fallback xmlns="">
           <p:sp>
             <p:nvSpPr>
               <p:cNvPr id="7" name="TextBox 6">
@@ -14742,7 +13280,7 @@
         <p:spPr>
           <a:xfrm>
             <a:off x="838200" y="4397212"/>
-            <a:ext cx="10385600" cy="1323439"/>
+            <a:ext cx="10515600" cy="1323439"/>
           </a:xfrm>
           <a:prstGeom prst="rect">
             <a:avLst/>
@@ -14750,7 +13288,7 @@
           <a:noFill/>
         </p:spPr>
         <p:txBody>
-          <a:bodyPr wrap="none" rtlCol="0">
+          <a:bodyPr wrap="square" rtlCol="0">
             <a:spAutoFit/>
           </a:bodyPr>
           <a:lstStyle/>
@@ -14785,30 +13323,12 @@
             </a:r>
             <a:r>
               <a:rPr lang="de-DE" sz="4000" dirty="0" err="1"/>
-              <a:t>should</a:t>
-            </a:r>
-            <a:r>
-              <a:rPr lang="de-DE" sz="4000" dirty="0"/>
-              <a:t> </a:t>
-            </a:r>
-            <a:r>
-              <a:rPr lang="de-DE" sz="4000" dirty="0" err="1"/>
-              <a:t>be</a:t>
-            </a:r>
-            <a:r>
-              <a:rPr lang="de-DE" sz="4000" dirty="0"/>
-              <a:t> </a:t>
-            </a:r>
-            <a:r>
-              <a:rPr lang="de-DE" sz="4000" dirty="0" err="1"/>
               <a:t>composed</a:t>
             </a:r>
             <a:r>
               <a:rPr lang="de-DE" sz="4000" dirty="0"/>
               <a:t> </a:t>
             </a:r>
-          </a:p>
-          <a:p>
             <a:r>
               <a:rPr lang="de-DE" sz="4000" dirty="0" err="1"/>
               <a:t>of</a:t>
@@ -14817,6 +13337,8 @@
               <a:rPr lang="de-DE" sz="4000" dirty="0"/>
               <a:t> </a:t>
             </a:r>
+          </a:p>
+          <a:p>
             <a:r>
               <a:rPr lang="de-DE" sz="4000" dirty="0" err="1"/>
               <a:t>eigvecs</a:t>
@@ -14865,8 +13387,8 @@
           </a:p>
         </p:txBody>
       </p:sp>
-      <mc:AlternateContent xmlns:mc="http://schemas.openxmlformats.org/markup-compatibility/2006">
-        <mc:Choice xmlns:a14="http://schemas.microsoft.com/office/drawing/2010/main" Requires="a14">
+      <mc:AlternateContent xmlns:mc="http://schemas.openxmlformats.org/markup-compatibility/2006" xmlns:a14="http://schemas.microsoft.com/office/drawing/2010/main">
+        <mc:Choice Requires="a14">
           <p:sp>
             <p:nvSpPr>
               <p:cNvPr id="8" name="TextBox 7">
@@ -14881,7 +13403,7 @@
             </p:nvSpPr>
             <p:spPr>
               <a:xfrm>
-                <a:off x="838200" y="1587758"/>
+                <a:off x="838200" y="1839303"/>
                 <a:ext cx="7208833" cy="707886"/>
               </a:xfrm>
               <a:prstGeom prst="rect">
@@ -14929,7 +13451,7 @@
             </p:txBody>
           </p:sp>
         </mc:Choice>
-        <mc:Fallback>
+        <mc:Fallback xmlns="">
           <p:sp>
             <p:nvSpPr>
               <p:cNvPr id="8" name="TextBox 7">
@@ -14946,7 +13468,7 @@
             </p:nvSpPr>
             <p:spPr>
               <a:xfrm>
-                <a:off x="838200" y="1587758"/>
+                <a:off x="838200" y="1839303"/>
                 <a:ext cx="7208833" cy="707886"/>
               </a:xfrm>
               <a:prstGeom prst="rect">
@@ -14955,7 +13477,7 @@
               <a:blipFill>
                 <a:blip r:embed="rId3"/>
                 <a:stretch>
-                  <a:fillRect l="-3169" t="-12281" r="-2113" b="-38596"/>
+                  <a:fillRect l="-3169" t="-12281" r="-2113" b="-36842"/>
                 </a:stretch>
               </a:blipFill>
             </p:spPr>
@@ -14987,7 +13509,7 @@
 </p:sld>
 </file>
 
-<file path=ppt/slides/slide27.xml><?xml version="1.0" encoding="utf-8"?>
+<file path=ppt/slides/slide26.xml><?xml version="1.0" encoding="utf-8"?>
 <p:sld xmlns:a="http://schemas.openxmlformats.org/drawingml/2006/main" xmlns:r="http://schemas.openxmlformats.org/officeDocument/2006/relationships" xmlns:p="http://schemas.openxmlformats.org/presentationml/2006/main">
   <p:cSld>
     <p:spTree>
@@ -17237,6 +15759,140 @@
 </p:sld>
 </file>
 
+<file path=ppt/slides/slide27.xml><?xml version="1.0" encoding="utf-8"?>
+<p:sld xmlns:a="http://schemas.openxmlformats.org/drawingml/2006/main" xmlns:r="http://schemas.openxmlformats.org/officeDocument/2006/relationships" xmlns:p="http://schemas.openxmlformats.org/presentationml/2006/main">
+  <p:cSld>
+    <p:spTree>
+      <p:nvGrpSpPr>
+        <p:cNvPr id="1" name=""/>
+        <p:cNvGrpSpPr/>
+        <p:nvPr/>
+      </p:nvGrpSpPr>
+      <p:grpSpPr>
+        <a:xfrm>
+          <a:off x="0" y="0"/>
+          <a:ext cx="0" cy="0"/>
+          <a:chOff x="0" y="0"/>
+          <a:chExt cx="0" cy="0"/>
+        </a:xfrm>
+      </p:grpSpPr>
+      <p:sp>
+        <p:nvSpPr>
+          <p:cNvPr id="3" name="Slide Number Placeholder 2">
+            <a:extLst>
+              <a:ext uri="{FF2B5EF4-FFF2-40B4-BE49-F238E27FC236}">
+                <a16:creationId xmlns:a16="http://schemas.microsoft.com/office/drawing/2014/main" id="{2FC82F7E-50BA-8F4E-B2E8-088E95CAF904}"/>
+              </a:ext>
+            </a:extLst>
+          </p:cNvPr>
+          <p:cNvSpPr>
+            <a:spLocks noGrp="1"/>
+          </p:cNvSpPr>
+          <p:nvPr>
+            <p:ph type="sldNum" sz="quarter" idx="12"/>
+          </p:nvPr>
+        </p:nvSpPr>
+        <p:spPr/>
+        <p:txBody>
+          <a:bodyPr/>
+          <a:lstStyle/>
+          <a:p>
+            <a:fld id="{D75B69EA-F5F3-9148-B3D2-85669F9D4A27}" type="slidenum">
+              <a:rPr lang="en-US" smtClean="0"/>
+              <a:pPr/>
+              <a:t>27</a:t>
+            </a:fld>
+            <a:endParaRPr lang="en-US" dirty="0"/>
+          </a:p>
+        </p:txBody>
+      </p:sp>
+      <p:sp>
+        <p:nvSpPr>
+          <p:cNvPr id="6" name="TextBox 5">
+            <a:extLst>
+              <a:ext uri="{FF2B5EF4-FFF2-40B4-BE49-F238E27FC236}">
+                <a16:creationId xmlns:a16="http://schemas.microsoft.com/office/drawing/2014/main" id="{7228C4BD-B8E6-2AB2-53DA-D917D6153293}"/>
+              </a:ext>
+            </a:extLst>
+          </p:cNvPr>
+          <p:cNvSpPr txBox="1"/>
+          <p:nvPr/>
+        </p:nvSpPr>
+        <p:spPr>
+          <a:xfrm>
+            <a:off x="838200" y="2389324"/>
+            <a:ext cx="8982247" cy="2079352"/>
+          </a:xfrm>
+          <a:prstGeom prst="rect">
+            <a:avLst/>
+          </a:prstGeom>
+          <a:noFill/>
+        </p:spPr>
+        <p:txBody>
+          <a:bodyPr wrap="square" rtlCol="0">
+            <a:spAutoFit/>
+          </a:bodyPr>
+          <a:lstStyle/>
+          <a:p>
+            <a:pPr>
+              <a:lnSpc>
+                <a:spcPct val="150000"/>
+              </a:lnSpc>
+            </a:pPr>
+            <a:r>
+              <a:rPr lang="en-US" sz="9600" dirty="0">
+                <a:solidFill>
+                  <a:srgbClr val="FF0000"/>
+                </a:solidFill>
+                <a:cs typeface="Arial" panose="020B0604020202020204" pitchFamily="34" charset="0"/>
+              </a:rPr>
+              <a:t>Interpretations</a:t>
+            </a:r>
+          </a:p>
+        </p:txBody>
+      </p:sp>
+      <p:sp>
+        <p:nvSpPr>
+          <p:cNvPr id="4" name="Date Placeholder 3">
+            <a:extLst>
+              <a:ext uri="{FF2B5EF4-FFF2-40B4-BE49-F238E27FC236}">
+                <a16:creationId xmlns:a16="http://schemas.microsoft.com/office/drawing/2014/main" id="{AAEFDE8C-806D-11E1-0475-B0DA48B70A5A}"/>
+              </a:ext>
+            </a:extLst>
+          </p:cNvPr>
+          <p:cNvSpPr>
+            <a:spLocks noGrp="1"/>
+          </p:cNvSpPr>
+          <p:nvPr>
+            <p:ph type="dt" sz="half" idx="10"/>
+          </p:nvPr>
+        </p:nvSpPr>
+        <p:spPr/>
+        <p:txBody>
+          <a:bodyPr/>
+          <a:lstStyle/>
+          <a:p>
+            <a:fld id="{853CD2E7-96C1-CF49-8E6A-DB2FC224E1F5}" type="datetime1">
+              <a:rPr lang="en-US" smtClean="0"/>
+              <a:t>3/20/23</a:t>
+            </a:fld>
+            <a:endParaRPr lang="en-US" dirty="0"/>
+          </a:p>
+        </p:txBody>
+      </p:sp>
+    </p:spTree>
+    <p:extLst>
+      <p:ext uri="{BB962C8B-B14F-4D97-AF65-F5344CB8AC3E}">
+        <p14:creationId xmlns:p14="http://schemas.microsoft.com/office/powerpoint/2010/main" val="12388330"/>
+      </p:ext>
+    </p:extLst>
+  </p:cSld>
+  <p:clrMapOvr>
+    <a:masterClrMapping/>
+  </p:clrMapOvr>
+</p:sld>
+</file>
+
 <file path=ppt/slides/slide28.xml><?xml version="1.0" encoding="utf-8"?>
 <p:sld xmlns:a="http://schemas.openxmlformats.org/drawingml/2006/main" xmlns:r="http://schemas.openxmlformats.org/officeDocument/2006/relationships" xmlns:p="http://schemas.openxmlformats.org/presentationml/2006/main">
   <p:cSld>
@@ -17256,140 +15912,6 @@
       </p:grpSpPr>
       <p:sp>
         <p:nvSpPr>
-          <p:cNvPr id="3" name="Slide Number Placeholder 2">
-            <a:extLst>
-              <a:ext uri="{FF2B5EF4-FFF2-40B4-BE49-F238E27FC236}">
-                <a16:creationId xmlns:a16="http://schemas.microsoft.com/office/drawing/2014/main" id="{2FC82F7E-50BA-8F4E-B2E8-088E95CAF904}"/>
-              </a:ext>
-            </a:extLst>
-          </p:cNvPr>
-          <p:cNvSpPr>
-            <a:spLocks noGrp="1"/>
-          </p:cNvSpPr>
-          <p:nvPr>
-            <p:ph type="sldNum" sz="quarter" idx="12"/>
-          </p:nvPr>
-        </p:nvSpPr>
-        <p:spPr/>
-        <p:txBody>
-          <a:bodyPr/>
-          <a:lstStyle/>
-          <a:p>
-            <a:fld id="{D75B69EA-F5F3-9148-B3D2-85669F9D4A27}" type="slidenum">
-              <a:rPr lang="en-US" smtClean="0"/>
-              <a:pPr/>
-              <a:t>28</a:t>
-            </a:fld>
-            <a:endParaRPr lang="en-US" dirty="0"/>
-          </a:p>
-        </p:txBody>
-      </p:sp>
-      <p:sp>
-        <p:nvSpPr>
-          <p:cNvPr id="6" name="TextBox 5">
-            <a:extLst>
-              <a:ext uri="{FF2B5EF4-FFF2-40B4-BE49-F238E27FC236}">
-                <a16:creationId xmlns:a16="http://schemas.microsoft.com/office/drawing/2014/main" id="{7228C4BD-B8E6-2AB2-53DA-D917D6153293}"/>
-              </a:ext>
-            </a:extLst>
-          </p:cNvPr>
-          <p:cNvSpPr txBox="1"/>
-          <p:nvPr/>
-        </p:nvSpPr>
-        <p:spPr>
-          <a:xfrm>
-            <a:off x="838200" y="2389324"/>
-            <a:ext cx="8982247" cy="2079352"/>
-          </a:xfrm>
-          <a:prstGeom prst="rect">
-            <a:avLst/>
-          </a:prstGeom>
-          <a:noFill/>
-        </p:spPr>
-        <p:txBody>
-          <a:bodyPr wrap="square" rtlCol="0">
-            <a:spAutoFit/>
-          </a:bodyPr>
-          <a:lstStyle/>
-          <a:p>
-            <a:pPr>
-              <a:lnSpc>
-                <a:spcPct val="150000"/>
-              </a:lnSpc>
-            </a:pPr>
-            <a:r>
-              <a:rPr lang="en-US" sz="9600" dirty="0">
-                <a:solidFill>
-                  <a:srgbClr val="FF0000"/>
-                </a:solidFill>
-                <a:cs typeface="Arial" panose="020B0604020202020204" pitchFamily="34" charset="0"/>
-              </a:rPr>
-              <a:t>Interpretations</a:t>
-            </a:r>
-          </a:p>
-        </p:txBody>
-      </p:sp>
-      <p:sp>
-        <p:nvSpPr>
-          <p:cNvPr id="4" name="Date Placeholder 3">
-            <a:extLst>
-              <a:ext uri="{FF2B5EF4-FFF2-40B4-BE49-F238E27FC236}">
-                <a16:creationId xmlns:a16="http://schemas.microsoft.com/office/drawing/2014/main" id="{AAEFDE8C-806D-11E1-0475-B0DA48B70A5A}"/>
-              </a:ext>
-            </a:extLst>
-          </p:cNvPr>
-          <p:cNvSpPr>
-            <a:spLocks noGrp="1"/>
-          </p:cNvSpPr>
-          <p:nvPr>
-            <p:ph type="dt" sz="half" idx="10"/>
-          </p:nvPr>
-        </p:nvSpPr>
-        <p:spPr/>
-        <p:txBody>
-          <a:bodyPr/>
-          <a:lstStyle/>
-          <a:p>
-            <a:fld id="{853CD2E7-96C1-CF49-8E6A-DB2FC224E1F5}" type="datetime1">
-              <a:rPr lang="en-US" smtClean="0"/>
-              <a:t>3/19/23</a:t>
-            </a:fld>
-            <a:endParaRPr lang="en-US" dirty="0"/>
-          </a:p>
-        </p:txBody>
-      </p:sp>
-    </p:spTree>
-    <p:extLst>
-      <p:ext uri="{BB962C8B-B14F-4D97-AF65-F5344CB8AC3E}">
-        <p14:creationId xmlns:p14="http://schemas.microsoft.com/office/powerpoint/2010/main" val="12388330"/>
-      </p:ext>
-    </p:extLst>
-  </p:cSld>
-  <p:clrMapOvr>
-    <a:masterClrMapping/>
-  </p:clrMapOvr>
-</p:sld>
-</file>
-
-<file path=ppt/slides/slide29.xml><?xml version="1.0" encoding="utf-8"?>
-<p:sld xmlns:a="http://schemas.openxmlformats.org/drawingml/2006/main" xmlns:r="http://schemas.openxmlformats.org/officeDocument/2006/relationships" xmlns:p="http://schemas.openxmlformats.org/presentationml/2006/main">
-  <p:cSld>
-    <p:spTree>
-      <p:nvGrpSpPr>
-        <p:cNvPr id="1" name=""/>
-        <p:cNvGrpSpPr/>
-        <p:nvPr/>
-      </p:nvGrpSpPr>
-      <p:grpSpPr>
-        <a:xfrm>
-          <a:off x="0" y="0"/>
-          <a:ext cx="0" cy="0"/>
-          <a:chOff x="0" y="0"/>
-          <a:chExt cx="0" cy="0"/>
-        </a:xfrm>
-      </p:grpSpPr>
-      <p:sp>
-        <p:nvSpPr>
           <p:cNvPr id="2" name="TextBox 1">
             <a:extLst>
               <a:ext uri="{FF2B5EF4-FFF2-40B4-BE49-F238E27FC236}">
@@ -17446,7 +15968,7 @@
           <a:p>
             <a:fld id="{D75B69EA-F5F3-9148-B3D2-85669F9D4A27}" type="slidenum">
               <a:rPr lang="en-US" smtClean="0"/>
-              <a:t>29</a:t>
+              <a:t>28</a:t>
             </a:fld>
             <a:endParaRPr lang="en-US"/>
           </a:p>
@@ -18235,7 +16757,7 @@
           <a:p>
             <a:fld id="{4EFCB7D2-1305-9541-B0EE-20A0810B738A}" type="datetime1">
               <a:rPr lang="en-US" smtClean="0"/>
-              <a:t>3/19/23</a:t>
+              <a:t>3/20/23</a:t>
             </a:fld>
             <a:endParaRPr lang="en-US"/>
           </a:p>
@@ -18254,166 +16776,7 @@
 </p:sld>
 </file>
 
-<file path=ppt/slides/slide3.xml><?xml version="1.0" encoding="utf-8"?>
-<p:sld xmlns:a="http://schemas.openxmlformats.org/drawingml/2006/main" xmlns:r="http://schemas.openxmlformats.org/officeDocument/2006/relationships" xmlns:p="http://schemas.openxmlformats.org/presentationml/2006/main">
-  <p:cSld>
-    <p:spTree>
-      <p:nvGrpSpPr>
-        <p:cNvPr id="1" name=""/>
-        <p:cNvGrpSpPr/>
-        <p:nvPr/>
-      </p:nvGrpSpPr>
-      <p:grpSpPr>
-        <a:xfrm>
-          <a:off x="0" y="0"/>
-          <a:ext cx="0" cy="0"/>
-          <a:chOff x="0" y="0"/>
-          <a:chExt cx="0" cy="0"/>
-        </a:xfrm>
-      </p:grpSpPr>
-      <p:sp>
-        <p:nvSpPr>
-          <p:cNvPr id="3" name="Content Placeholder 2">
-            <a:extLst>
-              <a:ext uri="{FF2B5EF4-FFF2-40B4-BE49-F238E27FC236}">
-                <a16:creationId xmlns:a16="http://schemas.microsoft.com/office/drawing/2014/main" id="{B712E454-1C7A-DE49-19E1-1793387AE2C0}"/>
-              </a:ext>
-            </a:extLst>
-          </p:cNvPr>
-          <p:cNvSpPr>
-            <a:spLocks noGrp="1"/>
-          </p:cNvSpPr>
-          <p:nvPr>
-            <p:ph idx="1"/>
-          </p:nvPr>
-        </p:nvSpPr>
-        <p:spPr>
-          <a:xfrm>
-            <a:off x="497711" y="1253331"/>
-            <a:ext cx="10856089" cy="4351338"/>
-          </a:xfrm>
-        </p:spPr>
-        <p:txBody>
-          <a:bodyPr>
-            <a:normAutofit fontScale="92500" lnSpcReduction="20000"/>
-          </a:bodyPr>
-          <a:lstStyle/>
-          <a:p>
-            <a:pPr marL="0" indent="0">
-              <a:buNone/>
-            </a:pPr>
-            <a:r>
-              <a:rPr lang="en-GB" sz="7200" dirty="0"/>
-              <a:t>Previous Lecture:</a:t>
-            </a:r>
-          </a:p>
-          <a:p>
-            <a:pPr marL="0" indent="0">
-              <a:buNone/>
-            </a:pPr>
-            <a:r>
-              <a:rPr lang="en-GB" sz="7200" dirty="0"/>
-              <a:t>Networked Data and Models</a:t>
-            </a:r>
-          </a:p>
-          <a:p>
-            <a:pPr marL="0" indent="0">
-              <a:buNone/>
-            </a:pPr>
-            <a:endParaRPr lang="en-GB" sz="7200" dirty="0"/>
-          </a:p>
-          <a:p>
-            <a:pPr marL="0" indent="0">
-              <a:buNone/>
-            </a:pPr>
-            <a:r>
-              <a:rPr lang="en-GB" sz="7200" dirty="0"/>
-              <a:t>Today: </a:t>
-            </a:r>
-          </a:p>
-          <a:p>
-            <a:pPr marL="0" indent="0">
-              <a:buNone/>
-            </a:pPr>
-            <a:r>
-              <a:rPr lang="en-GB" sz="7200" dirty="0"/>
-              <a:t>Loss and Optimization </a:t>
-            </a:r>
-          </a:p>
-        </p:txBody>
-      </p:sp>
-      <p:sp>
-        <p:nvSpPr>
-          <p:cNvPr id="4" name="Date Placeholder 3">
-            <a:extLst>
-              <a:ext uri="{FF2B5EF4-FFF2-40B4-BE49-F238E27FC236}">
-                <a16:creationId xmlns:a16="http://schemas.microsoft.com/office/drawing/2014/main" id="{92A45018-1596-77FC-60B1-76D89CB1E96C}"/>
-              </a:ext>
-            </a:extLst>
-          </p:cNvPr>
-          <p:cNvSpPr>
-            <a:spLocks noGrp="1"/>
-          </p:cNvSpPr>
-          <p:nvPr>
-            <p:ph type="dt" sz="half" idx="10"/>
-          </p:nvPr>
-        </p:nvSpPr>
-        <p:spPr/>
-        <p:txBody>
-          <a:bodyPr/>
-          <a:lstStyle/>
-          <a:p>
-            <a:fld id="{09C2894A-47FF-4D4A-84EA-3327DF49E5B5}" type="datetime1">
-              <a:rPr lang="en-US" sz="2400" smtClean="0"/>
-              <a:t>3/19/23</a:t>
-            </a:fld>
-            <a:endParaRPr lang="en-GB" sz="2400" dirty="0"/>
-          </a:p>
-        </p:txBody>
-      </p:sp>
-      <p:sp>
-        <p:nvSpPr>
-          <p:cNvPr id="5" name="Slide Number Placeholder 4">
-            <a:extLst>
-              <a:ext uri="{FF2B5EF4-FFF2-40B4-BE49-F238E27FC236}">
-                <a16:creationId xmlns:a16="http://schemas.microsoft.com/office/drawing/2014/main" id="{2103CC7C-91ED-326C-25F2-E85DB5F3BD71}"/>
-              </a:ext>
-            </a:extLst>
-          </p:cNvPr>
-          <p:cNvSpPr>
-            <a:spLocks noGrp="1"/>
-          </p:cNvSpPr>
-          <p:nvPr>
-            <p:ph type="sldNum" sz="quarter" idx="12"/>
-          </p:nvPr>
-        </p:nvSpPr>
-        <p:spPr/>
-        <p:txBody>
-          <a:bodyPr/>
-          <a:lstStyle/>
-          <a:p>
-            <a:fld id="{6FD98A76-ED6B-D54E-BABE-E8A9BFC6A4C6}" type="slidenum">
-              <a:rPr lang="en-GB" sz="2400" smtClean="0"/>
-              <a:t>3</a:t>
-            </a:fld>
-            <a:endParaRPr lang="en-GB" sz="2400" dirty="0"/>
-          </a:p>
-        </p:txBody>
-      </p:sp>
-    </p:spTree>
-    <p:extLst>
-      <p:ext uri="{BB962C8B-B14F-4D97-AF65-F5344CB8AC3E}">
-        <p14:creationId xmlns:p14="http://schemas.microsoft.com/office/powerpoint/2010/main" val="681594640"/>
-      </p:ext>
-    </p:extLst>
-  </p:cSld>
-  <p:clrMapOvr>
-    <a:masterClrMapping/>
-  </p:clrMapOvr>
-</p:sld>
-</file>
-
-<file path=ppt/slides/slide30.xml><?xml version="1.0" encoding="utf-8"?>
+<file path=ppt/slides/slide29.xml><?xml version="1.0" encoding="utf-8"?>
 <p:sld xmlns:a="http://schemas.openxmlformats.org/drawingml/2006/main" xmlns:r="http://schemas.openxmlformats.org/officeDocument/2006/relationships" xmlns:p="http://schemas.openxmlformats.org/presentationml/2006/main">
   <p:cSld>
     <p:spTree>
@@ -19569,7 +17932,7 @@
             <a:fld id="{D75B69EA-F5F3-9148-B3D2-85669F9D4A27}" type="slidenum">
               <a:rPr lang="en-US" smtClean="0"/>
               <a:pPr/>
-              <a:t>30</a:t>
+              <a:t>29</a:t>
             </a:fld>
             <a:endParaRPr lang="en-US" dirty="0"/>
           </a:p>
@@ -21614,7 +19977,7 @@
           <a:p>
             <a:fld id="{0FB2294E-4CB9-9F4B-B6EC-6C818D83DFB2}" type="datetime1">
               <a:rPr lang="en-US" smtClean="0"/>
-              <a:t>3/19/23</a:t>
+              <a:t>3/20/23</a:t>
             </a:fld>
             <a:endParaRPr lang="en-US" dirty="0"/>
           </a:p>
@@ -21633,7 +19996,166 @@
 </p:sld>
 </file>
 
-<file path=ppt/slides/slide31.xml><?xml version="1.0" encoding="utf-8"?>
+<file path=ppt/slides/slide3.xml><?xml version="1.0" encoding="utf-8"?>
+<p:sld xmlns:a="http://schemas.openxmlformats.org/drawingml/2006/main" xmlns:r="http://schemas.openxmlformats.org/officeDocument/2006/relationships" xmlns:p="http://schemas.openxmlformats.org/presentationml/2006/main">
+  <p:cSld>
+    <p:spTree>
+      <p:nvGrpSpPr>
+        <p:cNvPr id="1" name=""/>
+        <p:cNvGrpSpPr/>
+        <p:nvPr/>
+      </p:nvGrpSpPr>
+      <p:grpSpPr>
+        <a:xfrm>
+          <a:off x="0" y="0"/>
+          <a:ext cx="0" cy="0"/>
+          <a:chOff x="0" y="0"/>
+          <a:chExt cx="0" cy="0"/>
+        </a:xfrm>
+      </p:grpSpPr>
+      <p:sp>
+        <p:nvSpPr>
+          <p:cNvPr id="3" name="Content Placeholder 2">
+            <a:extLst>
+              <a:ext uri="{FF2B5EF4-FFF2-40B4-BE49-F238E27FC236}">
+                <a16:creationId xmlns:a16="http://schemas.microsoft.com/office/drawing/2014/main" id="{B712E454-1C7A-DE49-19E1-1793387AE2C0}"/>
+              </a:ext>
+            </a:extLst>
+          </p:cNvPr>
+          <p:cNvSpPr>
+            <a:spLocks noGrp="1"/>
+          </p:cNvSpPr>
+          <p:nvPr>
+            <p:ph idx="1"/>
+          </p:nvPr>
+        </p:nvSpPr>
+        <p:spPr>
+          <a:xfrm>
+            <a:off x="497711" y="1253331"/>
+            <a:ext cx="10856089" cy="4351338"/>
+          </a:xfrm>
+        </p:spPr>
+        <p:txBody>
+          <a:bodyPr>
+            <a:normAutofit fontScale="92500" lnSpcReduction="20000"/>
+          </a:bodyPr>
+          <a:lstStyle/>
+          <a:p>
+            <a:pPr marL="0" indent="0">
+              <a:buNone/>
+            </a:pPr>
+            <a:r>
+              <a:rPr lang="en-GB" sz="7200" dirty="0"/>
+              <a:t>Previous Lecture:</a:t>
+            </a:r>
+          </a:p>
+          <a:p>
+            <a:pPr marL="0" indent="0">
+              <a:buNone/>
+            </a:pPr>
+            <a:r>
+              <a:rPr lang="en-GB" sz="7200" dirty="0"/>
+              <a:t>Networked Data and Models</a:t>
+            </a:r>
+          </a:p>
+          <a:p>
+            <a:pPr marL="0" indent="0">
+              <a:buNone/>
+            </a:pPr>
+            <a:endParaRPr lang="en-GB" sz="7200" dirty="0"/>
+          </a:p>
+          <a:p>
+            <a:pPr marL="0" indent="0">
+              <a:buNone/>
+            </a:pPr>
+            <a:r>
+              <a:rPr lang="en-GB" sz="7200" dirty="0"/>
+              <a:t>Today: </a:t>
+            </a:r>
+          </a:p>
+          <a:p>
+            <a:pPr marL="0" indent="0">
+              <a:buNone/>
+            </a:pPr>
+            <a:r>
+              <a:rPr lang="en-GB" sz="7200" dirty="0"/>
+              <a:t>Loss and Optimization </a:t>
+            </a:r>
+          </a:p>
+        </p:txBody>
+      </p:sp>
+      <p:sp>
+        <p:nvSpPr>
+          <p:cNvPr id="4" name="Date Placeholder 3">
+            <a:extLst>
+              <a:ext uri="{FF2B5EF4-FFF2-40B4-BE49-F238E27FC236}">
+                <a16:creationId xmlns:a16="http://schemas.microsoft.com/office/drawing/2014/main" id="{92A45018-1596-77FC-60B1-76D89CB1E96C}"/>
+              </a:ext>
+            </a:extLst>
+          </p:cNvPr>
+          <p:cNvSpPr>
+            <a:spLocks noGrp="1"/>
+          </p:cNvSpPr>
+          <p:nvPr>
+            <p:ph type="dt" sz="half" idx="10"/>
+          </p:nvPr>
+        </p:nvSpPr>
+        <p:spPr/>
+        <p:txBody>
+          <a:bodyPr/>
+          <a:lstStyle/>
+          <a:p>
+            <a:fld id="{09C2894A-47FF-4D4A-84EA-3327DF49E5B5}" type="datetime1">
+              <a:rPr lang="en-US" sz="2400" smtClean="0"/>
+              <a:t>3/20/23</a:t>
+            </a:fld>
+            <a:endParaRPr lang="en-GB" sz="2400" dirty="0"/>
+          </a:p>
+        </p:txBody>
+      </p:sp>
+      <p:sp>
+        <p:nvSpPr>
+          <p:cNvPr id="5" name="Slide Number Placeholder 4">
+            <a:extLst>
+              <a:ext uri="{FF2B5EF4-FFF2-40B4-BE49-F238E27FC236}">
+                <a16:creationId xmlns:a16="http://schemas.microsoft.com/office/drawing/2014/main" id="{2103CC7C-91ED-326C-25F2-E85DB5F3BD71}"/>
+              </a:ext>
+            </a:extLst>
+          </p:cNvPr>
+          <p:cNvSpPr>
+            <a:spLocks noGrp="1"/>
+          </p:cNvSpPr>
+          <p:nvPr>
+            <p:ph type="sldNum" sz="quarter" idx="12"/>
+          </p:nvPr>
+        </p:nvSpPr>
+        <p:spPr/>
+        <p:txBody>
+          <a:bodyPr/>
+          <a:lstStyle/>
+          <a:p>
+            <a:fld id="{6FD98A76-ED6B-D54E-BABE-E8A9BFC6A4C6}" type="slidenum">
+              <a:rPr lang="en-GB" sz="2400" smtClean="0"/>
+              <a:t>3</a:t>
+            </a:fld>
+            <a:endParaRPr lang="en-GB" sz="2400" dirty="0"/>
+          </a:p>
+        </p:txBody>
+      </p:sp>
+    </p:spTree>
+    <p:extLst>
+      <p:ext uri="{BB962C8B-B14F-4D97-AF65-F5344CB8AC3E}">
+        <p14:creationId xmlns:p14="http://schemas.microsoft.com/office/powerpoint/2010/main" val="681594640"/>
+      </p:ext>
+    </p:extLst>
+  </p:cSld>
+  <p:clrMapOvr>
+    <a:masterClrMapping/>
+  </p:clrMapOvr>
+</p:sld>
+</file>
+
+<file path=ppt/slides/slide30.xml><?xml version="1.0" encoding="utf-8"?>
 <p:sld xmlns:a="http://schemas.openxmlformats.org/drawingml/2006/main" xmlns:r="http://schemas.openxmlformats.org/officeDocument/2006/relationships" xmlns:p="http://schemas.openxmlformats.org/presentationml/2006/main">
   <p:cSld>
     <p:spTree>
@@ -21708,7 +20230,7 @@
           <a:p>
             <a:fld id="{D75B69EA-F5F3-9148-B3D2-85669F9D4A27}" type="slidenum">
               <a:rPr lang="en-US" smtClean="0"/>
-              <a:t>31</a:t>
+              <a:t>30</a:t>
             </a:fld>
             <a:endParaRPr lang="en-US"/>
           </a:p>
@@ -22328,7 +20850,7 @@
           <a:p>
             <a:fld id="{D1DE55F3-96DE-6A4A-8296-79A62F8B4441}" type="datetime1">
               <a:rPr lang="en-US" smtClean="0"/>
-              <a:t>3/19/23</a:t>
+              <a:t>3/20/23</a:t>
             </a:fld>
             <a:endParaRPr lang="en-US"/>
           </a:p>
@@ -22347,7 +20869,7 @@
 </p:sld>
 </file>
 
-<file path=ppt/slides/slide32.xml><?xml version="1.0" encoding="utf-8"?>
+<file path=ppt/slides/slide31.xml><?xml version="1.0" encoding="utf-8"?>
 <p:sld xmlns:a="http://schemas.openxmlformats.org/drawingml/2006/main" xmlns:r="http://schemas.openxmlformats.org/officeDocument/2006/relationships" xmlns:p="http://schemas.openxmlformats.org/presentationml/2006/main">
   <p:cSld>
     <p:spTree>
@@ -22422,7 +20944,7 @@
           <a:p>
             <a:fld id="{D75B69EA-F5F3-9148-B3D2-85669F9D4A27}" type="slidenum">
               <a:rPr lang="en-US" smtClean="0"/>
-              <a:t>32</a:t>
+              <a:t>31</a:t>
             </a:fld>
             <a:endParaRPr lang="en-US"/>
           </a:p>
@@ -23274,7 +21796,7 @@
           <a:p>
             <a:fld id="{2609AF60-2142-794A-9ED6-AD96146A77ED}" type="datetime1">
               <a:rPr lang="en-US" smtClean="0"/>
-              <a:t>3/19/23</a:t>
+              <a:t>3/20/23</a:t>
             </a:fld>
             <a:endParaRPr lang="en-US"/>
           </a:p>
@@ -23293,7 +21815,7 @@
 </p:sld>
 </file>
 
-<file path=ppt/slides/slide33.xml><?xml version="1.0" encoding="utf-8"?>
+<file path=ppt/slides/slide32.xml><?xml version="1.0" encoding="utf-8"?>
 <p:sld xmlns:a="http://schemas.openxmlformats.org/drawingml/2006/main" xmlns:r="http://schemas.openxmlformats.org/officeDocument/2006/relationships" xmlns:p="http://schemas.openxmlformats.org/presentationml/2006/main">
   <p:cSld>
     <p:spTree>
@@ -23368,7 +21890,7 @@
           <a:p>
             <a:fld id="{D75B69EA-F5F3-9148-B3D2-85669F9D4A27}" type="slidenum">
               <a:rPr lang="en-US" smtClean="0"/>
-              <a:t>33</a:t>
+              <a:t>32</a:t>
             </a:fld>
             <a:endParaRPr lang="en-US"/>
           </a:p>
@@ -24207,7 +22729,7 @@
           <a:p>
             <a:fld id="{BBEB56E1-F0E4-3A49-9233-D376B563CEBA}" type="datetime1">
               <a:rPr lang="en-US" smtClean="0"/>
-              <a:t>3/19/23</a:t>
+              <a:t>3/20/23</a:t>
             </a:fld>
             <a:endParaRPr lang="en-US"/>
           </a:p>
@@ -24354,6 +22876,729 @@
     <p:extLst>
       <p:ext uri="{BB962C8B-B14F-4D97-AF65-F5344CB8AC3E}">
         <p14:creationId xmlns:p14="http://schemas.microsoft.com/office/powerpoint/2010/main" val="2271403781"/>
+      </p:ext>
+    </p:extLst>
+  </p:cSld>
+  <p:clrMapOvr>
+    <a:masterClrMapping/>
+  </p:clrMapOvr>
+</p:sld>
+</file>
+
+<file path=ppt/slides/slide33.xml><?xml version="1.0" encoding="utf-8"?>
+<p:sld xmlns:a="http://schemas.openxmlformats.org/drawingml/2006/main" xmlns:r="http://schemas.openxmlformats.org/officeDocument/2006/relationships" xmlns:p="http://schemas.openxmlformats.org/presentationml/2006/main">
+  <p:cSld>
+    <p:spTree>
+      <p:nvGrpSpPr>
+        <p:cNvPr id="1" name=""/>
+        <p:cNvGrpSpPr/>
+        <p:nvPr/>
+      </p:nvGrpSpPr>
+      <p:grpSpPr>
+        <a:xfrm>
+          <a:off x="0" y="0"/>
+          <a:ext cx="0" cy="0"/>
+          <a:chOff x="0" y="0"/>
+          <a:chExt cx="0" cy="0"/>
+        </a:xfrm>
+      </p:grpSpPr>
+      <p:sp>
+        <p:nvSpPr>
+          <p:cNvPr id="2" name="Title 1">
+            <a:extLst>
+              <a:ext uri="{FF2B5EF4-FFF2-40B4-BE49-F238E27FC236}">
+                <a16:creationId xmlns:a16="http://schemas.microsoft.com/office/drawing/2014/main" id="{1B3D9B9F-DF9D-FF4B-AD81-6E13E697543B}"/>
+              </a:ext>
+            </a:extLst>
+          </p:cNvPr>
+          <p:cNvSpPr>
+            <a:spLocks noGrp="1"/>
+          </p:cNvSpPr>
+          <p:nvPr>
+            <p:ph type="title"/>
+          </p:nvPr>
+        </p:nvSpPr>
+        <p:spPr>
+          <a:xfrm>
+            <a:off x="658690" y="294213"/>
+            <a:ext cx="10874620" cy="1157823"/>
+          </a:xfrm>
+        </p:spPr>
+        <p:txBody>
+          <a:bodyPr>
+            <a:normAutofit/>
+          </a:bodyPr>
+          <a:lstStyle/>
+          <a:p>
+            <a:r>
+              <a:rPr lang="en-US" sz="6000" b="1" dirty="0">
+                <a:latin typeface="+mn-lt"/>
+              </a:rPr>
+              <a:t>Non-Linear Min-Cost-Flow</a:t>
+            </a:r>
+          </a:p>
+        </p:txBody>
+      </p:sp>
+      <p:sp>
+        <p:nvSpPr>
+          <p:cNvPr id="3" name="Slide Number Placeholder 2">
+            <a:extLst>
+              <a:ext uri="{FF2B5EF4-FFF2-40B4-BE49-F238E27FC236}">
+                <a16:creationId xmlns:a16="http://schemas.microsoft.com/office/drawing/2014/main" id="{586329B8-615A-7647-98FD-7D365CE2492C}"/>
+              </a:ext>
+            </a:extLst>
+          </p:cNvPr>
+          <p:cNvSpPr>
+            <a:spLocks noGrp="1"/>
+          </p:cNvSpPr>
+          <p:nvPr>
+            <p:ph type="sldNum" sz="quarter" idx="12"/>
+          </p:nvPr>
+        </p:nvSpPr>
+        <p:spPr/>
+        <p:txBody>
+          <a:bodyPr/>
+          <a:lstStyle/>
+          <a:p>
+            <a:fld id="{D75B69EA-F5F3-9148-B3D2-85669F9D4A27}" type="slidenum">
+              <a:rPr lang="en-US" smtClean="0"/>
+              <a:pPr/>
+              <a:t>33</a:t>
+            </a:fld>
+            <a:endParaRPr lang="en-US" dirty="0"/>
+          </a:p>
+        </p:txBody>
+      </p:sp>
+      <p:pic>
+        <p:nvPicPr>
+          <p:cNvPr id="6" name="Picture 5">
+            <a:extLst>
+              <a:ext uri="{FF2B5EF4-FFF2-40B4-BE49-F238E27FC236}">
+                <a16:creationId xmlns:a16="http://schemas.microsoft.com/office/drawing/2014/main" id="{D18D1F0C-CA54-2DC4-B6BE-D771BD96984E}"/>
+              </a:ext>
+            </a:extLst>
+          </p:cNvPr>
+          <p:cNvPicPr>
+            <a:picLocks noChangeAspect="1"/>
+          </p:cNvPicPr>
+          <p:nvPr/>
+        </p:nvPicPr>
+        <p:blipFill>
+          <a:blip r:embed="rId2" cstate="email">
+            <a:extLst>
+              <a:ext uri="{28A0092B-C50C-407E-A947-70E740481C1C}">
+                <a14:useLocalDpi xmlns:a14="http://schemas.microsoft.com/office/drawing/2010/main"/>
+              </a:ext>
+            </a:extLst>
+          </a:blip>
+          <a:stretch>
+            <a:fillRect/>
+          </a:stretch>
+        </p:blipFill>
+        <p:spPr>
+          <a:xfrm>
+            <a:off x="725757" y="1688949"/>
+            <a:ext cx="10740485" cy="1999095"/>
+          </a:xfrm>
+          <a:prstGeom prst="rect">
+            <a:avLst/>
+          </a:prstGeom>
+        </p:spPr>
+      </p:pic>
+      <p:sp>
+        <p:nvSpPr>
+          <p:cNvPr id="36" name="Oval 35">
+            <a:extLst>
+              <a:ext uri="{FF2B5EF4-FFF2-40B4-BE49-F238E27FC236}">
+                <a16:creationId xmlns:a16="http://schemas.microsoft.com/office/drawing/2014/main" id="{BC45D855-FE2E-B67F-FD57-EB5DC50A3503}"/>
+              </a:ext>
+            </a:extLst>
+          </p:cNvPr>
+          <p:cNvSpPr/>
+          <p:nvPr/>
+        </p:nvSpPr>
+        <p:spPr>
+          <a:xfrm>
+            <a:off x="5970731" y="3966314"/>
+            <a:ext cx="395394" cy="356868"/>
+          </a:xfrm>
+          <a:prstGeom prst="ellipse">
+            <a:avLst/>
+          </a:prstGeom>
+          <a:solidFill>
+            <a:schemeClr val="bg1"/>
+          </a:solidFill>
+          <a:ln w="50800"/>
+        </p:spPr>
+        <p:style>
+          <a:lnRef idx="2">
+            <a:schemeClr val="accent1">
+              <a:shade val="50000"/>
+            </a:schemeClr>
+          </a:lnRef>
+          <a:fillRef idx="1">
+            <a:schemeClr val="accent1"/>
+          </a:fillRef>
+          <a:effectRef idx="0">
+            <a:schemeClr val="accent1"/>
+          </a:effectRef>
+          <a:fontRef idx="minor">
+            <a:schemeClr val="lt1"/>
+          </a:fontRef>
+        </p:style>
+        <p:txBody>
+          <a:bodyPr rtlCol="0" anchor="ctr"/>
+          <a:lstStyle/>
+          <a:p>
+            <a:pPr algn="ctr"/>
+            <a:endParaRPr lang="en-GB"/>
+          </a:p>
+        </p:txBody>
+      </p:sp>
+      <p:pic>
+        <p:nvPicPr>
+          <p:cNvPr id="44" name="Picture 43">
+            <a:extLst>
+              <a:ext uri="{FF2B5EF4-FFF2-40B4-BE49-F238E27FC236}">
+                <a16:creationId xmlns:a16="http://schemas.microsoft.com/office/drawing/2014/main" id="{D4177C93-5016-9531-E088-E07B49BE81D3}"/>
+              </a:ext>
+            </a:extLst>
+          </p:cNvPr>
+          <p:cNvPicPr>
+            <a:picLocks noChangeAspect="1"/>
+          </p:cNvPicPr>
+          <p:nvPr/>
+        </p:nvPicPr>
+        <p:blipFill>
+          <a:blip r:embed="rId3"/>
+          <a:stretch>
+            <a:fillRect/>
+          </a:stretch>
+        </p:blipFill>
+        <p:spPr>
+          <a:xfrm>
+            <a:off x="4934150" y="4612578"/>
+            <a:ext cx="894768" cy="829297"/>
+          </a:xfrm>
+          <a:prstGeom prst="rect">
+            <a:avLst/>
+          </a:prstGeom>
+        </p:spPr>
+      </p:pic>
+      <p:cxnSp>
+        <p:nvCxnSpPr>
+          <p:cNvPr id="46" name="Straight Arrow Connector 45">
+            <a:extLst>
+              <a:ext uri="{FF2B5EF4-FFF2-40B4-BE49-F238E27FC236}">
+                <a16:creationId xmlns:a16="http://schemas.microsoft.com/office/drawing/2014/main" id="{FCDE8FD1-8DEE-E680-0738-7F1D449CE4EC}"/>
+              </a:ext>
+            </a:extLst>
+          </p:cNvPr>
+          <p:cNvCxnSpPr>
+            <a:cxnSpLocks/>
+            <a:endCxn id="36" idx="2"/>
+          </p:cNvCxnSpPr>
+          <p:nvPr/>
+        </p:nvCxnSpPr>
+        <p:spPr>
+          <a:xfrm flipV="1">
+            <a:off x="3486150" y="4144748"/>
+            <a:ext cx="2484581" cy="178434"/>
+          </a:xfrm>
+          <a:prstGeom prst="straightConnector1">
+            <a:avLst/>
+          </a:prstGeom>
+          <a:ln w="76200">
+            <a:tailEnd type="triangle"/>
+          </a:ln>
+        </p:spPr>
+        <p:style>
+          <a:lnRef idx="1">
+            <a:schemeClr val="accent1"/>
+          </a:lnRef>
+          <a:fillRef idx="0">
+            <a:schemeClr val="accent1"/>
+          </a:fillRef>
+          <a:effectRef idx="0">
+            <a:schemeClr val="accent1"/>
+          </a:effectRef>
+          <a:fontRef idx="minor">
+            <a:schemeClr val="tx1"/>
+          </a:fontRef>
+        </p:style>
+      </p:cxnSp>
+      <p:cxnSp>
+        <p:nvCxnSpPr>
+          <p:cNvPr id="48" name="Straight Arrow Connector 47">
+            <a:extLst>
+              <a:ext uri="{FF2B5EF4-FFF2-40B4-BE49-F238E27FC236}">
+                <a16:creationId xmlns:a16="http://schemas.microsoft.com/office/drawing/2014/main" id="{0D909079-6835-7571-71E0-63F018218C79}"/>
+              </a:ext>
+            </a:extLst>
+          </p:cNvPr>
+          <p:cNvCxnSpPr>
+            <a:cxnSpLocks/>
+            <a:stCxn id="56" idx="2"/>
+            <a:endCxn id="36" idx="6"/>
+          </p:cNvCxnSpPr>
+          <p:nvPr/>
+        </p:nvCxnSpPr>
+        <p:spPr>
+          <a:xfrm flipH="1" flipV="1">
+            <a:off x="6366125" y="4144748"/>
+            <a:ext cx="2406381" cy="601482"/>
+          </a:xfrm>
+          <a:prstGeom prst="straightConnector1">
+            <a:avLst/>
+          </a:prstGeom>
+          <a:ln w="76200">
+            <a:tailEnd type="triangle"/>
+          </a:ln>
+        </p:spPr>
+        <p:style>
+          <a:lnRef idx="1">
+            <a:schemeClr val="accent1"/>
+          </a:lnRef>
+          <a:fillRef idx="0">
+            <a:schemeClr val="accent1"/>
+          </a:fillRef>
+          <a:effectRef idx="0">
+            <a:schemeClr val="accent1"/>
+          </a:effectRef>
+          <a:fontRef idx="minor">
+            <a:schemeClr val="tx1"/>
+          </a:fontRef>
+        </p:style>
+      </p:cxnSp>
+      <p:sp>
+        <p:nvSpPr>
+          <p:cNvPr id="56" name="Oval 55">
+            <a:extLst>
+              <a:ext uri="{FF2B5EF4-FFF2-40B4-BE49-F238E27FC236}">
+                <a16:creationId xmlns:a16="http://schemas.microsoft.com/office/drawing/2014/main" id="{4F490AEE-112A-E7A6-F635-68BAB1F240C9}"/>
+              </a:ext>
+            </a:extLst>
+          </p:cNvPr>
+          <p:cNvSpPr/>
+          <p:nvPr/>
+        </p:nvSpPr>
+        <p:spPr>
+          <a:xfrm>
+            <a:off x="8772506" y="4567796"/>
+            <a:ext cx="395394" cy="356868"/>
+          </a:xfrm>
+          <a:prstGeom prst="ellipse">
+            <a:avLst/>
+          </a:prstGeom>
+          <a:solidFill>
+            <a:schemeClr val="bg1"/>
+          </a:solidFill>
+          <a:ln w="50800"/>
+        </p:spPr>
+        <p:style>
+          <a:lnRef idx="2">
+            <a:schemeClr val="accent1">
+              <a:shade val="50000"/>
+            </a:schemeClr>
+          </a:lnRef>
+          <a:fillRef idx="1">
+            <a:schemeClr val="accent1"/>
+          </a:fillRef>
+          <a:effectRef idx="0">
+            <a:schemeClr val="accent1"/>
+          </a:effectRef>
+          <a:fontRef idx="minor">
+            <a:schemeClr val="lt1"/>
+          </a:fontRef>
+        </p:style>
+        <p:txBody>
+          <a:bodyPr rtlCol="0" anchor="ctr"/>
+          <a:lstStyle/>
+          <a:p>
+            <a:pPr algn="ctr"/>
+            <a:endParaRPr lang="en-GB"/>
+          </a:p>
+        </p:txBody>
+      </p:sp>
+      <p:pic>
+        <p:nvPicPr>
+          <p:cNvPr id="59" name="Picture 58">
+            <a:extLst>
+              <a:ext uri="{FF2B5EF4-FFF2-40B4-BE49-F238E27FC236}">
+                <a16:creationId xmlns:a16="http://schemas.microsoft.com/office/drawing/2014/main" id="{9C093E03-0DC1-7741-4D70-0DFB443EAC5B}"/>
+              </a:ext>
+            </a:extLst>
+          </p:cNvPr>
+          <p:cNvPicPr>
+            <a:picLocks noChangeAspect="1"/>
+          </p:cNvPicPr>
+          <p:nvPr/>
+        </p:nvPicPr>
+        <p:blipFill rotWithShape="1">
+          <a:blip r:embed="rId4" cstate="email">
+            <a:extLst>
+              <a:ext uri="{28A0092B-C50C-407E-A947-70E740481C1C}">
+                <a14:useLocalDpi xmlns:a14="http://schemas.microsoft.com/office/drawing/2010/main"/>
+              </a:ext>
+            </a:extLst>
+          </a:blip>
+          <a:srcRect/>
+          <a:stretch/>
+        </p:blipFill>
+        <p:spPr>
+          <a:xfrm>
+            <a:off x="7824289" y="3622342"/>
+            <a:ext cx="931706" cy="775187"/>
+          </a:xfrm>
+          <a:prstGeom prst="rect">
+            <a:avLst/>
+          </a:prstGeom>
+        </p:spPr>
+      </p:pic>
+      <p:cxnSp>
+        <p:nvCxnSpPr>
+          <p:cNvPr id="4" name="Straight Arrow Connector 3">
+            <a:extLst>
+              <a:ext uri="{FF2B5EF4-FFF2-40B4-BE49-F238E27FC236}">
+                <a16:creationId xmlns:a16="http://schemas.microsoft.com/office/drawing/2014/main" id="{E1DC4462-4DBF-BE50-BD1A-BB2B28E88148}"/>
+              </a:ext>
+            </a:extLst>
+          </p:cNvPr>
+          <p:cNvCxnSpPr>
+            <a:cxnSpLocks/>
+            <a:stCxn id="36" idx="4"/>
+            <a:endCxn id="13" idx="0"/>
+          </p:cNvCxnSpPr>
+          <p:nvPr/>
+        </p:nvCxnSpPr>
+        <p:spPr>
+          <a:xfrm flipH="1">
+            <a:off x="6077405" y="4323182"/>
+            <a:ext cx="91023" cy="1257793"/>
+          </a:xfrm>
+          <a:prstGeom prst="straightConnector1">
+            <a:avLst/>
+          </a:prstGeom>
+          <a:ln w="76200">
+            <a:prstDash val="dash"/>
+            <a:tailEnd type="triangle"/>
+          </a:ln>
+        </p:spPr>
+        <p:style>
+          <a:lnRef idx="1">
+            <a:schemeClr val="accent1"/>
+          </a:lnRef>
+          <a:fillRef idx="0">
+            <a:schemeClr val="accent1"/>
+          </a:fillRef>
+          <a:effectRef idx="0">
+            <a:schemeClr val="accent1"/>
+          </a:effectRef>
+          <a:fontRef idx="minor">
+            <a:schemeClr val="tx1"/>
+          </a:fontRef>
+        </p:style>
+      </p:cxnSp>
+      <p:pic>
+        <p:nvPicPr>
+          <p:cNvPr id="13" name="Graphic 12" descr="Peace Sign with solid fill">
+            <a:extLst>
+              <a:ext uri="{FF2B5EF4-FFF2-40B4-BE49-F238E27FC236}">
+                <a16:creationId xmlns:a16="http://schemas.microsoft.com/office/drawing/2014/main" id="{427330E1-B619-7AA4-2895-7DE725DA2DBE}"/>
+              </a:ext>
+            </a:extLst>
+          </p:cNvPr>
+          <p:cNvPicPr>
+            <a:picLocks noChangeAspect="1"/>
+          </p:cNvPicPr>
+          <p:nvPr/>
+        </p:nvPicPr>
+        <p:blipFill>
+          <a:blip r:embed="rId5">
+            <a:extLst>
+              <a:ext uri="{96DAC541-7B7A-43D3-8B79-37D633B846F1}">
+                <asvg:svgBlip xmlns:asvg="http://schemas.microsoft.com/office/drawing/2016/SVG/main" r:embed="rId6"/>
+              </a:ext>
+            </a:extLst>
+          </a:blip>
+          <a:stretch>
+            <a:fillRect/>
+          </a:stretch>
+        </p:blipFill>
+        <p:spPr>
+          <a:xfrm>
+            <a:off x="5620205" y="5580975"/>
+            <a:ext cx="914400" cy="914400"/>
+          </a:xfrm>
+          <a:prstGeom prst="rect">
+            <a:avLst/>
+          </a:prstGeom>
+        </p:spPr>
+      </p:pic>
+      <p:cxnSp>
+        <p:nvCxnSpPr>
+          <p:cNvPr id="17" name="Straight Arrow Connector 16">
+            <a:extLst>
+              <a:ext uri="{FF2B5EF4-FFF2-40B4-BE49-F238E27FC236}">
+                <a16:creationId xmlns:a16="http://schemas.microsoft.com/office/drawing/2014/main" id="{13DEF165-A0FE-F8C4-6475-0E7BBC855199}"/>
+              </a:ext>
+            </a:extLst>
+          </p:cNvPr>
+          <p:cNvCxnSpPr>
+            <a:cxnSpLocks/>
+          </p:cNvCxnSpPr>
+          <p:nvPr/>
+        </p:nvCxnSpPr>
+        <p:spPr>
+          <a:xfrm flipH="1">
+            <a:off x="6411420" y="4885330"/>
+            <a:ext cx="2483583" cy="1072732"/>
+          </a:xfrm>
+          <a:prstGeom prst="straightConnector1">
+            <a:avLst/>
+          </a:prstGeom>
+          <a:ln w="76200">
+            <a:prstDash val="dash"/>
+            <a:tailEnd type="triangle"/>
+          </a:ln>
+        </p:spPr>
+        <p:style>
+          <a:lnRef idx="1">
+            <a:schemeClr val="accent1"/>
+          </a:lnRef>
+          <a:fillRef idx="0">
+            <a:schemeClr val="accent1"/>
+          </a:fillRef>
+          <a:effectRef idx="0">
+            <a:schemeClr val="accent1"/>
+          </a:effectRef>
+          <a:fontRef idx="minor">
+            <a:schemeClr val="tx1"/>
+          </a:fontRef>
+        </p:style>
+      </p:cxnSp>
+      <p:sp>
+        <p:nvSpPr>
+          <p:cNvPr id="19" name="TextBox 18">
+            <a:extLst>
+              <a:ext uri="{FF2B5EF4-FFF2-40B4-BE49-F238E27FC236}">
+                <a16:creationId xmlns:a16="http://schemas.microsoft.com/office/drawing/2014/main" id="{C8D2665E-607E-45CA-6B01-0F44D3303244}"/>
+              </a:ext>
+            </a:extLst>
+          </p:cNvPr>
+          <p:cNvSpPr txBox="1"/>
+          <p:nvPr/>
+        </p:nvSpPr>
+        <p:spPr>
+          <a:xfrm>
+            <a:off x="6582416" y="5864920"/>
+            <a:ext cx="4898072" cy="584775"/>
+          </a:xfrm>
+          <a:prstGeom prst="rect">
+            <a:avLst/>
+          </a:prstGeom>
+          <a:noFill/>
+        </p:spPr>
+        <p:txBody>
+          <a:bodyPr wrap="none" rtlCol="0">
+            <a:spAutoFit/>
+          </a:bodyPr>
+          <a:lstStyle/>
+          <a:p>
+            <a:r>
+              <a:rPr lang="en-GB" sz="3200" dirty="0"/>
+              <a:t>augmented “collector node”</a:t>
+            </a:r>
+          </a:p>
+        </p:txBody>
+      </p:sp>
+      <p:pic>
+        <p:nvPicPr>
+          <p:cNvPr id="23" name="Picture 22">
+            <a:extLst>
+              <a:ext uri="{FF2B5EF4-FFF2-40B4-BE49-F238E27FC236}">
+                <a16:creationId xmlns:a16="http://schemas.microsoft.com/office/drawing/2014/main" id="{055CE300-E7A3-0ACB-6DC0-F2B6FBA90D70}"/>
+              </a:ext>
+            </a:extLst>
+          </p:cNvPr>
+          <p:cNvPicPr>
+            <a:picLocks noChangeAspect="1"/>
+          </p:cNvPicPr>
+          <p:nvPr/>
+        </p:nvPicPr>
+        <p:blipFill>
+          <a:blip r:embed="rId7"/>
+          <a:stretch>
+            <a:fillRect/>
+          </a:stretch>
+        </p:blipFill>
+        <p:spPr>
+          <a:xfrm>
+            <a:off x="8333503" y="5172204"/>
+            <a:ext cx="878005" cy="487780"/>
+          </a:xfrm>
+          <a:prstGeom prst="rect">
+            <a:avLst/>
+          </a:prstGeom>
+        </p:spPr>
+      </p:pic>
+      <p:cxnSp>
+        <p:nvCxnSpPr>
+          <p:cNvPr id="25" name="Straight Arrow Connector 24">
+            <a:extLst>
+              <a:ext uri="{FF2B5EF4-FFF2-40B4-BE49-F238E27FC236}">
+                <a16:creationId xmlns:a16="http://schemas.microsoft.com/office/drawing/2014/main" id="{7796E8EF-1762-301A-261A-CB3798896854}"/>
+              </a:ext>
+            </a:extLst>
+          </p:cNvPr>
+          <p:cNvCxnSpPr>
+            <a:cxnSpLocks/>
+          </p:cNvCxnSpPr>
+          <p:nvPr/>
+        </p:nvCxnSpPr>
+        <p:spPr>
+          <a:xfrm>
+            <a:off x="3333750" y="2381250"/>
+            <a:ext cx="2620470" cy="2543414"/>
+          </a:xfrm>
+          <a:prstGeom prst="straightConnector1">
+            <a:avLst/>
+          </a:prstGeom>
+          <a:ln w="50800">
+            <a:solidFill>
+              <a:schemeClr val="tx1"/>
+            </a:solidFill>
+            <a:tailEnd type="triangle"/>
+          </a:ln>
+        </p:spPr>
+        <p:style>
+          <a:lnRef idx="1">
+            <a:schemeClr val="accent1"/>
+          </a:lnRef>
+          <a:fillRef idx="0">
+            <a:schemeClr val="accent1"/>
+          </a:fillRef>
+          <a:effectRef idx="0">
+            <a:schemeClr val="accent1"/>
+          </a:effectRef>
+          <a:fontRef idx="minor">
+            <a:schemeClr val="tx1"/>
+          </a:fontRef>
+        </p:style>
+      </p:cxnSp>
+      <p:cxnSp>
+        <p:nvCxnSpPr>
+          <p:cNvPr id="27" name="Straight Arrow Connector 26">
+            <a:extLst>
+              <a:ext uri="{FF2B5EF4-FFF2-40B4-BE49-F238E27FC236}">
+                <a16:creationId xmlns:a16="http://schemas.microsoft.com/office/drawing/2014/main" id="{2A5BDC58-D6FC-884E-4916-05977DDCAD8F}"/>
+              </a:ext>
+            </a:extLst>
+          </p:cNvPr>
+          <p:cNvCxnSpPr>
+            <a:cxnSpLocks/>
+          </p:cNvCxnSpPr>
+          <p:nvPr/>
+        </p:nvCxnSpPr>
+        <p:spPr>
+          <a:xfrm>
+            <a:off x="6563822" y="2309529"/>
+            <a:ext cx="668747" cy="1931179"/>
+          </a:xfrm>
+          <a:prstGeom prst="straightConnector1">
+            <a:avLst/>
+          </a:prstGeom>
+          <a:ln w="50800">
+            <a:solidFill>
+              <a:schemeClr val="tx1"/>
+            </a:solidFill>
+            <a:tailEnd type="triangle"/>
+          </a:ln>
+        </p:spPr>
+        <p:style>
+          <a:lnRef idx="1">
+            <a:schemeClr val="accent1"/>
+          </a:lnRef>
+          <a:fillRef idx="0">
+            <a:schemeClr val="accent1"/>
+          </a:fillRef>
+          <a:effectRef idx="0">
+            <a:schemeClr val="accent1"/>
+          </a:effectRef>
+          <a:fontRef idx="minor">
+            <a:schemeClr val="tx1"/>
+          </a:fontRef>
+        </p:style>
+      </p:cxnSp>
+      <p:pic>
+        <p:nvPicPr>
+          <p:cNvPr id="31" name="Picture 30" descr="A person with a white beard&#10;&#10;Description automatically generated with low confidence">
+            <a:extLst>
+              <a:ext uri="{FF2B5EF4-FFF2-40B4-BE49-F238E27FC236}">
+                <a16:creationId xmlns:a16="http://schemas.microsoft.com/office/drawing/2014/main" id="{843A30E8-7898-9704-2E5C-95C538D0CA6A}"/>
+              </a:ext>
+            </a:extLst>
+          </p:cNvPr>
+          <p:cNvPicPr>
+            <a:picLocks noChangeAspect="1"/>
+          </p:cNvPicPr>
+          <p:nvPr/>
+        </p:nvPicPr>
+        <p:blipFill>
+          <a:blip r:embed="rId8" cstate="email">
+            <a:extLst>
+              <a:ext uri="{28A0092B-C50C-407E-A947-70E740481C1C}">
+                <a14:useLocalDpi xmlns:a14="http://schemas.microsoft.com/office/drawing/2010/main"/>
+              </a:ext>
+            </a:extLst>
+          </a:blip>
+          <a:stretch>
+            <a:fillRect/>
+          </a:stretch>
+        </p:blipFill>
+        <p:spPr>
+          <a:xfrm>
+            <a:off x="632463" y="3885151"/>
+            <a:ext cx="1866900" cy="2247900"/>
+          </a:xfrm>
+          <a:prstGeom prst="rect">
+            <a:avLst/>
+          </a:prstGeom>
+        </p:spPr>
+      </p:pic>
+      <p:sp>
+        <p:nvSpPr>
+          <p:cNvPr id="5" name="Date Placeholder 4">
+            <a:extLst>
+              <a:ext uri="{FF2B5EF4-FFF2-40B4-BE49-F238E27FC236}">
+                <a16:creationId xmlns:a16="http://schemas.microsoft.com/office/drawing/2014/main" id="{00298D17-9408-0471-E677-BD89641CF4AC}"/>
+              </a:ext>
+            </a:extLst>
+          </p:cNvPr>
+          <p:cNvSpPr>
+            <a:spLocks noGrp="1"/>
+          </p:cNvSpPr>
+          <p:nvPr>
+            <p:ph type="dt" sz="half" idx="10"/>
+          </p:nvPr>
+        </p:nvSpPr>
+        <p:spPr/>
+        <p:txBody>
+          <a:bodyPr/>
+          <a:lstStyle/>
+          <a:p>
+            <a:fld id="{CFAF57FB-3988-B34D-AF52-0451805C6494}" type="datetime1">
+              <a:rPr lang="en-US" smtClean="0"/>
+              <a:t>3/20/23</a:t>
+            </a:fld>
+            <a:endParaRPr lang="en-US" dirty="0"/>
+          </a:p>
+        </p:txBody>
+      </p:sp>
+    </p:spTree>
+    <p:extLst>
+      <p:ext uri="{BB962C8B-B14F-4D97-AF65-F5344CB8AC3E}">
+        <p14:creationId xmlns:p14="http://schemas.microsoft.com/office/powerpoint/2010/main" val="2913997869"/>
       </p:ext>
     </p:extLst>
   </p:cSld>
@@ -24449,729 +23694,6 @@
       </p:sp>
       <p:pic>
         <p:nvPicPr>
-          <p:cNvPr id="6" name="Picture 5">
-            <a:extLst>
-              <a:ext uri="{FF2B5EF4-FFF2-40B4-BE49-F238E27FC236}">
-                <a16:creationId xmlns:a16="http://schemas.microsoft.com/office/drawing/2014/main" id="{D18D1F0C-CA54-2DC4-B6BE-D771BD96984E}"/>
-              </a:ext>
-            </a:extLst>
-          </p:cNvPr>
-          <p:cNvPicPr>
-            <a:picLocks noChangeAspect="1"/>
-          </p:cNvPicPr>
-          <p:nvPr/>
-        </p:nvPicPr>
-        <p:blipFill>
-          <a:blip r:embed="rId2" cstate="email">
-            <a:extLst>
-              <a:ext uri="{28A0092B-C50C-407E-A947-70E740481C1C}">
-                <a14:useLocalDpi xmlns:a14="http://schemas.microsoft.com/office/drawing/2010/main"/>
-              </a:ext>
-            </a:extLst>
-          </a:blip>
-          <a:stretch>
-            <a:fillRect/>
-          </a:stretch>
-        </p:blipFill>
-        <p:spPr>
-          <a:xfrm>
-            <a:off x="725757" y="1688949"/>
-            <a:ext cx="10740485" cy="1999095"/>
-          </a:xfrm>
-          <a:prstGeom prst="rect">
-            <a:avLst/>
-          </a:prstGeom>
-        </p:spPr>
-      </p:pic>
-      <p:sp>
-        <p:nvSpPr>
-          <p:cNvPr id="36" name="Oval 35">
-            <a:extLst>
-              <a:ext uri="{FF2B5EF4-FFF2-40B4-BE49-F238E27FC236}">
-                <a16:creationId xmlns:a16="http://schemas.microsoft.com/office/drawing/2014/main" id="{BC45D855-FE2E-B67F-FD57-EB5DC50A3503}"/>
-              </a:ext>
-            </a:extLst>
-          </p:cNvPr>
-          <p:cNvSpPr/>
-          <p:nvPr/>
-        </p:nvSpPr>
-        <p:spPr>
-          <a:xfrm>
-            <a:off x="5970731" y="3966314"/>
-            <a:ext cx="395394" cy="356868"/>
-          </a:xfrm>
-          <a:prstGeom prst="ellipse">
-            <a:avLst/>
-          </a:prstGeom>
-          <a:solidFill>
-            <a:schemeClr val="bg1"/>
-          </a:solidFill>
-          <a:ln w="50800"/>
-        </p:spPr>
-        <p:style>
-          <a:lnRef idx="2">
-            <a:schemeClr val="accent1">
-              <a:shade val="50000"/>
-            </a:schemeClr>
-          </a:lnRef>
-          <a:fillRef idx="1">
-            <a:schemeClr val="accent1"/>
-          </a:fillRef>
-          <a:effectRef idx="0">
-            <a:schemeClr val="accent1"/>
-          </a:effectRef>
-          <a:fontRef idx="minor">
-            <a:schemeClr val="lt1"/>
-          </a:fontRef>
-        </p:style>
-        <p:txBody>
-          <a:bodyPr rtlCol="0" anchor="ctr"/>
-          <a:lstStyle/>
-          <a:p>
-            <a:pPr algn="ctr"/>
-            <a:endParaRPr lang="en-GB"/>
-          </a:p>
-        </p:txBody>
-      </p:sp>
-      <p:pic>
-        <p:nvPicPr>
-          <p:cNvPr id="44" name="Picture 43">
-            <a:extLst>
-              <a:ext uri="{FF2B5EF4-FFF2-40B4-BE49-F238E27FC236}">
-                <a16:creationId xmlns:a16="http://schemas.microsoft.com/office/drawing/2014/main" id="{D4177C93-5016-9531-E088-E07B49BE81D3}"/>
-              </a:ext>
-            </a:extLst>
-          </p:cNvPr>
-          <p:cNvPicPr>
-            <a:picLocks noChangeAspect="1"/>
-          </p:cNvPicPr>
-          <p:nvPr/>
-        </p:nvPicPr>
-        <p:blipFill>
-          <a:blip r:embed="rId3"/>
-          <a:stretch>
-            <a:fillRect/>
-          </a:stretch>
-        </p:blipFill>
-        <p:spPr>
-          <a:xfrm>
-            <a:off x="4934150" y="4612578"/>
-            <a:ext cx="894768" cy="829297"/>
-          </a:xfrm>
-          <a:prstGeom prst="rect">
-            <a:avLst/>
-          </a:prstGeom>
-        </p:spPr>
-      </p:pic>
-      <p:cxnSp>
-        <p:nvCxnSpPr>
-          <p:cNvPr id="46" name="Straight Arrow Connector 45">
-            <a:extLst>
-              <a:ext uri="{FF2B5EF4-FFF2-40B4-BE49-F238E27FC236}">
-                <a16:creationId xmlns:a16="http://schemas.microsoft.com/office/drawing/2014/main" id="{FCDE8FD1-8DEE-E680-0738-7F1D449CE4EC}"/>
-              </a:ext>
-            </a:extLst>
-          </p:cNvPr>
-          <p:cNvCxnSpPr>
-            <a:cxnSpLocks/>
-            <a:endCxn id="36" idx="2"/>
-          </p:cNvCxnSpPr>
-          <p:nvPr/>
-        </p:nvCxnSpPr>
-        <p:spPr>
-          <a:xfrm flipV="1">
-            <a:off x="3486150" y="4144748"/>
-            <a:ext cx="2484581" cy="178434"/>
-          </a:xfrm>
-          <a:prstGeom prst="straightConnector1">
-            <a:avLst/>
-          </a:prstGeom>
-          <a:ln w="76200">
-            <a:tailEnd type="triangle"/>
-          </a:ln>
-        </p:spPr>
-        <p:style>
-          <a:lnRef idx="1">
-            <a:schemeClr val="accent1"/>
-          </a:lnRef>
-          <a:fillRef idx="0">
-            <a:schemeClr val="accent1"/>
-          </a:fillRef>
-          <a:effectRef idx="0">
-            <a:schemeClr val="accent1"/>
-          </a:effectRef>
-          <a:fontRef idx="minor">
-            <a:schemeClr val="tx1"/>
-          </a:fontRef>
-        </p:style>
-      </p:cxnSp>
-      <p:cxnSp>
-        <p:nvCxnSpPr>
-          <p:cNvPr id="48" name="Straight Arrow Connector 47">
-            <a:extLst>
-              <a:ext uri="{FF2B5EF4-FFF2-40B4-BE49-F238E27FC236}">
-                <a16:creationId xmlns:a16="http://schemas.microsoft.com/office/drawing/2014/main" id="{0D909079-6835-7571-71E0-63F018218C79}"/>
-              </a:ext>
-            </a:extLst>
-          </p:cNvPr>
-          <p:cNvCxnSpPr>
-            <a:cxnSpLocks/>
-            <a:stCxn id="56" idx="2"/>
-            <a:endCxn id="36" idx="6"/>
-          </p:cNvCxnSpPr>
-          <p:nvPr/>
-        </p:nvCxnSpPr>
-        <p:spPr>
-          <a:xfrm flipH="1" flipV="1">
-            <a:off x="6366125" y="4144748"/>
-            <a:ext cx="2406381" cy="601482"/>
-          </a:xfrm>
-          <a:prstGeom prst="straightConnector1">
-            <a:avLst/>
-          </a:prstGeom>
-          <a:ln w="76200">
-            <a:tailEnd type="triangle"/>
-          </a:ln>
-        </p:spPr>
-        <p:style>
-          <a:lnRef idx="1">
-            <a:schemeClr val="accent1"/>
-          </a:lnRef>
-          <a:fillRef idx="0">
-            <a:schemeClr val="accent1"/>
-          </a:fillRef>
-          <a:effectRef idx="0">
-            <a:schemeClr val="accent1"/>
-          </a:effectRef>
-          <a:fontRef idx="minor">
-            <a:schemeClr val="tx1"/>
-          </a:fontRef>
-        </p:style>
-      </p:cxnSp>
-      <p:sp>
-        <p:nvSpPr>
-          <p:cNvPr id="56" name="Oval 55">
-            <a:extLst>
-              <a:ext uri="{FF2B5EF4-FFF2-40B4-BE49-F238E27FC236}">
-                <a16:creationId xmlns:a16="http://schemas.microsoft.com/office/drawing/2014/main" id="{4F490AEE-112A-E7A6-F635-68BAB1F240C9}"/>
-              </a:ext>
-            </a:extLst>
-          </p:cNvPr>
-          <p:cNvSpPr/>
-          <p:nvPr/>
-        </p:nvSpPr>
-        <p:spPr>
-          <a:xfrm>
-            <a:off x="8772506" y="4567796"/>
-            <a:ext cx="395394" cy="356868"/>
-          </a:xfrm>
-          <a:prstGeom prst="ellipse">
-            <a:avLst/>
-          </a:prstGeom>
-          <a:solidFill>
-            <a:schemeClr val="bg1"/>
-          </a:solidFill>
-          <a:ln w="50800"/>
-        </p:spPr>
-        <p:style>
-          <a:lnRef idx="2">
-            <a:schemeClr val="accent1">
-              <a:shade val="50000"/>
-            </a:schemeClr>
-          </a:lnRef>
-          <a:fillRef idx="1">
-            <a:schemeClr val="accent1"/>
-          </a:fillRef>
-          <a:effectRef idx="0">
-            <a:schemeClr val="accent1"/>
-          </a:effectRef>
-          <a:fontRef idx="minor">
-            <a:schemeClr val="lt1"/>
-          </a:fontRef>
-        </p:style>
-        <p:txBody>
-          <a:bodyPr rtlCol="0" anchor="ctr"/>
-          <a:lstStyle/>
-          <a:p>
-            <a:pPr algn="ctr"/>
-            <a:endParaRPr lang="en-GB"/>
-          </a:p>
-        </p:txBody>
-      </p:sp>
-      <p:pic>
-        <p:nvPicPr>
-          <p:cNvPr id="59" name="Picture 58">
-            <a:extLst>
-              <a:ext uri="{FF2B5EF4-FFF2-40B4-BE49-F238E27FC236}">
-                <a16:creationId xmlns:a16="http://schemas.microsoft.com/office/drawing/2014/main" id="{9C093E03-0DC1-7741-4D70-0DFB443EAC5B}"/>
-              </a:ext>
-            </a:extLst>
-          </p:cNvPr>
-          <p:cNvPicPr>
-            <a:picLocks noChangeAspect="1"/>
-          </p:cNvPicPr>
-          <p:nvPr/>
-        </p:nvPicPr>
-        <p:blipFill rotWithShape="1">
-          <a:blip r:embed="rId4" cstate="email">
-            <a:extLst>
-              <a:ext uri="{28A0092B-C50C-407E-A947-70E740481C1C}">
-                <a14:useLocalDpi xmlns:a14="http://schemas.microsoft.com/office/drawing/2010/main"/>
-              </a:ext>
-            </a:extLst>
-          </a:blip>
-          <a:srcRect/>
-          <a:stretch/>
-        </p:blipFill>
-        <p:spPr>
-          <a:xfrm>
-            <a:off x="7824289" y="3622342"/>
-            <a:ext cx="931706" cy="775187"/>
-          </a:xfrm>
-          <a:prstGeom prst="rect">
-            <a:avLst/>
-          </a:prstGeom>
-        </p:spPr>
-      </p:pic>
-      <p:cxnSp>
-        <p:nvCxnSpPr>
-          <p:cNvPr id="4" name="Straight Arrow Connector 3">
-            <a:extLst>
-              <a:ext uri="{FF2B5EF4-FFF2-40B4-BE49-F238E27FC236}">
-                <a16:creationId xmlns:a16="http://schemas.microsoft.com/office/drawing/2014/main" id="{E1DC4462-4DBF-BE50-BD1A-BB2B28E88148}"/>
-              </a:ext>
-            </a:extLst>
-          </p:cNvPr>
-          <p:cNvCxnSpPr>
-            <a:cxnSpLocks/>
-            <a:stCxn id="36" idx="4"/>
-            <a:endCxn id="13" idx="0"/>
-          </p:cNvCxnSpPr>
-          <p:nvPr/>
-        </p:nvCxnSpPr>
-        <p:spPr>
-          <a:xfrm flipH="1">
-            <a:off x="6077405" y="4323182"/>
-            <a:ext cx="91023" cy="1257793"/>
-          </a:xfrm>
-          <a:prstGeom prst="straightConnector1">
-            <a:avLst/>
-          </a:prstGeom>
-          <a:ln w="76200">
-            <a:prstDash val="dash"/>
-            <a:tailEnd type="triangle"/>
-          </a:ln>
-        </p:spPr>
-        <p:style>
-          <a:lnRef idx="1">
-            <a:schemeClr val="accent1"/>
-          </a:lnRef>
-          <a:fillRef idx="0">
-            <a:schemeClr val="accent1"/>
-          </a:fillRef>
-          <a:effectRef idx="0">
-            <a:schemeClr val="accent1"/>
-          </a:effectRef>
-          <a:fontRef idx="minor">
-            <a:schemeClr val="tx1"/>
-          </a:fontRef>
-        </p:style>
-      </p:cxnSp>
-      <p:pic>
-        <p:nvPicPr>
-          <p:cNvPr id="13" name="Graphic 12" descr="Peace Sign with solid fill">
-            <a:extLst>
-              <a:ext uri="{FF2B5EF4-FFF2-40B4-BE49-F238E27FC236}">
-                <a16:creationId xmlns:a16="http://schemas.microsoft.com/office/drawing/2014/main" id="{427330E1-B619-7AA4-2895-7DE725DA2DBE}"/>
-              </a:ext>
-            </a:extLst>
-          </p:cNvPr>
-          <p:cNvPicPr>
-            <a:picLocks noChangeAspect="1"/>
-          </p:cNvPicPr>
-          <p:nvPr/>
-        </p:nvPicPr>
-        <p:blipFill>
-          <a:blip r:embed="rId5">
-            <a:extLst>
-              <a:ext uri="{96DAC541-7B7A-43D3-8B79-37D633B846F1}">
-                <asvg:svgBlip xmlns:asvg="http://schemas.microsoft.com/office/drawing/2016/SVG/main" r:embed="rId6"/>
-              </a:ext>
-            </a:extLst>
-          </a:blip>
-          <a:stretch>
-            <a:fillRect/>
-          </a:stretch>
-        </p:blipFill>
-        <p:spPr>
-          <a:xfrm>
-            <a:off x="5620205" y="5580975"/>
-            <a:ext cx="914400" cy="914400"/>
-          </a:xfrm>
-          <a:prstGeom prst="rect">
-            <a:avLst/>
-          </a:prstGeom>
-        </p:spPr>
-      </p:pic>
-      <p:cxnSp>
-        <p:nvCxnSpPr>
-          <p:cNvPr id="17" name="Straight Arrow Connector 16">
-            <a:extLst>
-              <a:ext uri="{FF2B5EF4-FFF2-40B4-BE49-F238E27FC236}">
-                <a16:creationId xmlns:a16="http://schemas.microsoft.com/office/drawing/2014/main" id="{13DEF165-A0FE-F8C4-6475-0E7BBC855199}"/>
-              </a:ext>
-            </a:extLst>
-          </p:cNvPr>
-          <p:cNvCxnSpPr>
-            <a:cxnSpLocks/>
-          </p:cNvCxnSpPr>
-          <p:nvPr/>
-        </p:nvCxnSpPr>
-        <p:spPr>
-          <a:xfrm flipH="1">
-            <a:off x="6411420" y="4885330"/>
-            <a:ext cx="2483583" cy="1072732"/>
-          </a:xfrm>
-          <a:prstGeom prst="straightConnector1">
-            <a:avLst/>
-          </a:prstGeom>
-          <a:ln w="76200">
-            <a:prstDash val="dash"/>
-            <a:tailEnd type="triangle"/>
-          </a:ln>
-        </p:spPr>
-        <p:style>
-          <a:lnRef idx="1">
-            <a:schemeClr val="accent1"/>
-          </a:lnRef>
-          <a:fillRef idx="0">
-            <a:schemeClr val="accent1"/>
-          </a:fillRef>
-          <a:effectRef idx="0">
-            <a:schemeClr val="accent1"/>
-          </a:effectRef>
-          <a:fontRef idx="minor">
-            <a:schemeClr val="tx1"/>
-          </a:fontRef>
-        </p:style>
-      </p:cxnSp>
-      <p:sp>
-        <p:nvSpPr>
-          <p:cNvPr id="19" name="TextBox 18">
-            <a:extLst>
-              <a:ext uri="{FF2B5EF4-FFF2-40B4-BE49-F238E27FC236}">
-                <a16:creationId xmlns:a16="http://schemas.microsoft.com/office/drawing/2014/main" id="{C8D2665E-607E-45CA-6B01-0F44D3303244}"/>
-              </a:ext>
-            </a:extLst>
-          </p:cNvPr>
-          <p:cNvSpPr txBox="1"/>
-          <p:nvPr/>
-        </p:nvSpPr>
-        <p:spPr>
-          <a:xfrm>
-            <a:off x="6582416" y="5864920"/>
-            <a:ext cx="4898072" cy="584775"/>
-          </a:xfrm>
-          <a:prstGeom prst="rect">
-            <a:avLst/>
-          </a:prstGeom>
-          <a:noFill/>
-        </p:spPr>
-        <p:txBody>
-          <a:bodyPr wrap="none" rtlCol="0">
-            <a:spAutoFit/>
-          </a:bodyPr>
-          <a:lstStyle/>
-          <a:p>
-            <a:r>
-              <a:rPr lang="en-GB" sz="3200" dirty="0"/>
-              <a:t>augmented “collector node”</a:t>
-            </a:r>
-          </a:p>
-        </p:txBody>
-      </p:sp>
-      <p:pic>
-        <p:nvPicPr>
-          <p:cNvPr id="23" name="Picture 22">
-            <a:extLst>
-              <a:ext uri="{FF2B5EF4-FFF2-40B4-BE49-F238E27FC236}">
-                <a16:creationId xmlns:a16="http://schemas.microsoft.com/office/drawing/2014/main" id="{055CE300-E7A3-0ACB-6DC0-F2B6FBA90D70}"/>
-              </a:ext>
-            </a:extLst>
-          </p:cNvPr>
-          <p:cNvPicPr>
-            <a:picLocks noChangeAspect="1"/>
-          </p:cNvPicPr>
-          <p:nvPr/>
-        </p:nvPicPr>
-        <p:blipFill>
-          <a:blip r:embed="rId7"/>
-          <a:stretch>
-            <a:fillRect/>
-          </a:stretch>
-        </p:blipFill>
-        <p:spPr>
-          <a:xfrm>
-            <a:off x="8333503" y="5172204"/>
-            <a:ext cx="878005" cy="487780"/>
-          </a:xfrm>
-          <a:prstGeom prst="rect">
-            <a:avLst/>
-          </a:prstGeom>
-        </p:spPr>
-      </p:pic>
-      <p:cxnSp>
-        <p:nvCxnSpPr>
-          <p:cNvPr id="25" name="Straight Arrow Connector 24">
-            <a:extLst>
-              <a:ext uri="{FF2B5EF4-FFF2-40B4-BE49-F238E27FC236}">
-                <a16:creationId xmlns:a16="http://schemas.microsoft.com/office/drawing/2014/main" id="{7796E8EF-1762-301A-261A-CB3798896854}"/>
-              </a:ext>
-            </a:extLst>
-          </p:cNvPr>
-          <p:cNvCxnSpPr>
-            <a:cxnSpLocks/>
-          </p:cNvCxnSpPr>
-          <p:nvPr/>
-        </p:nvCxnSpPr>
-        <p:spPr>
-          <a:xfrm>
-            <a:off x="3333750" y="2381250"/>
-            <a:ext cx="2620470" cy="2543414"/>
-          </a:xfrm>
-          <a:prstGeom prst="straightConnector1">
-            <a:avLst/>
-          </a:prstGeom>
-          <a:ln w="50800">
-            <a:solidFill>
-              <a:schemeClr val="tx1"/>
-            </a:solidFill>
-            <a:tailEnd type="triangle"/>
-          </a:ln>
-        </p:spPr>
-        <p:style>
-          <a:lnRef idx="1">
-            <a:schemeClr val="accent1"/>
-          </a:lnRef>
-          <a:fillRef idx="0">
-            <a:schemeClr val="accent1"/>
-          </a:fillRef>
-          <a:effectRef idx="0">
-            <a:schemeClr val="accent1"/>
-          </a:effectRef>
-          <a:fontRef idx="minor">
-            <a:schemeClr val="tx1"/>
-          </a:fontRef>
-        </p:style>
-      </p:cxnSp>
-      <p:cxnSp>
-        <p:nvCxnSpPr>
-          <p:cNvPr id="27" name="Straight Arrow Connector 26">
-            <a:extLst>
-              <a:ext uri="{FF2B5EF4-FFF2-40B4-BE49-F238E27FC236}">
-                <a16:creationId xmlns:a16="http://schemas.microsoft.com/office/drawing/2014/main" id="{2A5BDC58-D6FC-884E-4916-05977DDCAD8F}"/>
-              </a:ext>
-            </a:extLst>
-          </p:cNvPr>
-          <p:cNvCxnSpPr>
-            <a:cxnSpLocks/>
-          </p:cNvCxnSpPr>
-          <p:nvPr/>
-        </p:nvCxnSpPr>
-        <p:spPr>
-          <a:xfrm>
-            <a:off x="6563822" y="2309529"/>
-            <a:ext cx="668747" cy="1931179"/>
-          </a:xfrm>
-          <a:prstGeom prst="straightConnector1">
-            <a:avLst/>
-          </a:prstGeom>
-          <a:ln w="50800">
-            <a:solidFill>
-              <a:schemeClr val="tx1"/>
-            </a:solidFill>
-            <a:tailEnd type="triangle"/>
-          </a:ln>
-        </p:spPr>
-        <p:style>
-          <a:lnRef idx="1">
-            <a:schemeClr val="accent1"/>
-          </a:lnRef>
-          <a:fillRef idx="0">
-            <a:schemeClr val="accent1"/>
-          </a:fillRef>
-          <a:effectRef idx="0">
-            <a:schemeClr val="accent1"/>
-          </a:effectRef>
-          <a:fontRef idx="minor">
-            <a:schemeClr val="tx1"/>
-          </a:fontRef>
-        </p:style>
-      </p:cxnSp>
-      <p:pic>
-        <p:nvPicPr>
-          <p:cNvPr id="31" name="Picture 30" descr="A person with a white beard&#10;&#10;Description automatically generated with low confidence">
-            <a:extLst>
-              <a:ext uri="{FF2B5EF4-FFF2-40B4-BE49-F238E27FC236}">
-                <a16:creationId xmlns:a16="http://schemas.microsoft.com/office/drawing/2014/main" id="{843A30E8-7898-9704-2E5C-95C538D0CA6A}"/>
-              </a:ext>
-            </a:extLst>
-          </p:cNvPr>
-          <p:cNvPicPr>
-            <a:picLocks noChangeAspect="1"/>
-          </p:cNvPicPr>
-          <p:nvPr/>
-        </p:nvPicPr>
-        <p:blipFill>
-          <a:blip r:embed="rId8" cstate="email">
-            <a:extLst>
-              <a:ext uri="{28A0092B-C50C-407E-A947-70E740481C1C}">
-                <a14:useLocalDpi xmlns:a14="http://schemas.microsoft.com/office/drawing/2010/main"/>
-              </a:ext>
-            </a:extLst>
-          </a:blip>
-          <a:stretch>
-            <a:fillRect/>
-          </a:stretch>
-        </p:blipFill>
-        <p:spPr>
-          <a:xfrm>
-            <a:off x="632463" y="3885151"/>
-            <a:ext cx="1866900" cy="2247900"/>
-          </a:xfrm>
-          <a:prstGeom prst="rect">
-            <a:avLst/>
-          </a:prstGeom>
-        </p:spPr>
-      </p:pic>
-      <p:sp>
-        <p:nvSpPr>
-          <p:cNvPr id="5" name="Date Placeholder 4">
-            <a:extLst>
-              <a:ext uri="{FF2B5EF4-FFF2-40B4-BE49-F238E27FC236}">
-                <a16:creationId xmlns:a16="http://schemas.microsoft.com/office/drawing/2014/main" id="{00298D17-9408-0471-E677-BD89641CF4AC}"/>
-              </a:ext>
-            </a:extLst>
-          </p:cNvPr>
-          <p:cNvSpPr>
-            <a:spLocks noGrp="1"/>
-          </p:cNvSpPr>
-          <p:nvPr>
-            <p:ph type="dt" sz="half" idx="10"/>
-          </p:nvPr>
-        </p:nvSpPr>
-        <p:spPr/>
-        <p:txBody>
-          <a:bodyPr/>
-          <a:lstStyle/>
-          <a:p>
-            <a:fld id="{CFAF57FB-3988-B34D-AF52-0451805C6494}" type="datetime1">
-              <a:rPr lang="en-US" smtClean="0"/>
-              <a:t>3/19/23</a:t>
-            </a:fld>
-            <a:endParaRPr lang="en-US" dirty="0"/>
-          </a:p>
-        </p:txBody>
-      </p:sp>
-    </p:spTree>
-    <p:extLst>
-      <p:ext uri="{BB962C8B-B14F-4D97-AF65-F5344CB8AC3E}">
-        <p14:creationId xmlns:p14="http://schemas.microsoft.com/office/powerpoint/2010/main" val="2913997869"/>
-      </p:ext>
-    </p:extLst>
-  </p:cSld>
-  <p:clrMapOvr>
-    <a:masterClrMapping/>
-  </p:clrMapOvr>
-</p:sld>
-</file>
-
-<file path=ppt/slides/slide35.xml><?xml version="1.0" encoding="utf-8"?>
-<p:sld xmlns:a="http://schemas.openxmlformats.org/drawingml/2006/main" xmlns:r="http://schemas.openxmlformats.org/officeDocument/2006/relationships" xmlns:p="http://schemas.openxmlformats.org/presentationml/2006/main">
-  <p:cSld>
-    <p:spTree>
-      <p:nvGrpSpPr>
-        <p:cNvPr id="1" name=""/>
-        <p:cNvGrpSpPr/>
-        <p:nvPr/>
-      </p:nvGrpSpPr>
-      <p:grpSpPr>
-        <a:xfrm>
-          <a:off x="0" y="0"/>
-          <a:ext cx="0" cy="0"/>
-          <a:chOff x="0" y="0"/>
-          <a:chExt cx="0" cy="0"/>
-        </a:xfrm>
-      </p:grpSpPr>
-      <p:sp>
-        <p:nvSpPr>
-          <p:cNvPr id="2" name="Title 1">
-            <a:extLst>
-              <a:ext uri="{FF2B5EF4-FFF2-40B4-BE49-F238E27FC236}">
-                <a16:creationId xmlns:a16="http://schemas.microsoft.com/office/drawing/2014/main" id="{1B3D9B9F-DF9D-FF4B-AD81-6E13E697543B}"/>
-              </a:ext>
-            </a:extLst>
-          </p:cNvPr>
-          <p:cNvSpPr>
-            <a:spLocks noGrp="1"/>
-          </p:cNvSpPr>
-          <p:nvPr>
-            <p:ph type="title"/>
-          </p:nvPr>
-        </p:nvSpPr>
-        <p:spPr>
-          <a:xfrm>
-            <a:off x="658690" y="294213"/>
-            <a:ext cx="10874620" cy="1157823"/>
-          </a:xfrm>
-        </p:spPr>
-        <p:txBody>
-          <a:bodyPr>
-            <a:normAutofit/>
-          </a:bodyPr>
-          <a:lstStyle/>
-          <a:p>
-            <a:r>
-              <a:rPr lang="en-US" sz="6000" b="1" dirty="0">
-                <a:latin typeface="+mn-lt"/>
-              </a:rPr>
-              <a:t>Non-Linear Min-Cost-Flow</a:t>
-            </a:r>
-          </a:p>
-        </p:txBody>
-      </p:sp>
-      <p:sp>
-        <p:nvSpPr>
-          <p:cNvPr id="3" name="Slide Number Placeholder 2">
-            <a:extLst>
-              <a:ext uri="{FF2B5EF4-FFF2-40B4-BE49-F238E27FC236}">
-                <a16:creationId xmlns:a16="http://schemas.microsoft.com/office/drawing/2014/main" id="{586329B8-615A-7647-98FD-7D365CE2492C}"/>
-              </a:ext>
-            </a:extLst>
-          </p:cNvPr>
-          <p:cNvSpPr>
-            <a:spLocks noGrp="1"/>
-          </p:cNvSpPr>
-          <p:nvPr>
-            <p:ph type="sldNum" sz="quarter" idx="12"/>
-          </p:nvPr>
-        </p:nvSpPr>
-        <p:spPr/>
-        <p:txBody>
-          <a:bodyPr/>
-          <a:lstStyle/>
-          <a:p>
-            <a:fld id="{D75B69EA-F5F3-9148-B3D2-85669F9D4A27}" type="slidenum">
-              <a:rPr lang="en-US" smtClean="0"/>
-              <a:pPr/>
-              <a:t>35</a:t>
-            </a:fld>
-            <a:endParaRPr lang="en-US" dirty="0"/>
-          </a:p>
-        </p:txBody>
-      </p:sp>
-      <p:pic>
-        <p:nvPicPr>
           <p:cNvPr id="1026" name="Picture 2" descr="Textbook: Parallel and Distributed Computation">
             <a:extLst>
               <a:ext uri="{FF2B5EF4-FFF2-40B4-BE49-F238E27FC236}">
@@ -25287,7 +23809,7 @@
           <a:p>
             <a:fld id="{96F33286-D21E-BE46-B8B2-DB8CA3E496B9}" type="datetime1">
               <a:rPr lang="en-US" smtClean="0"/>
-              <a:t>3/19/23</a:t>
+              <a:t>3/20/23</a:t>
             </a:fld>
             <a:endParaRPr lang="en-US" dirty="0"/>
           </a:p>
@@ -25297,6 +23819,374 @@
     <p:extLst>
       <p:ext uri="{BB962C8B-B14F-4D97-AF65-F5344CB8AC3E}">
         <p14:creationId xmlns:p14="http://schemas.microsoft.com/office/powerpoint/2010/main" val="3846860721"/>
+      </p:ext>
+    </p:extLst>
+  </p:cSld>
+  <p:clrMapOvr>
+    <a:masterClrMapping/>
+  </p:clrMapOvr>
+</p:sld>
+</file>
+
+<file path=ppt/slides/slide35.xml><?xml version="1.0" encoding="utf-8"?>
+<p:sld xmlns:a="http://schemas.openxmlformats.org/drawingml/2006/main" xmlns:r="http://schemas.openxmlformats.org/officeDocument/2006/relationships" xmlns:p="http://schemas.openxmlformats.org/presentationml/2006/main">
+  <p:cSld>
+    <p:spTree>
+      <p:nvGrpSpPr>
+        <p:cNvPr id="1" name=""/>
+        <p:cNvGrpSpPr/>
+        <p:nvPr/>
+      </p:nvGrpSpPr>
+      <p:grpSpPr>
+        <a:xfrm>
+          <a:off x="0" y="0"/>
+          <a:ext cx="0" cy="0"/>
+          <a:chOff x="0" y="0"/>
+          <a:chExt cx="0" cy="0"/>
+        </a:xfrm>
+      </p:grpSpPr>
+      <p:pic>
+        <p:nvPicPr>
+          <p:cNvPr id="5" name="Picture 4">
+            <a:extLst>
+              <a:ext uri="{FF2B5EF4-FFF2-40B4-BE49-F238E27FC236}">
+                <a16:creationId xmlns:a16="http://schemas.microsoft.com/office/drawing/2014/main" id="{D4A651FC-2A6A-8C17-A662-2AC33A99BD8F}"/>
+              </a:ext>
+            </a:extLst>
+          </p:cNvPr>
+          <p:cNvPicPr>
+            <a:picLocks noChangeAspect="1"/>
+          </p:cNvPicPr>
+          <p:nvPr/>
+        </p:nvPicPr>
+        <p:blipFill>
+          <a:blip r:embed="rId2" cstate="email">
+            <a:extLst>
+              <a:ext uri="{28A0092B-C50C-407E-A947-70E740481C1C}">
+                <a14:useLocalDpi xmlns:a14="http://schemas.microsoft.com/office/drawing/2010/main"/>
+              </a:ext>
+            </a:extLst>
+          </a:blip>
+          <a:stretch>
+            <a:fillRect/>
+          </a:stretch>
+        </p:blipFill>
+        <p:spPr>
+          <a:xfrm>
+            <a:off x="379092" y="2749160"/>
+            <a:ext cx="11433815" cy="2059671"/>
+          </a:xfrm>
+          <a:prstGeom prst="rect">
+            <a:avLst/>
+          </a:prstGeom>
+        </p:spPr>
+      </p:pic>
+      <p:sp>
+        <p:nvSpPr>
+          <p:cNvPr id="2" name="Title 1">
+            <a:extLst>
+              <a:ext uri="{FF2B5EF4-FFF2-40B4-BE49-F238E27FC236}">
+                <a16:creationId xmlns:a16="http://schemas.microsoft.com/office/drawing/2014/main" id="{1B3D9B9F-DF9D-FF4B-AD81-6E13E697543B}"/>
+              </a:ext>
+            </a:extLst>
+          </p:cNvPr>
+          <p:cNvSpPr>
+            <a:spLocks noGrp="1"/>
+          </p:cNvSpPr>
+          <p:nvPr>
+            <p:ph type="title"/>
+          </p:nvPr>
+        </p:nvSpPr>
+        <p:spPr>
+          <a:xfrm>
+            <a:off x="0" y="116776"/>
+            <a:ext cx="12192000" cy="1877842"/>
+          </a:xfrm>
+        </p:spPr>
+        <p:txBody>
+          <a:bodyPr>
+            <a:noAutofit/>
+          </a:bodyPr>
+          <a:lstStyle/>
+          <a:p>
+            <a:r>
+              <a:rPr lang="en-US" sz="6000" b="1" dirty="0">
+                <a:latin typeface="+mn-lt"/>
+              </a:rPr>
+              <a:t>Electrical Network.</a:t>
+            </a:r>
+            <a:br>
+              <a:rPr lang="en-US" sz="6000" b="1" dirty="0">
+                <a:latin typeface="+mn-lt"/>
+              </a:rPr>
+            </a:br>
+            <a:r>
+              <a:rPr lang="en-US" sz="6000" b="1" dirty="0">
+                <a:latin typeface="+mn-lt"/>
+              </a:rPr>
+              <a:t> (“AI is new Electricity!”) </a:t>
+            </a:r>
+          </a:p>
+        </p:txBody>
+      </p:sp>
+      <p:sp>
+        <p:nvSpPr>
+          <p:cNvPr id="3" name="Slide Number Placeholder 2">
+            <a:extLst>
+              <a:ext uri="{FF2B5EF4-FFF2-40B4-BE49-F238E27FC236}">
+                <a16:creationId xmlns:a16="http://schemas.microsoft.com/office/drawing/2014/main" id="{586329B8-615A-7647-98FD-7D365CE2492C}"/>
+              </a:ext>
+            </a:extLst>
+          </p:cNvPr>
+          <p:cNvSpPr>
+            <a:spLocks noGrp="1"/>
+          </p:cNvSpPr>
+          <p:nvPr>
+            <p:ph type="sldNum" sz="quarter" idx="12"/>
+          </p:nvPr>
+        </p:nvSpPr>
+        <p:spPr/>
+        <p:txBody>
+          <a:bodyPr/>
+          <a:lstStyle/>
+          <a:p>
+            <a:fld id="{D75B69EA-F5F3-9148-B3D2-85669F9D4A27}" type="slidenum">
+              <a:rPr lang="en-US" smtClean="0"/>
+              <a:pPr/>
+              <a:t>35</a:t>
+            </a:fld>
+            <a:endParaRPr lang="en-US" dirty="0"/>
+          </a:p>
+        </p:txBody>
+      </p:sp>
+      <p:cxnSp>
+        <p:nvCxnSpPr>
+          <p:cNvPr id="23" name="Straight Connector 22">
+            <a:extLst>
+              <a:ext uri="{FF2B5EF4-FFF2-40B4-BE49-F238E27FC236}">
+                <a16:creationId xmlns:a16="http://schemas.microsoft.com/office/drawing/2014/main" id="{6C2FA345-52A7-3DA5-2E84-6C9E32DBB1F4}"/>
+              </a:ext>
+            </a:extLst>
+          </p:cNvPr>
+          <p:cNvCxnSpPr>
+            <a:cxnSpLocks/>
+          </p:cNvCxnSpPr>
+          <p:nvPr/>
+        </p:nvCxnSpPr>
+        <p:spPr>
+          <a:xfrm flipV="1">
+            <a:off x="6399699" y="2877456"/>
+            <a:ext cx="0" cy="7531"/>
+          </a:xfrm>
+          <a:prstGeom prst="line">
+            <a:avLst/>
+          </a:prstGeom>
+          <a:ln w="41275">
+            <a:solidFill>
+              <a:schemeClr val="tx1"/>
+            </a:solidFill>
+          </a:ln>
+        </p:spPr>
+        <p:style>
+          <a:lnRef idx="1">
+            <a:schemeClr val="accent1"/>
+          </a:lnRef>
+          <a:fillRef idx="0">
+            <a:schemeClr val="accent1"/>
+          </a:fillRef>
+          <a:effectRef idx="0">
+            <a:schemeClr val="accent1"/>
+          </a:effectRef>
+          <a:fontRef idx="minor">
+            <a:schemeClr val="tx1"/>
+          </a:fontRef>
+        </p:style>
+      </p:cxnSp>
+      <p:cxnSp>
+        <p:nvCxnSpPr>
+          <p:cNvPr id="6" name="Straight Arrow Connector 5">
+            <a:extLst>
+              <a:ext uri="{FF2B5EF4-FFF2-40B4-BE49-F238E27FC236}">
+                <a16:creationId xmlns:a16="http://schemas.microsoft.com/office/drawing/2014/main" id="{C43E55F2-C117-BF06-104A-C363F8BA2BDF}"/>
+              </a:ext>
+            </a:extLst>
+          </p:cNvPr>
+          <p:cNvCxnSpPr>
+            <a:cxnSpLocks/>
+          </p:cNvCxnSpPr>
+          <p:nvPr/>
+        </p:nvCxnSpPr>
+        <p:spPr>
+          <a:xfrm flipH="1">
+            <a:off x="4785959" y="2307032"/>
+            <a:ext cx="1130531" cy="541574"/>
+          </a:xfrm>
+          <a:prstGeom prst="straightConnector1">
+            <a:avLst/>
+          </a:prstGeom>
+          <a:ln w="63500">
+            <a:tailEnd type="triangle"/>
+          </a:ln>
+        </p:spPr>
+        <p:style>
+          <a:lnRef idx="1">
+            <a:schemeClr val="accent1"/>
+          </a:lnRef>
+          <a:fillRef idx="0">
+            <a:schemeClr val="accent1"/>
+          </a:fillRef>
+          <a:effectRef idx="0">
+            <a:schemeClr val="accent1"/>
+          </a:effectRef>
+          <a:fontRef idx="minor">
+            <a:schemeClr val="tx1"/>
+          </a:fontRef>
+        </p:style>
+      </p:cxnSp>
+      <p:sp>
+        <p:nvSpPr>
+          <p:cNvPr id="7" name="TextBox 6">
+            <a:extLst>
+              <a:ext uri="{FF2B5EF4-FFF2-40B4-BE49-F238E27FC236}">
+                <a16:creationId xmlns:a16="http://schemas.microsoft.com/office/drawing/2014/main" id="{A8410879-F9CD-1025-169B-D812028CA7B4}"/>
+              </a:ext>
+            </a:extLst>
+          </p:cNvPr>
+          <p:cNvSpPr txBox="1"/>
+          <p:nvPr/>
+        </p:nvSpPr>
+        <p:spPr>
+          <a:xfrm>
+            <a:off x="6032394" y="1895172"/>
+            <a:ext cx="5156412" cy="707886"/>
+          </a:xfrm>
+          <a:prstGeom prst="rect">
+            <a:avLst/>
+          </a:prstGeom>
+          <a:noFill/>
+        </p:spPr>
+        <p:txBody>
+          <a:bodyPr wrap="none" rtlCol="0">
+            <a:spAutoFit/>
+          </a:bodyPr>
+          <a:lstStyle/>
+          <a:p>
+            <a:r>
+              <a:rPr lang="en-GB" sz="4000" b="1" dirty="0"/>
+              <a:t>Kirchhoff’s Current Law</a:t>
+            </a:r>
+          </a:p>
+        </p:txBody>
+      </p:sp>
+      <p:sp>
+        <p:nvSpPr>
+          <p:cNvPr id="27" name="TextBox 26">
+            <a:extLst>
+              <a:ext uri="{FF2B5EF4-FFF2-40B4-BE49-F238E27FC236}">
+                <a16:creationId xmlns:a16="http://schemas.microsoft.com/office/drawing/2014/main" id="{551D9356-C52C-7D9C-5BDE-C5A9997B6899}"/>
+              </a:ext>
+            </a:extLst>
+          </p:cNvPr>
+          <p:cNvSpPr txBox="1"/>
+          <p:nvPr/>
+        </p:nvSpPr>
+        <p:spPr>
+          <a:xfrm>
+            <a:off x="1774112" y="5563373"/>
+            <a:ext cx="4826193" cy="707886"/>
+          </a:xfrm>
+          <a:prstGeom prst="rect">
+            <a:avLst/>
+          </a:prstGeom>
+          <a:noFill/>
+        </p:spPr>
+        <p:txBody>
+          <a:bodyPr wrap="none" rtlCol="0">
+            <a:spAutoFit/>
+          </a:bodyPr>
+          <a:lstStyle/>
+          <a:p>
+            <a:r>
+              <a:rPr lang="en-GB" sz="4000" b="1" dirty="0"/>
+              <a:t>Generalized Ohm Law</a:t>
+            </a:r>
+          </a:p>
+        </p:txBody>
+      </p:sp>
+      <p:cxnSp>
+        <p:nvCxnSpPr>
+          <p:cNvPr id="28" name="Straight Arrow Connector 27">
+            <a:extLst>
+              <a:ext uri="{FF2B5EF4-FFF2-40B4-BE49-F238E27FC236}">
+                <a16:creationId xmlns:a16="http://schemas.microsoft.com/office/drawing/2014/main" id="{DD88193E-8336-8C84-7AD7-28D2E6884E71}"/>
+              </a:ext>
+            </a:extLst>
+          </p:cNvPr>
+          <p:cNvCxnSpPr>
+            <a:cxnSpLocks/>
+          </p:cNvCxnSpPr>
+          <p:nvPr/>
+        </p:nvCxnSpPr>
+        <p:spPr>
+          <a:xfrm flipV="1">
+            <a:off x="4549832" y="4540459"/>
+            <a:ext cx="0" cy="992751"/>
+          </a:xfrm>
+          <a:prstGeom prst="straightConnector1">
+            <a:avLst/>
+          </a:prstGeom>
+          <a:ln w="63500">
+            <a:tailEnd type="triangle"/>
+          </a:ln>
+        </p:spPr>
+        <p:style>
+          <a:lnRef idx="1">
+            <a:schemeClr val="accent1"/>
+          </a:lnRef>
+          <a:fillRef idx="0">
+            <a:schemeClr val="accent1"/>
+          </a:fillRef>
+          <a:effectRef idx="0">
+            <a:schemeClr val="accent1"/>
+          </a:effectRef>
+          <a:fontRef idx="minor">
+            <a:schemeClr val="tx1"/>
+          </a:fontRef>
+        </p:style>
+      </p:cxnSp>
+      <p:sp>
+        <p:nvSpPr>
+          <p:cNvPr id="8" name="Date Placeholder 7">
+            <a:extLst>
+              <a:ext uri="{FF2B5EF4-FFF2-40B4-BE49-F238E27FC236}">
+                <a16:creationId xmlns:a16="http://schemas.microsoft.com/office/drawing/2014/main" id="{6ADFC0FB-9F91-58B5-1952-83608C7CBADB}"/>
+              </a:ext>
+            </a:extLst>
+          </p:cNvPr>
+          <p:cNvSpPr>
+            <a:spLocks noGrp="1"/>
+          </p:cNvSpPr>
+          <p:nvPr>
+            <p:ph type="dt" sz="half" idx="10"/>
+          </p:nvPr>
+        </p:nvSpPr>
+        <p:spPr/>
+        <p:txBody>
+          <a:bodyPr/>
+          <a:lstStyle/>
+          <a:p>
+            <a:fld id="{427A9229-110B-5B4A-899B-18061438A49D}" type="datetime1">
+              <a:rPr lang="en-US" smtClean="0"/>
+              <a:t>3/20/23</a:t>
+            </a:fld>
+            <a:endParaRPr lang="en-US" dirty="0"/>
+          </a:p>
+        </p:txBody>
+      </p:sp>
+    </p:spTree>
+    <p:extLst>
+      <p:ext uri="{BB962C8B-B14F-4D97-AF65-F5344CB8AC3E}">
+        <p14:creationId xmlns:p14="http://schemas.microsoft.com/office/powerpoint/2010/main" val="3679002297"/>
       </p:ext>
     </p:extLst>
   </p:cSld>
@@ -25323,374 +24213,6 @@
           <a:chExt cx="0" cy="0"/>
         </a:xfrm>
       </p:grpSpPr>
-      <p:pic>
-        <p:nvPicPr>
-          <p:cNvPr id="5" name="Picture 4">
-            <a:extLst>
-              <a:ext uri="{FF2B5EF4-FFF2-40B4-BE49-F238E27FC236}">
-                <a16:creationId xmlns:a16="http://schemas.microsoft.com/office/drawing/2014/main" id="{D4A651FC-2A6A-8C17-A662-2AC33A99BD8F}"/>
-              </a:ext>
-            </a:extLst>
-          </p:cNvPr>
-          <p:cNvPicPr>
-            <a:picLocks noChangeAspect="1"/>
-          </p:cNvPicPr>
-          <p:nvPr/>
-        </p:nvPicPr>
-        <p:blipFill>
-          <a:blip r:embed="rId2" cstate="email">
-            <a:extLst>
-              <a:ext uri="{28A0092B-C50C-407E-A947-70E740481C1C}">
-                <a14:useLocalDpi xmlns:a14="http://schemas.microsoft.com/office/drawing/2010/main"/>
-              </a:ext>
-            </a:extLst>
-          </a:blip>
-          <a:stretch>
-            <a:fillRect/>
-          </a:stretch>
-        </p:blipFill>
-        <p:spPr>
-          <a:xfrm>
-            <a:off x="379092" y="2749160"/>
-            <a:ext cx="11433815" cy="2059671"/>
-          </a:xfrm>
-          <a:prstGeom prst="rect">
-            <a:avLst/>
-          </a:prstGeom>
-        </p:spPr>
-      </p:pic>
-      <p:sp>
-        <p:nvSpPr>
-          <p:cNvPr id="2" name="Title 1">
-            <a:extLst>
-              <a:ext uri="{FF2B5EF4-FFF2-40B4-BE49-F238E27FC236}">
-                <a16:creationId xmlns:a16="http://schemas.microsoft.com/office/drawing/2014/main" id="{1B3D9B9F-DF9D-FF4B-AD81-6E13E697543B}"/>
-              </a:ext>
-            </a:extLst>
-          </p:cNvPr>
-          <p:cNvSpPr>
-            <a:spLocks noGrp="1"/>
-          </p:cNvSpPr>
-          <p:nvPr>
-            <p:ph type="title"/>
-          </p:nvPr>
-        </p:nvSpPr>
-        <p:spPr>
-          <a:xfrm>
-            <a:off x="0" y="116776"/>
-            <a:ext cx="12192000" cy="1877842"/>
-          </a:xfrm>
-        </p:spPr>
-        <p:txBody>
-          <a:bodyPr>
-            <a:noAutofit/>
-          </a:bodyPr>
-          <a:lstStyle/>
-          <a:p>
-            <a:r>
-              <a:rPr lang="en-US" sz="6000" b="1" dirty="0">
-                <a:latin typeface="+mn-lt"/>
-              </a:rPr>
-              <a:t>Electrical Network.</a:t>
-            </a:r>
-            <a:br>
-              <a:rPr lang="en-US" sz="6000" b="1" dirty="0">
-                <a:latin typeface="+mn-lt"/>
-              </a:rPr>
-            </a:br>
-            <a:r>
-              <a:rPr lang="en-US" sz="6000" b="1" dirty="0">
-                <a:latin typeface="+mn-lt"/>
-              </a:rPr>
-              <a:t> (“AI is new Electricity!”) </a:t>
-            </a:r>
-          </a:p>
-        </p:txBody>
-      </p:sp>
-      <p:sp>
-        <p:nvSpPr>
-          <p:cNvPr id="3" name="Slide Number Placeholder 2">
-            <a:extLst>
-              <a:ext uri="{FF2B5EF4-FFF2-40B4-BE49-F238E27FC236}">
-                <a16:creationId xmlns:a16="http://schemas.microsoft.com/office/drawing/2014/main" id="{586329B8-615A-7647-98FD-7D365CE2492C}"/>
-              </a:ext>
-            </a:extLst>
-          </p:cNvPr>
-          <p:cNvSpPr>
-            <a:spLocks noGrp="1"/>
-          </p:cNvSpPr>
-          <p:nvPr>
-            <p:ph type="sldNum" sz="quarter" idx="12"/>
-          </p:nvPr>
-        </p:nvSpPr>
-        <p:spPr/>
-        <p:txBody>
-          <a:bodyPr/>
-          <a:lstStyle/>
-          <a:p>
-            <a:fld id="{D75B69EA-F5F3-9148-B3D2-85669F9D4A27}" type="slidenum">
-              <a:rPr lang="en-US" smtClean="0"/>
-              <a:pPr/>
-              <a:t>36</a:t>
-            </a:fld>
-            <a:endParaRPr lang="en-US" dirty="0"/>
-          </a:p>
-        </p:txBody>
-      </p:sp>
-      <p:cxnSp>
-        <p:nvCxnSpPr>
-          <p:cNvPr id="23" name="Straight Connector 22">
-            <a:extLst>
-              <a:ext uri="{FF2B5EF4-FFF2-40B4-BE49-F238E27FC236}">
-                <a16:creationId xmlns:a16="http://schemas.microsoft.com/office/drawing/2014/main" id="{6C2FA345-52A7-3DA5-2E84-6C9E32DBB1F4}"/>
-              </a:ext>
-            </a:extLst>
-          </p:cNvPr>
-          <p:cNvCxnSpPr>
-            <a:cxnSpLocks/>
-          </p:cNvCxnSpPr>
-          <p:nvPr/>
-        </p:nvCxnSpPr>
-        <p:spPr>
-          <a:xfrm flipV="1">
-            <a:off x="6399699" y="2877456"/>
-            <a:ext cx="0" cy="7531"/>
-          </a:xfrm>
-          <a:prstGeom prst="line">
-            <a:avLst/>
-          </a:prstGeom>
-          <a:ln w="41275">
-            <a:solidFill>
-              <a:schemeClr val="tx1"/>
-            </a:solidFill>
-          </a:ln>
-        </p:spPr>
-        <p:style>
-          <a:lnRef idx="1">
-            <a:schemeClr val="accent1"/>
-          </a:lnRef>
-          <a:fillRef idx="0">
-            <a:schemeClr val="accent1"/>
-          </a:fillRef>
-          <a:effectRef idx="0">
-            <a:schemeClr val="accent1"/>
-          </a:effectRef>
-          <a:fontRef idx="minor">
-            <a:schemeClr val="tx1"/>
-          </a:fontRef>
-        </p:style>
-      </p:cxnSp>
-      <p:cxnSp>
-        <p:nvCxnSpPr>
-          <p:cNvPr id="6" name="Straight Arrow Connector 5">
-            <a:extLst>
-              <a:ext uri="{FF2B5EF4-FFF2-40B4-BE49-F238E27FC236}">
-                <a16:creationId xmlns:a16="http://schemas.microsoft.com/office/drawing/2014/main" id="{C43E55F2-C117-BF06-104A-C363F8BA2BDF}"/>
-              </a:ext>
-            </a:extLst>
-          </p:cNvPr>
-          <p:cNvCxnSpPr>
-            <a:cxnSpLocks/>
-          </p:cNvCxnSpPr>
-          <p:nvPr/>
-        </p:nvCxnSpPr>
-        <p:spPr>
-          <a:xfrm flipH="1">
-            <a:off x="4785959" y="2307032"/>
-            <a:ext cx="1130531" cy="541574"/>
-          </a:xfrm>
-          <a:prstGeom prst="straightConnector1">
-            <a:avLst/>
-          </a:prstGeom>
-          <a:ln w="63500">
-            <a:tailEnd type="triangle"/>
-          </a:ln>
-        </p:spPr>
-        <p:style>
-          <a:lnRef idx="1">
-            <a:schemeClr val="accent1"/>
-          </a:lnRef>
-          <a:fillRef idx="0">
-            <a:schemeClr val="accent1"/>
-          </a:fillRef>
-          <a:effectRef idx="0">
-            <a:schemeClr val="accent1"/>
-          </a:effectRef>
-          <a:fontRef idx="minor">
-            <a:schemeClr val="tx1"/>
-          </a:fontRef>
-        </p:style>
-      </p:cxnSp>
-      <p:sp>
-        <p:nvSpPr>
-          <p:cNvPr id="7" name="TextBox 6">
-            <a:extLst>
-              <a:ext uri="{FF2B5EF4-FFF2-40B4-BE49-F238E27FC236}">
-                <a16:creationId xmlns:a16="http://schemas.microsoft.com/office/drawing/2014/main" id="{A8410879-F9CD-1025-169B-D812028CA7B4}"/>
-              </a:ext>
-            </a:extLst>
-          </p:cNvPr>
-          <p:cNvSpPr txBox="1"/>
-          <p:nvPr/>
-        </p:nvSpPr>
-        <p:spPr>
-          <a:xfrm>
-            <a:off x="6032394" y="1895172"/>
-            <a:ext cx="5156412" cy="707886"/>
-          </a:xfrm>
-          <a:prstGeom prst="rect">
-            <a:avLst/>
-          </a:prstGeom>
-          <a:noFill/>
-        </p:spPr>
-        <p:txBody>
-          <a:bodyPr wrap="none" rtlCol="0">
-            <a:spAutoFit/>
-          </a:bodyPr>
-          <a:lstStyle/>
-          <a:p>
-            <a:r>
-              <a:rPr lang="en-GB" sz="4000" b="1" dirty="0"/>
-              <a:t>Kirchhoff’s Current Law</a:t>
-            </a:r>
-          </a:p>
-        </p:txBody>
-      </p:sp>
-      <p:sp>
-        <p:nvSpPr>
-          <p:cNvPr id="27" name="TextBox 26">
-            <a:extLst>
-              <a:ext uri="{FF2B5EF4-FFF2-40B4-BE49-F238E27FC236}">
-                <a16:creationId xmlns:a16="http://schemas.microsoft.com/office/drawing/2014/main" id="{551D9356-C52C-7D9C-5BDE-C5A9997B6899}"/>
-              </a:ext>
-            </a:extLst>
-          </p:cNvPr>
-          <p:cNvSpPr txBox="1"/>
-          <p:nvPr/>
-        </p:nvSpPr>
-        <p:spPr>
-          <a:xfrm>
-            <a:off x="1774112" y="5563373"/>
-            <a:ext cx="4826193" cy="707886"/>
-          </a:xfrm>
-          <a:prstGeom prst="rect">
-            <a:avLst/>
-          </a:prstGeom>
-          <a:noFill/>
-        </p:spPr>
-        <p:txBody>
-          <a:bodyPr wrap="none" rtlCol="0">
-            <a:spAutoFit/>
-          </a:bodyPr>
-          <a:lstStyle/>
-          <a:p>
-            <a:r>
-              <a:rPr lang="en-GB" sz="4000" b="1" dirty="0"/>
-              <a:t>Generalized Ohm Law</a:t>
-            </a:r>
-          </a:p>
-        </p:txBody>
-      </p:sp>
-      <p:cxnSp>
-        <p:nvCxnSpPr>
-          <p:cNvPr id="28" name="Straight Arrow Connector 27">
-            <a:extLst>
-              <a:ext uri="{FF2B5EF4-FFF2-40B4-BE49-F238E27FC236}">
-                <a16:creationId xmlns:a16="http://schemas.microsoft.com/office/drawing/2014/main" id="{DD88193E-8336-8C84-7AD7-28D2E6884E71}"/>
-              </a:ext>
-            </a:extLst>
-          </p:cNvPr>
-          <p:cNvCxnSpPr>
-            <a:cxnSpLocks/>
-          </p:cNvCxnSpPr>
-          <p:nvPr/>
-        </p:nvCxnSpPr>
-        <p:spPr>
-          <a:xfrm flipV="1">
-            <a:off x="4549832" y="4540459"/>
-            <a:ext cx="0" cy="992751"/>
-          </a:xfrm>
-          <a:prstGeom prst="straightConnector1">
-            <a:avLst/>
-          </a:prstGeom>
-          <a:ln w="63500">
-            <a:tailEnd type="triangle"/>
-          </a:ln>
-        </p:spPr>
-        <p:style>
-          <a:lnRef idx="1">
-            <a:schemeClr val="accent1"/>
-          </a:lnRef>
-          <a:fillRef idx="0">
-            <a:schemeClr val="accent1"/>
-          </a:fillRef>
-          <a:effectRef idx="0">
-            <a:schemeClr val="accent1"/>
-          </a:effectRef>
-          <a:fontRef idx="minor">
-            <a:schemeClr val="tx1"/>
-          </a:fontRef>
-        </p:style>
-      </p:cxnSp>
-      <p:sp>
-        <p:nvSpPr>
-          <p:cNvPr id="8" name="Date Placeholder 7">
-            <a:extLst>
-              <a:ext uri="{FF2B5EF4-FFF2-40B4-BE49-F238E27FC236}">
-                <a16:creationId xmlns:a16="http://schemas.microsoft.com/office/drawing/2014/main" id="{6ADFC0FB-9F91-58B5-1952-83608C7CBADB}"/>
-              </a:ext>
-            </a:extLst>
-          </p:cNvPr>
-          <p:cNvSpPr>
-            <a:spLocks noGrp="1"/>
-          </p:cNvSpPr>
-          <p:nvPr>
-            <p:ph type="dt" sz="half" idx="10"/>
-          </p:nvPr>
-        </p:nvSpPr>
-        <p:spPr/>
-        <p:txBody>
-          <a:bodyPr/>
-          <a:lstStyle/>
-          <a:p>
-            <a:fld id="{427A9229-110B-5B4A-899B-18061438A49D}" type="datetime1">
-              <a:rPr lang="en-US" smtClean="0"/>
-              <a:t>3/19/23</a:t>
-            </a:fld>
-            <a:endParaRPr lang="en-US" dirty="0"/>
-          </a:p>
-        </p:txBody>
-      </p:sp>
-    </p:spTree>
-    <p:extLst>
-      <p:ext uri="{BB962C8B-B14F-4D97-AF65-F5344CB8AC3E}">
-        <p14:creationId xmlns:p14="http://schemas.microsoft.com/office/powerpoint/2010/main" val="3679002297"/>
-      </p:ext>
-    </p:extLst>
-  </p:cSld>
-  <p:clrMapOvr>
-    <a:masterClrMapping/>
-  </p:clrMapOvr>
-</p:sld>
-</file>
-
-<file path=ppt/slides/slide37.xml><?xml version="1.0" encoding="utf-8"?>
-<p:sld xmlns:a="http://schemas.openxmlformats.org/drawingml/2006/main" xmlns:r="http://schemas.openxmlformats.org/officeDocument/2006/relationships" xmlns:p="http://schemas.openxmlformats.org/presentationml/2006/main">
-  <p:cSld>
-    <p:spTree>
-      <p:nvGrpSpPr>
-        <p:cNvPr id="1" name=""/>
-        <p:cNvGrpSpPr/>
-        <p:nvPr/>
-      </p:nvGrpSpPr>
-      <p:grpSpPr>
-        <a:xfrm>
-          <a:off x="0" y="0"/>
-          <a:ext cx="0" cy="0"/>
-          <a:chOff x="0" y="0"/>
-          <a:chExt cx="0" cy="0"/>
-        </a:xfrm>
-      </p:grpSpPr>
       <p:sp>
         <p:nvSpPr>
           <p:cNvPr id="2" name="TextBox 1">
@@ -25765,7 +24287,7 @@
           <a:p>
             <a:fld id="{D75B69EA-F5F3-9148-B3D2-85669F9D4A27}" type="slidenum">
               <a:rPr lang="en-US" smtClean="0"/>
-              <a:t>37</a:t>
+              <a:t>36</a:t>
             </a:fld>
             <a:endParaRPr lang="en-US"/>
           </a:p>
@@ -25794,7 +24316,7 @@
           <a:p>
             <a:fld id="{9BD8BACF-B135-5C40-98DF-D9054633B25C}" type="datetime1">
               <a:rPr lang="en-US" smtClean="0"/>
-              <a:t>3/19/23</a:t>
+              <a:t>3/20/23</a:t>
             </a:fld>
             <a:endParaRPr lang="en-US"/>
           </a:p>
@@ -25813,7 +24335,7 @@
 </p:sld>
 </file>
 
-<file path=ppt/slides/slide38.xml><?xml version="1.0" encoding="utf-8"?>
+<file path=ppt/slides/slide37.xml><?xml version="1.0" encoding="utf-8"?>
 <p:sld xmlns:a="http://schemas.openxmlformats.org/drawingml/2006/main" xmlns:r="http://schemas.openxmlformats.org/officeDocument/2006/relationships" xmlns:p="http://schemas.openxmlformats.org/presentationml/2006/main">
   <p:cSld>
     <p:spTree>
@@ -27984,7 +26506,7 @@
 </p:sld>
 </file>
 
-<file path=ppt/slides/slide39.xml><?xml version="1.0" encoding="utf-8"?>
+<file path=ppt/slides/slide38.xml><?xml version="1.0" encoding="utf-8"?>
 <p:sld xmlns:a="http://schemas.openxmlformats.org/drawingml/2006/main" xmlns:r="http://schemas.openxmlformats.org/officeDocument/2006/relationships" xmlns:p="http://schemas.openxmlformats.org/presentationml/2006/main">
   <p:cSld>
     <p:spTree>
@@ -28062,7 +26584,7 @@
             <a:fld id="{D75B69EA-F5F3-9148-B3D2-85669F9D4A27}" type="slidenum">
               <a:rPr lang="en-US" smtClean="0"/>
               <a:pPr/>
-              <a:t>39</a:t>
+              <a:t>38</a:t>
             </a:fld>
             <a:endParaRPr lang="en-US" dirty="0"/>
           </a:p>
@@ -28218,7 +26740,7 @@
           <a:p>
             <a:fld id="{8F526571-8B0C-7043-8989-F29E5BFEF81F}" type="datetime1">
               <a:rPr lang="en-US" smtClean="0"/>
-              <a:t>3/19/23</a:t>
+              <a:t>3/20/23</a:t>
             </a:fld>
             <a:endParaRPr lang="en-US" dirty="0"/>
           </a:p>
@@ -28228,6 +26750,142 @@
     <p:extLst>
       <p:ext uri="{BB962C8B-B14F-4D97-AF65-F5344CB8AC3E}">
         <p14:creationId xmlns:p14="http://schemas.microsoft.com/office/powerpoint/2010/main" val="1233780931"/>
+      </p:ext>
+    </p:extLst>
+  </p:cSld>
+  <p:clrMapOvr>
+    <a:masterClrMapping/>
+  </p:clrMapOvr>
+</p:sld>
+</file>
+
+<file path=ppt/slides/slide39.xml><?xml version="1.0" encoding="utf-8"?>
+<p:sld xmlns:a="http://schemas.openxmlformats.org/drawingml/2006/main" xmlns:r="http://schemas.openxmlformats.org/officeDocument/2006/relationships" xmlns:p="http://schemas.openxmlformats.org/presentationml/2006/main">
+  <p:cSld>
+    <p:spTree>
+      <p:nvGrpSpPr>
+        <p:cNvPr id="1" name=""/>
+        <p:cNvGrpSpPr/>
+        <p:nvPr/>
+      </p:nvGrpSpPr>
+      <p:grpSpPr>
+        <a:xfrm>
+          <a:off x="0" y="0"/>
+          <a:ext cx="0" cy="0"/>
+          <a:chOff x="0" y="0"/>
+          <a:chExt cx="0" cy="0"/>
+        </a:xfrm>
+      </p:grpSpPr>
+      <p:sp>
+        <p:nvSpPr>
+          <p:cNvPr id="3" name="Content Placeholder 2">
+            <a:extLst>
+              <a:ext uri="{FF2B5EF4-FFF2-40B4-BE49-F238E27FC236}">
+                <a16:creationId xmlns:a16="http://schemas.microsoft.com/office/drawing/2014/main" id="{8A8371E2-F489-A64E-A5ED-BDD0B4A753AF}"/>
+              </a:ext>
+            </a:extLst>
+          </p:cNvPr>
+          <p:cNvSpPr>
+            <a:spLocks noGrp="1"/>
+          </p:cNvSpPr>
+          <p:nvPr>
+            <p:ph idx="1"/>
+          </p:nvPr>
+        </p:nvSpPr>
+        <p:spPr>
+          <a:xfrm>
+            <a:off x="838200" y="2370374"/>
+            <a:ext cx="10515600" cy="3232758"/>
+          </a:xfrm>
+        </p:spPr>
+        <p:txBody>
+          <a:bodyPr>
+            <a:normAutofit/>
+          </a:bodyPr>
+          <a:lstStyle/>
+          <a:p>
+            <a:pPr marL="0" indent="0">
+              <a:buNone/>
+            </a:pPr>
+            <a:r>
+              <a:rPr lang="en-GB" sz="8800" dirty="0"/>
+              <a:t>Thank you for </a:t>
+            </a:r>
+          </a:p>
+          <a:p>
+            <a:pPr marL="0" indent="0">
+              <a:buNone/>
+            </a:pPr>
+            <a:r>
+              <a:rPr lang="en-GB" sz="8800" dirty="0"/>
+              <a:t>your attention!</a:t>
+            </a:r>
+          </a:p>
+        </p:txBody>
+      </p:sp>
+      <p:sp>
+        <p:nvSpPr>
+          <p:cNvPr id="4" name="Slide Number Placeholder 3">
+            <a:extLst>
+              <a:ext uri="{FF2B5EF4-FFF2-40B4-BE49-F238E27FC236}">
+                <a16:creationId xmlns:a16="http://schemas.microsoft.com/office/drawing/2014/main" id="{7F02FBD0-61E0-2C44-91CC-54EBE4F4874A}"/>
+              </a:ext>
+            </a:extLst>
+          </p:cNvPr>
+          <p:cNvSpPr>
+            <a:spLocks noGrp="1"/>
+          </p:cNvSpPr>
+          <p:nvPr>
+            <p:ph type="sldNum" sz="quarter" idx="12"/>
+          </p:nvPr>
+        </p:nvSpPr>
+        <p:spPr/>
+        <p:txBody>
+          <a:bodyPr/>
+          <a:lstStyle/>
+          <a:p>
+            <a:fld id="{D75B69EA-F5F3-9148-B3D2-85669F9D4A27}" type="slidenum">
+              <a:rPr lang="en-US" smtClean="0"/>
+              <a:pPr/>
+              <a:t>39</a:t>
+            </a:fld>
+            <a:endParaRPr lang="en-US" dirty="0"/>
+          </a:p>
+        </p:txBody>
+      </p:sp>
+      <p:sp>
+        <p:nvSpPr>
+          <p:cNvPr id="5" name="Date Placeholder 4">
+            <a:extLst>
+              <a:ext uri="{FF2B5EF4-FFF2-40B4-BE49-F238E27FC236}">
+                <a16:creationId xmlns:a16="http://schemas.microsoft.com/office/drawing/2014/main" id="{114A4400-576F-508D-5169-AA257C645D15}"/>
+              </a:ext>
+            </a:extLst>
+          </p:cNvPr>
+          <p:cNvSpPr>
+            <a:spLocks noGrp="1"/>
+          </p:cNvSpPr>
+          <p:nvPr>
+            <p:ph type="dt" sz="half" idx="10"/>
+          </p:nvPr>
+        </p:nvSpPr>
+        <p:spPr/>
+        <p:txBody>
+          <a:bodyPr/>
+          <a:lstStyle/>
+          <a:p>
+            <a:fld id="{46D66C15-90E3-3E4B-92C1-16981A9C2E22}" type="datetime1">
+              <a:rPr lang="en-US" smtClean="0"/>
+              <a:t>3/20/23</a:t>
+            </a:fld>
+            <a:endParaRPr lang="en-US" dirty="0"/>
+          </a:p>
+        </p:txBody>
+      </p:sp>
+    </p:spTree>
+    <p:extLst>
+      <p:ext uri="{BB962C8B-B14F-4D97-AF65-F5344CB8AC3E}">
+        <p14:creationId xmlns:p14="http://schemas.microsoft.com/office/powerpoint/2010/main" val="2714103054"/>
       </p:ext>
     </p:extLst>
   </p:cSld>
@@ -28280,7 +26938,7 @@
               <a:rPr lang="en-US" sz="6600" b="1" dirty="0">
                 <a:latin typeface="+mn-lt"/>
               </a:rPr>
-              <a:t>Weather Stations.</a:t>
+              <a:t>Weather Stations</a:t>
             </a:r>
           </a:p>
         </p:txBody>
@@ -28405,142 +27063,6 @@
 </p:sld>
 </file>
 
-<file path=ppt/slides/slide40.xml><?xml version="1.0" encoding="utf-8"?>
-<p:sld xmlns:a="http://schemas.openxmlformats.org/drawingml/2006/main" xmlns:r="http://schemas.openxmlformats.org/officeDocument/2006/relationships" xmlns:p="http://schemas.openxmlformats.org/presentationml/2006/main">
-  <p:cSld>
-    <p:spTree>
-      <p:nvGrpSpPr>
-        <p:cNvPr id="1" name=""/>
-        <p:cNvGrpSpPr/>
-        <p:nvPr/>
-      </p:nvGrpSpPr>
-      <p:grpSpPr>
-        <a:xfrm>
-          <a:off x="0" y="0"/>
-          <a:ext cx="0" cy="0"/>
-          <a:chOff x="0" y="0"/>
-          <a:chExt cx="0" cy="0"/>
-        </a:xfrm>
-      </p:grpSpPr>
-      <p:sp>
-        <p:nvSpPr>
-          <p:cNvPr id="3" name="Content Placeholder 2">
-            <a:extLst>
-              <a:ext uri="{FF2B5EF4-FFF2-40B4-BE49-F238E27FC236}">
-                <a16:creationId xmlns:a16="http://schemas.microsoft.com/office/drawing/2014/main" id="{8A8371E2-F489-A64E-A5ED-BDD0B4A753AF}"/>
-              </a:ext>
-            </a:extLst>
-          </p:cNvPr>
-          <p:cNvSpPr>
-            <a:spLocks noGrp="1"/>
-          </p:cNvSpPr>
-          <p:nvPr>
-            <p:ph idx="1"/>
-          </p:nvPr>
-        </p:nvSpPr>
-        <p:spPr>
-          <a:xfrm>
-            <a:off x="838200" y="2370374"/>
-            <a:ext cx="10515600" cy="3232758"/>
-          </a:xfrm>
-        </p:spPr>
-        <p:txBody>
-          <a:bodyPr>
-            <a:normAutofit/>
-          </a:bodyPr>
-          <a:lstStyle/>
-          <a:p>
-            <a:pPr marL="0" indent="0">
-              <a:buNone/>
-            </a:pPr>
-            <a:r>
-              <a:rPr lang="en-GB" sz="8800" dirty="0"/>
-              <a:t>Thank you for </a:t>
-            </a:r>
-          </a:p>
-          <a:p>
-            <a:pPr marL="0" indent="0">
-              <a:buNone/>
-            </a:pPr>
-            <a:r>
-              <a:rPr lang="en-GB" sz="8800" dirty="0"/>
-              <a:t>your attention!</a:t>
-            </a:r>
-          </a:p>
-        </p:txBody>
-      </p:sp>
-      <p:sp>
-        <p:nvSpPr>
-          <p:cNvPr id="4" name="Slide Number Placeholder 3">
-            <a:extLst>
-              <a:ext uri="{FF2B5EF4-FFF2-40B4-BE49-F238E27FC236}">
-                <a16:creationId xmlns:a16="http://schemas.microsoft.com/office/drawing/2014/main" id="{7F02FBD0-61E0-2C44-91CC-54EBE4F4874A}"/>
-              </a:ext>
-            </a:extLst>
-          </p:cNvPr>
-          <p:cNvSpPr>
-            <a:spLocks noGrp="1"/>
-          </p:cNvSpPr>
-          <p:nvPr>
-            <p:ph type="sldNum" sz="quarter" idx="12"/>
-          </p:nvPr>
-        </p:nvSpPr>
-        <p:spPr/>
-        <p:txBody>
-          <a:bodyPr/>
-          <a:lstStyle/>
-          <a:p>
-            <a:fld id="{D75B69EA-F5F3-9148-B3D2-85669F9D4A27}" type="slidenum">
-              <a:rPr lang="en-US" smtClean="0"/>
-              <a:pPr/>
-              <a:t>40</a:t>
-            </a:fld>
-            <a:endParaRPr lang="en-US" dirty="0"/>
-          </a:p>
-        </p:txBody>
-      </p:sp>
-      <p:sp>
-        <p:nvSpPr>
-          <p:cNvPr id="5" name="Date Placeholder 4">
-            <a:extLst>
-              <a:ext uri="{FF2B5EF4-FFF2-40B4-BE49-F238E27FC236}">
-                <a16:creationId xmlns:a16="http://schemas.microsoft.com/office/drawing/2014/main" id="{114A4400-576F-508D-5169-AA257C645D15}"/>
-              </a:ext>
-            </a:extLst>
-          </p:cNvPr>
-          <p:cNvSpPr>
-            <a:spLocks noGrp="1"/>
-          </p:cNvSpPr>
-          <p:nvPr>
-            <p:ph type="dt" sz="half" idx="10"/>
-          </p:nvPr>
-        </p:nvSpPr>
-        <p:spPr/>
-        <p:txBody>
-          <a:bodyPr/>
-          <a:lstStyle/>
-          <a:p>
-            <a:fld id="{46D66C15-90E3-3E4B-92C1-16981A9C2E22}" type="datetime1">
-              <a:rPr lang="en-US" smtClean="0"/>
-              <a:t>3/19/23</a:t>
-            </a:fld>
-            <a:endParaRPr lang="en-US" dirty="0"/>
-          </a:p>
-        </p:txBody>
-      </p:sp>
-    </p:spTree>
-    <p:extLst>
-      <p:ext uri="{BB962C8B-B14F-4D97-AF65-F5344CB8AC3E}">
-        <p14:creationId xmlns:p14="http://schemas.microsoft.com/office/powerpoint/2010/main" val="2714103054"/>
-      </p:ext>
-    </p:extLst>
-  </p:cSld>
-  <p:clrMapOvr>
-    <a:masterClrMapping/>
-  </p:clrMapOvr>
-</p:sld>
-</file>
-
 <file path=ppt/slides/slide5.xml><?xml version="1.0" encoding="utf-8"?>
 <p:sld xmlns:a="http://schemas.openxmlformats.org/drawingml/2006/main" xmlns:r="http://schemas.openxmlformats.org/officeDocument/2006/relationships" xmlns:p="http://schemas.openxmlformats.org/presentationml/2006/main">
   <p:cSld>
@@ -29086,10 +27608,10 @@
       </p:sp>
       <p:pic>
         <p:nvPicPr>
-          <p:cNvPr id="25" name="Picture 24">
-            <a:extLst>
-              <a:ext uri="{FF2B5EF4-FFF2-40B4-BE49-F238E27FC236}">
-                <a16:creationId xmlns:a16="http://schemas.microsoft.com/office/drawing/2014/main" id="{25D5D8CA-ABFA-D640-A75C-78CD89646E06}"/>
+          <p:cNvPr id="37" name="Picture 36">
+            <a:extLst>
+              <a:ext uri="{FF2B5EF4-FFF2-40B4-BE49-F238E27FC236}">
+                <a16:creationId xmlns:a16="http://schemas.microsoft.com/office/drawing/2014/main" id="{8B745FCD-35F0-9F45-96E2-629CD655484E}"/>
               </a:ext>
             </a:extLst>
           </p:cNvPr>
@@ -29100,66 +27622,6 @@
         </p:nvPicPr>
         <p:blipFill>
           <a:blip r:embed="rId3"/>
-          <a:stretch>
-            <a:fillRect/>
-          </a:stretch>
-        </p:blipFill>
-        <p:spPr>
-          <a:xfrm>
-            <a:off x="7893590" y="1867118"/>
-            <a:ext cx="1234285" cy="720000"/>
-          </a:xfrm>
-          <a:prstGeom prst="rect">
-            <a:avLst/>
-          </a:prstGeom>
-        </p:spPr>
-      </p:pic>
-      <p:pic>
-        <p:nvPicPr>
-          <p:cNvPr id="35" name="Picture 34">
-            <a:extLst>
-              <a:ext uri="{FF2B5EF4-FFF2-40B4-BE49-F238E27FC236}">
-                <a16:creationId xmlns:a16="http://schemas.microsoft.com/office/drawing/2014/main" id="{ABCC68A8-890C-7F49-8463-F732FF2F5769}"/>
-              </a:ext>
-            </a:extLst>
-          </p:cNvPr>
-          <p:cNvPicPr>
-            <a:picLocks noChangeAspect="1"/>
-          </p:cNvPicPr>
-          <p:nvPr/>
-        </p:nvPicPr>
-        <p:blipFill>
-          <a:blip r:embed="rId4"/>
-          <a:stretch>
-            <a:fillRect/>
-          </a:stretch>
-        </p:blipFill>
-        <p:spPr>
-          <a:xfrm>
-            <a:off x="4093435" y="4560605"/>
-            <a:ext cx="1296000" cy="720000"/>
-          </a:xfrm>
-          <a:prstGeom prst="rect">
-            <a:avLst/>
-          </a:prstGeom>
-        </p:spPr>
-      </p:pic>
-      <p:pic>
-        <p:nvPicPr>
-          <p:cNvPr id="37" name="Picture 36">
-            <a:extLst>
-              <a:ext uri="{FF2B5EF4-FFF2-40B4-BE49-F238E27FC236}">
-                <a16:creationId xmlns:a16="http://schemas.microsoft.com/office/drawing/2014/main" id="{8B745FCD-35F0-9F45-96E2-629CD655484E}"/>
-              </a:ext>
-            </a:extLst>
-          </p:cNvPr>
-          <p:cNvPicPr>
-            <a:picLocks noChangeAspect="1"/>
-          </p:cNvPicPr>
-          <p:nvPr/>
-        </p:nvPicPr>
-        <p:blipFill>
-          <a:blip r:embed="rId5"/>
           <a:stretch>
             <a:fillRect/>
           </a:stretch>
@@ -29174,8 +27636,8 @@
           </a:prstGeom>
         </p:spPr>
       </p:pic>
-      <mc:AlternateContent xmlns:mc="http://schemas.openxmlformats.org/markup-compatibility/2006">
-        <mc:Choice xmlns:a14="http://schemas.microsoft.com/office/drawing/2010/main" Requires="a14">
+      <mc:AlternateContent xmlns:mc="http://schemas.openxmlformats.org/markup-compatibility/2006" xmlns:a14="http://schemas.microsoft.com/office/drawing/2010/main">
+        <mc:Choice Requires="a14">
           <p:sp>
             <p:nvSpPr>
               <p:cNvPr id="38" name="TextBox 37">
@@ -29266,7 +27728,7 @@
             </p:txBody>
           </p:sp>
         </mc:Choice>
-        <mc:Fallback>
+        <mc:Fallback xmlns="">
           <p:sp>
             <p:nvSpPr>
               <p:cNvPr id="38" name="TextBox 37">
@@ -29369,12 +27831,268 @@
           <a:p>
             <a:fld id="{09B700F3-64F3-CE4D-A115-9297053E858B}" type="datetime1">
               <a:rPr lang="en-US" smtClean="0"/>
-              <a:t>3/19/23</a:t>
+              <a:t>3/20/23</a:t>
             </a:fld>
             <a:endParaRPr lang="en-US"/>
           </a:p>
         </p:txBody>
       </p:sp>
+      <mc:AlternateContent xmlns:mc="http://schemas.openxmlformats.org/markup-compatibility/2006" xmlns:a14="http://schemas.microsoft.com/office/drawing/2010/main">
+        <mc:Choice Requires="a14">
+          <p:sp>
+            <p:nvSpPr>
+              <p:cNvPr id="2" name="TextBox 1">
+                <a:extLst>
+                  <a:ext uri="{FF2B5EF4-FFF2-40B4-BE49-F238E27FC236}">
+                    <a16:creationId xmlns:a16="http://schemas.microsoft.com/office/drawing/2014/main" id="{904D58BF-7F3C-5808-1A5B-813A06B8431F}"/>
+                  </a:ext>
+                </a:extLst>
+              </p:cNvPr>
+              <p:cNvSpPr txBox="1"/>
+              <p:nvPr/>
+            </p:nvSpPr>
+            <p:spPr>
+              <a:xfrm>
+                <a:off x="7793902" y="1840049"/>
+                <a:ext cx="1524905" cy="957891"/>
+              </a:xfrm>
+              <a:prstGeom prst="rect">
+                <a:avLst/>
+              </a:prstGeom>
+              <a:noFill/>
+            </p:spPr>
+            <p:txBody>
+              <a:bodyPr wrap="none" rtlCol="0">
+                <a:spAutoFit/>
+              </a:bodyPr>
+              <a:lstStyle/>
+              <a:p>
+                <a:pPr/>
+                <a14:m>
+                  <m:oMathPara xmlns:m="http://schemas.openxmlformats.org/officeDocument/2006/math">
+                    <m:oMathParaPr>
+                      <m:jc m:val="centerGroup"/>
+                    </m:oMathParaPr>
+                    <m:oMath xmlns:m="http://schemas.openxmlformats.org/officeDocument/2006/math">
+                      <m:sSup>
+                        <m:sSupPr>
+                          <m:ctrlPr>
+                            <a:rPr lang="en-GB" sz="5400" i="1" smtClean="0">
+                              <a:latin typeface="Cambria Math" panose="02040503050406030204" pitchFamily="18" charset="0"/>
+                            </a:rPr>
+                          </m:ctrlPr>
+                        </m:sSupPr>
+                        <m:e>
+                          <m:r>
+                            <a:rPr lang="en-GB" sz="5400" i="1" smtClean="0">
+                              <a:latin typeface="Cambria Math" panose="02040503050406030204" pitchFamily="18" charset="0"/>
+                              <a:ea typeface="Cambria Math" panose="02040503050406030204" pitchFamily="18" charset="0"/>
+                            </a:rPr>
+                            <m:t>𝒟</m:t>
+                          </m:r>
+                        </m:e>
+                        <m:sup>
+                          <m:r>
+                            <a:rPr lang="de-DE" sz="5400" b="0" i="1" smtClean="0">
+                              <a:latin typeface="Cambria Math" panose="02040503050406030204" pitchFamily="18" charset="0"/>
+                            </a:rPr>
+                            <m:t>(</m:t>
+                          </m:r>
+                          <m:r>
+                            <a:rPr lang="de-DE" sz="5400" b="0" i="1" smtClean="0">
+                              <a:latin typeface="Cambria Math" panose="02040503050406030204" pitchFamily="18" charset="0"/>
+                            </a:rPr>
+                            <m:t>𝑖</m:t>
+                          </m:r>
+                          <m:r>
+                            <a:rPr lang="de-DE" sz="5400" b="0" i="1" smtClean="0">
+                              <a:latin typeface="Cambria Math" panose="02040503050406030204" pitchFamily="18" charset="0"/>
+                            </a:rPr>
+                            <m:t>)</m:t>
+                          </m:r>
+                        </m:sup>
+                      </m:sSup>
+                    </m:oMath>
+                  </m:oMathPara>
+                </a14:m>
+                <a:endParaRPr lang="en-GB" sz="5400" dirty="0"/>
+              </a:p>
+            </p:txBody>
+          </p:sp>
+        </mc:Choice>
+        <mc:Fallback xmlns="">
+          <p:sp>
+            <p:nvSpPr>
+              <p:cNvPr id="2" name="TextBox 1">
+                <a:extLst>
+                  <a:ext uri="{FF2B5EF4-FFF2-40B4-BE49-F238E27FC236}">
+                    <a16:creationId xmlns:a16="http://schemas.microsoft.com/office/drawing/2014/main" id="{904D58BF-7F3C-5808-1A5B-813A06B8431F}"/>
+                  </a:ext>
+                </a:extLst>
+              </p:cNvPr>
+              <p:cNvSpPr txBox="1">
+                <a:spLocks noRot="1" noChangeAspect="1" noMove="1" noResize="1" noEditPoints="1" noAdjustHandles="1" noChangeArrowheads="1" noChangeShapeType="1" noTextEdit="1"/>
+              </p:cNvSpPr>
+              <p:nvPr/>
+            </p:nvSpPr>
+            <p:spPr>
+              <a:xfrm>
+                <a:off x="7793902" y="1840049"/>
+                <a:ext cx="1524905" cy="957891"/>
+              </a:xfrm>
+              <a:prstGeom prst="rect">
+                <a:avLst/>
+              </a:prstGeom>
+              <a:blipFill>
+                <a:blip r:embed="rId7"/>
+                <a:stretch>
+                  <a:fillRect l="-3306" r="-1653"/>
+                </a:stretch>
+              </a:blipFill>
+            </p:spPr>
+            <p:txBody>
+              <a:bodyPr/>
+              <a:lstStyle/>
+              <a:p>
+                <a:r>
+                  <a:rPr lang="en-GB">
+                    <a:noFill/>
+                  </a:rPr>
+                  <a:t> </a:t>
+                </a:r>
+              </a:p>
+            </p:txBody>
+          </p:sp>
+        </mc:Fallback>
+      </mc:AlternateContent>
+      <mc:AlternateContent xmlns:mc="http://schemas.openxmlformats.org/markup-compatibility/2006" xmlns:a14="http://schemas.microsoft.com/office/drawing/2010/main">
+        <mc:Choice Requires="a14">
+          <p:sp>
+            <p:nvSpPr>
+              <p:cNvPr id="17" name="TextBox 16">
+                <a:extLst>
+                  <a:ext uri="{FF2B5EF4-FFF2-40B4-BE49-F238E27FC236}">
+                    <a16:creationId xmlns:a16="http://schemas.microsoft.com/office/drawing/2014/main" id="{B0A0C66C-C045-C026-3ED4-F363CBA9920B}"/>
+                  </a:ext>
+                </a:extLst>
+              </p:cNvPr>
+              <p:cNvSpPr txBox="1"/>
+              <p:nvPr/>
+            </p:nvSpPr>
+            <p:spPr>
+              <a:xfrm>
+                <a:off x="4054883" y="4477036"/>
+                <a:ext cx="1584216" cy="957891"/>
+              </a:xfrm>
+              <a:prstGeom prst="rect">
+                <a:avLst/>
+              </a:prstGeom>
+              <a:noFill/>
+            </p:spPr>
+            <p:txBody>
+              <a:bodyPr wrap="none" rtlCol="0">
+                <a:spAutoFit/>
+              </a:bodyPr>
+              <a:lstStyle/>
+              <a:p>
+                <a:pPr/>
+                <a14:m>
+                  <m:oMathPara xmlns:m="http://schemas.openxmlformats.org/officeDocument/2006/math">
+                    <m:oMathParaPr>
+                      <m:jc m:val="centerGroup"/>
+                    </m:oMathParaPr>
+                    <m:oMath xmlns:m="http://schemas.openxmlformats.org/officeDocument/2006/math">
+                      <m:sSup>
+                        <m:sSupPr>
+                          <m:ctrlPr>
+                            <a:rPr lang="en-GB" sz="5400" i="1" smtClean="0">
+                              <a:latin typeface="Cambria Math" panose="02040503050406030204" pitchFamily="18" charset="0"/>
+                            </a:rPr>
+                          </m:ctrlPr>
+                        </m:sSupPr>
+                        <m:e>
+                          <m:r>
+                            <a:rPr lang="en-GB" sz="5400" i="1" smtClean="0">
+                              <a:latin typeface="Cambria Math" panose="02040503050406030204" pitchFamily="18" charset="0"/>
+                              <a:ea typeface="Cambria Math" panose="02040503050406030204" pitchFamily="18" charset="0"/>
+                            </a:rPr>
+                            <m:t>𝒟</m:t>
+                          </m:r>
+                        </m:e>
+                        <m:sup>
+                          <m:r>
+                            <a:rPr lang="de-DE" sz="5400" b="0" i="1" smtClean="0">
+                              <a:latin typeface="Cambria Math" panose="02040503050406030204" pitchFamily="18" charset="0"/>
+                            </a:rPr>
+                            <m:t>(</m:t>
+                          </m:r>
+                          <m:r>
+                            <a:rPr lang="de-DE" sz="5400" b="0" i="1" smtClean="0">
+                              <a:latin typeface="Cambria Math" panose="02040503050406030204" pitchFamily="18" charset="0"/>
+                            </a:rPr>
+                            <m:t>𝑗</m:t>
+                          </m:r>
+                          <m:r>
+                            <a:rPr lang="de-DE" sz="5400" b="0" i="1" smtClean="0">
+                              <a:latin typeface="Cambria Math" panose="02040503050406030204" pitchFamily="18" charset="0"/>
+                            </a:rPr>
+                            <m:t>)</m:t>
+                          </m:r>
+                        </m:sup>
+                      </m:sSup>
+                    </m:oMath>
+                  </m:oMathPara>
+                </a14:m>
+                <a:endParaRPr lang="en-GB" sz="5400" dirty="0"/>
+              </a:p>
+            </p:txBody>
+          </p:sp>
+        </mc:Choice>
+        <mc:Fallback xmlns="">
+          <p:sp>
+            <p:nvSpPr>
+              <p:cNvPr id="17" name="TextBox 16">
+                <a:extLst>
+                  <a:ext uri="{FF2B5EF4-FFF2-40B4-BE49-F238E27FC236}">
+                    <a16:creationId xmlns:a16="http://schemas.microsoft.com/office/drawing/2014/main" id="{B0A0C66C-C045-C026-3ED4-F363CBA9920B}"/>
+                  </a:ext>
+                </a:extLst>
+              </p:cNvPr>
+              <p:cNvSpPr txBox="1">
+                <a:spLocks noRot="1" noChangeAspect="1" noMove="1" noResize="1" noEditPoints="1" noAdjustHandles="1" noChangeArrowheads="1" noChangeShapeType="1" noTextEdit="1"/>
+              </p:cNvSpPr>
+              <p:nvPr/>
+            </p:nvSpPr>
+            <p:spPr>
+              <a:xfrm>
+                <a:off x="4054883" y="4477036"/>
+                <a:ext cx="1584216" cy="957891"/>
+              </a:xfrm>
+              <a:prstGeom prst="rect">
+                <a:avLst/>
+              </a:prstGeom>
+              <a:blipFill>
+                <a:blip r:embed="rId8"/>
+                <a:stretch>
+                  <a:fillRect l="-3968" r="-794"/>
+                </a:stretch>
+              </a:blipFill>
+            </p:spPr>
+            <p:txBody>
+              <a:bodyPr/>
+              <a:lstStyle/>
+              <a:p>
+                <a:r>
+                  <a:rPr lang="en-GB">
+                    <a:noFill/>
+                  </a:rPr>
+                  <a:t> </a:t>
+                </a:r>
+              </a:p>
+            </p:txBody>
+          </p:sp>
+        </mc:Fallback>
+      </mc:AlternateContent>
     </p:spTree>
     <p:extLst>
       <p:ext uri="{BB962C8B-B14F-4D97-AF65-F5344CB8AC3E}">
@@ -29961,36 +28679,6 @@
           </a:p>
         </p:txBody>
       </p:sp>
-      <p:pic>
-        <p:nvPicPr>
-          <p:cNvPr id="23" name="Picture 22">
-            <a:extLst>
-              <a:ext uri="{FF2B5EF4-FFF2-40B4-BE49-F238E27FC236}">
-                <a16:creationId xmlns:a16="http://schemas.microsoft.com/office/drawing/2014/main" id="{B6FDB135-85D6-7C45-8A3E-77C721156C20}"/>
-              </a:ext>
-            </a:extLst>
-          </p:cNvPr>
-          <p:cNvPicPr>
-            <a:picLocks noChangeAspect="1"/>
-          </p:cNvPicPr>
-          <p:nvPr/>
-        </p:nvPicPr>
-        <p:blipFill>
-          <a:blip r:embed="rId3"/>
-          <a:stretch>
-            <a:fillRect/>
-          </a:stretch>
-        </p:blipFill>
-        <p:spPr>
-          <a:xfrm>
-            <a:off x="4715854" y="1606393"/>
-            <a:ext cx="1234285" cy="720000"/>
-          </a:xfrm>
-          <a:prstGeom prst="rect">
-            <a:avLst/>
-          </a:prstGeom>
-        </p:spPr>
-      </p:pic>
       <p:sp>
         <p:nvSpPr>
           <p:cNvPr id="20" name="TextBox 19">
@@ -30038,36 +28726,6 @@
           </a:p>
         </p:txBody>
       </p:sp>
-      <p:pic>
-        <p:nvPicPr>
-          <p:cNvPr id="24" name="Picture 23">
-            <a:extLst>
-              <a:ext uri="{FF2B5EF4-FFF2-40B4-BE49-F238E27FC236}">
-                <a16:creationId xmlns:a16="http://schemas.microsoft.com/office/drawing/2014/main" id="{0E5691F9-BD84-4F47-BCE9-D4C845CBBDD8}"/>
-              </a:ext>
-            </a:extLst>
-          </p:cNvPr>
-          <p:cNvPicPr>
-            <a:picLocks noChangeAspect="1"/>
-          </p:cNvPicPr>
-          <p:nvPr/>
-        </p:nvPicPr>
-        <p:blipFill>
-          <a:blip r:embed="rId4"/>
-          <a:stretch>
-            <a:fillRect/>
-          </a:stretch>
-        </p:blipFill>
-        <p:spPr>
-          <a:xfrm>
-            <a:off x="4067854" y="4972363"/>
-            <a:ext cx="1296000" cy="720000"/>
-          </a:xfrm>
-          <a:prstGeom prst="rect">
-            <a:avLst/>
-          </a:prstGeom>
-        </p:spPr>
-      </p:pic>
       <p:sp>
         <p:nvSpPr>
           <p:cNvPr id="11" name="Date Placeholder 10">
@@ -30091,12 +28749,268 @@
           <a:p>
             <a:fld id="{B5E04F5F-DC5B-4F45-AAAA-16A1C874EAF2}" type="datetime1">
               <a:rPr lang="en-US" smtClean="0"/>
-              <a:t>3/19/23</a:t>
+              <a:t>3/20/23</a:t>
             </a:fld>
             <a:endParaRPr lang="en-US"/>
           </a:p>
         </p:txBody>
       </p:sp>
+      <mc:AlternateContent xmlns:mc="http://schemas.openxmlformats.org/markup-compatibility/2006" xmlns:a14="http://schemas.microsoft.com/office/drawing/2010/main">
+        <mc:Choice Requires="a14">
+          <p:sp>
+            <p:nvSpPr>
+              <p:cNvPr id="5" name="TextBox 4">
+                <a:extLst>
+                  <a:ext uri="{FF2B5EF4-FFF2-40B4-BE49-F238E27FC236}">
+                    <a16:creationId xmlns:a16="http://schemas.microsoft.com/office/drawing/2014/main" id="{32D68EBE-B0D6-F36A-8DBA-FBAC760B4B6E}"/>
+                  </a:ext>
+                </a:extLst>
+              </p:cNvPr>
+              <p:cNvSpPr txBox="1"/>
+              <p:nvPr/>
+            </p:nvSpPr>
+            <p:spPr>
+              <a:xfrm>
+                <a:off x="4728849" y="1755226"/>
+                <a:ext cx="1524905" cy="957891"/>
+              </a:xfrm>
+              <a:prstGeom prst="rect">
+                <a:avLst/>
+              </a:prstGeom>
+              <a:noFill/>
+            </p:spPr>
+            <p:txBody>
+              <a:bodyPr wrap="none" rtlCol="0">
+                <a:spAutoFit/>
+              </a:bodyPr>
+              <a:lstStyle/>
+              <a:p>
+                <a:pPr/>
+                <a14:m>
+                  <m:oMathPara xmlns:m="http://schemas.openxmlformats.org/officeDocument/2006/math">
+                    <m:oMathParaPr>
+                      <m:jc m:val="centerGroup"/>
+                    </m:oMathParaPr>
+                    <m:oMath xmlns:m="http://schemas.openxmlformats.org/officeDocument/2006/math">
+                      <m:sSup>
+                        <m:sSupPr>
+                          <m:ctrlPr>
+                            <a:rPr lang="en-GB" sz="5400" i="1" smtClean="0">
+                              <a:latin typeface="Cambria Math" panose="02040503050406030204" pitchFamily="18" charset="0"/>
+                            </a:rPr>
+                          </m:ctrlPr>
+                        </m:sSupPr>
+                        <m:e>
+                          <m:r>
+                            <a:rPr lang="en-GB" sz="5400" i="1" smtClean="0">
+                              <a:latin typeface="Cambria Math" panose="02040503050406030204" pitchFamily="18" charset="0"/>
+                              <a:ea typeface="Cambria Math" panose="02040503050406030204" pitchFamily="18" charset="0"/>
+                            </a:rPr>
+                            <m:t>𝒟</m:t>
+                          </m:r>
+                        </m:e>
+                        <m:sup>
+                          <m:r>
+                            <a:rPr lang="de-DE" sz="5400" b="0" i="1" smtClean="0">
+                              <a:latin typeface="Cambria Math" panose="02040503050406030204" pitchFamily="18" charset="0"/>
+                            </a:rPr>
+                            <m:t>(</m:t>
+                          </m:r>
+                          <m:r>
+                            <a:rPr lang="de-DE" sz="5400" b="0" i="1" smtClean="0">
+                              <a:latin typeface="Cambria Math" panose="02040503050406030204" pitchFamily="18" charset="0"/>
+                            </a:rPr>
+                            <m:t>𝑖</m:t>
+                          </m:r>
+                          <m:r>
+                            <a:rPr lang="de-DE" sz="5400" b="0" i="1" smtClean="0">
+                              <a:latin typeface="Cambria Math" panose="02040503050406030204" pitchFamily="18" charset="0"/>
+                            </a:rPr>
+                            <m:t>)</m:t>
+                          </m:r>
+                        </m:sup>
+                      </m:sSup>
+                    </m:oMath>
+                  </m:oMathPara>
+                </a14:m>
+                <a:endParaRPr lang="en-GB" sz="5400" dirty="0"/>
+              </a:p>
+            </p:txBody>
+          </p:sp>
+        </mc:Choice>
+        <mc:Fallback xmlns="">
+          <p:sp>
+            <p:nvSpPr>
+              <p:cNvPr id="5" name="TextBox 4">
+                <a:extLst>
+                  <a:ext uri="{FF2B5EF4-FFF2-40B4-BE49-F238E27FC236}">
+                    <a16:creationId xmlns:a16="http://schemas.microsoft.com/office/drawing/2014/main" id="{32D68EBE-B0D6-F36A-8DBA-FBAC760B4B6E}"/>
+                  </a:ext>
+                </a:extLst>
+              </p:cNvPr>
+              <p:cNvSpPr txBox="1">
+                <a:spLocks noRot="1" noChangeAspect="1" noMove="1" noResize="1" noEditPoints="1" noAdjustHandles="1" noChangeArrowheads="1" noChangeShapeType="1" noTextEdit="1"/>
+              </p:cNvSpPr>
+              <p:nvPr/>
+            </p:nvSpPr>
+            <p:spPr>
+              <a:xfrm>
+                <a:off x="4728849" y="1755226"/>
+                <a:ext cx="1524905" cy="957891"/>
+              </a:xfrm>
+              <a:prstGeom prst="rect">
+                <a:avLst/>
+              </a:prstGeom>
+              <a:blipFill>
+                <a:blip r:embed="rId3"/>
+                <a:stretch>
+                  <a:fillRect l="-3306" r="-1653" b="-1316"/>
+                </a:stretch>
+              </a:blipFill>
+            </p:spPr>
+            <p:txBody>
+              <a:bodyPr/>
+              <a:lstStyle/>
+              <a:p>
+                <a:r>
+                  <a:rPr lang="en-GB">
+                    <a:noFill/>
+                  </a:rPr>
+                  <a:t> </a:t>
+                </a:r>
+              </a:p>
+            </p:txBody>
+          </p:sp>
+        </mc:Fallback>
+      </mc:AlternateContent>
+      <mc:AlternateContent xmlns:mc="http://schemas.openxmlformats.org/markup-compatibility/2006" xmlns:a14="http://schemas.microsoft.com/office/drawing/2010/main">
+        <mc:Choice Requires="a14">
+          <p:sp>
+            <p:nvSpPr>
+              <p:cNvPr id="17" name="TextBox 16">
+                <a:extLst>
+                  <a:ext uri="{FF2B5EF4-FFF2-40B4-BE49-F238E27FC236}">
+                    <a16:creationId xmlns:a16="http://schemas.microsoft.com/office/drawing/2014/main" id="{A4EDCD59-B051-C22D-B93D-FD2090EDCF33}"/>
+                  </a:ext>
+                </a:extLst>
+              </p:cNvPr>
+              <p:cNvSpPr txBox="1"/>
+              <p:nvPr/>
+            </p:nvSpPr>
+            <p:spPr>
+              <a:xfrm>
+                <a:off x="4071307" y="4755447"/>
+                <a:ext cx="1584216" cy="957891"/>
+              </a:xfrm>
+              <a:prstGeom prst="rect">
+                <a:avLst/>
+              </a:prstGeom>
+              <a:noFill/>
+            </p:spPr>
+            <p:txBody>
+              <a:bodyPr wrap="none" rtlCol="0">
+                <a:spAutoFit/>
+              </a:bodyPr>
+              <a:lstStyle/>
+              <a:p>
+                <a:pPr/>
+                <a14:m>
+                  <m:oMathPara xmlns:m="http://schemas.openxmlformats.org/officeDocument/2006/math">
+                    <m:oMathParaPr>
+                      <m:jc m:val="centerGroup"/>
+                    </m:oMathParaPr>
+                    <m:oMath xmlns:m="http://schemas.openxmlformats.org/officeDocument/2006/math">
+                      <m:sSup>
+                        <m:sSupPr>
+                          <m:ctrlPr>
+                            <a:rPr lang="en-GB" sz="5400" i="1" smtClean="0">
+                              <a:latin typeface="Cambria Math" panose="02040503050406030204" pitchFamily="18" charset="0"/>
+                            </a:rPr>
+                          </m:ctrlPr>
+                        </m:sSupPr>
+                        <m:e>
+                          <m:r>
+                            <a:rPr lang="en-GB" sz="5400" i="1" smtClean="0">
+                              <a:latin typeface="Cambria Math" panose="02040503050406030204" pitchFamily="18" charset="0"/>
+                              <a:ea typeface="Cambria Math" panose="02040503050406030204" pitchFamily="18" charset="0"/>
+                            </a:rPr>
+                            <m:t>𝒟</m:t>
+                          </m:r>
+                        </m:e>
+                        <m:sup>
+                          <m:r>
+                            <a:rPr lang="de-DE" sz="5400" b="0" i="1" smtClean="0">
+                              <a:latin typeface="Cambria Math" panose="02040503050406030204" pitchFamily="18" charset="0"/>
+                            </a:rPr>
+                            <m:t>(</m:t>
+                          </m:r>
+                          <m:r>
+                            <a:rPr lang="de-DE" sz="5400" b="0" i="1" smtClean="0">
+                              <a:latin typeface="Cambria Math" panose="02040503050406030204" pitchFamily="18" charset="0"/>
+                            </a:rPr>
+                            <m:t>𝑗</m:t>
+                          </m:r>
+                          <m:r>
+                            <a:rPr lang="de-DE" sz="5400" b="0" i="1" smtClean="0">
+                              <a:latin typeface="Cambria Math" panose="02040503050406030204" pitchFamily="18" charset="0"/>
+                            </a:rPr>
+                            <m:t>)</m:t>
+                          </m:r>
+                        </m:sup>
+                      </m:sSup>
+                    </m:oMath>
+                  </m:oMathPara>
+                </a14:m>
+                <a:endParaRPr lang="en-GB" sz="5400" dirty="0"/>
+              </a:p>
+            </p:txBody>
+          </p:sp>
+        </mc:Choice>
+        <mc:Fallback xmlns="">
+          <p:sp>
+            <p:nvSpPr>
+              <p:cNvPr id="17" name="TextBox 16">
+                <a:extLst>
+                  <a:ext uri="{FF2B5EF4-FFF2-40B4-BE49-F238E27FC236}">
+                    <a16:creationId xmlns:a16="http://schemas.microsoft.com/office/drawing/2014/main" id="{A4EDCD59-B051-C22D-B93D-FD2090EDCF33}"/>
+                  </a:ext>
+                </a:extLst>
+              </p:cNvPr>
+              <p:cNvSpPr txBox="1">
+                <a:spLocks noRot="1" noChangeAspect="1" noMove="1" noResize="1" noEditPoints="1" noAdjustHandles="1" noChangeArrowheads="1" noChangeShapeType="1" noTextEdit="1"/>
+              </p:cNvSpPr>
+              <p:nvPr/>
+            </p:nvSpPr>
+            <p:spPr>
+              <a:xfrm>
+                <a:off x="4071307" y="4755447"/>
+                <a:ext cx="1584216" cy="957891"/>
+              </a:xfrm>
+              <a:prstGeom prst="rect">
+                <a:avLst/>
+              </a:prstGeom>
+              <a:blipFill>
+                <a:blip r:embed="rId4"/>
+                <a:stretch>
+                  <a:fillRect l="-3175" r="-1587" b="-1316"/>
+                </a:stretch>
+              </a:blipFill>
+            </p:spPr>
+            <p:txBody>
+              <a:bodyPr/>
+              <a:lstStyle/>
+              <a:p>
+                <a:r>
+                  <a:rPr lang="en-GB">
+                    <a:noFill/>
+                  </a:rPr>
+                  <a:t> </a:t>
+                </a:r>
+              </a:p>
+            </p:txBody>
+          </p:sp>
+        </mc:Fallback>
+      </mc:AlternateContent>
     </p:spTree>
     <p:extLst>
       <p:ext uri="{BB962C8B-B14F-4D97-AF65-F5344CB8AC3E}">
@@ -30142,7 +29056,7 @@
         <p:spPr>
           <a:xfrm>
             <a:off x="67220" y="109923"/>
-            <a:ext cx="12141016" cy="1200329"/>
+            <a:ext cx="8796639" cy="1107996"/>
           </a:xfrm>
           <a:prstGeom prst="rect">
             <a:avLst/>
@@ -30156,8 +29070,8 @@
           <a:lstStyle/>
           <a:p>
             <a:r>
-              <a:rPr lang="en-US" sz="7200" b="1" dirty="0"/>
-              <a:t>Networked Parametric Models.</a:t>
+              <a:rPr lang="en-US" sz="6600" b="1" dirty="0"/>
+              <a:t>Local Parametric Models</a:t>
             </a:r>
           </a:p>
         </p:txBody>
@@ -30778,36 +29692,6 @@
           </a:prstGeom>
         </p:spPr>
       </p:pic>
-      <p:pic>
-        <p:nvPicPr>
-          <p:cNvPr id="23" name="Picture 22">
-            <a:extLst>
-              <a:ext uri="{FF2B5EF4-FFF2-40B4-BE49-F238E27FC236}">
-                <a16:creationId xmlns:a16="http://schemas.microsoft.com/office/drawing/2014/main" id="{B6FDB135-85D6-7C45-8A3E-77C721156C20}"/>
-              </a:ext>
-            </a:extLst>
-          </p:cNvPr>
-          <p:cNvPicPr>
-            <a:picLocks noChangeAspect="1"/>
-          </p:cNvPicPr>
-          <p:nvPr/>
-        </p:nvPicPr>
-        <p:blipFill>
-          <a:blip r:embed="rId5"/>
-          <a:stretch>
-            <a:fillRect/>
-          </a:stretch>
-        </p:blipFill>
-        <p:spPr>
-          <a:xfrm>
-            <a:off x="4479048" y="1627200"/>
-            <a:ext cx="1234285" cy="720000"/>
-          </a:xfrm>
-          <a:prstGeom prst="rect">
-            <a:avLst/>
-          </a:prstGeom>
-        </p:spPr>
-      </p:pic>
       <p:sp>
         <p:nvSpPr>
           <p:cNvPr id="18" name="Date Placeholder 17">
@@ -30831,12 +29715,140 @@
           <a:p>
             <a:fld id="{67B7D4C6-A119-9247-819E-00C9B6F92E32}" type="datetime1">
               <a:rPr lang="en-US" smtClean="0"/>
-              <a:t>3/19/23</a:t>
+              <a:t>3/20/23</a:t>
             </a:fld>
             <a:endParaRPr lang="en-US"/>
           </a:p>
         </p:txBody>
       </p:sp>
+      <mc:AlternateContent xmlns:mc="http://schemas.openxmlformats.org/markup-compatibility/2006" xmlns:a14="http://schemas.microsoft.com/office/drawing/2010/main">
+        <mc:Choice Requires="a14">
+          <p:sp>
+            <p:nvSpPr>
+              <p:cNvPr id="17" name="TextBox 16">
+                <a:extLst>
+                  <a:ext uri="{FF2B5EF4-FFF2-40B4-BE49-F238E27FC236}">
+                    <a16:creationId xmlns:a16="http://schemas.microsoft.com/office/drawing/2014/main" id="{7B9823EE-5806-C713-9BD6-9775938C3E0F}"/>
+                  </a:ext>
+                </a:extLst>
+              </p:cNvPr>
+              <p:cNvSpPr txBox="1"/>
+              <p:nvPr/>
+            </p:nvSpPr>
+            <p:spPr>
+              <a:xfrm>
+                <a:off x="4368802" y="1502597"/>
+                <a:ext cx="1524905" cy="957891"/>
+              </a:xfrm>
+              <a:prstGeom prst="rect">
+                <a:avLst/>
+              </a:prstGeom>
+              <a:noFill/>
+            </p:spPr>
+            <p:txBody>
+              <a:bodyPr wrap="none" rtlCol="0">
+                <a:spAutoFit/>
+              </a:bodyPr>
+              <a:lstStyle/>
+              <a:p>
+                <a:pPr/>
+                <a14:m>
+                  <m:oMathPara xmlns:m="http://schemas.openxmlformats.org/officeDocument/2006/math">
+                    <m:oMathParaPr>
+                      <m:jc m:val="centerGroup"/>
+                    </m:oMathParaPr>
+                    <m:oMath xmlns:m="http://schemas.openxmlformats.org/officeDocument/2006/math">
+                      <m:sSup>
+                        <m:sSupPr>
+                          <m:ctrlPr>
+                            <a:rPr lang="en-GB" sz="5400" i="1" smtClean="0">
+                              <a:latin typeface="Cambria Math" panose="02040503050406030204" pitchFamily="18" charset="0"/>
+                            </a:rPr>
+                          </m:ctrlPr>
+                        </m:sSupPr>
+                        <m:e>
+                          <m:r>
+                            <a:rPr lang="en-GB" sz="5400" i="1" smtClean="0">
+                              <a:latin typeface="Cambria Math" panose="02040503050406030204" pitchFamily="18" charset="0"/>
+                              <a:ea typeface="Cambria Math" panose="02040503050406030204" pitchFamily="18" charset="0"/>
+                            </a:rPr>
+                            <m:t>𝒟</m:t>
+                          </m:r>
+                        </m:e>
+                        <m:sup>
+                          <m:r>
+                            <a:rPr lang="de-DE" sz="5400" b="0" i="1" smtClean="0">
+                              <a:latin typeface="Cambria Math" panose="02040503050406030204" pitchFamily="18" charset="0"/>
+                            </a:rPr>
+                            <m:t>(</m:t>
+                          </m:r>
+                          <m:r>
+                            <a:rPr lang="de-DE" sz="5400" b="0" i="1" smtClean="0">
+                              <a:latin typeface="Cambria Math" panose="02040503050406030204" pitchFamily="18" charset="0"/>
+                            </a:rPr>
+                            <m:t>𝑖</m:t>
+                          </m:r>
+                          <m:r>
+                            <a:rPr lang="de-DE" sz="5400" b="0" i="1" smtClean="0">
+                              <a:latin typeface="Cambria Math" panose="02040503050406030204" pitchFamily="18" charset="0"/>
+                            </a:rPr>
+                            <m:t>)</m:t>
+                          </m:r>
+                        </m:sup>
+                      </m:sSup>
+                    </m:oMath>
+                  </m:oMathPara>
+                </a14:m>
+                <a:endParaRPr lang="en-GB" sz="5400" dirty="0"/>
+              </a:p>
+            </p:txBody>
+          </p:sp>
+        </mc:Choice>
+        <mc:Fallback xmlns="">
+          <p:sp>
+            <p:nvSpPr>
+              <p:cNvPr id="17" name="TextBox 16">
+                <a:extLst>
+                  <a:ext uri="{FF2B5EF4-FFF2-40B4-BE49-F238E27FC236}">
+                    <a16:creationId xmlns:a16="http://schemas.microsoft.com/office/drawing/2014/main" id="{7B9823EE-5806-C713-9BD6-9775938C3E0F}"/>
+                  </a:ext>
+                </a:extLst>
+              </p:cNvPr>
+              <p:cNvSpPr txBox="1">
+                <a:spLocks noRot="1" noChangeAspect="1" noMove="1" noResize="1" noEditPoints="1" noAdjustHandles="1" noChangeArrowheads="1" noChangeShapeType="1" noTextEdit="1"/>
+              </p:cNvSpPr>
+              <p:nvPr/>
+            </p:nvSpPr>
+            <p:spPr>
+              <a:xfrm>
+                <a:off x="4368802" y="1502597"/>
+                <a:ext cx="1524905" cy="957891"/>
+              </a:xfrm>
+              <a:prstGeom prst="rect">
+                <a:avLst/>
+              </a:prstGeom>
+              <a:blipFill>
+                <a:blip r:embed="rId5"/>
+                <a:stretch>
+                  <a:fillRect l="-4132" r="-1653"/>
+                </a:stretch>
+              </a:blipFill>
+            </p:spPr>
+            <p:txBody>
+              <a:bodyPr/>
+              <a:lstStyle/>
+              <a:p>
+                <a:r>
+                  <a:rPr lang="en-GB">
+                    <a:noFill/>
+                  </a:rPr>
+                  <a:t> </a:t>
+                </a:r>
+              </a:p>
+            </p:txBody>
+          </p:sp>
+        </mc:Fallback>
+      </mc:AlternateContent>
     </p:spTree>
     <p:extLst>
       <p:ext uri="{BB962C8B-B14F-4D97-AF65-F5344CB8AC3E}">
@@ -30890,7 +29902,7 @@
           <a:p>
             <a:fld id="{09C2894A-47FF-4D4A-84EA-3327DF49E5B5}" type="datetime1">
               <a:rPr lang="en-US" smtClean="0"/>
-              <a:t>3/19/23</a:t>
+              <a:t>3/20/23</a:t>
             </a:fld>
             <a:endParaRPr lang="en-GB"/>
           </a:p>
@@ -30940,7 +29952,7 @@
         <p:spPr>
           <a:xfrm>
             <a:off x="596344" y="128429"/>
-            <a:ext cx="9750554" cy="1323439"/>
+            <a:ext cx="8080354" cy="1107996"/>
           </a:xfrm>
           <a:prstGeom prst="rect">
             <a:avLst/>
@@ -30954,7 +29966,7 @@
           <a:lstStyle/>
           <a:p>
             <a:r>
-              <a:rPr lang="en-GB" sz="8000" b="1" dirty="0"/>
+              <a:rPr lang="en-GB" sz="6600" b="1" dirty="0"/>
               <a:t>Clustering Assumption</a:t>
             </a:r>
           </a:p>
@@ -31068,7 +30080,7 @@
           <a:p>
             <a:r>
               <a:rPr lang="en-GB" sz="4000" dirty="0"/>
-              <a:t>high edge density inside clusters </a:t>
+              <a:t>more edges inside clusters </a:t>
             </a:r>
           </a:p>
         </p:txBody>
@@ -31261,8 +30273,8 @@
         </p:nvCxnSpPr>
         <p:spPr>
           <a:xfrm flipV="1">
-            <a:off x="2188367" y="2395203"/>
-            <a:ext cx="576497" cy="1748540"/>
+            <a:off x="1762526" y="2395203"/>
+            <a:ext cx="1002338" cy="996178"/>
           </a:xfrm>
           <a:prstGeom prst="line">
             <a:avLst/>
@@ -31334,7 +30346,7 @@
         <p:spPr>
           <a:xfrm>
             <a:off x="4516279" y="1895235"/>
-            <a:ext cx="7052926" cy="1569660"/>
+            <a:ext cx="7052926" cy="1077218"/>
           </a:xfrm>
           <a:prstGeom prst="rect">
             <a:avLst/>
@@ -31351,9 +30363,6 @@
               <a:rPr lang="en-GB" sz="3200" dirty="0"/>
               <a:t>require similar params at ends of edge e</a:t>
             </a:r>
-          </a:p>
-          <a:p>
-            <a:endParaRPr lang="en-GB" sz="3200" dirty="0"/>
           </a:p>
           <a:p>
             <a:r>
@@ -31379,7 +30388,7 @@
             </p:nvSpPr>
             <p:spPr>
               <a:xfrm>
-                <a:off x="4935169" y="3509283"/>
+                <a:off x="4979055" y="3338847"/>
                 <a:ext cx="3186963" cy="555858"/>
               </a:xfrm>
               <a:prstGeom prst="rect">
@@ -31554,7 +30563,7 @@
             </p:nvSpPr>
             <p:spPr>
               <a:xfrm>
-                <a:off x="4935169" y="3509283"/>
+                <a:off x="4979055" y="3338847"/>
                 <a:ext cx="3186963" cy="555858"/>
               </a:xfrm>
               <a:prstGeom prst="rect">
@@ -31563,7 +30572,7 @@
               <a:blipFill>
                 <a:blip r:embed="rId3"/>
                 <a:stretch>
-                  <a:fillRect l="-3968" t="-2222" b="-24444"/>
+                  <a:fillRect l="-3968" t="-4545" b="-25000"/>
                 </a:stretch>
               </a:blipFill>
             </p:spPr>
@@ -31596,7 +30605,7 @@
         </p:nvCxnSpPr>
         <p:spPr>
           <a:xfrm flipV="1">
-            <a:off x="5831541" y="4143743"/>
+            <a:off x="6490759" y="4157227"/>
             <a:ext cx="0" cy="2199123"/>
           </a:xfrm>
           <a:prstGeom prst="straightConnector1">
@@ -31676,7 +30685,7 @@
         </p:nvSpPr>
         <p:spPr>
           <a:xfrm>
-            <a:off x="4277091" y="3853464"/>
+            <a:off x="4816918" y="3376008"/>
             <a:ext cx="4191000" cy="1645182"/>
           </a:xfrm>
           <a:custGeom>
@@ -31934,7 +30943,7 @@
         </p:nvSpPr>
         <p:spPr>
           <a:xfrm>
-            <a:off x="1867866" y="3800843"/>
+            <a:off x="1210414" y="3048481"/>
             <a:ext cx="762000" cy="685800"/>
           </a:xfrm>
           <a:prstGeom prst="ellipse">
@@ -31980,7 +30989,7 @@
         </p:nvSpPr>
         <p:spPr>
           <a:xfrm>
-            <a:off x="9020896" y="2818564"/>
+            <a:off x="9007918" y="2394784"/>
             <a:ext cx="2223879" cy="646331"/>
           </a:xfrm>
           <a:prstGeom prst="rect">
@@ -32021,7 +31030,7 @@
             </p:nvSpPr>
             <p:spPr>
               <a:xfrm>
-                <a:off x="3531650" y="1337384"/>
+                <a:off x="3161061" y="1763029"/>
                 <a:ext cx="984629" cy="605294"/>
               </a:xfrm>
               <a:prstGeom prst="rect">
@@ -32104,7 +31113,7 @@
             </p:nvSpPr>
             <p:spPr>
               <a:xfrm>
-                <a:off x="3531650" y="1337384"/>
+                <a:off x="3161061" y="1763029"/>
                 <a:ext cx="984629" cy="605294"/>
               </a:xfrm>
               <a:prstGeom prst="rect">
@@ -32148,7 +31157,7 @@
             </p:nvSpPr>
             <p:spPr>
               <a:xfrm>
-                <a:off x="2104020" y="4575246"/>
+                <a:off x="1817517" y="3573116"/>
                 <a:ext cx="1019895" cy="605294"/>
               </a:xfrm>
               <a:prstGeom prst="rect">
@@ -32231,7 +31240,7 @@
             </p:nvSpPr>
             <p:spPr>
               <a:xfrm>
-                <a:off x="2104020" y="4575246"/>
+                <a:off x="1817517" y="3573116"/>
                 <a:ext cx="1019895" cy="605294"/>
               </a:xfrm>
               <a:prstGeom prst="rect">
@@ -32415,12 +31424,248 @@
           <a:p>
             <a:fld id="{9BD8BACF-B135-5C40-98DF-D9054633B25C}" type="datetime1">
               <a:rPr lang="en-US" smtClean="0"/>
-              <a:t>3/19/23</a:t>
+              <a:t>3/20/23</a:t>
             </a:fld>
             <a:endParaRPr lang="en-US"/>
           </a:p>
         </p:txBody>
       </p:sp>
+      <mc:AlternateContent xmlns:mc="http://schemas.openxmlformats.org/markup-compatibility/2006" xmlns:a14="http://schemas.microsoft.com/office/drawing/2010/main">
+        <mc:Choice Requires="a14">
+          <p:sp>
+            <p:nvSpPr>
+              <p:cNvPr id="5" name="TextBox 4">
+                <a:extLst>
+                  <a:ext uri="{FF2B5EF4-FFF2-40B4-BE49-F238E27FC236}">
+                    <a16:creationId xmlns:a16="http://schemas.microsoft.com/office/drawing/2014/main" id="{F5D8762B-6EC1-DFE9-F631-2BA7D0A20D84}"/>
+                  </a:ext>
+                </a:extLst>
+              </p:cNvPr>
+              <p:cNvSpPr txBox="1"/>
+              <p:nvPr/>
+            </p:nvSpPr>
+            <p:spPr>
+              <a:xfrm>
+                <a:off x="216795" y="4670218"/>
+                <a:ext cx="5879206" cy="1428340"/>
+              </a:xfrm>
+              <a:prstGeom prst="rect">
+                <a:avLst/>
+              </a:prstGeom>
+              <a:noFill/>
+            </p:spPr>
+            <p:txBody>
+              <a:bodyPr wrap="square" rtlCol="0">
+                <a:spAutoFit/>
+              </a:bodyPr>
+              <a:lstStyle/>
+              <a:p>
+                <a14:m>
+                  <m:oMath xmlns:m="http://schemas.openxmlformats.org/officeDocument/2006/math">
+                    <m:sSup>
+                      <m:sSupPr>
+                        <m:ctrlPr>
+                          <a:rPr lang="en-GB" sz="4000" i="1" smtClean="0">
+                            <a:latin typeface="Cambria Math" panose="02040503050406030204" pitchFamily="18" charset="0"/>
+                          </a:rPr>
+                        </m:ctrlPr>
+                      </m:sSupPr>
+                      <m:e>
+                        <m:r>
+                          <a:rPr lang="en-GB" sz="4000" i="1" smtClean="0">
+                            <a:latin typeface="Cambria Math" panose="02040503050406030204" pitchFamily="18" charset="0"/>
+                            <a:ea typeface="Cambria Math" panose="02040503050406030204" pitchFamily="18" charset="0"/>
+                          </a:rPr>
+                          <m:t>𝜙</m:t>
+                        </m:r>
+                      </m:e>
+                      <m:sup>
+                        <m:r>
+                          <a:rPr lang="de-DE" sz="4000" b="0" i="1" smtClean="0">
+                            <a:latin typeface="Cambria Math" panose="02040503050406030204" pitchFamily="18" charset="0"/>
+                          </a:rPr>
+                          <m:t>(</m:t>
+                        </m:r>
+                        <m:r>
+                          <a:rPr lang="de-DE" sz="4000" b="0" i="1" smtClean="0">
+                            <a:latin typeface="Cambria Math" panose="02040503050406030204" pitchFamily="18" charset="0"/>
+                          </a:rPr>
+                          <m:t>𝑒</m:t>
+                        </m:r>
+                        <m:r>
+                          <a:rPr lang="de-DE" sz="4000" b="0" i="1" smtClean="0">
+                            <a:latin typeface="Cambria Math" panose="02040503050406030204" pitchFamily="18" charset="0"/>
+                          </a:rPr>
+                          <m:t>)</m:t>
+                        </m:r>
+                      </m:sup>
+                    </m:sSup>
+                  </m:oMath>
+                </a14:m>
+                <a:r>
+                  <a:rPr lang="en-GB" sz="4000" dirty="0"/>
+                  <a:t> convex and increasing </a:t>
+                </a:r>
+              </a:p>
+              <a:p>
+                <a:r>
+                  <a:rPr lang="en-GB" sz="4000" dirty="0"/>
+                  <a:t>with norm </a:t>
+                </a:r>
+                <a14:m>
+                  <m:oMath xmlns:m="http://schemas.openxmlformats.org/officeDocument/2006/math">
+                    <m:d>
+                      <m:dPr>
+                        <m:begChr m:val="‖"/>
+                        <m:endChr m:val="‖"/>
+                        <m:ctrlPr>
+                          <a:rPr lang="en-GB" sz="4000" i="1" smtClean="0">
+                            <a:latin typeface="Cambria Math" panose="02040503050406030204" pitchFamily="18" charset="0"/>
+                          </a:rPr>
+                        </m:ctrlPr>
+                      </m:dPr>
+                      <m:e>
+                        <m:sSup>
+                          <m:sSupPr>
+                            <m:ctrlPr>
+                              <a:rPr lang="en-GB" sz="4000" i="1">
+                                <a:latin typeface="Cambria Math" panose="02040503050406030204" pitchFamily="18" charset="0"/>
+                              </a:rPr>
+                            </m:ctrlPr>
+                          </m:sSupPr>
+                          <m:e>
+                            <m:r>
+                              <a:rPr lang="de-DE" sz="4000" b="1">
+                                <a:latin typeface="Cambria Math" panose="02040503050406030204" pitchFamily="18" charset="0"/>
+                              </a:rPr>
+                              <m:t>𝐰</m:t>
+                            </m:r>
+                          </m:e>
+                          <m:sup>
+                            <m:r>
+                              <a:rPr lang="de-DE" sz="4000">
+                                <a:latin typeface="Cambria Math" panose="02040503050406030204" pitchFamily="18" charset="0"/>
+                              </a:rPr>
+                              <m:t>(</m:t>
+                            </m:r>
+                            <m:r>
+                              <m:rPr>
+                                <m:sty m:val="p"/>
+                              </m:rPr>
+                              <a:rPr lang="de-DE" sz="4000">
+                                <a:latin typeface="Cambria Math" panose="02040503050406030204" pitchFamily="18" charset="0"/>
+                              </a:rPr>
+                              <m:t>i</m:t>
+                            </m:r>
+                            <m:r>
+                              <a:rPr lang="de-DE" sz="4000">
+                                <a:latin typeface="Cambria Math" panose="02040503050406030204" pitchFamily="18" charset="0"/>
+                              </a:rPr>
+                              <m:t>)</m:t>
+                            </m:r>
+                          </m:sup>
+                        </m:sSup>
+                        <m:r>
+                          <m:rPr>
+                            <m:nor/>
+                          </m:rPr>
+                          <a:rPr lang="en-GB" sz="4000" dirty="0"/>
+                          <m:t>− </m:t>
+                        </m:r>
+                        <m:sSup>
+                          <m:sSupPr>
+                            <m:ctrlPr>
+                              <a:rPr lang="en-GB" sz="4000" i="1">
+                                <a:latin typeface="Cambria Math" panose="02040503050406030204" pitchFamily="18" charset="0"/>
+                              </a:rPr>
+                            </m:ctrlPr>
+                          </m:sSupPr>
+                          <m:e>
+                            <m:r>
+                              <a:rPr lang="de-DE" sz="4000" b="1">
+                                <a:latin typeface="Cambria Math" panose="02040503050406030204" pitchFamily="18" charset="0"/>
+                              </a:rPr>
+                              <m:t>𝐰</m:t>
+                            </m:r>
+                          </m:e>
+                          <m:sup>
+                            <m:r>
+                              <a:rPr lang="de-DE" sz="4000">
+                                <a:latin typeface="Cambria Math" panose="02040503050406030204" pitchFamily="18" charset="0"/>
+                              </a:rPr>
+                              <m:t>(</m:t>
+                            </m:r>
+                            <m:r>
+                              <m:rPr>
+                                <m:sty m:val="p"/>
+                              </m:rPr>
+                              <a:rPr lang="de-DE" sz="4000">
+                                <a:latin typeface="Cambria Math" panose="02040503050406030204" pitchFamily="18" charset="0"/>
+                              </a:rPr>
+                              <m:t>j</m:t>
+                            </m:r>
+                            <m:r>
+                              <a:rPr lang="de-DE" sz="4000">
+                                <a:latin typeface="Cambria Math" panose="02040503050406030204" pitchFamily="18" charset="0"/>
+                              </a:rPr>
+                              <m:t>)</m:t>
+                            </m:r>
+                          </m:sup>
+                        </m:sSup>
+                      </m:e>
+                    </m:d>
+                  </m:oMath>
+                </a14:m>
+                <a:endParaRPr lang="en-GB" sz="4000" dirty="0"/>
+              </a:p>
+            </p:txBody>
+          </p:sp>
+        </mc:Choice>
+        <mc:Fallback xmlns="">
+          <p:sp>
+            <p:nvSpPr>
+              <p:cNvPr id="5" name="TextBox 4">
+                <a:extLst>
+                  <a:ext uri="{FF2B5EF4-FFF2-40B4-BE49-F238E27FC236}">
+                    <a16:creationId xmlns:a16="http://schemas.microsoft.com/office/drawing/2014/main" id="{F5D8762B-6EC1-DFE9-F631-2BA7D0A20D84}"/>
+                  </a:ext>
+                </a:extLst>
+              </p:cNvPr>
+              <p:cNvSpPr txBox="1">
+                <a:spLocks noRot="1" noChangeAspect="1" noMove="1" noResize="1" noEditPoints="1" noAdjustHandles="1" noChangeArrowheads="1" noChangeShapeType="1" noTextEdit="1"/>
+              </p:cNvSpPr>
+              <p:nvPr/>
+            </p:nvSpPr>
+            <p:spPr>
+              <a:xfrm>
+                <a:off x="216795" y="4670218"/>
+                <a:ext cx="5879206" cy="1428340"/>
+              </a:xfrm>
+              <a:prstGeom prst="rect">
+                <a:avLst/>
+              </a:prstGeom>
+              <a:blipFill>
+                <a:blip r:embed="rId8"/>
+                <a:stretch>
+                  <a:fillRect l="-3664" t="-5263" r="-2802" b="-14912"/>
+                </a:stretch>
+              </a:blipFill>
+            </p:spPr>
+            <p:txBody>
+              <a:bodyPr/>
+              <a:lstStyle/>
+              <a:p>
+                <a:r>
+                  <a:rPr lang="en-GB">
+                    <a:noFill/>
+                  </a:rPr>
+                  <a:t> </a:t>
+                </a:r>
+              </a:p>
+            </p:txBody>
+          </p:sp>
+        </mc:Fallback>
+      </mc:AlternateContent>
     </p:spTree>
     <p:extLst>
       <p:ext uri="{BB962C8B-B14F-4D97-AF65-F5344CB8AC3E}">

--- a/slides/CS-E4740_FLDesignPrinciple.pptx
+++ b/slides/CS-E4740_FLDesignPrinciple.pptx
@@ -5,7 +5,7 @@
     <p:sldMasterId id="2147483648" r:id="rId1"/>
   </p:sldMasterIdLst>
   <p:notesMasterIdLst>
-    <p:notesMasterId r:id="rId48"/>
+    <p:notesMasterId r:id="rId49"/>
   </p:notesMasterIdLst>
   <p:sldIdLst>
     <p:sldId id="257" r:id="rId2"/>
@@ -16,44 +16,45 @@
     <p:sldId id="666" r:id="rId7"/>
     <p:sldId id="667" r:id="rId8"/>
     <p:sldId id="668" r:id="rId9"/>
-    <p:sldId id="266" r:id="rId10"/>
-    <p:sldId id="413" r:id="rId11"/>
-    <p:sldId id="333" r:id="rId12"/>
-    <p:sldId id="293" r:id="rId13"/>
-    <p:sldId id="343" r:id="rId14"/>
-    <p:sldId id="294" r:id="rId15"/>
-    <p:sldId id="653" r:id="rId16"/>
-    <p:sldId id="379" r:id="rId17"/>
-    <p:sldId id="296" r:id="rId18"/>
-    <p:sldId id="298" r:id="rId19"/>
-    <p:sldId id="346" r:id="rId20"/>
-    <p:sldId id="299" r:id="rId21"/>
-    <p:sldId id="300" r:id="rId22"/>
-    <p:sldId id="301" r:id="rId23"/>
-    <p:sldId id="656" r:id="rId24"/>
-    <p:sldId id="657" r:id="rId25"/>
-    <p:sldId id="386" r:id="rId26"/>
-    <p:sldId id="326" r:id="rId27"/>
-    <p:sldId id="395" r:id="rId28"/>
-    <p:sldId id="655" r:id="rId29"/>
-    <p:sldId id="658" r:id="rId30"/>
-    <p:sldId id="659" r:id="rId31"/>
-    <p:sldId id="660" r:id="rId32"/>
-    <p:sldId id="661" r:id="rId33"/>
-    <p:sldId id="338" r:id="rId34"/>
-    <p:sldId id="400" r:id="rId35"/>
-    <p:sldId id="258" r:id="rId36"/>
-    <p:sldId id="262" r:id="rId37"/>
-    <p:sldId id="374" r:id="rId38"/>
-    <p:sldId id="382" r:id="rId39"/>
-    <p:sldId id="375" r:id="rId40"/>
-    <p:sldId id="399" r:id="rId41"/>
-    <p:sldId id="412" r:id="rId42"/>
-    <p:sldId id="394" r:id="rId43"/>
-    <p:sldId id="654" r:id="rId44"/>
-    <p:sldId id="336" r:id="rId45"/>
-    <p:sldId id="317" r:id="rId46"/>
-    <p:sldId id="365" r:id="rId47"/>
+    <p:sldId id="669" r:id="rId10"/>
+    <p:sldId id="266" r:id="rId11"/>
+    <p:sldId id="413" r:id="rId12"/>
+    <p:sldId id="333" r:id="rId13"/>
+    <p:sldId id="293" r:id="rId14"/>
+    <p:sldId id="343" r:id="rId15"/>
+    <p:sldId id="294" r:id="rId16"/>
+    <p:sldId id="653" r:id="rId17"/>
+    <p:sldId id="379" r:id="rId18"/>
+    <p:sldId id="296" r:id="rId19"/>
+    <p:sldId id="298" r:id="rId20"/>
+    <p:sldId id="346" r:id="rId21"/>
+    <p:sldId id="299" r:id="rId22"/>
+    <p:sldId id="300" r:id="rId23"/>
+    <p:sldId id="301" r:id="rId24"/>
+    <p:sldId id="656" r:id="rId25"/>
+    <p:sldId id="657" r:id="rId26"/>
+    <p:sldId id="386" r:id="rId27"/>
+    <p:sldId id="326" r:id="rId28"/>
+    <p:sldId id="395" r:id="rId29"/>
+    <p:sldId id="655" r:id="rId30"/>
+    <p:sldId id="658" r:id="rId31"/>
+    <p:sldId id="659" r:id="rId32"/>
+    <p:sldId id="660" r:id="rId33"/>
+    <p:sldId id="661" r:id="rId34"/>
+    <p:sldId id="338" r:id="rId35"/>
+    <p:sldId id="400" r:id="rId36"/>
+    <p:sldId id="258" r:id="rId37"/>
+    <p:sldId id="262" r:id="rId38"/>
+    <p:sldId id="374" r:id="rId39"/>
+    <p:sldId id="382" r:id="rId40"/>
+    <p:sldId id="375" r:id="rId41"/>
+    <p:sldId id="399" r:id="rId42"/>
+    <p:sldId id="412" r:id="rId43"/>
+    <p:sldId id="394" r:id="rId44"/>
+    <p:sldId id="654" r:id="rId45"/>
+    <p:sldId id="336" r:id="rId46"/>
+    <p:sldId id="317" r:id="rId47"/>
+    <p:sldId id="365" r:id="rId48"/>
   </p:sldIdLst>
   <p:sldSz cx="12192000" cy="6858000"/>
   <p:notesSz cx="6858000" cy="9144000"/>
@@ -158,6 +159,732 @@
     </p:ext>
   </p:extLst>
 </p:presentation>
+</file>
+
+<file path=ppt/ink/ink1.xml><?xml version="1.0" encoding="utf-8"?>
+<inkml:ink xmlns:inkml="http://www.w3.org/2003/InkML">
+  <inkml:definitions>
+    <inkml:context xml:id="ctx0">
+      <inkml:inkSource xml:id="inkSrc0">
+        <inkml:traceFormat>
+          <inkml:channel name="X" type="integer" min="-2.14748E9" max="2.14748E9" units="cm"/>
+          <inkml:channel name="Y" type="integer" min="-2.14748E9" max="2.14748E9" units="cm"/>
+          <inkml:channel name="F" type="integer" max="32767" units="dev"/>
+        </inkml:traceFormat>
+        <inkml:channelProperties>
+          <inkml:channelProperty channel="X" name="resolution" value="1000" units="1/cm"/>
+          <inkml:channelProperty channel="Y" name="resolution" value="1000" units="1/cm"/>
+          <inkml:channelProperty channel="F" name="resolution" value="0" units="1/dev"/>
+        </inkml:channelProperties>
+      </inkml:inkSource>
+      <inkml:timestamp xml:id="ts0" timeString="2023-03-22T14:48:56.459"/>
+    </inkml:context>
+    <inkml:brush xml:id="br0">
+      <inkml:brushProperty name="width" value="0.05292" units="cm"/>
+      <inkml:brushProperty name="height" value="0.05292" units="cm"/>
+      <inkml:brushProperty name="color" value="#FF0000"/>
+    </inkml:brush>
+  </inkml:definitions>
+  <inkml:trace contextRef="#ctx0" brushRef="#br0">10533 8461 24575,'-56'-8'0,"24"2"0,-1-3 0,-23-15 0,1 1 0,-4-3 0,10 4 0,-1 1 0,4 3 0,-2-1 0,3 1-2205,-2-3 0,2 3 2205,0 7 0,1 2 676,3-3 1,0 3-677,-5 7 0,0 1 0,-2-3 0,0 0-282,2 3 0,3 2 282,-17-1-68,6 7 1,-1 4 67,17 0 0,-1 2 0,-4 0 0,-4 2 0,4 0 1078,2 6 0,1 0-1078,-8 3 0,-2 2 0,-3 9 0,1 2 0,15-10 0,0 0 0,0 3 0,-3 5 0,1 2 0,3-1-713,0 0 1,4 1 712,-2 12 0,3 1 0,11-15 0,2 0 0,-8 16 0,1 1 0,5-6 0,2-2 0,4-8 0,0 1 0,-2 10 0,2-1 1205,2 16-1205,4-20 0,-2 6 0,2-6 0,-2 20 75,5-10 1,0 2-76,3-12 0,1-1 0,0 6 0,2 1 0,-1 14 0,4-1 0,6-10 0,4-3-272,0-1 0,5-2 272,4-10 0,3-3 0,-2-4 0,2-2 0,1-2 0,2-1 0,1-2 0,2-1 4,4 2 0,2 0-4,2 0 0,0-2 0,0 1 0,3 0 0,10 1 0,5 1 0,-3-2 0,1-1 0,0 0 0,-1-1 0,4 3 0,-1-5 0,-10-6 0,0-2 0,1 0 0,3 3 0,0 1 0,4 0-1494,-5-5 1,4 0 0,-1-1-1,-1 0 1494,6 1 0,-1 0 0,-2-1 0,-4-3 0,-2 0 0,1-2-159,4-1 0,-1-2 1,-1 1 158,9 0 0,-2 0 0,-11-1 0,0 0 0,-3-1 0,3-4 0,-3-3 0,0-4 0,-3-2 0,15-7 0,-10-1 0,-2 0 0,3 1 0,-12 2 0,3-1 168,2-3 1,2 0-169,7 1 0,2-1 0,-12 2 0,-1-2 0,2 1 0,1-1 0,1 1 0,-4 1-47,0-3 0,-3 0 47,10-11 0,-2-2 2864,-15 6 0,-3-2-2864,6-5 0,-2-4 0,2-6 0,-4 0-291,-2-10 291,-10 9 0,-3 0 0,-8-15 0,0 15 0,-1-6 0,-5 8 0,-2-2 0,-2 2 0,-5-9 0,-3 1 0,4-8 0,-5-1 0,-6 18 0,-6 0 0,-1 2 0,-7-7 0,-3-2 0,3 3 0,-3-5 0,-1 4 0,1 8 0,-2 3 0,1 4-711,-10-7 1,1 4 710,-1 2 0,0 4 0,10 11 0,1 3 0,7 2 0,-2 0 0,-15-6 0,0 0 425,14 10 1,-1 0-426,-11-8 0,-5 0 0,-6 5 0,0 3 0,13 3 0,0 2 0,-13 0 0,-2 2 0,-2 4 0,2 1 119,10 2 0,0 0-119,-20 0 0,0 0 0,21 4 0,2 0 197,1-2 1,4 2 0,0 4 0,14-4 0</inkml:trace>
+</inkml:ink>
+</file>
+
+<file path=ppt/ink/ink10.xml><?xml version="1.0" encoding="utf-8"?>
+<inkml:ink xmlns:inkml="http://www.w3.org/2003/InkML">
+  <inkml:definitions>
+    <inkml:context xml:id="ctx0">
+      <inkml:inkSource xml:id="inkSrc0">
+        <inkml:traceFormat>
+          <inkml:channel name="X" type="integer" min="-2.14748E9" max="2.14748E9" units="cm"/>
+          <inkml:channel name="Y" type="integer" min="-2.14748E9" max="2.14748E9" units="cm"/>
+          <inkml:channel name="F" type="integer" max="32767" units="dev"/>
+        </inkml:traceFormat>
+        <inkml:channelProperties>
+          <inkml:channelProperty channel="X" name="resolution" value="1000" units="1/cm"/>
+          <inkml:channelProperty channel="Y" name="resolution" value="1000" units="1/cm"/>
+          <inkml:channelProperty channel="F" name="resolution" value="0" units="1/dev"/>
+        </inkml:channelProperties>
+      </inkml:inkSource>
+      <inkml:timestamp xml:id="ts0" timeString="2023-03-22T15:07:39.664"/>
+    </inkml:context>
+    <inkml:brush xml:id="br0">
+      <inkml:brushProperty name="width" value="0.05292" units="cm"/>
+      <inkml:brushProperty name="height" value="0.05292" units="cm"/>
+      <inkml:brushProperty name="color" value="#FF0000"/>
+    </inkml:brush>
+  </inkml:definitions>
+  <inkml:trace contextRef="#ctx0" brushRef="#br0">31426 5532 8191,'7'-15'0,"-14"-14"1653,-8-2 1,-3-3-1654,1 6 0,-3-1 0,-11-14 0,-6-7 0,1 1-257,6 9 0,1 2 0,-3-3 257,-1-2 0,-3-3 0,-1-2 0,0 3 0,0 1 0,0 1 0,0 1 0,-2-1 240,-5-5 0,-1 0 1,-1 0-1,-4 0-240,3 5 0,-2 0 0,-2 0 0,-2 0 0,0 3 0,7 6 0,-1 2 0,0 0 0,-2 1 0,0 2 0,-2 0 0,-3 1 0,-2 1 0,-1 1 0,0 2 0,-1 2 0,0 1 0,3 4 0,0 2 0,-1 2 0,0 1 0,2 2 0,0 1 183,-4 0 0,1 3 0,1 1 0,0 1 0,0 1-183,-2-1 0,-2 1 0,2 1 0,1 0 0,6 1 0,-7 0 0,6 2 0,-3-1 0,2 0 0,-2 0 0,0 0 0,1 0 0,-12 0 0,1 0 0,1 0 0,7 0 0,2 0 0,-9 0-312,15 0 1,-8 0 0,-3 0 0,-3 0-1,2 0 1,2 0 0,6 0 311,-6 0 0,6 0 0,-1 0 0,-6 0 0,6 0 0,-6 0 0,-2 0 0,-3 0 0,2 0 0,1 0 0,5 0 123,-1 0 1,4 0 0,1 0 0,-1 0-1,-6 0-123,7 0 0,-2 0 0,-4 0 0,-1 0 0,-1 0 0,0 0 0,-1 0 0,2 0 0,-3 0 0,0 0 0,0 0 0,-1 0 0,0 0 0,-1 0 0,0 0 0,0 0-130,3 0 0,-1 0 0,-1 0 0,0 0 0,0 0 0,0 0 0,0 0 1,0 0-1,0 0 130,1 0 0,0 0 0,-1 0 0,1 0 0,-1 0 0,2 0 0,0 0 0,2 0 0,1 0 0,-4 0 0,1 0 0,2 0 0,1 0 0,0 0 0,1 0 0,-1 0 0,-9 0 0,0 0 0,0 0 0,1 0 0,3 0 0,2 0 0,3 0 0,2 0 0,2 0 0,1 0 0,1 0 0,-5 0 0,2 0 0,1 0 0,3 0 485,-1 0 1,2-1 0,-2 2-486,-11 2 0,-2 1 0,3 0 0,11-2 0,3 0 0,0 2 778,-3 1 1,0 3 0,4-1-779,-1 1 0,4 0 0,9 2 0,0 0 1320,-12 6 1,-1 1-1321,7-1 0,0 1 2394,-2 4 1,1 2-2395,10-3 0,3 1 0,-15 12 1116,7-2-1116,1 9 0,0-11 0,0 16 0,8-19 2363,3 7-2363,5-4 0,-9 10 0,16-9 0,-11 11 0,11-1 0,-3 9-277,4-15 1,1 1 276,-4 23 0,3-18 0,2 1 0,5-5 0,0 0 0,-4 6 0,0 1 0,5-1 0,-1 0-601,-4 0 0,0 1 601,4 1 0,0 4 0,-4-2 0,-1 5 0,0-2 0,1 12 0,0 0 0,-1-9 0,-1 3 0,1 0 0,1 3 0,1 0 0,-1-3 0,-3 12 0,1-3-657,4-15 1,0 0-1,1-3 657,1 9 0,1-5 0,0-14 0,1 2-571,3 20 1,1 1 570,-3-20 0,1 0 38,2 6 0,0-3-38,0 13 0,0-10 0,0 9 1007,4 10-1007,3-28 0,2 1 981,3 6 0,3 1-981,8 4 0,4-2 682,0-2 1,6 0-683,3-7 0,6 0 0,-2-3 0,1 2 0,5-2-1089,1-7 0,9 3 1,2-2-1,-5-4 1089,-4-6 0,-3-2 0,4 0 0,3 2 0,5 2 0,0-1 0,-1-2 0,-6-4 0,0-2 0,-1-1 0,1-1-1073,0 1 1,0 0-1,1-1 1,1 0 1072,8-1 0,1 0 0,1-1 0,3 1 0,-5-2 0,0 0 0,2 0 0,3-1 0,3 0 0,-13-3 0,3 0 0,2 0 0,1-1 0,1 0 0,1-1 0,-1 1 0,0 0 0,2 1 0,0 0 0,0 1 0,0-1 0,1 0 0,1-1 0,1 0 0,1-1-377,-6 0 0,2-2 0,1 1 0,0-2 0,1 1 0,1-1 0,-1 0 0,0 0 1,0 0-1,-1 0 377,-2 0 0,-1 1 0,1-1 0,-1 0 0,0 0 0,0 0 0,0 0 0,1 0 0,-1 0 0,1-1-253,1 1 1,1-1 0,1 0 0,-1 1 0,1-1 0,-1 0 0,0 0 0,-2 0 0,0 0 0,-1 1 252,6-1 0,0 1 0,-1-1 0,-2 1 0,0-1 0,-1 1 0,-2 1 0,0-1 71,-3 1 0,0 1 0,-1-1 0,-2 1 0,-1 1 0,-1-1 0,-1 0-71,11 1 0,0 0 0,-3 0 0,-3 0 0,-4 0 0,7 0 0,-5 0 0,1 0 0,-5 0 0,2 0 0,0 0 0,-5 0 0,-2 0 0,-3 0 0,1 0 0,6 0 0,0 0 0,-1 0 928,14 1 0,0-2-928,-8-1 0,3-3 0,-1-1 0,-7-3 0,0-1 0,-1-3 654,4-4 1,0-1 0,-2-1-655,-7 2 0,-2 0 0,-1 0 0,-1-2 0,-1 0 0,-1 1 1638,7-2 0,-2 1-1638,-1 0 0,-1 0 0,7-3 0,0 0 0,-6 3 0,-1 0 0,6 0 0,2-2 612,-10 3 0,0-1 1,2 0-613,2 1 0,1-1 0,2 0 0,10-5 0,2-2 0,-1 1 0,-1 0 0,-1 0 0,0 0 0,-3 2 0,-1 0 0,-2 0-276,-8 3 0,-3 0 0,0 1 276,21-7 0,-7 1 0,3-10 0,-18 18 0,-1-1 1253,-10-1 1,-1 0-1254,7-1 0,2-2 884,4-5 0,0-2-884,-4-1 0,-2-1 359,-1 0 0,-3-1-359,-7 0 0,-3-2 0,-1-11 0,-5-1 0,-6 13 0,-3-1 898,0-11 0,-2-2-898,-2 3 0,-2 1 0,-1 6 0,-1-1 0,-1-24 0,-1 1 0,-1 25 0,1 1 0,0-13 0,0 0 0,3 9 0,0 1 0,2 0 0,0-2 0,0-3 0,0 0 0,3 5 0,1 1 0,8-26 0,4 4 0,3 10 0,-11 21 0,-2 8 0</inkml:trace>
+</inkml:ink>
+</file>
+
+<file path=ppt/ink/ink11.xml><?xml version="1.0" encoding="utf-8"?>
+<inkml:ink xmlns:inkml="http://www.w3.org/2003/InkML">
+  <inkml:definitions>
+    <inkml:context xml:id="ctx0">
+      <inkml:inkSource xml:id="inkSrc0">
+        <inkml:traceFormat>
+          <inkml:channel name="X" type="integer" min="-2.14748E9" max="2.14748E9" units="cm"/>
+          <inkml:channel name="Y" type="integer" min="-2.14748E9" max="2.14748E9" units="cm"/>
+          <inkml:channel name="F" type="integer" max="32767" units="dev"/>
+        </inkml:traceFormat>
+        <inkml:channelProperties>
+          <inkml:channelProperty channel="X" name="resolution" value="1000" units="1/cm"/>
+          <inkml:channelProperty channel="Y" name="resolution" value="1000" units="1/cm"/>
+          <inkml:channelProperty channel="F" name="resolution" value="0" units="1/dev"/>
+        </inkml:channelProperties>
+      </inkml:inkSource>
+      <inkml:timestamp xml:id="ts0" timeString="2023-03-22T15:07:49.864"/>
+    </inkml:context>
+    <inkml:brush xml:id="br0">
+      <inkml:brushProperty name="width" value="0.05292" units="cm"/>
+      <inkml:brushProperty name="height" value="0.05292" units="cm"/>
+      <inkml:brushProperty name="color" value="#FF0000"/>
+    </inkml:brush>
+  </inkml:definitions>
+  <inkml:trace contextRef="#ctx0" brushRef="#br0">23316 3607 8191,'-21'3'0,"-26"0"2402,-5-3 0,-7 0-2402,12 0 0,-2 0 0,1 0 0,3 0 0,1 0 0,-1 0 753,0 0 1,0 0 0,0 0-754,-22-1 0,4 2 0,11 3 0,0 1 0,8-2 0,-3-1 0,3 3 914,-9 8 1,2 2-915,0-1 0,-1 0 0,2 5 0,0 2 0,7 0 0,3 2 0,5-1 0,2 2 0,2 5 0,2 1 0,-18 15 0,9 4 6434,12-15-6434,2 3 0,7-4 281,-4 9-281,5-5 0,-2 6 775,5 0-775,0 5 0,5-4 0,1-8 0,1 1 0,2-1 0,2 1 0,-3 12 0,2 1 0,2 0 0,2-3 0,-1-9 0,0-2 0,0 1 0,0-1 0,0 4 0,0 1 0,0 15 0,0 3 0,0 4 0,0 2-749,0-17 1,0 1 0,0-4 748,0-1 0,0-2 0,0 14 0,0-2-1253,0 9 1253,0-15 0,0 3 0,0 7 0,0 0 0,0-14 0,0 0 0,0 6 0,0 2 0,-1-3 0,2-1 0,0-6 0,2 1 0,1 10 0,4 1 0,3-6 0,4-3 0,1-10 0,1-3 0,14 23 0,-1-16 0,-9-11 2090,3-4-2090,3-4 1408,-2 3-1408,11-2 0,18 9 0,-8-13 0,6 0 0,-9-7 0,4 0 0,2 0-779,13 1 0,4 0 0,1-2 779,-15-4 0,1-2 0,1-1 0,2 0 0,6 1 0,2 0 0,1 0 0,-1-1 0,1 0 0,1-1 0,-1 1 0,-2-1 0,-8-1 0,-1 0 0,0 0 0,-2 1-1139,16 2 0,-1 2 0,-3-2 1139,-16-2 0,-3-1 0,0 1 0,1 2 0,-1 1 0,1 0-291,-1-2 0,1 0 1,2 0 290,15 2 0,4 0 0,1 1 0,-18-1 0,1 0 0,1 1 0,1 0-348,0-1 0,2 1 0,0-1 0,1 2 0,-1 0 348,11 3 0,0 1 0,-2 1 0,-1 1 0,-8 1 0,0 1 0,-2 1 0,-1-2 285,7 0 1,-1-2 0,0-1-286,0 0 0,1-2 0,5-5 0,-14-5 0,3-3 0,2-3 0,2 1 0,2-1-381,1 2 0,3 0 0,2 0 1,1-1-1,-2 0 0,-2 1 381,2-2 0,-4 0 0,1 1 0,0-1 0,4 1-442,-6 2 1,5 0 0,3 0-1,-1 0 1,-3 1 0,-5 0 0,-8 1 441,5 0 0,-10 1 0,9 0 0,3 0 0,10 0 0,6 0 0,-1 1 0,-5 0 0,-10 0 0,-2 1 0,-8 0 0,5 0-256,2 0 1,7 0-1,2 0 1,-2 0-1,-6 0 256,4 0 0,-6 0 0,2 0 0,5 0 0,1 0 0,1 0 0,-2 0 0,0 0 0,-1 0-165,-3 0 0,0 0 0,-3 0 165,12 0 0,-2 0 0,1 1 0,-3-2 0,-19-3 0,0-2 0,1 0 0,3-1 0,4-1 0,-3-1 0,4-1 0,1 1 0,3-1 0,1 1 0,3 1 0,1 0 0,0 0 0,-3-1 0,4 0 0,-3-1 0,0 1 0,2 0 0,-5 2 0,1 0 0,1 1 0,-1 0 0,-1-1 0,8-1 0,-1 0 0,-1 0 0,0 0 486,-2 0 1,-1 1 0,0 1 0,2-1-487,-4 0 0,3 1 0,-1-1 0,-1 1 0,-4 0 0,12-1 0,-5 0 0,-2 0 0,-6 0 0,-1 1 0,-5-1 0,4-2 0,-6-1 0,17-6 2912,-37 1-2912,8-25 0,1 0 554,-8 7 0,5-4-554,0-1 0,4-3 0,1 0 1447,5-3 0,1-2 0,1-1-1447,-4 1 0,2-3 0,0 0 0,-2 2 0,-5 6 0,0 3 0,-1-1 0,0-1 0,2-3 0,0-1 0,0 0 0,-4 3 0,-2 3 0,-4 2 0,1-1 0,5-8 0,0-1 0,-4 5 0,-6 8 0,-2 1 0,7-21 0,-1-1 0,-9 18 0,-3 0 498,3-4 1,-1-1-499,2-9 0,-1 0 0,-5 14 0,0-1 0,7-21 0,2-2 0,-3 5 0,1 1 0,1 0 0,0 2 0,0 5 0,-1 1 0,1 5 0,-2 3 0,6-18 0,0 5 625,-13 18-625,3 2 0,-4-6 1650,-4-16-1650,-1 19 0,-2-2 538,-3-3 0,-3 0-538,0-1 0,-2 0 0,-4 7 0,-1 2 0,-11-19 0,1 16 0,1 13 0,-7 5 0,-11 1 0,-6 0 0,-9 5 0,-2 2-497,22 7 1,-2 1 496,-2-2 0,-2 0 0,-5 1 0,-3 2 0,5-1 0,-3 0 0,-2 0 0,-8 0 0,-1 0 0,-4 0-460,5-1 0,-3-1 1,-1 0-1,0 1 460,-2 0 0,-1 1 0,0 0 0,0 0 0,-2-2 0,0 1 0,0-1 0,0 1 0,2 1 0,0 0 0,1 0 0,2 0 0,5 0 0,1 0 0,1 0 0,2 0-717,-8 0 0,2 0 0,3 0 717,-11 2 0,6 1 0,15-1 0,4 1-99,4 3 0,2 2 99,-21 6 779,6 4-779,-2-8 837,12-4 1,-3 0-838,-8-1 0,-7 0 0,2-2 0,-9 1 0,-2-1 0,4 1-283,10-1 0,2 0 1,0-1-1,-4 1 283,-5-1 0,-3-1 0,-2 1 0,0-1 0,2 0-1263,-4 0 1,1-1-1,0-1 1,0 1 1262,9 0 0,1 1 0,-1-1 0,-1 0 0,-3-1 0,-2-1 0,-1 0 0,-3-2 0,0 1 0,-2-1 0,1-1-548,6 1 0,0 0 1,-2-1-1,1 0 1,-1 0-1,1 0 1,0-1 547,3 1 0,0-1 0,-1 0 0,2 0 0,0 0 0,1 0 0,1 0-425,-12-1 0,1-1 0,1 0 0,2 1 0,2-1 425,-4 0 0,1 1 0,2-1 0,4 2 120,-1 0 0,4 2 0,-4-1-120,6-1 0,-4 0 0,-2 0 0,0 0 0,4 2 0,1 0 0,3 2 0,0 0 0,-4 0 0,-4 0 0,-5-1 0,-1 0 0,2 1 0,5 0 0,-5 2 0,5 0 0,-4 0 0,-1 0 0,-4 0 0,0 0 0,5 0 721,5 0 0,4 0 1,-1 0-722,-5 1 0,-1 1 0,3 0 0,6 1 0,3 0 0,2 1 0,-5-1 0,1 1 0,-9 2 0,3 0 0,-5-5 2015,26 1 1,0 0-2016,-27-2 4605,-3 0-4605,24 0 0,-2 0 0,-1-2 0,-1 0 1199,3 0 1,-1-1-1200,-1 1 0,0-1 653,4 1 1,1 0-654,0 2 0,1 0 0,-27 0 0,13 0 0,6 0 0,18 0 0,-3 0 0,4 0 0,-1 0 0,-6 0 0,4 0 0,3 0 0,6 0 0,8 0 0,2 0 0,9 0 0,0 0 0</inkml:trace>
+</inkml:ink>
+</file>
+
+<file path=ppt/ink/ink12.xml><?xml version="1.0" encoding="utf-8"?>
+<inkml:ink xmlns:inkml="http://www.w3.org/2003/InkML">
+  <inkml:definitions>
+    <inkml:context xml:id="ctx0">
+      <inkml:inkSource xml:id="inkSrc0">
+        <inkml:traceFormat>
+          <inkml:channel name="X" type="integer" min="-2.14748E9" max="2.14748E9" units="cm"/>
+          <inkml:channel name="Y" type="integer" min="-2.14748E9" max="2.14748E9" units="cm"/>
+          <inkml:channel name="F" type="integer" max="32767" units="dev"/>
+        </inkml:traceFormat>
+        <inkml:channelProperties>
+          <inkml:channelProperty channel="X" name="resolution" value="1000" units="1/cm"/>
+          <inkml:channelProperty channel="Y" name="resolution" value="1000" units="1/cm"/>
+          <inkml:channelProperty channel="F" name="resolution" value="0" units="1/dev"/>
+        </inkml:channelProperties>
+      </inkml:inkSource>
+      <inkml:timestamp xml:id="ts0" timeString="2023-03-22T15:11:19.145"/>
+    </inkml:context>
+    <inkml:brush xml:id="br0">
+      <inkml:brushProperty name="width" value="0.05292" units="cm"/>
+      <inkml:brushProperty name="height" value="0.05292" units="cm"/>
+      <inkml:brushProperty name="color" value="#FF0000"/>
+    </inkml:brush>
+  </inkml:definitions>
+  <inkml:trace contextRef="#ctx0" brushRef="#br0">9098 4061 24575,'-22'0'0,"-4"0"0,-12 3 0,-4 2 0,9 0 0,-4 2-1915,-16 5 0,-7 3 0,4-1 1915,-3 2 0,1 2 0,-2 1 0,-4 2 0,0 3-123,17-6 0,1 2 0,-1 0 0,-1 1 123,-6 1 0,-1 0 0,-1 2 0,-1 1 0,8 0 0,-1 1 0,0 1 0,0 1 0,0-2 0,1-1 0,0 0 0,0-1 0,0 1 0,2 0 0,-7 7 0,2 0 0,0 0 0,1 0 0,2-3 0,1 1 0,1-2 0,4-2 0,0 0 0,3-3 0,1 0 0,-18 10 0,5-1 374,15-9 0,2-2-374,3-2 0,1-1 0,-2 4 0,2-1 0,-7 4 0,-2 7 0,13-7 2683,-1 4-2683,6 11 2011,-2 5-2011,9-10 0,1 3 0,-1 0 0,1 0 0,3 4 0,1 1 0,0 0 0,1 0 0,4-8 0,2 0 0,-1 13 0,3 0 0,1-15 0,0 1 137,0 11 0,0 1-137,-2-9 0,4 0 0,10 15 0,3 0 0,-6-11 0,1-1 0,8 4 0,3 2 0,2 8 0,1 1 0,-3-9 0,1 3 0,3 6 0,3 7 0,0-2-460,-4-8 1,0-2-1,0 1 460,0 1 0,-1 1 0,1-2 0,0-3 0,0-2 0,-1-1-310,6 13 1,2-3 309,-3-12 0,2-1 0,3-1 0,0-4 0,3-2 0,-1 0-770,-2-2 1,0 0 0,1-4 769,22 7 0,2-5 0,-10-5 0,1-2 0,-8-7 0,2-1 0,2 0 0,13 3 0,3-1 0,4 1 0,-13-5 0,2 0 0,3 0 0,2 1 0,1-1 0,1 0 0,2-1 0,1 1 0,3-1 0,1 0 0,1 1-584,-8-3 1,1 0 0,2 1 0,0-1 0,2 1-1,0-1 1,1 0 0,-1-1 583,-3 0 0,1-1 0,0 1 0,1-1 0,0 0 0,0 0 0,1 0 0,0 0 0,0 0-310,-2-1 1,0 0-1,2 1 1,-1-1 0,1 1-1,0-1 1,-1 0 0,-1 0-1,-2-1 1,-1 0 309,3-1 0,-2 1 0,-2-2 0,0 1 0,-1-1 0,0 1 0,0-1 0,0 1-348,7 1 1,2 1-1,-1 0 1,0 0-1,-3-1 1,-1 0-1,-5-1 348,2-2 0,-3 0 0,-2-1 0,-3 0 0,0 1 0,1 1 0,-3 1 1,0-1-1,5 1 0,6-2 0,6 1 0,2 0 0,-2-1 0,-7-1 0,7 0 0,-6 0 0,3 0 257,-3 0 0,3 1 0,-1-1 0,-5 0-257,-3-3 0,-4 0 0,-5 0 0,-3 0 0,-4 0 1607,-6 0 0,1 0-1607,20-1 0,2-3 0,-10-5 0,2-2 546,7 3 1,7-2-1,10-1-546,-24 3 0,7-2 0,5-1 0,1 0 0,2-1 0,-2 1 0,-2 0 0,-6 2-528,7-2 0,-7 2 0,-1 0 0,3 0 0,6-1 528,-7 1 0,5 0 0,4-1 0,2 0 0,1 0 0,0 1 0,-3 0 0,-2 1 0,-5 1-309,14 0 1,-4 2 0,-4 0-1,1 1 1,2 0 308,-4-1 0,2 0 0,0 0 0,0 1 0,1 0 0,1 0-339,-7 0 0,2 1 0,0 0 1,0 1-1,-1-1 0,-1 1 0,-4-1 339,5 1 0,-5 0 0,-1 0 0,2 0 0,4 0 11,-2 0 0,5-1 0,2 0 0,0 1 1,1-1-1,-3 0 0,-4 1-11,4 0 0,-3 0 0,-2 1 0,1-1 0,3 0 219,1-1 1,3-1-1,1 1 1,0-1 0,-2 0-1,-2 0-219,0 0 0,-1 1 0,-3-1 0,-1 0 0,-5-1 0,10-3 0,-6 0 0,-3-1 0,12 2 0,-11-5 3063,-8-23-3063,-26-9 0,-6-8 0,-3 7 0,0-5 352,4-1 1,3-7 0,0-3 0,-1 6-353,-2 2 0,-1 3 0,0-3 0,1 2 0,1-2 0,-1-1 0,0 0 289,-2-1 1,0-2-1,-1 2 1,0 2-290,3-4 0,-1 3 0,0-3 0,-2 2 0,0-2 0,0 0 0,-1 2 0,2-5 0,0 4 0,-1 0 0,-3 5 0,-1 1 0,1 1 0,2-10 0,-1 1 0,-5 5 0,-1 2 624,0 5 1,0 1-625,-1 3 0,-1-1 0,0-21 0,1 0 0,2 19 0,-2 1 1942,-2-12 1,0 0-1943,1 11 0,0 3 1147,-2 6 0,0 3-1147,-4-25 1237,-11-1-1237,-2 1 0,1 23 0,0 1 0,-1-16 0,-2-1 0,7 14 0,4 18 0,-29 7 0,-16 5 0,8 3 0,-6 1 0,-8-1-838,13-1 1,-6 0-1,-5 0 1,-3-1-1,-2-1 1,-3-1-1,-1 0 1,1-1 837,9 0 0,0 1 0,-1-2 0,-2 0 0,0 0 0,-2-1 0,-1 0 0,-1-1 0,-1 0 0,-1 0 0,-1 0 0,-1-1-254,11 2 0,-2 0 1,-1-1-1,-2 0 1,-1 0-1,0-1 1,-1 0-1,-1 0 0,0 0 1,-1 0-1,1-1 1,-1 1-1,1-1 1,0 1-1,1 0 0,0-1 1,2 1-1,0 1 254,-2-2 0,0 1 0,0-1 0,1 1 0,0-1 0,0 1 0,0-1 0,0 1 0,1-1 0,0 1 0,1-1 0,0 1 0,0-1 0,0 1 0,0-1 0,1 0-218,-4-1 0,1 0 0,-1 0 0,1 0 0,-1-1 0,2 1 0,-1-1 0,1 1 0,1 0 0,0 0 0,1 0 0,1 1 0,1 0 0,0 0 218,-9-2 0,0 1 0,1-1 0,2 1 0,0 1 0,1-1 0,1 1 0,1 1 0,1 0 0,1 0-292,-9-1 0,2 0 1,3 2-1,0-1 1,0 1-1,-2-1 0,-2 0 292,6 1 0,-2 0 0,-1-1 0,-1 0 0,-1 0 0,2 1 0,0 0 0,2 1 0,3 1-5,-9 0 1,3 0 0,1 2 0,1 0 0,-1 0 0,-4 0 4,4 0 0,-4 0 0,-2 0 0,-1-1 0,1 2 0,3 0 0,5 1 0,6 1 0,-3 0 0,8 3 0,1 0 0,-7-1 0,4 0 0,-6 0 0,-4-1 0,-1 0 0,2 1 0,4 1 0,7 1 219,-16 2 1,9 2 0,-1 2-220,-6 1 0,-1 2 0,3 1 741,10-2 1,3 1 0,2 4-742,-14 15 0,9 1 3457,-2-7-3457,6 2 0,-1 0 5169,-10 1-5169,9-3 0,-3 3 0,6-2 0,1 0 1552,-4 5 1,2 0-1553,4-2 0,2-1 0,10-4 0,-1 2 0,-13 11 0,0 0 0,19-12 0,1 0 0,-17 16 0,1-1 0,-6 4 0,21-14 0,0 1 175,-5 1 1,0-1-176,1 0 0,0 0 0,-5 4 0,2-2 0,-10 4 0,15-9 0,14-17 0,9-2 0,1-5 0</inkml:trace>
+  <inkml:trace contextRef="#ctx0" brushRef="#br0" timeOffset="6417">26678 4443 8191,'-22'-11'0,"-7"1"2531,-3 9 1,-6 2-2532,-18-1 0,-3 0 0,4 0 0,-2 0-138,8 0 1,-3 0 0,2 0 137,-15 0 0,0 0 0,18 0 0,-1 0 0,-1 0 503,0 1 1,0 1 0,-3 1-504,4 3 0,-2 2 0,-1 1 0,1 1 0,-13 5 0,0 3 0,-1 3 0,11-1 0,-1 3 0,1 2 0,2 1 0,5 0 0,1 1 0,3 1 0,1 2 0,-4 6 0,3 2 0,0 3 0,7-4 0,-1 3 0,3 1 0,2-4 1826,-7 15 0,2-1-1826,5-8 0,-1 3 0,2-5 0,3-2 0,1-2 0,-1 6 0,-1 1 0,-1-6 0,0 0 0,7-4 0,0 0-251,-6 1 0,1 1 251,9-7 0,0 1 0,-5 3 0,0 2 1782,2 3 0,0 1-1782,2-5 0,1 1 464,1 4 1,3 2-465,5-1 0,2 0 919,2-3 1,3 2-920,1 9 0,2 3 0,-1 9 0,0 3-555,0-18 1,0 0 0,0-1 554,0 10 0,0-2 0,-1-1 0,2-5-748,3 1 748,1 15 0,4-7 0,0-4 0,-4 3 0,7 5 0,-7-26 0,3 0 0,2 5 0,4 0 0,10 6 0,6 0 0,8 2 0,7-1-184,-5-9 1,3 0 0,1-1 183,-5-7 0,0-1 0,0 0 0,2 1 0,0-1 0,0-2 0,10 2 0,0-2-461,-3-2 1,2-1 460,7-1 0,1-2 0,-2-1 0,0-1-1199,3 2 0,0-2 1199,4-4 0,3-1 0,-11 1 0,2 0 0,-1-2-1335,8-2 0,4-2 1335,-12-1 0,6 0 0,2-1 0,-1-1 0,-5-1 0,-2-2 0,1 0 0,6-1 0,-5 1 0,4-1 0,3-1 0,1 0 0,1 0 0,-1-2 0,-8 0 0,0-1 0,1-1 0,0-1 0,0 1 0,0-1 0,0 0 0,1 0 0,1-1 0,1 0 0,-1 0 0,-1 0 0,0-1 0,-3-1 0,3-1 0,-1 0 0,-2-1 0,0-1 0,-3 1 0,-2 0 0,12-3 0,-3 0 0,-3 1 0,-6 1 625,9-1 1,-7 2-626,-15 5 0,0-2 0,11-10 0,9-4 0,-14 8 0,5-1 0,4-1 0,4-1 0,1-2-395,-7 1 1,2-1 0,2-1 0,2-1 0,2 0 0,1-1 0,2 1 0,2 0 394,-10 4 0,2 0 0,2-1 0,2 1 0,1 0 0,0 0 0,1-1 0,0 1 0,0 0 0,-2 1 0,0-1 0,-2 1-189,5-2 1,-1 0-1,-1 0 1,-1 1-1,0 0 1,0-1-1,0 2 1,1-1-1,0 1 1,1 0 188,-3 2 0,0-1 0,2 1 0,0-1 0,0 1 0,0 0 0,-1 1 0,0 1 0,-1 1 0,-1 0 0,-1 2-146,8-1 1,-1 2 0,-2 1 0,0 1 0,-1 0 0,0 2 0,0-1 0,1 0 145,1 1 0,-1-1 0,1 2 0,0-1 0,0 1 0,-1 0 0,1 1 0,0-1-140,-1 1 1,0 1-1,1-1 1,-1 1-1,1 0 1,-2 0-1,0 1 1,-1-1 139,4 1 0,-1 0 0,-1 1 0,0-1 0,-1 1 0,0 1 0,0-1 0,-3 1 0,1 1 0,1 0 0,-2 0 0,-2 0 0,-3 0 0,-3 0 0,6 0 0,-6 0 0,-2 0 0,3 1 0,11 1 0,4 2 0,-6 0 0,-14-2 2341,0 0-2341,0-1 3500,-30-4-3500,-17-3 3129,0-7-3129,0-1 6784,0-6-6784,0 7 0,0-4 0,0-15 0,0 1 0,0-29 0,0-1 0,0 21 0,0-2 0,0-12 0,0-3 0,0-1 0,0-2-237</inkml:trace>
+  <inkml:trace contextRef="#ctx0" brushRef="#br0" timeOffset="6417">33866 6162 23864,'-6'-53'0,"-3"-1"0,0 3 0,1-11 0,-4-1 0,-5 6 0,-6-4 0,1 4 0,-3-1 0,-2-2-385,5 10 0,-3-4 0,0-1 0,0 4 385,-3 0 0,-1 3 0,-1-2 0,2 1 0,-2-3 0,-2 1 0,0 4 0,-6-4 0,-2 4 0,-2 3 0,-2 1 0,-2 2 0,1 4 0,8 7 0,0 2 0,-1 5 0,-15-2 0,-1 7 0,-7 5 0,-1 5 0,11 1 0,-1 2 0,8 0 0,-3-1 0,3 3 0,-6 1 0,-2 2 0,-9-1 0,-9-1 0,4 1 0,13 0 0,3 1 0,-3 1-1026,5-1 1,-2 0 0,-1 0-1,0 0 1026,-4 0 0,-2 0 0,1 0 0,2 0 0,0 0 0,3 0 0,-7 0-489,6 0 0,-6 0 0,-3 0 0,-3 0 1,2 0-1,4 0 489,1 0 0,2 0 0,1 0 0,-2 0 0,-2 0 0,-3-1 0,-3 1 0,-1 0 0,-1 0 0,1 0 0,2 1 0,6 0 0,1 0 0,0 0 0,1 1 0,0 1 0,-1 0 0,0 1 0,-1 1 0,0 1 0,1 0 0,1 0 0,2-1 0,-15 2 0,2 0 0,1 1 0,2 1 0,5 2 0,0 2 0,3 0 0,2-1 0,-2-3 0,3 0 0,1 0 0,4 1 0,0 1 0,0-2-378,-5-2 1,0 0 0,0-1 377,7 0 0,2 0 0,-5 0 0,-5-1 0,-6-1 0,0 1 0,4-1 0,2 1 0,4 0 0,-6-1 0,3-1 0,-5 0 0,-2 0 0,1-1 0,5 0 70,-7 1 0,4-2 0,-3 1-70,1-1 0,-3 1 0,0-1 0,3 1 0,-2-1 0,3 1 0,0 1 0,1 0 0,0 1 0,1 0 0,7-1 0,1 0 0,2 0 0,-11 2 0,3 0 0,2-3 0,4 1 0,-13 1 0,3 0 0,11-3 2916,-9 3-2916,0 1 3455,-8-4-3455,6 3 0,8-4 0,22 0 0,17 0 0</inkml:trace>
+  <inkml:trace contextRef="#ctx0" brushRef="#br0" timeOffset="22384">13582 7843 8191,'7'9'0,"-4"31"0,-1 15 904,2 1 1,0 7 0,2 5-905,0-17 0,0 3 0,1 4 0,1 1 0,0 0 0,1-1 0,0 2 0,2 1 0,0 0 0,1 0 0,0 1 0,1 1 97,0-1 1,0 1 0,1 1 0,1 1-1,-1-2 1,0 0 0,0-3-98,-1-2 0,1-2 0,-1-1 0,0 0 0,0 0 0,0 0-175,0 4 0,1 1 0,-1 1 0,-1-1 0,0-4 0,-2-6 175,3 12 0,-2-7 0,-2 0 0,0 2 0,-2 0 0,0-5 1464,1-7 1,-3-5-1465,-2 24 0,6 2 0,-9-41 374,0-12 0,0-2 1,0-6-1</inkml:trace>
+  <inkml:trace contextRef="#ctx0" brushRef="#br0" timeOffset="23151">14043 8222 24575,'0'15'0,"0"17"0,0 8 0,0 4 0,0 7-2168,-1-1 0,0 9 1,1 2-1,2-3 2168,2-6 0,2-1 0,0-1 0,0 1 0,-2 2 0,0 0 0,1 1 0,2 2 2,4 1 1,2 2 0,2 2-1,0-1 1,-1-3-3,1 4 0,0-3 0,0 0 0,2 3 0,-1-4 0,2 2 0,0 1 0,0 0 0,-1-3 0,-1 5 0,0-1 0,-1-2 0,0-3 0,3 3 0,0-4 0,-2-4 256,-1 0 1,-3-5-257,-2-11 0,-2-4 0,-1 5 0,-3-19 3909,-4 2-3909,0 0 2382,0 1-2382,0 7 1854,0-7-1854,0 7 0,0-3 0,0 4 0,6 4 0,-1-3 0,2-11 0,-4-8 0</inkml:trace>
+  <inkml:trace contextRef="#ctx0" brushRef="#br0" timeOffset="23900">13743 10696 9552,'-4'2'0,"19"25"4337,29 17-4337,-15-13 0,5 6 0,3 1 0,-1-4 0,3 2 0,1 1 0,0-1-241,-3 1 1,0 0-1,0-1 1,-1-1 240,6 4 0,1-2 0,-4-2 0,5 8 0,-6-6 1969,-1-3-1969,11 11 0,-23-16 4233,3-10-4233,-17-12 586,4-10-586,-5-13 4677,-1-16-4677,7-3 0,1-4 0,-8 8 0,1-2 0,10-19 0,2-4 0,-5 8 0,1-1-412,-2 8 0,1-2 0,-1 3 412,3-5 0,-1 0 0,4-5 0,0 0 0,-3 10 0,-2 4 0,2-7 0,6-7 0</inkml:trace>
+  <inkml:trace contextRef="#ctx0" brushRef="#br0" timeOffset="27183">12056 10938 8191,'3'-16'0,"-26"8"4658,-27 15-4658,14 0 0,-3 4 0,-3 5 0,-4 4 0,-1 2 0,-6 4 0,-3 2 0,-1 1 247,5-3 0,-1 1 0,-1 0 0,0 1-247,2 0 0,1 1 0,0 1 0,-1-1 0,0 0 0,-2 0 0,2 0 0,5-1 0,2-1 0,4-1 0,1 0 0,0-3 0,0-1 0,3 1 806,-4 5 1,4-2-807,-13 4 0,18-9 0,2 0 0,0-1 5624,-6 5-5624,7-5 388,-19 13-388,20-14 0,-1 0 0,-23 13 1228,23-12 0,0 0-1228,-20 14 328,18-11 1,0 2-329,-2 4 0,0 2 0,-2 3 0,1 2 0,4-1 0,2 1 0,3 2 0,2 1 0,1-7 0,3-1 0,-3 22 0,4-11 0,10-10 0,4 5 0,-4-4 0,8 9 0,-4-4 0,4-5 0,0 3 0,0 1 0,0 1 0,0 12 0,0 0 0,2-6 0,3 1 0,6 5 0,5-2 0,2-12 0,4-1 0,11 9 0,3-2 0,-1-12 0,-1-2-481,-4-2 0,1-1 481,7 1 0,1-1 0,-10-6 0,0-1 0,13 6 0,2 0-727,-4-2 0,0-1 727,8-2 0,4 1 0,-3-1 0,3 2 0,3-1 0,5-4 0,1-1 0,3 0 0,-9-1 0,2 1 0,1 0 0,-3-2 0,9 1 0,-2-3 0,-2-2 0,-4-2 0,-1-1 0,-2-1-192,11-1 0,-1 0 192,4 0 0,-1 1 0,-10 0 0,-2 2-1039,2 4 0,-2 3 1039,-7 2 0,-2 1 0,2 2 0,0 1 0,-1 2 0,2 0 230,10 3 0,2 2-230,-16-7 0,0 1 0,0 0 0,2 0 0,0 0 0,1-1 0,5 2 0,0 1 0,-2-3 0,12 3 0,-1-2 0,-2-4 0,1-1 0,-3-2 0,-2 0 0,-13-5 0,-2 1 0,-3-1 0,-4 0 1293,-3 0-1293,2-6 0,7-2 0,2-1 0,6 0 0,6 0-941,2-1 0,6-1 0,5 0 0,3 1 0,3-1 941,-17 1 0,2 0 0,2-1 0,1 1 0,2 0 0,1 0 0,1-1 0,0 1 0,-1-1-307,-1 0 1,1 0 0,0 0-1,2 0 1,-1 0 0,1 0-1,-1 0 1,0-1 0,-2 1-1,0 0 307,6 0 0,0-1 0,-2 1 0,0 0 0,-1-1 0,0 1 0,1-1 0,-1 1-382,2-1 1,2 1-1,1-1 1,-1 1-1,-1-1 1,-3 0 0,-5 1-1,-6-1 382,6-1 0,-10 1 0,1-1 0,7 0-271,-4 1 1,5 1-1,6 0 1,1-1-1,1 1 1,-2-1-1,-6 1 1,-5-1 270,5-2 0,-7-1 0,-1 1 0,7 0 104,-5 2 1,6 0 0,3 1 0,1 0 0,1-1 0,-4 0 0,-3-2-105,3-1 0,-3-2 0,-1 0 0,-1-1 0,0 1 345,-2 0 1,0 1-1,-1-1 1,1 0 0,1-1-346,5 0 0,3-1 0,-1 0 0,-2-1 0,-5-1 0,8-6 0,-5-2 0,-4 2 0,11-1 0,-8 0 3383,4-9-3383,-25 17 0,-13-4 0,34-8 1942,-27 0 0,0-4-1942,11-3 0,5-3 0,-1-5 0,4-5 0,-1 2 0,-10 7 0,-2 0 0,3 0 0,-3 1 0,3-1 0,-1 0 0,0-2 0,8-11 0,0-1 0,-3 0 0,-5 7 0,-1 0 0,0-3 0,-3 4 0,2-4 0,-2 0 0,-2 3 909,-3-3 1,-3 3 0,-1-1-910,10-18 0,-5 4 0,-14 15 0,-2 4 1971,6-20-1971,-14 20 0,-1 5 0,-4 5 1569,0-4-1569,-4 8 112,-14-18-112,-3 16 0,-3 0 0,-6-7 0,-3-1 0,-13-9 0,-4-2 0,1 2 0,-2-2 0,11 7 0,-1-1 0,0 1-760,4 5 1,2 1-1,-1 0 760,-3-4 0,1 0 0,1 2 0,-5-3 0,0 2 0,-2-2 0,-3-1 0,6 11 0,-2 1 0,-1 0 0,5 4 0,-1 0 0,-1 1 0,-6-5 0,-4 1 0,-4 1 0,-4 4 0,-6 2 0,-2 1 0,3 1 0,8 2 0,3 2 0,-2-1 0,-4 0 0,3 0 0,-4-1 0,-2 0 0,0 0 0,0 1 0,2 1 0,-2 0 0,2 2 0,0 0 0,1 0 0,-1-1 0,0-1 0,0-2 0,-1 1 0,2-1 0,-1 0 0,2 0 0,0 1 0,0-1 0,1 1 0,3-1 0,-3-2 0,2 1 0,2-1 0,2 0 0,-6-2 0,2-1 0,4 2 0,-8-2 0,5 0 0,11-1 0,1 3 0,-7 10 0,-3 6 0,8 0 0,-3 2 0,-3 2-878,-2 5 1,-3 2 0,-4 2 0,-1-1 877,1-1 0,-1-1 0,-3 0 0,-3 0 0,-1 0-552,7-2 1,-3 0 0,-2 0-1,0-1 1,-2 0 0,1-1 0,2 0 551,0-1 0,1-1 0,0-1 0,0 0 0,0-1 0,1 1 0,0 0-384,-6 1 1,0 0-1,1 0 1,1 0 0,1-1-1,2-1 384,-2 0 0,0-2 0,2 0 0,2-1 0,3 2 0,1 0 0,3 1 0,1 0 0,-1 0 0,2-1 0,0 0 0,0 1 0,1 0-397,-2 0 1,0 1 0,0 0 0,3 0 396,-4 0 0,3 0 0,-2 0 213,-10 2 1,-1 0-1,7-1-213,7-1 0,3 0 1351,-5-1 1,1 1-1352,12 1 0,3 0 4410,-27-3-4410,23 1 0,1 0 3355,-16-2-3355,2 0 2425,13 0-2425,1 0 0,14 0 0,-2 0 0,12 0 0,-2 0 0,0 0 0,-7 0 0,-9 0 0,-3 0 0,-4 0 0,12 0 0,5 0 0,10 0 0,7 5 0,3-3 0,3 3 0</inkml:trace>
+  <inkml:trace contextRef="#ctx0" brushRef="#br0" timeOffset="44283">20134 12350 24575,'0'19'0,"0"5"0,0 18 0,0-2 0,0 26 0,0-25 0,4 15 0,3-14 0,2 6 0,5 6 0,-6-5 0,6-1 0,-2 0 0,-1-13 0,0 5 0,0-18 0,-3 4 0,9 6 0,-8-8 0,7 4 0,-8-8 0,7 0 0,-3 5 0,7-2 0,-8-3 0,4-3 0,-1 2 0,0-1 0,3 2 0,-3-2 0,4 0 0,-4-4 0,5 8 0,-6-8 0,2 7 0,2-6 0,3 8 0,5-2 0,-2 3 0,-3-5 0,-5-4 0,-3-8 0,-2-2 0,1-2 0,-5-3 0,3 6 0,0-3 0,1 1 0,7 2 0,1-2 0,4 0 0,14 3 0,13 1 0,16 1 0,-28-3 0,0-1 0,0-2 0,0-1 0,-1 0 0,-2-1 0,20-1 0,-3 0 0,-13 0 0,5 0 0,-1 0 0,-9 0 0,1 0 0,15 0 0,-16-1 0,1-2 0,28-5 0,-1-12 0,-24 8 0,1-2 0,1-5 0,0-3 0,-1 1 0,-1-1 0,1-3 0,-2 0 0,-6 7 0,-2 1 0,23-24 0,1 7 0,-13 1 0,12-9 0,-15 6 0,-10 7 0,2-4 0,7-12 0,2-3 0,-5 4 0,1-2 0,-5 3 0,1-3 0,-2 2 0,1-1 0,0 0 0,-4 6 0,0-1 0,-1 1-698,3-7 1,-2 3 697,-4 8 0,0 1-123,1-6 0,-2 1 123,4-4 0,-8 12 0,-1 1 0,7-8 0,-9 1 0,4 5 0,-4-9 0,3 1 0,3-4 1377,-3 4-1377,1 9 264,-2 3-264,-4 11 0,-1 5 0,-3 3 0,0 2 0,0-2 0,-2 0 0,1 2 0,-2-5 0,6 2 0,-2-2 0,2 2 0,-6-1 0,2 4 0,-4-2 0,4 3 0,-4 0 0,1 0 0,1 3 0,-2-2 0,4-1 0,-4 2 0,2-2 0</inkml:trace>
+  <inkml:trace contextRef="#ctx0" brushRef="#br0" timeOffset="46050">14456 13345 8191,'-8'0'0,"2"0"5063,-21 0-5063,8 0 2818,-21 0-2818,-4 0 1719,-10 0-1719,-4 0 6784,8 3-6784,5 14 0,7 18 0,14 22 0,15-20 0,3 0 0,3-4 0,2 1 0,1 12 0,0 2 0,0-8 0,0 1 0,7 9 0,2 0 0,-2-9 0,2-3 0,3-6 0,1-1 0,12 26 0,-9-7 0,0 3 0,-9-14 0,-3-8 0,-4-13 0,0 3 0,0-1 0,0-4 0,0 2 0,0-11 0,0 5 0,2-5 0,-1 1 0,2-2 0,-1-2 0,-1-2 0,2-2 0</inkml:trace>
+  <inkml:trace contextRef="#ctx0" brushRef="#br0" timeOffset="46884">13862 13922 24575,'37'0'0,"2"0"0,6 0 0,14 0 0,3 0 0,-17 0 0,1 0 0,-3 0 0,12 0 0,-5 0 0,-14 0 0,-3 0 0,6 0 0,-14 0 0,-15 0 0,-7 0 0</inkml:trace>
+  <inkml:trace contextRef="#ctx0" brushRef="#br0" timeOffset="47601">14731 13504 8191,'4'26'0,"-8"4"0,-3 7 1005,1 4 0,1 5 1,-2 0-1006,-3 15 0,-1 0 0,2-11 0,0 2 0,2-6 0,3-7 0,1-3 1503,-2 5 0,2-2-1503,3 16 1950,0-18-1950,0-6 5978,0-18-5978,0-4 2434,5-3-2434,2-3 0,9-3 0,8 0 0,0 0 0,-7 0 0,-7 0 0</inkml:trace>
+  <inkml:trace contextRef="#ctx0" brushRef="#br0" timeOffset="49550">14979 13913 24575,'0'22'0,"0"2"0,0 8 0,0-11 0,0-6 0,0-9 0,0 0 0,0-1 0,0 1 0,0-1 0,0 1 0,0 0 0,0-1 0,0 4 0,0-3 0,5 5 0,-4-2 0,7 1 0,-7 1 0,4-7 0,-4 4 0,4-7 0,-1 2 0,2-3 0,0 0 0,0 0 0,6 0 0,8 0 0,8 0 0,4-3 0,2-4 0,-9-7 0,-1 2 0,-11 0 0,2 0 0,-1-2 0,-1 0 0,3 1 0,-9 7 0,5 0 0,-6 0 0,3 5 0,-6 5 0,-1 5 0,1 5 0,-2-4 0,2 2 0,0-2 0,-3 0 0,3-2 0,-3-2 0,2-2 0,2-2 0,1-2 0,1 0 0,-1 0 0,1 0 0,2 0 0,-1-6 0,2-5 0,2-7 0,5-10 0,5-1 0,20-20 0,-19 22 0,1 0 0,4-3 0,0 0 0,17-18 0,-11 18 0,-14 12 0,-6 11 0,-5 1 0,-5 6 0,0 0 0</inkml:trace>
+  <inkml:trace contextRef="#ctx0" brushRef="#br0" timeOffset="50317">15729 13425 24575,'21'15'0,"4"0"0,8 24 0,8 2 0,-5 9 0,-5-3 0,-16 9 0,-8-5 0,-7-1 0,0 15 0,0-24 0,-8 15 0,0-23 0,-5 7 0,-6 12 0,-1-1 0,9-17 0,0-1 0,-13 13 0,9-7 0,-1-15 0,2-8 0,5-7 0,2-6 0,4 0 0</inkml:trace>
+  <inkml:trace contextRef="#ctx0" brushRef="#br0" timeOffset="52400">14909 13811 8191,'0'16'0,"0"0"5063,0 40-5063,0-1 2818,4 11-2818,0-18 0,3-19 1719,-4-14-1719,3-8 6784,-6 2-6784,6-1 0,-3-1 0,0 1 0,2-5 0,-2 0 0,3-3 0,5 0 0,10-7 0,10-4 0,14-12 0,-4-3 0,2 0 0,-18 6 0,-2 3 0,-7 1 0,-5 5 0,1-1 0,-6 5 0,3-1 0,-3 1 0,0-2 0,-3 9 0,-3 3 0,0 3 0,0 3 0,0 0 0,2 0 0,2 3 0,-1-3 0,0 0 0,-3-3 0,2-2 0,-1 1 0,5 1 0,-3 0 0,5 6 0,-1-3 0,5 6 0,-3-2 0,1 0 0,-4-4 0,-1-3 0,-1 0 0,2-3 0,0 2 0,0-1 0,0-1 0,0 0 0,-1-3 0,1 0 0,0 0 0,3-10 0,1-8 0,4-6 0,0-4 0,1 2 0,3-7 0,-2 5 0,2-9 0,0 5 0,-5 3 0,4 1 0,-7 1 0,4 5 0,-4-3 0,0 9 0,-4 4 0,0 5 0,3-2 0,-3 3 0,0 3 0,-3 0 0</inkml:trace>
+  <inkml:trace contextRef="#ctx0" brushRef="#br0" timeOffset="54135">23679 11545 24575,'-29'0'0,"-7"0"0,-11 0 0,13 0 0,6 0 0,15 0 0,6 30 0,3 1 0,2 6 0,1 19 0,2 6 0,2-7 0,1 4 0,1-2 0,-2-7 0,0-1 0,2 1 0,2 4 0,3 2 0,-1-6-448,1-3 0,-1-4 448,1 2 0,-1-4 0,4 8 0,-6-9 0,-1 2 0,-1 1 0,-1 0 0,0 7 0,0 0 0,-2-5 0,0-4 0,-2 14 0,2-22 0,-1-16 0,2-12 0</inkml:trace>
+  <inkml:trace contextRef="#ctx0" brushRef="#br0" timeOffset="54871">23403 12307 24575,'35'0'0,"6"0"0,1 0 0,-5 0 0,-14 0 0,-10 0 0,-4 0 0,-3 0 0,-1 0 0,4 0 0,1 0 0,-3 0 0,-1 0 0</inkml:trace>
+  <inkml:trace contextRef="#ctx0" brushRef="#br0" timeOffset="55684">24118 11581 10357,'-15'32'0,"-9"24"1852,8-15 1,0 4-1853,1 0 0,2 0 1340,4-9 1,1-1-1341,3 20 0,1 8 0,4-26 1619,0 13-1619,0-17 4920,0 1-4920,0 2 1264,0-2-1264,6-3 29,7-2-29,-1-6 0,7-6 0,-12-7 0,5-1 0,-5-3 0,5 1 0,-2-1 0,10 4 0,-11-6 0,2 2 0</inkml:trace>
+  <inkml:trace contextRef="#ctx0" brushRef="#br0" timeOffset="57267">24255 11918 9728,'0'15'0,"0"6"5108,0 21-5108,0-8 2578,0-6-2578,0-11 1512,0-7-1512,0 3 5649,0-4-5649,0 1 0,0-1 0,0-1 0,0-1 0,0 4 0,0-5 0,0 3 0,0-3 0,0 0 0,0 3 0,0 1 0,0 4 0,0-4 0,0 2 0,3-2 0,-3 2 0,6-2 0,-3-4 0,3-4 0,-1-2 0,1-2 0,3-5 0,6-8 0,0-3 0,9-10 0,-4 3 0,15-14 0,-7 8 0,5-4 0,-13 12 0,-7 10 0,-4 7 0,-6 6 0,2 12 0,3 3 0,-1 9 0,14 12 0,-1 4 0,6 1 0,-4-5 0,-9-20 0,-5-4 0,-4-3 0,1-5 0,-2 1 0,3-5 0,-1 0 0,1 0 0,0 0 0,-1-5 0,5-8 0,-3-6 0,3-9 0,-2 1 0,0-5 0,0 0 0,-1 4 0,5-2 0,-1 0 0,3 0 0,0 3 0,-2 9 0,1 3 0,-4 5 0,-3 3 0,-3 1 0</inkml:trace>
+  <inkml:trace contextRef="#ctx0" brushRef="#br0" timeOffset="58134">24855 11501 24575,'24'-1'0,"-1"8"0,-6 5 0,5 20 0,6 8 0,-1 11 0,-7 3 0,-9-2 0,-5-11 0,-5-4 0,2-9 0,-3-6 0,0 4 0,0-3 0,0 8 0,0-12 0,0 10 0,-3-9 0,-9 24 0,-7-3 0,-6 17 0,-4-9 0,6-4 0,-1-6 0,6-11 0,2-2 0,9-13 0,-2-1 0,6-2 0,-3-4 0,2 1 0,1-4 0</inkml:trace>
+</inkml:ink>
+</file>
+
+<file path=ppt/ink/ink13.xml><?xml version="1.0" encoding="utf-8"?>
+<inkml:ink xmlns:inkml="http://www.w3.org/2003/InkML">
+  <inkml:definitions>
+    <inkml:context xml:id="ctx0">
+      <inkml:inkSource xml:id="inkSrc0">
+        <inkml:traceFormat>
+          <inkml:channel name="X" type="integer" min="-2.14748E9" max="2.14748E9" units="cm"/>
+          <inkml:channel name="Y" type="integer" min="-2.14748E9" max="2.14748E9" units="cm"/>
+          <inkml:channel name="F" type="integer" max="32767" units="dev"/>
+        </inkml:traceFormat>
+        <inkml:channelProperties>
+          <inkml:channelProperty channel="X" name="resolution" value="1000" units="1/cm"/>
+          <inkml:channelProperty channel="Y" name="resolution" value="1000" units="1/cm"/>
+          <inkml:channelProperty channel="F" name="resolution" value="0" units="1/dev"/>
+        </inkml:channelProperties>
+      </inkml:inkSource>
+      <inkml:timestamp xml:id="ts0" timeString="2023-03-22T15:12:38.495"/>
+    </inkml:context>
+    <inkml:brush xml:id="br0">
+      <inkml:brushProperty name="width" value="0.05292" units="cm"/>
+      <inkml:brushProperty name="height" value="0.05292" units="cm"/>
+      <inkml:brushProperty name="color" value="#FF0000"/>
+    </inkml:brush>
+  </inkml:definitions>
+  <inkml:trace contextRef="#ctx0" brushRef="#br0">5716 11918 24575,'0'38'0,"0"1"0,-1 6 0,2 6 0,-1 6 0,2 6 0,1-2-2661,0-9 1,1-2 0,1 4 2660,0 4 0,0 5 0,1 0 0,0-5-1191,1-3 1,-1-5 0,2 8 1190,-2-4 0,2 8 0,0 3 0,0 1 0,0-3 0,-2-7-527,0 8 0,0-7 1,0 10 526,0-16 0,1 6 0,1 6 0,0 2 0,1 1 0,-1-1 0,-1-5 0,-1-5 0,0 15 0,-2-7 0,1-1 0,0 3 0,1-11 0,1 1 0,0 2 0,1 0 0,0 1 0,-1 1-247,-1 3 0,1 3 1,-1-1-1,0 1 0,1-2 1,-1-3 246,1-2 0,0-2 0,1-2 0,0 1 0,0 3-100,0 2 0,1 2 0,1 2 0,-1-1 0,0-2 0,-1-4 100,-1 5 0,0-4 0,0-1 0,1 0 0,1 3 0,1 0 0,0-1 0,-1-4 688,-1-5 0,-1-3 0,1 1-688,1 13 0,0 1 0,1-6 1815,1-7 1,-1-7-1816,-1 9 2765,0-34-2765,-6-7 5845,3-8-5845,3-2 907,10 0-907,21 0 0,13-9 0,13-7 0,-20 4 0,5-1 0,4-1 0,3-1 0,2 0-883,-6 2 1,4-1 0,1 0 0,2-1-1,2 0 1,1 0 0,2 0 882,-9 2 0,1 0 0,1-1 0,1 0 0,2 0 0,1 0 0,0 0 0,2 1 0,1-1 0,0 2-365,-6 1 1,2 0-1,1 0 1,0 1-1,2-1 1,0 1-1,1 0 1,0 1-1,0-1 1,1 1 0,-1 0-1,0 0 1,-1 1 364,-3 1 0,-1 0 0,1 0 0,-1 0 0,1 1 0,0 0 0,0 0 0,-1 0 0,1 0 0,0 1 0,1 0 0,-1-1 0,0 1 0,0 0-227,1 0 1,0 0 0,1 0-1,-1 1 1,1-1 0,0 1-1,0-1 1,-1 1 0,1 1-1,-1-1 1,0 0 0,0 1-1,0 0 1,-1 1 226,2 0 0,1 0 0,-1 0 0,1 1 0,0 0 0,-1 0 0,0 0 0,-1 1 0,0-1 0,-2 1 0,-1-1 0,-1 1 0,-3 0-236,8-1 1,-4 0-1,-3 0 1,-1 0 0,0 1-1,0-1 1,3 2-1,3 0 1,4 2 235,-11-1 0,3 2 0,2 0 0,3 1 0,2 0 0,1 0 0,1 1 0,1 0 0,-1 0 0,1 1 0,-2 0 0,-1-1 0,-2 1 0,-2-1 0,-3 0 0,-2 0-21,12 2 1,-5-1 0,-3 0 0,-1 0 0,-2 0 0,1 1 0,1 0-1,4 1 1,4 1 20,-12-2 0,3 1 0,3 1 0,2 0 0,2 0 0,0 1 0,1 0 0,0 0 0,0 0 0,-1 1 0,-2-1 0,-1 0 0,-2 0 0,-3 0 0,-4-1 0,17 4 0,-3-1 0,-3 0 0,-2 1 0,-2-1 0,-2 0 0,-1 0 0,-1 1 0,4 1 0,-3 0 0,-2 0 0,0 0 0,-1 0 0,2 0 143,2-1 0,0 0 0,0 0 1,1 1-1,-1 0 0,-2 1-143,-2 1 0,0 1 0,-1 0 0,-1 1 0,0 0 0,0 0 491,8 3 0,0 0 0,0 0 0,-1-1 0,-2 0-491,-4-1 0,-2-1 0,0 0 0,-2-1 0,-1-3 0,17 4 0,-2-3 0,-6-7 0,-12-9 0,6-7 0,-4 0 0,11-3 0,9-1 0,4-2 0,0 0 0,-3 2 0,-6 1 0,-2 1 0,-5 2 0,-2 1 0,6-2 0,9 0 0,-17 1 0,6 0 0,3-1 0,5-1 0,2 0 0,2-1 0,2 1 0,0 0 0,1 0 0,-1 0 0,0 1 0,-3 1 0,-2 0-108,-2 2 1,-1 0 0,-1 0 0,-1 1 0,0 1 0,0-1 0,1 1 0,0 1 0,2-1 0,2 0 0,2 0 0,3 0 107,-13 0 0,2 1 0,2-1 0,1 1 0,1 0 0,2-1 0,1 1 0,0 0 0,2 0 0,-1 0 0,1 0 0,0 0 0,0 0 0,0 0 0,-1 0 0,0 0 0,-1 0 0,-1 1 0,-1-1 0,-1 0-120,2 1 1,1-1 0,-1 1-1,-1-1 1,-1 1 0,1-1-1,-1 1 1,0 0 0,-1-1-1,1 1 1,-1 0 0,0 0-1,1 1 1,-1-1 0,1 0 0,0 1-1,0-1 120,1 1 0,1 0 0,1 0 0,0 0 0,0 0 0,1 0 0,-1 1 0,1-1 0,-1 1 0,-1-1 0,-1 1 0,0 0 0,-2 0 0,-1 0 0,-2 0 0,-1 0 0,-2 0 0,13 1 0,-1 0 0,-3 1 0,-1-1 0,-2 1 0,-1 0 0,-2-1 0,-1 1 0,-1 0 0,-1 0 0,10 1 0,-2-1 0,-1 0 0,-3 1 0,-2 0 0,-3 0 0,-5 2 0,8 2 0,-6 2 0,-4-1 0,-2-1 918,15 2 0,-2-5-918,-8-8 0,3-4 0,0-2 0,0-1 0,1-2 0,5-1 82,-6 1 1,4 0-1,3-1 1,0-1-1,-4 2-82,2-2 0,-2 1 0,-2-1 0,1 1 0,-2 1 0,0-1 0,-2 1 0,-1 0 909,7-2 0,-3 0 0,-1 1-909,-2 0 0,-2-1 0,0 1 0,-1 1 0,-1 0 0,-3 1 0,6-4 0,-6 1 0,15-3 4492,-34 9-4492,-4 2 443,-6 2-443,2-3 5575,-4 3-5575,3-1 899,-6 4-899,-3-4 0,0 4 0,-3-8 0,0 5 0,4-5 0,0-1 0,13-7 0,-3 2 0,13-11 0,5-1 0,-2 4 0,7-8 0,-1 3 0,9-6 0,-25 13 0,1-1 0,3-2 0,0-2 0,-1-4 0,-2-4 0,2-5 0,0-2-730,2-3 0,-2 0 730,-6 0 0,-1 1 0,-1 4 0,-1 0 0,-2-2 0,0 0 0,1-4 0,0 0 0,-2 4 0,0 1 0,-2 3 0,-1 1 0,-1 1 0,0 2 0,9-28 0,-1 4 0,-2 7 0,-11 13 0,0-8 0,-5-21 0,-2 32 0,-2-3-660,2-11 0,-2-7 660,-2 2 0,-2-8 0,-1-2 0,0 1-295,0 4 0,0 2 0,-1-2 1,-1-5 294,0 6 0,-2-4 0,1-3 0,-1 0 0,0 2 0,1 3 0,-1-8 0,0 3 0,1 1 0,-2-3 0,0 4 0,-1-4 0,0 0 0,1 3 0,2 8 0,3 2 0,2 7 0,-2-3 0,-3-12 0,-1-2 0,2 10 0,2-5 0,2 20 0,-1 0 0,-1-23 0,3 10 0,3 26 1231,0 13-1231,0 6 2728,-3-2-2728,-10-8 0,-10-12 0,-21-20 0,14 14 0,-3-3 0,-1-4 0,-3-1 0,-6-9 0,1 2-547,12 13 0,1 3 547,-1-4 0,1 2-263,3 8 0,2 3 263,-16-16 0,-4-4 0,15 20 0,4-2 0,5 7 1064,1-1-1064,4-12 556,5 19-556,-42-12 0,-13 25-2280,5 0 1,-9 0 2279,12 1 0,-4-1 0,-2-1-997,9-1 0,0-2 0,-3 0 1,-1 0 996,2 0 0,-1 1 0,-1-1 0,-4 0 0,-1 0-565,5-1 0,-2 0 0,-2-1 1,-1 0-1,-2 0 0,0 0 1,-2 1 564,8 0 0,1 0 0,-1 1 0,0-1 0,-2 0 0,-3 1 0,-4-1 0,-4 0 0,-7-1-102,30 3 0,-4 0 0,-2-1 1,-2 0-1,-3 1 0,-2-1 1,-1 0-1,-2 0 0,-1 0 1,-2 0-1,-1 0 0,-1-1 1,-1 1-1,0 0 0,0 0 1,-1 0-1,0-1 0,0 1 1,1 0-1,0 0 0,1 0 1,0 0-1,2 1 0,1-1 1,1 0-1,1 1 102,-1-1 0,0 0 0,1 1 0,0 0 0,1-1 0,0 1 0,0 0 0,1-1 0,0 1 0,0 0 0,0 0 0,0 0 0,-1 0 0,1-1 0,0 1 0,-1 0 0,0 0 0,0 0 0,0 0 0,-1 0 0,-1-1 0,0 1 0,-1 0-28,4 0 0,-1 0 1,0 0-1,0-1 0,-2 1 1,1 0-1,-1-1 1,0 1-1,-1-1 0,0 1 1,0 0-1,0-1 1,0 1-1,0 0 0,0-1 1,0 1-1,0 0 1,1 0-1,-1 0 0,1 0 1,1 0-1,0 0 1,0 0-1,1 1 0,0-1 1,2 1-1,-1 0 28,-4-1 0,-1 1 0,0 0 0,0 0 0,1 0 0,-1 0 0,1 0 0,0 0 0,0 0 0,1 1 0,0-1 0,1 1 0,0 0 0,2-1 0,0 1 0,1 0 0,1 0 0,1 0 0,1 0 0,1 0 0,2 0 0,1 1-42,-18-1 1,4 1 0,3-1 0,2 1 0,1 0-1,1 0 1,1 1 0,0-1 0,-1 0 0,0 0-1,-2 1 1,-2-1 41,2 0 0,-1 0 0,-2 0 0,0 0 0,0-1 0,-1 1 0,0 0 0,0 0 0,0 0 0,2 0 0,0 0 0,1 0 0,1 1 0,3-1 41,-6 0 0,2 0 1,-1 1-1,2-1 0,0 1 1,2-1-1,0 1 0,3-1 1,1 1-1,1 0 0,3 0-41,-18 0 0,3 1 0,3 0 0,3 0 0,2 0 0,2 0 0,-10 1 0,2-1 0,6 2 0,8-1 966,2 3 1,8-1-967,6-3 0,2 0 0,-1-2 0,-6 0 0,-5 2 0,-9 1 0,-6 1 0,-2-1 0,5-1 0,-1 0 0,-4-1 0,-3 1 0,-4-1 0,-3 1 0,20 0 0,-2 0 0,-3 0 0,-2 0 0,-1 0 0,-2 0 0,0 1 0,-2-1 0,1 0 0,-1 0 0,1 0 0,1-1 0,2 0 0,-1 0 0,0 0 0,-1 0 0,1 0 0,-1-1 0,0 1 0,-1 0 0,1-1 0,-1 1 0,1-1 0,-1 1 0,1-1 0,-2 1 0,-1 0 0,0 0 0,-1 0 0,1 0 0,-1-1 0,0 1 0,1 0 0,1 0 0,-1 0 0,2-1 0,0 1 0,2-1-59,-4 0 0,2 1 0,0-1 0,1 0 1,0 0-1,1 0 0,0-1 0,1 1 1,-1 0-1,1 0 0,0 0 59,-2 0 0,0 0 0,1 0 0,0 0 0,0 0 0,0 0 0,0 0 0,1 0 0,-1 0 0,-1 0-174,-1 0 0,0 1 0,-1-1 0,-1 1 0,1-1 0,1 1 0,-1-1 0,2 1 0,0 0 0,2 0 174,-7-1 0,1 1 0,1 0 0,0 0 0,2 0 0,0 0 0,0 0 0,1 1 0,-5 1 0,-1 0 0,0 0 0,1 1 0,4 0 0,2 0 0,6 1 0,-7 2 0,6 0 0,4 1 0,4 0 499,2 1 1,3 0 0,2 1-500,-2-1 0,0 2 0,3-2 0,2-1 0,1 0 0,-3 0 0,1 0 1386,-2 0 0,2-2-1386,-21 0 0,4-4 0,-2-1 0,18-1 0,-1 0 1290,-22 2 1,1 1-1291,23-1 0,1 1 0,-7 2 0,0 1 2694,12-2 1,-2 2-2695,-21 5 0,0 1 0,22-5 0,1-1 0,-9 7 0,3 0 1547,-7 3-1547,4 0 0,-5 6 0,9-7 2553,-3 2-2553,13-6 43,-1 0-43,9-4 0,0 0 0,-6 4 0,8-4 0,-6 3 0,15-4 0,-1 0 0,6 0 0,3 3 0,0 0 0,3 3 0,0 19 0,4 4 0,-3 14 0,2-2 0,-3-4 0,4-1 0,-3 25 0,3-37 0,-4 12 0</inkml:trace>
+  <inkml:trace contextRef="#ctx0" brushRef="#br0" timeOffset="4215">13109 12534 8191,'0'40'0,"0"3"0,0 11 191,0 1 1,0 9 0,0 6 0,0 2-192,0-20 0,0 2 0,0 2 0,0 2 0,0 1 0,0 1 0,0 2-30,0-5 0,0 3 0,0 0 0,0 2 0,0 1 0,0 0 0,0 1 0,0 0 0,0 0 30,0-2 0,0 2 0,0 0 0,0 1 0,-1 0 0,1 0 0,0-1 0,0 1 0,1-2 0,-1 0 0,1 2 0,1 0 0,-1-1 0,1 0 0,0 0 0,-1-2 0,1 0 0,-1-1 0,1-1-19,-2 7 1,1-1-1,-1 0 1,0-2-1,0-3 1,1-1-1,0-4 19,2 14 0,1-4 0,-1-5 0,0-3 413,-2-1 1,-2-4 0,1-4-414,0 2 0,0-3 862,0 1 1,0-2-863,0-10 0,0-3 3680,0 5-3680,0-9 5503,0-12-5503,3-8 2826,0-5-2826,13-5 0,18-12 0,6-4 0,21-4-1094,-11 1 0,10-4 0,8 0 1094,-18 7 0,6-1 0,5 0 0,1 0 0,1 0 0,-2 1 0,-4 1-1071,4-1 1,-5 2 0,0 1 0,4-1-1,9 0 1071,-17 3 0,6 0 0,5-1 0,4-1 0,2 1 0,1-1 0,1 1 0,-2 0 0,-1 1 0,-4 2 0,-4 0 0,-5 2-597,8 0 1,-7 3-1,-3 0 1,-1 2 0,5-1-1,9 0 597,-15 1 0,6-1 0,3 0 0,4 0 0,3 0 0,2 0 0,0 0 0,1 0 0,-2 1 0,0-1 0,-3 1 0,-3 0 0,-5 1 0,-4-1-399,20 1 0,-10 0 0,-4 1 1,0 0-1,5 1 0,9 0 399,-20 1 0,5-1 0,3 1 0,3 0 0,2 0 0,3 0 0,1 1 0,1 0 0,0 0 0,0 1 0,-1 0 0,-2 0 0,-1 1 0,-4 0 0,-2 1-67,4 1 0,-2 1 0,-2 0 0,-2 1 0,0 0 0,-1 1 1,0 0-1,0 0 0,2 0 0,0 0 0,3 0 67,-3 0 0,1-1 0,2 1 0,1-1 0,0 1 0,0-1 0,0 1 0,1 0 0,-2 1 0,0 0 0,-1 0 0,-1 0 0,-2 1 60,7 2 0,0 1 1,-1 0-1,0 1 1,-2 0-1,-1 0 1,-1 0-1,-2 0 1,-1 0-1,-3-1-60,15 4 0,-2 1 0,-3 0 0,-3-1 0,-3-2 0,-5 0 512,-1 0 1,-5-2 0,-2 0 0,0-2-513,15 2 0,-2-1 0,-9-6 0,14-8 911,-7-4 0,15-3-911,-20 2 0,9 0 0,5-1 0,4-1 0,0 1 0,-1 0 0,-9 1 0,0-1 0,0 1 0,1 0 0,3 0 0,3 0 0,4 0 0,-16 2 0,1-1 0,4 0 0,2 1 0,1-1 0,2 0 0,1 1 0,0-1 0,1 1 0,0-1 0,0 1 0,-1 0 0,-2 0 0,0 1-85,1 0 0,1-1 1,-1 2-1,1-1 0,0 0 1,-1 1-1,0 0 0,-1-1 1,1 1-1,-2 0 0,0 0 1,-1 0-1,-1 0 85,8-1 0,-1 1 0,0 0 0,-2 0 0,0-1 0,-1 1 0,0 0 0,-1 0 0,0 1 0,0-1-253,2 1 1,2-1 0,0 1 0,-1 0-1,-1 0 1,-2 1 0,-3-1 0,-5 0 0,-4 0 252,13 0 0,-9 0 0,-3 0 0,3 0-99,4 0 0,2 0 0,-1 0 0,-4 0 99,4 0 0,-3 0 0,-3 0 416,-6 0 0,-2 0 0,-4 0-416,-1 0 0,-1 0 1417,9 0 1,-2 0-1418,-12 0 0,-3 0 4403,28 0-4403,-25-10 3649,-10-11-3649,-15 7 0,15-5 0,5 2 0,19-1 1277,2-1 0,5-3-1277,-13 3 0,0-1 0,-2 1-365,2 0 0,-1 1 365,-3 0 0,3-2 0,-4 4 0,18-8 0,-25 9 0,-1 1 0,25-10 0,-3 0 0,-20 8 0,2-4 591,-19 0-591,-2-11 1124,-8-10-1124,-2 1 0,-4-2 0,0 6 0,0 3 0,0-9 0,-5-14 0,0 3 0,-4-4 0,-2-5-965,3 14 0,-2 0 965,0 2 0,-1-3 0,0-3 0,0 4 0,0-1 0,0-2 0,0-1 0,-1-7 0,1-2 0,-1-1 0,0-1-701,2 4 1,-1-2 0,0-2 0,1 1 0,0 0 700,2-1 0,1 0 0,0 0 0,0 1 0,2 3 0,-1-3 0,1 3 0,0 1 0,2 1 0,0 3 0,1-1 0,1 3 0,0 3 0,1-15 0,0 4-548,0 14 0,0 0 0,0 2 548,0-8 0,0 0-551,4-7 0,1 0 551,-5 9 0,2 3 640,3 6 0,2 0-640,-5 0 0,1 2 0,5-25 0,-3 4 3160,-1 10-3160,-20-2 0,3 18 0,-2-1 0,-4-2 0,-1 1 691,-2 6 0,-1 2-691,-2-5 0,0 3 0,-13-2 811,5-1 1,-3 1-812,7 14 0,-3 3 0,-21-6 0,-5 2 0,-2 9 0,-4 3-548,10 3 1,-4 1 0,-2 1 547,0 1 0,-4 1 0,0 0 0,4 1-1592,2 0 0,4 0 1,-6 2 1591,2 0 0,-5 2 0,-3 0 0,-1 1 0,1 0 0,4 1 0,1 0 0,0 1 0,-2 1 0,-4-1-504,7-1 0,-2 1 0,-2-1 0,-1 1 0,-1-1 0,-1 0 0,-1-1 504,10-1 0,-1-1 0,-1 0 0,0 0 0,-1 0 0,0-1 0,0 0 0,0 0 0,1 0 0,0 0 0,0 0 0,1-1 0,-1 1 0,0-1 0,0 0 0,0 0 0,0-1 0,0 0-361,-1 0 0,-2 0 0,0-1 0,-1 1 1,1-2-1,2 1 0,0 0 0,3-1 1,2 0 360,-7 0 0,5 0 0,1 0 0,1-1 0,-2 0 0,-3-1 0,3 0 0,-4 0 0,-2-1 0,-1 0 0,2 0 0,1 0 0,5-1 0,5 0-14,-6-1 1,7-2-1,1 1 1,-5-1 13,-3 1 0,-5-1 0,-3 1 0,1-1 0,3 1 0,7 2 0,-10-1 0,8 2 0,-1 0 0,7 0 0,-1 1 0,1 0 0,3 2 377,1 0 1,4 1-1,-2 1-377,-10-1 0,-1 0 0,0 0 449,4 0 0,0 0 0,-1 0-449,-10 0 0,-2 0 0,0 0 0,14 0 0,0 0 0,-1 0 0,-1 0 0,0 0 0,0 0 0,-3 1 0,-8-2 0,14-1 0,-6 0 0,-4 0 0,-3-1 0,-2 0 0,0 0 0,2 0 0,2 0 0,3 0-396,-8-1 0,3 1 0,3-1 0,-1 0 0,-3 1 0,-4-1 396,11 1 0,-2 0 0,-3 0 0,-2 0 0,-1 0 0,0 0 0,0 1 0,0-1 0,2 0 0,2 1-104,-7-1 0,1 1 0,0 0 0,1-1 0,0 1 0,2 0 1,1 1-1,1 0 104,0 0 0,3 1 0,1-1 0,1 2 0,-1-1 0,-1 0 0,-2 1 0,-1-1 0,-2 0 0,-1 0 0,-1 1 0,0-1 0,2 1 0,3 1 0,3 0 0,-12 1 0,5 2 0,2 0 0,1 0 0,0 0 49,0 0 0,1 0 1,0 0-1,1 1 0,2 0-49,-5 3 0,2 0 0,1 0 0,3 0 0,-8 0 0,3-2 0,3 0 0,7-3 0,3 0 0,2-1 0,-3 0 0,3-1 1394,8-2 0,2 0-1394,-27 0 0,2 0 2181,23 0 1,-2 0-2182,1 0 0,-2 0 2128,-10 0 1,-1 0-2129,6 0 0,1 0 0,0-1 0,0 2 0,-1 1 0,1 0 981,9-2 1,0 0-982,-5 2 0,3 0 0,-8 2 0,-12-3 0,-6 7 0,15-3 0,7 0 0,1 0 0,4 0 428,-28 4-428,2-4 0,25-1 0,-2 1 0,-6-1 0,0 0 0,3 1 0,1-1 0,5 0 0,0 0 0,1 1 0,1-1 0,-11 0 661,-3 0-661,22-4 0,1 0 0,0 0 0,5 0 0,-9 0 0,11 0 0,-3 0 0,11 0 0,11 5 0,-4-4 0,8 4 0</inkml:trace>
+  <inkml:trace contextRef="#ctx0" brushRef="#br0" timeOffset="17116">21384 7435 24575,'0'51'0,"0"1"0,9 9 0,5 3 0,-1-14 0,4 1 0,2-1 0,3 0 0,3-2 0,1 1-455,3 2 1,1 1 0,1-5 454,7 2 0,-1-3 101,-11-5 1,-1-6-102,10-5 283,-25-15-283,2-15 0,-8 3 0,9-3 687,1-25-687,17-24 0,-7-1 0,0-5 0,2 1 0,0-3 0,-4 9 0,0-2 0,-1 4 0,0 0 0,-1 2 95,1-8 0,-1 6-95,3 9 0,-9 4 0,-7 32 0,6 33 0,10 21 0,-2-8 0,3 3 0,3-1 0,2 0 0,1-2 0,-1-4 0,-8-12 0,-2-4 0,8 8 0,-18-23 0,3 0 0,-2-7 0,3 0 0,-4-3 0,3-6 0,5-11 0,12-17 0,-5-3 0,13-17 0,-21 22 0,1 1 0,13-20 0,-9 12 0,0 0 0,9-17 0,-15 26 0,1 0 0,15-23 0,-13 16 0,13-11 0,-15 12 0,3 3 0,-15 19 0</inkml:trace>
+  <inkml:trace contextRef="#ctx0" brushRef="#br0" timeOffset="17834">23129 6622 24575,'0'7'0,"-12"8"0,6 8 0,-14 6 0,-2 2 0,3 13 0,-3-8 0,0 2 0,8-6 0,2-1 0,-11 30 0,3-5 0,12-15 0,5-21 0,3-8 0,0-6 0,5 0 0,16 0 0,17 4 0,17 10 0,-21-7 0,2 3 0,1 4 0,0 2 0,1 0 0,-2-1 0,-5-3 0,-3-1 0,5 3 0,-19-13 0</inkml:trace>
+  <inkml:trace contextRef="#ctx0" brushRef="#br0" timeOffset="19066">23483 6597 24575,'0'64'0,"0"-17"0,0 6 0,5-8 0,3 2 0,-2-2-1252,0 11 0,0-2 1252,9 2 0,-1-7 799,-4-4-799,2-2 412,-9-5-412,2-33 0,1-26 0,8-31 0,-7 17 0,2-1-115,5 1 1,0 1 114,6-22 0,3-4 0,-9 28 0,0 0 0,10-26 0,6 2 0,-14 23 0,-4 19 0,-13 10 1522,-4 11-1522,-14 13 0,3-1 0,-7 6 0,-3 2 0,0-1 0,-6 10 0,11-7 0,1-3 0,13-12 0,-2-2 0,9-6 0,-3-1 0,23 5 0,18 9 0,-6-7 0,2 1 0,6 6 0,1-1 0,-2-2 0,-2-1 0,-5 1 0,-3-1 0,9 1 0,-15-3 0,-13-9 0,-1-1 0,-3 0 0,0-3 0,-2 3 0,-2-3 0</inkml:trace>
+  <inkml:trace contextRef="#ctx0" brushRef="#br0" timeOffset="19784">23961 6652 8191,'-2'-5'0,"27"34"5063,11 13-5063,-6-5 0,0 3 0,-7-6 0,-2-1 0,12 15 2818,-22-5-2818,-6-31 1719,-4 8-1719,2-3 6784,-3 1-6784,0 0 0,0 6 0,-10 2 0,-11 25 0,2-20 0,-4 1 0,-2 6 0,-1-1 0,-5 1 0,1-2 0,7-6 0,1-3 0,-7 7 0,17-19 0</inkml:trace>
+  <inkml:trace contextRef="#ctx0" brushRef="#br0" timeOffset="20534">21978 8448 8191,'41'3'0,"4"-2"0,9 0 817,0 0 0,5-2 0,1 1-817,-1 0 0,1 0 0,-1 0 0,-2 0 0,0 0 0,-6 0 0,-4 0 0,-4 0 0,-2 0 0,-2 0 2882,19 0-2882,4 0 0,-11 0 2018,-9 0-2018,-15 0 1417,6 0 1,-20 0-1,3 0 1</inkml:trace>
+  <inkml:trace contextRef="#ctx0" brushRef="#br0" timeOffset="21184">24145 7965 24575,'40'0'0,"0"0"0,-7 0 0,3 0 0,-2-4 0,2-1 0,8 2 0,0 0 0,-8-2 0,-4 1 0,9 0 0,-18 4 0,-27 0 0,-20 0 0,11 0 0,-11 0 0</inkml:trace>
+  <inkml:trace contextRef="#ctx0" brushRef="#br0" timeOffset="21799">24237 7834 8191,'38'-3'0,"0"0"0,7-1 2531,13-3 1,6-1-2532,-12 3 0,3-1 0,-4 0 1167,0-4 0,-4 0-1167,-2 3 0,-5 1 1786,-1 1-1786,-15 2 1644,-5 3 0,-12 0 1,-4 0-1</inkml:trace>
+  <inkml:trace contextRef="#ctx0" brushRef="#br0" timeOffset="22716">25665 5051 24575,'0'23'0,"0"9"0,-8 19 0,-4 12 0,2-11 0,-1 2 0,-1 0-1942,2-3 0,0-1 1,-1 2 1941,1-2 0,-2 2 0,2-1 0,1-3 0,-2 16 0,2-2 0,0-10 0,0 2 0,1 3-58,3-5 1,2 3 0,-1 1 0,1-2 57,0-3 0,0-2 0,0 1 0,1 2 0,1 9 0,2 3 0,-1 1 0,0-3 0,0-7 0,0 0 0,0-2 0,0 1 0,0 2 0,0 0 0,0 0 0,0-2-379,0 7 0,0-3 1,0 0 378,0-2 0,0-1 0,0-2 0,0-6 0,0-1 0,0-3 0,0 7 0,0-1 0,0 16 0,0-2 0,0-24 0,0-2 1210,0 4 0,0-2-1210,0 14 0,0-8 0,0 2 1574,0-9-1574,0 9 3196,0-3-3196,7 5 0,1 4 0,5-21 0,2 1 0,-1-2 0,2 1 0,1 1 0,1-1 0,15 21 0,-8-10 0,2 6 0,-8-17 0,0 0 0,6 17 0,-3-16 0,-1 0 0,0 7 0,0-10 0,-12-10 0</inkml:trace>
+  <inkml:trace contextRef="#ctx0" brushRef="#br0" timeOffset="24167">26076 5167 24575,'0'38'0,"0"0"0,0 29 0,2-14 0,0 0 0,-2-18 0,1 0 0,3 2 0,0-1 0,-3 18 0,3-9 0,-1-10 0,-3-4 0,3-20 0,-3 2 0,0 2 0,3-1 0,1 9 0,2-12 0,-2 5 0,1-12 0,-4 5 0,4 0 0,-2-5 0,6 1 0,10-30 0,12-15 0,-7 3 0,2-3 0,3-1 0,0 1 0,-5 4 0,-1 4 0,18-15 0,-21 20 0,-3 16 0,-6-3 0,-2 8 0,-2 2 0,-1 2 0,0 2 0,0 0 0,-1 0 0,5 9 0,0 18 0,8 12 0,2 19 0,5-12 0,-9-8 0,0-18 0,-10-11 0,0-3 0,4 1 0,-1-1 0,1-3 0,2 0 0,1-3 0,3-3 0,7-13 0,4-20 0,-8-1 0,-1-3 0,6-22 0,-8 17 0,-1 0 0,-6 6 0,0 2 0,-1 3 0,0 0 0,3-4 0,-1 2 0,-1-8 0,3 8 0,-1 8 0,3 0 0,-2 9 0,-3 6 0,-6 7 0</inkml:trace>
+  <inkml:trace contextRef="#ctx0" brushRef="#br0" timeOffset="24865">27275 4579 24575,'-23'38'0,"1"7"0,8-14 0,2 2 0,-5 28 0,6-7 0,7-10 0,4-20 0,0 2 0,0-16 0,0 5 0,3-8 0,4 6 0,-1-7 0,17 17 0,-13-6 0,17 7 0,-9 7 0,5 0 0,1 5 0,-3-2 0,-10-19 0,-2-3 0</inkml:trace>
+  <inkml:trace contextRef="#ctx0" brushRef="#br0" timeOffset="25732">27459 5028 8191,'3'-23'0,"12"-8"5063,11-21-5063,11-2 0,-8 9 0,-3 8 2818,-13 19-2818,-2 1 1719,-2 10-1719,-3 1 6784,-2 17-6784,-2-3 0,-2 14 0,0 1 0,3 0 0,2 8 0,2-8 0,0 3 0,1-4 0,-4 0 0,2 4 0,-1-3 0,6 17 0,0-5 0,4 10 0,-5-10 0,3-5 0,-5-3 0,1-10 0,-6-4 0,0-11 0</inkml:trace>
+  <inkml:trace contextRef="#ctx0" brushRef="#br0" timeOffset="26333">27894 4600 24575,'20'28'0,"15"24"0,-23-5 0,13 13 0,-13 1 0,-7-16 0,-1 3 0,-4-10 0,0 13 0,0-2 0,0 15 0,0-5 0,0 5 0,-4-15 0,4-16 0,-4-15 0</inkml:trace>
+  <inkml:trace contextRef="#ctx0" brushRef="#br0" timeOffset="26800">27076 6190 8191,'-3'3'0,"0"0"0</inkml:trace>
+  <inkml:trace contextRef="#ctx0" brushRef="#br0" timeOffset="27116">27034 7650 24575,'0'0'0</inkml:trace>
+  <inkml:trace contextRef="#ctx0" brushRef="#br0" timeOffset="27484">26775 8575 24575,'0'0'0</inkml:trace>
+  <inkml:trace contextRef="#ctx0" brushRef="#br0" timeOffset="28500">26276 8569 24575,'0'39'0,"9"5"0,2 6 0,-2-7 0,2 1 0,1 6 0,2 2 0,4 5 0,-2-4 0,-1 5 0,-5-14 0,-1-3 0,-2-6 0,10-40 0,-1-22 0,22-26 0,-14 2 0,-5 20 0,1-2 0,-2-1 0,0 1 0,4-2 0,-1 1 0,-3 2 0,-1 2 0,8-1 0,-15 14 0,-2 14 0,-2 3 0,1 15 0,5 13 0,1 16 0,-1-12 0,1 1 0,11 18 0,0 1 0,3-5 0,-8-19 0,5 4 0,-8-20 0,3-5 0,-9-5 0,5-2 0,-5 0 0,0 0 0,3-6 0,-3-1 0,4-10 0,12-25 0,-10 10 0,0-4 0,4-10 0,0-3 0,6-11 0,0-2 0,-1 2 0,-1 1 0,2 2 0,0 3-212,-6 12 1,-2 4 211,9-9 0,-13 25 0,-3 5 0,-4 8 0,-4 0 0</inkml:trace>
+  <inkml:trace contextRef="#ctx0" brushRef="#br0" timeOffset="29183">27772 7804 24575,'-29'20'0,"1"10"0,-5 12 0,10 11 0,4-13 0,11-3 0,5-11 0,3 5 0,0-10 0,0 8 0,0-17 0,0 10 0,0-11 0,0 6 0,8-3 0,0-6 0,8 4 0,-3-6 0,2 4 0,2 0 0,-3-1 0,-2-2 0,-9-5 0,0-2 0</inkml:trace>
+  <inkml:trace contextRef="#ctx0" brushRef="#br0" timeOffset="30466">27987 7915 11540,'0'12'0,"0"3"4903,0 13-4903,0 4 2268,0-7-2268,0-3 1286,0-7-1286,0-10 4578,0 4-4578,0-3 0,0 3 0,0 0 0,0 0 0,0 3 0,0-3 0,0 0 0,0-3 0,2-13 0,6-7 0,3-10 0,8-26 0,4 8 0,-2-13 0,0 19 0,-8 15 0,-1 9 0,-3 8 0,0 2 0,-3 2 0,0 0 0,3 0 0,7 0 0,5 3 0,3 3 0,-1 7 0,-7 4 0,0 2 0,-9-5 0,-1-2 0,-6 3 0,0-4 0,0 9 0,0-3 0,0-3 0,0 3 0,0-3 0,0-1 0,0 3 0,0-3 0,0 3 0,0-7 0,0 0 0,0-6 0,0-1 0</inkml:trace>
+  <inkml:trace contextRef="#ctx0" brushRef="#br0" timeOffset="31183">28416 7805 8191,'3'4'0,"0"4"5063,-3 12-5063,0 6 2818,0 16-2818,0 4 1719,0 4-1719,0-10 6784,0-13-6784,0-8 0,0-6 0,0-4 0,0-3 0,0-1 0,0 4 0,-3-3 0,2 0 0,-1-3 0</inkml:trace>
+  <inkml:trace contextRef="#ctx0" brushRef="#br0" timeOffset="32899">28609 4516 24575,'0'46'0,"0"-1"0,0 0 0,0 16 0,0 4 0,0 0 0,1-14 0,0 0 0,0 1 0,1 2-973,2 6 1,-1 1 0,2 1 0,0-1 972,0-2 0,1 0 0,0-2 0,1-2-669,3 5 0,0-2 0,0-1 669,-2-1 0,-1 0 0,0-3 0,2 8 0,-1-2 0,1 2 0,-1-1-155,-1 1 1,-1 1 154,0 4 0,-1-2 0,-2-20 0,-2 0 0,0 2 0,-1 4 0,-1-6-495,1-9 1,0-1 494,0 21 0,0 1 0,0-10 0,0-2 0,1-5 0,-2 2 0,-1 3 0,-1 4 0,-1-1 516,-3 8 1,-2 1-517,0 3 0,-3 5 0,1-5 0,-2 1 0,0-1 0,1-8 0,0 3 0,1-6 0,3-5 0,0-1 0,-2 14 0,1-3 0,0-2 0,3-11 0,2-1 0,-1 8 0,-4 15 0,4-7 0,0 1 0,-3-6 1153,7-16 0,1 0-1153,-8 23 932,6-19 1,0-2-933,-6 16 1377,-3 0-1377,0-20 613,0 2-613,2-16 0,5 1 0,-2-13 0,3 7 0,-1-6 0,-1 2 0,4-3 0,-5 3 0,5-2 0,-7 9 0,4-3 0,-6 10 0,4 0 0,-1 4 0,3-6 0,1-2 0,0-5 0,2 3 0,-2 3 0,3-1 0,0 0 0,0-5 0,0-1 0,0-3 0,0 3 0,0-9 0,0 2 0</inkml:trace>
+  <inkml:trace contextRef="#ctx0" brushRef="#br0" timeOffset="40032">20815 12999 8191,'-5'-3'0,"-12"1"5063,-8 2-5063,-18 0 2818,-2 0-2818,-9 0 0,14 0 1719,5 0-1719,13 0 6784,0 0-6784,-20 3 0,9 10 0,-9 0 0,17 7 0,-4 13 0,-3 4 0,12-6 0,-1 2 0,0 0 0,0 1 0,1 11 0,2 0 0,6-13 0,1 1 0,-5 15 0,3 0 0,6 7 0,1-19 0,0 0 0,6 14 0,0-3 0,0 16 0,0-7 0,0-20 0,0 1 0,11 27 0,-3-30 0,2 0 0,3 1 0,2-1 0,0 1 0,-1 0 0,16 24 0,-10-10 0,-2-16 0,-8-12 0,2 1 0,-5-14 0,2 7 0,-3-9 0,-3-1 0,3 1 0,5 0 0,14 4 0,17 2 0,-8 0 0,0 1 0,30 6 0,-28-5 0,-1-1 0,15 1 0,4 3 0,-9-7 0,4 3 0,-11-8 0,13-1 0,-6-4 0,9-7 0,-9-11 0,-9-9 0,-9-3 0,-7 2 0,-9 6 0,6-10 0,-5-2 0,7-18 0,-4-8 0,-6 26 0,-2-2 0,-1-5 0,-3-3 0,2-2 0,-2-2 0,-3-4 0,0 0 0,0 1 0,0 3-691,0 11 0,0 2 691,0-30 0,0 7 0,0-5 0,0-2 0,-2 26 0,-1-1 0,-1 1 0,-2-2 0,-5-16 0,-3-4 0,3 16 0,-1-1 0,-1 1-258,-1 0 0,-2 0 0,1 0 258,-5-18 0,0 3 0,2 11 0,1 5 0,0-7 0,3 16 0,7 19 1326,1 5-1326,0-1 0,0 8 0,-3 2 830,2 2-830,-4 0 0,4 0 0,-4 0 0,4 0 0,-1 3 0,5 0 0,-3 3 0,3 3 0,-3 0 0,-3 7 0,-2 4 0,1 0 0,-2 2 0,3-6 0,-4-1 0,1-5 0,0-2 0,-1-2 0,4-2 0,0 1 0,3-4 0,0 4 0,-3-2 0,0 3 0,-3 0 0,-4 1 0,3-1 0,-6 0 0,3 3 0,-1-1 0,4 1 0,1-3 0,-1 3 0,-1 1 0,-1 0 0,2 1 0,4-4 0,0 4 0,5-1 0,-1 2 0,16 0 0,-10-5 0,11-1 0</inkml:trace>
+  <inkml:trace contextRef="#ctx0" brushRef="#br0" timeOffset="48184">13056 12082 24575,'0'40'0,"0"0"0,-3 9 0,-3 5 0,-1 6 0,-2 7 0,-1 4-1967,2-17 1,0 3 0,0 2 0,-1 1 0,0-1 1725,-1 3 0,-1 0 0,0 1 0,0 1 0,1 0 241,2-7 0,-1 3 0,1 0 0,0-1 0,1-2 0,0-4 0,0 4 0,1-3 0,0-2 0,-1 2-92,0 5 0,0 1 0,0-1 1,1-3 91,0-2 0,1-4 0,-1 5 140,0-1 0,-1 5 0,0 4 1,-1-2-1,1-4-140,0-2 0,0-3 0,0-1 0,1 3-128,0 0 0,1 3 0,0 0 0,0-2 0,0-4 128,0 5 0,-1-5 0,2-1 1439,0-2 1,1-1 0,0-2-1440,0 9 0,0-3 1683,-1-7 1,1-1-1684,2-4 0,1-3 0,-4 19 2316,4-13-2316,0-16 1340,0-8-1340,0 0 0,0-8 0,0-1 0,0-3 0,0 0 0,0 3 0,0 0 0,0 3 0,0 1 0,0 2 0,24 2 0,32 7 0,-21-12 0,5-1-862,4-1 1,4-1-1,-2-1 862,1 1 0,2-1-978,-1-2 1,7-1 0,2 0 0,-3 0 977,1-1 0,-1 1 0,7-1 0,-5 1 0,7 0 0,5 0 0,2 1 0,-1 0 0,-4-1 0,-8-1 0,-2 0 0,-1 0 0,1 0 0,1 0 0,3 1 0,-2-1 0,3 1 0,2 0 0,1 0 0,0 0 0,-1 0 0,-1 0 0,-3 0 0,8 0 0,-2 0 0,-2 0 0,-1-1 0,1 1 0,-1-1 0,-1-1 0,1 0 0,-1 0 0,-1-1 0,-2 0 0,-2 1-243,10 0 1,-4 1 0,-2-1 0,-1-1 242,12-1 0,-3-2 0,-6 1 0,-2 0 0,-5 0 0,-2 0 0,-3 0 0,7 0 0,-12 0 0,-7 0 470,-5 0 0,-15 0 0,-3 0 0</inkml:trace>
+  <inkml:trace contextRef="#ctx0" brushRef="#br0" timeOffset="83016">18411 13172 24575,'-55'0'0,"-6"0"0,11 0 0,-2 0 0,9 0 0,0 0 0,-5 0 0,-1 0 0,-5 0 0,4 0 0,-16 0-791,19 0 1,0 0 790,-16 0 192,29 0 0,-1 0-192,-1 1 0,-1 2 0,-3 4 0,-1 5 0,-1 4 0,1 5 0,3 3 0,3 4 0,-2 6 0,2 3 0,0 1 0,4 0 0,9-8 0,2 0 0,-2 2 0,2-1 0,3 7 0,-1 0 0,2 4 1197,7-4-1197,-4 0 0,5-2 0,0 1 0,3 1 0,1 1 0,4 22 0,0-28 0,0 2 0,0 8 0,0 2 0,3 5 0,2-2 0,3-5 0,1-3 0,3 0 0,1-3 0,18 18 0,-11-17 0,0-14 0,-10-7 0,4-6 0,-1 2 0,4-6 0,-2 6 0,12 1 0,7 5 0,12 7 0,12-2 0,2 3 0,-26-16 0,1-1 0,0 2 0,0 0 0,26 2 0,-3 2 0,-15-8 0,1 1 0,-1-4 0,1-1 0,4 0 0,-14-4 0,2 1 0,6 1 0,2 0 0,5-2 0,2 0 0,5-2 0,-1 0 0,-13-1 0,-3 1 0,0-3 0,-2 0 0,12-4 0,-6 5 0,0-4 0,10 0 0,-3-1 0,4-6 0,-9 4 0,-6-10 0,-3-5 0,-10 0 0,-1-7 0,-3-9 0,-7 2 0,7-7 0,-13 5 0,3-2 0,-4 0 0,5-19 0,-4 8 0,-5 21 0,0 0 0,-1-11 0,-3 5 0,0 4 0,-8-19 0,-2 16 0,-2-1 0,2 8 0,-1 0 0,-3-3 0,-1 2 0,-6-5 0,-2-11 0,-3 4 0,3 2 0,-2 4 0,4 6 0,0 4 0,-10-10 0,0 7 0,-12-10 0,-3 3 0,-4 4 0,4 1 0,1 8 0,12 7 0,8 5 0,11 8 0,2 2 0,1-2 0,1 5 0,-2-2 0,-1 1 0,-4-5 0,0 3 0,2-4 0,5 7 0,4-2 0,4 3 0</inkml:trace>
+  <inkml:trace contextRef="#ctx0" brushRef="#br0" timeOffset="93531">18206 15344 24575,'31'-34'0,"0"0"0,7-10 0,2 0 0,2 1 0,3 1 0,5-4 0,-3 2 0,-19 17 0,-3 4 0,23-13 0,-24 17 0,-12 6 0,4 5 0,-13 10 0,-4 24 0,-10 12 0,1 6 0,-4-2 0,6-10 0,-1 0 0,5-5 0,-3 0 0,6-5 0,-5 2 0,2-3 0,-2 5 0,-1 1 0,0 8 0,0 0 0,-1 2 0,0-10 0,4 4 0,-3-4 0,6 0 0,-6 3 0,3 8 0,-1-8 0,2 6 0,0-13 0,2-1 0,-2-3 0,3-9 0,0-4 0</inkml:trace>
+  <inkml:trace contextRef="#ctx0" brushRef="#br0" timeOffset="94230">19270 15014 8338,'-7'10'0,"-26"36"2129,-4-3 0,-4 7-2129,12-11 0,-1 2 0,-2 2 0,-8 8 0,-2 2 0,4-4 588,-3 5 0,4-3-588,2-2 0,2-3 0,-8 5 1995,13-11-1995,3-6 5628,-2 8-5628,11-7 816,-6 9-816,8-11 2364,3-7-2364,5-10 0,3-3 0,3-7 0,0-4 0</inkml:trace>
+  <inkml:trace contextRef="#ctx0" brushRef="#br0" timeOffset="97148">19357 15268 24575,'0'46'0,"0"-1"0,0 5 0,0 0 0,0-5 0,0 0 0,0 0 0,0-3 0,0 3 0,0 3 0,0-4 0,0-6 0,0-14 0,0-1 0,0-14 0,0-5 0,3-8 0,1-14 0,4-6 0,2-3 0,3-4 0,13-12 0,-7 8 0,7-8 0,-8 15 0,-4 7 0,1 4 0,-5 5 0,-1 8 0,-6-1 0,2 5 0,-16-3 0,0 6 0,-13 1 0,-2 7 0,-2-2 0,-3 6 0,-1-3 0,5 0 0,4-1 0,3-4 0,6 2 0,0-5 0,11 2 0,6-6 0,11 0 0,8 0 0,1 0 0,7 0 0,11-7 0,-6 1 0,6-5 0,-1 0 0,-9 3 0,12-5 0,-11 5 0,-8-2 0,-5 6 0,-9-1 0,-1 4 0,0-4 0,-2 4 0,1-5 0,-2 6 0,0-3 0,-3 0 0,2 3 0,-4-6 0,6 1 0,0-8 0,6-1 0,0-2 0,0 3 0,3-3 0,-2 4 0,-1 0 0,-1 3 0,-5 5 0,-4-2 0,-6 6 0,-16 4 0,-6 9 0,-18 3 0,2 12 0,-7-2 0,4 0 0,13-8 0,1-4 0,16-8 0,-3 4 0,0 0 0,7 0 0,-5-1 0,8-5 0,-2 1 0,3-5 0,-2 6 0,1-3 0,-2 3 0,3 0 0,0-3 0,3 3 0,2-6 0,21 9 0,16 0 0,23 6 0,6 1 0,-16-4 0,-4 0 0,-23-5 0,5 4 0,-6-3 0,7 9 0,1-3 0,10 11 0,-3 0 0,4 7 0,-8-3 0,-6-7 0,-10-6 0,-4-7 0,-5-5 0,-1 4 0,-3-8 0,-3 3 0</inkml:trace>
+  <inkml:trace contextRef="#ctx0" brushRef="#br0" timeOffset="103348">20981 11276 24575,'0'50'0,"0"0"0,0-14 0,0 3 0,0 6 0,0 5 0,0 2-732,0 7 1,0 3-1,0-3 732,0-7 0,0-2 0,0 3-813,0 0 1,0 5-1,0-1 1,0-6 812,0 13 0,0-6 0,0-7 0,0-5 1207,0 2-1207,0-26 0,0 5 0,0-21 948,0 4-948,0-10 3290,0-6-3290,0-1 0,0-8 0,0 5 0,0-21 0,0-5 0,7-19 0,-2 19 0,3-1 0,7-4 0,4-2 0,7-13 0,2-1 0,-3 8 0,1 2 0,6-5 0,-1 4 0,-1-4 0,0 4 0,-17 30 0,-5 2 0,0 7 0,-8 4 0,3 4 0,-3 9 0,0 21 0,0 12 0,0 6 0,0 6 0,0-2 0,0 4 0,0-4 0,0 4 0,0-1 0,0 13 0,0-2 0,2-5 0,0-4 0,-2-17 0,1-5 0,2 7 0,-3-18 0,3-13 0,0-4 0,5-6 0,-4 0 0,2 0 0</inkml:trace>
+  <inkml:trace contextRef="#ctx0" brushRef="#br0" timeOffset="104682">20825 12379 24575,'3'30'0,"12"9"0,2 3 0,16 4 0,-12-22 0,13 15 0,-7-8 0,3 2 0,-5-8 0,-12-12 0,-2-1 0,-7-5 0,4 1 0,-4-4 0,2 1 0,2-2 0,-4 3 0,4 0 0,-7 1 0,4 1 0,-1-1 0,2 1 0,-3 1 0,2-2 0,-2 1 0,4 1 0,1 1 0,-1-1 0,2 0 0,-3-3 0,-3 0 0,2 0 0,-1 0 0,-1 0 0,2-3 0,1 0 0,4-12 0,3-17 0,8-13 0,3-15 0,-1 14 0,-2 8 0,-7 15 0,-3 3 0,1 1 0,-1-1 0,2 1 0,6-4 0,6-3 0,0-2 0,-2 2 0,-7 4 0,-4 4 0,-2-2 0,-1 5 0,-3-1 0,-2 4 0,1 0 0,-2-3 0,6-1 0,1-2 0,5-4 0,-1 2 0,-4 4 0,-4 4 0</inkml:trace>
+  <inkml:trace contextRef="#ctx0" brushRef="#br0" timeOffset="107148">14057 7948 24575,'24'28'0,"0"0"0,4 1 0,3 3 0,0 2 0,3 4 0,-2-4-1559,1-3 1,-1 1 1558,1 5 0,3 5 0,-5-6 982,14 10-982,-13-5 0,-1-2 0,9 4 512,-3 6-512,-22-28 0,-6-11 0,-5-1 0,-2-6 0</inkml:trace>
+  <inkml:trace contextRef="#ctx0" brushRef="#br0" timeOffset="107965">14097 8707 24575,'19'-36'0,"0"0"0,9-11 0,2-2 0,4-4 0,2-1 0,-7 16 0,1-1 0,-4 4 0,-6 4 0,-1 3 0,17-20 0,-23 31 0,-6 0 0,2 4 0,-5 0 0,1 0 0,-1-4 0,10-12 0,-1-5 0,10-6 0,3-17 0,3 10 0,-5-5 0,-3 19 0,-11 17 0,-1 10 0,-6 3 0,-1 3 0</inkml:trace>
+  <inkml:trace contextRef="#ctx0" brushRef="#br0" timeOffset="108598">14818 7596 24575,'0'27'0,"0"20"0,0 10 0,0-3 0,0-10 0,0-27 0,0 4 0,0-18 0,0 0 0</inkml:trace>
+  <inkml:trace contextRef="#ctx0" brushRef="#br0" timeOffset="109231">14736 7585 24575,'29'0'0,"7"0"0,10 0 0,-2 0 0,-8 0 0,-5 0 0,-9 0 0,-6 0 0,0 0 0,-8 0 0,9 0 0,-7 0 0,-3 0 0,-1 0 0</inkml:trace>
+  <inkml:trace contextRef="#ctx0" brushRef="#br0" timeOffset="109965">15238 7736 12666,'0'14'0,"0"11"4678,9 10-4678,0-1 2070,13-1-2070,-6-11 1153,2 0-1153,1 1 4008,3 9-4008,-1-3 0,-3 8 0,8 6 0,-3 11 0,-3-15 0,2 3 0,0 2 0,1 1 0,2 5 0,1 0-388,-1-9 1,-1-3 387,-4-4 0,0-2 0,17 20 0,-19-23 0,10 8 0,-16-17 0,4-1 0,-4-3 0,-5-6 0,-1-4 0,-3 0 0</inkml:trace>
+  <inkml:trace contextRef="#ctx0" brushRef="#br0" timeOffset="110782">15240 8749 10210,'-4'-3'0,"2"-12"5075,9-10-5075,11-16 0,3-6 0,-4 11 0,2-2 401,0-2 0,3-3 0,-2 2-401,1-1 0,0-1 0,1-2 0,1-4 0,-2 5 0,-4 8 0,1 1 0,12-23 0,0 2 1658,0-3-1658,-14 30 0,0-1 4958,12-27-4958,-17 24 0,-2 19 0,-9 5 1471,6 9-1471,-1-9 0,2 1 0,2-5 0,7-3 0,5-5 0,1 3 0,-5 4 0,-11 8 0</inkml:trace>
+  <inkml:trace contextRef="#ctx0" brushRef="#br0" timeOffset="116414">17882 7999 24575,'0'49'0,"0"-10"0,0 5 0,0 13 0,0 3 0,0-13 0,0 2 0,0-2 0,0 9 0,0-2 0,0-7 0,0-5 0,0 6 0,0-24 0,0-5 0,0-8 0,-6 6 0,5-8 0,-5-4 0,6 1 0,0 0 0,0-1 0,0 1 0,0-1 0,10-2 0,25 0 0,26-3 0,-18 0 0,2 0 0,1 0 0,0 0 0,-2 0 0,-1 0 0,-8 0 0,0 0 0,28 0 0,-10 0 0,-18 0 0,10 0 0,-32 0 0,10 0 0,-14 0 0,0-3 0,1 3 0,-16-3 0,-9 3 0,-26 0 0,-9 0 0,13 0 0,-3 0 0,-3 0 0,-5 0 0,4 0 0,-5 0 0,3 0 0,3 0 0,3 0 0,-16 0 0,21 0 0,18 0 0,5 0 0,6 0 0,0 0 0,0 0 0,0 0 0,1 0 0,-1 0 0,3-3 0,0 0 0,3-12 0,0-19 0,2 2 0,0-5 0,3-15 0,0-3 0,0-2 0,1-1 0,1-7 0,0 1 0,-3 13 0,0 4 0,-1 8 0,-1 4 0,2-13 0,-4 23 0,0 14 0,3-2 0,-3 7 0,3-1 0,-3 1 0,0 1 0,0-1 0,0 0 0,0 1 0,0-1 0,0 0 0,0 1 0,0-1 0,-2 3 0,-2 1 0,-1 2 0,2 8 0,0 0 0,3 4 0,-3 5 0,-2 12 0,-3 11 0,-3 13 0,-1 1 0,-3-4 0,-1-1 0,2-9 0,3-4 0,1-12 0,6-5 0,1-9 0,0 3 0,2 1 0,-2 0 0,0 3 0,2 6 0,-2 3 0,1 2 0,1-5 0,-2-8 0,3-3 0,0-3 0,-2-3 0,1 0 0,-2 0 0,3 0 0,0 3 0,-2-3 0,1 9 0,-2 3 0,3 9 0,0-7 0,0-2 0,0-8 0,0-2 0,5-4 0,29 2 0,31-6 0,-24 2 0,2 0 0,10-2 0,-1 0 0,-9-2 0,-3 0 0,-1-1 0,-2-1 0,12-5 0,-17-2 0,-15 4 0,-7 4 0,0 0 0,-4 0 0,-1 2 0,1-1 0,0 2 0,0 0 0,-1 0 0,-1 0 0,-2 0 0</inkml:trace>
+  <inkml:trace contextRef="#ctx0" brushRef="#br0" timeOffset="124182">19922 14979 8191,'-14'0'0,"-30"0"2531,10-2 1,-3 0-2532,-13-2 0,-3-1 0,3 0 0,1 0 0,4-1 0,2-1 0,-22 3 0,15 0 0,11 4 2818,2 0-2818,-15 0 1719,-5 0-1719,18 0 0,-3 0 3392,-6 0 0,-1 0-3392,-1 0 0,-1 0 0,-4 0 0,-1 0 0,3 0 0,1 0 0,0 0 0,0 0 0,0 0 0,1 0 0,4 0 0,2 0 0,10 0 0,3 0 0,-29 0 0,23 0 0,-4 0 0,-1 4 0,-18 4 0,13 2 0,-13 2 0,-1 0 0,29-5 0,0-1 0,-5 3 0,0-1 0,-26 8 0,18-2 0,18 0 0,9-1 0,8 1 0,-2 3 0,-2 15 0,2-2 0,3 0 0,2 5 0,4 0 0,2 2 0,-2 6 0,1 1 0,2 4 0,2 0 0,-2-5 0,2-1 0,3-1 0,3-1 0,2-2 0,3-1 0,15 23 0,9-11 0,-5-11 0,16 9 0,-14-14 0,-8-9 0,1-1 0,10 8 0,-7-6 0,2 1 0,1-2 0,0-1 0,5 6 0,0-2 0,-5-5 0,1-3 0,1-1 0,0-3 0,12 5 0,-13-9 0,1-2 0,22 4 0,3 2 0,4-3 0,-13-3 0,-1 0 0,0-4 0,13 2 0,-20-2 0,18-1 0,-26 0 0,1 0 0,3-3 0,4-1 0,20 3 0,3-1 0,-8-2 0,1 0-693,8 0 1,-2 0 692,-16 0 0,-3 0 0,-5 0 0,-1 0 0,5 0 0,0 0 0,-9 0 0,0 0 0,11 0 0,0 0 0,18 0 0,1 0 0,-8 0 0,-13 0 0,0 0 0,-9-4 0,-2-1 0,2 2 0,-1-3 0,-1-6 0,-3-5 0,15-21 0,-12 9 0,-1-4 0,-5-5 0,-2-2 692,1-3 1,-1 0-693,-1-4 0,-1 2 0,-7 13 0,-1 2 0,2-2 0,-2 3 0,2-4 0,15-19 0,-1-4 0,-12 21 0,0-2 0,1-3 0,-2-1 0,-4 5 0,-3 1 0,1-2 0,-3-1 0,-1-25 0,-4 17 0,-7 6 0,-9 17 0,1 4 0,-17-4 0,4 7 0,-14-9 0,5 8 0,-8-7 0,-16-2 0,24 9 0,-2-1 0,-12 0 0,-2 0 0,-5-5 0,0 1 0,1 3 0,-1 0 0,-5-4 0,1 0 0,9 0 0,4 2 0,7 4 0,2 0 0,-20-15 0,25 16 0,1-1 0,10 5 0,5 2 0,11 7 0,2 3 0</inkml:trace>
+</inkml:ink>
+</file>
+
+<file path=ppt/ink/ink14.xml><?xml version="1.0" encoding="utf-8"?>
+<inkml:ink xmlns:inkml="http://www.w3.org/2003/InkML">
+  <inkml:definitions>
+    <inkml:context xml:id="ctx0">
+      <inkml:inkSource xml:id="inkSrc0">
+        <inkml:traceFormat>
+          <inkml:channel name="X" type="integer" min="-2.14748E9" max="2.14748E9" units="cm"/>
+          <inkml:channel name="Y" type="integer" min="-2.14748E9" max="2.14748E9" units="cm"/>
+          <inkml:channel name="F" type="integer" max="32767" units="dev"/>
+        </inkml:traceFormat>
+        <inkml:channelProperties>
+          <inkml:channelProperty channel="X" name="resolution" value="1000" units="1/cm"/>
+          <inkml:channelProperty channel="Y" name="resolution" value="1000" units="1/cm"/>
+          <inkml:channelProperty channel="F" name="resolution" value="0" units="1/dev"/>
+        </inkml:channelProperties>
+      </inkml:inkSource>
+      <inkml:timestamp xml:id="ts0" timeString="2023-03-22T15:15:43.610"/>
+    </inkml:context>
+    <inkml:brush xml:id="br0">
+      <inkml:brushProperty name="width" value="0.05292" units="cm"/>
+      <inkml:brushProperty name="height" value="0.05292" units="cm"/>
+      <inkml:brushProperty name="color" value="#FF0000"/>
+    </inkml:brush>
+  </inkml:definitions>
+  <inkml:trace contextRef="#ctx0" brushRef="#br0">7557 12196 8191,'-2'3'0,"-35"0"4777,-15-3-4777,12 0 0,-3 0 0,4 0 0,0 0 0,-5 0 0,0 0 0,5 0 0,0 0 1426,-13 0 1,-1 0-1427,2 0 0,-1 0 0,1-1 0,0 2 877,0 4 0,2 4-877,3 3 0,2 5 0,1 9 0,3 2 0,1-1 0,3 2 2599,2 3 1,5 1-2600,-3 14 0,6-14 0,0 0 300,3 19-300,-2-11 0,0 4 0,8-1 0,3 0 0,-1-1 0,1 2 0,3-1 0,1 3 0,2 0-384,3-2 0,2 0 0,0 2 384,-2 11 0,0 1 0,5 0 0,4-5 0,4 0 0,4 0 0,7 8 0,5 2 0,3-6 0,-1-14 0,3-5 0,2 2 0,0-3 0,3 2 0,1-1 0,-2-5 0,17 9 0,0-5-713,3-2 1,0-2 712,-6-6 0,0-1-300,1-1 0,1-1 300,8 1 0,4 2 0,-17-7 0,2 1 0,3 1 0,1 0 0,4 1 0,1-1 0,2 0 0,3 2 0,-2-1 0,3 2 0,2 0 0,-1 0 0,-2-2-450,-7-3 0,-1-2 1,0 1-1,-1-2 0,0 0 450,13 4 0,1 0 0,-3-2 0,-3-3 0,-1-4 0,-3-2 0,-3-2-415,16 4 1,-7-5 414,-20-5 0,-4-5 1106,16-20-1106,-27-11 0,-7-6 0,-3-4 0,-7 9 0,-1-1 0,4-13 0,-1-3 0,-3-5 0,-2-1 0,-2 4 0,-1-3 171,0 2 0,1-3 0,-2-1-171,-1 6 0,-1 0 0,-1-2 0,1-9 0,1-2 0,-2 2 0,0 9 0,-1 1 0,0 2 0,-1-1 0,0 1 0,-3 1 0,-1 5 0,-2 0 0,-1 0 0,0-1 0,-1 0 0,0-1 0,-1-2 0,0-1 0,0 0 0,-1-1 0,0 1 0,1 3 0,1 1 0,1 1 0,-8-18 0,1 5 0,1 6 1190,2 12 0,-2 0-1190,0 6 0,-3 4 1120,-4 4 0,-5 1-1120,-12-5 0,-6 3 0,-8 8 0,-4 6-758,10 5 1,-1 2 0,1 1 757,-13 2 0,1 1 0,-7 2 0,2 0 0,16 0 0,2 0 0,-10 0 0,0 0 0,5-1 0,0 2 0,-10 7 0,-2 2 0,2 0 0,2 1 0,12 2 0,0 0-182,-18 1 1,4-2 181,4-2 0,22-4 0,4-2 0,8 0 0</inkml:trace>
+  <inkml:trace contextRef="#ctx0" brushRef="#br0" timeOffset="5048">8016 14268 24575,'49'-43'0,"-5"7"0,7-4 0,-1 4 0,6-3 0,0 1-1664,-12 8 1,1 0-1,0-1 1,0 2 1663,11-8 0,0 2 0,-1 1 0,-1 3 0,1 1 0,-2 2 0,-8 4 0,0 1 0,0 0 0,9-3 0,2 1 0,-1 0 0,-2 4 0,0 1 0,-1 1 0,-1 1 0,-1 0 0,4 1-543,1 1 1,5 1 0,0 1-1,-6 0 543,-6 2 0,-5 1 0,7 0 0,6 0 0,7 0 0,3 0 0,1 1 0,-4 1 0,2 2 0,-2 2 0,0 1 0,3 0 0,-10 0 0,3 0 0,1 0 0,0 1 0,1 0 0,-2 1 0,0 0 0,0 0 0,0 1 0,-1 0 0,-2 0 0,-3 1 0,9 1 0,-3 0 0,-2 1 0,-1 0 0,-2 0 0,0 0 0,-1 1 0,-2 2 0,7 4 0,-2 3 0,1 1 255,4 2 1,1 1 0,0 1-256,2 1 0,0 1 0,-3-1 0,-11-1 0,-1 0 0,-4-1 0,8 1 0,-6 0 0,-15-3 0,-1-1-217,12 2 1,1-1 216,16 10 0,-23-12 0,2 2 1279,3 3 0,0 1-1279,-4-1 0,1 1 0,19 7 0,2 1 0,-5-2 0,-2-2 1577,-8-4 1,-2-1-1578,-3-1 0,-5-2 1421,9 3-1421,-8-4 690,-8-2-690,-2-3 61,-4-1-61,-4 0 605,3-3-605,-4 2 0,0-3 0,-2 3 0,8 1 0,1 2 0,6 0 0,2 1 0,-9 1 0,8 1 0,-4 3 0,1 1 0,-2-5 0,-8 0 0,-4-5 0,50-2 0,-9-1-814,2-4 1,6 2 813,-8 3 0,-1 2-1038,-9-1 1,2 1 1037,1 5 0,3 2 0,-5 0 0,-12-2 0,0 1 0,16 3 0,8 3 0,-4-1 0,-1 1 0,-2 0 0,9 2 0,1 2-184,-18-5 0,1 1 1,-3-1 183,1 3 0,0-1 0,9 6 0,0 0 0,-16-7 0,-3-2 0,18 11 0,-18-9 1400,-15-5-1400,4 2 2180,-6 3-2180,9 1 673,-1 5-673,6 1 0,1 0 0,-1-1 0,10 12 0,-7-11 0,-1 4 0,-11-15 0,-8-2 0,-6-8 0,3 1 0,-6-19 0,-4-9 0,-3-7 0,-3-5 0,-1 7 0,-3-4 0,2 0 0,-7-14 0,11 15 0,-2-9 0,7 8 0,0 2 0,0-5 0,0 10 0,0 9 0,0 8 0,0 2 0,14 38 0,12 5 0,6 21 0,0-10 0,0-4 0,-15-18 0,5 7 0,-12-23 0,-4-1 0,0-3 0,3 6 0,-2-4 0,-1 7 0,-1-3 0,-4 8 0,2 3 0,-3 4 0,0-3 0,-10-5 0,-7-5 0,-11-4 0,-14-5 0,7-2 0,-17-3 0,7 0 0,12 0 0,-1 0 0,-2 0 0,-2 0 0,-10 0 0,-1 0 0,1 0 0,0 0 0,-2 0 0,1 0 0,11 0 0,3 0 0,-21 0 0,31 0 0,7 0 0,14 0 0,-1 0 0</inkml:trace>
+  <inkml:trace contextRef="#ctx0" brushRef="#br0" timeOffset="10831">4674 11547 8191,'0'-3'0,"-8"0"5063,-30 3-5063,-5-1 0,-7 2 0,4 5 0,-4 3 0,-1 1 324,3 1 0,-3 0 0,0 2 0,0 2-324,-3 2 0,-1 1 0,1 2 0,1 1 101,7-1 1,0 2-1,2 1 1,-1-2-102,-11 5 0,1-2 0,5 1 0,4 3 0,2 0 0,3-5 0,-2-1 0,5-1 3729,-18 15-3729,8-5 0,0-1-174,18-12 0,2-1 174,1 4 0,-1 1 0,-2 0 0,1 0 0,-18 16 764,13-1 0,-1 3-764,7-10 0,2 3 0,-10 14 0,4 3 0,10-9 0,5-1 0,2 5 0,4 1 0,3 7 0,3 0 576,3-13 0,0 0-576,2 2 0,0-1 0,-1-5 0,2 1 805,12 8 1,6 4-806,-3-6 0,3 4 0,4-2 0,12 6 0,6-1 0,2 0-427,-5-6 1,2 1-1,1-1 1,3 0 426,-5-7 0,2 0 0,1 0 0,1 0 0,1 0-509,4 2 1,1 1-1,0-1 1,2 1-1,0-1 509,-6-4 0,1-1 0,0 0 0,1 0 0,0 0 0,1-1 0,1-1 0,-1 1 0,2-2 0,0 1 0,0-1 0,0-1 0,1-1 0,-1-1 0,1 0 0,1-1 0,0 0 0,1 0-691,4 0 0,3 1 0,0 0 0,0-2 0,-3-1 0,-3-3 691,3 1 0,-4-2 0,0-3 0,5 1 0,4 1 0,7 0 0,0-1 0,-4-2 0,-10-5-749,4-3 1,-1-2 748,-7-1 0,6 2 0,3 0 0,-2-1 0,-4-1 0,-1 0 0,1 0 0,1-1 0,4 0 0,0 1 0,2-1 0,3 0 0,-11-1 0,2-1 0,1 0 0,1 0 0,0 0 0,-1 0 0,6 0 0,0 1 0,0-1 0,1 1 0,1-1 0,-1 0 0,1-1 0,2 1 0,0-1 0,0 0 0,0 1-303,-9-1 0,0 1 0,0-1 0,0 0 0,1 1 0,1-1 0,1 1 303,1 1 0,2-1 0,1 1 0,0 0 0,1 0 0,-1 0 0,-1 0 0,-3-1-198,0 1 0,-2 0 1,-1 0-1,0-1 0,0 1 1,0 0-1,1 0 198,6 1 0,1-1 0,0 1 0,1 0 0,-1 0 0,-2 0 0,-2 1 0,-1 1 0,-3 0 0,0 0 0,-1 1 0,0-1 0,1 1 0,4 0 0,2-1 0,0 1 0,-1 0 0,-2 0 0,-2 0-156,-2 0 0,-3 1 1,-1-1-1,1 1 0,1-1 156,6 0 0,3 1 0,-1-1 0,-1 0 0,-4 1 258,10 3 1,-4 0 0,-1-1-259,-1-3 0,0 0 0,-1 0 847,0 1 1,0 1 0,-12-3-848,1-1 0,6-2 0,0-2 0,-2-12 0,7 1 0,9-2 388,-18-1 1,1-3 0,2 1-389,7 0 0,2-1 0,3 1 0,-7 1 0,2-1 0,2 0 0,5 1 0,-16 3 0,4-1 0,1 1 0,3 0 0,-1-1 0,0 2 0,-1-1-14,4 1 1,0 0 0,-1 0 0,0 1 0,3-1 0,2 0 13,-10 1 0,2-1 0,2 0 0,1 0 0,0 0 0,0 0 0,-1 0 0,-3 1 0,-3 0 0,8 0 0,-3 1 0,-3 0 0,0 0 0,0 0 0,0 0-156,3-1 0,1 1 0,0-1 1,-1 0-1,-3 0 0,-4 0 156,4-1 0,-4-1 0,-2 0 0,-1 0 0,15-3 0,-1-1 0,-7 0 0,-3-1 0,-4-1 0,1-4 0,-2-2 210,-6 4 1,-1-1-211,1-3 0,0-1 839,6 1 1,-2 1-840,-6 3 0,-1 0 0,-1 0 0,1 1 0,3 2 0,0 1 0,-9 0 0,-1 0 593,4 4 0,0 0-593,8-5 0,1-2 2752,0 3 1,3-2-2753,-7 2 0,2-1 0,-1 0 0,12-6 0,-1 0 0,1-2 0,-1-1 0,-4 1 0,-2 0 996,-11 3 0,0 0-996,3-1 0,-3 1 0,7-7 0,11-6 0,-24 16 0,-2 1 0,15-7 0,-11 7 0,2-2 0,-3 1 0,-2-1 0,20-7 596,-6 0 1,2-1-597,-9 4 0,0 0 0,9-8 0,1-3 0,5-6 0,-2-1 0,-16 8 0,-2-2 0,6-6 0,-3-1 0,-10 7 0,-2 0 0,-1 2 0,-1 2 0,12-24 0,-7 13 0,-8 7 0,-1-2 0,-1 8 676,-3-2-676,3-12 0,-4 11 0,-2-4 0,-1-9 0,-2-2 0,0 10 0,0 0 0,-3-4 0,-2 1 0,-1-25 0,0 9 0,-1 21 0,-2 1 0,-17-21 0,5 18 0,-15-7 0,14 21 0,-18-13 0,-3 2 0,12 10 0,-3-1 0,-6-2 0,-1 0 0,-2-3 0,-4 0 0,3 1 0,-5-2 0,1 1-971,0 1 0,0 1 1,-1-1 970,-1-1 0,0-1 0,1 3 0,-13-8 0,-1 3 0,9 10 0,-2 1 0,2 3 0,-13-2 0,-2 3 0,6 0 0,-5 1 0,-1 4 0,10 5 0,-1 4 0,-1 1 0,0-1 0,-1 0 0,-1 0 0,0 0 0,-1 1-932,5 1 1,-2 1 0,0 0 0,1 0 0,0 1 931,-6-1 0,0 0 0,1 0 0,-1 0 0,-5-1 0,1 1 0,-3 0 0,-3 1-523,9 0 0,-3 1 0,-3 1 0,0 0 0,-2 0 0,1-1 523,5 1 0,1-1 0,-1 1 0,-1-1 0,-1 1 0,-1-1 0,-1 1 0,7 0 0,0 0 0,-2 0 0,0 0 0,-1 0 0,0 0 0,-1 0 0,1-1 0,1 1-338,0-1 0,-1 0 0,1 0 0,0 0 0,0 0 1,-1-1-1,1 1 0,0-1 0,-1 1 338,0-1 0,-1 0 0,1 0 0,-1 0 0,0-1 0,0 1 0,1 0 0,0-1 0,1 1 0,-4-1 0,0 0 0,1 0 0,0 0 0,0 0 0,0 0 0,0 0 0,-1 0-165,6 0 0,-1 0 0,-1 0 0,0 1 0,1-1 1,1 0-1,1 0 0,3-1 0,4 1 165,-15-2 0,6 0 0,2 0 0,1-1 0,-3 0 0,-5 1 0,-1-1 0,0 0 0,0 0 0,2-2-95,5-1 1,1-1-1,1 0 1,0-1-1,2 1 95,-10 1 0,3-1 0,-1 1 0,-2 0 147,5 0 1,-3 1 0,0-1 0,0 0-1,2 1-147,5 0 0,0 1 0,1-1 0,0 2 0,0-1 0,-2 2 0,1 0 0,-1 0 0,-1 1 0,-2-1 188,3 0 1,-2 0 0,-1-1 0,0 1 0,-1 0-1,2 1-188,0 0 0,1 1 0,-1 0 0,1 0 0,1 1 0,0-1 0,-8 0 0,1-1 0,1 1 0,1 0 0,0 1 0,3 0 0,-1 1 0,2 1 0,2-1 0,4 0 0,-9 0 0,5 0 0,0 1 0,-5 2 0,0 2 0,7-2 1134,12-2 1,3 0-1135,-2 0 0,-2-1 1818,-11-1 1,3-2-1819,-9 1 830,10 1 0,-3-2-830,-4 0 0,0-3 0,6-1 0,-3 0 0,6 1 0,-3 0 0,2 0 0,-12-4 0,2 1 0,-1 4 0,1 0 0,10-1 0,2 0 0,4 3 0,3 1 0,-10-4 0,2 4 0,26 0 2904,-7 0-2904,2 0 0,11 0 0,2 0 0</inkml:trace>
+  <inkml:trace contextRef="#ctx0" brushRef="#br0" timeOffset="13815">19054 11844 8191,'8'-15'0,"-5"6"5063,-48 6-5063,13 2 0,-5 2 0,-13 9 0,-1 4 0,1-6 0,2 3 1409,8 9 0,2 4-1409,-7 2 0,1 1 0,9 0 0,2 0 609,-11 3 0,2 0-609,10-3 0,3 0 0,-15 11 0,9-11 0,-1 3 0,7 9 0,0 3 0,-2-8 0,-3 0 0,3 3 0,6 4 0,3 2 0,0 1 0,-5 5 0,-1 2 0,5-4 2658,7 1 0,3-2-2658,-7 9 0,2 0-282,12-13 0,2-2 282,-4 6 0,1 2 0,1 7 0,2 0 0,1-4 0,2-4 0,1-10 0,0-2 0,-1 4 0,2 0 0,4-5 0,2 0 0,2 12 0,5 2 0,10 2 0,4-1 0,3 2 0,6-1-340,-3-11 1,5-1 0,1-2 339,-1-3 0,1-2 0,1 0 0,1-2 0,1-1 0,1-1 0,-3-3 0,0-2 0,3-1 0,11-1 0,5-1 0,-3-1-493,-10-2 0,-2-1 0,3-1 493,14 3 0,3-1 0,-3-1-967,-13-4 1,-2 0-1,3-2 967,0-3 0,1-1 0,4 0 0,2 0 0,5 0 0,3 1 0,3-1 0,1 0 0,-1-1-693,-10-2 0,1 0 0,0 0 1,0-1-1,1 1 0,-1-1 693,3 1 0,-1 0 0,1 0 0,0 0 0,1 0 0,1-1 0,-5 0 0,1-1 0,2 0 0,-1 0 0,0 0 0,1-1 0,-2 1-273,-2 0 1,0 0 0,-1 0 0,0 0-1,1 0 1,1 0 0,1 0 272,-2 0 0,1 1 0,1-1 0,1 0 0,0 0 0,0 0 0,0 0 0,-1-1-67,1 0 1,0 0 0,1 0-1,-1 0 1,0-1 0,-1 0-1,0 0 1,-2-1 66,11 0 0,-1-2 0,-1 1 0,-1-1 0,-3-1 0,-3 1 0,9-1 0,-5 0 0,-2-1 0,-2 0 401,-1-2 1,0-1 0,-6 0 0,-13 2-402,-5-2 0,9 1 0,13 0 0,2-3 0,-10 1 0,2-1 0,1-1 0,4-1 154,0 1 1,3-1-1,2 0 1,1-1 0,2-1-155,-4 0 0,3-1 0,0-1 0,1 0 0,-2 0 0,-4 0 0,-1 1 0,-2 1 0,-2 0 0,-1-1 0,1 1 245,2-1 1,1-1 0,-2 0-1,-2 1 1,-4 1-246,1-1 0,-4 0 0,-2 2 627,20-6 0,-6 1-627,1-7 0,-5 8 0,-11-2 0,2 3 3858,-2 1-3858,-9 2 0,2-3 1768,3-3 0,1-3-1768,3-2 0,1-2 0,5-3 0,-1-2 0,-9 2 0,0 0 0,4-2 0,1-2 0,-5 0 0,-2 0 0,-7 7 0,-3 2 0,18-19 0,-18 12 0,-7 9 2268,-2-8-2268,-3 8 0,-5-6 0,4-3 0,-8-14 0,1 13 0,-5-3 0,-12-7 0,-8-2 0,-4-14 0,-7-1-346,4 19 0,-4 0 0,-1 0 346,-5-4 0,-3 0 0,1 3-659,7 9 0,1 1 1,-2 3 658,-13-12 0,-7 4 0,-1 8 0,-6 3 0,4 2 0,1 1 0,-2 1 0,13 5 0,-4 0 0,-2-1 0,-1 2 0,-6-2 0,-4 2 0,1 0 0,3 0-1219,-2-1 1,2 1 0,-5-1 1218,8 4 0,-3 0 0,-3-1 0,0-1 0,-1 0 0,6 2 0,0-1 0,0-1 0,-2 1 0,0-2 0,-1 1 0,1 0 0,0-1 0,0 1 0,-2-2 0,-1 0 0,-1 0 0,-2-2 0,4 1 0,-3-2 0,-2 0 0,-1-1 0,0 0 0,0-1 0,2 1 0,2 1 0,2 1-654,0-1 1,1 2-1,3-1 1,0 1-1,1 0 1,0 0-1,-1-1 654,-3-1 0,0 0 0,-1-1 0,1 0 0,0 1 0,3 1 0,2 1 0,-6-1 0,3 2 0,2 0 0,2 2 0,1 0-621,-13-4 1,3 1-1,-5-1 621,7 3 0,-7-3 0,-1 1 0,6 2 0,11 3 143,9 3 0,2 2-143,-14-4 0,-6-2 0,7 4 0,17 7 0,0 2 0,-26-3 0,-2 1 0,21 3 0,3 2 1013,-4-1 1,3 0-1014,0 0 4799,2 3-4799,-22 6 0,7 2 0,-3 2 1495,2-2 1,-3 1-1496,12-2 0,-3 1 0,-1 0 0,-12 1 0,-2-1 0,2 1 0,13-1 0,2-1 0,-2 1-888,-12 0 0,-3 1 0,5 1 888,0 3 0,3 1 0,1-3 0,0 1-64,2 3 0,0 2 64,-4 2 0,-1 1 0,15-4 0,0 0 0,1 1-701,0 3 1,0 0 0,1-1 700,-8 3 0,0 1 588,-3 10 0,3 0-588,19-17 0,1-1 0,-5 5 0,3-1 3638,-9 4-3638,16-11 151,4-1-151,-3 0 2931,7-3-2931,-7-1 0,6 0 0,-2-3 0,4 6 0,-1-6 0,-5 12 0,-2-4 0,-6 11 0,1-6 0,2 3 0,4-6 0,10-4 0,2-5 0,4 1 0,-2-2 0,3 1 0,-2-2 0,4 0 0,-2 7 0,-3 16 0,4-13 0,-5 7 0</inkml:trace>
+  <inkml:trace contextRef="#ctx0" brushRef="#br0" timeOffset="16667">20372 13579 24575,'0'0'0</inkml:trace>
+  <inkml:trace contextRef="#ctx0" brushRef="#br0" timeOffset="18297">22291 12291 8191,'-2'-3'0,"-13"0"5063,0 3-5063,-27 0 2818,2 0-2818,-25 0 859,30 0 1,-1 0-860,-2 0 0,0 0 6784,-28 0-6784,9 7 0,20-3 0,5 10 0,11-6 0,4 2 0,4-3 0,-5 3 0,0 1 0,0 0 0,-9 9 0,7-8 0,-9 13 0,5-7 0,-5 7 0,7-7 0,-2 2 0,8 3 0,-7 16 0,2 3 0,1 16 0,11-24 0,1 1 0,2 5 0,1 0 0,0-5 0,1-1 0,1 6 0,1-1 0,1-3 0,2 0 0,-1 4 0,0 1 0,0 4 0,0-1 0,0 22 0,0-21 0,0-11 0,3-9 0,8 0 0,25 9 0,8 0 0,-13-11 0,0-2 0,16 5 0,8 5 0,-10-12 0,10 4 0,0 0 0,-19-14 0,2 0 0,4 0 0,1 0 0,4-1 0,1-2 0,3-1 0,-1-1 0,-6-1 0,0-2 0,0-7 0,-2-3 0,20-6 0,-10-18 0,-13 2 0,-8 0 0,9-8 0,-10 8 0,1-9 0,-7 13 0,-1-1 0,13-25 0,-12 17 0,-1-1 0,-4 5 0,-2 0 0,-4 1 0,-2-2 0,1-9 0,-4 0 0,0-18-212,-4 17 1,-3 1 211,-5 1 0,-5-17 0,-8 18 0,-5-8 0,-5 8 0,-4-3 0,-5 13 0,-5 0 0,-3 15 0,4 8 105,4 1 1,17 5 0,7-2 0</inkml:trace>
+  <inkml:trace contextRef="#ctx0" brushRef="#br0" timeOffset="19581">20960 15473 8191,'0'29'0,"0"8"0,0 6 1809,0 0 1,0 2-1810,0 21 0,0-3 1281,0-28 1,0-2-1282,0 10 0,0 0 0,0 0 0,0-2 0,0-7 0,0 1 0,0 11 0,0-3 0,0-11 1933,0 8-1933,0-26 6048,0 5-6048,0-6 1637,0 9-1637,0-11 584,0 7-584,0-8 0,0 0 0,0-2 0,0-2 0,0 0 0,22-2 0,3-2 0,32-2 0,-6-4 0,-11 4 0,1-1 0,19-3 0,-23 4 0,0 0 0,22 0 0,-12 0 0,-10 0 0,-17 0 0,-14 0 0,-3 0 0</inkml:trace>
+  <inkml:trace contextRef="#ctx0" brushRef="#br0" timeOffset="20231">21697 16051 13018,'7'-3'0,"58"1"2810,1 2-2810,-11 0 0,1 0 0,-16 0 0,-2 0 1197,-3 0 0,-1 0-1197,25 0 1374,-21 0-1374,1 0 894,-28 0 1,0 0 0,-9 0-1</inkml:trace>
+  <inkml:trace contextRef="#ctx0" brushRef="#br0" timeOffset="20897">21794 15871 24575,'32'0'0,"2"0"0,10 0 0,-1 0 0,-5 0 0,-2 0 0,2 0 0,-7 0 0,3 0 0,-14 0 0,2 0 0,-6 0 0,-5 0 0,-3 0 0</inkml:trace>
+  <inkml:trace contextRef="#ctx0" brushRef="#br0" timeOffset="21866">22744 15040 24575,'-14'36'0,"-1"1"0,-1-2 0,0 2 0,-2 18 0,0 3 0,-2 4 0,2 2-701,7-17 1,2 1-1,1 0 701,-1 1 0,0 0 0,4-2 0,3 6 0,3-4 0,-3-10 0,0 1-18,1 11 1,2-4 17,-1-5 0,0 0 0,0 0 0,0-3 512,0 9-512,-5 1 0,12 9 0,-6-1 0,13-12 1049,-7-13-1049,3-16 576,2 0-576,8 5 0,3-4 0,-5-6 0,-8-4 0</inkml:trace>
+  <inkml:trace contextRef="#ctx0" brushRef="#br0" timeOffset="22881">23083 15137 24575,'0'15'0,"0"8"0,0 1 0,0 8 0,0 0 0,0 6 0,0-3 0,0-2 0,0-10 0,0-11 0,0-3 0,0 0 0,0-3 0,0 3 0,0 3 0,0-5 0,0 5 0,0-7 0,0 1 0,5-3 0,6 0 0,20-6 0,9-2 0,9-2 0,-8 2 0,-10-1 0,-14 5 0,-5-2 0,-9 3 0,0 0 0</inkml:trace>
+  <inkml:trace contextRef="#ctx0" brushRef="#br0" timeOffset="23948">23482 15477 24575,'12'-12'0,"-3"3"0,3-6 0,-5 10 0,2-4 0,-6 12 0,0 2 0,-3 15 0,0 9 0,0 20 0,0-13 0,0 9 0,3-22 0,1 5 0,0-10 0,1 1 0,-1-7 0,-1-6 0,0 0 0</inkml:trace>
+  <inkml:trace contextRef="#ctx0" brushRef="#br0" timeOffset="24615">23722 15708 24575,'0'18'0,"0"10"0,0 9 0,0-10 0,0-1 0,0-19 0,0 2 0,0-3 0,0 0 0,0 0 0,0-3 0,0 0 0</inkml:trace>
+  <inkml:trace contextRef="#ctx0" brushRef="#br0" timeOffset="26035">23804 15692 24575,'9'-26'0,"-1"1"0,12-3 0,-12 11 0,3 4 0,-10 8 0,7-4 0,-4-4 0,5 3 0,-5-2 0,1 8 0,-4-1 0,1 7 0,-2 1 0,0 3 0,0 3 0,3-1 0,3 5 0,11 10 0,1 5 0,0-2 0,-3-3 0,-4-7 0,-1-5 0,-4 1 0,-3-6 0,-3-1 0,0 1 0,0 7 0,0 7 0,0-4 0,0 1 0,0-14 0</inkml:trace>
+  <inkml:trace contextRef="#ctx0" brushRef="#br0" timeOffset="29099">23980 15263 24575,'-8'0'0,"2"-5"0,4 1 0,4-2 0,1 4 0,0 4 0,-3 2 0,-3-1 0,-6 2 0,2-4 0,1 1 0,4-2 0</inkml:trace>
+  <inkml:trace contextRef="#ctx0" brushRef="#br0" timeOffset="29931">24247 15094 24575,'0'50'0,"0"14"0,0-21 0,0 1 0,0-9 0,0-2 0,0 18 0,0-28 0,0-6 0,0-4 0,0-6 0,0-1 0</inkml:trace>
+  <inkml:trace contextRef="#ctx0" brushRef="#br0" timeOffset="30914">24092 15480 24575,'17'0'0,"-5"0"0,42 0 0,-5 0 0,-15 0 0,1 0 0,17 0 0,-17 0 0,-18 0 0,-5 0 0,-6 0 0,0 0 0,-1 0 0,4 0 0,-3 0 0,3 0 0,0 0 0,4 0 0,-1 0 0,4 0 0,-4-2 0,-3 1 0,0-2 0,-6-2 0,0 3 0,-3-3 0</inkml:trace>
+  <inkml:trace contextRef="#ctx0" brushRef="#br0" timeOffset="32348">24000 15073 24575,'55'0'0,"0"0"0,-5 0 0,3 0 0,-3 0 0,9 0 0,-11 0 0,-13 0 0,-21 0 0,-40 0 0,-7 0 0,-26 0 0,6 0 0,7 0 0,12 0 0,11 0 0,13 0 0,1 0 0,0 0 0,31 0 0,-7 0 0,46 0 0,-1 0 0,0 0 0,-3 0 0,-20 0 0,-10 0 0,-5 0 0,-8 0 0,-4 0 0,-2 0 0,-4 0 0,2 0 0</inkml:trace>
+  <inkml:trace contextRef="#ctx0" brushRef="#br0" timeOffset="34214">24236 15745 24575,'30'0'0,"4"0"0,24 0 0,-25 0 0,1 0 0,23 0 0,-6 0 0,-29 0 0,2 0 0,-17 0 0,-8 0 0,-27 0 0,-18 0 0,-4 0 0,-8 0 0,21 0 0,6 0 0,18 0 0,2 0 0,2 0 0,3 0 0,8 0 0,9 0 0,7 0 0,11 0 0,13 0 0,-7 0 0,7 0 0,-16 0 0,2 0 0,-6 0 0,-2 0 0,-13 0 0,-7 0 0,-10 0 0,4 0 0,-7 0 0,3 0 0,-17 0 0,16 0 0,-8 0 0</inkml:trace>
+  <inkml:trace contextRef="#ctx0" brushRef="#br0" timeOffset="36263">23692 16329 24575,'0'8'0,"0"4"0,0 4 0,0 8 0,0 8 0,0 7 0,0 5 0,0-9 0,0 1 0,3-8 0,4-12 0,3 4 0,1-14 0,5-2 0,-5 2 0,15-6 0,2 3 0,19-3 0,17-15 0,-28 3 0,0-3 0,0-7 0,-3-3 0,-2 1 0,-4-2 0,5-25 0,-7 10 0,-16 5 0,-3 12 0,-6 8 0,0 3 0,0 0 0,-6 2 0,-1-4 0,-12 8 0,-6-2 0,-18 5 0,6-3 0,-14 6 0,12-6 0,-3 6 0,4-3 0,1 1 0,5 2 0,14-3 0,4 4 0</inkml:trace>
+  <inkml:trace contextRef="#ctx0" brushRef="#br0" timeOffset="37098">23700 16829 24575,'14'-38'0,"1"0"0,4-6 0,5-1 0,8-3 0,1 2-816,-5 4 0,-2 2 816,-3 10 0,-3 4 529,0-7-529,3-2 270,-11 15-270,2-4 0,-11 14 0,5 4 208,-4 3 0,2 3 0,-3 0 1</inkml:trace>
+  <inkml:trace contextRef="#ctx0" brushRef="#br0" timeOffset="41732">26701 14386 24575,'35'50'0,"0"0"0,-9-15 0,2 1 0,3 7 0,-4-4 0,3 7 0,3 3 0,0 1 0,0 1 0,-2-3-1231,3 4 1,0-1-1,-1 0 1,0 2-1,0 1 1231,-2 1 0,0 2 0,1 1 0,-2 1 0,-1-1 0,-3-3 0,-1 0 0,-3-2 0,-1 0 0,-2-1 0,-1-1 0,-1 6 0,-1 0 0,-3-2 0,-3 0 0,-2 10 0,-3-2 0,-3-3 0,-1 6 0,-2-3 0,0-2 0,-2-3-330,-3-14 1,-3-4 329,-3-3 0,-2-2 310,-4 1 0,-1 0-310,-2 4 0,-1 0 0,-1-3 0,-1 1 0,-1 9 0,0-1 0,1-10 0,0-1 0,3 1 0,1-3 0,-7 11 0,13-25 0,7-5 0</inkml:trace>
+  <inkml:trace contextRef="#ctx0" brushRef="#br0" timeOffset="43897">22707 12044 8191,'-30'0'0,"-2"-1"0,-8-2 823,-4-5 1,-8-4-1,-2-1 1,0 2-824,4 1 0,0 0 0,-1 0 0,-1-2 0,-6-3 0,-1-2 0,0 0 0,4 1 0,0 1 0,3 2 0,3 1 0,-12-1 0,1 3 0,-1 3 0,1 3 0,12 1 0,0 1 0,-4 2 0,5 0 2936,6 0-2936,-24 0 0,17 0 0,-10 0 964,22 7 0,-1 2-964,-2 1 0,0 4 0,-7 9 0,-1 4 0,-2-5 0,1 2 3035,7 4 0,0 1-3035,0-5 0,2-1 0,11-2 0,2-1 0,-27 16 2076,23-11-2076,-3 5 0,4-1 0,-6 6 0,0 4 0,-7 8 80,9-9-80,-2 4 0,-1 1 0,12-19 0,0 2 0,-6 8 0,-4 6 0,1-3 0,-6 5 0,1 0 0,-4 3 0,-1 1 0,12-13 0,-1 0 0,3-2-260,-1 1 1,1-2 259,-3 3 0,2-2 0,-7 14 0,7-14 0,4 6 0,7-13 0,4 6 0,-1 7 519,7 13-519,5-17 0,2 4 0,1 3 0,2 3 0,0 11 0,5 1 0,10 6 0,6 2-304,-5-17 1,2 0 0,4-1 303,8 0 0,5-2 0,-1-1-644,-7-6 1,0-2-1,1-1 644,18 9 0,0-3 0,-7-5 0,0-2 0,1-3 0,1-2 0,2 2 0,2-1 0,5-2 0,0-1 0,-5-3 0,4 0 0,5-2 0,6 0 0,1-1 0,-1-2 0,1 0 0,3-1 0,-5-2 0,2 0 0,1-1 0,0-1 0,-1-1 0,-1-1 0,1-2 0,-1-1-964,-3-1 0,0-1 0,-2-1 0,-1 0 964,5 0 0,-2 0 0,-2-2 0,-4-1 0,-1-1 0,-3-1-668,8 1 0,-2 0 668,1 0 0,1 0 0,3 0 0,1 0 0,-1 0 0,1 0 0,0 1 0,-2-2 0,-13 0 0,1-2 0,19-2 0,-1-3 0,-23 1 0,-2-2 0,19-3 0,2 0 0,1 0 0,0-2-22,-16 2 0,-1-2 0,4-1 22,9-1 0,4 0 0,-1-3 0,0-3 0,-1-3 0,-3 1 50,4-1 0,-3 0-50,-12 4 0,0-2 0,-8 2 0,6-9 0,-5 7 0,0 0 0,5-9 1650,-17 10 1,0 0-1651,20-16 0,-7-3 0,-1 5 1694,-16 7-1694,2-3 910,-5-9-910,-2-9 925,-10 12 0,-2-3-925,-1-1 0,-1 1 0,-3 1 0,0 0 0,0-1 0,0 1 0,-4-16 0,3-6 0,-7 7 0,7-1 0,-3 1 0,4 5 0,0 2 0,0-1 244,0 5-244,-4-20 0,-1 9 0,-3 20 0,-2 1 0,-5-21 0,-1 25 0,-1 2 0,-2-7 0,-1 4 0,-2 0 0,-13-9 0,9 10 0,-2 0-560,0 1 1,-1 2 559,-6 1 0,-3-1-655,1-2 0,-3-1 1,1 2 654,-8 0 0,-1 0-930,2 0 1,-3-4 0,1 3 929,8 5 0,1 1 0,0 0 0,-3-2 0,0-1 0,-4-1-248,1-2 0,-4-1 0,-1-1 0,3 3 248,-3 1 0,2 2 0,-2-1 0,-4-3 0,-1-2 0,3 5 393,-5 4 1,3 4-394,6 4 0,1 4 0,3 3 0,0 2 0,1 0 0,3 2 0,-14 6 1627,16 17-1627,7 24 0,15-15 0,-2 7 0</inkml:trace>
+  <inkml:trace contextRef="#ctx0" brushRef="#br0" timeOffset="164847">19601 4595 24575,'46'0'0,"0"0"0,-2 0 0,6-1 0,4 1 0,5 1 0,-2-1 0,6 0 0,3 1 0,2 0 0,0 2 0,0 1-1405,-6 2 1,0 1 0,0 1-1,1 1 1,1 1 0,2 0-1,1 1 1256,-9-2 0,-1-1 0,2 0 0,0 1 0,2 0 0,1 1 0,1 2 0,3 3 0,1 2 0,2 3 41,-17-4 0,1 2 0,3 2 1,0 2-1,2 1 0,1 1 1,1 1-1,1 2 0,1 0 0,0 1 1,0 0-1,1 1 0,-1 0 1,0 0-1,0 0 0,-1 0 0,0 0 1,-1-1-1,-2-1 0,0 0 108,3 2 0,0 0 0,-1 0 0,-1 0 0,-1-1 0,0 1 0,0 0 0,-1 0 0,1 0 0,0 1 0,0-1 0,1 2 0,0-1 0,2 1 0,0 0 0,2 1 0,1 1-36,-11-6 1,1 1 0,1 0 0,2 0 0,0 1 0,1 0 0,0 1-1,2 0 1,-1 0 0,1 0 0,0 1 0,0-1 0,0 1 0,0 0-1,0 0 1,0-1 0,-1 1 0,-1-1 0,0 1 0,-1-1 0,0 0 0,-2 0-1,-1-1 1,-1 0 0,-1 0 35,9 5 0,-1 0 0,-1 0 0,-1-1 0,-1 1 0,0-1 0,-2 0 0,0 0 0,-1 0 0,0 0 0,0 0 0,-1-1 0,1 1 0,-1-1 0,1 1 0,-1-1 0,1 1-127,2 0 0,-1 0 0,0 1 0,1-1 1,-1 0-1,0 1 0,0-1 0,-1 0 1,0 0-1,0-1 0,0 1 0,-1-1 1,-1 0-1,0-1 0,-1 0 0,-1-1 127,7 5 0,0-1 0,-1 0 0,-1 0 0,0-1 0,-1 0 0,0-1 0,-1 0 0,-1-1 0,-1 0 0,-1 0 0,0-1 0,6 4 0,0 0 0,-2-1 0,0 0 0,-2-1 0,0-1 0,-2-1 0,-2 0 0,-1-2 0,7 4 0,0 0 0,-2-2 0,-4-1 0,-4-4 0,-5-3 798,11 4 0,-5-4-798,6 5 0,-2 0 0,-10-7 0,-5-3 2819,5 4-2819,-11-9 4216,-14-2-4216,-16-9 6304,-21-6-6304,0 1 1449,-6-3-1449,20 12 0,15 2 0,2 2 0,2-2 0,-4-5 0</inkml:trace>
+  <inkml:trace contextRef="#ctx0" brushRef="#br0" timeOffset="165862">20617 8958 8191,'-17'0'0,"37"-39"54,9 4 1,13-10 0,8-6 0,4-1-55,-15 16 0,4-2 0,2-1 0,3-2 0,2-2 0,3 0 0,2-1 0,2-2 0,2 1-5,-14 10 1,1-1 0,3 0-1,1-2 1,2 0 0,2-1-1,0 0 1,1-1 0,1 0-1,0 0 1,1-1 0,-1 1-1,0 1 1,0-1 0,0 2-1,-2-1 1,0 2 4,0-1 0,0 0 0,-1 1 0,0 0 0,0 0 0,0 0 0,0 1 0,0 0 0,0-1 0,1 1 0,0 0 0,0 0 0,1 0 0,0 0 0,1 1 0,1-1-2,-4 3 0,1-1 0,2 1 0,0-1 0,2-1 0,0 1 0,0 0 0,0 0 0,1 0 1,-1 0-1,0 1 0,-1 1 0,0 0 0,-1 0 0,-2 2 0,-1 0 0,-1 2 0,-2 0 0,-2 2 2,14-7 0,-5 2 0,-1 2 0,-3 1 0,-1 2 0,0-1 0,0 1 0,3 0 0,2-2 0,3-1 0,-7 4 0,4-1 0,1-1 0,3-1 0,1 0 0,1 0 0,1-1 0,-1 1 0,0 1 0,-1 0 0,-2 1 0,-2 1 0,-3 1 0,-3 3 0,-4 0 0,20-6 0,-9 3 0,-4 3 0,0 0 0,4-1 0,10-5-7,-21 8 0,4-2 0,4-1 1,3-2-1,2-1 0,3 0 1,0-1-1,2-1 0,-1 1 0,0 0 1,-2 1-1,-2 0 0,-2 1 1,-3 2-1,-5 2 0,-4 1 7,21-7 0,-9 3 0,-5 2 0,0 0 0,2-1 0,6-2 58,-6 3 0,4-2 1,3-1-1,2-1 1,1-1-1,0 1 1,-1 0-1,-3 0 1,-3 1-1,-5 2-58,6-4 0,-3 1 0,-4 0 0,-1 1 0,-2 1 0,1 0 385,5-1 1,-1 1 0,-1 1 0,-2 0-1,-2-1-385,3-3 0,-2 0 0,-2 1 0,-1 2 0,3 1 0,-3 2 0,0-2 0,0-5 0,-2-1 0,0 2 0,-5 5 0,0 2 0,-1-1 1112,11-10 1,-3 1-1113,-18 10 0,1-1 0,15-7 0,-1-1 4375,-1-7-4375,9 0 0,1-1 2038,-23 15 1,-1 0-2039,9-9 0,-2 2 1021,11-5-1021,-20 12 543,-15 12 1,-7 5-1,-4 2 1</inkml:trace>
+  <inkml:trace contextRef="#ctx0" brushRef="#br0" timeOffset="169430">16492 4662 8191,'-6'0'0,"-4"0"5063,-22 0-5063,-13 0 0,-7 0 1208,21 1 1,-6-2-1209,-12-6 0,-8-3 0,-2-2-78,0 0 1,-2-2 0,-7-2 77,19 5 0,-4-3 0,-3 0 0,-3-2 0,0 1 0,1-1 0,3 1 261,-3 0 0,2-1 0,0 1 0,0-1 0,-2 0 1,-3-1-262,2 0 0,-4 0 0,-1-2 0,-2 1 0,0-1 0,1 1 0,1 0 0,3 2-611,1-1 0,1 2 0,2 0 0,0 0 0,0 1 0,0-1 0,0 1 611,-3-1 0,1 0 0,-1 0 0,0 0 0,0 1 0,-1 0 0,0 1 0,-4 0 0,-1 1 0,-1 0 0,0 1 0,1 0 0,3 0 0,2 2-543,-4-1 1,4 0 0,2 2 0,-1 0 0,-3-1 542,-1 2 0,-3-1 0,-1 1 0,0 0 0,2 0 0,4 1-211,3 1 1,1 0 0,3 0 0,1 1 0,0 0 210,-3 1 0,1 1 0,0 0 0,-4 0 0,5-2 0,-3 0 0,-3-1 0,0 1 0,-2-1 0,1 1 0,5 1 0,0 0 0,-1 0 0,-1 1 0,0-1 0,-2 0 0,1 0-74,1 0 0,0-1 0,0 1 0,-1-1 1,-1 0-1,-1 0 0,-2 0 0,-1 1 74,7-1 0,-2 1 0,-2 0 0,-1-1 0,-1 1 0,0 0 0,0-1 0,1 1 0,2 1 0,1-1 0,2 1 0,-4 0 0,2 0 0,1 0 0,2 1 0,0 0 0,0 0 0,-2-1 0,-1 1 22,-2-1 1,-2 0-1,-1 0 1,0 0-1,-1 0 1,1 0-1,1 0 1,2 0-1,3 1-22,-12 1 0,4-1 0,1 2 0,2-1 0,-1 0 0,0 0 0,-2 0 0,-1 0 0,0 0 0,2 0 0,1 0 0,2 0 0,4 1 0,1 0 0,2 0 0,2 0 0,-1 1 0,-10 1 0,1-1 0,2 2 0,5 0 316,0 2 0,5 1 0,2 1-316,2 1 0,2 2 0,-1-1 0,-2 1 0,-1 0 0,3 0 965,-11 4 0,2 0-965,7 1 0,0 0 0,4-3 0,1 1 0,0 4 0,1 1 1562,-5 0 1,-1 2-1563,-9 6 0,0 2 0,9-2 0,0 2 0,9-4 0,-1 2 0,1 0 0,-11 11 0,0 1 0,11-8 0,-1 1 0,1 0 1596,3 1 0,0 1 1,1 0-1597,1-1 0,0 0 0,0 1 0,-1 1 0,0 0 0,2 1 0,3-2 0,1 0 0,1 0 0,-12 14 0,1 0 0,6 0 0,3 0 1331,4-4 1,1 0-1332,2 10 0,2 3 0,4 4 0,3 2-63,4-4 1,2-1 62,1 2 0,2-3 0,5-14 0,1-1-509,-2 0 0,-1 1 509,3-2 0,0 3 87,0 19 1,0 4-88,0-23 0,-1 0 0,2 3 0,2 10 0,2 4 0,2-2-612,2-1 1,2-2-1,5 1 612,5 1 0,5 0 0,6 1 0,-5-16 0,5 0 0,3 1 0,0-1 0,0-2-920,5 4 0,0-3 0,2 0 0,3 0 920,-1-2 0,3 1 0,1-1 0,1-1 0,-1-2 0,5 1 0,-1-4 0,1 1 0,6 1 0,-11-5 0,3 1 0,3 1 0,1 0 0,0 1 0,0-2 0,-2-1-273,3 1 1,-1-2-1,0-1 1,0 0 0,0 0-1,3 2 273,-3-1 0,2 1 0,0 0 0,1 1 0,0-1 0,0-2 0,-2-1 0,4 0 0,0-2 0,0 0 0,-2-2 0,-1-2 0,-2-1 0,8 3 0,-2-4 0,-2 0 0,1 0 0,4 0 0,1 1 0,-2-1 0,-5-4 0,-6-4 0,-5-2 0,-1-2 0,14 0 0,-4-1-87,-22-3 0,2 0 87,11-3 0,7-2 0,-7 1 0,-13 2 0,1 0 143,10-2 0,7 0 1,-8 0-144,8 0 2357,-15 0 1,1 0-2358,-4-1 0,0 2 1774,3 0 1,1 1-1775,7 0 0,1 1 0,2 1 0,2 0 0,11 1 0,0 0-308,-10-3 0,0 1 308,8-1 0,-4 0 0,8-2 0,-23 0 0,0 0 933,16 0-933,1 0 0,5 0 0,-25 0 0,1 0 0,-2 0 0,2 0 0,15 0 0,4 0 0,4 0 0,5 0-646,-18 1 0,3 1 0,3-1 0,2 2 646,-3-1 0,2 1 0,2-1 0,0 1 0,-1 0-880,0 0 0,-1 0 0,1 1 0,-1-1 0,-1 0 880,8 2 0,-1 0 0,0 0 0,2 0 0,-5-1 0,1 0 0,2 1 0,2 0 0,3 2-459,-11 0 1,4 1 0,1 1 0,2 1-1,1 0 1,-1 0 0,0 0 0,-1 0 458,-2-1 0,-1 0 0,0 1 0,-1-1 0,1 0 0,0 1 0,1 0 0,1 0-295,-1 0 0,1 1 1,1 0-1,1 1 0,0-1 1,-1 1-1,-1 0 0,-1 0 1,-2 0 294,5 2 0,-1 1 0,0 0 0,-2 0 0,-2 0 0,-2-1 0,-3 0-157,11 3 0,-7-2 0,2 1 1,9 2 156,-14-4 0,6 1 0,5 1 0,2 1 0,2 0 0,0 0 0,-1 0 0,-3-2 0,-3-1 0,-1-1 0,-2-1 0,-1-1 0,-2 0 0,1 0 0,1 0 0,3 1 0,3 1 0,4 1 0,1 1 0,1-1 0,-1 0 0,-1-1 0,-4-2 0,-5-3 226,5 0 1,-3-2-1,-4-3 1,-3-2-1,-5-3-226,3-4 0,-5-4 0,-10-7 1407,-12-9 0,-7-7-1407,-1-7 0,-2-7 0,-1 1 0,4-8 0,0-1 1002,-5 11 1,0-2 0,-3 1-1003,-1-17 0,-3 3 0,0 22 0,0-1 1652,1-20 0,-1-5-1652,-3 15 0,0-2 0,0 0 0,1 3 0,1 1 0,0-3 0,-2-11 0,0-2 0,-1 1 0,1 11 0,0 1 0,-1 0 0,-1 0 0,0 0 0,0 1 0,0-15 0,0 4 0,-1 13 0,2 5 2830,2-4-2830,-2 5 183,8 15-183,-4-6 1984,4 10-1984,-2 7 497,-15 4-497,23-19 0,3-7 0,4-6 0,6-3 0,3-2-473,-3 6 0,1-3 1,1-2 472,2-9 0,-1-3 0,0 3-1036,-6 11 0,-1 2 0,0-3 1036,4-12 0,0-3 0,-3 5 0,-3 8 0,-3 1 0,-3 5 0,0-3 0,-3 3 0,0-2 0,-2 1 0,4-8 0,-1 0 0,-5 7 0,-2 1-850,0-6 1,-1 0 849,-2 9 0,-1-1 0,2-11 0,-1 0 0,-3 10 0,-2 0 0,1-8 0,0-1 0,1-4 0,-2 1 0,-4 3 0,-4 3 0,-2 7 0,-4 5 0,-14-7 0,-6 5 0,9 20 1061,-3-2-1061,-2 7 2983,-1-3-2983,-4 5 2181,-12-8-2181,-11 8 0,4-2 0,-2 8 0,-1 4 0,-2 0 0,4 0 0,5 0 0,20 0 0,3 0 0,2-3 0,4 2 0,0-6 0,4 4 0,1-7 0,4-1 0,5 4 0,2 1 0</inkml:trace>
+  <inkml:trace contextRef="#ctx0" brushRef="#br0" timeOffset="213830">9455 5468 24575,'-36'0'0,"0"0"0,-20-3 0,-8-4 0,9-1 0,-4-2 0,-2 0-851,7 0 1,-2-1 0,-1 0 0,2-1 850,4 2 0,1 0 0,1 0 0,0-1-663,-18-5 1,1-1 0,4 3 662,-1 5 0,4 1 0,-2-3 0,4 3 0,15 5 0,1 1 0,-19 2 0,-2 0 0,15 0 0,0 0 0,-12 0 0,4 0 1197,-10 8-1197,19 1 0,1 5 0,9 2 0,1 4 0,-16 6 0,0 3 0,10 2 0,4 4 0,1 4 0,4 2 0,6-8 0,2 0 774,6 3 0,2 1-774,0-2 0,2-1 0,-6 26 0,8-25 0,2-1 0,-3 19 0,4-3 0,3-15 0,2 3 1321,1 8 1,0 3-1322,1-2 0,0 1 0,0 14 0,4 0 0,2-13 0,3-2 0,2 8 0,5-1 0,10 1 0,2-5 0,-7-16 0,1-2 0,6 6 0,1-2 0,-3-7 0,-1-1 0,0-2 0,1 1 0,3 6 0,0 0 0,11 9 0,-4-3 0,-4-5 0,-3-8 0,2 1 0,-3-4 0,2 0 0,21 12 0,4-1 0,-6-6 0,2-3 0,7 0 0,1-2-490,-6-4 0,-2-3 490,-7-6 0,-2-1 0,-1-2 0,-1 0 0,-5-1 0,2-2 0,17-1 0,2 0 0,-8-1 0,1 0 0,9-3 0,1-2-708,-6-2 0,-2-2 708,-7-2 0,0-3 0,4-2 0,-1-4 0,6-3 0,-3-3 0,-9 3 0,-2-1 0,5 0 0,0-3-259,4-13 0,-2-3 259,-10 9 0,-1-3 0,1-6 0,1-6 0,-3 0 0,-8 5 0,-2-1 0,-3 0-515,-1-1 0,-1-1 0,-2 0 515,-2 2 0,-1-1 0,-3 2 0,-2-9 0,-3 1 0,0-2 0,-2-3 0,-1 5 0,0-3 0,-3 3 0,-7-11 0,-3 0 0,1 5 0,-2-2 0,-4 4 0,-15-5 0,-3 7 0,11 8 0,-3 3 402,-12-5 1,-1 5-403,-9 4 659,20 14 0,1 2-659,-13 1 133,24 14 1,8 6 0,6 0 0</inkml:trace>
+  <inkml:trace contextRef="#ctx0" brushRef="#br0" timeOffset="215179">13534 5206 8191,'-11'38'0,"1"0"0,1 19 0,3 5 668,3 2 1,2 2-669,0-17 0,2 1 0,-1 0 555,0 0 1,0-1 0,0-1-556,0 14 0,0 3 0,0-4 0,0 3 0,0-1 0,0-12 0,0-1 0,0 1 0,0 9 0,0 3 0,0-1 0,0 2 0,0 0 0,0-3 636,0-15 0,0-3 0,0 3-636,0 13 0,0 3 0,0-4 0,-2-3 0,4-4 0,12-1 0,4-3 0,-2-13 0,3-3 0,15 1 0,4-3 0,-5-5 0,2-2 0,9-2 0,2-1 1278,-2 5 1,3-1-1279,3-6 0,7-1 0,-4-2 0,0-1 0,2 0 0,-1-1 0,8 1 0,0-2 0,-6-3 0,-9-5 0,-4-3 0,3 2 0,4 1 0,3 2 0,1 0 0,0-1 0,13-3 0,0-1 0,-2-1 1053,-9-1 1,-2 0 0,2-3-1054,-6-1 0,3-3 0,-2 0 0,-5-1 439,11-2 0,-4-4-439,-1-9 0,-3-3 0,-7 0 0,-3 0 0,-8 1 0,-1-1 0,7-5 0,-2-5 0,-6-9 0,-5-1 0,-6 6 0,-2-3 0,-1-4 0,1-7 0,-3 0 0,-3-2 0,-3-1 0,0-4 0,-1 5 0,-1-3 0,-1-2 0,-2-1-235,-1 11 1,-1-2-1,-1 0 1,-1 0 0,-2 0 234,-3-11 0,-2-1 0,-2 2 0,-4 1 0,-1 4 0,-3 2 0,-2 1 0,-4 3 0,-1 7 0,-4 1 0,-1 3 0,0 3 0,-3-2 0,0 5 0,-2 3 0,-1 4 0,-1 3 0,2 3 0,-4-1 0,0 3 0,-1 3 0,0 1 0,-1-1 0,1 2 0,8 6 0,0 1 1074,-15-6 1,-3 2-1075,-6 9 0,-3 2 0,9-3 0,-2 0 0,-2 2-281,-7 3 1,-1 3 0,2 2 280,8 1 0,1 3 0,0 1 0,-4 3 0,0 2 0,3 2 597,-8 11 0,4 4-597,0 0 0,4 0 0,19-8 0,5-1 0,-4 3 0,23-14 0</inkml:trace>
+</inkml:ink>
+</file>
+
+<file path=ppt/ink/ink15.xml><?xml version="1.0" encoding="utf-8"?>
+<inkml:ink xmlns:inkml="http://www.w3.org/2003/InkML">
+  <inkml:definitions>
+    <inkml:context xml:id="ctx0">
+      <inkml:inkSource xml:id="inkSrc0">
+        <inkml:traceFormat>
+          <inkml:channel name="X" type="integer" min="-2.14748E9" max="2.14748E9" units="cm"/>
+          <inkml:channel name="Y" type="integer" min="-2.14748E9" max="2.14748E9" units="cm"/>
+          <inkml:channel name="F" type="integer" max="32767" units="dev"/>
+        </inkml:traceFormat>
+        <inkml:channelProperties>
+          <inkml:channelProperty channel="X" name="resolution" value="1000" units="1/cm"/>
+          <inkml:channelProperty channel="Y" name="resolution" value="1000" units="1/cm"/>
+          <inkml:channelProperty channel="F" name="resolution" value="0" units="1/dev"/>
+        </inkml:channelProperties>
+      </inkml:inkSource>
+      <inkml:timestamp xml:id="ts0" timeString="2023-03-22T15:19:12.089"/>
+    </inkml:context>
+    <inkml:brush xml:id="br0">
+      <inkml:brushProperty name="width" value="0.05292" units="cm"/>
+      <inkml:brushProperty name="height" value="0.05292" units="cm"/>
+      <inkml:brushProperty name="color" value="#FF0000"/>
+    </inkml:brush>
+  </inkml:definitions>
+  <inkml:trace contextRef="#ctx0" brushRef="#br0">22088 5774 24575,'0'31'0,"0"11"0,-1-8 0,2 2-690,3 3 1,1 0 689,1 6 0,0 0-798,1-6 0,2 2 798,4 14 0,1 1 0,-3-13 0,-1-1 0,2 11 0,0-3 0,4 10 701,-7-1-701,-2-24 0,-2 5 0,-2-17 645,-3-7-645,0-7 1629,0-3-1629,0-21 0,0-6 0,0-13 0,0-4 0,0-25-1006,0 17 1,0 0 1005,0-19 0,0 32 0,0 0 0,0-23 0,-4 0 0,3 16 0,-4 10 0,5 14 0,0 9 0,0-5 0,-3-2 2011,-1-4-2011,-4-9 0,1-10 0,-1 3 0,0-8 0,-3 5 0,3 10 0,-2-1 0,7 15 0,0 4 0,0 5 0,0 4 0,0 18 0,1 38 0,2-24 0,0 3 0,0 12 0,0 1-928,-1-1 1,2-3 927,0-10 0,2-1 0,1 10 0,2 1 0,5 20 0,-2-25 0,1 0-124,-2-1 0,0-1 124,7 26 0,-2-7 0,-4-8 0,0-10 0,-1-1 0,-4 5 0,0-7 1830,-4 5-1830,0-17 273,0-4-273,0-32 0,0-53 0,0 28 0,0-4-1952,0-1 1,0-4-1,0 1 1952,0-15 0,0 1 0,0 15 0,0-1 0,0 1-700,0-9 1,0 0 699,0-6 0,0 1 0,0 18 0,0 1 0,0-2 0,0 0-596,0-20 596,0 18 0,0 16 0,0 4 5056,0 13-5056,-3 2 1871,2 8-1871,-4 7 923,5 1-923,-6 8 0,1 10 0,1 14 0,0-6 0,0 2 0,-1 26 0,3-22 0,-1 1 0,-6 17 0,8 3 0,-3-9 0,4-3 0,0-10 0,0-6 0,0-10 0,0-5 0,-3-4 0,2 4 0,-4-4 0,4 3 0,-2-6 0,0 2 0,2-5 0,-8 11 0,8-9 0,-5 9 0,3-5 0,2-3 0,-5 6 0,6-7 0,-3 1 0,3 5 0,0-2 0,0 3 0,0 2 0,0-5 0,0 0 0,0-5 0,0-2 0,0 0 0,0 0 0,0-1 0,0 10 0,-6-6 0,4 9 0,-6-5 0,7 1 0,-2-1 0,3-7 0,0-4 0</inkml:trace>
+  <inkml:trace contextRef="#ctx0" brushRef="#br0" timeOffset="9570">21289 4606 8191,'19'21'0,"4"7"1797,-4 1 1,2 3-1798,1-2 0,0 0 1357,1 2 1,0 1-1358,16 20 0,-6-12 0,-1-2 0,-4 5 959,-3-15 1,0-1-960,-2 4 6105,-8-15-6105,4 5 1682,-6-10-1682,16 17 0,0-3 368,12 13-368,-7-9 0,1 5 0,-6-6 0,-1-5 0,-8-2 0,-3-10 0,-7 1 0,2-4 0,-5-2 0,-1-1 0,-3-3 0</inkml:trace>
+  <inkml:trace contextRef="#ctx0" brushRef="#br0" timeOffset="10384">21342 5504 24575,'3'-15'0,"7"-6"0,5-2 0,0 0 0,5 6 0,-9-1 0,5-5 0,-6 9 0,3-5 0,-3 5 0,4 0 0,-1 0 0,1-3 0,-3 6 0,5-13 0,-4 9 0,1-6 0,0 11 0,-6-3 0,3 6 0,-1-3 0,1 1 0,2 2 0,-5 1 0,-1 3 0</inkml:trace>
+  <inkml:trace contextRef="#ctx0" brushRef="#br0" timeOffset="11249">22426 5283 15103,'-4'0'0,"-5"0"4006,-7 0-4006,-5 0 1637,3 0-1637,-4 0 884,-5 4-884,4 0 2945,-5 6-2945,6 11 0,7 6 0,3 13 0,11 5 0,-2-9 0,3 4 0,0-20 0,0 5 0,0-11 0,0 0 0,3-1 0,1-7 0,2 4 0,3-2 0,6-4 0,10 2 0,2-6 0,4 0 0,-5 0 0,-5 0 0,-2-3 0,-5-1 0,-1-3 0,0 1 0,-5 2 0,-2 1 0</inkml:trace>
+  <inkml:trace contextRef="#ctx0" brushRef="#br0" timeOffset="12282">22640 5401 24575,'0'30'0,"0"-11"0,0 11 0,0-6 0,0-4 0,0 2 0,0-8 0,0-1 0,0 0 0,0-3 0,0-2 0,0-2 0,0-1 0,0 1 0,0-8 0,0-5 0,0-20 0,0 4 0,0-5 0,0 11 0,0 4 0,0-1 0,2 4 0,-1-3 0,4 6 0,-1-5 0,5 2 0,1-6 0,5 0 0,2-4 0,2 3 0,-5 4 0,-2 4 0,-4 3 0,-1 3 0,2-3 0,0 6 0,-2-3 0,5 3 0,2 0 0,-6 0 0,2 0 0</inkml:trace>
+  <inkml:trace contextRef="#ctx0" brushRef="#br0" timeOffset="12972">23046 5329 24575,'0'9'0,"0"5"0,0 0 0,0 7 0,0-3 0,0 0 0,0-1 0,0-4 0,0-3 0,0 2 0,0-5 0,0 8 0,0-2 0,0 0 0,0-1 0,0-3 0,0-3 0,0 3 0,0-6 0,0-1 0</inkml:trace>
+  <inkml:trace contextRef="#ctx0" brushRef="#br0" timeOffset="13633">23021 5267 24575,'0'0'0</inkml:trace>
+  <inkml:trace contextRef="#ctx0" brushRef="#br0" timeOffset="15770">23257 4887 24575,'0'26'0,"0"17"0,0-8 0,0 2 0,0 1 0,0 0 0,0 7 0,0-1 0,0 10 0,0 5 0,0-16 0,0-3 0,0 7 0,0-22 0,0 6 0,0-20 0,0 5 0,0-10 0,0 0 0,0-3 0</inkml:trace>
+  <inkml:trace contextRef="#ctx0" brushRef="#br0" timeOffset="16483">23187 5218 24575,'20'0'0,"11"0"0,15 0 0,-11 0 0,1 0 0,-22 0 0,0 0 0,-5 0 0,-3 0 0,-3 0 0,0 0 0</inkml:trace>
+</inkml:ink>
+</file>
+
+<file path=ppt/ink/ink16.xml><?xml version="1.0" encoding="utf-8"?>
+<inkml:ink xmlns:inkml="http://www.w3.org/2003/InkML">
+  <inkml:definitions>
+    <inkml:context xml:id="ctx0">
+      <inkml:inkSource xml:id="inkSrc0">
+        <inkml:traceFormat>
+          <inkml:channel name="X" type="integer" min="-2.14748E9" max="2.14748E9" units="cm"/>
+          <inkml:channel name="Y" type="integer" min="-2.14748E9" max="2.14748E9" units="cm"/>
+          <inkml:channel name="F" type="integer" max="32767" units="dev"/>
+        </inkml:traceFormat>
+        <inkml:channelProperties>
+          <inkml:channelProperty channel="X" name="resolution" value="1000" units="1/cm"/>
+          <inkml:channelProperty channel="Y" name="resolution" value="1000" units="1/cm"/>
+          <inkml:channelProperty channel="F" name="resolution" value="0" units="1/dev"/>
+        </inkml:channelProperties>
+      </inkml:inkSource>
+      <inkml:timestamp xml:id="ts0" timeString="2023-03-22T15:20:21.972"/>
+    </inkml:context>
+    <inkml:brush xml:id="br0">
+      <inkml:brushProperty name="width" value="0.05292" units="cm"/>
+      <inkml:brushProperty name="height" value="0.05292" units="cm"/>
+      <inkml:brushProperty name="color" value="#FF0000"/>
+    </inkml:brush>
+  </inkml:definitions>
+  <inkml:trace contextRef="#ctx0" brushRef="#br0">23091 7299 24575,'-17'0'0,"-4"0"0,-11 0 0,5 0 0,-14 0 0,2 0 0,-10 0 0,1 0 0,14 0 0,0 0 0,-28 9 0,28-3 0,-3 2 0,-18 8 0,-2 3-1498,17-1 0,-3 2 1498,-13-1 0,-8 2 0,7 0 0,6 2 0,1 1 0,-1-5 0,-4 1 0,0 0-1040,-1 3 0,-1 0 1,2-2 1039,12-7 0,1 0 0,-3 0 0,-3 2 0,-4 2 0,0 0 0,5-2 0,2 0 0,3-1 0,-1 0 0,-9 2 0,-2-2 0,-1 2-128,-1 4 0,-1 1 0,0-1 128,5-4 0,1-3 0,2 2 0,-10 7 0,5 0 0,8-9 0,6 0 0,-6 20 0,15-15 2395,-3 15-2395,17 8 0,1 6 0,3 4 1552,10-16 1,1 0-1553,-2 7 0,4 1 0,0 0 0,0 1 0,-2 0 0,4 2 267,8-15 1,4 1-268,12 25 0,8 2 0,-4-23 0,6-3 0,2-1-370,6 3 0,5 0 0,2-4 370,4-4 0,3-3 0,0-5 0,-5-4 0,-1-5 0,1-1 0,2-1 0,0-2 0,-1-2 0,-4-2 0,-1-2 0,-1 0-205,-3-1 1,-1-1-1,1-2 205,6-3 0,1-3 0,-1-1 0,-7 0 0,0-2 0,-1-2 0,9-8 0,0-4 0,-3 1 0,6-7 0,-3-1 0,-13 4 0,-1-1 0,-4 2 0,-4 2 0,-4 0 0,1-3 0,-3-1 0,2-9 424,-1 1-424,-8-19 0,0 20 0,-5-28 1099,-8 16-1099,-19-16 332,-3 29 1,-6 0-333,-12-5 0,-6 1 0,-4 0 0,-3 0-139,13 11 0,-1 0 1,1 2 138,-16-7 0,3 2 0,11 8 0,3 1 0,3 5 0,2 3 0,-2-1 0,5 7 0,0-1 0,1 9 0,-2-2 0,-4 3 0,-10 0 416,7 0-416,-24 4 0,12 9 0,-9 3 0,17 0 0,-1 3 0,2-3 0,0 1 0,-12 5 0,1 1 0,13-7 0,3 0 0,-23 12 0,29-13 0,0 0 0,5-3 0,4 1 0,3-3 0,3 4 0,1-1 0,1 1 0,-3-1 0,2 10 0,0 10 0,4 18 0,4 8 0,2-24 0,2 0 0,-1 30 0,1-30 0,1-1 0,7 27 0,-3-26 0,2-11 0</inkml:trace>
+  <inkml:trace contextRef="#ctx0" brushRef="#br0" timeOffset="7532">21683 6924 24575,'-9'66'0,"1"-13"0,5-15 0,2-1 0,-2-14 0,3-3 0,15-27 0,16-22 0,-6 8 0,3-1 0,10-7 0,1-2-1082,3-2 0,1-2 1082,4-3 0,1-2 0,-14 10 0,0-1 0,3 0 0,-1 0 0,3 0 0,2-1 0,-1-1 0,0-3 0,1-1 0,-1-1 0,2 2 0,2-1 0,1 1 0,-1 1 0,0-2-170,-4 1 0,1-1 1,-3 1-1,-1 2 170,0-2 0,-2 3 0,-1 1 0,10-5 0,-4 2 0,-9 3 0,-4 3 0,8-1 0,-5-5 0,-1 4 0,-2-3 0,6 4 0,-6-5 2084,6 1-2084,6-16 759,3 6-759,-5-8 0,-4 21 0,-16 8 0,-12 15 0,-34 2 0,-24 6 0,8 0 0,-3 0 0,3 0 0,0 0 0,2 2 0,3 0 0,-14-1 0,25 2 0,13 0 0,19-3 0,27-1 0,30-17 0,-16 7 0,1-2 0,-5-3 0,0 1 0,-6 3 0,-3 2 0,3-1 0,-17 43 0,-12 1 0,-6 5 0,-3 3-970,-1-2 1,-1-1 969,-1-2 0,-1 1 0,-6 20 0,0-3-582,-7 5 582,6-8 0,-2 0 0,3-11 0,1-1 0,0-1 0,1 0 0,-1-1 0,2-4 0,2 4 0,3-24 0,6-8 0</inkml:trace>
+  <inkml:trace contextRef="#ctx0" brushRef="#br0" timeOffset="8784">21800 6891 8191,'-3'-1'0,"0"-42"4599,3-17-4599,1 24 0,2-2 0,1-3 0,2 2 0,3-2 0,1-12 0,0 24 2874,-8 2-2874,7 12 1775,-8 3-1775,1 15 6610,-17 32-6610,-3 20 0,2-14 0,-1 4-365,0 5 0,0 0 365,-1-3 0,-1 1 0,4-7 0,1 3 0,-1-3 0,-4 5 0,0-2 0,-1 7 0,2-2 0,5-16 0,1-3 0,-10 20 0,4-2 0,6-20 0,0 4 0,2-4 0,2-6 0,-2 1 1256,7-10-1256,8-7 0,51-4 0,-9-1 0,3-2 0,9 1 0,-1 0 0,-5 0 0,0 0 0,6 0 0,-1 0 0,-15 0 0,-1 0 0,11 1 0,-1-2 0,-12-2 0,-5 0 0,0 1 0,-8-7 0,-13 8 0,-4-5 0,5 2 0,-7 1 0,4 0 0,-4 0 0,1 0 0,3 0 0,0-6 0,1 5 0,-6-2 0,-1 3 0</inkml:trace>
+  <inkml:trace contextRef="#ctx0" brushRef="#br0" timeOffset="18983">21259 5099 24575,'-4'41'0,"7"-3"0,-1-2 0,2 2-1429,6-5 0,1 2 1429,3 14 0,0 1 0,2 0 0,1 0 357,3 7 0,1 0-357,-1-5 0,-1-2 257,-2-3 0,0-4-257,6 6 0,-13-21 0,-7-22 0,0-3 0</inkml:trace>
+  <inkml:trace contextRef="#ctx0" brushRef="#br0" timeOffset="19650">21412 4878 24575,'0'49'0,"0"11"0,-3-22 0,2 2 0,5 4 0,1 0-442,-5-6 0,1-1 442,8 0 0,1 0 145,-1-5 1,0 0-146,9 28 73,-9-26 0,-1-3-73,-1 2 0,-4-10 0,-3-8 447,0-1-447,0-1 0,0-1 0,0-2 0,0 4 0,0-4 0,0 2 0,0-2 0,0 4 0,0-7 0,0-1 0</inkml:trace>
+  <inkml:trace contextRef="#ctx0" brushRef="#br0" timeOffset="20848">21829 5180 24575,'29'22'0,"10"9"0,5 12 0,-1-7 0,-15-7 0,-13-18 0,-9-5 0,0-6 0,0 0 0,0-3 0,0-13 0,1-10 0,0-9 0,1-2 0,-4 5 0,3 1 0,-3-11 0,4 12 0,-4-12 0,2 23 0,-3-3 0,3 15 0,2 2 0,-1 5 0,12 7 0,-3 1 0,16 12 0,-4 0 0,7 6 0,-3-5 0,2 4 0,-10-12 0,2 5 0,-11-10 0,1 4 0,-3-7 0,-6-8 0,-2-4 0,-5-17 0,0-4 0,0-1 0,0-12 0,-4-16 0,2 20 0,-1 0 0,-1-5 0,0 1 0,1 5 0,1 2 0,-2-11 0,4 10 0,0 20 0,0 4 0</inkml:trace>
+  <inkml:trace contextRef="#ctx0" brushRef="#br0" timeOffset="21531">22488 4158 24575,'0'30'0,"0"14"0,0 18 0,0-13 0,0-12 0,0-22 0,5-8 0,5-1 0,6-6 0,-3 0 0,6 0 0,2 0 0,8 0 0,14 0 0,-21 0 0,2 0 0</inkml:trace>
+  <inkml:trace contextRef="#ctx0" brushRef="#br0" timeOffset="22419">22759 4265 24575,'0'-29'0,"0"7"0,0 6 0,0 8 0,0 2 0,0 0 0,0 8 0,3-1 0,0 8 0,3-3 0,0 0 0,4-3 0,6 3 0,-1-6 0,8 3 0,-5-3 0,10 0 0,-5 0 0,1 0 0,-7 0 0,-10 0 0,-1 0 0</inkml:trace>
+  <inkml:trace contextRef="#ctx0" brushRef="#br0" timeOffset="22918">22715 3886 11575,'-3'0'0,"0"0"0</inkml:trace>
+  <inkml:trace contextRef="#ctx0" brushRef="#br0" timeOffset="23498">23390 4378 24575,'42'-12'0,"3"-9"0,-5-12 0,11-7 0,-7-3 0,-10 15 0,-13 10 0,-13 8 0,-4 8 0,-2-3 0</inkml:trace>
+  <inkml:trace contextRef="#ctx0" brushRef="#br0" timeOffset="24183">22335 3978 24575,'19'0'0,"10"0"0,-14 0 0,4 0 0</inkml:trace>
+  <inkml:trace contextRef="#ctx0" brushRef="#br0" timeOffset="25149">22667 3946 24575,'0'-8'0,"-5"4"0,-6-5 0,-7 8 0,-4-2 0,-4 3 0,2 0 0,-2 0 0,2 0 0,5 0 0,3 0 0,9 5 0,5 2 0,2 2 0,0 0 0,0-3 0,2-3 0,2 2 0,-1-4 0,0 2 0</inkml:trace>
+  <inkml:trace contextRef="#ctx0" brushRef="#br0" timeOffset="25864">22802 3701 10817,'2'-6'0,"20"17"5011,-5-7-5011,21 23 2394,-18-14-2394,4 10 1374,-11-3-1374,-2 1 4979,-5 9-4979,0-2 0,-2 11 0,4-4 0,-4-2 0,3-7 0,-3-4 0,0 3 0,2-6 0,-5 0 0,2-5 0,-3 9 0,3-8 0,-3 3 0,3-12 0</inkml:trace>
+  <inkml:trace contextRef="#ctx0" brushRef="#br0" timeOffset="27098">23892 3729 24575,'33'35'0,"-2"1"0,11 8 0,-12-11 0,-9-8 0,-11-12 0,-5-7 0,-4-1 0,2-2 0,2 3 0,2-2 0,3 1 0,-1-4 0,-3 1 0,2-2 0,2 0 0,-1 0 0,2-12 0,-3-6 0,2-7 0,-2-6 0,-1 3 0,-2 1 0,2-4 0,-6 8 0,5-3 0,-5 8 0,3-6 0,-2 10 0,-1-5 0,4 13 0,1 0 0,7 6 0,10 15 0,1-1 0,9 19 0,-2 2 0,-4-9 0,0 0 0,9 13 0,12 1 0,-20-15 0,-6-10 0,2-1 0,-9-8 0,-6-9 0,0-7 0,-2-1 0,-3-15 0,-1 7 0,-3-7 0,0 4 0,0-14 0,0 6 0,0-7 0,0 1 0,0 5 0,0-4 0,0 0 0,0 10 0,0-3 0,0 15 0,0 3 0</inkml:trace>
+  <inkml:trace contextRef="#ctx0" brushRef="#br0" timeOffset="27867">24621 2807 8501,'-4'-1'0,"2"15"5093,2 8-5093,0 4 2773,0-3-2773,0-13 1676,0 6-1676,0-8 6532,0 8-6532,0-6 0,0 0 0,0 0 0,0 5 0,6 4 0,-2-1 0,8 1 0,5-5 0,-2 0 0,-1-1 0,4-4 0,-12-3 0,12 1 0,-11-1 0,5 1 0,1 2 0,1-5 0,1 2 0,-2-6 0,-3 0 0,8 0 0,0-3 0,-3 2 0,-3-2 0</inkml:trace>
+  <inkml:trace contextRef="#ctx0" brushRef="#br0" timeOffset="28598">25026 2830 24575,'0'33'0,"0"-2"0,0 11 0,0-3 0,0 2 0,0-8 0,0-13 0,0-7 0,0-4 0,0-3 0,0-1 0,0 1 0,-8 3 0,-3-2 0,-15-1 0,1-3 0,1-3 0,8 0 0,6 0 0,4 0 0,0 0 0,3-2 0,0 1 0,3-2 0</inkml:trace>
+  <inkml:trace contextRef="#ctx0" brushRef="#br0" timeOffset="29432">24900 2782 9742,'-9'0'0,"-6"0"5107,-2 0-5107,-3 0 2576,7 0-2576,-3 0 377,9 0 1,-2 0 0,6 0-1</inkml:trace>
+  <inkml:trace contextRef="#ctx0" brushRef="#br0" timeOffset="30118">25034 2410 24575,'16'0'0,"-6"5"0,11 8 0,-2 2 0,2 7 0,5-2 0,-10 2 0,3 7 0,-8 4 0,-4-4 0,-4-5 0,-3-5 0,0-5 0,0 6 0,0-6 0,0 1 0,0-2 0,-5 0 0,3 3 0,-6 3 0,7 9 0,-2-1 0,3-5 0,0-13 0</inkml:trace>
+  <inkml:trace contextRef="#ctx0" brushRef="#br0" timeOffset="30866">25404 2164 24575,'0'51'0,"0"9"0,7-15 0,3 2 0,1 5 0,3 0 0,2 3 0,1-1 0,1-6 0,-1-2 0,-8-10 0,-1-3 0,7 10 0,-11-7 0,11 16 0,-3 3 0,-1-19 0,1 3-668,0-1 0,1 0 668,-1 0 0,2 0 0,4 2 0,0 0 0,-4-4 0,-1-1 0,7 1 0,0 0 0,-2 0 0,0 0 0,-1-5 0,1 0 0,16 24 0,-16-27 0,-16-50 0,1 18 0,-11-32 0</inkml:trace>
+  <inkml:trace contextRef="#ctx0" brushRef="#br0" timeOffset="31784">25614 2201 11089,'3'13'0,"0"28"2969,-3 10-2969,0-8 0,0 4 0,2-6 0,1 1 0,-2-3 0,3 2 0,10 23 0,2 0 0,-6-19 0,0 0 0,3 1 0,2 4 0,-2-4 0,-1-3 0,-2-3 0,2 1 0,0-1 1352,-1-7 1,0-1-1353,3 24 1616,5-1-1616,-4-4 4401,-3-20-4401,2 5 1795,-4 0-1795,-1-11 0,4 11 0,-5-14 0,3-4 0,-4-1 0,2 2 0,-4-7 0,3 3 0,-7-9 0,4 0 0,-4-2 0,2-2 0</inkml:trace>
+</inkml:ink>
+</file>
+
+<file path=ppt/ink/ink17.xml><?xml version="1.0" encoding="utf-8"?>
+<inkml:ink xmlns:inkml="http://www.w3.org/2003/InkML">
+  <inkml:definitions>
+    <inkml:context xml:id="ctx0">
+      <inkml:inkSource xml:id="inkSrc0">
+        <inkml:traceFormat>
+          <inkml:channel name="X" type="integer" min="-2.14748E9" max="2.14748E9" units="cm"/>
+          <inkml:channel name="Y" type="integer" min="-2.14748E9" max="2.14748E9" units="cm"/>
+          <inkml:channel name="F" type="integer" max="32767" units="dev"/>
+        </inkml:traceFormat>
+        <inkml:channelProperties>
+          <inkml:channelProperty channel="X" name="resolution" value="1000" units="1/cm"/>
+          <inkml:channelProperty channel="Y" name="resolution" value="1000" units="1/cm"/>
+          <inkml:channelProperty channel="F" name="resolution" value="0" units="1/dev"/>
+        </inkml:channelProperties>
+      </inkml:inkSource>
+      <inkml:timestamp xml:id="ts0" timeString="2023-03-22T15:22:10.088"/>
+    </inkml:context>
+    <inkml:brush xml:id="br0">
+      <inkml:brushProperty name="width" value="0.05292" units="cm"/>
+      <inkml:brushProperty name="height" value="0.05292" units="cm"/>
+      <inkml:brushProperty name="color" value="#FF0000"/>
+    </inkml:brush>
+  </inkml:definitions>
+  <inkml:trace contextRef="#ctx0" brushRef="#br0">13234 6795 24575,'-48'0'0,"-8"0"0,14 0 0,-1 0-2646,0-3 0,-1 1 2646,-13 3 0,-3 2 0,-3-3 0,-1 2 0,1 6 0,-2 2 0,14-6 0,-2 0 0,1 2 0,7 2 0,0 2 0,-2 1 0,0-2 0,-3 0 0,-1 2 0,1 2 0,2 4 0,1 2 0,0 1 0,-2 2 0,-10 4 0,-3 1 0,0 2 0,4 0-70,9-3 1,3 1 0,1 1 0,0 1 69,-3 3 0,1 2 0,1 0 0,3 0 0,-1 4 0,4-1 0,1 0 0,5-3 0,1-1 0,1 0 0,-12 18 0,4-3 0,19-17 0,1-3 0,-3 1 0,1-1 1231,-4 19-1231,7-16 0,0 1 0,1 1 0,-1 2 0,-1 4 0,0-1 0,4-7 0,2 0 0,1 6 0,0 0 0,2-1 0,0 1 1301,-1 13 1,1 3-1302,0 0 0,1-2 0,4-10 0,1-2 0,1 0 0,0-1 1735,4 26-1735,0-17 0,0 14 0,0-28 0,0 18 0,4-16 0,8 12 0,16 0 0,-8-21 0,3 0 0,4 4 0,1-1 0,3 2 0,1-3 0,16 6 0,1 2 0,-3-15 0,-10 0 0,10-5 0,-9-5 0,0-3 0,6 1 0,-1-1 0,12 1 0,-14-4 0,2-1 0,-6-1 0,2 0 0,7-1 0,4 0 0,4-2 0,0 0 0,-3 0 0,3 0 0,4 0 0,5 0 0,-1 0-319,-7 0 0,-2 0 0,2 0 319,2 0 0,0 0 0,-2 0-730,10 0 0,-4 0 730,-4 0 0,-4 0 0,-14 0 0,-2 0 0,0-1 0,1-2 0,1-3 0,1-3 0,4-5 0,1-2 0,1-2 0,1-2 0,6-2 0,-2-1 0,-11-2 0,-1-2 0,4-3 0,-2-3 0,-2 0 0,-2-2 0,-2-3 0,-1 1 0,-7 5 0,-4 1 0,8-19 884,-3 8-884,0-5 0,-8 11 0,12-16 1533,-14 19-1533,-3 3 0,1-1 0,7-31 0,-7 23 0,-1-3 0,-3-3 0,0-1 0,-1 5 0,0 0 0,-1-9 0,0 1 0,-2 7 0,-1 2 0,-1 3 0,-1 2 0,3-17 0,-6 15 0,3 10 0,-4-4 0,0-2 0,0 9 0,0-7 0,-8-11 0,-14-19 0,4 15 0,-2-4 0,-6-9 0,-1 0 0,1 4 0,0-1 0,-1-6 0,2 2-391,6 21 0,1 3 391,0-1 0,0 4 0,-3 0 0,-2 8 0,5 8 0,-9 5 0,4 4 0,-22 1 782,0 6-782,12 0 0,-3-1 0,-1 0 0,0 0 0,-2 0 0,2-1 0,-29-5 0,9-1 0,0 1 0,-4-4 0,-5 3 0,17-3 0,7 8 0,22 1 0,0 3 0,8 0 0,5 0 0,1 0 0,4 0 0</inkml:trace>
+</inkml:ink>
+</file>
+
+<file path=ppt/ink/ink18.xml><?xml version="1.0" encoding="utf-8"?>
+<inkml:ink xmlns:inkml="http://www.w3.org/2003/InkML">
+  <inkml:definitions>
+    <inkml:context xml:id="ctx0">
+      <inkml:inkSource xml:id="inkSrc0">
+        <inkml:traceFormat>
+          <inkml:channel name="X" type="integer" min="-2.14748E9" max="2.14748E9" units="cm"/>
+          <inkml:channel name="Y" type="integer" min="-2.14748E9" max="2.14748E9" units="cm"/>
+          <inkml:channel name="F" type="integer" max="32767" units="dev"/>
+        </inkml:traceFormat>
+        <inkml:channelProperties>
+          <inkml:channelProperty channel="X" name="resolution" value="1000" units="1/cm"/>
+          <inkml:channelProperty channel="Y" name="resolution" value="1000" units="1/cm"/>
+          <inkml:channelProperty channel="F" name="resolution" value="0" units="1/dev"/>
+        </inkml:channelProperties>
+      </inkml:inkSource>
+      <inkml:timestamp xml:id="ts0" timeString="2023-03-22T15:23:04.719"/>
+    </inkml:context>
+    <inkml:brush xml:id="br0">
+      <inkml:brushProperty name="width" value="0.05292" units="cm"/>
+      <inkml:brushProperty name="height" value="0.05292" units="cm"/>
+      <inkml:brushProperty name="color" value="#FF0000"/>
+    </inkml:brush>
+    <inkml:brush xml:id="br1">
+      <inkml:brushProperty name="width" value="0.05292" units="cm"/>
+      <inkml:brushProperty name="height" value="0.05292" units="cm"/>
+      <inkml:brushProperty name="color" value="#0070C0"/>
+    </inkml:brush>
+    <inkml:brush xml:id="br2">
+      <inkml:brushProperty name="width" value="0.05292" units="cm"/>
+      <inkml:brushProperty name="height" value="0.05292" units="cm"/>
+      <inkml:brushProperty name="color" value="#00B050"/>
+    </inkml:brush>
+  </inkml:definitions>
+  <inkml:trace contextRef="#ctx0" brushRef="#br0">8163 7689 11562,'-2'-3'0,"1"0"0,-1 3 0</inkml:trace>
+  <inkml:trace contextRef="#ctx0" brushRef="#br0" timeOffset="254480">9869 12988 24575,'0'9'0,"0"-1"0,0-4 0,0-2 0</inkml:trace>
+  <inkml:trace contextRef="#ctx0" brushRef="#br0" timeOffset="264704">21080 12262 24575,'0'35'0,"0"-8"0,0 3 0,0-15 0,0 4 0,0-7 0,0-5 0,6 3 0,9-7 0,8 0 0,19-3 0,-8 0 0,20 0 0,-20 0 0,8-7 0,-15 2 0,4-10 0,-15 7 0,1-5 0,-10-1 0,-3-1 0,-1-10 0,-18 4 0,-14 0 0,-7 5 0,-17 7 0,14 4 0,-15 1 0,-5 4 0,12 0 0,4 0 0,21 3 0,12 4 0,3 7 0,4 4 0,3 4 0,4 5 0,16-3 0,2 1 0,20-5 0,-4-3 0,4-4 0,-4-1 0,-1-7 0,-10-2 0,-4-3 0,-9 0 0,-8-14 0,-3 1 0,-13-10 0,-6 4 0,-17 7 0,0 1 0,-4 6 0,6 1 0,3 4 0,2 0 0,7 0 0,6 0 0,6 6 0,4 1 0,10 9 0,-6-7 0,6 0 0</inkml:trace>
+  <inkml:trace contextRef="#ctx0" brushRef="#br1" timeOffset="308062">746 12888 24575,'0'36'0,"0"-11"0,19-57 0,3-3 0,0-5 0,2-1 0,14-9 0,-19 20 0,0 1 0,17-19 0,-4 2 0,1 1 0,-11 11 0,-4 6 0,-7 5 0,0 6 0,-1 4 0,-1-1 0,-1-3 0,2-1 0,0-4 0,2-4 0,3 3 0,0-8 0,7-6 0,-5 7 0,1-6 0,-4 14 0,-6 4 0,2 1 0,-3 4 0,0-1 0,2 4 0,-1-3 0,1 3 0,-2-1 0,-1 2 0,0 0 0,0 2 0,0-2 0,1-1 0,-4 3 0,3-5 0,-3 5 0,4-5 0,-1 5 0,-3-2 0,2 3 0,-4 0 0,4 0 0,-4 0 0,2 0 0,-1 0 0,-1-1 0,4 1 0,-4 0 0,4 0 0,-4 0 0,4 0 0,-4-4 0,4 4 0,-4-4 0,5 1 0,-3-1 0,4-4 0,-1 1 0,1-4 0,0 2 0,0-6 0,0 7 0,0-3 0,0 3 0,-1 1 0,1 3 0,-1-3 0,0 3 0,0 3 0,-2-1 0,1 8 0,-4-6 0,4 3 0,-2-3 0,0 0 0,3 3 0,-3-3 0,0 3 0,0-12 0,8-10 0,-2-1 0,16-11 0,1-2 0,-3 3 0,7-12 0,2-9 0,-14 26 0,1 0-629,3-5 0,0 0 629,8-17 0,-11 19 0,-1 1-795,1-4 795,-3 4 0,1 0 0,4-6 0,3-15 0,1 13 0,-7-1 0,2 10 0,-5 4 0,-3 6 0,1 5 1206,-6 6-1206,2-1 847,-3 5-847,1-2 0,-4 3 0,0-1 0,-1 4 0,-1-2 0,4 1 0,-4-2 0,2 0 0,0 0 0,0 0 0,0 0 0,2 0 0,-4-3 0,4 2 0,-1-3 0,-1 4 0,2 0 0,-1 0 0,-1 0 0,2 0 0,-4 0 0,4 0 0,-1-3 0,2 2 0,-3-1 0,2 4 0,-4-1 0,4 1 0,-2-2 0,1 0 0,-2 0 0,1 3 0,-2-3 0,1-9 0,-2-10 0,13-20 0,-2-5 0,2 17 0,2-1-411,0 1 1,1-1 410,0-7 0,0 0 0,2 1 0,0 1 0,-5 7 0,-1-2 0,7-13 0,-1 1 0,-2-5 0,2 8 0,0-3 0,-7 6 0,1 1 0,2 3 0,1-2 0,0-11 0,-1 0 0,0 13 0,0 2 0,-3-7 0,0 0 0,4-1 0,0-1 0,2-6 0,0-2 0,0-2 0,2-3 0,0 4 0,2-5 0,-1 3 0,-3 8 0,0 1 0,0-1-568,3-5 0,1-1 0,-1 4 568,2-5 0,-1 5 0,-3 12 0,-1 2 0,-2 0 0,-1 1 0,9-19 0,4-8 0,-4 19 0,-1-6 0,-1 8 0,0 0 0,-3 2 750,2 4-750,-5 1 1775,8-14-1775,1 1 0,4-14 0,-2 6 0,-3-1 0,3 0 0,-9 14 0,3 4 0,-12 14 0,5 4 0,-1-3 0,4-3 0,5-1 0,0-3 0,2 5 0,3 6 0,-7 4 0,8 2 0,-9 8 0,4-4 0,14 3 0,-11 0 0,11 0 0,-10 4 0,3 0 0,-2 0 0,-3 0 0,0 0 0,-10 0 0,8 0 0,-6 3 0,0 3 0,2 4 0,-7 0 0,4-1 0,-5 0 0,0 2 0,3-1 0,-2 6 0,2-4 0,-2 5 0,2 0 0,1 3 0,4 9 0,3 2 0,-7-6 0,0 2 0,-2-6 0,-3 1 0,4-2 0,-3 3 0,-3-8 0,3 5 0,-4-7 0,1 6 0,-3-7 0,-1 6 0,0-5 0,0 7 0,1-6 0,2 4 0,-3-2 0,1 1 0,1 0 0,-4-2 0,2-5 0,0 0 0,-3 3 0,6-6 0,-3 5 0,1-2 0,2 4 0,0 9 0,-1-8 0,4 8 0,-5-3 0,3 8 0,0 8 0,0 16 0,-3-11 0,0 10 0,-4-18 0,0 4 0,0 0 0,0-4 0,0 9 0,0-6 0,0 1 0,0 20 0,-2-10 0,0 2 0,-3 2 0,-1 1 0,1-8 0,-1 1 0,1 0-325,-1-1 0,1 0 1,-1 2 324,-1 16 0,0 4 0,0-5-971,1-4 1,0-1 970,2-4 0,0 2 0,1-2 0,-3 4 0,1-2 0,4 4 0,1 0 0,-3 8 0,0 0 0,3-1 0,0 0-764,0-17 1,0 0 0,0-3 763,0 9 0,0 0 0,0-5 0,0 3 0,0-5 0,0-6 0,0 0 0,0 8 0,0 5 0,0-6-576,0 18 576,0-12 0,0-1 0,0 0 0,0-19 0,0 0 734,4 11-734,-3-7 1705,2-15-1705,-3-6 2569,0-7-2569,0-1 0,1 32 0,-2 13 0,-4 0 0,-2 6-1362,2-9 0,0 7 1,-1 2-1,-2 0 1362,0-8 0,-2 1 0,-1 0 0,1 2 0,-1 1 0,2-3 0,1 1 0,-1 2 0,0 0 0,0 0 0,-1 1 0,0 4 0,-1 1 0,1 0 0,-1 0 0,0 2 0,2-1-675,1-4 0,0 0 0,1 1 1,1 0-1,-1 0 0,0 1 1,0-1 674,1 0 0,-1 0 0,0 0 0,0 0 0,0 0 0,1 1 0,0-1-452,1 0 1,0 2 0,1-1-1,-1 0 1,1 0 0,1-2 0,-1-2 451,-1 8 0,1-2 0,0-2 0,0 2 0,1 4-302,1-5 0,0 4 0,1 1 0,0 2 1,0-2-1,1-1 0,-1-5 302,1 4 0,0-4 0,0-1 0,0 0 0,0 2 52,0-3 0,0 2 1,0 1-1,0-1 1,0 0-1,0-3-52,0 3 0,0-1 0,0-1 0,0-3 0,0-2 0,0 12 0,0-5 0,0 3 0,0-10 0,0 1 0,0 0 0,0 0 0,0 11 0,0-2 0,0-1 474,0-7 0,0-2 0,0-3-474,0 4 0,0 0 0,0-5 0,0 3 0,0-8 0,4 19 1227,-2-2 0,1-1-1227,7-7 2094,-4-16 1,1 1-2095,-1 23 0,-2-26 0,-1-1 4269,-3 15-4269,0 15 0,0-13 0,0 11 0,0-30 0,0 1 1192,0 3 0,0 2-1192,0 14 0,0 3 0,0-13 0,0 1 0,0 2-105,1 11 1,1 2-1,0-1 105,1-3 0,0 0 0,1 0 0,1 3 0,0 0 0,1-2-51,0-7 1,1-2 0,0-1 50,0 15 0,0-4 0,0-15 0,-1-4 0,-1 13 0,-2-15 0,-3-12 0,0 8 1485,4-10-1485,0 14 163,7 8-163,1 11 0,3 0 0,-1-14 0,-6-13 0,1-9 0,-8-10 0,1-3 0,-2-3 0</inkml:trace>
+  <inkml:trace contextRef="#ctx0" brushRef="#br1" timeOffset="320579">13454 12322 24575,'0'0'0</inkml:trace>
+  <inkml:trace contextRef="#ctx0" brushRef="#br2" timeOffset="327616">23167 11056 8191,'0'18'0,"0"-4"5063,0-5-5063,0-13 2818,0-20-2818,9-19 0,-4 9 0,1-2 477,6-5 0,2-2-477,0-6 0,0-2 972,1-7 1,0-3-973,-3 17 0,0-2 0,0 0 0,-3-1 0,0-1 0,-1 3-373,2-12 0,1 3 373,2-3 0,-1 2 0,-7 10 0,-1 2 0,6-1 0,0 0 0,-4-2 0,-1 0 0,3 0 0,0 2 0,-1-14 0,0 16 0,0-1 0,-1-17 0,3 5 0,-4 22 0,0 0 0,8-12 0,-7-11 0,3 19 0,2-1 0,-1-17 0,-1 21 0,0 1 0,7-10 0,-6 0 0,6 0 836,-7 5-836,7-4 0,-3 4 4487,5-10-4487,-1 3 0,1-3 0,-2 9 0,-3-2 0,3 8 1027,-4 0-1027,3 2 0,-4 12 0,0-6 0,0 6 0,-3 1 0,2 1 0,-4 7 0,4 0 0,-3 4 0,2 0 0,1-8 0,-3 2 0,16-20 0,5-7 0,-6 10 0,1-2-432,-1 4 0,0 0 432,4-6 0,-2 1 0,-4 3 0,0-1 0,14-14 0,-1 0 0,-13 13 0,-1 1 0,9-7 0,-2 2 0,-1 5 0,-4 3 0,-3 8 0,-4 4 0,-4 3 0,0 7 0,-4-4 864,0 9-864,0-3 0,0 3 0,0 0 0,0 0 0,-1 0 0,1 0 0,7 29 0,-4-4 0,5 23 0,-5 11-515,-4-4 515,-2-15 0,-1 2-609,-2 0 1,0 1 608,0 3 0,0 0 0,0 7 0,0 2-987,0 0 1,0 0 986,0 7 0,0 2 0,0-19 0,0 2 0,0 0 0,0 0 0,0 1 0,0 1-704,0 6 1,0 1-1,0 1 704,0-2 0,0 0 0,0 1 0,0 2 0,0 1 0,0 1 0,-1 2 0,1 2 0,1-2-803,0-3 1,1 0-1,1 3 803,2 0 0,1 5 0,0 0 0,1-5 0,0-4 0,0-3 0,1 2 0,2 5 0,1 4 0,1-1 0,0-4-741,-1-4 0,0-4 0,1 2 741,2 9 0,1 1 0,-1 0 0,0-5 0,0 0 0,-1 0 0,1-3 0,0-1 0,-1 0-144,-2-6 1,0-1 0,0 0 143,1 2 0,1-1 0,-1-3 82,0 3 1,0 0-83,-1-1 0,2 2 0,0-3 0,1-3 0,0 0 0,-1 9 0,0 2 0,4 7 0,-1-5 0,-4-7 0,2 1 0,0 1 1940,0-1-1940,5 12 0,-8-22 0,-1-2 0,4 6 0,-1-3 0,-1-1 0,2-8 0,2 4 0,3 3 0,10 9 0,-6-15 0,0 1 0,11 12 0,-6-10 0,0 1 1360,-7-12 1,0 0-1361,8 16 0,2 0 0,12 3 0,-11-7 0,0 0 0,-6-14 0,1 0 0,10 14 0,-2 0 0,-11-13 0,-1-1 0,7 2 0,-2 0 2147,6 9-2147,11 6 0,-25-23 0,-5-4 0</inkml:trace>
+  <inkml:trace contextRef="#ctx0" brushRef="#br2" timeOffset="330246">23185 11052 24575,'-7'54'0,"-4"1"0,-7 0-1226,6-18 0,-1 2 1226,0-4 0,0 2-683,-1 11 1,-1 3 682,-1 3 0,0 0 0,2 0 0,-1 1 0,1-11 0,0 2 0,-1-1 0,1-1 0,0-1 0,-1 1-945,1 4 1,-1 2-1,-1 1 945,-1-2 0,-2 4 0,0-2 0,3-2 0,2 1 0,3-4 0,-3 3 0,-2 0 0,-2 2 0,-1 1 0,2-4-751,1 1 1,1-3-1,-1 1 751,-5 7 0,-3 1 0,2 0 0,0 1 0,2 0 0,-2 1 0,-2-2 0,-1 0 0,1-1 0,4-5 0,0-1 0,1 0 0,-2 3 0,1 0 0,1-4-300,-2 2 0,0-2 300,0 0 0,0 3 0,2-6 0,6-13 0,1 0 0,-12 24 0,0-1 798,1 4-798,7 0 0,-2-3 0,9-21 3163,5-3-3163,0-9 0,-4 30 0,-4 5 939,1-15 1,-2 2-940,0 1 0,-2 1 292,-3 0 0,-2 1-292,3 5 0,-1 4-981,2-8 1,-1 3 0,2-1 980,2-5 0,1-2 0,-2 6-800,0 1 1,-3 6 0,1 2 0,-1-2 0,3-5 799,1-1 0,1-3 0,-2 3 0,0-1 0,-2 6 0,-1 1 0,1-1 0,2-6-417,1 3 0,2-4 0,0 0 417,0-1 0,-1-1 0,1 1-164,-2 0 1,1 1 0,1-3 163,2 0 0,0-1 425,-4 6 1,-1 0-426,2-6 0,2-2 1259,2-6 0,1-2-1259,-11 22 2480,8-7-2480,-13 3 0,12-11 2147,-11 5-2147,9-14 1998,1 0-1998,0 0 1763,1-5-1763,3 0 0,-6 4 0,3-4 0,0 11 0,-2-10 0,5 6 0,-2-12 0,6 1 0,-5-3 0,5-6 0,-3 6 0,1-3 0,-2 7 0,0 0 0,-3 8 0,4-5 0,-2 10 0,-3 16 0,4-21 0,-1 1 0,0 8 0,0 0 0,-1 0 0,-1-1 0,3-6 0,0-2 0,-8 32 0,5-35 0,4 0 0,4-23 0,3 0 0,0-8 0,0 0 0,0-6 0,0 2 0,0 0 0,0 0 0,0-1 0,3-6 0,-2 18 0,-10 16 0,-14 40 0,5-16 0,-2 3-1464,-1 11 0,0 1 1464,0 0 0,1 2 0,6-17 0,2 2 0,0-4-560,0 2 1,0-2 559,-2 13 0,1-1 0,4-21 0,2 0 0,-1 11 0,-1 2 0,-3 1 0,1 0 0,5-1 0,0 0 0,-4 1 0,-1-2 0,5-7 0,-1-1 2741,-5 21-2741,12-57 14</inkml:trace>
+  <inkml:trace contextRef="#ctx0" brushRef="#br2" timeOffset="340696">15069 12162 24575,'-22'0'0,"-17"-13"0,-9-2 0,-6-2 0,8-3 0,-3-1-2609,3 4 1,-4 0 0,1 1 2608,6 2 0,1 0 0,-3 0 0,-3 2 0,-3 0 0,-1 0 0,2 0 0,-6 0 0,1 0 0,-1 1 0,6 0 0,-2 0 0,0 0 0,4 2 0,0 1 0,4 2 0,-2 1-96,-2 0 1,-2 1 0,2 0 95,3 2 0,2 0 0,-4 1 0,-19 1 0,-3 0 0,5 0 0,10 0 0,0 0 0,0 0 0,-5 0 0,10 0 1005,-13 5-1005,21-2 0,-2 4 0,-2 5 0,1 3 0,10-3 0,0 2 0,-12 9 0,3 2 0,14-5 0,2 0 0,-4 5 0,1 2 0,5-1 0,0 2 0,-11 15 0,1 1 0,12-16 0,1 0 0,-12 20 0,3-1 0,2 2 0,14-18 0,0 2 0,0-3 0,2 2 0,1 19 0,3 1 0,1-18 0,0 0 0,2 16 0,3 0 0,3-14 0,0-2 0,0 27 0,4-20 0,5-1 0,16 19 0,-7-28 0,4 1 0,16 15 0,3-1 0,-8-11 0,4 2 0,7 4 0,6 5 0,-2-4 0,0-3 0,2-1 0,-7-8 0,6 2 0,0-1 0,-3-2-659,-5-3 0,-2-3 1,1 0 658,13 5 0,1-1 0,-1-2 0,8 1 0,-3-4 0,-2-4 0,-1-1 0,3 1 0,-1-2 1313,-7-7 0,1 0-1313,0 1 0,4-1 0,1 0 0,-2-4 0,0-2 0,1 1 0,2 0 0,1 0 0,2-1 0,-8-1 0,2 0 0,-1-1 0,-7-1 183,3 1 1,-2-2-184,10 1 0,5 0 0,-10 0 0,3 0-115,11 0 1,-1 0 114,-13 0 0,-14 0 0,-2 0 0,1 0 2455,-5 0-2455,-5 0 563,4 0-563,-4 0 2031,5 0-2031,0-3 0,10 2 0,9-7 0,11 7 0,-27-3 0,0-1 137,2 2 1,1 0-138,5-1 0,0-2 0,2-2 0,1 0 0,7 3 0,3-3 0,-4-2 0,2-4 0,-1 2-1351,9 2 1,0-2 1350,-8-2 0,3-3 0,-1-1 0,-1 0 0,0-1 0,-3-1 0,-9 2 0,-2-1 0,1-2 0,11-4 0,1-2 0,-6 2 0,-8 0 0,-2-1 0,11-9 0,-2-3-928,-11 2 1,-1-1 927,12-9 0,-2-1 0,-16 9 0,-4 0 0,-1 2 0,-2 0 0,-6 2 0,-1-2 0,0-5 0,-1-3 0,1-10 0,-1-2-162,-4 6 0,-2 1 162,-4-5 0,-2 2 0,1 19 0,-1-1 0,-1-18 0,-2-4 0,-7 1 0,-3-1 0,1 0 0,-4 0 0,-6-6 0,-7 2 0,0 20 0,-5 2 0,0 3 0,-9-9 0,-2 2 221,5 5 1,-3-1-1,1 4-221,-12-3 0,1 4 0,4 3 0,-3 1 0,0 3 0,-5 0 0,3 2 0,-4 4 0,0 2 0,5 0 0,-2 0 0,3 2 0,-2 4 0,3 2 0,-1 1 0,0 1 0,-4-1 0,2 1 0,13 5 0,1 0 0,-8-2 0,-1 0 0,-1 4 0,0 1 0,-1-2 0,-1-1 0,-5 3 0,2 0 0,19 0 0,1 0 949,-6 0 0,0 0-949,5 0 0,0 0 0,-5 0 0,-1 0 0,2 0 0,2 0 0,-12 0 0,-1 0 0,11 4 1275,5 0-1275,7 4 2037,2 2-2037,5-3 0,-1 3 0,10-4 0,0 4 0,-2 3 0,0 1 0,-1 3 0,-1 4 0,3-1 0,2-4 0,2-6 0</inkml:trace>
+  <inkml:trace contextRef="#ctx0" brushRef="#br2" timeOffset="362230">3864 8647 8191,'4'-1'0,"1"9"5063,8 16-5063,5 14 0,8 7 1018,-9-13 0,0 2-1018,0-1 0,1 1 0,3 10 0,0 2 0,4-2 0,-1 0 0,-4 1 0,-1 0 216,6 2 0,-2-1-216,-10-13 0,0 1 0,10 20 0,-2 1 0,-12-20 0,-1 1 0,12 22 0,-1 0 0,-13-24 0,0-2 0,4 9 0,0-1 4577,0 23-4577,-1 2-204,-4-31 0,0-1 204,4 23 0,-4-6 0,0-1 820,-5-7-820,0-8 1991,0 2-1991,0-9 1358,0 5-1358,0 0 515,0-1-515,0 1 0,0-1 0,0 6 0,0-5 0,0 5 0,0-6 0,0 1 0,0 0 0,0 0 0,0-4 0,-4 3 0,3-3 0,-6-1 0,6 4 0,-5-8 0,5 8 0,-6-3 0,6 4 0,-6-5 0,3 0 0,-4-1 0,4-6 0,-3 5 0,6-14 0,-2 6 0,3-11 0,-3 4 0,3-15 0,-3-13 0,3-19 0,0-13 0,0-1-362,2 14 0,1 0 362,2-8 0,1-10 0,-1-1 0,0-3-989,-1 6 1,-2-1 988,-2 11 0,0 2 0,0-8 0,0 0 0,0-2 0,0-1 0,0-8 0,0-2 0,1 0 0,-2-2 0,-2 18 0,-1 0 0,0-2-722,1-2 1,1-1 0,-2 1 721,-3 3 0,-2 0 0,1 2 0,2-10 0,0 0 0,-3 1 0,1-2 0,3 11 0,0-2 0,0 4 0,0 0 0,-1 2 0,1-21 0,0 6 0,-1 23 0,2 6 572,-2 4-572,0 10 1799,0 7-1799,0 0 2494,3 0-2494,0 0 0,3-3 0,0 3 0,0 42 0,1 2 0,0 10 0,3 0 0,3 1 0,2 0 0,1 4-1268,-2 8 1,1 6 0,1 1 0,3-3 1267,3-8 0,3-2 0,1-1 0,-2 0 0,-2-3 0,-1-1 0,-1 0 0,2 1 0,4 6 0,0 1 0,1 0 0,-1-3-1174,4 7 1,-1-2 0,0 1 1173,-5-8 0,2 3 0,-2-2 0,1-2 0,2 2 0,-1-3 0,-1 0 0,0 4 0,-2 0 0,0-4-522,3 3 1,-1-2 521,-3 3 0,-1 1 0,3-5 0,-3-2 0,-6-12 0,-2-2 0,1 0 0,-1-2 0,2 23 0,-4-6 0,-1 10 0,-4-23 3568,0 15-3568,0-18 4268,0 9-4268,-3-4 1796,2-2-1796,-7-5 0,4-5 0,-3 0 0,2-9 0,-1 3 0,2-10 0,0 5 0,-2-5 0,6-1 0,-3-1 0,3-3 0,0 0 0,0 0 0,0-3 0,0 0 0</inkml:trace>
+</inkml:ink>
+</file>
+
+<file path=ppt/ink/ink2.xml><?xml version="1.0" encoding="utf-8"?>
+<inkml:ink xmlns:inkml="http://www.w3.org/2003/InkML">
+  <inkml:definitions>
+    <inkml:context xml:id="ctx0">
+      <inkml:inkSource xml:id="inkSrc0">
+        <inkml:traceFormat>
+          <inkml:channel name="X" type="integer" min="-2.14748E9" max="2.14748E9" units="cm"/>
+          <inkml:channel name="Y" type="integer" min="-2.14748E9" max="2.14748E9" units="cm"/>
+          <inkml:channel name="F" type="integer" max="32767" units="dev"/>
+        </inkml:traceFormat>
+        <inkml:channelProperties>
+          <inkml:channelProperty channel="X" name="resolution" value="1000" units="1/cm"/>
+          <inkml:channelProperty channel="Y" name="resolution" value="1000" units="1/cm"/>
+          <inkml:channelProperty channel="F" name="resolution" value="0" units="1/dev"/>
+        </inkml:channelProperties>
+      </inkml:inkSource>
+      <inkml:timestamp xml:id="ts0" timeString="2023-03-22T14:49:20.227"/>
+    </inkml:context>
+    <inkml:brush xml:id="br0">
+      <inkml:brushProperty name="width" value="0.05292" units="cm"/>
+      <inkml:brushProperty name="height" value="0.05292" units="cm"/>
+      <inkml:brushProperty name="color" value="#FF0000"/>
+    </inkml:brush>
+  </inkml:definitions>
+  <inkml:trace contextRef="#ctx0" brushRef="#br0">14897 5006 8191,'-9'-4'0,"2"2"5063,-5 2-5063,2 0 2818,-26 0-2818,-16 0 0,6 0 0,-7 0 0,10 0 0,-2 0 0,-3 0-213,-12 0 1,-3 0-1,1 0 213,7-1 0,2 1 0,-1 1 0,-2 1 0,-1 1 0,4 2 0,-8 2 0,3 4 0,4 5 0,0 2 2530,0 0 1,-1 5-2531,10 2 0,-2 6 0,3-2 0,-11 3 0,2 2-954,12-2 1,0 3 0,4 0 953,-2 3 0,3 4-233,7 4 1,0 7 0,5 0 232,6-7 0,4 0 0,0 3 0,0 1 0,0 5 0,1-1 0,4-5 0,2 15 0,4-3 0,2 6 0,2-1 0,-1-5 0,5 1 0,6-14 0,4 1 0,4 2 0,4-1 0,3 2 0,3 1 0,2-3-527,3-1 1,2-1 0,2-2-1,0-1 527,0-4 0,-1-3 0,2 0 0,3 0 0,-3-2 0,2 0 0,2 1 0,0-2 0,0-2 0,8 3 0,1-3 0,0-1 0,1 2 0,-6-3 0,0 1 0,1 0 0,0-1 0,1-1 0,8 2 0,2-1 0,-1-1 0,-1-3-150,-8-4 1,-1-1 0,0-1-1,2-3 150,3-2 0,2-3 0,0-1 0,-1-1 0,-4 0 0,-1 0 0,0-2 0,1-4 0,2-5 0,2-3 0,-1-3 0,-4-2 0,-1-2 0,-4-3 0,-1-4 0,-1-5 0,-3-4 0,1-2 0,6-8 0,0-4 0,-1 1 0,-7 6 0,0-1 0,1 0-293,6-8 1,3-1 0,-3 1 292,-5 6 0,-1 2 0,-1-1 0,-2 2 0,0-1 0,0 1-84,-1 0 0,1 0 1,1-2 83,-3 0 0,2-3 0,-1-1 0,0 0 0,6-10 0,0-1 0,0-3 0,-5 4 0,1-3 0,-1 0 0,-4 4 0,-2 2 0,-3 3 0,-1-2 0,3-7 0,0-1 0,-5 1 0,-3-5 0,-3-1 0,-1 3 0,1-4 0,-3-1 0,-5 11 0,-2-1 0,-3 0 0,-1-1 549,-3-1 1,-3 0 0,-2 1 0,-2 0-550,-5-12 0,-4 2 0,-4 4 0,-1 9 0,-4 4 0,-3 2 0,-5 2 0,-4 4 0,-2 2 0,4 5 0,-1 2 0,-5 0 0,-4-2 0,-5 0 0,-2 0 0,0 3-93,3 4 0,-1 3 0,-2 1 1,-2 1 92,1 2 0,-4 2 0,-1 0 0,1 2 0,4 2 0,-14-1 0,3 3 0,-4 3 0,12 4 0,-4 1 0,-2 3 0,3 1 0,6 0-409,-3 2 0,7 3 0,-3-1 409,-15 1 0,-2 0 0,6 4 0,-4 12 0,12 0 0,11-6 0,-4 7 0</inkml:trace>
+  <inkml:trace contextRef="#ctx0" brushRef="#br0" timeOffset="4484">13228 12771 24575,'-52'4'0,"-2"10"0,20-4 0,-2 1-1193,-4 4 0,-2 1 1193,3 1 0,-2 2 0,-4 0 0,-5 1 0,3 0 0,-6 4 0,1 0 0,6-4 0,-2 1 0,0 1 0,-1 6 0,0 3 0,0-1 0,-1-1 0,-1 0 0,-1 5 0,4 0 0,-1 5 0,1 1 0,3-3-799,-2-1 1,4-1-1,2 2 799,1 2 0,3 3 0,6-5 0,10-6 0,1 0 0,-10 16 0,0 4 246,3 1 0,2 4-246,2-6 0,0 4 0,3-1 0,4-7 0,2 0 0,0 0-534,1 3 0,0 1 1,3-3 533,3 5 0,2-2 0,-2 4 0,2 1 0,1-1 0,3-2 0,0-14 0,2 1 0,-1 24 0,0 0 356,0-19 0,0 1-356,-1 3 0,0 4 0,3-2 0,7 7 0,2-2 0,-5-5 0,4-3 1127,10-4 1,6-4-1128,4-8 0,5-1 0,0-3 0,5 0 0,3 0-946,7-1 0,3 0 0,2-2 946,-8-6 0,1-2 0,1 0 0,1 0-484,2-1 0,2 0 1,0-1-1,0-1 484,1-1 0,-2-1 0,4-1 0,8 1 0,-12-2 0,6 0 0,4 0 0,4 1 0,1-1 0,1 1 0,-1-2 0,-3 1 0,-4-2 0,1 0 0,-4 0 0,-1-1 0,-1-1 0,2 0 0,2 1 0,4 0 0,-7-1 0,3 1 0,4 0 0,1 1 0,1-1 0,1 0 0,-1 0 0,-1-1 0,-3-1 0,-2-1 0,-5-1 0,14-1 0,-4-2 0,-3 0 0,-2-2 0,-1-2 0,1 0 0,-2-1 0,-1-2 0,0 0 0,-1-1 0,-2-2 0,-4 0-172,8-5 1,-4 0-1,-2-3 1,-1-3 171,2-8 0,0-4 0,-3-1 0,-6 3 0,2-4 0,-3-1 0,3-5 0,3-5 0,-7 5 0,-11 9 0,-2 0 0,7-10 0,1-3 0,-1 4 0,-1 0 0,-10 8 0,-1 0 0,2-4 0,0-1 1427,-6 7 1,-3-1-1428,-3-6 0,-3-3 0,-4-2 0,-2 0 0,0 6 0,-2 0 2077,-1-11 0,-4-1-2077,-6-5 0,-3-1 0,-3 1 0,-3-4-640,1 13 1,-2-5 0,-2-1 0,-1 5 639,-6-3 0,-2 3 0,-3-4 0,7 7 0,-3-3 0,0-2 0,-2-1 0,-1 2-481,-2-3 1,-3 1-1,0-1 1,-1 1-1,0 0 481,1 3 0,0 1 0,0-1 0,-2 1 0,0-2 0,-1 2 0,-1-3 0,-1 0 0,0 0 0,1 4 0,2 4 0,-2 1 0,3 5 0,-1 1 0,-2 0 0,-7-7 0,-2-1 0,0 3 0,2 6-591,3 8 0,2 6 0,0 0 591,-1 1 0,-1 0 0,1 3 0,-14-2 0,1 4 0,5 3 0,0 2 0,1 0 0,0 0-297,-6 2 1,2 0 296,16 3 0,-1 0 0,-12 0 0,-1 1 1356,9 1 1,0 2-1357,-8-1 0,-1 0 0,1 0 0,5 0 0,-5 0 0,19 0 0</inkml:trace>
+</inkml:ink>
+</file>
+
+<file path=ppt/ink/ink3.xml><?xml version="1.0" encoding="utf-8"?>
+<inkml:ink xmlns:inkml="http://www.w3.org/2003/InkML">
+  <inkml:definitions>
+    <inkml:context xml:id="ctx0">
+      <inkml:inkSource xml:id="inkSrc0">
+        <inkml:traceFormat>
+          <inkml:channel name="X" type="integer" min="-2.14748E9" max="2.14748E9" units="cm"/>
+          <inkml:channel name="Y" type="integer" min="-2.14748E9" max="2.14748E9" units="cm"/>
+          <inkml:channel name="F" type="integer" max="32767" units="dev"/>
+        </inkml:traceFormat>
+        <inkml:channelProperties>
+          <inkml:channelProperty channel="X" name="resolution" value="1000" units="1/cm"/>
+          <inkml:channelProperty channel="Y" name="resolution" value="1000" units="1/cm"/>
+          <inkml:channelProperty channel="F" name="resolution" value="0" units="1/dev"/>
+        </inkml:channelProperties>
+      </inkml:inkSource>
+      <inkml:timestamp xml:id="ts0" timeString="2023-03-22T14:49:45.446"/>
+    </inkml:context>
+    <inkml:brush xml:id="br0">
+      <inkml:brushProperty name="width" value="0.05292" units="cm"/>
+      <inkml:brushProperty name="height" value="0.05292" units="cm"/>
+      <inkml:brushProperty name="color" value="#FF0000"/>
+    </inkml:brush>
+  </inkml:definitions>
+  <inkml:trace contextRef="#ctx0" brushRef="#br0">28013 7481 8191,'1'-3'0,"-9"0"5063,-16 3-5063,-1 0 1409,-9-2 0,-5 1-1409,-22 8 859,8-3 1,0 2-860,13 6 0,2 1 0,2-2 0,2 1 0,-9 14 6784,-5 0-6784,15 4 0,-2-2 0,11 1 0,16-11 0,-5-1 0,12-4 0,-11 3 0,10 7 0,-4 9 0,6 9 0,0 7 0,3 2 0,5-7 0,4-1 0,7-14 0,-2-1 0,1-5 0,-4-4 0,0-1 0,-4-3 0,3-1 0,0 6 0,7-1 0,4 8 0,2-6 0,4 0 0,-4-6 0,2-4 0,3 1 0,-6-6 0,10 1 0,-12-6 0,3 0 0,-8 0 0,13 0 0,-4 0 0,8-6 0,-1-5 0,-6-6 0,-1-6 0,-13 11 0,-5 0 0</inkml:trace>
+  <inkml:trace contextRef="#ctx0" brushRef="#br0" timeOffset="748">27393 8051 11107,'29'0'0,"19"0"2337,1 0 0,4 0-2337,-2 0 0,0 0 1201,2 0 1,-3 0-1202,14 0 0,-22 0 1381,-23 0-1381,-9 0 4754,-2 0-4754,-2 0 64,0 0 0,-3 0 0,0 0 0</inkml:trace>
+  <inkml:trace contextRef="#ctx0" brushRef="#br0" timeOffset="1479">28382 6879 24575,'0'31'0,"0"1"0,0 3 0,0 3 0,0 1 0,0 10 0,0 3 0,0-7 0,0 2 0,0-1-1486,0 9 0,0 1 1486,0-10 0,0 1 0,0-1 0,0 12 0,0-3 294,0-4 0,0 0-294,2 3 0,0-1 0,-2-12 0,1-3 0,3 19 0,-4-26 569,0-8-569,0-1 0,0-1 0,0-6 1522,0 10-1522,0 0 293,0 2-293,0 7 0,0-8 0,0 4 0,0-9 0,0-8 0,0-7 0</inkml:trace>
+  <inkml:trace contextRef="#ctx0" brushRef="#br0" timeOffset="2212">28822 6832 10396,'-3'8'0,"0"29"4755,3 27-4755,0-10 0,0 2 0,0-3 0,0 0 1261,0 7 0,0-1-1261,0-4 0,0 0 0,0-6 0,0-1 492,0 1 1,0-2-493,0-8 0,0-2 0,0 25 0,0-7 4991,0-7-4991,0 9 266,0-20-266,0 19 0,0-26 0,0 9 660,0-4-660,-6-3 0,5-8 0,-5-8 0,0-7 0,4-1 0,-3-1 0,5-1 0,0-3 0</inkml:trace>
+  <inkml:trace contextRef="#ctx0" brushRef="#br0" timeOffset="3679">28487 6878 24575,'27'-22'0,"0"0"0,30-9 0,-28 12 0,-1 2 0,33-8 0,-23 12 0,3 2 0,7 3 0,4 1 0,-8 2 0,3 1 0,1 3 0,1 6 0,0 4 0,-2 0-1027,7 0 0,-2 4 1027,3 13 0,-3 5 0,-15-1 0,-3 2 246,3 5 1,-1 1-247,-3-2 0,-3-1 0,4 16 0,-19-5 0,-12-21 0,-18 11 0,-18-4 780,-5-4 1,-5 0-781,0-6 0,-3-1 0,-12 10 0,-2-2 0,6-9 0,2-2 0,1 0 0,2 0 0,11-4 0,3-2 0,-21 5 0,29-6 0,0-4 0,9 0 0,4-3 0,5-1 0,0 0 0,5 0 0,13 10 0,14 0 0,20 7 0,3 5 0,-2-6 0,-14-1 0,1 1 0,7 4 0,-5-7 0,1 2 0,-4 3 0,1 0 0,4 0 0,2 0 0,2 7 0,-2 0 0,-7-7 0,-1 1 0,1 2 0,1 0 0,-3 0 0,1 0 0,4 2 0,-1 0 0,-2-3 0,-3-1 0,5 9 0,-13-14 0,-12-8 0,-1-5 0,-3-2 0,0-2 0</inkml:trace>
+  <inkml:trace contextRef="#ctx0" brushRef="#br0" timeOffset="5881">29633 6006 8191,'-7'2'0,"2"23"5063,5 16-5063,0 24 0,0-25 0,0 0 0,0 16 0,0 0 0,0-33 2818,3 2-2818,5-2 1719,16 0-1719,12 0 6784,22-8-6784,-20-10 0,0-2 0,-3 1 0,2-4 0,8-11 0,-1-6 0,-8 0 0,-3-4 0,-3-1 0,-2-2 0,12-24 0,-21 24 0,-3-26 0,-8-6 0,-8 22 0,-7 0 0,-9-5 0,-7 2 0,-4 8 0,-3 2 0,-6 2 0,-1 3 0,4 5 0,1 4 0,-26 2 0,16 7 0,-21 24 0,36-1 0,2 3 0,-4 0 0,2 3 0,-2 12 0,4 2 0,-2 20 0,13-28 0,2 0 0,1 22 0,7-18 0,4-4 0,16-7 0,2-6 0,15-5 0,-1-8 0,5-2 0,-4-3 0,4 0 0,-5 0 0,9 0 0,-1-3 0,8-8 0,-7-11 0,-4-16 0,-16 6 0,-2-3 0,8-25-856,-13 20 0,-2 0 856,1-12 0,-3-8-579,-8 11 1,0-1 578,2-13 0,-3 15 0,-2 3 0,1-2 0,0 15 0,0-4 1606,0 17-1606,0 6 1263,0 4-1263,0 3 0,0-2 0,0 1 0,0-5 0,0 5 0,0-6 0,0 6 0,0-2 0,0 3 0,0-3 0,0 0 0,0-1 0,0 7 0,0 45 0,0-5 0,0 20 0,0 4 0,0-1 0,0-9 0,0 1 0,0-13 0,0-1 0,0 2 0,0 0 0,0-5 0,0-1 0,0 16 0,0-26 0,0-9 0,0 1 0,0-10 0,0 0 0,3-3 0,-2 2 0,4-2 0,-4 3 0,4 0 0,-5 0 0,3-1 0,-3 1 0,0 0 0,0 5 0,0 10 0,0-3 0,0 13 0,0-11 0,3 16 0,5-2 0,2 2 0,1-8 0,-2-10 0,-3-8 0,0-5 0,-3-2 0,-1-3 0</inkml:trace>
+  <inkml:trace contextRef="#ctx0" brushRef="#br0" timeOffset="69963">22784 9379 8191,'3'10'0,"0"42"1151,-3-9 1,0 3-1152,0 8 0,0 4 749,-1-6 1,1 4-1,1-3-749,3 6 0,1-1 0,-1-8 0,0 2 0,1-5 0,1-7 0,0-2 1020,5 16 0,1-1-1020,-4-18 0,-1-1 0,3 6 0,-1 0 0,-2-3 0,-1-2 5294,5 19-5294,-6 1 3138,3-15-3138,-5-13 1284,-3-14-1284,0-4 77,3-1-77,0-6 0,7-40 0,0 4 0,2-5 0,1-3 0,1-4 0,0 3-511,2-5 0,0 2 511,6-13 0,0 6 0,1 7 0,4-6 0,-5 9 0,4 8 0,-4 11 0,5 7 0,7 15 0,3 20 1022,5 9-1022,-1 12 0,-13-1 0,2-2 0,-13-4 0,3 1 0,0 4 0,-2 0 0,7 7 0,-4 13 0,0-6 0,-2 0 0,-8-15 0,-4-16 0,-4-8 0,-3-3 0,0-6 0,0 0 0</inkml:trace>
+  <inkml:trace contextRef="#ctx0" brushRef="#br0" timeOffset="70712">24090 9351 10579,'-3'11'0,"-10"10"5039,-9 18-5039,-3 16 0,6-23 0,1 1 0,1 21 0,1-21 0,1-1 0,0 12 2435,-7 6-2435,8-2 0,1-5 1404,8-5-1404,2 14 0,3 8 0,0-7 0,-2-17 0,4 1 0,10 4 0,6 2 0,7 9 0,4 2 851,-4-12 0,3 1 1,0-2-852,1-3 0,0-3 0,-1-1 0,4 7 0,-2-3-904,-2-12 0,-3-1 904,11 13 0,2-16 0,-4 5 0,-7-15 0,-1-2 0,-15-7 0,-3-3 0</inkml:trace>
+  <inkml:trace contextRef="#ctx0" brushRef="#br0" timeOffset="71398">24484 9964 24575,'28'19'0,"2"2"0,3 3 0,-7 1 0,2 2 0,16 7 0,0 0 0,-13-3 0,-1-2 0,1-6 0,-2 1 0,-4 3 0,-2 1 0,3-3 0,-1-2 0,19 25 0,-3-11 0,-11-4 0,-12-14 0,-4-1 0,0-4 0,-4-1 0,0-4 0,-4-1 0,0 0 0,-3-8 0,0 3 0</inkml:trace>
+  <inkml:trace contextRef="#ctx0" brushRef="#br0" timeOffset="72079">24554 10562 24575,'17'-38'0,"-1"0"0,11-19 0,6-4 0,2 9 0,5-1 0,-1-1-2200,-4 1 1,-2-1 0,1 1 2199,4 0 0,0 1 0,-5 5 0,-7 5 0,-3 3 30,6-1 0,-2 2-30,-2-9 605,-6 18 1,0 1-606,7-17 0,-1 2 0,-5 13 3252,-6 8-3252,-5 13 453,-3 9 0,-3 0 0,-1 0 1</inkml:trace>
+  <inkml:trace contextRef="#ctx0" brushRef="#br0" timeOffset="72746">24401 10882 24575,'30'0'0,"15"0"0,14 0 0,-9 0 0,-7 0 0,-1 0 0,-4 0 0,27 0 0,-20 0 0,15 0 0,-19 0 0,0 0 0,-20 0 0,-3 0 0,-8 0 0,-4 0 0</inkml:trace>
+  <inkml:trace contextRef="#ctx0" brushRef="#br0" timeOffset="73646">25396 9355 8191,'22'3'0,"32"33"1909,-14-14 0,2 2-1909,1 8 0,-2 2 0,-8-4 0,-4-1 2951,8 17-2951,-17-9 0,-4 1 0,-1 8 0,-5-3 0,-3 3 933,-6-5 0,-2 1-933,1 12 0,0 4 0,-3-10 0,-1 3 0,1 0 0,-1 3 0,0 1 0,0-3 2376,-4 6 1,-1-1-2377,1 7 0,1-5 0,5-24 0,-1-3 230,-5 34-230,5-32 0,1-1 0,-3 11 0,-3-1 0,7-20 0,-2-9 0</inkml:trace>
+  <inkml:trace contextRef="#ctx0" brushRef="#br0" timeOffset="74263">26307 10115 24575,'17'0'0,"8"0"0,7 0 0,5 0 0,8 0 0,2 0 0,5 0 0,1 0 0,2 0 0,-2 0 0,-15 0 0,-3 0 0,21 0 0,-26 0 0,-11 0 0,-12 0 0,-1 0 0,-3 0 0</inkml:trace>
+  <inkml:trace contextRef="#ctx0" brushRef="#br0" timeOffset="74913">26459 10337 11058,'12'0'0,"21"0"4518,22 0-4518,-21 0 0,2 0 1221,4 0 1,2 0-1222,1 0 0,0 0 705,1 0 0,-1 0-705,-5 0 0,-4 0 4747,13 0-4747,-20 0 399,-14 0-399,-4 0 0,-3 0 0,-3 0 0,0 0 0</inkml:trace>
+  <inkml:trace contextRef="#ctx0" brushRef="#br0" timeOffset="76246">27635 9902 24575,'0'30'0,"8"5"0,0 1 0,9 5 0,14 3 0,0 7 0,-13-22 0,0 0 0,9 16 0,-11-21 0,-8-8 0,1-7 0,-9-3 0,3 3 0,0-5 0,-3 5 0,3-6 0,0 0 0,-3 5 0,6-4 0,-3 2 0,2-3 0,4-3 0,1-16 0,4-2 0,1-16 0,17-14 0,-13 12 0,16-8 0,-18 17 0,0 8 0,-6 5 0,4 1 0,-7 7 0,4-1 0,-6 4 0,2 3 0,1 3 0,4 13 0,0-3 0,1 13 0,-3-11 0,-1 2 0,-3-4 0,-1-3 0,0 0 0,3-2 0,-5-1 0,4-1 0,-5-3 0,3-3 0,6 0 0,-2-6 0,6-2 0,4-15 0,0 2 0,12-17 0,1-8 0,3-10 0,-19 24 0,-1-1 0,-4 1 0,0 1 0,6-20 0,-6 13 0,-3 18 0,-2 10 0,-1 1 0,0 2 0,-2 1 0,-2 3 0</inkml:trace>
+  <inkml:trace contextRef="#ctx0" brushRef="#br0" timeOffset="76947">28690 9382 24575,'0'32'0,"0"1"0,0 8 0,0-7 0,0 7 0,0-13 0,0-6 0,0-5 0,0-7 0,0 0 0,0-2 0,0-1 0,0 11 0,0 0 0,0 9 0,0-3 0,0-5 0,0-4 0,0-8 0,0-2 0</inkml:trace>
+  <inkml:trace contextRef="#ctx0" brushRef="#br0" timeOffset="77632">28445 9321 11723,'4'0'0,"40"0"4871,2 0-4871,3 0 0,1 0 0,5 0 0,-19 0 0,-2 0 2236,-5 0-2236,2 0 1264,-13 0-1264,-1 0 4481,-6 0-4481,-2 0 0,-4 0 0,1 0 0,-3 0 0,0 0 0</inkml:trace>
+  <inkml:trace contextRef="#ctx0" brushRef="#br0" timeOffset="78497">29169 9780 24575,'24'36'0,"-7"-16"0,15 11 0,-1-6 0,9 8 0,1 4 0,-2-9 0,-10 0 0,1-4 0,-19 0 0,7-10 0,-13 3 0,4-10 0,-6 5 0,9 4 0,-4-1 0,2 8 0,6 5 0,-5-2 0,7 5 0,-5-11 0,-4-7 0,-2-4 0,-4-5 0,0-2 0</inkml:trace>
+  <inkml:trace contextRef="#ctx0" brushRef="#br0" timeOffset="79230">29030 10281 24575,'13'-13'0,"13"-8"0,1-6 0,1-3 0,-2 4 0,1-1-891,14-10 0,0 0 891,-13 8 0,1-1 0,17-9 0,1 0 288,-14 8 0,-1 1-288,9-9 0,-1 3 0,2 6 0,-14 5 0,-16 21 0,-9 2 0</inkml:trace>
+  <inkml:trace contextRef="#ctx0" brushRef="#br0" timeOffset="80028">27762 10499 8191,'5'12'0,"20"-3"5063,10-9-5063,23 0 2818,-3 0-2818,7 0 1719,-11 0-1719,-2 0 6784,-20 0-6784,-6 0 0,-6 0 0,4 0 0,-9 0 0,0 0 0</inkml:trace>
+  <inkml:trace contextRef="#ctx0" brushRef="#br0" timeOffset="80913">28959 10581 8191,'15'4'0,"4"-1"5063,-9-3-5063,2 0 2818,-3 0-2818,-3 0 1719,6 0-1719,5 0 6784,28 0-6784,-7 0 0,6 0 0,15 0 0,7 0-1100,-12 0 1,4 0-1,-3 0 1100,-6 0 0,-2 0 0,1 0 0,5-1 0,0 1 0,-2 1-763,9 1 1,-3 0 762,-4-1 0,-2 0 0,-4 3 0,-5 0 0,-5-3 0,-12 3 0</inkml:trace>
+  <inkml:trace contextRef="#ctx0" brushRef="#br0" timeOffset="87779">23164 8882 24575,'0'9'0,"0"9"0,0 20 0,0-2 0,0 11 0,0-15 0,0 0 0,0 0 0,-4 14 0,0-5 0,-4 16 0,4-7 0,-3-1 0,6 0 0,-2-22 0,3 3 0,0-22 0,0 5 0,0-7 0,0 0 0,0 3 0,0 1 0,0 1 0,0 4 0,3-2 0,7 7 0,0-4 0,5-3 0,-2-4 0,-4-6 0,0 0 0,0-3 0,-2 0 0,5 0 0,-1 0 0,-1 0 0,-4 0 0,-3 0 0</inkml:trace>
+  <inkml:trace contextRef="#ctx0" brushRef="#br0" timeOffset="89080">23443 9229 24575,'7'34'0,"8"2"0,-1-4 0,2 0 0,8 15 0,-1-7 0,-10-20 0,-8-11 0,0-3 0,-2-14 0,4-8 0,4-19 0,3 8 0,-2-4 0,-3 17 0,5-13 0,-3 11 0,5-6 0,-7 12 0,0 4 0,-1 3 0,-1 3 0,1 3 0,2 8 0,5 4 0,1 12 0,14 8 0,-12-6 0,6 0 0,-7-6 0,-3-9 0,-1 2 0,-5-10 0,1-3 0,-2-9 0,2-6 0,-3-2 0,2-7 0,-1 2 0,10-12 0,4-13 0,13-8 0,-2-2 0,-5 15 0,-6 11 0,-8 5 0,-3 11 0,0-7 0,-4 12 0,0-2 0,0 3 0,1-3 0,-1-2 0,-2 4 0,-1 1 0</inkml:trace>
+  <inkml:trace contextRef="#ctx0" brushRef="#br0" timeOffset="89998">23459 9655 8191,'2'3'0,"27"0"5063,5-3-5063,10 0 0,22 0 0,-22 0 0,19 0 2818,-15 0-2818,5 0 0,-8 0 1719,-5 0-1719,-9 0 6784,-18 0-6784,4 0 0,-11 0 0,0 0 0</inkml:trace>
+  <inkml:trace contextRef="#ctx0" brushRef="#br0" timeOffset="90880">24030 8957 8191,'2'-3'0,"1"0"5063,24 3-5063,17 12 2818,7 12-2818,-18-5 0,-1 4 1719,6 29-1719,-2-1 6784,-15-6-6784,-13-16 0,-1-6 0,-7-13 0,0 3 0,0 0 0,0 5 0,0 1 0,0 8 0,-10 1 0,-2 8 0,-10 3 0,1-3 0,5-1 0,0-7 0,12-8 0,-2-7 0,6-7 0,0-3 0</inkml:trace>
+</inkml:ink>
+</file>
+
+<file path=ppt/ink/ink4.xml><?xml version="1.0" encoding="utf-8"?>
+<inkml:ink xmlns:inkml="http://www.w3.org/2003/InkML">
+  <inkml:definitions>
+    <inkml:context xml:id="ctx0">
+      <inkml:inkSource xml:id="inkSrc0">
+        <inkml:traceFormat>
+          <inkml:channel name="X" type="integer" min="-2.14748E9" max="2.14748E9" units="cm"/>
+          <inkml:channel name="Y" type="integer" min="-2.14748E9" max="2.14748E9" units="cm"/>
+          <inkml:channel name="F" type="integer" max="32767" units="dev"/>
+        </inkml:traceFormat>
+        <inkml:channelProperties>
+          <inkml:channelProperty channel="X" name="resolution" value="1000" units="1/cm"/>
+          <inkml:channelProperty channel="Y" name="resolution" value="1000" units="1/cm"/>
+          <inkml:channelProperty channel="F" name="resolution" value="0" units="1/dev"/>
+        </inkml:channelProperties>
+      </inkml:inkSource>
+      <inkml:timestamp xml:id="ts0" timeString="2023-03-22T14:55:09.539"/>
+    </inkml:context>
+    <inkml:brush xml:id="br0">
+      <inkml:brushProperty name="width" value="0.05292" units="cm"/>
+      <inkml:brushProperty name="height" value="0.05292" units="cm"/>
+      <inkml:brushProperty name="color" value="#FF0000"/>
+    </inkml:brush>
+  </inkml:definitions>
+  <inkml:trace contextRef="#ctx0" brushRef="#br0">8501 4665 8191,'0'-5'0,"0"-10"5063,3-12-5063,16-22 0,8-7 0,3 4 2464,-3 1-2464,1-3 0,4-1 0,2-1 0,-13 19 0,2-1 0,1 0 0,3-3 0,0 4 0,3 3 0,1 2 0,5-5 0,3-1 0,-2 5 0,3-2 0,-1 2 0,8-9 0,0 1 206,-10 11 1,2 1-1,-3 1-206,0-1 0,0 0 0,8-3 0,2 0 0,-3 5 0,0 0 0,-3 0 0,0 0 2691,6-2 0,-2 1-2691,-14 10 0,-1 0 0,10-5 0,0 0 0,19-6 0,-24 13 0,1 1 0,3 1 0,-1 2 0,-3 2 0,0 1 200,7-2 0,-1 1-200,19 1 0,-20 2 1692,-12 4-1692,-10 2 191,-5-8 0,-2 8 0,-7-5 0</inkml:trace>
+  <inkml:trace contextRef="#ctx0" brushRef="#br0" timeOffset="1067">10761 3336 11417,'2'3'0,"18"-1"4923,-6-2-4923,12 0 2290,-12 0-2290,-2 0 1301,-4 5-1301,-3-1 4644,-11 8-4644,-5 5 0,-3-2 0,-3 2 0,7-8 0,-5 0 0,7-5 0,1 0 0,14-8 0,3 1 0,-3 0 0,-26 10 0,-5 1 0,-16 6 0,16-6 0,10-7 0,15-9 0,28-12 0,4 10 0,14-8 0,4 18 0,3-4 0,4 29 0,-19-19 0,-18 18 0</inkml:trace>
+  <inkml:trace contextRef="#ctx0" brushRef="#br0" timeOffset="1884">11675 2990 24575,'-6'37'0,"-4"-4"0,-7-12 0,0-8 0,7-28 0,5-13 0,18-16 0,6 9 0,17 14 0,-5 15 0,-3 6 0,-5 12 0,-11-3 0,4 12 0,-9-4 0,-3-6 0,-1 5 0,-3-6 0,0 0 0,-9 6 0,-2-6 0,-9 3 0,9-7 0,3-3 0</inkml:trace>
+  <inkml:trace contextRef="#ctx0" brushRef="#br0" timeOffset="2601">12542 2870 10196,'3'3'0,"-1"0"5077,-2 10-5077,-6 3 2500,-1 3-2500,-7 0 1452,1-9-1452,1-3 1337,5-7 1,2 0-1,5-3 1</inkml:trace>
+  <inkml:trace contextRef="#ctx0" brushRef="#br0" timeOffset="3353">11865 3375 8191,'-7'0'0,"2"0"0</inkml:trace>
+  <inkml:trace contextRef="#ctx0" brushRef="#br0" timeOffset="4933">9232 5264 24575,'17'0'0,"16"0"0,8 0 0,-4 0 0,2 0-1074,3 0 1,4 0 0,5 0 1073,5-2 0,4-1 0,4-1 0,0-2-784,-8-1 1,1-1-1,1-1 1,1-1-1,2 2 784,-1 1 0,0 0 0,2 1 0,1-1 0,1 0 0,2-2 0,-6 1 0,2-2 0,3-1 0,0 0 0,0-1 0,-3 2 0,-3 0 0,-4 2-723,13-2 0,-6 2 0,-2 1 0,6-1 723,-7 1 0,4-1 0,2 0 0,0 0 0,-3 1 0,-5 0 0,1-2 0,-4 1 0,-2 1 0,2 0 0,2 2 0,0 1 0,3 0 0,3-2 0,-3-2 0,6-2 0,2-2 0,-1 1 0,-2 1 0,-5 2 0,-2 3 0,-4 2 0,-1 0 0,3-1 0,4-4 0,5-2 0,0 0 0,-3 0 0,-4 2 0,4 2 0,-5 1 0,0 0 0,4-4 0,0-1 0,-1 1-186,1 2 0,0 0 0,0-1 186,-5 0 0,0-2 0,0 0 0,3 1 0,0-1 0,-1 0 0,-3 0 0,-1-1 0,-1 0 0,-2-2 0,0 0 0,-2-1 0,-3 1 0,-2 0 0,-1 1 0,15-5 0,-5 2 0,-10 0 0,-1 2 0,15 0 0,1 1 329,-4 4 1,1 0-330,-11 0 0,1-1 0,1 2 0,0 2 0,0 2 0,-2-1 0,12-4 0,0 0 0,-8 4 0,1 1 0,-1-2 0,11-4 0,0-1 0,-10 3 0,2 1 0,-3-1 0,4-6 0,-2-1 1403,1 1 1,-1-2-1404,-8-1 0,-1-1 0,-2 0 0,-3 1 0,10-8 5625,-5 1-5625,-18 12 1071,0-3-1071,-4 6 426,3-2-426,-7 3 0,9-3 0,-9 2 0,5-4 0,-7 6 0,0-3 0,-5-3 0,-2-7 0,-5-25 0,-12 7 0,-2 0 0,7-8 0,-19-7 0</inkml:trace>
+  <inkml:trace contextRef="#ctx0" brushRef="#br0" timeOffset="6033">16784 3766 10230,'0'-5'0,"0"8"5074,0 8-5074,0 2 2494,0 12-2494,0-12 1448,-6-5-1448,-3-3 5329,-2-5-5329,2-5 0,6 1 0,-2-2 0,-2 7 0,-19 3 0,-4 3 0,-11-3 0,9-1 0,11-3 0,12-6 0,6-1 0,3-2 0,0-1 0,0 4 0,3 3 0,0 0 0,6 3 0,0 0 0,1 0 0,2 0 0,11 10 0,-6-2 0,4 3 0,-15-5 0</inkml:trace>
+  <inkml:trace contextRef="#ctx0" brushRef="#br0" timeOffset="7517">17422 3273 24575,'0'24'0,"0"1"0,0-3 0,0 14 0,0-18 0,0 12 0,-3-23 0,3 2 0,-6-6 0,0 0 0,2-8 0,-1-3 0,5-1 0,0-3 0,0 5 0,0-2 0,0 3 0,3 3 0,0 0 0,0 6 0,-3 9 0,-17 6 0,-5 3 0,-8-4 0,6-7 0,4-6 0,9-1 0,-1-3 0,8-3 0,2-9 0,2-10 0,9-6 0,18 2 0,12 9 0,10 9 0,-14 5 0,-8 3 0,-11 3 0,-6 0 0,0 3 0,-8 0 0,-2 3 0,0-3 0,-9 6 0,-8-8 0,-12 2 0,-2-6 0,3 0 0,11-9 0,8 4 0,6-7 0,3 6 0,0 0 0,3-1 0,6 1 0,2 3 0,4-3 0,-16-1 0,1-3 0,-9 2 0,6 2 0</inkml:trace>
+  <inkml:trace contextRef="#ctx0" brushRef="#br0" timeOffset="9333">18140 3411 8191,'0'36'0,"0"16"5063,0 6-5063,0-12 0,0 0 0,0 9 2818,-3 10-2818,-19-18 0,8-26 1719,-18 5-1719,4-19 6784,-2-10-6784,-1-23 0,14-13 0,10-2 0,7-4 0,0 12 0,3 8 0,3-2 0,5 16 0,5 2 0,-3 5 0,0 1 0,-7 8 0,-6 2 0,-4 2 0,-2 0 0,0-6 0,0 0 0,18-3 0,12 0 0,16 3 0,4 10 0,-14 9 0,-10 0 0,-13 1 0,-4-9 0,-3 2 0,-13-2 0,-9 2 0,-15-8 0,-3-2 0,4-6 0,12-5 0,7-9 0,10-3 0,7-9 0,7 12 0,7-6 0,4 16 0,10-3 0,-3 7 0,3 0 0,-9 0 0,-9 3 0,-5 6 0,-5 4 0,-2 3 0,-5-3 0,0-7 0,-2-3 0,3-3 0,0 0 0,-1 0 0,4-2 0,0-9 0,3 0 0,0-16 0,0 8 0,3-4 0,6 13 0,1 5 0,5 5 0,-8 2 0,-2 4 0,-5 1 0,0 7 0,-2-4 0,-4 0 0,-1-4 0,-5-6 0,8-3 0,-1 0 0,5-3 0,0 3 0,0 0 0</inkml:trace>
+  <inkml:trace contextRef="#ctx0" brushRef="#br0" timeOffset="10901">16672 3857 24575,'0'9'0,"0"3"0,0 0 0,0 4 0,0 0 0,0-1 0,13-2 0,2-3 0,16-4 0,-2-2 0,-4-4 0,-3-6 0,-12 2 0,-1-15 0,-6 8 0,-3-11 0,0 11 0,-11-4 0,-8 8 0,-12-3 0,-8 6 0,2 1 0,8 3 0,6 0 0,13 0 0,-3 0 0,6 0 0,0 2 0,11 2 0,6 1 0,13-1 0,-4-2 0,4-2 0,-13 0 0,2 0 0,-5-2 0,5-8 0,-8-7 0,2-3 0,-6-3 0,-9 7 0,-2 6 0,-8 4 0,5 6 0,2 0 0,6 0 0,3 2 0,0 4 0,3 1 0,0 1 0,3-2 0,0-2 0,1-2 0,-2-2 0</inkml:trace>
+  <inkml:trace contextRef="#ctx0" brushRef="#br0" timeOffset="15349">13521 3396 24575,'28'0'0,"25"0"0,-13 0 0,7 0-1054,14 0 1,8 0-1,1 0 1054,-6 0 0,1 0 0,4 0-384,-12 0 1,5 0 0,1 0-1,-1 0 1,-4 0 383,0 0 0,-4 0 0,0 0 0,0 0 0,6 0 0,3 0 0,-4 0 0,-5 0 0,8 0 0,-4 0 0,6 0 0,-7 0 0,-11 0 1137,-1 3-1137,-23-2 0,-1 5 0,-12-2 1446,3 0-1446,-9-2 2495,1 1-2495,1-3 0,-21-4 0,-6-15 0,-19-5 0,5-3 0,8 9 0,8 5 0,9 6 0,-1 0 0,8 2 0,-1 4 0,22-1 0,3 2 0,17 3 0,4 5 0,-3 6 0,0 2 0,-1 1 0,-6-5 0,3 5 0,-10-8 0,-4 3 0,-8-3 0,-8-2 0,1 2 0,-11-1 0,-24 7 0,-16 8 0,15-9 0,0-1 0,-2 0 0,2 0 0,-19 13 0,16-9 0,0 0 0,-8 6 0,-10 9 0,20-14 0,16-4 0,-4-1 0,17-7 0,0-3 0</inkml:trace>
+  <inkml:trace contextRef="#ctx0" brushRef="#br0" timeOffset="16634">13593 3458 8191,'-10'4'0,"6"3"5063,24 20-5063,-1-6 1409,5 6 0,3 1-1409,11 10 1719,6 3-1719,-17-15 6784,-12-14-6784,-9-9 0,-8-2 0,-12-17 0,-10-6 0,1 1 0,-3-4 0,-3-1 0,0-1 0,-7-1 0,1-1 0,5 1 0,1 2 0,-18-7 0,22 9 0,12 14 0,5 4 0,7 1 0,-2 2 0,6-3 0,13-4 0,10-7 0,18-6 0,1-3 0,-6 3 0,-11 9 0,-7 0 0,-7 6 0,0-2 0,-2 4 0,-2-1 0,3 1 0,3 0 0,-3-1 0,5 4 0,-1 0 0,-6 3 0,-1 0 0</inkml:trace>
+  <inkml:trace contextRef="#ctx0" brushRef="#br0" timeOffset="17666">14191 2892 24575,'54'-3'0,"-6"2"0,-16-2 0,-12 3 0,-11 5 0,-6 6 0,-3 20 0,-4-1 0,-3 7 0,-2-6 0,-8-2 0,8 0 0,-4-5 0,10-8 0,2-10 0,8-3 0,6-3 0,6 0 0,9 0 0,1-4 0,10-3 0,-7-1 0,6-3 0,-16 5 0,1-1 0,-4 0 0,2 0 0,-6 3 0,-3 1 0</inkml:trace>
+  <inkml:trace contextRef="#ctx0" brushRef="#br0" timeOffset="18866">14610 3227 24575,'-19'11'0,"3"-2"0,0-6 0,3 0 0,11-3 0,7 0 0,14 0 0,1 0 0,-1 0 0,-6 0 0,-4 0 0,-3 0 0,-3 5 0,0-1 0,-3 2 0,0-4 0</inkml:trace>
+</inkml:ink>
+</file>
+
+<file path=ppt/ink/ink5.xml><?xml version="1.0" encoding="utf-8"?>
+<inkml:ink xmlns:inkml="http://www.w3.org/2003/InkML">
+  <inkml:definitions>
+    <inkml:context xml:id="ctx0">
+      <inkml:inkSource xml:id="inkSrc0">
+        <inkml:traceFormat>
+          <inkml:channel name="X" type="integer" min="-2.14748E9" max="2.14748E9" units="cm"/>
+          <inkml:channel name="Y" type="integer" min="-2.14748E9" max="2.14748E9" units="cm"/>
+          <inkml:channel name="F" type="integer" max="32767" units="dev"/>
+        </inkml:traceFormat>
+        <inkml:channelProperties>
+          <inkml:channelProperty channel="X" name="resolution" value="1000" units="1/cm"/>
+          <inkml:channelProperty channel="Y" name="resolution" value="1000" units="1/cm"/>
+          <inkml:channelProperty channel="F" name="resolution" value="0" units="1/dev"/>
+        </inkml:channelProperties>
+      </inkml:inkSource>
+      <inkml:timestamp xml:id="ts0" timeString="2023-03-22T15:00:14.435"/>
+    </inkml:context>
+    <inkml:brush xml:id="br0">
+      <inkml:brushProperty name="width" value="0.05292" units="cm"/>
+      <inkml:brushProperty name="height" value="0.05292" units="cm"/>
+      <inkml:brushProperty name="color" value="#FF0000"/>
+    </inkml:brush>
+  </inkml:definitions>
+  <inkml:trace contextRef="#ctx0" brushRef="#br0">14462 14590 8191,'16'-3'0,"47"-4"4621,-15 6-4621,-4-3 0,1-1 0,5 4 2871,16-6-2871,-8 2 1773,-12 1-1773,-16 1 6619,-10 3-6619,-7 0 500,-1 0-500,-6 2 0,0 5 0,4 13 0,-3 5 0,4 5 0,-8-3 0,1-5 0,-4 14 0,0 0 0,0 16 0,0 2 0,-14 1 0,1 3 0,-17-9 0,11-15 0,-1-7 0,6-13 0,1-1 0,-1-3 0,-2 3 0,0-3 0,-4 2 0,4-2 0,3 2 0,4-6 0,3 0 0,3 0 0,-3-3 0,6 3 0,-3 2 0,3-1 0,0 1 0,0 1 0,-3 0 0,-3 3 0,-4 0 0,1-3 0,0 0 0,-3 0 0,4-2 0,-4 2 0,6-3 0,0 0 0,15 3 0,24 2 0,12 5 0,-4-6 0,1 0 0,12 9 0,-19-8 0,-2-1 0,5 3 0,-2-1 0,6-1 0,-16-2 0,5-2 0,-12-1 0,-5-5 0,8 5 0,-6-3 0,7 4 0,-6-4 0,2 0 0,-5 0 0,-1 1 0,4 0 0,-2 2 0,6-2 0,-3-1 0,12 4 0,-6-3 0,-3 1 0,-11-2 0</inkml:trace>
+  <inkml:trace contextRef="#ctx0" brushRef="#br0" timeOffset="8434">15959 9000 24575,'-48'0'0,"-5"0"0,-9 0-1617,20 0 1,-3 0 1616,-3 0 0,-5 0 0,-5 0 0,-6 0 0,-1 0 0,13 0 0,-1 0 0,-1 0 0,-2 0 0,-8 0 0,-3-1 0,0 1 0,1 1 0,8 0 0,0 1 0,1 0 0,2 2 0,-13 1 0,1 2 0,5 2 0,14 1 0,4 1 0,1 1 0,-9 4 0,4 0 431,9 0 1,6 1-432,-6 5 0,-3 4 565,15-3-565,2-1 0,-2 1 0,-9 21 0,12-15 0,0 3 0,-3 9 0,3 2 0,6-4 0,2 2 0,0-1 0,-1 3 0,1 0 0,-1 14 0,1 0 0,0 7 0,2-2 478,6-15 0,1-2-478,2-4 0,2-3 0,3 17 0,0-21 0,0 0 121,0 14-121,0-12 0,0-1 0,0 12 0,4 9 0,1-3 0,11 11 0,5-3 361,-8-28 1,2-1-362,19 21 5,4-7-5,-13-23 0,2-2 0,3 0 0,1-1 0,26 10 0,5-10 0,-1-2-675,-13-8 675,11 3-119,-17-8 119,8-1 0,4-4 0,-3 0 0,-2 0 0,-2 0 0,17 0 0,-27-5 0,2-2 0,5 1 0,0-3 335,2-6 1,0-4-336,0 2 0,0-2 0,-4-3 0,-2 1-675,0 2 1,-3 1 674,16-11 0,-20 12 0,-1 1 0,6-3 0,4-4 0,1-3 0,-12 8 0,-2-1 0,13-11 0,0-1 0,-7 3 0,-2 0 0,-2-3 0,-2-2 0,3-9 0,-3 0 0,-9 14 0,-2-1 258,6-17 1,-3 0-259,-1-16 0,-7 24 0,-1 0 0,-4 3 0,0-1 0,5-8 0,-1 0 0,-5 5 0,-1 1 0,4-2 0,1-1 0,-5 5 0,-2-1 0,-2-1 0,0-1 0,1 1 0,-1 0 0,-2-1 0,0 3 0,-3-6 0,-3 25 0,-1 11 238,-8 6 1,10 0 0,-3 0 0</inkml:trace>
+  <inkml:trace contextRef="#ctx0" brushRef="#br0" timeOffset="10101">12864 8124 8191,'-7'10'0,"25"-4"4534,7-3-4534,21-3 0,8 0 0,-12 0 0,3 0 23,4 0 0,5 0 1,-4 0-24,2 0 0,2 0 0,-2-2 0,8 0 0,1 0 0,-5 0 0,-2-1 0,-3 0 0,3 1-262,1-1 1,3 1 0,1 0 0,2-1 261,-6 0 0,3 0 0,1 0 0,-3 0 0,-5 1 0,3 1 0,-5 1 0,7-2 285,-2 0 1,8-3 0,3 0 0,2 0 0,-2 1 0,-6 1-286,7 1 0,-6 1 0,1 1 0,5-2 0,-5 0 0,4-1 0,3 0 0,0 0 0,-1 0 0,-2 1 0,2 1 0,-2 1 0,0 0 0,-2 1 0,-1-1-77,-5 0 0,0 0 0,-2 0 0,-1 0 1,-1 0 76,4 0 0,-1 0 0,-3 0 0,-5 0 0,13 0 0,-3 0 0,6 2 0,-2 1 0,-21 0 0,-2 0 0,-5 0 0,0 0 0,2 0 0,0-1 0,1-2 0,1 0 0,-1 0 0,1 0 840,11 0 1,0 0-841,-11 0 0,1 0 0,24 0 0,4 0 0,-5 0 0,2 0 0,-9-1 0,3 0 0,-2-2 0,-8 1 0,-2-1 0,0-1 0,19-3 0,-3-1 0,-9-1 0,-3 0 0,-13 4 0,-1 0 0,5-1 0,-1 0 0,12 1 0,-18 2 0,1 0 0,26-1 0,3 4 0,-28 0 0,3 0 2078,15 0 0,4 0-2078,4-1 0,4 2 0,-10 1 0,4 2 0,-2 0 0,-7-1 0,-2 0 0,1 2 0,4 2 0,0 2 0,-3 0 942,15 1 1,-5 0-943,-12 0 0,-3-1 0,-7-1 0,-5-3 1241,3 0-1241,-5-1 702,-5-4-702,1 0 245,-6 0-245,0 0 1584,-6 0-1584,-3 0 0,-2 0 0,-4 0 0,4 0 0,-5 0 0,3 0 0,-3 0 0,0 0 0,0 0 0,0 0 0,0 0 0,2 0 0,1 0 0,0-3 0,-3 2 0,-3-2 0</inkml:trace>
+</inkml:ink>
+</file>
+
+<file path=ppt/ink/ink6.xml><?xml version="1.0" encoding="utf-8"?>
+<inkml:ink xmlns:inkml="http://www.w3.org/2003/InkML">
+  <inkml:definitions>
+    <inkml:context xml:id="ctx0">
+      <inkml:inkSource xml:id="inkSrc0">
+        <inkml:traceFormat>
+          <inkml:channel name="X" type="integer" min="-2.14748E9" max="2.14748E9" units="cm"/>
+          <inkml:channel name="Y" type="integer" min="-2.14748E9" max="2.14748E9" units="cm"/>
+          <inkml:channel name="F" type="integer" max="32767" units="dev"/>
+        </inkml:traceFormat>
+        <inkml:channelProperties>
+          <inkml:channelProperty channel="X" name="resolution" value="1000" units="1/cm"/>
+          <inkml:channelProperty channel="Y" name="resolution" value="1000" units="1/cm"/>
+          <inkml:channelProperty channel="F" name="resolution" value="0" units="1/dev"/>
+        </inkml:channelProperties>
+      </inkml:inkSource>
+      <inkml:timestamp xml:id="ts0" timeString="2023-03-22T15:00:44.837"/>
+    </inkml:context>
+    <inkml:brush xml:id="br0">
+      <inkml:brushProperty name="width" value="0.05292" units="cm"/>
+      <inkml:brushProperty name="height" value="0.05292" units="cm"/>
+      <inkml:brushProperty name="color" value="#FF0000"/>
+    </inkml:brush>
+  </inkml:definitions>
+  <inkml:trace contextRef="#ctx0" brushRef="#br0">22778 12717 24575,'-48'-11'0,"-12"-7"0,16-4 0,-2-2 0,9 6 0,0 0-905,-11-11 0,1 1 905,11 12 0,3 0 0,5-3 0,-2 0 0,-17-4 0,-1 1 0,12 3 0,2 0 0,-9-4 0,1 2 0,7 7 0,0 1 292,-5-5 1,-1 2-293,4 7 0,-2 1 0,-24-6 0,0 1 0,26 7 0,1 3 149,-16 0 1,1 1-150,17 2 0,0 0 0,-12 0 0,-1 0-680,10 4 1,1 0 679,-30 5 0,30 5 0,1 2 862,-21 8-862,3 3 0,-3 1 0,16-9 0,2 1 0,-10 6 0,0 1 0,6 0 0,1 3 0,-6 7 0,0 3 0,2 2 0,1 3 0,13-10 0,1 1 0,1 0 0,-5 12 0,3 1 0,7 1 0,1 1 0,3-4 0,2-1 0,3 4 0,3-2 0,4-13 0,1-2 0,-1 2 0,1-2 0,2 16 0,0 10 0,2-24 0,2 2 711,0 1 1,2 0-712,-2 2 0,2 0 0,0 3 0,2 0 0,4-1 0,3 0 0,5 9 0,4-2 0,-3-15 0,1-1-468,7 12 1,0-2 467,4-3 0,-4-3 0,3 2 0,2-4 0,2 0 0,1-1 0,2 0 0,3 3 0,0-1 0,-8-10 0,1-2 0,3-1 0,0 0 0,0 2 0,2 0 0,5 0 0,0 0 0,-3-1 0,2 0 0,0-2 0,4 1 0,-1 0 0,0-1 0,1 0 0,0 0 0,4 1 0,2 0 0,0-1 0,2 2 0,0 0 0,-3-2 0,11 3 0,-2-2 0,1-2 0,-3-2 0,-14-6 0,-3-4 0,19-1 0,-14-8 0,-10 0 0,4 0 0,-5-3 0,0-2 0,1-11 935,5 6-935,10-17 0,8 1 0,-23 9 0,-1 0 0,-1-1 0,-1 0 0,28-13 0,-8 0 0,-1 1 0,-9 5 0,-1 0 0,-7 1 0,2-1 0,-11 0 0,0 4 0,-8 0 0,-1 3 0,12-24 0,-8 15 0,10-20 0,-13 19 0,-3-4 0,4 0 0,-8 4 0,7-3 0,-7 8 0,4-8 0,-1-7 0,-3-6 0,0-20 0,-5 12 0,-3-5 0,0 13 0,-3 0 0,-2-3 0,-4 3 0,-2-1 0,-1-16 0,-1-1 0,-3 4 0,-1 4 0,7 16 0,1 2 0,0-3 0,1 0 0,0-24 0,3 29 0,1 1 0,-1-28 0,2 15 0,3 23 0,0 0 0,-3 2 0,-4-9 0,-11-2 0,-8-8 0,-8-1 0,1 0 0,7 11 0,6 7 0,6 9 0,1 4 0,0-3 0,2 6 0,-1-2 0,2 0 0,0 2 0,1 0 0,0-1 0,3 4 0,0-2 0,3 3 0</inkml:trace>
+  <inkml:trace contextRef="#ctx0" brushRef="#br0" timeOffset="10483">20946 13330 24575,'0'-20'0,"0"-13"0,0-18 0,0 17 0,0-1 0,0-6 0,0-4 0,0-15 0,0-3-1948,0-3 1,0 1 1947,0 7 0,0-1 0,0 10 0,0-3 0,0 4 299,0-2 1,0 1-300,0 4 0,0-3 0,0 2 0,0-13 0,0 1 0,0 1 0,0 2 0,0 11 0,0 2 0,0 4 0,0 1 347,0 2 0,0 2-347,0-10 0,0-18 0,0 33 0,0-3 0,0 12 1989,0-1-1989,0 7 525,0 0-525,0 4 88,0 3-88,-5 3 0,-2 3 0,-5 7 0,-12 14 0,-12 11 0,12-9 0,-1 2 0,-23 19 0,2-4 0,20-13 0,6-13 0,14-2 0,1-9 0,4-2 0,-2-8 0,6-3 0,1-3 0,2-1 0,1 1 0,3-4 0,1 2 0,6-12 0,-2 8 0,-2-5 0,3 4 0,-6 9 0,3-1 0,-4 8 0,-4 2 0,1 2 0,3 2 0,-3 2 0,6 2 0,-2 3 0,10 11 0,6 10 0,4 11 0,-1-1 0,-8-7 0,-4-7 0,-10-13 0,1-1 0,-7-6 0,1 0 0,1-3 0,0 0 0,3-3 0,0 0 0,6 0 0,-2 3 0,8-3 0,-5 6 0,0-6 0,-5 3 0,-2-1 0,0 2 0,-3-1 0,0 0 0</inkml:trace>
+  <inkml:trace contextRef="#ctx0" brushRef="#br0" timeOffset="34083">1838 11639 24575,'-36'0'0,"0"0"0,-26 0 0,-4 0 0,12 0 0,-1 0-1422,7 0 0,-3 0 0,2 0 1422,-9 0 0,2 0 0,5 0 0,1 0 609,-8-1 1,0 2-610,-1 4 0,1 5 0,-3 5 0,1 9-42,17 5 0,1 6 0,3 4 42,3 1 0,4 3 0,1 5-947,5 1 1,0 5 0,3 2 0,1-4 946,0 5 0,3-3 0,1 2 0,-1 7 0,1 0 0,2-2-186,3-14 1,1-2-1,1 0 186,1 0 0,2-1 0,0 2-481,0 2 0,2 2 1,0-2 480,-1 14 0,3-1 0,3 0 0,2-3 0,-1-13 0,0 2 211,-1 17 0,2 2-211,6-6 0,5 2 0,2-5 0,6 4 0,4-3 332,8-1 0,5-3 1,5 2-333,-11-16 0,3 1 0,1 0 0,1 0 0,1 0 0,3 2 0,2-1 0,1 1 0,0-1 0,-1-1-214,6 6 1,-1 0 0,0 0 0,-1-2 213,-2-3 0,-1 0 0,0-1 0,-3-3 0,4 2 0,-1-2 0,-2-1 0,-3-2 0,-2 0 0,2 1-245,4 2 1,1 0-1,-1-1 245,-5-5 0,-2-1 0,1 1 0,3 5 0,0 0 0,0-1-562,9 7 1,0-1 561,-2 1 0,-2-1 0,0-2 0,-1-1 0,-5-3 0,1 1 382,-3-3 0,2 3 1,2 0-383,4 5 0,3 0 0,3 4 0,-6-8 0,3 3 0,2 1 0,1 0 0,-1 0-64,-4-3 0,0-1 0,0 1 0,2 1 0,4 2 64,-8-6 0,4 1 0,2 3 0,1 0 0,0 0 0,0-1 0,-2 0 0,-2-2-361,4 3 0,-2-2 1,-1 0-1,0-1 0,1 1 1,0 0 360,-2-2 0,2 1 0,0 0 0,0 0 0,-1-1 0,-2-1 0,-2-1-263,3 2 1,-3 0-1,-1-2 1,-2-1 0,0-2 262,15 12 0,-3-3 0,-4-1 99,2 6 1,-1 0-100,-5-8 0,1 1 0,-6-2 0,-14-7 0,-1-2 0,23 7 0,8-5 0,-8-17 0,4-5 0,4-1 0,1 1 0,4 0 0,2-1 0,1 1-139,-9-2 0,1-1 0,2 1 1,-2 0-1,0 1 139,11 3 0,0 2 0,-2-1 0,-1 0 0,-7-2 0,-1 0 0,-1-1 0,-1 0 765,10 2 0,-2 1 0,4-1-765,-10-2 0,3 1 0,3-1 0,-2 0 0,-4 0 0,-2-1 0,-3 0 0,-1 0 0,3-1 0,9 1 0,2 0 0,0-2 0,-4 0 625,2-1 0,-4-1 1,-1-1-626,-3-1 0,-2-1 0,1-3 0,5-3 0,-1-2 0,-4-1 0,-2 0 0,-5-2 0,-1-8 0,-4 0 0,4-6 385,0-1-385,-2 1 0,-7 1 0,2 3 4861,-12-1-4861,-4 14 0,4-9 0,9-4 0,14-3 0,9-2 0,4-3-444,-15 6 1,2-1-1,1-2 1,4-1-1,3-2 444,-8 5 0,3-1 0,3-1 0,2-1 0,1-1 0,1 0 0,-1 0 0,-2 0 0,-1 2-476,-1-1 1,-1 0 0,0 0 0,-2 1 0,1-1 0,0 1 0,0-1 0,1 0 475,3-2 0,1 0 0,0-1 0,1 0 0,-1 0 0,-1 1 0,-2 1 0,-2 1-461,2-2 0,-1 1 0,-1 0 0,-2 1 0,-2 1 0,-2-1 461,7-6 0,-2 0 0,-3 1 0,1 1-467,-3 3 0,1 1 0,-2 1 1,-3-1 466,0-2 0,-3 1 0,1-1 354,10-7 0,3 0 1,-8 4-355,-13 8 0,-1-2 701,6-3 1,7-6 0,-1-1 0,-6 3-702,3-11 0,-4-2 0,3-1 0,2-4 0,-4-2 0,-9 2 0,-3 0 0,-2-2 0,0-2 0,-1-2 0,-3 4 878,0-11 1,-2 2-879,-1 12 0,0-1 0,-3 6 0,-5 7 0,-1 0 0,4-4 0,2-3 0,-3 1 0,-1-13 0,-2 1 1729,4 0 1,-1-1-1730,-1-8 0,0 4 0,-3 20 0,1 1 780,0-6 1,1 0-781,1 3 0,-2 0 0,-1-1 0,0-1 0,4-4 0,-1-1 0,-3 4 0,0 3 0,3-17 1048,0 11-1048,-8 18 2657,8-1-2657,-8 2 275,7 3-275,-6-17 0,2 14 0,-3-34 0,0 23 0,0-15 0,0 24 0,0-2 0,0 2 0,0-1 0,0-10 0,0 0 0,0-22 0,-41 19 0,-1 12-921,-4 18 1,-11 1 920,6-2 0,-8-3 0,-3 0 0,2 0-1544,5 3 1,2 0-1,-2 0 1,-8-1 1543,12 3 0,-7-1 0,-3-1 0,-3-1 0,1 1 0,0 0 0,4 2 0,4 0-826,-5 0 0,6 2 0,1 0 1,-1 1-1,-5-2 826,7 1 0,-4 0 0,-3-1 0,0 0 0,-1 0 0,1 0 0,1 1 0,5 2-553,-13-2 1,4 2 0,2 0 0,-1 0 0,-4 0 552,8 0 0,-3-1 0,-1 0 0,-1 0 0,1 1 0,1 0 0,3 1-296,-7-1 0,3 1 1,2 1-1,-2 0 0,-1-1 296,2 1 0,-2-1 0,-1 0 0,0 0 0,2 1 0,4 1 0,-7-2 0,4 1 0,0 0 0,-1 1 0,5 1 0,-1 1 0,-1 0 0,0 0 0,2 0 329,-6-2 1,0-1-1,1 1 0,-1 1-329,10 3 0,-2 1 0,0 0 0,0 0 0,1 0 0,-7-1 0,0 0 0,0-1 0,0 1 0,7 0 0,-2 1 0,1-1 0,0 0 0,2 1 0,-6-1 0,1 1 0,2 0 0,2-1 0,-7 0 0,2-1 0,2-1 0,5 0 0,2 0 0,-2 0 0,-3-1 0,-2 0 0,2 0 0,8 2 0,1 0 0,0 0 0,-5-1 0,-2 1 0,2 2 0,-17 0 0,5 3 0,26 1 0,0 0 0,-20 0 0,-1 0 1017,22 0 0,1 0-1017,-5 0 0,-2 0 1844,-5 0 1,0 0-1845,6 0 0,-2 0 0,-19 0 0,-4 0 0,15 0 0,-1 0 0,3 0 2175,-4 1 1,1-2-2176,5-1 0,-1-1 0,2-2 0,-5-3 0,1-1 0,-9-2 0,-1 0 0,-3-1 0,1 3 0,11 3 0,3 1 1018,14 3 0,-1 0-1018,-17 1 0,-2 2 0,11-1 0,1 0 257,-13-1 0,0 2-257,13 0 0,2 2 0,-5-1 0,0 2 0,6 4 0,-1 1 0,-16-1 0,-3 0 679,5 4 0,0-1-679,3-5 0,0-2 0,-3 1 0,2-2 0,17-2 0,0-2 0,-7 1 0,3 0 0,1 0 0,2-3 0,1-3 0,5-3 0,-9-5 0,-1-2 0,5-2 0,-8-6 0,-3-2 0,-5-1 542,15 5 1,-1 1-543,1 4 0,2 3 0,-20-8 0,19 12 0,-1 2 0,-15 2 0,6 6 0,14 2 0,7 2 0,7 5 0,4 6 0,3-7 0,5 2 0</inkml:trace>
+  <inkml:trace contextRef="#ctx0" brushRef="#br0" timeOffset="37533">5279 4509 24575,'0'25'0,"0"20"0,0 15-1164,0-17 0,0 3 1164,0-1 0,0 2 0,0 7 0,0 2 0,0 5 0,0 3 0,-1-6 0,1 3 0,1-1 0,1-10 0,2-1 0,1 2 0,-2 9 0,0 2 0,4 0 0,5-1 0,4-1 0,1 0 0,-1 0 0,2-1 0,2 2 0,2-4 0,2 2 0,3 0 0,-2-3-1615,3 2 0,0-2 0,5 0 1615,0-6 0,5 0 0,1 0 0,3-2 0,-5-8 0,2-2 0,2 0 0,0-1 0,-1 0-640,-1 0 0,0-1 1,0 0-1,2 1 1,1-1 639,0-1 0,2 0 0,1 0 0,1 1 0,1-1 0,2 1 0,-2-1 0,2 0 0,1 1 0,0-1 0,1 0 0,-1-1 0,-1-1-559,1-1 1,-1-1 0,0-1 0,-1 0 0,2 0 0,0 1 558,4 3 0,0 1 0,2 0 0,-1 0 0,1 0 0,0-1-327,1-1 1,2 1 0,-1 0-1,0-2 1,-4-2 0,-3-3 326,-5-2 0,-4-3 0,0-1 0,7 5-90,1 1 1,8 5 0,4 2 0,1 1 0,-1-1 0,-5-4 0,-8-4 89,6 1 0,-8-5 0,8 3 0,-11-4 0,7 3 0,3 2 0,2 1 0,0-1 0,-1-1 0,-3-3 146,5 0 1,-2-2-1,-1-2 1,1 1-1,4 0-146,-5 0 0,2 1 0,2 0 0,1 1 0,0-1 0,1-1 0,0 0 0,1-2 0,2 0 0,0-1 0,0-1 0,-1 0 0,0-1 0,-1 0 0,3 1 0,-1-1 0,0 0 0,-1-1 0,0-1 0,2 0 0,-7-2 0,2-1 0,0 0 0,0-1 0,0 0 0,-3-1 0,-3 0 0,4-1 0,-3 0 0,-2-1 0,0 0 0,0-1 0,16 2 0,1 0 0,-3-1 0,-6-1 743,-11-2 0,-6-1 0,2 0-743,9 0 0,2-1 0,2-1 0,-10 0 0,1-1 0,3 0 0,4 1 165,2 0 1,5 1 0,3 0-1,2 0 1,0 0 0,-2-1-166,-8 0 0,-1 0 0,0 0 0,0 0 0,1 0 0,0 0 0,1 1-178,3-1 1,1 1-1,1 0 1,0 0-1,-1 1 1,-2-1-1,-1 0 178,8 0 0,-1 0 0,-3 0 0,0 0 0,-2 0 0,6 0 0,-1 0 0,-2 0 0,-1 0 0,-7 0 0,-1 0 0,-1 0 0,0 0 381,-1 0 0,-1 0 1,0 0-1,-2 0-381,11 0 0,-1 0 0,-4 0 0,5 0 0,0 0 0,-9 0 0,2 0 0,-6 0 35,-15 0 1,1 0-36,19-5 0,7-2 0,-7-2 0,-16-4 0,-1-3 0,7-1 0,3-3 0,-3-3 0,0-11 0,-4-5 0,-10 7 0,-1-2 0,-1-2 0,-2-2 0,0-2 0,-4-1 0,-2-7 0,-3-2 0,-2 0 360,-2 2 0,-1 0 0,-3-1-360,-3-1 0,-3-1 0,-2 0 0,-3-3 0,-3-1 0,-2 4 0,-2-10 0,-5 2 1252,-1 14 0,-3 0 0,-4-1-1252,-7-4 0,-5 1 0,0 1 0,4 9 0,-1 3 0,-1-4 401,2 2 1,0-3 0,-2 1 0,-2 1-402,-4 1 0,-1 2 0,-2 1 0,-1 0 0,-1-1 0,-1 0 0,-2 0 0,-2 0-408,1 2 1,-3 0-1,-1 0 1,-1 0-1,0 2 408,1 2 0,-1 0 0,0 1 0,0 2 0,0-1-392,1 3 0,-1 1 1,0 0-1,1 1 1,1 0 391,-5-4 0,1 1 0,0 1 0,-1-1 0,-4 1 0,-2 0 0,-1 1 0,0-2 0,10 4 0,0-1 0,0-1 0,-1 1 0,1 0 0,1 0 0,0 2 0,1-1 0,-2-1 0,0 1-601,-7-3 1,-2-1-1,0 0 1,1 0-1,2 0 601,7 2 0,2 1 0,1 0 0,1-1 0,-2 1 0,-1-1 0,0 0 0,0 1 0,-2-2 0,-4 0-189,2 0 1,-4-1-1,-2-1 1,-2 0 0,0 1-1,0 0 1,3 1 188,4 3 0,2 1 0,1 1 0,0 0 0,-3 0 0,-1-1 0,-4 0 0,7 3 0,-2-1 0,-3-1 0,-2 0 0,-1 0 0,0 0 0,-1 1 0,1 0 0,1 1 0,3 1 0,1 1-174,-5 0 0,2 1 1,1 1-1,1 1 1,1 0-1,-1 1 1,-2 0-1,-1-1 174,-2 0 0,-3 0 0,0 0 0,-2 0 0,1 1 0,0-1 0,1 2 0,1 0 0,3 2 0,-3 0 0,2 0 0,1 2 0,1 0 0,1 1 0,1 0 0,1 0 34,-3 0 1,2 1-1,0-1 1,2 1 0,1 0-1,0 0-34,-4 0 0,1-1 0,1 1 0,3 0 0,3 0 0,-9 0 0,5 1 0,0-1 0,4 1 0,0 0 0,1 0 0,1-1 0,1 1 0,1 0 0,-18-2 0,1 0 0,2 0 0,-1 0 422,10 0 1,-2 1 0,2-1-423,-13-1 0,2 1 621,13 2 1,0 0-1,1 0-621,-11 0 0,1-1 0,1 2 0,-1 1 0,-4-1 0,0 1 0,6-1 0,2 1 0,2 1 0,5 2 0,-13-1 0,6 0 4241,15 6-4241,10 7 1026,-12 17 0,28-14 1,-2 4-1</inkml:trace>
+  <inkml:trace contextRef="#ctx0" brushRef="#br0" timeOffset="47033">11985 12040 8191,'0'-5'0,"-3"-7"4986,6-42-4986,9-7 0,-2 14 0,3-7 0,1-3 199,-1 6 0,1-2 1,0-2-1,-1-2-199,-1-1 0,-1-2 0,0-2 0,0-1 0,0 1 0,0-2 0,1-2 0,-1 1 0,0 0 0,-2 3 0,-1 6 0,-1 2 0,-1 0 0,0 3 0,0 1 0,1-17 0,0 3 0,-1 6 0,2-4 0,-2 8 919,-3 14 0,0 3-919,6-20 0,0 7 5804,-1 13-5804,0 10 73,-4 4-73,2 6 2648,-2 7-2648,2 3 238,-3 9-238,0 31 0,-12 11 0,-4 8 0,-4 10 0,1-13 0,-2 3 0,-1 3-562,0-4 0,-1 3 0,-1 1 0,0 0 562,-2 5 0,0 3 0,0-2 0,2-4-1154,-2-2 1,2-4 0,-1 2 1153,-4 12 0,0 0 0,2-11 0,-7 3-1,8-4 0,0 2 1,3-15 0,0-3 0,-11 21 0,15-22 0,1-4 0,-4-3 0,8-1 0,3-12 1821,2-1-1821,6-14 3886,0-9-3886,8-22 0,7-17 0,2 12 0,3-3-1425,2-5 1,2-3 1424,6-11 0,1-3 0,-9 20 0,1-1 0,0-4-504,1-7 1,1-5 0,0-3 0,0 2 503,0 2 0,0 1 0,0 0 0,-1-1 0,1-5 0,0-1 0,-1 1 0,-1 2 0,-2 9 0,-1 0 0,-1 4 0,-2 3 0,3-13 0,-2 7 0,-3 14 0,-1 6 0,0-2 0,-7 36 2526,-12 17-2526,-9 20 0,-4 4 0,-2 2 0,1-7 0,0 1 517,2-3 0,0 3 0,-1 2-517,-3 5 0,0 1 0,-2 1 0,-2 2 0,0 0 0,-2 3-514,4-3 1,0 2 0,-1 1 0,0 0 513,1-4 0,-1 1 0,1-2 0,1 0 0,-2 10 0,1-1 0,2-3 0,3-11 0,2-3 0,2-2 0,-2 5 0,3-4-243,-1 8 243,1-7 0,5-10 0,4-11 695,-3-4-695,7-8 2107,-4-1-2107,4-3 282,0-5-282,0-32 0,10-3 0,3-6 0,-1-9 0,2-4-966,1 12 1,2-2 0,0-1 965,2-8 0,1-2 0,-1-2 0,-3 10 0,-1-1 0,0-1 0,1-3-1165,0 0 0,0-4 0,1-1 0,-1 1 0,0 2 1165,-1-1 0,0 2 0,-1 0 0,1-3 0,-1 1 0,1-4 0,-1 0 0,0 2 0,-2 6-60,1-1 1,-2 5 0,0-1 59,1-7 0,0 0 0,-1 5 0,-2 7 0,-1 7 0,3-3 0,-7 18 0,-1 11 1907,-3 3-1907,3 2 1670,0-1 0,0 4 1,0-2-1</inkml:trace>
+  <inkml:trace contextRef="#ctx0" brushRef="#br0" timeOffset="138981">6900 4867 24575,'-34'0'0,"1"0"0,0-2 0,-1-1 0,-13 3 0,-2-1 0,-4-4 0,-1 0 0,-4 4 0,0 1-818,5-3 0,3 0 818,9 3 0,1 0 222,-4 0 1,0 0-223,-1-1 0,-1 2 0,-8 6 0,2 2 0,11-5 0,2 3 145,1 9 1,0 4-146,5-2 0,1 3 0,-4 6 0,-1 3 0,-4 8 0,2 0 0,10-9 0,2 0 0,2 2 0,3 0 833,-4 9-833,6-4 67,-1 6-67,1 10 0,2 4 0,9-18 0,2 2 0,2-3 0,2 0 0,0 6 0,2 0 0,0-1 0,2 1 0,-1 1 0,0-1 0,0 19 0,0-6 0,0-24 0,0 0 0,3 10 0,1-12 0,3 6 0,0-17 0,1 2 0,-1-7 0,13 14 0,12 0 0,20 4 0,-21-14 0,3-1 0,7-5 0,-1-2 0,19 11 0,-25-14 0,-1-2 0,0 3 0,9 1 0,-9-5 0,4 0 0,6-4 0,-13 0 0,28 0 0,-24 1 0,2-2 0,7-3 0,3-3 0,10-2 0,0-2 0,-4-4 0,-2-1 0,0 1 0,-2 1 0,-6 1 0,-2 1 0,20-4 0,-14 3 0,-14 1 0,14-6 0,0-7 0,9-11 0,-4-7 0,-12-8 0,-16 21 0,-2-3 0,-4-1 0,0-2 0,0-2 0,-1 1 0,9-19 0,-9 6 0,-5 22 0,-4 2 0,1 4 0,-1 4 0,-3 1 0,-2 7 0,-2-8 0,0 3 0,-3-27 0,-21-8 0,7 9 0,-1-1 0,-2 11 0,-1 1 0,1-5 0,1 1 0,-19-20 0,15 16 0,-8-8 0,19 28 0,-4-2 0,11 9 0,-6 1 0,7 5 0,-1 2 0,-4-3 0,-7-7 0,2 2 0,-9-6 0,8 4 0,-6-2 0,-4-5 0,6 4 0,-5-4 0,11 9 0,3 2 0,0 3 0,1 2 0,3 2 0,0 2 0,3 0 0</inkml:trace>
+  <inkml:trace contextRef="#ctx0" brushRef="#br0" timeOffset="155415">7120 6190 24575,'34'0'0,"4"0"0,5 2 0,3 1-2074,-9-1 1,3 2 2073,10 4 0,6 3 0,2 2 0,-11-2 0,0 1 0,2 2 0,3 1 0,3 2 0,4 2 0,1 1 0,1 1 0,1 0-686,-6-2 1,1 1-1,1-1 1,0 2 0,0-1-1,0 0 686,1 2 0,1 0 0,-1 0 0,0 0 0,0 0 0,0-1 0,-4-1 0,0 0 0,-1-1 0,1 0 0,-2-1 0,0 0 0,7 1 0,0 0 0,-2-1 0,-1-1 0,-5-1 0,9 2 0,-5-2 0,-1-2 0,0-1 0,-1-2 0,-2-2 659,11-2 0,-2-3-659,-16-2 0,-1 0 0,2 0 0,4 0 0,0 0 0,1 0 0,2-2 0,0 0 0,-5 0-582,3 0 0,-2 0 582,15 0 0,0 0 0,-18 0 0,0 0 0,3-1 0,3 2 339,-5 2 1,3 3 0,0 0-340,14 3 0,3 3 0,-18 0 0,4 2 0,0 2 0,-3-2 573,-2 0 0,-3 1 0,0-1-573,2 3 0,0 0 0,-5-2 0,-3-1 0,-3-2 130,-1-3 1,-2 0-131,10 4 1446,18 2-1446,-32-10 581,-2 2-581,-5-7 2884,-8 0-2884,9 3 196,-2 0-196,9 7 0,2 4 0,12 12 0,-2 5 0,-3-2 0,0 1 0,-15-10 0,0 0 0,-3-2 0,-4-1 0,1 0 0,-5-1 0,-9-6 0,-5-4 0,-4-6 0,-1 0 0,3 0 0,0 0 0</inkml:trace>
+  <inkml:trace contextRef="#ctx0" brushRef="#br0" timeOffset="161631">5998 6214 24575,'0'47'0,"0"1"0,0 2 0,1 9 0,0 6 0,1 3 0,2 1-1405,1-9 1,1 0 0,1 3-1,2 1 1,0 3 0,2 3-1,1 3 1290,-3-16 0,1 1 1,1 3-1,0 2 1,1 1-1,0 2 0,1 1 1,1 0-1,0 0 1,1 0-1,0 1 1,1-2-1,1-1-39,-1-2 0,1 0 0,1-1 0,0 1 0,1 0 0,0-1 0,1 1 0,0 0 1,1 1-1,0-1 0,1 1 0,-1 0 0,2 0 0,-1 1 154,-1-7 0,0 1 0,1 1 0,0 0 0,1 1 0,0 1 0,1-1 0,0 0 0,-1 1 0,1-2 0,0 1 0,0-2 0,-1-1 0,0 0 0,0-2 0,-1-1 0,-1-2-80,5 10 0,-1-1 0,0-2 0,-1-2 0,0 0 0,0-2 1,0 0-1,0-1 0,0 0 0,1 1 0,0-1 80,3 4 0,1 1 0,1 1 0,1-1 0,-1-1 0,0-1 0,-1-2 0,-2-3 0,-1-3 0,-3-4-437,9 17 0,-4-8 0,-1-2 0,2 2 437,0-3 0,2 1 0,0 1 0,0-2 0,-4-2 0,-2-4 0,-4-2 0,1 0 0,2 2 184,8 11 1,3 4-1,-2-3 1,-5-8-185,-6-3 0,0-1 537,3 2 0,5 8 0,0 1 0,-6-7-537,0 8 0,-2-1 0,-1-5 0,2 2 0,-1 1 0,-3-4 0,-2 0 0,1-1 0,-1-4 0,-1 0 0,2 0 0,7 8 0,2 0 0,1-3 0,-4-8 0,1-3 0,3 1 576,11 12 0,5 2 0,-3-7-576,-2-5 0,2-3 0,-1 1 0,3 2 0,-2-3 0,2 0 0,-1-1 0,-6-6 0,1 2 0,-1 0 735,-2-3 1,-1-1-1,-2-1-735,5 5 0,-1-1 1566,2-2 0,-1-1-1566,-8-3 0,-1-2 380,-1-2 1,-1-1-381,18 19 3136,-20-21-3136,-14-15 2254,0-3-2254,-4-3 0,1 0 0,0 0 0,-1 0 0,1 0 0,-1 0 0,-2-3 0,0 0 0,-3-6 0,0 3 0,0-6 0,-14-9 0,-12-16 0,-15-12 0,14 16 0,-3-3 0,-2-2 0,-1-4 0,5 6 0,-1-3 0,-1-1 0,-2-3 0,-1-1 0,2 3 0,0-3 0,2 4 0,5 6 0,1 1 0</inkml:trace>
+  <inkml:trace contextRef="#ctx0" brushRef="#br0" timeOffset="173466">7011 3689 24575,'13'0'0,"-1"0"0,-6 0 0,-20 0 0,-11 0 0,-29 0 0,9 0 0,-15 0 0,9 4 0,18 2 0,-2 2-797,-7 5 0,-2 2 797,-4 3 0,-4 4 0,1 1 0,-5 4 0,-5 3 0,8-4 0,-5 2 0,-2 2 0,-1 1 0,-1 2-740,12-6 0,-1 2 0,-1 1 0,0 0 0,-1 1 0,0 0 0,0-1 740,-3 2 0,1-1 0,0 1 0,-1 0 0,-1 1 0,0 0 0,-1 2 0,7-4 0,-1 2 0,-2 0 0,0 2 0,0-1 0,1 0 0,1 0 0,2-1 0,2-2 0,-9 6 0,4-3 0,2 0 0,0-1 0,-1 2 0,-3 3 0,5-3 0,-2 3 0,-1 0 0,-1 2 0,1 0 0,0 0 0,1 0 0,1-1 0,0 2 0,0-1 0,1 1 0,1 0 0,1 0 0,1 0 0,0 1 0,4-1 0,1-1 0,1 1 0,1 1 0,-1 0 0,0 1 0,-1 2-505,2-2 1,-2 1-1,0 2 1,-1 1 0,0 0-1,1 0 1,2-2-1,3-2 1,4-3 504,-4 7 0,4-4 0,3-2 0,0 2 0,-3 2 0,-2 2 0,-3 3 0,-1 2 0,0-1 0,3-1 0,3-2 0,-4 10 0,3-2 0,3-2 0,1-3-899,-2 0 1,2-3-1,-2 7 899,5-10 0,-1 5 0,-2 3 0,0 2 0,0-1 0,3-2-356,-2 5 1,2 0-1,1 0 1,0-2-1,0 0 356,2-5 0,1-3 0,0 1 0,-1 1 0,-1 3 0,-1 4 0,-1 4 0,-2 1 0,1 1 0,1-1 0,1-4 117,1-2 1,2-3 0,0-1 0,0 1 0,-2 4-118,4-6 0,-1 2 0,-1 1 0,0 2 0,0-1 0,1 0 0,-1 0 0,-3 6 0,1-1 0,-1 1 0,1-1 0,-1 1 0,2-1 0,-1 1 0,1 0 0,0 1 0,0-2 0,1-1 0,2-3 0,-4 8 0,1-3 0,1-2 0,0 1 0,1-1 0,1 1 0,0-2 0,1-6 1308,-6 12 0,2-4-1308,2 2 0,-1-4 0,-2-16 0,0 0 1091,-1 8 1,-1 8-1092,6-14 0,-3 6 0,-1 4 0,0-1 0,2-4 123,-5 9 1,2-3-1,-2 6-123,4-9 0,-1 6 0,-1 3 0,-1 1 0,1-1 0,1-3-379,0 1 0,1-3 0,0 0 0,0 0 0,0 2 379,1-2 0,0 1 0,-1 1 0,1 0 0,0 2 0,1 0-405,2-6 0,0 2 0,1 0 1,0 1-1,0 0 0,1-1 0,0 0 405,-3 6 0,-1 0 0,1 0 0,1-1 0,1 1 0,2 1-246,4 1 0,1 0 1,2 1-1,1-1 0,0 1 1,0-1 245,-1-3 0,1-1 0,0 1 0,0-1 0,2 0 0,2 0 71</inkml:trace>
+  <inkml:trace contextRef="#ctx0" brushRef="#br0" timeOffset="173466">0 14712 8823,'5'59'51,"2"1"0,0 2 1,2 0-1,1 1 0,1-1 1,0 0-1,2-2 0,0 0-51,2 1 0,0 1 0,1-1 0,1-1 0,2-1 0,1 0 0,1-3 0,2 0 0,3 1 0,3-2 0,1-1 0,1-1 0,2-1 0,0-2 0,-1 0 0,6 5 0,0-1 0,2-2 0,-1-1 0,0-3 0,-3-3 0,4 3 0,-1-4 0,-2-3 0,0-2 0,6 5 0,-1-4 0,-2-2 0,9 8 0,-1-2 1213,-6-9 1,1 0-1214,-7-8 0,2 1 0,-2-3 0,4-1 0,0-4 1873,2 0 1,2-3-1874,8-8 0,4-3 0,-10 1 0,2 0 0,3-1 342,0 0 0,2 0 0,3 0 1,0 0-343,6 0 0,1 0 0,1 1 0,-1-1 0,-4 2 0,0-1 0,-2 1 0,-1-2 0,7 1 0,-2-1 0,-5 0 0,4-1 0,-8 0 4420,4 0-4420,3-5 0,-8 0 0,-5-1 0,10 0 0,6 3-639,-11 2 1,4 1 0,3 3 0,3 0 0,1 2 638,-5 0 0,2 1 0,3 1 0,0 1 0,2 1 0,1 1 0,1 1-478,-6 0 1,2 1-1,2 1 1,0 1-1,1 0 1,-1 1 0,0 0-1,0 1 1,-3-2 477,3 3 0,-1-1 0,0 1 0,0 0 0,-2 0 0,0 0 0,-1 1 0,-1-1-301,3 3 1,0 0 0,-1 0-1,0 0 1,-3 0 0,-1-2 0,-2-1 300,6 2 0,-1-2 0,-4 0 0,-1-2 0,-2 0 0,-1 0 0,-3-2 0,-1 0 0,0-1-501,13 3 0,-1-2 0,-1 0 501,-5-2 0,-2-1 0,1 0 19,-1-3 0,0-1 0,0-1-19,-2-1 0,0 0 0,0-2 414,-1 0 0,1 0 1,-1-2-415,0 0 0,-1-1 0,3 0 659,-1-2 0,2 0 1,1-1-1,0 1-659,-1 1 0,-1 0 0,2 0 0,0-1 0,7-1 0,1-1 0,0 0 0,-3 1 0,8 0 0,-4 2 0,-5-2 0,0 0 0,-6-2 0,-7-4 0,-3-3 1869,18-14-1869,-16-1 0,9-7 0,3-4 0,-3 2-511,-10 5 1,-2 0-1,1-1 1,5-5 510,0 1 0,6-5 0,3-3 0,1-2 0,-1 1 0,-2 1 0,-6 3-481,7-7 0,-6 2 0,-1 0 0,5-3 481,-10 8 0,3-2 0,2-1 0,0-2 0,0 1 0,-2 0 0,-3 2-303,5-5 0,-4 2 0,0 0 0,0-2 0,4-5 303,-10 10 0,2-3 0,1-2 0,1-2 0,1 0 0,0-2 0,0 0 0,0 0 0,-1 1 0,1-2 0,0 1 0,0-1 0,0 0 0,0-1 0,0 0 0,0-2 0,0-1 0,1-1-153,-8 7 0,1-1 0,0-1 0,0 0 0,0-2 0,1 0 1,-1-1-1,0 0 0,-1 0 0,1 0 0,-1 1 0,0-1 153,0 0 0,0 0 0,1-1 0,-1-1 0,0 1 0,0 0 0,-1 0 0,0 0 0,-1 0 0,-1 1 0,0 0 0,-1 2 0,3-9 0,0 1 0,-1 0 0,-2 2 0,0-1 0,0 1 0,-1 0 0,0-1 0,0 0 0,-1 2 0,1-2 0,-1 0 0,0 0 0,-1 1 0,0 0 0,-1 1 0,-1 1 0,-2 2 0,4-11 0,-2 3 0,-2 1 0,0 1 0,-1 0 0,1-1 0,0 1 0,0 0 0,-1 1 0,1-1 0,0-2 0,1-3-45,-4 9 0,1-3 1,0-2-1,0-2 1,1 0-1,0 0 0,-1 1 1,0 2-1,-1 2 45,2-3 0,-1 3 0,0 1 0,0 0 0,0 0 0,0-1 0,0-4 0,-1 4 0,0-3 0,0-3 0,1 0 0,0 0 0,-1 0 0,0 2 0,-1 3 0,-1 3 0,3-6 0,-2 5 0,0 1 0,0 2 0,0-2 0,-1-1 87,0 1 1,-1-1-1,1-1 1,-1 0-1,0-1 1,1 2-1,1 0-87,2-7 0,2 0 0,-1 1 0,1 0 0,-1 0 0,0-1 0,-3 7 0,0-1 0,-1 1 0,0-1 0,0 0 0,0 0 0,-1 1 0,4-7 0,0 0 0,-1-1 0,0 2 0,-1 2 0,-2 2 583,2-9 0,-2 3 0,-2 2 0,0 4-583,-1 1 0,-1 4 0,0 0 0,-4 0 0,-1 1 0,4-5 0,6 1 0,3-3 0,2-3 0,-1-2 0,-4 6 0,0-1 0,0-2 0,1-2 0,3-4 0,-5 14 0,2-3 0,0-2 0,2-2 0,0-1 0,0 1 0,-1 1 0,-1 3 0,-2 3 0,5-15 0,-2 6 0,-1 2 0,0-2 0,2-4 0,-5 10 0,2-3 0,1-3 0,-1-1 0,1 0 0,-2 3 0,-2 4 0,-1 5 0,1-7 0,-2 8 0,-2 0 0,2-7 86,1-1 0,0-5 0,1-3 0,0-2 1,-1 2-1,-1 3-86,-2-2 0,-2 2 0,0 0 0,-1 1 0,1 0-218,-1-2 1,1 1-1,0-1 1,-3 1-1,-2 0 218,-2 3 0,-1-1 0,-3 1 0,-3 1 0,-6 2 0,-5 4 0,-5 1 0,-4 2 0,-1 0 0,-1 1 0,-2 0 0,-1 0 0,-1 1 0,-3 0 0,-1-1 0,-2 0 0,-2-2 0,-2 0 0,0 0 0,-1 3 0,2 2 0,0 1 0,0 3 0,1 1 0,-1 1 0,-1 1 0,0-1 0,-1 1 0,0 1 0,0 2 0,0 3 0,-3 3 0,-1 3 0,2 3 0,0 0 0,-3-4 0,2 1 0,-1 5 0,0 4 0,0 3 0,0 3 0,-1 0 0,-1 3 0,2 1 0,-15 3 0,0 1 1068,11-1 0,-2 1 0,3 0-1068,-6 3 0,6 0 0,11 0 0,4 0 0,-9 0 0,28 0 0</inkml:trace>
+  <inkml:trace contextRef="#ctx0" brushRef="#br0" timeOffset="173466">-1 13726 8772,'1'61'0,"-1"-5"0,0 2 0,0 1 0,0 2 0,0-1 0,0 1 0,0-1 0,0 0 0,-1 4 0</inkml:trace>
+  <inkml:trace contextRef="#ctx0" brushRef="#br0" timeOffset="772375">6941 15716 8191,'39'4'0,"2"-17"0,8-9 0,-7 3 0,5-4 0,1-1 0,0 0 0,-4 0 0,-1 1 0,1-1 0,3-2 213,3-2 0,3-3 1,1-1-1,-2 2 1,-4 2-214,2-2 0,-4 3 0,1-1 350,5-3 0,1-1 0,-3 2-350,2-5 0,-5 4 1079,-16 10 0,0 0-1079,19-11 0,2-3 0,-10 6 0,-1 0 0,0 2 0,-1 0 2073,-8 3 1,-2 2-2074,11-7 4155,-11 5-4155,-13 10 3807,2 2-3807,-12 5 0,2 1 0,-3 3 0,0-3 0,0 3 0,-5 0 0,1-2 0,-4 2 0,7-3 0,-1 0 0,7-3 0,9-4 0,-5 2 0,8-5 0,-4 3 0,-1-4 0,1 1 0,-7 3 0,-3 7 0,-6 0 0,-2 6 0,-30-3 0,-35 3 0,25 5 0,-2 1 0,-11 3 0,1 1 0,12 0 0,2 2 0,-24 11 0,26-12 0,16-1 0,15-4 0,31-3 0,24 0 0,-5-3 0,3 0 0,-1 0 0,0 0 0,-2 0 0,-4 0 0,8 0 0,-19 0 0,-18 0 0,-3 0 0,-4 2 0,-3 14 0,-3 5 0,0 12 0,0 13 0,-4 3 0,-4 10 0,3-19 0,-5-9 0,10-18 0,-6-3 0,5 2 0,-4-5 0,4 1 0,-2-2 0,3 0 0,0-2 0,0-2 0</inkml:trace>
+  <inkml:trace contextRef="#ctx0" brushRef="#br0" timeOffset="774172">5982 15739 24575,'-41'-17'0,"0"0"0,-5-2 0,-4-2 0,-6-5 0,5-1 0,-6-4 0,-2-3 0,1 0 0,2 4-2166,1 2 0,2 2 0,0-1 0,-2-2 2166,0-3 0,-2-3 0,-1-2 0,3 2 0,6 4 0,-1 1 0,4 4 0,0-1 0,-8-7 0,-1-1 0,0 2-296,6 4 1,1 1 0,2 1 295,4 1 0,2 1 0,2 1 354,-3 0 1,-1 1-355,-15-13 0,3 3 0,5 10 0,11 2 0,-6-3 0,5 1 0,8 3 0,1-1 0,-17-12 0,-2-2 0,10 6 0,0 1 1841,0-3 1,0 2-1842,5 5 0,1 2 1659,2 1 0,2 2-1659,-14-9 0,14 10 1840,4 7-1840,11 1 0,-8 2 0,8-1 0,-3 2 0,-6-3 0,1 2 0,-5-2 0,7 3 0,8 4 0,5 3 0,16 11 0,35 31 0,-1 1 0,-13-16 0,2 3 0,0 6 0,0 1 0,-1-6 0,-1 1 0,3 11 0,0-1 0,-5-9 0,-2-3 0,0 12 0,-9-18 0,-10-12 0,-5-6 0,-2 0 0,-6-17 0,-18-16 0,-14-20 0,11 14 0,-1-1 0,4 9 0,0 1 0,3-3 0,1 0 0,-21-22 0,13 15 0,-4-8 0,14 23 0,4 2 0,3 3 0,-1 1 0,4-1 0,-4-2 0,5 5 0,0-3 0,26 10 0,41-2 0,-24 6 0,0 0-757,5 0 0,1 0 757,-6 2 0,0 1-398,4 1 1,1 1 397,-6 0 0,-1 1 0,6 0 0,-1 1 0,14 1 0,-13-4 0,0 0 1451,-16-4-1451,-6 0 858,-8 0-858,-2 0 0,2 0 0,-3 0 0,9 0 0,-5 0 0,10 0 0,-13 0 0,2 0 0</inkml:trace>
+</inkml:ink>
+</file>
+
+<file path=ppt/ink/ink7.xml><?xml version="1.0" encoding="utf-8"?>
+<inkml:ink xmlns:inkml="http://www.w3.org/2003/InkML">
+  <inkml:definitions>
+    <inkml:context xml:id="ctx0">
+      <inkml:inkSource xml:id="inkSrc0">
+        <inkml:traceFormat>
+          <inkml:channel name="X" type="integer" min="-2.14748E9" max="2.14748E9" units="cm"/>
+          <inkml:channel name="Y" type="integer" min="-2.14748E9" max="2.14748E9" units="cm"/>
+          <inkml:channel name="F" type="integer" max="32767" units="dev"/>
+        </inkml:traceFormat>
+        <inkml:channelProperties>
+          <inkml:channelProperty channel="X" name="resolution" value="1000" units="1/cm"/>
+          <inkml:channelProperty channel="Y" name="resolution" value="1000" units="1/cm"/>
+          <inkml:channelProperty channel="F" name="resolution" value="0" units="1/dev"/>
+        </inkml:channelProperties>
+      </inkml:inkSource>
+      <inkml:timestamp xml:id="ts0" timeString="2023-03-22T15:01:52.919"/>
+    </inkml:context>
+    <inkml:brush xml:id="br0">
+      <inkml:brushProperty name="width" value="0.05292" units="cm"/>
+      <inkml:brushProperty name="height" value="0.05292" units="cm"/>
+      <inkml:brushProperty name="color" value="#FF0000"/>
+    </inkml:brush>
+  </inkml:definitions>
+  <inkml:trace contextRef="#ctx0" brushRef="#br0">20597 5754 8191,'-9'-4'0,"-5"-10"2531,-17 3 1,-9-1-2532,-3-7 0,-4-4 0,0 1-124,-8-1 1,-3 1 123,2 0 0,-5-1 0,-2 0 0,13 7 0,-1 0 0,-1 1 0,-1 0 108,-7 0 0,-2 0 0,-2 1 0,-1 0-108,4 1 0,-3-1 0,0 1 0,1 1 0,2 1 0,0 1 0,2 1 0,2 1 0,1 2 635,-6 1 0,3 1 1,4 2-636,-6 2 0,5 0 0,9 0 0,0 0-97,-1 0 1,-2 0 96,-12-1 0,1 2 0,11 7 0,-1 4 0,-3-2 0,-3 1 0,3 6 0,12 4 0,3 3 0,1 1 0,-3-1 0,0 1 0,1 2 0,3 4 0,2 3 0,3 0 0,-5 7 0,4 2 0,-4 5 0,4-1 0,12-15 0,2 0 0,1 4 0,3-2 0,5-3 1372,0 2 1,2 4-1373,7 2 0,1 2 0,-2 2 0,-1 4 0,2 16 0,2 5 0,3-19 0,1 1 0,1 1 472,1 4 0,0 1 0,2 1-472,3 7 0,1 1 0,0-1 0,0-4 0,-1-2 0,2-1 0,0-4 0,1-1 0,1-1 0,0 0 0,1-1 0,2-2 990,5 6 0,4-3-990,2 0 0,7 0 0,2-10 0,6 1 0,-2-4 0,0 0 0,1-1-744,-7-5 0,3 3 1,1-1-1,-3-5 744,14 4 0,-2-3 0,-11-4 0,1 1 0,0 0-292,1-2 1,0 0 0,3 1 291,0-1 0,3 1 0,1 0 0,1 0 0,1-1 0,0 0 0,1 0 0,2 0-106,-6-3 1,2 1 0,1 0 0,0-1 0,-1-2 105,11 3 0,1-2 0,-1-2 0,0-2 0,-3-2 0,0-1 0,-1-2 0,1-1 0,-3-3 0,0-2 0,0-1 0,-2-1-155,7 1 1,-1-2 0,-3-1 154,-4-1 0,-2-3 0,-4-2 0,4-4 0,-4-4 869,5-2 1,2-8-870,-7-4 0,5-8 0,-1-2 0,-4 4 0,-7 5 0,-3 2 0,3-3-664,11-10 0,5-4 0,1-2 1,-5 2 663,-2-1 0,-3 1 0,0-1 0,-5 3 0,1 0 0,1-2 0,2 0-245,-2 2 1,3 0 0,0-1 0,0 0 0,-1 0 244,-2 1 0,-1-1 0,-1 0 0,1 2 0,-2 0-607,7-3 0,0 1 0,-2 2 0,-1 1 607,4-5 0,-1 1 0,-6 4 0,-1-1 0,-5 2 306,-4 7 0,-3-3-306,-7-11 0,-3-3 0,-2 12 0,-1-3 0,-4-23 0,-8 0 0,-10 21 0,-3 2 1155,0-15 1,-7-2-1156,-7 10 0,-7-1 0,-1 1 623,0 2 0,-1 1 0,-3-1-623,4 5 0,-1 0 0,-2-1 0,-2 1 997,-4-1 1,-2 0-1,-1 1 1,1 3-998,-10-3 0,0 3 0,0 0 0,11 7 0,0 0 0,-1 1 0,1 2 0,-9-4 0,0 3 0,3 2 0,-6 2 0,1 2 0,0-1 0,0 2-837,8 7 0,0 3 837,0 0 0,-2 1-110,-3 1 0,1 3 110,12 0 0,1 3 0,-8 0 0,2 2 0,-17-1 416,10 0 1,-1 0-417,11-1 0,1 2 0,-2 0 0,4 1 0,0-1 0,23 2 0</inkml:trace>
+  <inkml:trace contextRef="#ctx0" brushRef="#br0" timeOffset="6934">20024 12824 24575,'-47'0'0,"-14"0"0,22 0 0,-8 0 0,-5 2 0,-10 1 0,-3 1 0,6-1-2149,0-1 0,4 1 0,-5 0 2149,10 0 0,-5 1 0,0 1 0,0 0 0,4 1 0,-13 4 0,4 2 0,3 1 0,10-3 0,2 1 0,-1 1 413,-5 1 0,-2 2 1,2 1-414,-1 2 0,1 2 0,2 3 0,6 0 0,3 2 0,-2 3 0,2-2 0,-3 2 0,1 2 0,3 2 0,-7 10 0,4 3 0,3 1 0,6-3 0,3 1 0,1 2 0,0 3 0,2 2 0,3-3 0,4 5 0,2-2 13,0 3 1,2-2-14,5-8 0,2-4 0,-1 15 0,4-16 0,1 2 0,0-3 0,2 2 0,2 12 0,1 5 0,-2-9 0,0 3 0,1-2 1591,1 17 1,4-1-1592,2-16 0,3 2 0,3-1 0,4 3 0,3 0 0,3-1-449,6 1 1,3 0 0,2 0 448,-1-5 0,2 2 0,1-1 0,0-4-879,1 0 1,1-3 0,1-1 878,6 3 0,3-1 0,-3-3 0,3 2 0,0-3-599,-12-12 1,2 0 0,-1-1 598,15 13 0,0-1 0,-14-11 0,0-1 0,-2-1 0,7 2 0,1 0 0,-2 1 0,2 2 0,-5-4 0,-8-11 0,1 0-145,14 12 1,7 4 0,0-3 144,-9-9 0,-1-2 0,2 1 0,10 7 0,3 2 0,1-1 0,2-4 0,2-2 0,-1-2-155,-6-1 1,0-1 0,-2-3 154,-8-2 0,-1-3 0,-2 0 0,11 3 0,-2-2 868,7-6 1,-2-1-869,-10 0 0,-1 0 0,6-2 0,2 0 481,5 1 1,-5-2-482,-6-6 0,7-1 0,2-2 0,-23-2 0,-1-1 0,14-3 0,1-1 172,1-1 0,0-2-172,9-5 0,2-1 0,-18 9 0,2 0 0,1 0 0,7-3 0,1-1 0,-1 2 0,-7 2 0,-1 1 0,1 0 171,7-2 0,2 0 0,-4 2-171,0-2 0,-1 1 0,8-3 0,-3 1 457,3-5-457,-25 10 0,0 0 1037,23-14-1037,-22 10 0,2-2 95,-1-1 1,1 1-96,2-4 0,0 0 1001,-2 0 1,-1-1-1002,-1 2 0,-3 0 0,19-16 1423,-8 3-1423,4-4 0,-12 8 0,8-8 0,-11 7 0,7-8 0,2-2 0,-15 17 0,-1-1 0,16-19 0,-7 4 0,-10 7 0,-4 0 0,-10 13 0,0-1 0,-7 10 0,0-4 0,0 2 0,0-2 0,0 0 0,0 2 0,0-2 0,0 0 0,-4-1 0,-4-18 0,-7-13 0,1-1 0,-1-7 0,-1-3 0,-2-5-1533,5 16 0,-1-3 1,0-1-1,0 2 1533,-1-4 0,1 2 0,0-2 0,1 6 0,-1-1 0,1 0 0,-1 2-679,-1-3 1,1 2 0,-2-1 678,0-3 0,-2-2 0,0 0 0,-2 1 0,0-1 0,-2 0 0,-1 2 0,-2 0 0,1 1 0,2 3 0,0 1 0,0 1 0,-2 1 0,-1 1 0,1 1-48,2 3 0,1 1 0,0 2 48,-7-13 0,0 2 0,1 8 0,2 3 0,-9-8 5200,-6 13-5200,13 12 2871,-9 2-2871,-15-5 0,18 13 0,-1 0 0,0-1 0,-1 1 0,-2 4 0,1 1 0,-14-2 0,10 5 0,0 1 0,-22-3 119,26 3 1,-1 0-120,-6 2 0,0 0 0,6 0 0,-2 0 0,-21 0 0,-3 0 0,6 0 0,0 0 0,-6 1 0,1 2-700,3 1 1,4 1 699,11 0 0,3 0 0,3 1 0,3 1 0,-9 1 0,1 1 0,1-1 0,-10 4 0,10-3 0,-4 3 0,13-5 0,11 0 0,1-1 1399,7 0-1399,10 0 0,-2-3 0,6 0 0</inkml:trace>
+  <inkml:trace contextRef="#ctx0" brushRef="#br0" timeOffset="21050">21863 12961 8191,'-36'-4'0,"-20"1"2476,13 3 1,-6 0-2477,-11 0 0,-8 0 0,15 0 0,-7 0 0,0 0 0,5 0 140,6 0 1,5 0 0,-5 0-141,-5 0 0,-4 0 0,0 0 0,7 0 0,-5 0 0,3 0 0,6 0 0,-1 0 0,0 0 380,3 0 0,1 0 1,-2 0-381,-16-2 0,-3 0 0,1 0 0,12 2 0,2-1 0,-3 1 0,2-1 0,-3-1 0,1 0 0,2 1 0,-1 1 0,2 0 0,3 0 0,-13 0 0,3 0 0,9 0 0,3 0 0,-19 0 0,12 0 0,-1 4 5256,3 7-5256,14 2 0,5-1 0,0 2 0,-20 14 0,14-10 0,-2 0 48,4 2 0,-1 1-48,-5 2 0,-2 0 1479,3 0 1,-1 1-1480,-8 10 0,-1 0 0,6-6 0,1 0 0,-9 11 0,1 0 0,7-6 0,2-1 0,7-4 0,2 0 778,2 0 1,2 1-779,5-2 0,2 0 0,0 4 0,2 1 0,-6 7 0,2 2 0,4-2 0,2 2 0,-1 0 0,0 2 0,1 0 0,-6 10 0,1 0-341,-4 6 0,2-2 341,7-19 0,1-3 0,-11 22 0,7-12 0,1 7 0,6-4 0,10 6 0,1-5 0,3 4 0,0 2 0,0 3-500,3-24 0,3 1 500,3 1 0,3-1 0,2 3 0,4 1 0,4 2 0,3 3 0,3 1 0,1 2 0,3 0 0,2 3-272,-3-3 0,3 1 1,1 2-1,0-2 272,3 0 0,1 0 0,0-1 0,0 0 0,-1 0 0,1-1 0,-1-1 0,1 0 0,0-1 0,-1 0 0,1 0 0,1-2 0,-3-2 0,1-1 0,1-1 0,0 0 0,0 0 0,2 0 0,-1-2 0,-1-2-802,5 2 1,-1-3-1,0-1 802,2 1 0,1-1 0,-3-3 0,4 1 0,-1-3 0,6 2 0,0 1 0,-7-2 0,2 1-323,0-4 0,5 2 0,0 0 323,0-1 0,0 0 0,5 0 0,-3-4 0,4-1 0,1 0 0,0-2-376,-2-2 0,0-2 0,1-1 1,1-2 375,3-2 0,2-2 0,0-2 0,-1-1 0,0 0 0,0-1 0,-1-2 0,-2-2 0,7-4 0,-2-2 0,-2 0 0,-3 1 0,-2 0 0,-4-4 0,8-10 0,-6-3-129,-17 6 1,0 0 128,3-1 0,5-2 0,-4 0 0,0-4 0,-1 0 0,-3 5 0,4 0 0,-1-2 0,-3-3 0,0-2 0,0 0 0,17-9 0,-1-2 0,-2 0 0,1-3 0,-8 4 0,1-2 0,-3-2 0,-8 2 0,-2-1 0,1-3 0,0 2 0,1-2 0,0-2 0,-2 0 0,-3-1 0,-3-2 0,0 1 0,-1 1 0,3-7 0,0 2 0,-2 0 0,-4 2 0,0 0 0,-4 2 0,1-6 0,-2 1 0,3 0 0,-1 1 0,-3 0 0,-1-3 0,-1 3 0,1-3 0,-1 0 402,-4 3 1,0-1 0,-1-2-403,0 1 0,0-2 0,-2-2 0,0 1 0,-4 1 0,0 1 0,-2-1 0,0-1-82,1-4 1,-1-2 0,0 0 0,-3 2 81,-1 6 0,-2 1 0,-2 1 0,1 1 225,0-9 1,-1 1 0,-3 3-226,-9-14 0,-3 9 0,7 26 0,0 1 0,-8-19 0,-1 3 1063,-1 6-1063,-1-2 0,0-1 0,-11-6 0,17 22 0,-1-2 0,-3-5 0,0 2 0,-3-10 423,4 13 1,-2-2-424,1-2 0,0 0 749,-3 2 0,-1 0-749,-6-10 0,-2 1 0,0 10 0,-1 2 1054,-1 2 1,-2 2-1055,1 4 0,-2 2 413,-1 1 0,0 3-413,2-1 0,0 1 0,-22-1 0,13 1 0,17 9 0,7 2 0,-3-1 0,-6 5 0,1-3 0,-8 4 0,8 0 0,6 0 0,6 0 0,7 0 0,6 0 0,1 0 0</inkml:trace>
+  <inkml:trace contextRef="#ctx0" brushRef="#br0" timeOffset="29667">17773 5568 24575,'0'6'0,"0"-1"0,0 7 0,-4 17 0,-5 29 0,2-9 0,0 5-1012,-1-6 1,1 1 1011,-1 16 0,0-2 0,0-15 0,0 0 0,4 8 0,1 2 0,-5 0 0,0 4 0,6-4 0,3 4 0,-1-2 0,-2-12 0,0-1 0,0 0 0,2 9 0,0 1 0,0-3 0,0 11 0,0-3 151,0-2 0,0-1-151,0 2 0,0 0 0,0-5 0,0-2 0,0-9 0,0-4 0,0 20 0,0-15 0,0-19 0,0-5 0,0-4 1522,3-1-1522,-2-5 199,2-2-199,-1-1 0,1-3 0,1 2 0,1-1 0,-4 8 0,4 10 0,-1 4 0,4 9 0,0-6 0,-4 4 0,3 2 0,-2 5 0,3-6 0,0 4 0,4-8 0,0 13 0,3-11 0,-4-4 0,-2-9 0,0-13 0,-5 1 0,4-4 0,-5-4 0,3-2 0,0 0 0,18 0 0,33 0 0,-6 0 0,7 0 0,-7 0 0,5 0 0,1 0-771,-4 0 1,2 0 0,1 0 0,0 0 770,5 0 0,2 0 0,-1 0 0,1 0 0,3 1 0,2 1 0,-2-1 0,-5 0 0,1-1 0,-5 0 0,0 1 0,0 2 0,-2 1 0,-5-1-894,-9-2 1,-3-1 893,5 5 0,1 0-225,1-4 1,-1-1 224,-8 2 0,-1 0 0,0-1 0,0-2 0,26 1 0,-6 0 0,1 0 0,-6 0 0,-14-1 0,1-2 0,-1-1 0,1 0 0,12-3 0,1 0 0,5-1 0,0 1 0,-1 0 0,1 0 0,7 2 0,-1 1 843,-15 1 0,-2 0-843,0-1 0,-3 0 0,9-1 964,-17 1 1,1-1-965,28-7 278,-23 5 0,2 1-278,-2-3 0,0 1 0,5-1 0,0 1 0,5-1 0,0 0 0,4-1 0,0 1 0,0 2 0,0 0 0,0 0 0,-3 0 0,-11 3 0,-3-1 0,26-3 0,-21 3 0,-8-2 0,4 6 1146,-5-6-1146,-1 6 0,7-9 0,-10 8 0,4-5 0,-8 4 0,0 0 0,-4-1 0,2-2 0,-8 2 0,-2 0 0,3-2 0,-4 3 0,2-4 0,-4 1 0,-3-6 0,1-43 0,-16-3 0,-8-8-1217,2 6 0,-2-4 1,-4-3 1216,3 13 0,-2-4 0,-2-1 0,0 0 0,0 2 0,2 5 0,-1 0 0,0 0 0,0 1 0,1 0 0,-3-9 0,0 0 0,1 1 0,2 4 0,1 0 0,1 3 0,3 4 0,0-2 0,3 6-911,-4-20 911,3 14 0,8 13 0,2 9 0,-1 2 0,3 4 3452,-5-10-3452,5 3 1109,-6-8-1109,3-9 0,-4 5 0,1-8 0,3 10 0,-2 3 0,2 10 0,0-1 0,-2 3 0,2 4 0,-2-3 0,2 13 0,-5-9 0,2 5 0,-7-12 0,-2 2 0,-5-3 0,3 5 0,-5 2 0,-5-1 0,-1 5 0,-19-12 0,8 14 0,8 2 0,-4-1 0,-19-1 0,-2 2-696,13 1 1,-2 1 695,3 1 0,-2 1 0,-1-1 0,-15-1 0,-2 0 0,9 1 0,-2-1 0,-2 0 0,-1-1 0,-1 0 0,-2 0 0,4 1 0,-4-1 0,1 1 0,4 0 0,1 1 0,3 0 0,-2 0-898,-10-1 0,-1-1 0,4 2 898,2 0 0,4 1 0,-2-1 0,2 1-864,12 2 1,2 1 863,7 2 0,-2 0-356,-14-5 0,-1 0 356,17 5 0,-1-1 0,-10-2 0,-6-2 0,4 0 0,1 0 0,1 0 0,-5 0 0,-1 0 508,2-1 1,1-1-509,8 3 0,0 0 0,-12-1 0,0 2 0,7 0 0,4 2 0,-17 1 2459,13 3-2459,14 0 2053,4 0-2053,-9 0 995,13 0-995,-5 0 0,8 0 0,7 0 0,-3 0 0,-6 0 0,1 3 0,-13 3 0,8 5 0,-4 2 0,10-2 0,2-2 0,5-2 0,1 0 0,-3-1 0,2 1 0,-2-1 0,0 1 0,3-1 0,-3-3 0,7 2 0,0-4 0,3 2 0,2-3 0,2 0 0</inkml:trace>
+</inkml:ink>
+</file>
+
+<file path=ppt/ink/ink8.xml><?xml version="1.0" encoding="utf-8"?>
+<inkml:ink xmlns:inkml="http://www.w3.org/2003/InkML">
+  <inkml:definitions>
+    <inkml:context xml:id="ctx0">
+      <inkml:inkSource xml:id="inkSrc0">
+        <inkml:traceFormat>
+          <inkml:channel name="X" type="integer" min="-2.14748E9" max="2.14748E9" units="cm"/>
+          <inkml:channel name="Y" type="integer" min="-2.14748E9" max="2.14748E9" units="cm"/>
+          <inkml:channel name="F" type="integer" max="32767" units="dev"/>
+        </inkml:traceFormat>
+        <inkml:channelProperties>
+          <inkml:channelProperty channel="X" name="resolution" value="1000" units="1/cm"/>
+          <inkml:channelProperty channel="Y" name="resolution" value="1000" units="1/cm"/>
+          <inkml:channelProperty channel="F" name="resolution" value="0" units="1/dev"/>
+        </inkml:channelProperties>
+      </inkml:inkSource>
+      <inkml:timestamp xml:id="ts0" timeString="2023-03-22T15:05:48.234"/>
+    </inkml:context>
+    <inkml:brush xml:id="br0">
+      <inkml:brushProperty name="width" value="0.05292" units="cm"/>
+      <inkml:brushProperty name="height" value="0.05292" units="cm"/>
+      <inkml:brushProperty name="color" value="#FF0000"/>
+    </inkml:brush>
+  </inkml:definitions>
+  <inkml:trace contextRef="#ctx0" brushRef="#br0">14388 10059 24575,'-27'0'0,"0"0"0,-5 0 0,-3 0 0,-30 0 0,16 0 0,-9 0 0,3 0-2333,-3 0 0,0 0 2333,0 0 0,-5 0 0,0 0 0,2 0 0,0-1 0,-1 2 0,-3 3 0,-1 1 0,-2 2 0,11-1 0,-2 0 0,1 2 0,2 1 174,-8 5 0,4 2 0,0 2-174,0 2 0,1 1 0,5 1 0,2 4 0,2 0 0,11-4 0,-2 1 0,4 1 0,-1 2 0,3 1 0,1 2 0,0 1 0,2-3 0,3 0 0,-4 18 0,-8 2 0,21-19 0,2 0 0,-8 15 335,8-14 0,1 0-335,-2 16 0,-8 10 0,9-19 0,0 2 0,2 2 0,-1 0 1173,-1 4 0,1 0-1173,3-3 0,2-1 0,-1 24 0,6-15 796,7-7-796,0 4 332,7-10-332,3 15 0,10-16 0,2-2 0,3 1 0,20 11 0,-19-20 0,3 1 0,9 8 0,4-1 0,3-1 0,3-2 0,2-2 0,2 0 0,-3-2 0,0-1 0,7-1 0,-2-2-603,-15-3 0,-2-1 603,4-2 0,-2 0 0,-4 1 0,-1-1-693,25 6 693,-21-5 0,0 0 0,-4-6 0,2-1 0,6 3 0,2 0-946,6-2 1,2 0 945,1 3 0,5 1 0,-4-5 0,7 0 0,2 0 0,-1-1 0,-5 0 0,-2 0 0,2-1 0,4 0-463,-6-1 0,4 1 0,2-1 0,1 0 1,-1-1-1,-2-1 463,3-1 0,-2 0 0,0-2 0,0 0 0,0 1 0,2-1 0,1 1 0,-1 0 0,-1-1 0,-3-1 0,1-1 0,-3-1 0,-1-1 0,-1 0 0,12-1 0,-1 0 0,-4-3 0,3-5 0,-1-2-340,-11-1 1,1-2 0,-1 1 339,10-4 0,1-1 0,-13 6 0,2-1 0,1 0-53,3-1 0,1 1 1,-1 2 52,-5 3 0,-2 2 0,3 0 0,-1-2 0,3-1 0,0 1 0,-2 1 0,3 1 0,-2 2 0,1-1-121,6-2 1,1-1-1,-4 1 121,3 1 0,-4-1 0,3-1 0,-5 0 1799,4 5-1799,-15-3 0,1 1 0,19 4 0,-23-4 0,0 0 0,25 6 0,-25-1 0,0 0 0,-1 2 0,2 0 0,23 0 0,1 0 1037,-19 0 1,-1 0-1038,19 0 0,-2 0 0,-19 1 0,-2-2 408,1-4 0,-3-3-408,17-12 0,-18-8 0,-12-6 2488,-7 6-2488,-3-9 0,1-1 0,-4 0 927,3-3-927,-3-12 0,-6 18 0,-1-1 0,-1 0 0,-2-1 0,-1-15 0,-8-3 0,-9 11 0,-7-1 0,-3 0-665,-3-6 0,-3 0 0,-5-2 665,5 10 0,-4-1 0,-2-1 0,-1 1 0,1 3-1215,-6-4 0,0 2 1,-1 1-1,-1 0 1215,7 4 0,0-2 0,-1 1 0,0 2 0,3 3 0,-11-6 0,2 4 0,2 2-1138,-9-8 0,4 6 1138,5 12 0,3 6 0,-19-1 0,2 3 0,-6 1 0,5 5 0,-3 3 172,9 1 0,-4 1 0,-1 0-172,-2 3 0,-3 1 0,0 0 0,12 1 0,-1 0 0,0 0 0,-1 0 0,-3 0 0,-1 0 0,1 0 0,3 0 655,-1 0 1,2 0 0,0 0-656,-8 1 0,0 2 0,4-1 0,6 0 0,0 1 720,-3 1 1,-5 0-1,1 1-720,7-1 0,2 1 0,1 0 0,-16 0 0,2 2 0,-4 1 0,6 1 0,2 1 0,19-3 0,2-1 0,-18 6 0,-5 4 477,25-8 1,0 1-478,-1 2 0,0 1 2774,-16 5-2774,5-2 0,13 0 757,0-6-757,-14 13 0,11-11 0,-7 10 0,16-13 0,2 6 0,5-4 0,3 0 0,10-4 0,3-3 0</inkml:trace>
+  <inkml:trace contextRef="#ctx0" brushRef="#br0" timeOffset="1032">18193 11179 24575,'31'-10'0,"-2"4"0,17-6 0,13 6 0,0-3 0,-22 6 0,0 2 0,23 1 0,-8 0 0,-11 0 0,-21 0 0,-10 0 0,-8 0 0</inkml:trace>
+  <inkml:trace contextRef="#ctx0" brushRef="#br0" timeOffset="1648">18282 11077 24575,'57'-12'0,"-21"1"0,0 0 0,23-6 0,-27 5 0,0 0 0,26-1 0,-21 1 0,0 4 0,-18 5 0,-12 3 0,-1 0 0</inkml:trace>
+  <inkml:trace contextRef="#ctx0" brushRef="#br0" timeOffset="2915">19743 10265 8191,'10'-4'0,"-17"1"2457,-33 2 0,-15 2-2457,-5-1 0,-5 0 0,11 1 0,-3 1 0,1 0 786,2-1 0,0 0 1,6 2-787,1 3 0,5 1 0,-22-1 1802,37 1-1802,34-2 6524,17 4-6524,13-3 0,5 0 0,-5 1 0,2 0-266,22-2 1,3 1 265,-1 1 0,1 1 0,-20-3 0,1 0 0,0 1 0,0 0 0,1 1 0,-5-1 0,3 1 0,-7 0 602,11 5-602,-32-3 0,-8-2 0,-3 5 0,-5 6 0,-17 12 714,-9 12-714,-9 5 0,-6 6 0,10-17 0,-2 1 0,1 0 0,5-1 0,2 0 0,-3 2 0,-11 12 0,-2 2 0,7-7 0,14-12 0,2-1 0,-14 12 0,3-3 0,10-5 0,13-20 0,3-6 0,3 2 0,0-6 0,26-2 0,15-2 0,4-2 0,5-4 0,10-3 0,2-1-3392,0-1 0,-2-2 3392,-7-2 0,-4 1 0,-10 2 0,-4 1-37,4-3 37,-1 4 0,-12 0 0,-4 1 0,-3 0 0,0 0 6766,-8 3-6766,1 1 55,-3 3-55,-2 0 0,-1 0 0,-4 0 0</inkml:trace>
+  <inkml:trace contextRef="#ctx0" brushRef="#br0" timeOffset="4315">19613 11795 24575,'0'34'0,"0"-11"0,0 9 0,0-20 0,0-8 0,0-12 0,10-7 0,-4-7 0,15-1 0,-8-4 0,6-3 0,-8-3 0,-1 4 0,-6 8 0,-2 9 0,1 6 0,0 3 0,3 1 0,1 37 0,0-1 0,6 27 0,-3-25 0,1 1 0,2-3 0,1 0 0,3 7 0,0-1 0,-2-7 0,1-5 0,17 11 0,-11-19 0,1-10 0,1-7 0,-9 0 0,8-3 0,-15 0 0,-2 0 0</inkml:trace>
+  <inkml:trace contextRef="#ctx0" brushRef="#br0" timeOffset="4915">19832 11591 24575,'0'0'0</inkml:trace>
+  <inkml:trace contextRef="#ctx0" brushRef="#br0" timeOffset="5533">20052 11823 9635,'11'3'0,"-3"0"5112,7-3-5112,1 0 2593,-2 0-2593,3 0 1525,-4 0-1525,2 0 0,-11 0 0,4 0 0</inkml:trace>
+  <inkml:trace contextRef="#ctx0" brushRef="#br0" timeOffset="6200">19954 11739 24575,'19'0'0,"3"0"0,-4 0 0,-3 0 0,17 0 0,-12 0 0,16-6 0,-8 5 0,-4-5 0,-9 6 0,-5 0 0</inkml:trace>
+  <inkml:trace contextRef="#ctx0" brushRef="#br0" timeOffset="7114">20496 11918 24575,'0'-12'0,"13"-14"0,0-9 0,17-18 0,-8 6 0,1 9 0,-9 11 0,-5 13 0,-2-3 0,0 6 0,-1-2 0,0 7 0,3 0 0,-5 0 0,4 3 0,-7 11 0,1 10 0,-2 7 0,4 3 0,3 7 0,5-9 0,-1 9 0,2-16 0,1 8 0,3-6 0,0 6 0,-1-7 0,-4-5 0,0-3 0,-5-5 0,-2-2 0</inkml:trace>
+  <inkml:trace contextRef="#ctx0" brushRef="#br0" timeOffset="7982">20536 10213 8191,'3'9'0,"-1"30"4802,-10 8-4802,5-11 0,-1 3 0,0 12 0,-1 1 0,2-16 0,2 1 0,0 13 0,2 0 2850,-1 14-2850,0 1 0,3-4 0,1-8 0,14-23 0,-4-5 1751,15-8-1751,-3 7 6687,2-14-6687,-4 8 294,-7-13-294,-4 4 0,0-2 0,-2-3 0,1-2 0,5-2 0,-8 0 0,3 0 0</inkml:trace>
+  <inkml:trace contextRef="#ctx0" brushRef="#br0" timeOffset="8649">20893 10722 24575,'23'0'0,"3"10"0,28 11 0,-3 7 0,5 7 0,-19-10 0,-9-9 0,-17-5 0,-3-7 0,-7 2 0,4-3 0,-1 2 0,2-1 0,-3 2 0,2 0 0,-4-3 0,1-1 0</inkml:trace>
+  <inkml:trace contextRef="#ctx0" brushRef="#br0" timeOffset="9298">21258 10627 8191,'0'4'0,"0"17"4988,0 46-4988,0-17 0,0-9 0,0 2 2827,0 23-2827,0-30 0,0 1 864,0 2 0,0-1-864,0 20 6756,0-26-6756,0-6 85,0-19-85,0 2 0,0-3 0,0-3 0,0 0 0</inkml:trace>
+  <inkml:trace contextRef="#ctx0" brushRef="#br0" timeOffset="10182">21400 10319 11698,'-4'9'0,"1"2"4875,3 8-4875,0-6 2241,0 5-2241,0-11 1267,0 8-1267,0-8 4494,0 8-4494,0-4 0,0 5 0,0 7 0,0 3 0,0 13 0,4-2 0,0-3 0,0-14 0,2-3 0,-2-7 0,2 0 0,3 2 0,-2-3 0,1-2 0,-2-2 0,0-5 0,0 0 0,2 0 0,5 0 0,-6 0 0,2 0 0</inkml:trace>
+  <inkml:trace contextRef="#ctx0" brushRef="#br0" timeOffset="11682">21500 10709 24575,'0'-36'0,"10"-4"0,-3 4 0,0-1 0,14-14 0,2 3 0,-10 16 0,5 11 0,-14 1 0,2 7 0,-6 12 0,0 1 0,0 6 0,0 3 0,0-3 0,0 0 0,0 6 0,0-1 0,0 4 0,0-2 0,0-3 0,0 2 0,0-3 0,0 1 0,0-2 0,0-5 0,0 0 0</inkml:trace>
+  <inkml:trace contextRef="#ctx0" brushRef="#br0" timeOffset="14315">19759 11730 24575,'0'33'0,"0"3"0,0 12 0,0-13 0,0 6 0,0-18 0,0 13 0,0-16 0,0 7 0,0-8 0,0 2 0,0 6 0,0-2 0,0-5 0,0 1 0,0-7 0,0 3 0,0-3 0,0-1 0,0 0 0,0-3 0,0 2 0,0-5 0,0 2 0,0 0 0,0-2 0,-3 5 0,-10 1 0,-8 1 0,-15 3 0,-4-6 0,5-4 0,7-4 0,11-3 0,3 3 0,4-2 0,-3 2 0,4-3 0,-1 0 0,1 0 0,4 0 0,-1 0 0,3 0 0,0 0 0</inkml:trace>
+  <inkml:trace contextRef="#ctx0" brushRef="#br0" timeOffset="15599">19698 11454 24575,'6'-3'0,"3"-3"0,-2-1 0,2-3 0,-8 7 0,-8 1 0,-10-1 0,0 4 0,-3 3 0,13 5 0,1 1 0,6-1 0,0-3 0,5 0 0,-1-3 0,7-1 0,-7 1 0,7-2 0,-10 1 0,4-2 0</inkml:trace>
+  <inkml:trace contextRef="#ctx0" brushRef="#br0" timeOffset="17766">21604 10474 24575,'0'19'0,"0"-3"0,0 1 0,0-4 0,0 1 0,0 2 0,0-6 0,0 2 0,0-7 0,0 1 0,0 2 0,0-1 0,0 4 0,0-2 0,0 3 0,0-2 0,0 1 0,0-4 0,-6 1 0,5 1 0,-8-3 0,9 3 0,-6-1 0,6-2 0,-3 6 0,3-6 0,0 3 0,0-4 0,0 1 0,0 0 0,0-1 0,0 1 0,0 0 0,0-1 0,0 1 0,0 0 0,-2 0 0,-2 0 0,-2-3 0,0 2 0,0-4 0,0 2 0,-2-3 0,-2 0 0,-2 0 0,3 0 0,0 0 0,3 0 0,3 0 0,0 0 0</inkml:trace>
+  <inkml:trace contextRef="#ctx0" brushRef="#br0" timeOffset="18898">21668 10040 18836,'-6'0'0,"-15"0"2634,5 0-2634,-20 0 979,11 12-979,0 3 510,12 5-510,7-2 1616,6-5-1616,0-4 0,6 0 0,5-6 0,7 4 0,0-7 0,3 3 0,-7-3 0,3 0 0,-6 0 0,1 0 0,-8 0 0,1 0 0</inkml:trace>
+  <inkml:trace contextRef="#ctx0" brushRef="#br0" timeOffset="19915">21910 9928 24575,'27'31'0,"-5"-7"0,-8 6 0,-5-13 0,-5 1 0,-1-8 0,-3 2 0,0 1 0,0 1 0,0 5 0,0-4 0,-4 16 0,3-7 0,-5 9 0,1 12 0,1-8 0,1 11 0,3-19 0,0-4 0,0-14 0,0 0 0,0-7 0,0-2 0</inkml:trace>
+  <inkml:trace contextRef="#ctx0" brushRef="#br0" timeOffset="20649">22198 10557 13334,'4'0'0,"10"0"4239,20 0-4239,11 0 0,16 0 0,6 0 0,-9 0 0,0 0 2017,-24 0-2017,7 0 1119,-17 0-1119,1 0 0,-16 0 0,-7 0 0</inkml:trace>
+  <inkml:trace contextRef="#ctx0" brushRef="#br0" timeOffset="21998">22919 10316 24575,'0'47'0,"0"0"0,0 3 0,3-13 0,-2-14 0,2-9 0,-3 5 0,0-7 0,3 1 0,1 1 0,5 5 0,-2-5 0,3 5 0,-5-13 0,4-3 0,1-14 0,3-3 0,7-14 0,-4 5 0,8-6 0,-2-3 0,1 4 0,0 0 0,-6 12 0,-5 10 0,-3 3 0,-4 3 0,4 6 0,8 25 0,-2-8 0,3 18 0,-1-17 0,-7-6 0,3 1 0,-7-10 0,-1-3 0,-1-3 0,1-3 0,1 0 0,3-3 0,-2-4 0,6-16 0,10-13 0,-8 7 0,1-2 0,4-2 0,1 0 0,-2 1 0,-1 1 0,13-22 0,-7 20 0,-13 15 0,-2 9 0</inkml:trace>
+  <inkml:trace contextRef="#ctx0" brushRef="#br0" timeOffset="22815">23697 9864 24575,'-12'6'0,"2"2"0,-2 5 0,4 0 0,-4 1 0,4-1 0,-1-3 0,5 5 0,1-1 0,3 5 0,0 1 0,0 2 0,0-1 0,0-1 0,0-1 0,0-7 0,0 1 0,3-4 0,1-2 0,2 2 0,0 0 0,0-2 0,0 1 0,0-5 0,3 0 0,-6 0 0,5-3 0,-5 3 0,1-3 0,-2 0 0</inkml:trace>
+  <inkml:trace contextRef="#ctx0" brushRef="#br0" timeOffset="24217">23889 10183 24575,'0'-9'0,"0"0"0,0 7 0,2 4 0,1 4 0,3-1 0,2-10 0,2-5 0,2-3 0,-2 0 0,-2 4 0,-2 3 0,-3 6 0,0 0 0,-3 6 0,0 0 0,0 0 0,0 2 0,0-1 0,0 1 0,5-2 0,-1 2 0,8-1 0,-6 2 0,3-6 0,-3 3 0,0-3 0,0 0 0,0 3 0,0-6 0,3 6 0,4-3 0,3 6 0,0-1 0,-5-2 0,-5-3 0</inkml:trace>
+  <inkml:trace contextRef="#ctx0" brushRef="#br0" timeOffset="24849">23932 9874 24575,'0'0'0</inkml:trace>
+  <inkml:trace contextRef="#ctx0" brushRef="#br0" timeOffset="25582">24086 9856 24575,'12'6'0,"3"4"0,-6 4 0,2 2 0,-4 7 0,-2-2 0,1 4 0,-3-6 0,-2 1 0,2-6 0,-3 9 0,0 10 0,0-8 0,0 39 0,-15-11 0,10-14 0,-1 1 0,-8-6 0,0-2 0,1 18 0,2-17 0,8-17 0,3-9 0,0-4 0</inkml:trace>
+  <inkml:trace contextRef="#ctx0" brushRef="#br0" timeOffset="26630">22927 9940 24575,'-32'17'0,"-13"15"0,9 7 0,-8 8 0,22-13 0,-5 8 0,14-12 0,3 1 0,2 3 0,4 18 0,2-6 0,1 3 0,0-1 0,2 1 0,-1 6 0,0 0 0,-1-12 0,2-3 0,1-4 0,2-4 0,5 5 0,7-6 0,-4-3 0,2-2 0,-3-11 0,9 8 0,5-5 0,10 7 0,1-1 0,3-6 0,-4-1 0,-9-6 0,-3-1 0,-7-4 0,-2-2 0,2 2 0,1-6 0,-3 3 0,-3-3 0,-5 0 0</inkml:trace>
+  <inkml:trace contextRef="#ctx0" brushRef="#br0" timeOffset="27715">24279 9844 24575,'0'17'0,"11"8"0,0 24 0,14 12 0,-13-21 0,-1 2 0,1 0 0,-1 1 0,-4-3 0,-1 1 0,-1-3 0,-2-1 0,-3 26 0,0-13 0,0 0 0,0-16 0,0 7 0,0-3 0,-4 10 0,0-3 0,-7-4 0,3-12 0,-4-10 0,7-6 0,-4-4 0,9 0 0,-6-3 0,6-3 0,-3 0 0</inkml:trace>
+  <inkml:trace contextRef="#ctx0" brushRef="#br0" timeOffset="28514">24541 9901 10048,'0'-6'0,"0"22"5088,4 24-5088,1 14 0,0 4 0,3-11 0,-7-9 2525,6 0-2525,-6-1 1471,2-11-1471,-3-7 1360,0-7 1,0-9 0,0 0 0</inkml:trace>
+  <inkml:trace contextRef="#ctx0" brushRef="#br0" timeOffset="29414">24404 9967 24575,'12'0'0,"3"0"0,7 0 0,0 0 0,4 0 0,-7 0 0,14 0 0,-10 0 0,1 0 0,-9 0 0,-7 0 0,-1-3 0,2 2 0,-3-1 0,0 2 0,6-3 0,-2 2 0,6-5 0,-5-1 0,-5 3 0,-3-2 0</inkml:trace>
+  <inkml:trace contextRef="#ctx0" brushRef="#br0" timeOffset="30598">24831 10294 24575,'12'13'0,"1"-1"0,9 13 0,-10-11 0,9 10 0,-10-4 0,10 10 0,-1 10 0,5 1 0,-10-9 0,-2-9 0,-7-10 0,-2-5 0,-2-4 0,-2-1 0</inkml:trace>
+  <inkml:trace contextRef="#ctx0" brushRef="#br0" timeOffset="31498">24775 10643 8191,'6'-2'0,"10"-14"5063,0-2-5063,5-10 2818,14-11-2818,-20 13 1719,14-8-1719,-21 17 6784,5 4-6784,-9 2 0,8-1 0,-8 5 0,8-5 0,-6 5 0,3-4 0,1-3 0,-2-4 0,-1 5 0,-4 4 0</inkml:trace>
+  <inkml:trace contextRef="#ctx0" brushRef="#br0" timeOffset="32366">25172 9845 24575,'0'9'0,"-3"10"0,-1-1 0,0 12 0,1-16 0,3 5 0,0-6 0,0-3 0,0 6 0,0-10 0,0 10 0,0-9 0,0 5 0,0-3 0,0 0 0,0 4 0,3 5 0,3-4 0,1 4 0,2-8 0,-3-2 0,0 1 0,0-2 0,0 1 0,0-4 0,6 4 0,-7-7 0,3 5 0</inkml:trace>
+  <inkml:trace contextRef="#ctx0" brushRef="#br0" timeOffset="33266">25336 10074 24575,'0'23'0,"0"-7"0,0 1 0,0-7 0,0 7 0,0-3 0,0 3 0,0 3 0,0-3 0,0 0 0,0-6 0,0-5 0,0 0 0,0 3 0,0-2 0,0 1 0,-3-4 0,0-2 0,-3-2 0,-3 0 0,-1 0 0,-6 0 0,3 0 0,0 0 0,7 0 0,4 0 0</inkml:trace>
+  <inkml:trace contextRef="#ctx0" brushRef="#br0" timeOffset="34015">25364 9975 24575,'0'0'0</inkml:trace>
+  <inkml:trace contextRef="#ctx0" brushRef="#br0" timeOffset="34899">25512 9782 24575,'0'9'0,"0"1"0,0 6 0,0 4 0,0 0 0,0-1 0,0 4 0,0 1 0,0-2 0,0 5 0,0-9 0,0 4 0,0-4 0,0-1 0,-6-4 0,4 0 0,-4 0 0,6-3 0,0 3 0,-2-6 0,1 2 0,-2 0 0,3-3 0,0 3 0,0-6 0,0 0 0</inkml:trace>
+  <inkml:trace contextRef="#ctx0" brushRef="#br0" timeOffset="35714">25755 9703 24575,'0'9'0,"0"9"0,0 21 0,0 14 0,0-7 0,0 7 0,0-19 0,0 18 0,0-11 0,0 1 0,0-16 0,0-4 0,0 0 0,0 6 0,0 10 0,0 12 0,0 14 0,-3-20 0,-2 1 0,3-9 0,-2-1 0,-6 8 0,-2-3 0,-2 6 0,-9 7 0,2-14 0,2 10 0,-1-11 0,-2 1 0,8-11 0,-2-7 0,7-5 0,5-12 0,-2 1 0</inkml:trace>
+  <inkml:trace contextRef="#ctx0" brushRef="#br0" timeOffset="37316">23954 10174 24575,'0'18'0,"0"10"0,0 0 0,0 7 0,0-14 0,0 1 0,0-12 0,0 1 0,0-2 0,-5-5 0,1 4 0,-8-5 0,2 3 0,-2-2 0,3 1 0,3-2 0,0 0 0,6 2 0,-6-4 0,6 1 0,-3-2 0</inkml:trace>
+  <inkml:trace contextRef="#ctx0" brushRef="#br0" timeOffset="37748">23967 9808 24575,'0'0'0</inkml:trace>
+</inkml:ink>
+</file>
+
+<file path=ppt/ink/ink9.xml><?xml version="1.0" encoding="utf-8"?>
+<inkml:ink xmlns:inkml="http://www.w3.org/2003/InkML">
+  <inkml:definitions>
+    <inkml:context xml:id="ctx0">
+      <inkml:inkSource xml:id="inkSrc0">
+        <inkml:traceFormat>
+          <inkml:channel name="X" type="integer" min="-2.14748E9" max="2.14748E9" units="cm"/>
+          <inkml:channel name="Y" type="integer" min="-2.14748E9" max="2.14748E9" units="cm"/>
+          <inkml:channel name="F" type="integer" max="32767" units="dev"/>
+        </inkml:traceFormat>
+        <inkml:channelProperties>
+          <inkml:channelProperty channel="X" name="resolution" value="1000" units="1/cm"/>
+          <inkml:channelProperty channel="Y" name="resolution" value="1000" units="1/cm"/>
+          <inkml:channelProperty channel="F" name="resolution" value="0" units="1/dev"/>
+        </inkml:channelProperties>
+      </inkml:inkSource>
+      <inkml:timestamp xml:id="ts0" timeString="2023-03-22T15:06:53.115"/>
+    </inkml:context>
+    <inkml:brush xml:id="br0">
+      <inkml:brushProperty name="width" value="0.05292" units="cm"/>
+      <inkml:brushProperty name="height" value="0.05292" units="cm"/>
+      <inkml:brushProperty name="color" value="#FF0000"/>
+    </inkml:brush>
+  </inkml:definitions>
+  <inkml:trace contextRef="#ctx0" brushRef="#br0">10534 4779 8191,'-5'-3'0,"-35"0"2297,8 3 0,-6 0-2297,-8 0 0,-6 0 0,-2 0 0,-8 0 0,-3 0 0,-3 0-333,7 0 1,-3 0 0,-1 0 0,0 0 332,11 0 0,-1 0 0,0 0 0,1 0 0,2 0 0,-15 0 0,2 0 0,1 0 0,11 0 0,-1 0 0,2 0 0,3 0 91,2 0 1,3 0-1,-1 0-91,-6 1 0,-1 1 0,-1 1 0,-4 0 0,-1 2 0,1 0 0,10 0 0,1 1 0,-4 3 0,-1 2 0,-3 2 0,-2 1 0,2 2 500,1 0 0,2 1 0,-1 2 0,-2 0-500,5-2 0,-1 1 0,-1 1 0,0 0 0,2 1-150,-9 4 0,2 1 1,0 0-1,1 0 150,0 0 0,0 0 0,2-1 0,4-1 0,6-1 0,3-3 0,-2 2 682,-14 6 1,-2 1 0,10-5-683,-6 8 0,2-6 0,1 1 1858,-2 7-1858,24-16 0,-1 1 2389,-21 18-2389,12-5 0,-8 12 0,20-13 0,-1 2 0,0 4 0,1 1 0,0 2 0,1 4 0,5-5 0,0 2 0,1 1 166,3-1 0,0 1 1,1 2-167,-2 7 0,0 1 0,0 2 0,1 1 0,1 1 0,2-1 0,3-5 0,3-1 0,0-1 0,-2 10 0,2-2 0,3-7 0,1-4 0,4 12 1809,0-1-1809,0-5 0,0 16 0,0-13 0,0 4 0,4-4 0,6-8 1171,4 6-1171,1-15 0,4 1 3,-2-2 1,3-1-4,8 8 0,4 1 566,3 0 0,3-2-566,1-6 0,3-2 0,-2-6 0,2-1 0,-1-1-897,7 4 1,0-3 896,-5-7 0,3-1 0,-1-1 0,7 5 0,0 0 0,-12-7 0,2-1 0,4 1 0,3 1 0,5 1 0,1 1 0,-3-1 0,4 2 0,-1-1 0,2 1-970,-1-3 0,3 1 0,0-1 0,-3 0 970,-1 1 0,-3 1 0,0-2 0,-2-2 0,0-1 0,0 1-317,1 1 1,1 0 0,2 0 316,-4-3 0,3-1 0,1 0 0,1-1 0,4 1 0,1 0 0,2-1 0,2-1-502,-3 0 1,1-1-1,2 0 1,2-1 0,0 1 501,-4-2 0,0 0 0,2-1 0,1 1 0,-1-1 0,2 1-380,-7-1 0,0 0 1,1 0-1,1 1 0,-1-1 1,1 0-1,-1 1 380,0-1 0,2 0 0,-1 0 0,0 0 0,-1-1 0,-1 1 0,-2 0-183,8 2 1,-1-1 0,-3 0 0,0 0 0,-1 1 182,-2-1 0,-1 0 0,0 0 0,-3 1 0,-2-1-562,10 1 1,-4 0-1,2 1 562,-9 0 0,1 1 0,0 0 0,0 0 46,0-1 1,0 0-1,-2-1 1,-3 1-47,-1 0 0,-3 1 0,-1 0 949,4-1 1,-1 0-1,-4-1-949,-2-3 0,-4-1 0,4-3 0,0-3 1171,2-6 1,-1-4-1172,0-4 0,0-3 0,9-1 0,1-2 0,8-6 0,2 0 0,-3 1 0,2-1 0,-14 7 0,1-1 0,3-2 0,-3 2 0,2-2 0,1 0 0,-3 1 0,3 0 0,-3 1 0,1-1 0,3-3 0,1 0 0,-5 2 0,1 0 0,-3 2 0,-4 0 0,0-2 2005,14-9 0,3-4-2005,-17 10 0,1-1 0,-1-2 0,2-5 0,0-2 0,-1 1 0,-7 6 0,-2 0 0,1-1 0,3-6 0,1 0 0,-4 0 868,3-8 1,-3 2-869,-2 6 0,-3 1 0,-7 2 0,-3 3 0,4-8 0,1-19 0,-9 25 0,-2-3 0,-3-11 0,-2-4 0,2-11 0,-5-2 395,-3 19 0,-3-2 1,-6-2-396,-6-2 0,-5-4 0,-4-2 0,-2 0-597,2 5 1,-1-1-1,-3 0 1,0-2-1,-1 1 597,2 4 0,0 0 0,-2-1 0,0 1 0,0-1 0,-1 0 0,-1-3 0,-2 0 0,-1-1 0,1 1 0,2 2 0,1 4 0,-1-6 0,2 4 0,1 3 0,-2 0 0,-2 3 0,-1 0 0,0 3 0,2 6 0,-10-5 0,-1 7-186,-6 0 1,-3 5 185,5 7 0,-4 5 0,-6 5 0,-7 3 0,3 2 0,13 2 0,2 2 0,-2 0 0,-2 1 0,-2 0 0,-2 1 0,1 0 0,-1 1 0,1 0 0,-1 0 0,-1 0 0,-3 0 0,0 0 0,-2 0 0,-1 0 0,6 0 0,-2 0 0,0 0 0,0 0 0,0 0 0,-11 0 0,0 0 0,1 0 0,0 0 0,4 0 0,0 0 0,1 0 0,0 0 0,4 1 0,1 1 0,1-1 0,2 0-521,-8 0 1,2-1-1,2 1 521,7 1 0,1 2 0,3-1 0,-7 0 0,3 1 0,3 0 0,0 2-229,-3 2 0,1 0 229,14-3 0,0 1 1411,-14 6 1,-2 1-1412,13-5 0,-1 0 730,-14 8 1,-1 1-731,11-6 0,2 0 1011,5 2 0,3 2-1011,1 3 0,4-1 0,5-2 0,-4 7 0</inkml:trace>
+  <inkml:trace contextRef="#ctx0" brushRef="#br0" timeOffset="5517">23735 4740 8191,'-15'0'0,"-22"1"0,-12-2 1066,7 1 0,-4-1 0,-7-2-1066,-1-2 0,-8-2 0,-3-1 0,-1 0 0,2 1 0,3 2 0,3 0 0,-2 1 0,-2-1 0,-4-2-43,8-1 0,-3 0 1,-3-2-1,-2-1 1,0 1-1,0-1 1,2 2-1,4 0 43,-7 1 0,3 1 0,2 1 0,0 0 0,-1-1 0,0 0-72,5-1 1,-1 0 0,-1 0 0,0-1 0,2 0 0,1 1 0,4 0 71,-4 0 0,2-1 0,2 1 0,2 0 0,0 1 0,-3 0 0,1 1 0,1 0 0,-2 0 0,-10-2 0,-2-1 0,0 1 0,3 1 563,11 2 0,3 2 0,-1 0 0,-3 0-563,-4-1 0,-5 1 0,0 0 0,2 1 0,6 0 207,-1 0 0,5 1 1,-2 3-208,-3 4 0,-4 3 0,1 2 0,7 3 0,-6 8 0,5 7-320,3 0 1,0 6 0,6-1 319,7 4 0,5 1 0,-11 8 0,2 3 1123,10-4 1,2-1-1124,-1-1 0,1 0 0,2 2 0,2 0 0,3-9 0,1-1 0,2 0 0,0-1 163,0-5 1,1 0-164,0 4 0,-1 1 250,-4 0 1,0 1-251,-1 5 0,0 1 2835,-9 5 0,0 0-2835,7-6 0,0-2 0,-1 0 0,1-2 963,6-7 0,2 0-963,-2 3 0,1-2 0,-6 14 0,1 2 1438,-1 3-1438,-1 1 0,-1 8 0,-1-10 0,8-7 0,-1-7 0,3 2 0,-10 6 0,2 1 0,-11 11 0,1 0 0,17-25 0,0 0 0,-17 18 0,18-19 0,0 0 0,-15 21 0,3 1 0,1-3 0,4-6 0,6-4 0,-7 5 0,3 14 0,7-24 0,0 0 0,3 7 0,1 2 0,1 3 0,3 2 0,2-1 0,2 2 0,1 2 0,4 2 0,6 8 0,6 0 0,6-1 0,6-1-962,2-12 1,6 0-1,0-2 962,7 6 0,2-4 0,-7-15 0,2 0 0,-1-2-1003,3 5 0,1-2 1003,5 1 0,1-1 0,-1 1 0,1-1 0,2 0 0,2 1 0,-5-6 0,1 2 0,0-2 0,-5-4 0,0-1 0,0 1-744,8 5 1,0 2 0,0-3 743,-9-7 0,-1-2 0,0 0 0,13 9 0,0-2-230,-13-8 0,2-2 0,2 2 230,12 7 0,4 3 0,2-2 0,-6-6 0,1-2 0,2 0 0,2 0-235,-5-1 1,2 0 0,1 0-1,2-1 1,0-1 234,-6-2 0,2-1 0,1-1 0,0-1 0,-2 0 0,-2-1-543,11 0 1,-2 0 0,-1-2-1,0 0 543,4 0 0,2-1 0,-3 0 0,-5-1 0,-7-1 0,-5-2 0,4 1 110,0-2 1,3 0 0,1 0-1,0 0-110,-1 0 0,0 0 0,1 0 0,2 0 0,-3 0 0,1-1 0,2 1 0,1 0 0,1 1 0,-2-1 0,1 1 0,2 0 0,0 1 0,0-1 0,-2 1-547,5 0 1,0 1 0,-2 0 0,1 0 0,-1-1 546,-1 0 0,0 0 0,-1 0 0,0 0 0,-3 0 0,2 2 0,-1 1 0,-2 0 0,0-1 256,0-2 0,0 0 1,-1-1-1,1 1-256,2 0 0,0 0 0,1 0 0,-1-1 0,-1 1 0,1 0 0,-2-1 0,-3 0 0,5 0 0,-4-2 0,-3 1 0,8 0 0,-5 0 0,-17 0 0,0 0 1434,6-1 1,0-2-1435,-8-1 0,0-2 0,6-3 0,0-3 623,-1-7 1,2-3-624,12-7 0,1-4 0,-16 4 0,0-2 0,0-1 1603,3-3 0,1-1 1,-2-1-1604,-3 2 0,-1 0 0,-2 0 0,12-9 0,-3 2 0,-11 8 0,-2 3 0,12-17 0,-1 1 0,-6 6 1015,-15 12 1,1-1-1016,-2 1 0,0 0 248,0-6 1,-2-1-249,-1 3 0,-2 0 0,4-20 0,-1 8 963,-1 10-963,-3 10 0,2 6 0,-2 5 0,0-3 0,3 2 0,14-21 0,5-3 0,-11 11 0,0-1 0,0-4 0,0-1 0,0 0 0,0-1 0,0-4 0,-2 1 0,-3 6 0,-1 2 0,10-23 0,-14 20 0,-1 0 0,6-24 0,-9 19 0,0 1 0,2-15 0,-8 11 0,-1-1 0,5-24 0,-6 17 0,-1-3 0,2-1 0,-3 0 0,-5-5 0,-5-2-891,-3 11 0,-4-3 0,-3-1 891,-2 4 0,-2-1 0,-4-2 0,-2 1 0,0 4 0,-4 0 0,-1 0 0,-2-1 0,1 0 0,-4-5 0,-1-1 0,0 0 0,-1 1 0,0 1-849,4 6 0,0 1 0,-1 1 0,1 1 1,1 0 848,-6-5 0,0 0 0,0 3 0,2 1 0,-7-3 0,1 2 0,1 2-711,0 0 0,1 2 1,0 1 710,3 5 0,-1 3 0,1 0-86,-10-10 0,-2 4 86,-6 8 0,-1 5 0,12 7 0,0 2 0,-9-3 0,-5 1 0,13 9 0,-2 1 0,1 1 218,4 0 1,0 0 0,-3 0-219,-13-2 0,-3-1 0,1 0 0,5 0 0,1 0 0,1-1 0,2-1 0,1-1 0,2 1 0,-15-5 0,5 2 0,15 4 0,3 1 1685,3 3 0,4 0-1685,-11 2 0,12 0 0,-1 0 0,-21-4 2851,2-1-2851,22 7 0,-1 1 277,-22-1-277,-9 3 1598,17 0-1598,17 0 469,12 0-469,8 2 0,8-1 0,2 1 0</inkml:trace>
+  <inkml:trace contextRef="#ctx0" brushRef="#br0" timeOffset="14600">14943 7120 8191,'-1'-3'0,"20"-15"4677,22-8-4677,-11 4 0,2-1 0,2 1 0,0 1 1068,-1-2 1,0 0-1069,1 3 0,2 0 0,19-12 0,2-1 0,-10 8 0,1 1 0,5-3 0,-2-1 0,-12 7 0,-2 3 0,20-8 0,-25 9 0,1 0 0,28-7 1860,-15-2-1860,-15 11 0,1 0 6326,15-15-6326,-15 10 0,2-1 0,-4 3 0,-1 0 0,14-16 416,3 6-416,-12 3 968,-3 5-968,-3 2 0,-12 6 0,-3 2 0,-3 3 0,0-3 0,8 1 0,-3-4 0,11-5 0,-2-2 0,3 3 0,-3-3 0,-8 12 0,-3-3 0,-5 4 0,-1 3 0,2-4 0,-6 5 0,-6 0 0,0 1 0,-13 2 0,5 0 0,-10 0 0,3 0 0,-1 0 0,-2 0 0,1 0 0,-1 0 0,1 0 0,5 0 0,5-3 0,1 2 0,3-2 0,8 3 0,6 0 0,9 0 0,10 0 0,0 0 0,5 0 0,0 0 0,-1 0 0,-4 0 0,0 0 0,1 0 0,-9-6 0,4 5 0,-16-3 0,-2 8 0,-5 7 0,0 0 0,0 5 0,-3 11 0,-4-4 0,-1 15 0,-2-20 0,7 5 0,-3-17 0,6 4 0,-6-2 0,3-4 0,-3 4 0,0-7 0,0 4 0,0-2 0,3 5 0,-3-4 0,5 4 0,-4-4 0,4 1 0,-4 1 0,4 0 0,-2-11 0,3 3 0,0-13 0,0 2 0,3-1 0,-2 1 0,2 3 0,0-2 0,-2 2 0,5-6 0,-6 7 0,3 0 0,-3 4 0,0-1 0,0 0 0,0 0 0,0 0 0,0 1 0,0-1 0,0 0 0,0 0 0,-3 3 0,0 0 0,-3 3 0,-6 0 0,1 0 0,-5 0 0,-7 0 0,1 0 0,-12 0 0,9 0 0,-2 0 0,14 0 0,-2 0 0,8 0 0,-1 0 0,5-2 0,0-1 0,6 0 0,0 0 0,3 3 0,0-2 0,13-2 0,12-3 0,10-4 0,4 3 0,-9-2 0,-12 6 0,-8 2 0,-7 2 0,-3 0 0,0 0 0,-1 0 0,1 0 0,-1 0 0,-2 2 0,3 4 0,-6 3 0,3 3 0,-3 4 0,0 3 0,0 3 0,0 2 0,0-2 0,0 0 0,0-1 0,0 7 0,0-4 0,0-1 0,0-5 0,0-8 0,0 2 0,0-3 0,0 3 0,-3-2 0,3-4 0,-3-4 0</inkml:trace>
+  <inkml:trace contextRef="#ctx0" brushRef="#br0" timeOffset="21318">18892 4241 8191,'-1'-3'0,"-12"0"5063,-14 3-5063,-36 0 0,17 0 0,-5 0 612,6 0 1,-3 0 0,-3 0-613,-11 0 0,-3 0 0,2 0 87,8 0 0,2 0 0,-1 0-87,-3 0 0,1 0 0,3 0 0,-4 0 0,3 0 0,0 0 0,1 0 0,0 0 0,0 0 0,-2 0 0,-1 0 0,2 0 0,0 0 0,1 0 0,-1 0 0,-1 0 0,1 0 0,4 0 0,-1 0 2530,-1 0 1,-4 0-2531,7 2 0,-3 2 0,0 0 0,3 2 0,0 2 0,-1 0 0,-8 1 0,-1 1 0,2 2 0,5 2 0,2 2 0,2-1 0,-11 4 0,5 0 0,12-3 0,4 0 539,4-2 1,2 1-540,-22 18 0,27-14 0,-1 2 521,-3 3 1,0 1-522,6-1 0,1 1 0,-22 22-153,9-10 153,7-8 0,0 1 0,-11 15-26,2-2 1,-1 4 25,15-12 0,0 2 0,-1 0 0,-3 5 0,2-1 0,-3 13 0,2 2-363,5-7 1,1 3-1,1 1 363,1 0 0,1 1 0,2-1-121,3-5 0,1-1 1,1-1 120,-7 21 0,2-6 0,9-23 0,0-2 0,-5 19 0,-1 1 0,5-20 0,0 0 0,-2 13 0,-1 1 0,-2 1 0,1 0 167,5-7 1,-1 2-168,-4 5 0,-3 6 0,2-1 0,4-8 0,1 0 0,-1 0 0,-3 4 0,-2 0 0,2 0 0,2-2 0,0-1 0,1-1 0,-5 17 0,1 0 0,2 0 0,2 1 0,0-4 0,2-1 0,4-4 0,2-3 0,0-12 0,0-2 0,2 0 0,0-2 0,0 13 0,0-18 0,0 2 0,4 24 0,1 4 0,4-28 0,1-3 0,5 11 0,1-1 0,3 2 23,3-4 1,1 0-24,4 9 0,3 2 0,-5-12 0,2 1 0,2-2 79,5 1 0,3-1 0,0-1-79,2 2 0,1-1 0,0-2-109,-1-3 0,0-2 1,-1-1 108,15 10 0,-5-5 0,8 2 0,-10-7 0,0-1 0,-16-12 0,1 0-78,9 8 1,5 4 0,1-2 77,-4-6 0,2-1 0,1 2 0,-2 0 0,2 1 0,2 1 0,3-1-547,2-2 1,3-1-1,3 0 1,0 0 0,0 1 546,-6-2 0,0 0 0,0 1 0,1-1 0,1 1 0,0-1-438,3 1 0,1 0 0,1 0 1,0-1-1,1 2 0,1-1 438,-3 1 0,2-1 0,0 1 0,1 1 0,0-1 0,-1 0 0,-1 0 0,4 1 0,-1 0 0,-1 0 0,0 0 0,0-1 0,-1 0-405,-3-1 0,0-1 0,0 0 0,-1 0 0,-2 0 0,0-1 405,3 2 0,0 0 0,-2-1 0,-2 0 0,-4-3 0,8 4 0,-5-3 0,-1-1-302,-3 0 0,-2-1 0,-2-1 302,6 2 0,0-1 244,-4-1 1,3 0 0,-6-1-245,21 5 733,-12-3 0,10 2 0,-7-2-733,-9-1 0,-1-2 2335,19 4 1,-2 0-2336,-25-7 0,-5-1 2346,15 0-2346,-9-6 0,2-1 0,-9-1 0,5 0-460,16 0 1,11 0 0,6 0 0,0 0 459,-17 0 0,2 0 0,0 0 0,2 0 0,2 0 0,2 0-605,-2-1 0,2 0 1,2 0-1,1 0 1,2 0-1,1 0 1,0 0-1,0 0 605,-7 1 0,2 0 0,1 0 0,0 0 0,1-1 0,-1 1 0,1 0 0,-2 0 0,0 0 0,-2 0 0,6-1 0,-1 0 0,-1 0 0,-1 0 0,0 0 0,0 0 0,-1 0 0,2 0-350,0 0 0,2 1 1,0-1-1,0 1 0,-2-1 1,-1 0-1,-3 0 1,-3 0 349,8-1 0,-4 0 0,-3 0 0,-2-1 0,-1 1-382,6-1 1,-1 0 0,-3-1 0,-4 0 381,-4-2 0,-4-2 0,-3 1 594,3 2 1,-3-1-595,-9-3 0,1-1 1907,5 0 1,-2-2-1908,7-6 0,13-3 3926,-29 7-3926,4 1 3441,-3-2-3441,10-11 857,5 1-857,3-9 145,3 4-145,0-4 0,0 2 0,-8 5 0,-5 5 0,-9 6 0,-4 2 0,8-2 0,-8 1 0,3-1 0,2-3 0,-5 6 0,15-13 0,-4 10 0,10-9 0,-8 0 0,-1 0 0,-21 10 0,-2 3 0</inkml:trace>
+</inkml:ink>
 </file>
 
 <file path=ppt/notesMasters/notesMaster1.xml><?xml version="1.0" encoding="utf-8"?>
@@ -575,7 +1302,7 @@
           <a:p>
             <a:fld id="{D23F596F-AE3B-CB49-A71A-0B549FB29E75}" type="slidenum">
               <a:rPr lang="en-US" smtClean="0"/>
-              <a:t>12</a:t>
+              <a:t>13</a:t>
             </a:fld>
             <a:endParaRPr lang="en-US"/>
           </a:p>
@@ -662,7 +1389,7 @@
           <a:p>
             <a:fld id="{D23F596F-AE3B-CB49-A71A-0B549FB29E75}" type="slidenum">
               <a:rPr lang="en-US" smtClean="0"/>
-              <a:t>38</a:t>
+              <a:t>39</a:t>
             </a:fld>
             <a:endParaRPr lang="en-US"/>
           </a:p>
@@ -746,7 +1473,7 @@
           <a:p>
             <a:fld id="{D23F596F-AE3B-CB49-A71A-0B549FB29E75}" type="slidenum">
               <a:rPr lang="en-US" smtClean="0"/>
-              <a:t>39</a:t>
+              <a:t>40</a:t>
             </a:fld>
             <a:endParaRPr lang="en-US"/>
           </a:p>
@@ -833,7 +1560,7 @@
           <a:p>
             <a:fld id="{D23F596F-AE3B-CB49-A71A-0B549FB29E75}" type="slidenum">
               <a:rPr lang="en-US" smtClean="0"/>
-              <a:t>43</a:t>
+              <a:t>44</a:t>
             </a:fld>
             <a:endParaRPr lang="en-US"/>
           </a:p>
@@ -917,7 +1644,7 @@
           <a:p>
             <a:fld id="{A3F83B88-D72D-4BE1-B4FE-0489C6C5AFAA}" type="slidenum">
               <a:rPr lang="en-US" smtClean="0"/>
-              <a:t>44</a:t>
+              <a:t>45</a:t>
             </a:fld>
             <a:endParaRPr lang="en-US"/>
           </a:p>
@@ -1001,7 +1728,7 @@
           <a:p>
             <a:fld id="{D23F596F-AE3B-CB49-A71A-0B549FB29E75}" type="slidenum">
               <a:rPr lang="en-US" smtClean="0"/>
-              <a:t>45</a:t>
+              <a:t>46</a:t>
             </a:fld>
             <a:endParaRPr lang="en-US"/>
           </a:p>
@@ -1085,7 +1812,7 @@
           <a:p>
             <a:fld id="{D23F596F-AE3B-CB49-A71A-0B549FB29E75}" type="slidenum">
               <a:rPr lang="en-US" smtClean="0"/>
-              <a:t>13</a:t>
+              <a:t>14</a:t>
             </a:fld>
             <a:endParaRPr lang="en-US"/>
           </a:p>
@@ -1180,7 +1907,7 @@
           <a:p>
             <a:fld id="{D23F596F-AE3B-CB49-A71A-0B549FB29E75}" type="slidenum">
               <a:rPr lang="en-US" smtClean="0"/>
-              <a:t>14</a:t>
+              <a:t>15</a:t>
             </a:fld>
             <a:endParaRPr lang="en-US"/>
           </a:p>
@@ -1267,7 +1994,7 @@
           <a:p>
             <a:fld id="{D23F596F-AE3B-CB49-A71A-0B549FB29E75}" type="slidenum">
               <a:rPr lang="en-US" smtClean="0"/>
-              <a:t>16</a:t>
+              <a:t>17</a:t>
             </a:fld>
             <a:endParaRPr lang="en-US"/>
           </a:p>
@@ -1351,7 +2078,7 @@
           <a:p>
             <a:fld id="{D23F596F-AE3B-CB49-A71A-0B549FB29E75}" type="slidenum">
               <a:rPr lang="en-US" smtClean="0"/>
-              <a:t>19</a:t>
+              <a:t>20</a:t>
             </a:fld>
             <a:endParaRPr lang="en-US"/>
           </a:p>
@@ -1435,7 +2162,7 @@
           <a:p>
             <a:fld id="{D23F596F-AE3B-CB49-A71A-0B549FB29E75}" type="slidenum">
               <a:rPr lang="en-US" smtClean="0"/>
-              <a:t>21</a:t>
+              <a:t>22</a:t>
             </a:fld>
             <a:endParaRPr lang="en-US"/>
           </a:p>
@@ -1519,7 +2246,7 @@
           <a:p>
             <a:fld id="{A3F83B88-D72D-4BE1-B4FE-0489C6C5AFAA}" type="slidenum">
               <a:rPr lang="en-US" smtClean="0"/>
-              <a:t>33</a:t>
+              <a:t>34</a:t>
             </a:fld>
             <a:endParaRPr lang="en-US"/>
           </a:p>
@@ -1606,7 +2333,7 @@
           <a:p>
             <a:fld id="{D23F596F-AE3B-CB49-A71A-0B549FB29E75}" type="slidenum">
               <a:rPr lang="en-US" smtClean="0"/>
-              <a:t>35</a:t>
+              <a:t>36</a:t>
             </a:fld>
             <a:endParaRPr lang="en-US"/>
           </a:p>
@@ -1693,7 +2420,7 @@
           <a:p>
             <a:fld id="{D23F596F-AE3B-CB49-A71A-0B549FB29E75}" type="slidenum">
               <a:rPr lang="en-US" smtClean="0"/>
-              <a:t>37</a:t>
+              <a:t>38</a:t>
             </a:fld>
             <a:endParaRPr lang="en-US"/>
           </a:p>
@@ -3458,13 +4185,13 @@
         </p:nvSpPr>
         <p:spPr>
           <a:xfrm>
-            <a:off x="497711" y="1253331"/>
+            <a:off x="497711" y="1690688"/>
             <a:ext cx="10856089" cy="4351338"/>
           </a:xfrm>
         </p:spPr>
         <p:txBody>
           <a:bodyPr>
-            <a:normAutofit fontScale="92500" lnSpcReduction="20000"/>
+            <a:normAutofit/>
           </a:bodyPr>
           <a:lstStyle/>
           <a:p>
@@ -3473,7 +4200,7 @@
             </a:pPr>
             <a:r>
               <a:rPr lang="en-GB" sz="7200" dirty="0"/>
-              <a:t>Previous Lecture:</a:t>
+              <a:t>What are the main components of ML and </a:t>
             </a:r>
           </a:p>
           <a:p>
@@ -3482,31 +4209,7 @@
             </a:pPr>
             <a:r>
               <a:rPr lang="en-GB" sz="7200" dirty="0"/>
-              <a:t>Networked Data and Models</a:t>
-            </a:r>
-          </a:p>
-          <a:p>
-            <a:pPr marL="0" indent="0">
-              <a:buNone/>
-            </a:pPr>
-            <a:endParaRPr lang="en-GB" sz="7200" dirty="0"/>
-          </a:p>
-          <a:p>
-            <a:pPr marL="0" indent="0">
-              <a:buNone/>
-            </a:pPr>
-            <a:r>
-              <a:rPr lang="en-GB" sz="7200" dirty="0"/>
-              <a:t>Today: </a:t>
-            </a:r>
-          </a:p>
-          <a:p>
-            <a:pPr marL="0" indent="0">
-              <a:buNone/>
-            </a:pPr>
-            <a:r>
-              <a:rPr lang="en-GB" sz="7200" dirty="0"/>
-              <a:t>Loss and Optimization </a:t>
+              <a:t>how are they combined?</a:t>
             </a:r>
           </a:p>
         </p:txBody>
@@ -3564,6 +4267,165 @@
             <a:fld id="{6FD98A76-ED6B-D54E-BABE-E8A9BFC6A4C6}" type="slidenum">
               <a:rPr lang="en-GB" sz="2400" smtClean="0"/>
               <a:t>10</a:t>
+            </a:fld>
+            <a:endParaRPr lang="en-GB" sz="2400" dirty="0"/>
+          </a:p>
+        </p:txBody>
+      </p:sp>
+    </p:spTree>
+    <p:extLst>
+      <p:ext uri="{BB962C8B-B14F-4D97-AF65-F5344CB8AC3E}">
+        <p14:creationId xmlns:p14="http://schemas.microsoft.com/office/powerpoint/2010/main" val="4262797932"/>
+      </p:ext>
+    </p:extLst>
+  </p:cSld>
+  <p:clrMapOvr>
+    <a:masterClrMapping/>
+  </p:clrMapOvr>
+</p:sld>
+</file>
+
+<file path=ppt/slides/slide11.xml><?xml version="1.0" encoding="utf-8"?>
+<p:sld xmlns:a="http://schemas.openxmlformats.org/drawingml/2006/main" xmlns:r="http://schemas.openxmlformats.org/officeDocument/2006/relationships" xmlns:p="http://schemas.openxmlformats.org/presentationml/2006/main">
+  <p:cSld>
+    <p:spTree>
+      <p:nvGrpSpPr>
+        <p:cNvPr id="1" name=""/>
+        <p:cNvGrpSpPr/>
+        <p:nvPr/>
+      </p:nvGrpSpPr>
+      <p:grpSpPr>
+        <a:xfrm>
+          <a:off x="0" y="0"/>
+          <a:ext cx="0" cy="0"/>
+          <a:chOff x="0" y="0"/>
+          <a:chExt cx="0" cy="0"/>
+        </a:xfrm>
+      </p:grpSpPr>
+      <p:sp>
+        <p:nvSpPr>
+          <p:cNvPr id="3" name="Content Placeholder 2">
+            <a:extLst>
+              <a:ext uri="{FF2B5EF4-FFF2-40B4-BE49-F238E27FC236}">
+                <a16:creationId xmlns:a16="http://schemas.microsoft.com/office/drawing/2014/main" id="{B712E454-1C7A-DE49-19E1-1793387AE2C0}"/>
+              </a:ext>
+            </a:extLst>
+          </p:cNvPr>
+          <p:cNvSpPr>
+            <a:spLocks noGrp="1"/>
+          </p:cNvSpPr>
+          <p:nvPr>
+            <p:ph idx="1"/>
+          </p:nvPr>
+        </p:nvSpPr>
+        <p:spPr>
+          <a:xfrm>
+            <a:off x="497711" y="1253331"/>
+            <a:ext cx="10856089" cy="4351338"/>
+          </a:xfrm>
+        </p:spPr>
+        <p:txBody>
+          <a:bodyPr>
+            <a:normAutofit fontScale="92500" lnSpcReduction="20000"/>
+          </a:bodyPr>
+          <a:lstStyle/>
+          <a:p>
+            <a:pPr marL="0" indent="0">
+              <a:buNone/>
+            </a:pPr>
+            <a:r>
+              <a:rPr lang="en-GB" sz="7200" dirty="0"/>
+              <a:t>Previous Lecture:</a:t>
+            </a:r>
+          </a:p>
+          <a:p>
+            <a:pPr marL="0" indent="0">
+              <a:buNone/>
+            </a:pPr>
+            <a:r>
+              <a:rPr lang="en-GB" sz="7200" dirty="0"/>
+              <a:t>Networked Data and Models</a:t>
+            </a:r>
+          </a:p>
+          <a:p>
+            <a:pPr marL="0" indent="0">
+              <a:buNone/>
+            </a:pPr>
+            <a:endParaRPr lang="en-GB" sz="7200" dirty="0"/>
+          </a:p>
+          <a:p>
+            <a:pPr marL="0" indent="0">
+              <a:buNone/>
+            </a:pPr>
+            <a:r>
+              <a:rPr lang="en-GB" sz="7200" dirty="0"/>
+              <a:t>Today: </a:t>
+            </a:r>
+          </a:p>
+          <a:p>
+            <a:pPr marL="0" indent="0">
+              <a:buNone/>
+            </a:pPr>
+            <a:r>
+              <a:rPr lang="en-GB" sz="7200" dirty="0"/>
+              <a:t>Loss and Optimization </a:t>
+            </a:r>
+          </a:p>
+        </p:txBody>
+      </p:sp>
+      <p:sp>
+        <p:nvSpPr>
+          <p:cNvPr id="4" name="Date Placeholder 3">
+            <a:extLst>
+              <a:ext uri="{FF2B5EF4-FFF2-40B4-BE49-F238E27FC236}">
+                <a16:creationId xmlns:a16="http://schemas.microsoft.com/office/drawing/2014/main" id="{92A45018-1596-77FC-60B1-76D89CB1E96C}"/>
+              </a:ext>
+            </a:extLst>
+          </p:cNvPr>
+          <p:cNvSpPr>
+            <a:spLocks noGrp="1"/>
+          </p:cNvSpPr>
+          <p:nvPr>
+            <p:ph type="dt" sz="half" idx="10"/>
+          </p:nvPr>
+        </p:nvSpPr>
+        <p:spPr/>
+        <p:txBody>
+          <a:bodyPr/>
+          <a:lstStyle/>
+          <a:p>
+            <a:fld id="{09C2894A-47FF-4D4A-84EA-3327DF49E5B5}" type="datetime1">
+              <a:rPr lang="en-US" sz="2400" smtClean="0"/>
+              <a:t>3/22/23</a:t>
+            </a:fld>
+            <a:endParaRPr lang="en-GB" sz="2400" dirty="0"/>
+          </a:p>
+        </p:txBody>
+      </p:sp>
+      <p:sp>
+        <p:nvSpPr>
+          <p:cNvPr id="5" name="Slide Number Placeholder 4">
+            <a:extLst>
+              <a:ext uri="{FF2B5EF4-FFF2-40B4-BE49-F238E27FC236}">
+                <a16:creationId xmlns:a16="http://schemas.microsoft.com/office/drawing/2014/main" id="{2103CC7C-91ED-326C-25F2-E85DB5F3BD71}"/>
+              </a:ext>
+            </a:extLst>
+          </p:cNvPr>
+          <p:cNvSpPr>
+            <a:spLocks noGrp="1"/>
+          </p:cNvSpPr>
+          <p:nvPr>
+            <p:ph type="sldNum" sz="quarter" idx="12"/>
+          </p:nvPr>
+        </p:nvSpPr>
+        <p:spPr/>
+        <p:txBody>
+          <a:bodyPr/>
+          <a:lstStyle/>
+          <a:p>
+            <a:fld id="{6FD98A76-ED6B-D54E-BABE-E8A9BFC6A4C6}" type="slidenum">
+              <a:rPr lang="en-GB" sz="2400" smtClean="0"/>
+              <a:t>11</a:t>
             </a:fld>
             <a:endParaRPr lang="en-GB" sz="2400" dirty="0"/>
           </a:p>
@@ -3582,7 +4444,7 @@
 </p:sld>
 </file>
 
-<file path=ppt/slides/slide11.xml><?xml version="1.0" encoding="utf-8"?>
+<file path=ppt/slides/slide12.xml><?xml version="1.0" encoding="utf-8"?>
 <p:sld xmlns:a="http://schemas.openxmlformats.org/drawingml/2006/main" xmlns:r="http://schemas.openxmlformats.org/officeDocument/2006/relationships" xmlns:p="http://schemas.openxmlformats.org/presentationml/2006/main">
   <p:cSld>
     <p:spTree>
@@ -3653,7 +4515,7 @@
           <a:p>
             <a:fld id="{86CB4B4D-7CA3-9044-876B-883B54F8677D}" type="slidenum">
               <a:rPr lang="en-FI" smtClean="0"/>
-              <a:t>11</a:t>
+              <a:t>12</a:t>
             </a:fld>
             <a:endParaRPr lang="en-FI"/>
           </a:p>
@@ -3750,7 +4612,7 @@
 </p:sld>
 </file>
 
-<file path=ppt/slides/slide12.xml><?xml version="1.0" encoding="utf-8"?>
+<file path=ppt/slides/slide13.xml><?xml version="1.0" encoding="utf-8"?>
 <p:sld xmlns:a="http://schemas.openxmlformats.org/drawingml/2006/main" xmlns:r="http://schemas.openxmlformats.org/officeDocument/2006/relationships" xmlns:p="http://schemas.openxmlformats.org/presentationml/2006/main">
   <p:cSld>
     <p:spTree>
@@ -3827,7 +4689,7 @@
           <a:p>
             <a:fld id="{D75B69EA-F5F3-9148-B3D2-85669F9D4A27}" type="slidenum">
               <a:rPr lang="en-US" smtClean="0"/>
-              <a:t>12</a:t>
+              <a:t>13</a:t>
             </a:fld>
             <a:endParaRPr lang="en-US" dirty="0"/>
           </a:p>
@@ -4780,6 +5642,57 @@
           </p:sp>
         </mc:Fallback>
       </mc:AlternateContent>
+      <mc:AlternateContent xmlns:mc="http://schemas.openxmlformats.org/markup-compatibility/2006">
+        <mc:Choice xmlns:p14="http://schemas.microsoft.com/office/powerpoint/2010/main" Requires="p14">
+          <p:contentPart p14:bwMode="auto" r:id="rId9">
+            <p14:nvContentPartPr>
+              <p14:cNvPr id="18" name="Ink 17">
+                <a:extLst>
+                  <a:ext uri="{FF2B5EF4-FFF2-40B4-BE49-F238E27FC236}">
+                    <a16:creationId xmlns:a16="http://schemas.microsoft.com/office/drawing/2014/main" id="{01FCFBB7-3D26-E2CC-A3BB-9FAAA21993B4}"/>
+                  </a:ext>
+                </a:extLst>
+              </p14:cNvPr>
+              <p14:cNvContentPartPr/>
+              <p14:nvPr/>
+            </p14:nvContentPartPr>
+            <p14:xfrm>
+              <a:off x="2950200" y="2943000"/>
+              <a:ext cx="1284480" cy="910800"/>
+            </p14:xfrm>
+          </p:contentPart>
+        </mc:Choice>
+        <mc:Fallback>
+          <p:pic>
+            <p:nvPicPr>
+              <p:cNvPr id="18" name="Ink 17">
+                <a:extLst>
+                  <a:ext uri="{FF2B5EF4-FFF2-40B4-BE49-F238E27FC236}">
+                    <a16:creationId xmlns:a16="http://schemas.microsoft.com/office/drawing/2014/main" id="{01FCFBB7-3D26-E2CC-A3BB-9FAAA21993B4}"/>
+                  </a:ext>
+                </a:extLst>
+              </p:cNvPr>
+              <p:cNvPicPr/>
+              <p:nvPr/>
+            </p:nvPicPr>
+            <p:blipFill>
+              <a:blip r:embed="rId10"/>
+              <a:stretch>
+                <a:fillRect/>
+              </a:stretch>
+            </p:blipFill>
+            <p:spPr>
+              <a:xfrm>
+                <a:off x="2940840" y="2933640"/>
+                <a:ext cx="1303200" cy="929520"/>
+              </a:xfrm>
+              <a:prstGeom prst="rect">
+                <a:avLst/>
+              </a:prstGeom>
+            </p:spPr>
+          </p:pic>
+        </mc:Fallback>
+      </mc:AlternateContent>
     </p:spTree>
     <p:extLst>
       <p:ext uri="{BB962C8B-B14F-4D97-AF65-F5344CB8AC3E}">
@@ -4793,7 +5706,7 @@
 </p:sld>
 </file>
 
-<file path=ppt/slides/slide13.xml><?xml version="1.0" encoding="utf-8"?>
+<file path=ppt/slides/slide14.xml><?xml version="1.0" encoding="utf-8"?>
 <p:sld xmlns:a="http://schemas.openxmlformats.org/drawingml/2006/main" xmlns:r="http://schemas.openxmlformats.org/officeDocument/2006/relationships" xmlns:p="http://schemas.openxmlformats.org/presentationml/2006/main">
   <p:cSld>
     <p:spTree>
@@ -4900,7 +5813,7 @@
           <a:p>
             <a:fld id="{D75B69EA-F5F3-9148-B3D2-85669F9D4A27}" type="slidenum">
               <a:rPr lang="en-US" smtClean="0"/>
-              <a:t>13</a:t>
+              <a:t>14</a:t>
             </a:fld>
             <a:endParaRPr lang="en-US"/>
           </a:p>
@@ -5698,6 +6611,57 @@
           </p:sp>
         </mc:Fallback>
       </mc:AlternateContent>
+      <mc:AlternateContent xmlns:mc="http://schemas.openxmlformats.org/markup-compatibility/2006">
+        <mc:Choice xmlns:p14="http://schemas.microsoft.com/office/powerpoint/2010/main" Requires="p14">
+          <p:contentPart p14:bwMode="auto" r:id="rId5">
+            <p14:nvContentPartPr>
+              <p14:cNvPr id="18" name="Ink 17">
+                <a:extLst>
+                  <a:ext uri="{FF2B5EF4-FFF2-40B4-BE49-F238E27FC236}">
+                    <a16:creationId xmlns:a16="http://schemas.microsoft.com/office/drawing/2014/main" id="{2528EDE1-BFFD-5613-100C-B40D20DCB1AA}"/>
+                  </a:ext>
+                </a:extLst>
+              </p14:cNvPr>
+              <p14:cNvContentPartPr/>
+              <p14:nvPr/>
+            </p14:nvContentPartPr>
+            <p14:xfrm>
+              <a:off x="4119120" y="1700280"/>
+              <a:ext cx="1962360" cy="4033800"/>
+            </p14:xfrm>
+          </p:contentPart>
+        </mc:Choice>
+        <mc:Fallback>
+          <p:pic>
+            <p:nvPicPr>
+              <p:cNvPr id="18" name="Ink 17">
+                <a:extLst>
+                  <a:ext uri="{FF2B5EF4-FFF2-40B4-BE49-F238E27FC236}">
+                    <a16:creationId xmlns:a16="http://schemas.microsoft.com/office/drawing/2014/main" id="{2528EDE1-BFFD-5613-100C-B40D20DCB1AA}"/>
+                  </a:ext>
+                </a:extLst>
+              </p:cNvPr>
+              <p:cNvPicPr/>
+              <p:nvPr/>
+            </p:nvPicPr>
+            <p:blipFill>
+              <a:blip r:embed="rId6"/>
+              <a:stretch>
+                <a:fillRect/>
+              </a:stretch>
+            </p:blipFill>
+            <p:spPr>
+              <a:xfrm>
+                <a:off x="4109760" y="1690920"/>
+                <a:ext cx="1981080" cy="4052520"/>
+              </a:xfrm>
+              <a:prstGeom prst="rect">
+                <a:avLst/>
+              </a:prstGeom>
+            </p:spPr>
+          </p:pic>
+        </mc:Fallback>
+      </mc:AlternateContent>
     </p:spTree>
     <p:extLst>
       <p:ext uri="{BB962C8B-B14F-4D97-AF65-F5344CB8AC3E}">
@@ -5711,7 +6675,7 @@
 </p:sld>
 </file>
 
-<file path=ppt/slides/slide14.xml><?xml version="1.0" encoding="utf-8"?>
+<file path=ppt/slides/slide15.xml><?xml version="1.0" encoding="utf-8"?>
 <p:sld xmlns:a="http://schemas.openxmlformats.org/drawingml/2006/main" xmlns:r="http://schemas.openxmlformats.org/officeDocument/2006/relationships" xmlns:p="http://schemas.openxmlformats.org/presentationml/2006/main">
   <p:cSld>
     <p:spTree>
@@ -5818,7 +6782,7 @@
           <a:p>
             <a:fld id="{D75B69EA-F5F3-9148-B3D2-85669F9D4A27}" type="slidenum">
               <a:rPr lang="en-US" smtClean="0"/>
-              <a:t>14</a:t>
+              <a:t>15</a:t>
             </a:fld>
             <a:endParaRPr lang="en-US"/>
           </a:p>
@@ -6536,6 +7500,57 @@
           </p:sp>
         </mc:Fallback>
       </mc:AlternateContent>
+      <mc:AlternateContent xmlns:mc="http://schemas.openxmlformats.org/markup-compatibility/2006">
+        <mc:Choice xmlns:p14="http://schemas.microsoft.com/office/powerpoint/2010/main" Requires="p14">
+          <p:contentPart p14:bwMode="auto" r:id="rId6">
+            <p14:nvContentPartPr>
+              <p14:cNvPr id="19" name="Ink 18">
+                <a:extLst>
+                  <a:ext uri="{FF2B5EF4-FFF2-40B4-BE49-F238E27FC236}">
+                    <a16:creationId xmlns:a16="http://schemas.microsoft.com/office/drawing/2014/main" id="{03045FCC-86A4-5E33-DB31-59A6ECCC48B0}"/>
+                  </a:ext>
+                </a:extLst>
+              </p14:cNvPr>
+              <p14:cNvContentPartPr/>
+              <p14:nvPr/>
+            </p14:nvContentPartPr>
+            <p14:xfrm>
+              <a:off x="8202240" y="1969200"/>
+              <a:ext cx="2673000" cy="1951200"/>
+            </p14:xfrm>
+          </p:contentPart>
+        </mc:Choice>
+        <mc:Fallback>
+          <p:pic>
+            <p:nvPicPr>
+              <p:cNvPr id="19" name="Ink 18">
+                <a:extLst>
+                  <a:ext uri="{FF2B5EF4-FFF2-40B4-BE49-F238E27FC236}">
+                    <a16:creationId xmlns:a16="http://schemas.microsoft.com/office/drawing/2014/main" id="{03045FCC-86A4-5E33-DB31-59A6ECCC48B0}"/>
+                  </a:ext>
+                </a:extLst>
+              </p:cNvPr>
+              <p:cNvPicPr/>
+              <p:nvPr/>
+            </p:nvPicPr>
+            <p:blipFill>
+              <a:blip r:embed="rId7"/>
+              <a:stretch>
+                <a:fillRect/>
+              </a:stretch>
+            </p:blipFill>
+            <p:spPr>
+              <a:xfrm>
+                <a:off x="8192880" y="1959840"/>
+                <a:ext cx="2691720" cy="1969920"/>
+              </a:xfrm>
+              <a:prstGeom prst="rect">
+                <a:avLst/>
+              </a:prstGeom>
+            </p:spPr>
+          </p:pic>
+        </mc:Fallback>
+      </mc:AlternateContent>
     </p:spTree>
     <p:extLst>
       <p:ext uri="{BB962C8B-B14F-4D97-AF65-F5344CB8AC3E}">
@@ -6549,7 +7564,7 @@
 </p:sld>
 </file>
 
-<file path=ppt/slides/slide15.xml><?xml version="1.0" encoding="utf-8"?>
+<file path=ppt/slides/slide16.xml><?xml version="1.0" encoding="utf-8"?>
 <p:sld xmlns:a="http://schemas.openxmlformats.org/drawingml/2006/main" xmlns:r="http://schemas.openxmlformats.org/officeDocument/2006/relationships" xmlns:p="http://schemas.openxmlformats.org/presentationml/2006/main">
   <p:cSld>
     <p:spTree>
@@ -6618,7 +7633,7 @@
           <a:p>
             <a:fld id="{6FD98A76-ED6B-D54E-BABE-E8A9BFC6A4C6}" type="slidenum">
               <a:rPr lang="en-GB" smtClean="0"/>
-              <a:t>15</a:t>
+              <a:t>16</a:t>
             </a:fld>
             <a:endParaRPr lang="en-GB"/>
           </a:p>
@@ -6772,6 +7787,57 @@
           </a:p>
         </p:txBody>
       </p:sp>
+      <mc:AlternateContent xmlns:mc="http://schemas.openxmlformats.org/markup-compatibility/2006">
+        <mc:Choice xmlns:p14="http://schemas.microsoft.com/office/powerpoint/2010/main" Requires="p14">
+          <p:contentPart p14:bwMode="auto" r:id="rId3">
+            <p14:nvContentPartPr>
+              <p14:cNvPr id="7" name="Ink 6">
+                <a:extLst>
+                  <a:ext uri="{FF2B5EF4-FFF2-40B4-BE49-F238E27FC236}">
+                    <a16:creationId xmlns:a16="http://schemas.microsoft.com/office/drawing/2014/main" id="{AA93A2D6-4E77-C832-ABE8-FBBC92714115}"/>
+                  </a:ext>
+                </a:extLst>
+              </p14:cNvPr>
+              <p14:cNvContentPartPr/>
+              <p14:nvPr/>
+            </p14:nvContentPartPr>
+            <p14:xfrm>
+              <a:off x="3060360" y="1033200"/>
+              <a:ext cx="3485520" cy="862200"/>
+            </p14:xfrm>
+          </p:contentPart>
+        </mc:Choice>
+        <mc:Fallback>
+          <p:pic>
+            <p:nvPicPr>
+              <p:cNvPr id="7" name="Ink 6">
+                <a:extLst>
+                  <a:ext uri="{FF2B5EF4-FFF2-40B4-BE49-F238E27FC236}">
+                    <a16:creationId xmlns:a16="http://schemas.microsoft.com/office/drawing/2014/main" id="{AA93A2D6-4E77-C832-ABE8-FBBC92714115}"/>
+                  </a:ext>
+                </a:extLst>
+              </p:cNvPr>
+              <p:cNvPicPr/>
+              <p:nvPr/>
+            </p:nvPicPr>
+            <p:blipFill>
+              <a:blip r:embed="rId4"/>
+              <a:stretch>
+                <a:fillRect/>
+              </a:stretch>
+            </p:blipFill>
+            <p:spPr>
+              <a:xfrm>
+                <a:off x="3051000" y="1023840"/>
+                <a:ext cx="3504240" cy="880920"/>
+              </a:xfrm>
+              <a:prstGeom prst="rect">
+                <a:avLst/>
+              </a:prstGeom>
+            </p:spPr>
+          </p:pic>
+        </mc:Fallback>
+      </mc:AlternateContent>
     </p:spTree>
     <p:extLst>
       <p:ext uri="{BB962C8B-B14F-4D97-AF65-F5344CB8AC3E}">
@@ -6785,7 +7851,7 @@
 </p:sld>
 </file>
 
-<file path=ppt/slides/slide16.xml><?xml version="1.0" encoding="utf-8"?>
+<file path=ppt/slides/slide17.xml><?xml version="1.0" encoding="utf-8"?>
 <p:sld xmlns:a="http://schemas.openxmlformats.org/drawingml/2006/main" xmlns:r="http://schemas.openxmlformats.org/officeDocument/2006/relationships" xmlns:p="http://schemas.openxmlformats.org/presentationml/2006/main">
   <p:cSld>
     <p:spTree>
@@ -6892,7 +7958,7 @@
           <a:p>
             <a:fld id="{D75B69EA-F5F3-9148-B3D2-85669F9D4A27}" type="slidenum">
               <a:rPr lang="en-US" smtClean="0"/>
-              <a:t>16</a:t>
+              <a:t>17</a:t>
             </a:fld>
             <a:endParaRPr lang="en-US"/>
           </a:p>
@@ -8353,6 +9419,57 @@
           </p:sp>
         </mc:Fallback>
       </mc:AlternateContent>
+      <mc:AlternateContent xmlns:mc="http://schemas.openxmlformats.org/markup-compatibility/2006">
+        <mc:Choice xmlns:p14="http://schemas.microsoft.com/office/powerpoint/2010/main" Requires="p14">
+          <p:contentPart p14:bwMode="auto" r:id="rId9">
+            <p14:nvContentPartPr>
+              <p14:cNvPr id="10" name="Ink 9">
+                <a:extLst>
+                  <a:ext uri="{FF2B5EF4-FFF2-40B4-BE49-F238E27FC236}">
+                    <a16:creationId xmlns:a16="http://schemas.microsoft.com/office/drawing/2014/main" id="{F122B376-CAA4-ECBA-4F0C-0DAD196338C0}"/>
+                  </a:ext>
+                </a:extLst>
+              </p14:cNvPr>
+              <p14:cNvContentPartPr/>
+              <p14:nvPr/>
+            </p14:nvContentPartPr>
+            <p14:xfrm>
+              <a:off x="4628520" y="2877120"/>
+              <a:ext cx="2435040" cy="2719440"/>
+            </p14:xfrm>
+          </p:contentPart>
+        </mc:Choice>
+        <mc:Fallback>
+          <p:pic>
+            <p:nvPicPr>
+              <p:cNvPr id="10" name="Ink 9">
+                <a:extLst>
+                  <a:ext uri="{FF2B5EF4-FFF2-40B4-BE49-F238E27FC236}">
+                    <a16:creationId xmlns:a16="http://schemas.microsoft.com/office/drawing/2014/main" id="{F122B376-CAA4-ECBA-4F0C-0DAD196338C0}"/>
+                  </a:ext>
+                </a:extLst>
+              </p:cNvPr>
+              <p:cNvPicPr/>
+              <p:nvPr/>
+            </p:nvPicPr>
+            <p:blipFill>
+              <a:blip r:embed="rId10"/>
+              <a:stretch>
+                <a:fillRect/>
+              </a:stretch>
+            </p:blipFill>
+            <p:spPr>
+              <a:xfrm>
+                <a:off x="4619160" y="2867760"/>
+                <a:ext cx="2453760" cy="2738160"/>
+              </a:xfrm>
+              <a:prstGeom prst="rect">
+                <a:avLst/>
+              </a:prstGeom>
+            </p:spPr>
+          </p:pic>
+        </mc:Fallback>
+      </mc:AlternateContent>
     </p:spTree>
     <p:extLst>
       <p:ext uri="{BB962C8B-B14F-4D97-AF65-F5344CB8AC3E}">
@@ -8366,7 +9483,7 @@
 </p:sld>
 </file>
 
-<file path=ppt/slides/slide17.xml><?xml version="1.0" encoding="utf-8"?>
+<file path=ppt/slides/slide18.xml><?xml version="1.0" encoding="utf-8"?>
 <p:sld xmlns:a="http://schemas.openxmlformats.org/drawingml/2006/main" xmlns:r="http://schemas.openxmlformats.org/officeDocument/2006/relationships" xmlns:p="http://schemas.openxmlformats.org/presentationml/2006/main">
   <p:cSld>
     <p:spTree>
@@ -8444,7 +9561,7 @@
             <a:fld id="{D75B69EA-F5F3-9148-B3D2-85669F9D4A27}" type="slidenum">
               <a:rPr lang="en-US" smtClean="0"/>
               <a:pPr/>
-              <a:t>17</a:t>
+              <a:t>18</a:t>
             </a:fld>
             <a:endParaRPr lang="en-US" dirty="0"/>
           </a:p>
@@ -9143,266 +10260,61 @@
           </a:p>
         </p:txBody>
       </p:sp>
+      <mc:AlternateContent xmlns:mc="http://schemas.openxmlformats.org/markup-compatibility/2006">
+        <mc:Choice xmlns:p14="http://schemas.microsoft.com/office/powerpoint/2010/main" Requires="p14">
+          <p:contentPart p14:bwMode="auto" r:id="rId5">
+            <p14:nvContentPartPr>
+              <p14:cNvPr id="6" name="Ink 5">
+                <a:extLst>
+                  <a:ext uri="{FF2B5EF4-FFF2-40B4-BE49-F238E27FC236}">
+                    <a16:creationId xmlns:a16="http://schemas.microsoft.com/office/drawing/2014/main" id="{C8D472E6-19EA-1533-1280-BF4CF79AD730}"/>
+                  </a:ext>
+                </a:extLst>
+              </p14:cNvPr>
+              <p14:cNvContentPartPr/>
+              <p14:nvPr/>
+            </p14:nvContentPartPr>
+            <p14:xfrm>
+              <a:off x="-360" y="1328040"/>
+              <a:ext cx="8258040" cy="5229360"/>
+            </p14:xfrm>
+          </p:contentPart>
+        </mc:Choice>
+        <mc:Fallback>
+          <p:pic>
+            <p:nvPicPr>
+              <p:cNvPr id="6" name="Ink 5">
+                <a:extLst>
+                  <a:ext uri="{FF2B5EF4-FFF2-40B4-BE49-F238E27FC236}">
+                    <a16:creationId xmlns:a16="http://schemas.microsoft.com/office/drawing/2014/main" id="{C8D472E6-19EA-1533-1280-BF4CF79AD730}"/>
+                  </a:ext>
+                </a:extLst>
+              </p:cNvPr>
+              <p:cNvPicPr/>
+              <p:nvPr/>
+            </p:nvPicPr>
+            <p:blipFill>
+              <a:blip r:embed="rId6"/>
+              <a:stretch>
+                <a:fillRect/>
+              </a:stretch>
+            </p:blipFill>
+            <p:spPr>
+              <a:xfrm>
+                <a:off x="-9720" y="1318680"/>
+                <a:ext cx="8276760" cy="5248080"/>
+              </a:xfrm>
+              <a:prstGeom prst="rect">
+                <a:avLst/>
+              </a:prstGeom>
+            </p:spPr>
+          </p:pic>
+        </mc:Fallback>
+      </mc:AlternateContent>
     </p:spTree>
     <p:extLst>
       <p:ext uri="{BB962C8B-B14F-4D97-AF65-F5344CB8AC3E}">
         <p14:creationId xmlns:p14="http://schemas.microsoft.com/office/powerpoint/2010/main" val="470600736"/>
-      </p:ext>
-    </p:extLst>
-  </p:cSld>
-  <p:clrMapOvr>
-    <a:masterClrMapping/>
-  </p:clrMapOvr>
-</p:sld>
-</file>
-
-<file path=ppt/slides/slide18.xml><?xml version="1.0" encoding="utf-8"?>
-<p:sld xmlns:a="http://schemas.openxmlformats.org/drawingml/2006/main" xmlns:r="http://schemas.openxmlformats.org/officeDocument/2006/relationships" xmlns:p="http://schemas.openxmlformats.org/presentationml/2006/main">
-  <p:cSld>
-    <p:spTree>
-      <p:nvGrpSpPr>
-        <p:cNvPr id="1" name=""/>
-        <p:cNvGrpSpPr/>
-        <p:nvPr/>
-      </p:nvGrpSpPr>
-      <p:grpSpPr>
-        <a:xfrm>
-          <a:off x="0" y="0"/>
-          <a:ext cx="0" cy="0"/>
-          <a:chOff x="0" y="0"/>
-          <a:chExt cx="0" cy="0"/>
-        </a:xfrm>
-      </p:grpSpPr>
-      <p:sp>
-        <p:nvSpPr>
-          <p:cNvPr id="2" name="Title 1">
-            <a:extLst>
-              <a:ext uri="{FF2B5EF4-FFF2-40B4-BE49-F238E27FC236}">
-                <a16:creationId xmlns:a16="http://schemas.microsoft.com/office/drawing/2014/main" id="{1B3D9B9F-DF9D-FF4B-AD81-6E13E697543B}"/>
-              </a:ext>
-            </a:extLst>
-          </p:cNvPr>
-          <p:cNvSpPr>
-            <a:spLocks noGrp="1"/>
-          </p:cNvSpPr>
-          <p:nvPr>
-            <p:ph type="title"/>
-          </p:nvPr>
-        </p:nvSpPr>
-        <p:spPr>
-          <a:xfrm>
-            <a:off x="1092004" y="160480"/>
-            <a:ext cx="8299646" cy="1687369"/>
-          </a:xfrm>
-        </p:spPr>
-        <p:txBody>
-          <a:bodyPr>
-            <a:normAutofit/>
-          </a:bodyPr>
-          <a:lstStyle/>
-          <a:p>
-            <a:r>
-              <a:rPr lang="en-US" sz="6000" b="1" dirty="0">
-                <a:latin typeface="+mn-lt"/>
-              </a:rPr>
-              <a:t>Two Special Cases of GTV </a:t>
-            </a:r>
-          </a:p>
-        </p:txBody>
-      </p:sp>
-      <p:sp>
-        <p:nvSpPr>
-          <p:cNvPr id="3" name="Slide Number Placeholder 2">
-            <a:extLst>
-              <a:ext uri="{FF2B5EF4-FFF2-40B4-BE49-F238E27FC236}">
-                <a16:creationId xmlns:a16="http://schemas.microsoft.com/office/drawing/2014/main" id="{586329B8-615A-7647-98FD-7D365CE2492C}"/>
-              </a:ext>
-            </a:extLst>
-          </p:cNvPr>
-          <p:cNvSpPr>
-            <a:spLocks noGrp="1"/>
-          </p:cNvSpPr>
-          <p:nvPr>
-            <p:ph type="sldNum" sz="quarter" idx="12"/>
-          </p:nvPr>
-        </p:nvSpPr>
-        <p:spPr/>
-        <p:txBody>
-          <a:bodyPr/>
-          <a:lstStyle/>
-          <a:p>
-            <a:fld id="{D75B69EA-F5F3-9148-B3D2-85669F9D4A27}" type="slidenum">
-              <a:rPr lang="en-US" smtClean="0"/>
-              <a:pPr/>
-              <a:t>18</a:t>
-            </a:fld>
-            <a:endParaRPr lang="en-US" dirty="0"/>
-          </a:p>
-        </p:txBody>
-      </p:sp>
-      <p:pic>
-        <p:nvPicPr>
-          <p:cNvPr id="6" name="Picture 5">
-            <a:extLst>
-              <a:ext uri="{FF2B5EF4-FFF2-40B4-BE49-F238E27FC236}">
-                <a16:creationId xmlns:a16="http://schemas.microsoft.com/office/drawing/2014/main" id="{3AC62D0A-0C7C-8E47-A310-491C86A0C6DC}"/>
-              </a:ext>
-            </a:extLst>
-          </p:cNvPr>
-          <p:cNvPicPr>
-            <a:picLocks noChangeAspect="1"/>
-          </p:cNvPicPr>
-          <p:nvPr/>
-        </p:nvPicPr>
-        <p:blipFill>
-          <a:blip r:embed="rId2"/>
-          <a:stretch>
-            <a:fillRect/>
-          </a:stretch>
-        </p:blipFill>
-        <p:spPr>
-          <a:xfrm>
-            <a:off x="4696414" y="2130942"/>
-            <a:ext cx="3002623" cy="581660"/>
-          </a:xfrm>
-          <a:prstGeom prst="rect">
-            <a:avLst/>
-          </a:prstGeom>
-        </p:spPr>
-      </p:pic>
-      <p:sp>
-        <p:nvSpPr>
-          <p:cNvPr id="4" name="TextBox 3">
-            <a:extLst>
-              <a:ext uri="{FF2B5EF4-FFF2-40B4-BE49-F238E27FC236}">
-                <a16:creationId xmlns:a16="http://schemas.microsoft.com/office/drawing/2014/main" id="{A8F4CB4B-E5A2-D249-A79D-6C5114E0F595}"/>
-              </a:ext>
-            </a:extLst>
-          </p:cNvPr>
-          <p:cNvSpPr txBox="1"/>
-          <p:nvPr/>
-        </p:nvSpPr>
-        <p:spPr>
-          <a:xfrm>
-            <a:off x="1091328" y="2123559"/>
-            <a:ext cx="3401637" cy="769441"/>
-          </a:xfrm>
-          <a:prstGeom prst="rect">
-            <a:avLst/>
-          </a:prstGeom>
-          <a:noFill/>
-        </p:spPr>
-        <p:txBody>
-          <a:bodyPr wrap="none" rtlCol="0">
-            <a:spAutoFit/>
-          </a:bodyPr>
-          <a:lstStyle/>
-          <a:p>
-            <a:r>
-              <a:rPr lang="en-US" sz="4400" dirty="0"/>
-              <a:t>total variation</a:t>
-            </a:r>
-          </a:p>
-        </p:txBody>
-      </p:sp>
-      <p:sp>
-        <p:nvSpPr>
-          <p:cNvPr id="22" name="TextBox 21">
-            <a:extLst>
-              <a:ext uri="{FF2B5EF4-FFF2-40B4-BE49-F238E27FC236}">
-                <a16:creationId xmlns:a16="http://schemas.microsoft.com/office/drawing/2014/main" id="{BE09A80D-AC60-4C4F-8D57-0A9DD8CE323B}"/>
-              </a:ext>
-            </a:extLst>
-          </p:cNvPr>
-          <p:cNvSpPr txBox="1"/>
-          <p:nvPr/>
-        </p:nvSpPr>
-        <p:spPr>
-          <a:xfrm>
-            <a:off x="1091328" y="3757753"/>
-            <a:ext cx="10009343" cy="769441"/>
-          </a:xfrm>
-          <a:prstGeom prst="rect">
-            <a:avLst/>
-          </a:prstGeom>
-          <a:noFill/>
-        </p:spPr>
-        <p:txBody>
-          <a:bodyPr wrap="none" rtlCol="0">
-            <a:spAutoFit/>
-          </a:bodyPr>
-          <a:lstStyle/>
-          <a:p>
-            <a:r>
-              <a:rPr lang="en-US" sz="4400" dirty="0"/>
-              <a:t>graph Laplacian quadratic from is GTV with</a:t>
-            </a:r>
-          </a:p>
-        </p:txBody>
-      </p:sp>
-      <p:pic>
-        <p:nvPicPr>
-          <p:cNvPr id="7" name="Picture 6">
-            <a:extLst>
-              <a:ext uri="{FF2B5EF4-FFF2-40B4-BE49-F238E27FC236}">
-                <a16:creationId xmlns:a16="http://schemas.microsoft.com/office/drawing/2014/main" id="{3AF91BC4-9BC7-E94C-A357-2630B7EB0DCA}"/>
-              </a:ext>
-            </a:extLst>
-          </p:cNvPr>
-          <p:cNvPicPr>
-            <a:picLocks noChangeAspect="1"/>
-          </p:cNvPicPr>
-          <p:nvPr/>
-        </p:nvPicPr>
-        <p:blipFill>
-          <a:blip r:embed="rId3"/>
-          <a:stretch>
-            <a:fillRect/>
-          </a:stretch>
-        </p:blipFill>
-        <p:spPr>
-          <a:xfrm>
-            <a:off x="4866971" y="4745617"/>
-            <a:ext cx="3010952" cy="646330"/>
-          </a:xfrm>
-          <a:prstGeom prst="rect">
-            <a:avLst/>
-          </a:prstGeom>
-        </p:spPr>
-      </p:pic>
-      <p:sp>
-        <p:nvSpPr>
-          <p:cNvPr id="8" name="Date Placeholder 7">
-            <a:extLst>
-              <a:ext uri="{FF2B5EF4-FFF2-40B4-BE49-F238E27FC236}">
-                <a16:creationId xmlns:a16="http://schemas.microsoft.com/office/drawing/2014/main" id="{E983B076-EE3E-724D-4170-587EA9A2C1A7}"/>
-              </a:ext>
-            </a:extLst>
-          </p:cNvPr>
-          <p:cNvSpPr>
-            <a:spLocks noGrp="1"/>
-          </p:cNvSpPr>
-          <p:nvPr>
-            <p:ph type="dt" sz="half" idx="10"/>
-          </p:nvPr>
-        </p:nvSpPr>
-        <p:spPr/>
-        <p:txBody>
-          <a:bodyPr/>
-          <a:lstStyle/>
-          <a:p>
-            <a:fld id="{1BC8F5E8-AB40-CF4A-BC2B-0E263ABCE182}" type="datetime1">
-              <a:rPr lang="en-US" smtClean="0"/>
-              <a:t>3/22/23</a:t>
-            </a:fld>
-            <a:endParaRPr lang="en-US" dirty="0"/>
-          </a:p>
-        </p:txBody>
-      </p:sp>
-    </p:spTree>
-    <p:extLst>
-      <p:ext uri="{BB962C8B-B14F-4D97-AF65-F5344CB8AC3E}">
-        <p14:creationId xmlns:p14="http://schemas.microsoft.com/office/powerpoint/2010/main" val="792639183"/>
       </p:ext>
     </p:extLst>
   </p:cSld>
@@ -9431,6 +10343,535 @@
       </p:grpSpPr>
       <p:sp>
         <p:nvSpPr>
+          <p:cNvPr id="2" name="Title 1">
+            <a:extLst>
+              <a:ext uri="{FF2B5EF4-FFF2-40B4-BE49-F238E27FC236}">
+                <a16:creationId xmlns:a16="http://schemas.microsoft.com/office/drawing/2014/main" id="{1B3D9B9F-DF9D-FF4B-AD81-6E13E697543B}"/>
+              </a:ext>
+            </a:extLst>
+          </p:cNvPr>
+          <p:cNvSpPr>
+            <a:spLocks noGrp="1"/>
+          </p:cNvSpPr>
+          <p:nvPr>
+            <p:ph type="title"/>
+          </p:nvPr>
+        </p:nvSpPr>
+        <p:spPr>
+          <a:xfrm>
+            <a:off x="1092004" y="160480"/>
+            <a:ext cx="8299646" cy="1687369"/>
+          </a:xfrm>
+        </p:spPr>
+        <p:txBody>
+          <a:bodyPr>
+            <a:normAutofit/>
+          </a:bodyPr>
+          <a:lstStyle/>
+          <a:p>
+            <a:r>
+              <a:rPr lang="en-US" sz="6000" b="1" dirty="0">
+                <a:latin typeface="+mn-lt"/>
+              </a:rPr>
+              <a:t>Two Special Cases of GTV </a:t>
+            </a:r>
+          </a:p>
+        </p:txBody>
+      </p:sp>
+      <p:sp>
+        <p:nvSpPr>
+          <p:cNvPr id="3" name="Slide Number Placeholder 2">
+            <a:extLst>
+              <a:ext uri="{FF2B5EF4-FFF2-40B4-BE49-F238E27FC236}">
+                <a16:creationId xmlns:a16="http://schemas.microsoft.com/office/drawing/2014/main" id="{586329B8-615A-7647-98FD-7D365CE2492C}"/>
+              </a:ext>
+            </a:extLst>
+          </p:cNvPr>
+          <p:cNvSpPr>
+            <a:spLocks noGrp="1"/>
+          </p:cNvSpPr>
+          <p:nvPr>
+            <p:ph type="sldNum" sz="quarter" idx="12"/>
+          </p:nvPr>
+        </p:nvSpPr>
+        <p:spPr/>
+        <p:txBody>
+          <a:bodyPr/>
+          <a:lstStyle/>
+          <a:p>
+            <a:fld id="{D75B69EA-F5F3-9148-B3D2-85669F9D4A27}" type="slidenum">
+              <a:rPr lang="en-US" smtClean="0"/>
+              <a:pPr/>
+              <a:t>19</a:t>
+            </a:fld>
+            <a:endParaRPr lang="en-US" dirty="0"/>
+          </a:p>
+        </p:txBody>
+      </p:sp>
+      <p:pic>
+        <p:nvPicPr>
+          <p:cNvPr id="6" name="Picture 5">
+            <a:extLst>
+              <a:ext uri="{FF2B5EF4-FFF2-40B4-BE49-F238E27FC236}">
+                <a16:creationId xmlns:a16="http://schemas.microsoft.com/office/drawing/2014/main" id="{3AC62D0A-0C7C-8E47-A310-491C86A0C6DC}"/>
+              </a:ext>
+            </a:extLst>
+          </p:cNvPr>
+          <p:cNvPicPr>
+            <a:picLocks noChangeAspect="1"/>
+          </p:cNvPicPr>
+          <p:nvPr/>
+        </p:nvPicPr>
+        <p:blipFill>
+          <a:blip r:embed="rId2"/>
+          <a:stretch>
+            <a:fillRect/>
+          </a:stretch>
+        </p:blipFill>
+        <p:spPr>
+          <a:xfrm>
+            <a:off x="4696414" y="2130942"/>
+            <a:ext cx="3002623" cy="581660"/>
+          </a:xfrm>
+          <a:prstGeom prst="rect">
+            <a:avLst/>
+          </a:prstGeom>
+        </p:spPr>
+      </p:pic>
+      <p:sp>
+        <p:nvSpPr>
+          <p:cNvPr id="4" name="TextBox 3">
+            <a:extLst>
+              <a:ext uri="{FF2B5EF4-FFF2-40B4-BE49-F238E27FC236}">
+                <a16:creationId xmlns:a16="http://schemas.microsoft.com/office/drawing/2014/main" id="{A8F4CB4B-E5A2-D249-A79D-6C5114E0F595}"/>
+              </a:ext>
+            </a:extLst>
+          </p:cNvPr>
+          <p:cNvSpPr txBox="1"/>
+          <p:nvPr/>
+        </p:nvSpPr>
+        <p:spPr>
+          <a:xfrm>
+            <a:off x="1091328" y="2123559"/>
+            <a:ext cx="3401637" cy="769441"/>
+          </a:xfrm>
+          <a:prstGeom prst="rect">
+            <a:avLst/>
+          </a:prstGeom>
+          <a:noFill/>
+        </p:spPr>
+        <p:txBody>
+          <a:bodyPr wrap="none" rtlCol="0">
+            <a:spAutoFit/>
+          </a:bodyPr>
+          <a:lstStyle/>
+          <a:p>
+            <a:r>
+              <a:rPr lang="en-US" sz="4400" dirty="0"/>
+              <a:t>total variation</a:t>
+            </a:r>
+          </a:p>
+        </p:txBody>
+      </p:sp>
+      <p:sp>
+        <p:nvSpPr>
+          <p:cNvPr id="22" name="TextBox 21">
+            <a:extLst>
+              <a:ext uri="{FF2B5EF4-FFF2-40B4-BE49-F238E27FC236}">
+                <a16:creationId xmlns:a16="http://schemas.microsoft.com/office/drawing/2014/main" id="{BE09A80D-AC60-4C4F-8D57-0A9DD8CE323B}"/>
+              </a:ext>
+            </a:extLst>
+          </p:cNvPr>
+          <p:cNvSpPr txBox="1"/>
+          <p:nvPr/>
+        </p:nvSpPr>
+        <p:spPr>
+          <a:xfrm>
+            <a:off x="1091328" y="3757753"/>
+            <a:ext cx="10009343" cy="769441"/>
+          </a:xfrm>
+          <a:prstGeom prst="rect">
+            <a:avLst/>
+          </a:prstGeom>
+          <a:noFill/>
+        </p:spPr>
+        <p:txBody>
+          <a:bodyPr wrap="none" rtlCol="0">
+            <a:spAutoFit/>
+          </a:bodyPr>
+          <a:lstStyle/>
+          <a:p>
+            <a:r>
+              <a:rPr lang="en-US" sz="4400" dirty="0"/>
+              <a:t>graph Laplacian quadratic from is GTV with</a:t>
+            </a:r>
+          </a:p>
+        </p:txBody>
+      </p:sp>
+      <p:pic>
+        <p:nvPicPr>
+          <p:cNvPr id="7" name="Picture 6">
+            <a:extLst>
+              <a:ext uri="{FF2B5EF4-FFF2-40B4-BE49-F238E27FC236}">
+                <a16:creationId xmlns:a16="http://schemas.microsoft.com/office/drawing/2014/main" id="{3AF91BC4-9BC7-E94C-A357-2630B7EB0DCA}"/>
+              </a:ext>
+            </a:extLst>
+          </p:cNvPr>
+          <p:cNvPicPr>
+            <a:picLocks noChangeAspect="1"/>
+          </p:cNvPicPr>
+          <p:nvPr/>
+        </p:nvPicPr>
+        <p:blipFill>
+          <a:blip r:embed="rId3"/>
+          <a:stretch>
+            <a:fillRect/>
+          </a:stretch>
+        </p:blipFill>
+        <p:spPr>
+          <a:xfrm>
+            <a:off x="4866971" y="4745617"/>
+            <a:ext cx="3010952" cy="646330"/>
+          </a:xfrm>
+          <a:prstGeom prst="rect">
+            <a:avLst/>
+          </a:prstGeom>
+        </p:spPr>
+      </p:pic>
+      <p:sp>
+        <p:nvSpPr>
+          <p:cNvPr id="8" name="Date Placeholder 7">
+            <a:extLst>
+              <a:ext uri="{FF2B5EF4-FFF2-40B4-BE49-F238E27FC236}">
+                <a16:creationId xmlns:a16="http://schemas.microsoft.com/office/drawing/2014/main" id="{E983B076-EE3E-724D-4170-587EA9A2C1A7}"/>
+              </a:ext>
+            </a:extLst>
+          </p:cNvPr>
+          <p:cNvSpPr>
+            <a:spLocks noGrp="1"/>
+          </p:cNvSpPr>
+          <p:nvPr>
+            <p:ph type="dt" sz="half" idx="10"/>
+          </p:nvPr>
+        </p:nvSpPr>
+        <p:spPr/>
+        <p:txBody>
+          <a:bodyPr/>
+          <a:lstStyle/>
+          <a:p>
+            <a:fld id="{1BC8F5E8-AB40-CF4A-BC2B-0E263ABCE182}" type="datetime1">
+              <a:rPr lang="en-US" smtClean="0"/>
+              <a:t>3/22/23</a:t>
+            </a:fld>
+            <a:endParaRPr lang="en-US" dirty="0"/>
+          </a:p>
+        </p:txBody>
+      </p:sp>
+      <mc:AlternateContent xmlns:mc="http://schemas.openxmlformats.org/markup-compatibility/2006">
+        <mc:Choice xmlns:p14="http://schemas.microsoft.com/office/powerpoint/2010/main" Requires="p14">
+          <p:contentPart p14:bwMode="auto" r:id="rId4">
+            <p14:nvContentPartPr>
+              <p14:cNvPr id="5" name="Ink 4">
+                <a:extLst>
+                  <a:ext uri="{FF2B5EF4-FFF2-40B4-BE49-F238E27FC236}">
+                    <a16:creationId xmlns:a16="http://schemas.microsoft.com/office/drawing/2014/main" id="{21DD96DD-20B8-AA24-2E98-F45CA948B88D}"/>
+                  </a:ext>
+                </a:extLst>
+              </p14:cNvPr>
+              <p14:cNvContentPartPr/>
+              <p14:nvPr/>
+            </p14:nvContentPartPr>
+            <p14:xfrm>
+              <a:off x="6337080" y="1836000"/>
+              <a:ext cx="1997640" cy="4277520"/>
+            </p14:xfrm>
+          </p:contentPart>
+        </mc:Choice>
+        <mc:Fallback>
+          <p:pic>
+            <p:nvPicPr>
+              <p:cNvPr id="5" name="Ink 4">
+                <a:extLst>
+                  <a:ext uri="{FF2B5EF4-FFF2-40B4-BE49-F238E27FC236}">
+                    <a16:creationId xmlns:a16="http://schemas.microsoft.com/office/drawing/2014/main" id="{21DD96DD-20B8-AA24-2E98-F45CA948B88D}"/>
+                  </a:ext>
+                </a:extLst>
+              </p:cNvPr>
+              <p:cNvPicPr/>
+              <p:nvPr/>
+            </p:nvPicPr>
+            <p:blipFill>
+              <a:blip r:embed="rId5"/>
+              <a:stretch>
+                <a:fillRect/>
+              </a:stretch>
+            </p:blipFill>
+            <p:spPr>
+              <a:xfrm>
+                <a:off x="6327720" y="1826640"/>
+                <a:ext cx="2016360" cy="4296240"/>
+              </a:xfrm>
+              <a:prstGeom prst="rect">
+                <a:avLst/>
+              </a:prstGeom>
+            </p:spPr>
+          </p:pic>
+        </mc:Fallback>
+      </mc:AlternateContent>
+    </p:spTree>
+    <p:extLst>
+      <p:ext uri="{BB962C8B-B14F-4D97-AF65-F5344CB8AC3E}">
+        <p14:creationId xmlns:p14="http://schemas.microsoft.com/office/powerpoint/2010/main" val="792639183"/>
+      </p:ext>
+    </p:extLst>
+  </p:cSld>
+  <p:clrMapOvr>
+    <a:masterClrMapping/>
+  </p:clrMapOvr>
+</p:sld>
+</file>
+
+<file path=ppt/slides/slide2.xml><?xml version="1.0" encoding="utf-8"?>
+<p:sld xmlns:a="http://schemas.openxmlformats.org/drawingml/2006/main" xmlns:r="http://schemas.openxmlformats.org/officeDocument/2006/relationships" xmlns:p="http://schemas.openxmlformats.org/presentationml/2006/main">
+  <p:cSld>
+    <p:spTree>
+      <p:nvGrpSpPr>
+        <p:cNvPr id="1" name=""/>
+        <p:cNvGrpSpPr/>
+        <p:nvPr/>
+      </p:nvGrpSpPr>
+      <p:grpSpPr>
+        <a:xfrm>
+          <a:off x="0" y="0"/>
+          <a:ext cx="0" cy="0"/>
+          <a:chOff x="0" y="0"/>
+          <a:chExt cx="0" cy="0"/>
+        </a:xfrm>
+      </p:grpSpPr>
+      <p:sp>
+        <p:nvSpPr>
+          <p:cNvPr id="2" name="Title 1">
+            <a:extLst>
+              <a:ext uri="{FF2B5EF4-FFF2-40B4-BE49-F238E27FC236}">
+                <a16:creationId xmlns:a16="http://schemas.microsoft.com/office/drawing/2014/main" id="{B60D2401-A092-7E03-2596-2D5059DEB27F}"/>
+              </a:ext>
+            </a:extLst>
+          </p:cNvPr>
+          <p:cNvSpPr>
+            <a:spLocks noGrp="1"/>
+          </p:cNvSpPr>
+          <p:nvPr>
+            <p:ph type="title"/>
+          </p:nvPr>
+        </p:nvSpPr>
+        <p:spPr/>
+        <p:txBody>
+          <a:bodyPr>
+            <a:normAutofit/>
+          </a:bodyPr>
+          <a:lstStyle/>
+          <a:p>
+            <a:r>
+              <a:rPr lang="en-GB" sz="5400" b="1" dirty="0"/>
+              <a:t>How Are You ? – Feedback Samples</a:t>
+            </a:r>
+          </a:p>
+        </p:txBody>
+      </p:sp>
+      <p:sp>
+        <p:nvSpPr>
+          <p:cNvPr id="3" name="Content Placeholder 2">
+            <a:extLst>
+              <a:ext uri="{FF2B5EF4-FFF2-40B4-BE49-F238E27FC236}">
+                <a16:creationId xmlns:a16="http://schemas.microsoft.com/office/drawing/2014/main" id="{CC8EA2A4-71E1-6804-CD1B-E043E2D66201}"/>
+              </a:ext>
+            </a:extLst>
+          </p:cNvPr>
+          <p:cNvSpPr>
+            <a:spLocks noGrp="1"/>
+          </p:cNvSpPr>
+          <p:nvPr>
+            <p:ph idx="1"/>
+          </p:nvPr>
+        </p:nvSpPr>
+        <p:spPr>
+          <a:xfrm>
+            <a:off x="641838" y="1690688"/>
+            <a:ext cx="10908323" cy="4443302"/>
+          </a:xfrm>
+        </p:spPr>
+        <p:txBody>
+          <a:bodyPr>
+            <a:normAutofit fontScale="25000" lnSpcReduction="20000"/>
+          </a:bodyPr>
+          <a:lstStyle/>
+          <a:p>
+            <a:pPr marL="0" indent="0">
+              <a:lnSpc>
+                <a:spcPct val="120000"/>
+              </a:lnSpc>
+              <a:buNone/>
+            </a:pPr>
+            <a:endParaRPr lang="en-GB" sz="11200" dirty="0">
+              <a:solidFill>
+                <a:srgbClr val="000000"/>
+              </a:solidFill>
+              <a:effectLst/>
+              <a:latin typeface="Helvetica" pitchFamily="2" charset="0"/>
+            </a:endParaRPr>
+          </a:p>
+          <a:p>
+            <a:pPr>
+              <a:lnSpc>
+                <a:spcPct val="120000"/>
+              </a:lnSpc>
+            </a:pPr>
+            <a:r>
+              <a:rPr lang="en-GB" sz="11200" i="1" dirty="0">
+                <a:solidFill>
+                  <a:srgbClr val="000000"/>
+                </a:solidFill>
+                <a:effectLst/>
+                <a:latin typeface="Helvetica" pitchFamily="2" charset="0"/>
+              </a:rPr>
+              <a:t>The quizzes and exercises help to figure out the depth required, but would need feedback.</a:t>
+            </a:r>
+            <a:br>
+              <a:rPr lang="en-GB" sz="11200" i="1" dirty="0">
+                <a:solidFill>
+                  <a:srgbClr val="000000"/>
+                </a:solidFill>
+                <a:effectLst/>
+                <a:latin typeface="Helvetica" pitchFamily="2" charset="0"/>
+              </a:rPr>
+            </a:br>
+            <a:endParaRPr lang="en-GB" sz="11200" i="1" dirty="0">
+              <a:solidFill>
+                <a:srgbClr val="000000"/>
+              </a:solidFill>
+              <a:effectLst/>
+              <a:latin typeface="Helvetica" pitchFamily="2" charset="0"/>
+            </a:endParaRPr>
+          </a:p>
+          <a:p>
+            <a:pPr>
+              <a:lnSpc>
+                <a:spcPct val="120000"/>
+              </a:lnSpc>
+            </a:pPr>
+            <a:r>
+              <a:rPr lang="en-GB" sz="11200" i="1" dirty="0">
+                <a:solidFill>
+                  <a:srgbClr val="000000"/>
+                </a:solidFill>
+                <a:latin typeface="Helvetica" pitchFamily="2" charset="0"/>
+              </a:rPr>
+              <a:t>…</a:t>
+            </a:r>
+            <a:r>
+              <a:rPr lang="en-GB" sz="11200" i="1" dirty="0">
+                <a:solidFill>
+                  <a:srgbClr val="000000"/>
+                </a:solidFill>
+                <a:effectLst/>
+                <a:latin typeface="Helvetica" pitchFamily="2" charset="0"/>
+              </a:rPr>
+              <a:t>would be nice to know the total points for quizzes even before the deadline. Would it be possible to only show total points, but not points per tasks? This would help to prevent gaming</a:t>
+            </a:r>
+          </a:p>
+        </p:txBody>
+      </p:sp>
+      <p:sp>
+        <p:nvSpPr>
+          <p:cNvPr id="4" name="Date Placeholder 3">
+            <a:extLst>
+              <a:ext uri="{FF2B5EF4-FFF2-40B4-BE49-F238E27FC236}">
+                <a16:creationId xmlns:a16="http://schemas.microsoft.com/office/drawing/2014/main" id="{B5C8EEEB-2352-AB77-6DE4-72764CDCDB1C}"/>
+              </a:ext>
+            </a:extLst>
+          </p:cNvPr>
+          <p:cNvSpPr>
+            <a:spLocks noGrp="1"/>
+          </p:cNvSpPr>
+          <p:nvPr>
+            <p:ph type="dt" sz="half" idx="10"/>
+          </p:nvPr>
+        </p:nvSpPr>
+        <p:spPr/>
+        <p:txBody>
+          <a:bodyPr/>
+          <a:lstStyle/>
+          <a:p>
+            <a:fld id="{296FA5BE-6560-2B4F-B398-067F34961958}" type="datetime1">
+              <a:rPr lang="en-US" smtClean="0"/>
+              <a:t>3/22/23</a:t>
+            </a:fld>
+            <a:endParaRPr lang="en-US" dirty="0"/>
+          </a:p>
+        </p:txBody>
+      </p:sp>
+      <p:sp>
+        <p:nvSpPr>
+          <p:cNvPr id="5" name="Slide Number Placeholder 4">
+            <a:extLst>
+              <a:ext uri="{FF2B5EF4-FFF2-40B4-BE49-F238E27FC236}">
+                <a16:creationId xmlns:a16="http://schemas.microsoft.com/office/drawing/2014/main" id="{B393C743-3481-7092-F8DE-33DAF34478CD}"/>
+              </a:ext>
+            </a:extLst>
+          </p:cNvPr>
+          <p:cNvSpPr>
+            <a:spLocks noGrp="1"/>
+          </p:cNvSpPr>
+          <p:nvPr>
+            <p:ph type="sldNum" sz="quarter" idx="12"/>
+          </p:nvPr>
+        </p:nvSpPr>
+        <p:spPr/>
+        <p:txBody>
+          <a:bodyPr/>
+          <a:lstStyle/>
+          <a:p>
+            <a:fld id="{D75B69EA-F5F3-9148-B3D2-85669F9D4A27}" type="slidenum">
+              <a:rPr lang="en-US" smtClean="0"/>
+              <a:pPr/>
+              <a:t>2</a:t>
+            </a:fld>
+            <a:endParaRPr lang="en-US" dirty="0"/>
+          </a:p>
+        </p:txBody>
+      </p:sp>
+    </p:spTree>
+    <p:extLst>
+      <p:ext uri="{BB962C8B-B14F-4D97-AF65-F5344CB8AC3E}">
+        <p14:creationId xmlns:p14="http://schemas.microsoft.com/office/powerpoint/2010/main" val="636974098"/>
+      </p:ext>
+    </p:extLst>
+  </p:cSld>
+  <p:clrMapOvr>
+    <a:masterClrMapping/>
+  </p:clrMapOvr>
+</p:sld>
+</file>
+
+<file path=ppt/slides/slide20.xml><?xml version="1.0" encoding="utf-8"?>
+<p:sld xmlns:a="http://schemas.openxmlformats.org/drawingml/2006/main" xmlns:r="http://schemas.openxmlformats.org/officeDocument/2006/relationships" xmlns:p="http://schemas.openxmlformats.org/presentationml/2006/main">
+  <p:cSld>
+    <p:spTree>
+      <p:nvGrpSpPr>
+        <p:cNvPr id="1" name=""/>
+        <p:cNvGrpSpPr/>
+        <p:nvPr/>
+      </p:nvGrpSpPr>
+      <p:grpSpPr>
+        <a:xfrm>
+          <a:off x="0" y="0"/>
+          <a:ext cx="0" cy="0"/>
+          <a:chOff x="0" y="0"/>
+          <a:chExt cx="0" cy="0"/>
+        </a:xfrm>
+      </p:grpSpPr>
+      <p:sp>
+        <p:nvSpPr>
           <p:cNvPr id="2" name="TextBox 1">
             <a:extLst>
               <a:ext uri="{FF2B5EF4-FFF2-40B4-BE49-F238E27FC236}">
@@ -9519,7 +10960,7 @@
           <a:p>
             <a:fld id="{D75B69EA-F5F3-9148-B3D2-85669F9D4A27}" type="slidenum">
               <a:rPr lang="en-US" smtClean="0"/>
-              <a:t>19</a:t>
+              <a:t>20</a:t>
             </a:fld>
             <a:endParaRPr lang="en-US"/>
           </a:p>
@@ -10277,6 +11718,57 @@
           </p:sp>
         </mc:Fallback>
       </mc:AlternateContent>
+      <mc:AlternateContent xmlns:mc="http://schemas.openxmlformats.org/markup-compatibility/2006">
+        <mc:Choice xmlns:p14="http://schemas.microsoft.com/office/powerpoint/2010/main" Requires="p14">
+          <p:contentPart p14:bwMode="auto" r:id="rId7">
+            <p14:nvContentPartPr>
+              <p14:cNvPr id="6" name="Ink 5">
+                <a:extLst>
+                  <a:ext uri="{FF2B5EF4-FFF2-40B4-BE49-F238E27FC236}">
+                    <a16:creationId xmlns:a16="http://schemas.microsoft.com/office/drawing/2014/main" id="{3B29E11C-8AFF-50BD-3178-35AAA636851A}"/>
+                  </a:ext>
+                </a:extLst>
+              </p14:cNvPr>
+              <p14:cNvContentPartPr/>
+              <p14:nvPr/>
+            </p14:nvContentPartPr>
+            <p14:xfrm>
+              <a:off x="4312800" y="3493080"/>
+              <a:ext cx="4959360" cy="960840"/>
+            </p14:xfrm>
+          </p:contentPart>
+        </mc:Choice>
+        <mc:Fallback>
+          <p:pic>
+            <p:nvPicPr>
+              <p:cNvPr id="6" name="Ink 5">
+                <a:extLst>
+                  <a:ext uri="{FF2B5EF4-FFF2-40B4-BE49-F238E27FC236}">
+                    <a16:creationId xmlns:a16="http://schemas.microsoft.com/office/drawing/2014/main" id="{3B29E11C-8AFF-50BD-3178-35AAA636851A}"/>
+                  </a:ext>
+                </a:extLst>
+              </p:cNvPr>
+              <p:cNvPicPr/>
+              <p:nvPr/>
+            </p:nvPicPr>
+            <p:blipFill>
+              <a:blip r:embed="rId8"/>
+              <a:stretch>
+                <a:fillRect/>
+              </a:stretch>
+            </p:blipFill>
+            <p:spPr>
+              <a:xfrm>
+                <a:off x="4303440" y="3483720"/>
+                <a:ext cx="4978080" cy="979560"/>
+              </a:xfrm>
+              <a:prstGeom prst="rect">
+                <a:avLst/>
+              </a:prstGeom>
+            </p:spPr>
+          </p:pic>
+        </mc:Fallback>
+      </mc:AlternateContent>
     </p:spTree>
     <p:extLst>
       <p:ext uri="{BB962C8B-B14F-4D97-AF65-F5344CB8AC3E}">
@@ -10290,7 +11782,7 @@
 </p:sld>
 </file>
 
-<file path=ppt/slides/slide2.xml><?xml version="1.0" encoding="utf-8"?>
+<file path=ppt/slides/slide21.xml><?xml version="1.0" encoding="utf-8"?>
 <p:sld xmlns:a="http://schemas.openxmlformats.org/drawingml/2006/main" xmlns:r="http://schemas.openxmlformats.org/officeDocument/2006/relationships" xmlns:p="http://schemas.openxmlformats.org/presentationml/2006/main">
   <p:cSld>
     <p:spTree>
@@ -10312,245 +11804,6 @@
           <p:cNvPr id="2" name="Title 1">
             <a:extLst>
               <a:ext uri="{FF2B5EF4-FFF2-40B4-BE49-F238E27FC236}">
-                <a16:creationId xmlns:a16="http://schemas.microsoft.com/office/drawing/2014/main" id="{B60D2401-A092-7E03-2596-2D5059DEB27F}"/>
-              </a:ext>
-            </a:extLst>
-          </p:cNvPr>
-          <p:cNvSpPr>
-            <a:spLocks noGrp="1"/>
-          </p:cNvSpPr>
-          <p:nvPr>
-            <p:ph type="title"/>
-          </p:nvPr>
-        </p:nvSpPr>
-        <p:spPr/>
-        <p:txBody>
-          <a:bodyPr>
-            <a:normAutofit/>
-          </a:bodyPr>
-          <a:lstStyle/>
-          <a:p>
-            <a:r>
-              <a:rPr lang="en-GB" sz="5400" b="1" dirty="0"/>
-              <a:t>How Are You ? – Feedback Samples</a:t>
-            </a:r>
-          </a:p>
-        </p:txBody>
-      </p:sp>
-      <p:sp>
-        <p:nvSpPr>
-          <p:cNvPr id="3" name="Content Placeholder 2">
-            <a:extLst>
-              <a:ext uri="{FF2B5EF4-FFF2-40B4-BE49-F238E27FC236}">
-                <a16:creationId xmlns:a16="http://schemas.microsoft.com/office/drawing/2014/main" id="{CC8EA2A4-71E1-6804-CD1B-E043E2D66201}"/>
-              </a:ext>
-            </a:extLst>
-          </p:cNvPr>
-          <p:cNvSpPr>
-            <a:spLocks noGrp="1"/>
-          </p:cNvSpPr>
-          <p:nvPr>
-            <p:ph idx="1"/>
-          </p:nvPr>
-        </p:nvSpPr>
-        <p:spPr>
-          <a:xfrm>
-            <a:off x="641838" y="1690688"/>
-            <a:ext cx="10908323" cy="4443302"/>
-          </a:xfrm>
-        </p:spPr>
-        <p:txBody>
-          <a:bodyPr>
-            <a:normAutofit fontScale="25000" lnSpcReduction="20000"/>
-          </a:bodyPr>
-          <a:lstStyle/>
-          <a:p>
-            <a:pPr>
-              <a:lnSpc>
-                <a:spcPct val="120000"/>
-              </a:lnSpc>
-            </a:pPr>
-            <a:r>
-              <a:rPr lang="en-GB" sz="11200" i="1" dirty="0">
-                <a:solidFill>
-                  <a:srgbClr val="000000"/>
-                </a:solidFill>
-                <a:effectLst/>
-                <a:latin typeface="Helvetica" pitchFamily="2" charset="0"/>
-              </a:rPr>
-              <a:t>Lack of feedback. The material is very interesting, but I'm not sure if I'm grasping it at an adequate depth. </a:t>
-            </a:r>
-          </a:p>
-          <a:p>
-            <a:pPr marL="0" indent="0">
-              <a:lnSpc>
-                <a:spcPct val="120000"/>
-              </a:lnSpc>
-              <a:buNone/>
-            </a:pPr>
-            <a:endParaRPr lang="en-GB" sz="11200" dirty="0">
-              <a:solidFill>
-                <a:srgbClr val="000000"/>
-              </a:solidFill>
-              <a:effectLst/>
-              <a:latin typeface="Helvetica" pitchFamily="2" charset="0"/>
-            </a:endParaRPr>
-          </a:p>
-          <a:p>
-            <a:pPr>
-              <a:lnSpc>
-                <a:spcPct val="120000"/>
-              </a:lnSpc>
-            </a:pPr>
-            <a:r>
-              <a:rPr lang="en-GB" sz="11200" i="1" dirty="0">
-                <a:solidFill>
-                  <a:srgbClr val="000000"/>
-                </a:solidFill>
-                <a:effectLst/>
-                <a:latin typeface="Helvetica" pitchFamily="2" charset="0"/>
-              </a:rPr>
-              <a:t>The quizzes and exercises help to figure out the depth required, but would need feedback.</a:t>
-            </a:r>
-            <a:br>
-              <a:rPr lang="en-GB" sz="11200" i="1" dirty="0">
-                <a:solidFill>
-                  <a:srgbClr val="000000"/>
-                </a:solidFill>
-                <a:effectLst/>
-                <a:latin typeface="Helvetica" pitchFamily="2" charset="0"/>
-              </a:rPr>
-            </a:br>
-            <a:endParaRPr lang="en-GB" sz="11200" i="1" dirty="0">
-              <a:solidFill>
-                <a:srgbClr val="000000"/>
-              </a:solidFill>
-              <a:effectLst/>
-              <a:latin typeface="Helvetica" pitchFamily="2" charset="0"/>
-            </a:endParaRPr>
-          </a:p>
-          <a:p>
-            <a:pPr>
-              <a:lnSpc>
-                <a:spcPct val="120000"/>
-              </a:lnSpc>
-            </a:pPr>
-            <a:r>
-              <a:rPr lang="en-GB" sz="11200" i="1" dirty="0">
-                <a:solidFill>
-                  <a:srgbClr val="000000"/>
-                </a:solidFill>
-                <a:latin typeface="Helvetica" pitchFamily="2" charset="0"/>
-              </a:rPr>
-              <a:t>…</a:t>
-            </a:r>
-            <a:r>
-              <a:rPr lang="en-GB" sz="11200" i="1" dirty="0">
-                <a:solidFill>
-                  <a:srgbClr val="000000"/>
-                </a:solidFill>
-                <a:effectLst/>
-                <a:latin typeface="Helvetica" pitchFamily="2" charset="0"/>
-              </a:rPr>
-              <a:t>would be nice to know the total points for quizzes even before the deadline. Would it be possible to only show total points, but not points per tasks? This would help to prevent gaming</a:t>
-            </a:r>
-          </a:p>
-        </p:txBody>
-      </p:sp>
-      <p:sp>
-        <p:nvSpPr>
-          <p:cNvPr id="4" name="Date Placeholder 3">
-            <a:extLst>
-              <a:ext uri="{FF2B5EF4-FFF2-40B4-BE49-F238E27FC236}">
-                <a16:creationId xmlns:a16="http://schemas.microsoft.com/office/drawing/2014/main" id="{B5C8EEEB-2352-AB77-6DE4-72764CDCDB1C}"/>
-              </a:ext>
-            </a:extLst>
-          </p:cNvPr>
-          <p:cNvSpPr>
-            <a:spLocks noGrp="1"/>
-          </p:cNvSpPr>
-          <p:nvPr>
-            <p:ph type="dt" sz="half" idx="10"/>
-          </p:nvPr>
-        </p:nvSpPr>
-        <p:spPr/>
-        <p:txBody>
-          <a:bodyPr/>
-          <a:lstStyle/>
-          <a:p>
-            <a:fld id="{296FA5BE-6560-2B4F-B398-067F34961958}" type="datetime1">
-              <a:rPr lang="en-US" smtClean="0"/>
-              <a:t>3/22/23</a:t>
-            </a:fld>
-            <a:endParaRPr lang="en-US" dirty="0"/>
-          </a:p>
-        </p:txBody>
-      </p:sp>
-      <p:sp>
-        <p:nvSpPr>
-          <p:cNvPr id="5" name="Slide Number Placeholder 4">
-            <a:extLst>
-              <a:ext uri="{FF2B5EF4-FFF2-40B4-BE49-F238E27FC236}">
-                <a16:creationId xmlns:a16="http://schemas.microsoft.com/office/drawing/2014/main" id="{B393C743-3481-7092-F8DE-33DAF34478CD}"/>
-              </a:ext>
-            </a:extLst>
-          </p:cNvPr>
-          <p:cNvSpPr>
-            <a:spLocks noGrp="1"/>
-          </p:cNvSpPr>
-          <p:nvPr>
-            <p:ph type="sldNum" sz="quarter" idx="12"/>
-          </p:nvPr>
-        </p:nvSpPr>
-        <p:spPr/>
-        <p:txBody>
-          <a:bodyPr/>
-          <a:lstStyle/>
-          <a:p>
-            <a:fld id="{D75B69EA-F5F3-9148-B3D2-85669F9D4A27}" type="slidenum">
-              <a:rPr lang="en-US" smtClean="0"/>
-              <a:pPr/>
-              <a:t>2</a:t>
-            </a:fld>
-            <a:endParaRPr lang="en-US" dirty="0"/>
-          </a:p>
-        </p:txBody>
-      </p:sp>
-    </p:spTree>
-    <p:extLst>
-      <p:ext uri="{BB962C8B-B14F-4D97-AF65-F5344CB8AC3E}">
-        <p14:creationId xmlns:p14="http://schemas.microsoft.com/office/powerpoint/2010/main" val="636974098"/>
-      </p:ext>
-    </p:extLst>
-  </p:cSld>
-  <p:clrMapOvr>
-    <a:masterClrMapping/>
-  </p:clrMapOvr>
-</p:sld>
-</file>
-
-<file path=ppt/slides/slide20.xml><?xml version="1.0" encoding="utf-8"?>
-<p:sld xmlns:a="http://schemas.openxmlformats.org/drawingml/2006/main" xmlns:r="http://schemas.openxmlformats.org/officeDocument/2006/relationships" xmlns:p="http://schemas.openxmlformats.org/presentationml/2006/main">
-  <p:cSld>
-    <p:spTree>
-      <p:nvGrpSpPr>
-        <p:cNvPr id="1" name=""/>
-        <p:cNvGrpSpPr/>
-        <p:nvPr/>
-      </p:nvGrpSpPr>
-      <p:grpSpPr>
-        <a:xfrm>
-          <a:off x="0" y="0"/>
-          <a:ext cx="0" cy="0"/>
-          <a:chOff x="0" y="0"/>
-          <a:chExt cx="0" cy="0"/>
-        </a:xfrm>
-      </p:grpSpPr>
-      <p:sp>
-        <p:nvSpPr>
-          <p:cNvPr id="2" name="Title 1">
-            <a:extLst>
-              <a:ext uri="{FF2B5EF4-FFF2-40B4-BE49-F238E27FC236}">
                 <a16:creationId xmlns:a16="http://schemas.microsoft.com/office/drawing/2014/main" id="{1B3D9B9F-DF9D-FF4B-AD81-6E13E697543B}"/>
               </a:ext>
             </a:extLst>
@@ -10607,7 +11860,7 @@
             <a:fld id="{D75B69EA-F5F3-9148-B3D2-85669F9D4A27}" type="slidenum">
               <a:rPr lang="en-US" smtClean="0"/>
               <a:pPr/>
-              <a:t>20</a:t>
+              <a:t>21</a:t>
             </a:fld>
             <a:endParaRPr lang="en-US" dirty="0"/>
           </a:p>
@@ -11369,6 +12622,57 @@
           </a:p>
         </p:txBody>
       </p:sp>
+      <mc:AlternateContent xmlns:mc="http://schemas.openxmlformats.org/markup-compatibility/2006">
+        <mc:Choice xmlns:p14="http://schemas.microsoft.com/office/powerpoint/2010/main" Requires="p14">
+          <p:contentPart p14:bwMode="auto" r:id="rId4">
+            <p14:nvContentPartPr>
+              <p14:cNvPr id="5" name="Ink 4">
+                <a:extLst>
+                  <a:ext uri="{FF2B5EF4-FFF2-40B4-BE49-F238E27FC236}">
+                    <a16:creationId xmlns:a16="http://schemas.microsoft.com/office/drawing/2014/main" id="{E71F0E2A-24A4-6CDC-30B7-7DBA95AE665D}"/>
+                  </a:ext>
+                </a:extLst>
+              </p14:cNvPr>
+              <p14:cNvContentPartPr/>
+              <p14:nvPr/>
+            </p14:nvContentPartPr>
+            <p14:xfrm>
+              <a:off x="2268360" y="1524600"/>
+              <a:ext cx="7160040" cy="2158560"/>
+            </p14:xfrm>
+          </p:contentPart>
+        </mc:Choice>
+        <mc:Fallback>
+          <p:pic>
+            <p:nvPicPr>
+              <p:cNvPr id="5" name="Ink 4">
+                <a:extLst>
+                  <a:ext uri="{FF2B5EF4-FFF2-40B4-BE49-F238E27FC236}">
+                    <a16:creationId xmlns:a16="http://schemas.microsoft.com/office/drawing/2014/main" id="{E71F0E2A-24A4-6CDC-30B7-7DBA95AE665D}"/>
+                  </a:ext>
+                </a:extLst>
+              </p:cNvPr>
+              <p:cNvPicPr/>
+              <p:nvPr/>
+            </p:nvPicPr>
+            <p:blipFill>
+              <a:blip r:embed="rId5"/>
+              <a:stretch>
+                <a:fillRect/>
+              </a:stretch>
+            </p:blipFill>
+            <p:spPr>
+              <a:xfrm>
+                <a:off x="2259000" y="1515240"/>
+                <a:ext cx="7178760" cy="2177280"/>
+              </a:xfrm>
+              <a:prstGeom prst="rect">
+                <a:avLst/>
+              </a:prstGeom>
+            </p:spPr>
+          </p:pic>
+        </mc:Fallback>
+      </mc:AlternateContent>
     </p:spTree>
     <p:extLst>
       <p:ext uri="{BB962C8B-B14F-4D97-AF65-F5344CB8AC3E}">
@@ -11382,7 +12686,7 @@
 </p:sld>
 </file>
 
-<file path=ppt/slides/slide21.xml><?xml version="1.0" encoding="utf-8"?>
+<file path=ppt/slides/slide22.xml><?xml version="1.0" encoding="utf-8"?>
 <p:sld xmlns:a="http://schemas.openxmlformats.org/drawingml/2006/main" xmlns:r="http://schemas.openxmlformats.org/officeDocument/2006/relationships" xmlns:p="http://schemas.openxmlformats.org/presentationml/2006/main">
   <p:cSld>
     <p:spTree>
@@ -11460,7 +12764,7 @@
             <a:fld id="{D75B69EA-F5F3-9148-B3D2-85669F9D4A27}" type="slidenum">
               <a:rPr lang="en-US" smtClean="0"/>
               <a:pPr/>
-              <a:t>21</a:t>
+              <a:t>22</a:t>
             </a:fld>
             <a:endParaRPr lang="en-US" dirty="0"/>
           </a:p>
@@ -11988,6 +13292,57 @@
           </a:p>
         </p:txBody>
       </p:sp>
+      <mc:AlternateContent xmlns:mc="http://schemas.openxmlformats.org/markup-compatibility/2006">
+        <mc:Choice xmlns:p14="http://schemas.microsoft.com/office/powerpoint/2010/main" Requires="p14">
+          <p:contentPart p14:bwMode="auto" r:id="rId5">
+            <p14:nvContentPartPr>
+              <p14:cNvPr id="4" name="Ink 3">
+                <a:extLst>
+                  <a:ext uri="{FF2B5EF4-FFF2-40B4-BE49-F238E27FC236}">
+                    <a16:creationId xmlns:a16="http://schemas.microsoft.com/office/drawing/2014/main" id="{CF39844B-6500-DEDE-2722-31B3A14F9FE9}"/>
+                  </a:ext>
+                </a:extLst>
+              </p14:cNvPr>
+              <p14:cNvContentPartPr/>
+              <p14:nvPr/>
+            </p14:nvContentPartPr>
+            <p14:xfrm>
+              <a:off x="7754760" y="1402560"/>
+              <a:ext cx="3561480" cy="1364400"/>
+            </p14:xfrm>
+          </p:contentPart>
+        </mc:Choice>
+        <mc:Fallback>
+          <p:pic>
+            <p:nvPicPr>
+              <p:cNvPr id="4" name="Ink 3">
+                <a:extLst>
+                  <a:ext uri="{FF2B5EF4-FFF2-40B4-BE49-F238E27FC236}">
+                    <a16:creationId xmlns:a16="http://schemas.microsoft.com/office/drawing/2014/main" id="{CF39844B-6500-DEDE-2722-31B3A14F9FE9}"/>
+                  </a:ext>
+                </a:extLst>
+              </p:cNvPr>
+              <p:cNvPicPr/>
+              <p:nvPr/>
+            </p:nvPicPr>
+            <p:blipFill>
+              <a:blip r:embed="rId6"/>
+              <a:stretch>
+                <a:fillRect/>
+              </a:stretch>
+            </p:blipFill>
+            <p:spPr>
+              <a:xfrm>
+                <a:off x="7745400" y="1393200"/>
+                <a:ext cx="3580200" cy="1383120"/>
+              </a:xfrm>
+              <a:prstGeom prst="rect">
+                <a:avLst/>
+              </a:prstGeom>
+            </p:spPr>
+          </p:pic>
+        </mc:Fallback>
+      </mc:AlternateContent>
     </p:spTree>
     <p:extLst>
       <p:ext uri="{BB962C8B-B14F-4D97-AF65-F5344CB8AC3E}">
@@ -12001,7 +13356,7 @@
 </p:sld>
 </file>
 
-<file path=ppt/slides/slide22.xml><?xml version="1.0" encoding="utf-8"?>
+<file path=ppt/slides/slide23.xml><?xml version="1.0" encoding="utf-8"?>
 <p:sld xmlns:a="http://schemas.openxmlformats.org/drawingml/2006/main" xmlns:r="http://schemas.openxmlformats.org/officeDocument/2006/relationships" xmlns:p="http://schemas.openxmlformats.org/presentationml/2006/main">
   <p:cSld>
     <p:spTree>
@@ -12079,7 +13434,7 @@
             <a:fld id="{D75B69EA-F5F3-9148-B3D2-85669F9D4A27}" type="slidenum">
               <a:rPr lang="en-US" smtClean="0"/>
               <a:pPr/>
-              <a:t>22</a:t>
+              <a:t>23</a:t>
             </a:fld>
             <a:endParaRPr lang="en-US" dirty="0"/>
           </a:p>
@@ -12630,6 +13985,57 @@
           </a:p>
         </p:txBody>
       </p:sp>
+      <mc:AlternateContent xmlns:mc="http://schemas.openxmlformats.org/markup-compatibility/2006">
+        <mc:Choice xmlns:p14="http://schemas.microsoft.com/office/powerpoint/2010/main" Requires="p14">
+          <p:contentPart p14:bwMode="auto" r:id="rId4">
+            <p14:nvContentPartPr>
+              <p14:cNvPr id="4" name="Ink 3">
+                <a:extLst>
+                  <a:ext uri="{FF2B5EF4-FFF2-40B4-BE49-F238E27FC236}">
+                    <a16:creationId xmlns:a16="http://schemas.microsoft.com/office/drawing/2014/main" id="{6C347634-7DA6-4C49-9474-27D5A32F954C}"/>
+                  </a:ext>
+                </a:extLst>
+              </p14:cNvPr>
+              <p14:cNvContentPartPr/>
+              <p14:nvPr/>
+            </p14:nvContentPartPr>
+            <p14:xfrm>
+              <a:off x="7764480" y="1247400"/>
+              <a:ext cx="3974400" cy="1274040"/>
+            </p14:xfrm>
+          </p:contentPart>
+        </mc:Choice>
+        <mc:Fallback>
+          <p:pic>
+            <p:nvPicPr>
+              <p:cNvPr id="4" name="Ink 3">
+                <a:extLst>
+                  <a:ext uri="{FF2B5EF4-FFF2-40B4-BE49-F238E27FC236}">
+                    <a16:creationId xmlns:a16="http://schemas.microsoft.com/office/drawing/2014/main" id="{6C347634-7DA6-4C49-9474-27D5A32F954C}"/>
+                  </a:ext>
+                </a:extLst>
+              </p:cNvPr>
+              <p:cNvPicPr/>
+              <p:nvPr/>
+            </p:nvPicPr>
+            <p:blipFill>
+              <a:blip r:embed="rId5"/>
+              <a:stretch>
+                <a:fillRect/>
+              </a:stretch>
+            </p:blipFill>
+            <p:spPr>
+              <a:xfrm>
+                <a:off x="7755120" y="1238040"/>
+                <a:ext cx="3993120" cy="1292760"/>
+              </a:xfrm>
+              <a:prstGeom prst="rect">
+                <a:avLst/>
+              </a:prstGeom>
+            </p:spPr>
+          </p:pic>
+        </mc:Fallback>
+      </mc:AlternateContent>
     </p:spTree>
     <p:extLst>
       <p:ext uri="{BB962C8B-B14F-4D97-AF65-F5344CB8AC3E}">
@@ -12643,7 +14049,7 @@
 </p:sld>
 </file>
 
-<file path=ppt/slides/slide23.xml><?xml version="1.0" encoding="utf-8"?>
+<file path=ppt/slides/slide24.xml><?xml version="1.0" encoding="utf-8"?>
 <p:sld xmlns:a="http://schemas.openxmlformats.org/drawingml/2006/main" xmlns:r="http://schemas.openxmlformats.org/officeDocument/2006/relationships" xmlns:p="http://schemas.openxmlformats.org/presentationml/2006/main">
   <p:cSld>
     <p:spTree>
@@ -12721,7 +14127,7 @@
             <a:fld id="{D75B69EA-F5F3-9148-B3D2-85669F9D4A27}" type="slidenum">
               <a:rPr lang="en-US" smtClean="0"/>
               <a:pPr/>
-              <a:t>23</a:t>
+              <a:t>24</a:t>
             </a:fld>
             <a:endParaRPr lang="en-US" dirty="0"/>
           </a:p>
@@ -13288,7 +14694,7 @@
 </p:sld>
 </file>
 
-<file path=ppt/slides/slide24.xml><?xml version="1.0" encoding="utf-8"?>
+<file path=ppt/slides/slide25.xml><?xml version="1.0" encoding="utf-8"?>
 <p:sld xmlns:a="http://schemas.openxmlformats.org/drawingml/2006/main" xmlns:r="http://schemas.openxmlformats.org/officeDocument/2006/relationships" xmlns:p="http://schemas.openxmlformats.org/presentationml/2006/main">
   <p:cSld>
     <p:spTree>
@@ -13329,7 +14735,7 @@
             <a:fld id="{D75B69EA-F5F3-9148-B3D2-85669F9D4A27}" type="slidenum">
               <a:rPr lang="en-US" smtClean="0"/>
               <a:pPr/>
-              <a:t>24</a:t>
+              <a:t>25</a:t>
             </a:fld>
             <a:endParaRPr lang="en-US" dirty="0"/>
           </a:p>
@@ -13407,423 +14813,6 @@
     <p:extLst>
       <p:ext uri="{BB962C8B-B14F-4D97-AF65-F5344CB8AC3E}">
         <p14:creationId xmlns:p14="http://schemas.microsoft.com/office/powerpoint/2010/main" val="3588565550"/>
-      </p:ext>
-    </p:extLst>
-  </p:cSld>
-  <p:clrMapOvr>
-    <a:masterClrMapping/>
-  </p:clrMapOvr>
-</p:sld>
-</file>
-
-<file path=ppt/slides/slide25.xml><?xml version="1.0" encoding="utf-8"?>
-<p:sld xmlns:a="http://schemas.openxmlformats.org/drawingml/2006/main" xmlns:r="http://schemas.openxmlformats.org/officeDocument/2006/relationships" xmlns:p="http://schemas.openxmlformats.org/presentationml/2006/main">
-  <p:cSld>
-    <p:spTree>
-      <p:nvGrpSpPr>
-        <p:cNvPr id="1" name=""/>
-        <p:cNvGrpSpPr/>
-        <p:nvPr/>
-      </p:nvGrpSpPr>
-      <p:grpSpPr>
-        <a:xfrm>
-          <a:off x="0" y="0"/>
-          <a:ext cx="0" cy="0"/>
-          <a:chOff x="0" y="0"/>
-          <a:chExt cx="0" cy="0"/>
-        </a:xfrm>
-      </p:grpSpPr>
-      <p:sp>
-        <p:nvSpPr>
-          <p:cNvPr id="2" name="Title 1">
-            <a:extLst>
-              <a:ext uri="{FF2B5EF4-FFF2-40B4-BE49-F238E27FC236}">
-                <a16:creationId xmlns:a16="http://schemas.microsoft.com/office/drawing/2014/main" id="{1B3D9B9F-DF9D-FF4B-AD81-6E13E697543B}"/>
-              </a:ext>
-            </a:extLst>
-          </p:cNvPr>
-          <p:cNvSpPr>
-            <a:spLocks noGrp="1"/>
-          </p:cNvSpPr>
-          <p:nvPr>
-            <p:ph type="title"/>
-          </p:nvPr>
-        </p:nvSpPr>
-        <p:spPr>
-          <a:xfrm>
-            <a:off x="503510" y="262400"/>
-            <a:ext cx="9096441" cy="1157823"/>
-          </a:xfrm>
-        </p:spPr>
-        <p:txBody>
-          <a:bodyPr>
-            <a:noAutofit/>
-          </a:bodyPr>
-          <a:lstStyle/>
-          <a:p>
-            <a:r>
-              <a:rPr lang="en-US" sz="6600" b="1" dirty="0">
-                <a:latin typeface="+mn-lt"/>
-              </a:rPr>
-              <a:t>A FL Setting</a:t>
-            </a:r>
-          </a:p>
-        </p:txBody>
-      </p:sp>
-      <p:sp>
-        <p:nvSpPr>
-          <p:cNvPr id="3" name="Slide Number Placeholder 2">
-            <a:extLst>
-              <a:ext uri="{FF2B5EF4-FFF2-40B4-BE49-F238E27FC236}">
-                <a16:creationId xmlns:a16="http://schemas.microsoft.com/office/drawing/2014/main" id="{586329B8-615A-7647-98FD-7D365CE2492C}"/>
-              </a:ext>
-            </a:extLst>
-          </p:cNvPr>
-          <p:cNvSpPr>
-            <a:spLocks noGrp="1"/>
-          </p:cNvSpPr>
-          <p:nvPr>
-            <p:ph type="sldNum" sz="quarter" idx="12"/>
-          </p:nvPr>
-        </p:nvSpPr>
-        <p:spPr/>
-        <p:txBody>
-          <a:bodyPr/>
-          <a:lstStyle/>
-          <a:p>
-            <a:fld id="{D75B69EA-F5F3-9148-B3D2-85669F9D4A27}" type="slidenum">
-              <a:rPr lang="en-US" smtClean="0"/>
-              <a:pPr/>
-              <a:t>25</a:t>
-            </a:fld>
-            <a:endParaRPr lang="en-US" dirty="0"/>
-          </a:p>
-        </p:txBody>
-      </p:sp>
-      <p:pic>
-        <p:nvPicPr>
-          <p:cNvPr id="7" name="Graphic 6" descr="Smart Phone with solid fill">
-            <a:extLst>
-              <a:ext uri="{FF2B5EF4-FFF2-40B4-BE49-F238E27FC236}">
-                <a16:creationId xmlns:a16="http://schemas.microsoft.com/office/drawing/2014/main" id="{0CF3D7CD-F118-18E8-28EC-9AACF9D9E82F}"/>
-              </a:ext>
-            </a:extLst>
-          </p:cNvPr>
-          <p:cNvPicPr>
-            <a:picLocks noChangeAspect="1"/>
-          </p:cNvPicPr>
-          <p:nvPr/>
-        </p:nvPicPr>
-        <p:blipFill>
-          <a:blip r:embed="rId2">
-            <a:extLst>
-              <a:ext uri="{96DAC541-7B7A-43D3-8B79-37D633B846F1}">
-                <asvg:svgBlip xmlns:asvg="http://schemas.microsoft.com/office/drawing/2016/SVG/main" r:embed="rId3"/>
-              </a:ext>
-            </a:extLst>
-          </a:blip>
-          <a:stretch>
-            <a:fillRect/>
-          </a:stretch>
-        </p:blipFill>
-        <p:spPr>
-          <a:xfrm>
-            <a:off x="8125098" y="1740239"/>
-            <a:ext cx="1862529" cy="1862529"/>
-          </a:xfrm>
-          <a:prstGeom prst="rect">
-            <a:avLst/>
-          </a:prstGeom>
-        </p:spPr>
-      </p:pic>
-      <p:pic>
-        <p:nvPicPr>
-          <p:cNvPr id="8" name="Graphic 7" descr="Smart Phone with solid fill">
-            <a:extLst>
-              <a:ext uri="{FF2B5EF4-FFF2-40B4-BE49-F238E27FC236}">
-                <a16:creationId xmlns:a16="http://schemas.microsoft.com/office/drawing/2014/main" id="{336DD251-CC98-8AF4-3A40-9D4351568F61}"/>
-              </a:ext>
-            </a:extLst>
-          </p:cNvPr>
-          <p:cNvPicPr>
-            <a:picLocks noChangeAspect="1"/>
-          </p:cNvPicPr>
-          <p:nvPr/>
-        </p:nvPicPr>
-        <p:blipFill>
-          <a:blip r:embed="rId2">
-            <a:extLst>
-              <a:ext uri="{96DAC541-7B7A-43D3-8B79-37D633B846F1}">
-                <asvg:svgBlip xmlns:asvg="http://schemas.microsoft.com/office/drawing/2016/SVG/main" r:embed="rId3"/>
-              </a:ext>
-            </a:extLst>
-          </a:blip>
-          <a:stretch>
-            <a:fillRect/>
-          </a:stretch>
-        </p:blipFill>
-        <p:spPr>
-          <a:xfrm>
-            <a:off x="2592049" y="1385760"/>
-            <a:ext cx="1715286" cy="1715286"/>
-          </a:xfrm>
-          <a:prstGeom prst="rect">
-            <a:avLst/>
-          </a:prstGeom>
-        </p:spPr>
-      </p:pic>
-      <p:pic>
-        <p:nvPicPr>
-          <p:cNvPr id="9" name="Graphic 8" descr="Smart Phone with solid fill">
-            <a:extLst>
-              <a:ext uri="{FF2B5EF4-FFF2-40B4-BE49-F238E27FC236}">
-                <a16:creationId xmlns:a16="http://schemas.microsoft.com/office/drawing/2014/main" id="{E4A72C99-F911-B3FB-C5EB-0731C0E130E3}"/>
-              </a:ext>
-            </a:extLst>
-          </p:cNvPr>
-          <p:cNvPicPr>
-            <a:picLocks noChangeAspect="1"/>
-          </p:cNvPicPr>
-          <p:nvPr/>
-        </p:nvPicPr>
-        <p:blipFill>
-          <a:blip r:embed="rId2">
-            <a:extLst>
-              <a:ext uri="{96DAC541-7B7A-43D3-8B79-37D633B846F1}">
-                <asvg:svgBlip xmlns:asvg="http://schemas.microsoft.com/office/drawing/2016/SVG/main" r:embed="rId3"/>
-              </a:ext>
-            </a:extLst>
-          </a:blip>
-          <a:stretch>
-            <a:fillRect/>
-          </a:stretch>
-        </p:blipFill>
-        <p:spPr>
-          <a:xfrm>
-            <a:off x="4420851" y="4499339"/>
-            <a:ext cx="2010762" cy="2010762"/>
-          </a:xfrm>
-          <a:prstGeom prst="rect">
-            <a:avLst/>
-          </a:prstGeom>
-        </p:spPr>
-      </p:pic>
-      <p:pic>
-        <p:nvPicPr>
-          <p:cNvPr id="10" name="Picture 9">
-            <a:extLst>
-              <a:ext uri="{FF2B5EF4-FFF2-40B4-BE49-F238E27FC236}">
-                <a16:creationId xmlns:a16="http://schemas.microsoft.com/office/drawing/2014/main" id="{8C5C0B4F-1D9A-7645-D7DF-C975157AE43D}"/>
-              </a:ext>
-            </a:extLst>
-          </p:cNvPr>
-          <p:cNvPicPr>
-            <a:picLocks noChangeAspect="1"/>
-          </p:cNvPicPr>
-          <p:nvPr/>
-        </p:nvPicPr>
-        <p:blipFill>
-          <a:blip r:embed="rId4" cstate="email">
-            <a:extLst>
-              <a:ext uri="{28A0092B-C50C-407E-A947-70E740481C1C}">
-                <a14:useLocalDpi xmlns:a14="http://schemas.microsoft.com/office/drawing/2010/main"/>
-              </a:ext>
-            </a:extLst>
-          </a:blip>
-          <a:stretch>
-            <a:fillRect/>
-          </a:stretch>
-        </p:blipFill>
-        <p:spPr>
-          <a:xfrm>
-            <a:off x="4169763" y="1353280"/>
-            <a:ext cx="1422400" cy="1422400"/>
-          </a:xfrm>
-          <a:prstGeom prst="rect">
-            <a:avLst/>
-          </a:prstGeom>
-        </p:spPr>
-      </p:pic>
-      <p:pic>
-        <p:nvPicPr>
-          <p:cNvPr id="11" name="Picture 10">
-            <a:extLst>
-              <a:ext uri="{FF2B5EF4-FFF2-40B4-BE49-F238E27FC236}">
-                <a16:creationId xmlns:a16="http://schemas.microsoft.com/office/drawing/2014/main" id="{3A5DC7D9-4540-677F-FD78-DDA13B53FE0F}"/>
-              </a:ext>
-            </a:extLst>
-          </p:cNvPr>
-          <p:cNvPicPr>
-            <a:picLocks noChangeAspect="1"/>
-          </p:cNvPicPr>
-          <p:nvPr/>
-        </p:nvPicPr>
-        <p:blipFill>
-          <a:blip r:embed="rId4" cstate="email">
-            <a:extLst>
-              <a:ext uri="{28A0092B-C50C-407E-A947-70E740481C1C}">
-                <a14:useLocalDpi xmlns:a14="http://schemas.microsoft.com/office/drawing/2010/main"/>
-              </a:ext>
-            </a:extLst>
-          </a:blip>
-          <a:stretch>
-            <a:fillRect/>
-          </a:stretch>
-        </p:blipFill>
-        <p:spPr>
-          <a:xfrm>
-            <a:off x="6235906" y="4129478"/>
-            <a:ext cx="1422400" cy="1422400"/>
-          </a:xfrm>
-          <a:prstGeom prst="rect">
-            <a:avLst/>
-          </a:prstGeom>
-        </p:spPr>
-      </p:pic>
-      <p:pic>
-        <p:nvPicPr>
-          <p:cNvPr id="13" name="Graphic 12" descr="Empty battery with solid fill">
-            <a:extLst>
-              <a:ext uri="{FF2B5EF4-FFF2-40B4-BE49-F238E27FC236}">
-                <a16:creationId xmlns:a16="http://schemas.microsoft.com/office/drawing/2014/main" id="{3752E70F-96ED-7DF1-095A-226C80182791}"/>
-              </a:ext>
-            </a:extLst>
-          </p:cNvPr>
-          <p:cNvPicPr>
-            <a:picLocks noChangeAspect="1"/>
-          </p:cNvPicPr>
-          <p:nvPr/>
-        </p:nvPicPr>
-        <p:blipFill>
-          <a:blip r:embed="rId5" cstate="email">
-            <a:extLst>
-              <a:ext uri="{28A0092B-C50C-407E-A947-70E740481C1C}">
-                <a14:useLocalDpi xmlns:a14="http://schemas.microsoft.com/office/drawing/2010/main"/>
-              </a:ext>
-              <a:ext uri="{96DAC541-7B7A-43D3-8B79-37D633B846F1}">
-                <asvg:svgBlip xmlns:asvg="http://schemas.microsoft.com/office/drawing/2016/SVG/main" r:embed="rId6"/>
-              </a:ext>
-            </a:extLst>
-          </a:blip>
-          <a:stretch>
-            <a:fillRect/>
-          </a:stretch>
-        </p:blipFill>
-        <p:spPr>
-          <a:xfrm rot="16200000">
-            <a:off x="8708362" y="2308615"/>
-            <a:ext cx="725775" cy="725775"/>
-          </a:xfrm>
-          <a:prstGeom prst="rect">
-            <a:avLst/>
-          </a:prstGeom>
-        </p:spPr>
-      </p:pic>
-      <p:pic>
-        <p:nvPicPr>
-          <p:cNvPr id="17" name="Graphic 16" descr="No Phones with solid fill">
-            <a:extLst>
-              <a:ext uri="{FF2B5EF4-FFF2-40B4-BE49-F238E27FC236}">
-                <a16:creationId xmlns:a16="http://schemas.microsoft.com/office/drawing/2014/main" id="{4BEBB3E9-9442-02B7-F111-4E8F977DFF9F}"/>
-              </a:ext>
-            </a:extLst>
-          </p:cNvPr>
-          <p:cNvPicPr>
-            <a:picLocks noChangeAspect="1"/>
-          </p:cNvPicPr>
-          <p:nvPr/>
-        </p:nvPicPr>
-        <p:blipFill>
-          <a:blip r:embed="rId7">
-            <a:extLst>
-              <a:ext uri="{96DAC541-7B7A-43D3-8B79-37D633B846F1}">
-                <asvg:svgBlip xmlns:asvg="http://schemas.microsoft.com/office/drawing/2016/SVG/main" r:embed="rId8"/>
-              </a:ext>
-            </a:extLst>
-          </a:blip>
-          <a:stretch>
-            <a:fillRect/>
-          </a:stretch>
-        </p:blipFill>
-        <p:spPr>
-          <a:xfrm>
-            <a:off x="295438" y="3922784"/>
-            <a:ext cx="2010762" cy="2010762"/>
-          </a:xfrm>
-          <a:prstGeom prst="rect">
-            <a:avLst/>
-          </a:prstGeom>
-        </p:spPr>
-      </p:pic>
-      <p:pic>
-        <p:nvPicPr>
-          <p:cNvPr id="12" name="Graphic 11" descr="Shield Cross outline">
-            <a:extLst>
-              <a:ext uri="{FF2B5EF4-FFF2-40B4-BE49-F238E27FC236}">
-                <a16:creationId xmlns:a16="http://schemas.microsoft.com/office/drawing/2014/main" id="{A30115FC-F18E-2F40-CCD9-0EF8FCF06E64}"/>
-              </a:ext>
-            </a:extLst>
-          </p:cNvPr>
-          <p:cNvPicPr>
-            <a:picLocks noChangeAspect="1"/>
-          </p:cNvPicPr>
-          <p:nvPr/>
-        </p:nvPicPr>
-        <p:blipFill>
-          <a:blip r:embed="rId9">
-            <a:extLst>
-              <a:ext uri="{96DAC541-7B7A-43D3-8B79-37D633B846F1}">
-                <asvg:svgBlip xmlns:asvg="http://schemas.microsoft.com/office/drawing/2016/SVG/main" r:embed="rId10"/>
-              </a:ext>
-            </a:extLst>
-          </a:blip>
-          <a:stretch>
-            <a:fillRect/>
-          </a:stretch>
-        </p:blipFill>
-        <p:spPr>
-          <a:xfrm>
-            <a:off x="6833427" y="1575787"/>
-            <a:ext cx="1525259" cy="1525259"/>
-          </a:xfrm>
-          <a:prstGeom prst="rect">
-            <a:avLst/>
-          </a:prstGeom>
-        </p:spPr>
-      </p:pic>
-      <p:sp>
-        <p:nvSpPr>
-          <p:cNvPr id="5" name="Date Placeholder 4">
-            <a:extLst>
-              <a:ext uri="{FF2B5EF4-FFF2-40B4-BE49-F238E27FC236}">
-                <a16:creationId xmlns:a16="http://schemas.microsoft.com/office/drawing/2014/main" id="{C80D9ADF-A0A8-235B-51D2-0371533B0D59}"/>
-              </a:ext>
-            </a:extLst>
-          </p:cNvPr>
-          <p:cNvSpPr>
-            <a:spLocks noGrp="1"/>
-          </p:cNvSpPr>
-          <p:nvPr>
-            <p:ph type="dt" sz="half" idx="10"/>
-          </p:nvPr>
-        </p:nvSpPr>
-        <p:spPr/>
-        <p:txBody>
-          <a:bodyPr/>
-          <a:lstStyle/>
-          <a:p>
-            <a:fld id="{7CEB8B5B-7C3F-C247-AD5B-07927462130C}" type="datetime1">
-              <a:rPr lang="en-US" smtClean="0"/>
-              <a:t>3/22/23</a:t>
-            </a:fld>
-            <a:endParaRPr lang="en-US" dirty="0"/>
-          </a:p>
-        </p:txBody>
-      </p:sp>
-    </p:spTree>
-    <p:extLst>
-      <p:ext uri="{BB962C8B-B14F-4D97-AF65-F5344CB8AC3E}">
-        <p14:creationId xmlns:p14="http://schemas.microsoft.com/office/powerpoint/2010/main" val="1440158901"/>
       </p:ext>
     </p:extLst>
   </p:cSld>
@@ -13868,8 +14857,8 @@
         </p:nvSpPr>
         <p:spPr>
           <a:xfrm>
-            <a:off x="197460" y="643435"/>
-            <a:ext cx="8413140" cy="1157823"/>
+            <a:off x="503510" y="262400"/>
+            <a:ext cx="9096441" cy="1157823"/>
           </a:xfrm>
         </p:spPr>
         <p:txBody>
@@ -13882,7 +14871,7 @@
               <a:rPr lang="en-US" sz="6600" b="1" dirty="0">
                 <a:latin typeface="+mn-lt"/>
               </a:rPr>
-              <a:t>Requirements</a:t>
+              <a:t>A FL Setting</a:t>
             </a:r>
           </a:p>
         </p:txBody>
@@ -13917,80 +14906,303 @@
           </a:p>
         </p:txBody>
       </p:sp>
-      <p:sp>
-        <p:nvSpPr>
-          <p:cNvPr id="4" name="TextBox 3">
-            <a:extLst>
-              <a:ext uri="{FF2B5EF4-FFF2-40B4-BE49-F238E27FC236}">
-                <a16:creationId xmlns:a16="http://schemas.microsoft.com/office/drawing/2014/main" id="{D3B50772-2765-3346-9647-6B9739F8CDAE}"/>
-              </a:ext>
-            </a:extLst>
-          </p:cNvPr>
-          <p:cNvSpPr txBox="1"/>
+      <p:pic>
+        <p:nvPicPr>
+          <p:cNvPr id="7" name="Graphic 6" descr="Smart Phone with solid fill">
+            <a:extLst>
+              <a:ext uri="{FF2B5EF4-FFF2-40B4-BE49-F238E27FC236}">
+                <a16:creationId xmlns:a16="http://schemas.microsoft.com/office/drawing/2014/main" id="{0CF3D7CD-F118-18E8-28EC-9AACF9D9E82F}"/>
+              </a:ext>
+            </a:extLst>
+          </p:cNvPr>
+          <p:cNvPicPr>
+            <a:picLocks noChangeAspect="1"/>
+          </p:cNvPicPr>
           <p:nvPr/>
-        </p:nvSpPr>
+        </p:nvPicPr>
+        <p:blipFill>
+          <a:blip r:embed="rId2">
+            <a:extLst>
+              <a:ext uri="{96DAC541-7B7A-43D3-8B79-37D633B846F1}">
+                <asvg:svgBlip xmlns:asvg="http://schemas.microsoft.com/office/drawing/2016/SVG/main" r:embed="rId3"/>
+              </a:ext>
+            </a:extLst>
+          </a:blip>
+          <a:stretch>
+            <a:fillRect/>
+          </a:stretch>
+        </p:blipFill>
         <p:spPr>
           <a:xfrm>
-            <a:off x="197460" y="2308170"/>
-            <a:ext cx="11575440" cy="3034357"/>
+            <a:off x="8125098" y="1740239"/>
+            <a:ext cx="1862529" cy="1862529"/>
           </a:xfrm>
           <a:prstGeom prst="rect">
             <a:avLst/>
           </a:prstGeom>
-          <a:noFill/>
         </p:spPr>
-        <p:txBody>
-          <a:bodyPr wrap="square" rtlCol="0">
-            <a:spAutoFit/>
-          </a:bodyPr>
-          <a:lstStyle/>
-          <a:p>
-            <a:pPr marL="571500" indent="-571500">
-              <a:lnSpc>
-                <a:spcPct val="150000"/>
-              </a:lnSpc>
-              <a:buFont typeface="Arial" panose="020B0604020202020204" pitchFamily="34" charset="0"/>
-              <a:buChar char="•"/>
-            </a:pPr>
-            <a:r>
-              <a:rPr lang="en-US" sz="4400" dirty="0"/>
-              <a:t>run in ad-hoc nets of low-cost devices  </a:t>
-            </a:r>
-          </a:p>
-          <a:p>
-            <a:pPr marL="571500" indent="-571500">
-              <a:lnSpc>
-                <a:spcPct val="150000"/>
-              </a:lnSpc>
-              <a:buFont typeface="Arial" panose="020B0604020202020204" pitchFamily="34" charset="0"/>
-              <a:buChar char="•"/>
-            </a:pPr>
-            <a:r>
-              <a:rPr lang="en-US" sz="4400" dirty="0"/>
-              <a:t>robustness against node/link failures </a:t>
-            </a:r>
-          </a:p>
-          <a:p>
-            <a:pPr marL="571500" indent="-571500">
-              <a:lnSpc>
-                <a:spcPct val="150000"/>
-              </a:lnSpc>
-              <a:buFont typeface="Arial" panose="020B0604020202020204" pitchFamily="34" charset="0"/>
-              <a:buChar char="•"/>
-            </a:pPr>
-            <a:r>
-              <a:rPr lang="en-US" sz="4400" dirty="0"/>
-              <a:t>robustness against “stragglers” </a:t>
-            </a:r>
-          </a:p>
-        </p:txBody>
-      </p:sp>
+      </p:pic>
+      <p:pic>
+        <p:nvPicPr>
+          <p:cNvPr id="8" name="Graphic 7" descr="Smart Phone with solid fill">
+            <a:extLst>
+              <a:ext uri="{FF2B5EF4-FFF2-40B4-BE49-F238E27FC236}">
+                <a16:creationId xmlns:a16="http://schemas.microsoft.com/office/drawing/2014/main" id="{336DD251-CC98-8AF4-3A40-9D4351568F61}"/>
+              </a:ext>
+            </a:extLst>
+          </p:cNvPr>
+          <p:cNvPicPr>
+            <a:picLocks noChangeAspect="1"/>
+          </p:cNvPicPr>
+          <p:nvPr/>
+        </p:nvPicPr>
+        <p:blipFill>
+          <a:blip r:embed="rId2">
+            <a:extLst>
+              <a:ext uri="{96DAC541-7B7A-43D3-8B79-37D633B846F1}">
+                <asvg:svgBlip xmlns:asvg="http://schemas.microsoft.com/office/drawing/2016/SVG/main" r:embed="rId3"/>
+              </a:ext>
+            </a:extLst>
+          </a:blip>
+          <a:stretch>
+            <a:fillRect/>
+          </a:stretch>
+        </p:blipFill>
+        <p:spPr>
+          <a:xfrm>
+            <a:off x="2592049" y="1385760"/>
+            <a:ext cx="1715286" cy="1715286"/>
+          </a:xfrm>
+          <a:prstGeom prst="rect">
+            <a:avLst/>
+          </a:prstGeom>
+        </p:spPr>
+      </p:pic>
+      <p:pic>
+        <p:nvPicPr>
+          <p:cNvPr id="9" name="Graphic 8" descr="Smart Phone with solid fill">
+            <a:extLst>
+              <a:ext uri="{FF2B5EF4-FFF2-40B4-BE49-F238E27FC236}">
+                <a16:creationId xmlns:a16="http://schemas.microsoft.com/office/drawing/2014/main" id="{E4A72C99-F911-B3FB-C5EB-0731C0E130E3}"/>
+              </a:ext>
+            </a:extLst>
+          </p:cNvPr>
+          <p:cNvPicPr>
+            <a:picLocks noChangeAspect="1"/>
+          </p:cNvPicPr>
+          <p:nvPr/>
+        </p:nvPicPr>
+        <p:blipFill>
+          <a:blip r:embed="rId2">
+            <a:extLst>
+              <a:ext uri="{96DAC541-7B7A-43D3-8B79-37D633B846F1}">
+                <asvg:svgBlip xmlns:asvg="http://schemas.microsoft.com/office/drawing/2016/SVG/main" r:embed="rId3"/>
+              </a:ext>
+            </a:extLst>
+          </a:blip>
+          <a:stretch>
+            <a:fillRect/>
+          </a:stretch>
+        </p:blipFill>
+        <p:spPr>
+          <a:xfrm>
+            <a:off x="4420851" y="4499339"/>
+            <a:ext cx="2010762" cy="2010762"/>
+          </a:xfrm>
+          <a:prstGeom prst="rect">
+            <a:avLst/>
+          </a:prstGeom>
+        </p:spPr>
+      </p:pic>
+      <p:pic>
+        <p:nvPicPr>
+          <p:cNvPr id="10" name="Picture 9">
+            <a:extLst>
+              <a:ext uri="{FF2B5EF4-FFF2-40B4-BE49-F238E27FC236}">
+                <a16:creationId xmlns:a16="http://schemas.microsoft.com/office/drawing/2014/main" id="{8C5C0B4F-1D9A-7645-D7DF-C975157AE43D}"/>
+              </a:ext>
+            </a:extLst>
+          </p:cNvPr>
+          <p:cNvPicPr>
+            <a:picLocks noChangeAspect="1"/>
+          </p:cNvPicPr>
+          <p:nvPr/>
+        </p:nvPicPr>
+        <p:blipFill>
+          <a:blip r:embed="rId4" cstate="email">
+            <a:extLst>
+              <a:ext uri="{28A0092B-C50C-407E-A947-70E740481C1C}">
+                <a14:useLocalDpi xmlns:a14="http://schemas.microsoft.com/office/drawing/2010/main"/>
+              </a:ext>
+            </a:extLst>
+          </a:blip>
+          <a:stretch>
+            <a:fillRect/>
+          </a:stretch>
+        </p:blipFill>
+        <p:spPr>
+          <a:xfrm>
+            <a:off x="4169763" y="1353280"/>
+            <a:ext cx="1422400" cy="1422400"/>
+          </a:xfrm>
+          <a:prstGeom prst="rect">
+            <a:avLst/>
+          </a:prstGeom>
+        </p:spPr>
+      </p:pic>
+      <p:pic>
+        <p:nvPicPr>
+          <p:cNvPr id="11" name="Picture 10">
+            <a:extLst>
+              <a:ext uri="{FF2B5EF4-FFF2-40B4-BE49-F238E27FC236}">
+                <a16:creationId xmlns:a16="http://schemas.microsoft.com/office/drawing/2014/main" id="{3A5DC7D9-4540-677F-FD78-DDA13B53FE0F}"/>
+              </a:ext>
+            </a:extLst>
+          </p:cNvPr>
+          <p:cNvPicPr>
+            <a:picLocks noChangeAspect="1"/>
+          </p:cNvPicPr>
+          <p:nvPr/>
+        </p:nvPicPr>
+        <p:blipFill>
+          <a:blip r:embed="rId4" cstate="email">
+            <a:extLst>
+              <a:ext uri="{28A0092B-C50C-407E-A947-70E740481C1C}">
+                <a14:useLocalDpi xmlns:a14="http://schemas.microsoft.com/office/drawing/2010/main"/>
+              </a:ext>
+            </a:extLst>
+          </a:blip>
+          <a:stretch>
+            <a:fillRect/>
+          </a:stretch>
+        </p:blipFill>
+        <p:spPr>
+          <a:xfrm>
+            <a:off x="6235906" y="4129478"/>
+            <a:ext cx="1422400" cy="1422400"/>
+          </a:xfrm>
+          <a:prstGeom prst="rect">
+            <a:avLst/>
+          </a:prstGeom>
+        </p:spPr>
+      </p:pic>
+      <p:pic>
+        <p:nvPicPr>
+          <p:cNvPr id="13" name="Graphic 12" descr="Empty battery with solid fill">
+            <a:extLst>
+              <a:ext uri="{FF2B5EF4-FFF2-40B4-BE49-F238E27FC236}">
+                <a16:creationId xmlns:a16="http://schemas.microsoft.com/office/drawing/2014/main" id="{3752E70F-96ED-7DF1-095A-226C80182791}"/>
+              </a:ext>
+            </a:extLst>
+          </p:cNvPr>
+          <p:cNvPicPr>
+            <a:picLocks noChangeAspect="1"/>
+          </p:cNvPicPr>
+          <p:nvPr/>
+        </p:nvPicPr>
+        <p:blipFill>
+          <a:blip r:embed="rId5" cstate="email">
+            <a:extLst>
+              <a:ext uri="{28A0092B-C50C-407E-A947-70E740481C1C}">
+                <a14:useLocalDpi xmlns:a14="http://schemas.microsoft.com/office/drawing/2010/main"/>
+              </a:ext>
+              <a:ext uri="{96DAC541-7B7A-43D3-8B79-37D633B846F1}">
+                <asvg:svgBlip xmlns:asvg="http://schemas.microsoft.com/office/drawing/2016/SVG/main" r:embed="rId6"/>
+              </a:ext>
+            </a:extLst>
+          </a:blip>
+          <a:stretch>
+            <a:fillRect/>
+          </a:stretch>
+        </p:blipFill>
+        <p:spPr>
+          <a:xfrm rot="16200000">
+            <a:off x="8708362" y="2308615"/>
+            <a:ext cx="725775" cy="725775"/>
+          </a:xfrm>
+          <a:prstGeom prst="rect">
+            <a:avLst/>
+          </a:prstGeom>
+        </p:spPr>
+      </p:pic>
+      <p:pic>
+        <p:nvPicPr>
+          <p:cNvPr id="17" name="Graphic 16" descr="No Phones with solid fill">
+            <a:extLst>
+              <a:ext uri="{FF2B5EF4-FFF2-40B4-BE49-F238E27FC236}">
+                <a16:creationId xmlns:a16="http://schemas.microsoft.com/office/drawing/2014/main" id="{4BEBB3E9-9442-02B7-F111-4E8F977DFF9F}"/>
+              </a:ext>
+            </a:extLst>
+          </p:cNvPr>
+          <p:cNvPicPr>
+            <a:picLocks noChangeAspect="1"/>
+          </p:cNvPicPr>
+          <p:nvPr/>
+        </p:nvPicPr>
+        <p:blipFill>
+          <a:blip r:embed="rId7">
+            <a:extLst>
+              <a:ext uri="{96DAC541-7B7A-43D3-8B79-37D633B846F1}">
+                <asvg:svgBlip xmlns:asvg="http://schemas.microsoft.com/office/drawing/2016/SVG/main" r:embed="rId8"/>
+              </a:ext>
+            </a:extLst>
+          </a:blip>
+          <a:stretch>
+            <a:fillRect/>
+          </a:stretch>
+        </p:blipFill>
+        <p:spPr>
+          <a:xfrm>
+            <a:off x="295438" y="3922784"/>
+            <a:ext cx="2010762" cy="2010762"/>
+          </a:xfrm>
+          <a:prstGeom prst="rect">
+            <a:avLst/>
+          </a:prstGeom>
+        </p:spPr>
+      </p:pic>
+      <p:pic>
+        <p:nvPicPr>
+          <p:cNvPr id="12" name="Graphic 11" descr="Shield Cross outline">
+            <a:extLst>
+              <a:ext uri="{FF2B5EF4-FFF2-40B4-BE49-F238E27FC236}">
+                <a16:creationId xmlns:a16="http://schemas.microsoft.com/office/drawing/2014/main" id="{A30115FC-F18E-2F40-CCD9-0EF8FCF06E64}"/>
+              </a:ext>
+            </a:extLst>
+          </p:cNvPr>
+          <p:cNvPicPr>
+            <a:picLocks noChangeAspect="1"/>
+          </p:cNvPicPr>
+          <p:nvPr/>
+        </p:nvPicPr>
+        <p:blipFill>
+          <a:blip r:embed="rId9">
+            <a:extLst>
+              <a:ext uri="{96DAC541-7B7A-43D3-8B79-37D633B846F1}">
+                <asvg:svgBlip xmlns:asvg="http://schemas.microsoft.com/office/drawing/2016/SVG/main" r:embed="rId10"/>
+              </a:ext>
+            </a:extLst>
+          </a:blip>
+          <a:stretch>
+            <a:fillRect/>
+          </a:stretch>
+        </p:blipFill>
+        <p:spPr>
+          <a:xfrm>
+            <a:off x="6833427" y="1575787"/>
+            <a:ext cx="1525259" cy="1525259"/>
+          </a:xfrm>
+          <a:prstGeom prst="rect">
+            <a:avLst/>
+          </a:prstGeom>
+        </p:spPr>
+      </p:pic>
       <p:sp>
         <p:nvSpPr>
-          <p:cNvPr id="7" name="Date Placeholder 6">
-            <a:extLst>
-              <a:ext uri="{FF2B5EF4-FFF2-40B4-BE49-F238E27FC236}">
-                <a16:creationId xmlns:a16="http://schemas.microsoft.com/office/drawing/2014/main" id="{62873B12-57A4-82DE-623E-BA86638CF03A}"/>
+          <p:cNvPr id="5" name="Date Placeholder 4">
+            <a:extLst>
+              <a:ext uri="{FF2B5EF4-FFF2-40B4-BE49-F238E27FC236}">
+                <a16:creationId xmlns:a16="http://schemas.microsoft.com/office/drawing/2014/main" id="{C80D9ADF-A0A8-235B-51D2-0371533B0D59}"/>
               </a:ext>
             </a:extLst>
           </p:cNvPr>
@@ -14006,7 +15218,7 @@
           <a:bodyPr/>
           <a:lstStyle/>
           <a:p>
-            <a:fld id="{998D1C19-5897-FA44-8290-2684318B73CF}" type="datetime1">
+            <a:fld id="{7CEB8B5B-7C3F-C247-AD5B-07927462130C}" type="datetime1">
               <a:rPr lang="en-US" smtClean="0"/>
               <a:t>3/22/23</a:t>
             </a:fld>
@@ -14017,7 +15229,7 @@
     </p:spTree>
     <p:extLst>
       <p:ext uri="{BB962C8B-B14F-4D97-AF65-F5344CB8AC3E}">
-        <p14:creationId xmlns:p14="http://schemas.microsoft.com/office/powerpoint/2010/main" val="117436901"/>
+        <p14:creationId xmlns:p14="http://schemas.microsoft.com/office/powerpoint/2010/main" val="1440158901"/>
       </p:ext>
     </p:extLst>
   </p:cSld>
@@ -14062,8 +15274,8 @@
         </p:nvSpPr>
         <p:spPr>
           <a:xfrm>
-            <a:off x="503510" y="262400"/>
-            <a:ext cx="9096441" cy="1157823"/>
+            <a:off x="197460" y="643435"/>
+            <a:ext cx="8413140" cy="1157823"/>
           </a:xfrm>
         </p:spPr>
         <p:txBody>
@@ -14076,7 +15288,7 @@
               <a:rPr lang="en-US" sz="6600" b="1" dirty="0">
                 <a:latin typeface="+mn-lt"/>
               </a:rPr>
-              <a:t>Another FL Setting…</a:t>
+              <a:t>Requirements</a:t>
             </a:r>
           </a:p>
         </p:txBody>
@@ -14106,6 +15318,200 @@
               <a:rPr lang="en-US" smtClean="0"/>
               <a:pPr/>
               <a:t>27</a:t>
+            </a:fld>
+            <a:endParaRPr lang="en-US" dirty="0"/>
+          </a:p>
+        </p:txBody>
+      </p:sp>
+      <p:sp>
+        <p:nvSpPr>
+          <p:cNvPr id="4" name="TextBox 3">
+            <a:extLst>
+              <a:ext uri="{FF2B5EF4-FFF2-40B4-BE49-F238E27FC236}">
+                <a16:creationId xmlns:a16="http://schemas.microsoft.com/office/drawing/2014/main" id="{D3B50772-2765-3346-9647-6B9739F8CDAE}"/>
+              </a:ext>
+            </a:extLst>
+          </p:cNvPr>
+          <p:cNvSpPr txBox="1"/>
+          <p:nvPr/>
+        </p:nvSpPr>
+        <p:spPr>
+          <a:xfrm>
+            <a:off x="197460" y="2308170"/>
+            <a:ext cx="11575440" cy="3034357"/>
+          </a:xfrm>
+          <a:prstGeom prst="rect">
+            <a:avLst/>
+          </a:prstGeom>
+          <a:noFill/>
+        </p:spPr>
+        <p:txBody>
+          <a:bodyPr wrap="square" rtlCol="0">
+            <a:spAutoFit/>
+          </a:bodyPr>
+          <a:lstStyle/>
+          <a:p>
+            <a:pPr marL="571500" indent="-571500">
+              <a:lnSpc>
+                <a:spcPct val="150000"/>
+              </a:lnSpc>
+              <a:buFont typeface="Arial" panose="020B0604020202020204" pitchFamily="34" charset="0"/>
+              <a:buChar char="•"/>
+            </a:pPr>
+            <a:r>
+              <a:rPr lang="en-US" sz="4400" dirty="0"/>
+              <a:t>run in ad-hoc nets of low-cost devices  </a:t>
+            </a:r>
+          </a:p>
+          <a:p>
+            <a:pPr marL="571500" indent="-571500">
+              <a:lnSpc>
+                <a:spcPct val="150000"/>
+              </a:lnSpc>
+              <a:buFont typeface="Arial" panose="020B0604020202020204" pitchFamily="34" charset="0"/>
+              <a:buChar char="•"/>
+            </a:pPr>
+            <a:r>
+              <a:rPr lang="en-US" sz="4400" dirty="0"/>
+              <a:t>robustness against node/link failures </a:t>
+            </a:r>
+          </a:p>
+          <a:p>
+            <a:pPr marL="571500" indent="-571500">
+              <a:lnSpc>
+                <a:spcPct val="150000"/>
+              </a:lnSpc>
+              <a:buFont typeface="Arial" panose="020B0604020202020204" pitchFamily="34" charset="0"/>
+              <a:buChar char="•"/>
+            </a:pPr>
+            <a:r>
+              <a:rPr lang="en-US" sz="4400" dirty="0"/>
+              <a:t>robustness against “stragglers” </a:t>
+            </a:r>
+          </a:p>
+        </p:txBody>
+      </p:sp>
+      <p:sp>
+        <p:nvSpPr>
+          <p:cNvPr id="7" name="Date Placeholder 6">
+            <a:extLst>
+              <a:ext uri="{FF2B5EF4-FFF2-40B4-BE49-F238E27FC236}">
+                <a16:creationId xmlns:a16="http://schemas.microsoft.com/office/drawing/2014/main" id="{62873B12-57A4-82DE-623E-BA86638CF03A}"/>
+              </a:ext>
+            </a:extLst>
+          </p:cNvPr>
+          <p:cNvSpPr>
+            <a:spLocks noGrp="1"/>
+          </p:cNvSpPr>
+          <p:nvPr>
+            <p:ph type="dt" sz="half" idx="10"/>
+          </p:nvPr>
+        </p:nvSpPr>
+        <p:spPr/>
+        <p:txBody>
+          <a:bodyPr/>
+          <a:lstStyle/>
+          <a:p>
+            <a:fld id="{998D1C19-5897-FA44-8290-2684318B73CF}" type="datetime1">
+              <a:rPr lang="en-US" smtClean="0"/>
+              <a:t>3/22/23</a:t>
+            </a:fld>
+            <a:endParaRPr lang="en-US" dirty="0"/>
+          </a:p>
+        </p:txBody>
+      </p:sp>
+    </p:spTree>
+    <p:extLst>
+      <p:ext uri="{BB962C8B-B14F-4D97-AF65-F5344CB8AC3E}">
+        <p14:creationId xmlns:p14="http://schemas.microsoft.com/office/powerpoint/2010/main" val="117436901"/>
+      </p:ext>
+    </p:extLst>
+  </p:cSld>
+  <p:clrMapOvr>
+    <a:masterClrMapping/>
+  </p:clrMapOvr>
+</p:sld>
+</file>
+
+<file path=ppt/slides/slide28.xml><?xml version="1.0" encoding="utf-8"?>
+<p:sld xmlns:a="http://schemas.openxmlformats.org/drawingml/2006/main" xmlns:r="http://schemas.openxmlformats.org/officeDocument/2006/relationships" xmlns:p="http://schemas.openxmlformats.org/presentationml/2006/main">
+  <p:cSld>
+    <p:spTree>
+      <p:nvGrpSpPr>
+        <p:cNvPr id="1" name=""/>
+        <p:cNvGrpSpPr/>
+        <p:nvPr/>
+      </p:nvGrpSpPr>
+      <p:grpSpPr>
+        <a:xfrm>
+          <a:off x="0" y="0"/>
+          <a:ext cx="0" cy="0"/>
+          <a:chOff x="0" y="0"/>
+          <a:chExt cx="0" cy="0"/>
+        </a:xfrm>
+      </p:grpSpPr>
+      <p:sp>
+        <p:nvSpPr>
+          <p:cNvPr id="2" name="Title 1">
+            <a:extLst>
+              <a:ext uri="{FF2B5EF4-FFF2-40B4-BE49-F238E27FC236}">
+                <a16:creationId xmlns:a16="http://schemas.microsoft.com/office/drawing/2014/main" id="{1B3D9B9F-DF9D-FF4B-AD81-6E13E697543B}"/>
+              </a:ext>
+            </a:extLst>
+          </p:cNvPr>
+          <p:cNvSpPr>
+            <a:spLocks noGrp="1"/>
+          </p:cNvSpPr>
+          <p:nvPr>
+            <p:ph type="title"/>
+          </p:nvPr>
+        </p:nvSpPr>
+        <p:spPr>
+          <a:xfrm>
+            <a:off x="503510" y="262400"/>
+            <a:ext cx="9096441" cy="1157823"/>
+          </a:xfrm>
+        </p:spPr>
+        <p:txBody>
+          <a:bodyPr>
+            <a:noAutofit/>
+          </a:bodyPr>
+          <a:lstStyle/>
+          <a:p>
+            <a:r>
+              <a:rPr lang="en-US" sz="6600" b="1" dirty="0">
+                <a:latin typeface="+mn-lt"/>
+              </a:rPr>
+              <a:t>Another FL Setting…</a:t>
+            </a:r>
+          </a:p>
+        </p:txBody>
+      </p:sp>
+      <p:sp>
+        <p:nvSpPr>
+          <p:cNvPr id="3" name="Slide Number Placeholder 2">
+            <a:extLst>
+              <a:ext uri="{FF2B5EF4-FFF2-40B4-BE49-F238E27FC236}">
+                <a16:creationId xmlns:a16="http://schemas.microsoft.com/office/drawing/2014/main" id="{586329B8-615A-7647-98FD-7D365CE2492C}"/>
+              </a:ext>
+            </a:extLst>
+          </p:cNvPr>
+          <p:cNvSpPr>
+            <a:spLocks noGrp="1"/>
+          </p:cNvSpPr>
+          <p:nvPr>
+            <p:ph type="sldNum" sz="quarter" idx="12"/>
+          </p:nvPr>
+        </p:nvSpPr>
+        <p:spPr/>
+        <p:txBody>
+          <a:bodyPr/>
+          <a:lstStyle/>
+          <a:p>
+            <a:fld id="{D75B69EA-F5F3-9148-B3D2-85669F9D4A27}" type="slidenum">
+              <a:rPr lang="en-US" smtClean="0"/>
+              <a:pPr/>
+              <a:t>28</a:t>
             </a:fld>
             <a:endParaRPr lang="en-US" dirty="0"/>
           </a:p>
@@ -14371,7 +15777,7 @@
 </p:sld>
 </file>
 
-<file path=ppt/slides/slide28.xml><?xml version="1.0" encoding="utf-8"?>
+<file path=ppt/slides/slide29.xml><?xml version="1.0" encoding="utf-8"?>
 <p:sld xmlns:a="http://schemas.openxmlformats.org/drawingml/2006/main" xmlns:r="http://schemas.openxmlformats.org/officeDocument/2006/relationships" xmlns:p="http://schemas.openxmlformats.org/presentationml/2006/main">
   <p:cSld>
     <p:spTree>
@@ -14461,7 +15867,7 @@
             <a:fld id="{D75B69EA-F5F3-9148-B3D2-85669F9D4A27}" type="slidenum">
               <a:rPr lang="en-US" smtClean="0"/>
               <a:pPr/>
-              <a:t>28</a:t>
+              <a:t>29</a:t>
             </a:fld>
             <a:endParaRPr lang="en-US" dirty="0"/>
           </a:p>
@@ -15606,6 +17012,57 @@
           </p:sp>
         </mc:Fallback>
       </mc:AlternateContent>
+      <mc:AlternateContent xmlns:mc="http://schemas.openxmlformats.org/markup-compatibility/2006">
+        <mc:Choice xmlns:p14="http://schemas.microsoft.com/office/powerpoint/2010/main" Requires="p14">
+          <p:contentPart p14:bwMode="auto" r:id="rId6">
+            <p14:nvContentPartPr>
+              <p14:cNvPr id="9" name="Ink 8">
+                <a:extLst>
+                  <a:ext uri="{FF2B5EF4-FFF2-40B4-BE49-F238E27FC236}">
+                    <a16:creationId xmlns:a16="http://schemas.microsoft.com/office/drawing/2014/main" id="{240B57F8-E629-8C38-470C-E5082A564301}"/>
+                  </a:ext>
+                </a:extLst>
+              </p14:cNvPr>
+              <p14:cNvContentPartPr/>
+              <p14:nvPr/>
+            </p14:nvContentPartPr>
+            <p14:xfrm>
+              <a:off x="2306160" y="1283400"/>
+              <a:ext cx="9885960" cy="3895200"/>
+            </p14:xfrm>
+          </p:contentPart>
+        </mc:Choice>
+        <mc:Fallback>
+          <p:pic>
+            <p:nvPicPr>
+              <p:cNvPr id="9" name="Ink 8">
+                <a:extLst>
+                  <a:ext uri="{FF2B5EF4-FFF2-40B4-BE49-F238E27FC236}">
+                    <a16:creationId xmlns:a16="http://schemas.microsoft.com/office/drawing/2014/main" id="{240B57F8-E629-8C38-470C-E5082A564301}"/>
+                  </a:ext>
+                </a:extLst>
+              </p:cNvPr>
+              <p:cNvPicPr/>
+              <p:nvPr/>
+            </p:nvPicPr>
+            <p:blipFill>
+              <a:blip r:embed="rId7"/>
+              <a:stretch>
+                <a:fillRect/>
+              </a:stretch>
+            </p:blipFill>
+            <p:spPr>
+              <a:xfrm>
+                <a:off x="2296800" y="1274040"/>
+                <a:ext cx="9904680" cy="3913920"/>
+              </a:xfrm>
+              <a:prstGeom prst="rect">
+                <a:avLst/>
+              </a:prstGeom>
+            </p:spPr>
+          </p:pic>
+        </mc:Fallback>
+      </mc:AlternateContent>
     </p:spTree>
     <p:extLst>
       <p:ext uri="{BB962C8B-B14F-4D97-AF65-F5344CB8AC3E}">
@@ -15619,7 +17076,200 @@
 </p:sld>
 </file>
 
-<file path=ppt/slides/slide29.xml><?xml version="1.0" encoding="utf-8"?>
+<file path=ppt/slides/slide3.xml><?xml version="1.0" encoding="utf-8"?>
+<p:sld xmlns:a="http://schemas.openxmlformats.org/drawingml/2006/main" xmlns:r="http://schemas.openxmlformats.org/officeDocument/2006/relationships" xmlns:p="http://schemas.openxmlformats.org/presentationml/2006/main">
+  <p:cSld>
+    <p:spTree>
+      <p:nvGrpSpPr>
+        <p:cNvPr id="1" name=""/>
+        <p:cNvGrpSpPr/>
+        <p:nvPr/>
+      </p:nvGrpSpPr>
+      <p:grpSpPr>
+        <a:xfrm>
+          <a:off x="0" y="0"/>
+          <a:ext cx="0" cy="0"/>
+          <a:chOff x="0" y="0"/>
+          <a:chExt cx="0" cy="0"/>
+        </a:xfrm>
+      </p:grpSpPr>
+      <p:sp>
+        <p:nvSpPr>
+          <p:cNvPr id="3" name="Content Placeholder 2">
+            <a:extLst>
+              <a:ext uri="{FF2B5EF4-FFF2-40B4-BE49-F238E27FC236}">
+                <a16:creationId xmlns:a16="http://schemas.microsoft.com/office/drawing/2014/main" id="{4CF4E0C6-DB6B-8DB1-5AA5-99F9CE813839}"/>
+              </a:ext>
+            </a:extLst>
+          </p:cNvPr>
+          <p:cNvSpPr>
+            <a:spLocks noGrp="1"/>
+          </p:cNvSpPr>
+          <p:nvPr>
+            <p:ph idx="1"/>
+          </p:nvPr>
+        </p:nvSpPr>
+        <p:spPr>
+          <a:xfrm>
+            <a:off x="321213" y="219977"/>
+            <a:ext cx="11549574" cy="6318935"/>
+          </a:xfrm>
+        </p:spPr>
+        <p:txBody>
+          <a:bodyPr>
+            <a:normAutofit fontScale="55000" lnSpcReduction="20000"/>
+          </a:bodyPr>
+          <a:lstStyle/>
+          <a:p>
+            <a:pPr marL="0" indent="0">
+              <a:lnSpc>
+                <a:spcPct val="120000"/>
+              </a:lnSpc>
+              <a:buNone/>
+            </a:pPr>
+            <a:endParaRPr lang="en-GB" sz="7000" dirty="0">
+              <a:solidFill>
+                <a:srgbClr val="000000"/>
+              </a:solidFill>
+              <a:effectLst/>
+              <a:latin typeface="Helvetica" pitchFamily="2" charset="0"/>
+            </a:endParaRPr>
+          </a:p>
+          <a:p>
+            <a:pPr>
+              <a:lnSpc>
+                <a:spcPct val="120000"/>
+              </a:lnSpc>
+            </a:pPr>
+            <a:r>
+              <a:rPr lang="en-GB" sz="7000" i="1" dirty="0">
+                <a:solidFill>
+                  <a:srgbClr val="000000"/>
+                </a:solidFill>
+                <a:effectLst/>
+                <a:latin typeface="Helvetica" pitchFamily="2" charset="0"/>
+              </a:rPr>
+              <a:t>it would be better to give some explanations of the correct answers for quizzes </a:t>
+            </a:r>
+            <a:br>
+              <a:rPr lang="en-GB" sz="7000" dirty="0">
+                <a:solidFill>
+                  <a:srgbClr val="000000"/>
+                </a:solidFill>
+                <a:effectLst/>
+                <a:latin typeface="Helvetica" pitchFamily="2" charset="0"/>
+              </a:rPr>
+            </a:br>
+            <a:endParaRPr lang="en-GB" sz="7000" dirty="0">
+              <a:solidFill>
+                <a:srgbClr val="000000"/>
+              </a:solidFill>
+              <a:effectLst/>
+              <a:latin typeface="Helvetica" pitchFamily="2" charset="0"/>
+            </a:endParaRPr>
+          </a:p>
+          <a:p>
+            <a:pPr>
+              <a:lnSpc>
+                <a:spcPct val="120000"/>
+              </a:lnSpc>
+            </a:pPr>
+            <a:r>
+              <a:rPr lang="en-GB" sz="7000" i="1" dirty="0">
+                <a:solidFill>
+                  <a:srgbClr val="000000"/>
+                </a:solidFill>
+                <a:effectLst/>
+                <a:latin typeface="Helvetica" pitchFamily="2" charset="0"/>
+              </a:rPr>
+              <a:t>In the second quiz (regression), the review of the first attempt was never made available. I blindly used my second attempt, "just in case", after which I still couldn't see the review...</a:t>
+            </a:r>
+            <a:br>
+              <a:rPr lang="en-GB" sz="9600" i="1" dirty="0">
+                <a:solidFill>
+                  <a:srgbClr val="000000"/>
+                </a:solidFill>
+                <a:effectLst/>
+                <a:latin typeface="Helvetica" pitchFamily="2" charset="0"/>
+              </a:rPr>
+            </a:br>
+            <a:endParaRPr lang="en-GB" i="1" dirty="0"/>
+          </a:p>
+        </p:txBody>
+      </p:sp>
+      <p:sp>
+        <p:nvSpPr>
+          <p:cNvPr id="4" name="Date Placeholder 3">
+            <a:extLst>
+              <a:ext uri="{FF2B5EF4-FFF2-40B4-BE49-F238E27FC236}">
+                <a16:creationId xmlns:a16="http://schemas.microsoft.com/office/drawing/2014/main" id="{671A2288-BAEF-A155-48E3-25F6CC7C26E4}"/>
+              </a:ext>
+            </a:extLst>
+          </p:cNvPr>
+          <p:cNvSpPr>
+            <a:spLocks noGrp="1"/>
+          </p:cNvSpPr>
+          <p:nvPr>
+            <p:ph type="dt" sz="half" idx="10"/>
+          </p:nvPr>
+        </p:nvSpPr>
+        <p:spPr/>
+        <p:txBody>
+          <a:bodyPr/>
+          <a:lstStyle/>
+          <a:p>
+            <a:fld id="{296FA5BE-6560-2B4F-B398-067F34961958}" type="datetime1">
+              <a:rPr lang="en-US" smtClean="0"/>
+              <a:t>3/22/23</a:t>
+            </a:fld>
+            <a:endParaRPr lang="en-US" dirty="0"/>
+          </a:p>
+        </p:txBody>
+      </p:sp>
+      <p:sp>
+        <p:nvSpPr>
+          <p:cNvPr id="5" name="Slide Number Placeholder 4">
+            <a:extLst>
+              <a:ext uri="{FF2B5EF4-FFF2-40B4-BE49-F238E27FC236}">
+                <a16:creationId xmlns:a16="http://schemas.microsoft.com/office/drawing/2014/main" id="{713D1799-3CEA-9DA0-DA77-69F537ADC7B6}"/>
+              </a:ext>
+            </a:extLst>
+          </p:cNvPr>
+          <p:cNvSpPr>
+            <a:spLocks noGrp="1"/>
+          </p:cNvSpPr>
+          <p:nvPr>
+            <p:ph type="sldNum" sz="quarter" idx="12"/>
+          </p:nvPr>
+        </p:nvSpPr>
+        <p:spPr/>
+        <p:txBody>
+          <a:bodyPr/>
+          <a:lstStyle/>
+          <a:p>
+            <a:fld id="{D75B69EA-F5F3-9148-B3D2-85669F9D4A27}" type="slidenum">
+              <a:rPr lang="en-US" smtClean="0"/>
+              <a:pPr/>
+              <a:t>3</a:t>
+            </a:fld>
+            <a:endParaRPr lang="en-US" dirty="0"/>
+          </a:p>
+        </p:txBody>
+      </p:sp>
+    </p:spTree>
+    <p:extLst>
+      <p:ext uri="{BB962C8B-B14F-4D97-AF65-F5344CB8AC3E}">
+        <p14:creationId xmlns:p14="http://schemas.microsoft.com/office/powerpoint/2010/main" val="4087936396"/>
+      </p:ext>
+    </p:extLst>
+  </p:cSld>
+  <p:clrMapOvr>
+    <a:masterClrMapping/>
+  </p:clrMapOvr>
+</p:sld>
+</file>
+
+<file path=ppt/slides/slide30.xml><?xml version="1.0" encoding="utf-8"?>
 <p:sld xmlns:a="http://schemas.openxmlformats.org/drawingml/2006/main" xmlns:r="http://schemas.openxmlformats.org/officeDocument/2006/relationships" xmlns:p="http://schemas.openxmlformats.org/presentationml/2006/main">
   <p:cSld>
     <p:spTree>
@@ -15709,7 +17359,7 @@
             <a:fld id="{D75B69EA-F5F3-9148-B3D2-85669F9D4A27}" type="slidenum">
               <a:rPr lang="en-US" smtClean="0"/>
               <a:pPr/>
-              <a:t>29</a:t>
+              <a:t>30</a:t>
             </a:fld>
             <a:endParaRPr lang="en-US" dirty="0"/>
           </a:p>
@@ -16340,341 +17990,61 @@
           </p:sp>
         </mc:Fallback>
       </mc:AlternateContent>
+      <mc:AlternateContent xmlns:mc="http://schemas.openxmlformats.org/markup-compatibility/2006">
+        <mc:Choice xmlns:p14="http://schemas.microsoft.com/office/powerpoint/2010/main" Requires="p14">
+          <p:contentPart p14:bwMode="auto" r:id="rId4">
+            <p14:nvContentPartPr>
+              <p14:cNvPr id="4" name="Ink 3">
+                <a:extLst>
+                  <a:ext uri="{FF2B5EF4-FFF2-40B4-BE49-F238E27FC236}">
+                    <a16:creationId xmlns:a16="http://schemas.microsoft.com/office/drawing/2014/main" id="{567DF646-EF4E-15DE-8EDB-6F3CFEA5EFF9}"/>
+                  </a:ext>
+                </a:extLst>
+              </p14:cNvPr>
+              <p14:cNvContentPartPr/>
+              <p14:nvPr/>
+            </p14:nvContentPartPr>
+            <p14:xfrm>
+              <a:off x="2057400" y="1625760"/>
+              <a:ext cx="8300160" cy="4423680"/>
+            </p14:xfrm>
+          </p:contentPart>
+        </mc:Choice>
+        <mc:Fallback>
+          <p:pic>
+            <p:nvPicPr>
+              <p:cNvPr id="4" name="Ink 3">
+                <a:extLst>
+                  <a:ext uri="{FF2B5EF4-FFF2-40B4-BE49-F238E27FC236}">
+                    <a16:creationId xmlns:a16="http://schemas.microsoft.com/office/drawing/2014/main" id="{567DF646-EF4E-15DE-8EDB-6F3CFEA5EFF9}"/>
+                  </a:ext>
+                </a:extLst>
+              </p:cNvPr>
+              <p:cNvPicPr/>
+              <p:nvPr/>
+            </p:nvPicPr>
+            <p:blipFill>
+              <a:blip r:embed="rId5"/>
+              <a:stretch>
+                <a:fillRect/>
+              </a:stretch>
+            </p:blipFill>
+            <p:spPr>
+              <a:xfrm>
+                <a:off x="2048040" y="1616400"/>
+                <a:ext cx="8318880" cy="4442400"/>
+              </a:xfrm>
+              <a:prstGeom prst="rect">
+                <a:avLst/>
+              </a:prstGeom>
+            </p:spPr>
+          </p:pic>
+        </mc:Fallback>
+      </mc:AlternateContent>
     </p:spTree>
     <p:extLst>
       <p:ext uri="{BB962C8B-B14F-4D97-AF65-F5344CB8AC3E}">
         <p14:creationId xmlns:p14="http://schemas.microsoft.com/office/powerpoint/2010/main" val="2213423256"/>
-      </p:ext>
-    </p:extLst>
-  </p:cSld>
-  <p:clrMapOvr>
-    <a:masterClrMapping/>
-  </p:clrMapOvr>
-</p:sld>
-</file>
-
-<file path=ppt/slides/slide3.xml><?xml version="1.0" encoding="utf-8"?>
-<p:sld xmlns:a="http://schemas.openxmlformats.org/drawingml/2006/main" xmlns:r="http://schemas.openxmlformats.org/officeDocument/2006/relationships" xmlns:p="http://schemas.openxmlformats.org/presentationml/2006/main">
-  <p:cSld>
-    <p:spTree>
-      <p:nvGrpSpPr>
-        <p:cNvPr id="1" name=""/>
-        <p:cNvGrpSpPr/>
-        <p:nvPr/>
-      </p:nvGrpSpPr>
-      <p:grpSpPr>
-        <a:xfrm>
-          <a:off x="0" y="0"/>
-          <a:ext cx="0" cy="0"/>
-          <a:chOff x="0" y="0"/>
-          <a:chExt cx="0" cy="0"/>
-        </a:xfrm>
-      </p:grpSpPr>
-      <p:sp>
-        <p:nvSpPr>
-          <p:cNvPr id="3" name="Content Placeholder 2">
-            <a:extLst>
-              <a:ext uri="{FF2B5EF4-FFF2-40B4-BE49-F238E27FC236}">
-                <a16:creationId xmlns:a16="http://schemas.microsoft.com/office/drawing/2014/main" id="{4CF4E0C6-DB6B-8DB1-5AA5-99F9CE813839}"/>
-              </a:ext>
-            </a:extLst>
-          </p:cNvPr>
-          <p:cNvSpPr>
-            <a:spLocks noGrp="1"/>
-          </p:cNvSpPr>
-          <p:nvPr>
-            <p:ph idx="1"/>
-          </p:nvPr>
-        </p:nvSpPr>
-        <p:spPr>
-          <a:xfrm>
-            <a:off x="321213" y="219977"/>
-            <a:ext cx="11549574" cy="6318935"/>
-          </a:xfrm>
-        </p:spPr>
-        <p:txBody>
-          <a:bodyPr>
-            <a:normAutofit fontScale="40000" lnSpcReduction="20000"/>
-          </a:bodyPr>
-          <a:lstStyle/>
-          <a:p>
-            <a:pPr marL="0" indent="0">
-              <a:lnSpc>
-                <a:spcPct val="120000"/>
-              </a:lnSpc>
-              <a:buNone/>
-            </a:pPr>
-            <a:endParaRPr lang="en-GB" sz="9600" dirty="0">
-              <a:solidFill>
-                <a:srgbClr val="000000"/>
-              </a:solidFill>
-              <a:effectLst/>
-              <a:latin typeface="Helvetica" pitchFamily="2" charset="0"/>
-            </a:endParaRPr>
-          </a:p>
-          <a:p>
-            <a:pPr>
-              <a:lnSpc>
-                <a:spcPct val="120000"/>
-              </a:lnSpc>
-            </a:pPr>
-            <a:r>
-              <a:rPr lang="en-GB" sz="9600" i="1" dirty="0">
-                <a:solidFill>
-                  <a:srgbClr val="000000"/>
-                </a:solidFill>
-                <a:effectLst/>
-                <a:latin typeface="Helvetica" pitchFamily="2" charset="0"/>
-              </a:rPr>
-              <a:t>it would be better to give some explanations of the correct answers for quizzes </a:t>
-            </a:r>
-            <a:br>
-              <a:rPr lang="en-GB" sz="9600" dirty="0">
-                <a:solidFill>
-                  <a:srgbClr val="000000"/>
-                </a:solidFill>
-                <a:effectLst/>
-                <a:latin typeface="Helvetica" pitchFamily="2" charset="0"/>
-              </a:rPr>
-            </a:br>
-            <a:endParaRPr lang="en-GB" sz="9600" dirty="0">
-              <a:solidFill>
-                <a:srgbClr val="000000"/>
-              </a:solidFill>
-              <a:effectLst/>
-              <a:latin typeface="Helvetica" pitchFamily="2" charset="0"/>
-            </a:endParaRPr>
-          </a:p>
-          <a:p>
-            <a:pPr>
-              <a:lnSpc>
-                <a:spcPct val="120000"/>
-              </a:lnSpc>
-            </a:pPr>
-            <a:r>
-              <a:rPr lang="en-GB" sz="9600" i="1" dirty="0">
-                <a:solidFill>
-                  <a:srgbClr val="000000"/>
-                </a:solidFill>
-                <a:effectLst/>
-                <a:latin typeface="Helvetica" pitchFamily="2" charset="0"/>
-              </a:rPr>
-              <a:t>In the second quiz (regression), the review of the first attempt was never made available. I blindly used my second attempt, "just in case", after which I still couldn't see the review...</a:t>
-            </a:r>
-            <a:br>
-              <a:rPr lang="en-GB" sz="9600" i="1" dirty="0">
-                <a:solidFill>
-                  <a:srgbClr val="000000"/>
-                </a:solidFill>
-                <a:effectLst/>
-                <a:latin typeface="Helvetica" pitchFamily="2" charset="0"/>
-              </a:rPr>
-            </a:br>
-            <a:endParaRPr lang="en-GB" i="1" dirty="0"/>
-          </a:p>
-        </p:txBody>
-      </p:sp>
-      <p:sp>
-        <p:nvSpPr>
-          <p:cNvPr id="4" name="Date Placeholder 3">
-            <a:extLst>
-              <a:ext uri="{FF2B5EF4-FFF2-40B4-BE49-F238E27FC236}">
-                <a16:creationId xmlns:a16="http://schemas.microsoft.com/office/drawing/2014/main" id="{671A2288-BAEF-A155-48E3-25F6CC7C26E4}"/>
-              </a:ext>
-            </a:extLst>
-          </p:cNvPr>
-          <p:cNvSpPr>
-            <a:spLocks noGrp="1"/>
-          </p:cNvSpPr>
-          <p:nvPr>
-            <p:ph type="dt" sz="half" idx="10"/>
-          </p:nvPr>
-        </p:nvSpPr>
-        <p:spPr/>
-        <p:txBody>
-          <a:bodyPr/>
-          <a:lstStyle/>
-          <a:p>
-            <a:fld id="{296FA5BE-6560-2B4F-B398-067F34961958}" type="datetime1">
-              <a:rPr lang="en-US" smtClean="0"/>
-              <a:t>3/22/23</a:t>
-            </a:fld>
-            <a:endParaRPr lang="en-US" dirty="0"/>
-          </a:p>
-        </p:txBody>
-      </p:sp>
-      <p:sp>
-        <p:nvSpPr>
-          <p:cNvPr id="5" name="Slide Number Placeholder 4">
-            <a:extLst>
-              <a:ext uri="{FF2B5EF4-FFF2-40B4-BE49-F238E27FC236}">
-                <a16:creationId xmlns:a16="http://schemas.microsoft.com/office/drawing/2014/main" id="{713D1799-3CEA-9DA0-DA77-69F537ADC7B6}"/>
-              </a:ext>
-            </a:extLst>
-          </p:cNvPr>
-          <p:cNvSpPr>
-            <a:spLocks noGrp="1"/>
-          </p:cNvSpPr>
-          <p:nvPr>
-            <p:ph type="sldNum" sz="quarter" idx="12"/>
-          </p:nvPr>
-        </p:nvSpPr>
-        <p:spPr/>
-        <p:txBody>
-          <a:bodyPr/>
-          <a:lstStyle/>
-          <a:p>
-            <a:fld id="{D75B69EA-F5F3-9148-B3D2-85669F9D4A27}" type="slidenum">
-              <a:rPr lang="en-US" smtClean="0"/>
-              <a:pPr/>
-              <a:t>3</a:t>
-            </a:fld>
-            <a:endParaRPr lang="en-US" dirty="0"/>
-          </a:p>
-        </p:txBody>
-      </p:sp>
-    </p:spTree>
-    <p:extLst>
-      <p:ext uri="{BB962C8B-B14F-4D97-AF65-F5344CB8AC3E}">
-        <p14:creationId xmlns:p14="http://schemas.microsoft.com/office/powerpoint/2010/main" val="4087936396"/>
-      </p:ext>
-    </p:extLst>
-  </p:cSld>
-  <p:clrMapOvr>
-    <a:masterClrMapping/>
-  </p:clrMapOvr>
-</p:sld>
-</file>
-
-<file path=ppt/slides/slide30.xml><?xml version="1.0" encoding="utf-8"?>
-<p:sld xmlns:a="http://schemas.openxmlformats.org/drawingml/2006/main" xmlns:r="http://schemas.openxmlformats.org/officeDocument/2006/relationships" xmlns:p="http://schemas.openxmlformats.org/presentationml/2006/main">
-  <p:cSld>
-    <p:spTree>
-      <p:nvGrpSpPr>
-        <p:cNvPr id="1" name=""/>
-        <p:cNvGrpSpPr/>
-        <p:nvPr/>
-      </p:nvGrpSpPr>
-      <p:grpSpPr>
-        <a:xfrm>
-          <a:off x="0" y="0"/>
-          <a:ext cx="0" cy="0"/>
-          <a:chOff x="0" y="0"/>
-          <a:chExt cx="0" cy="0"/>
-        </a:xfrm>
-      </p:grpSpPr>
-      <p:sp>
-        <p:nvSpPr>
-          <p:cNvPr id="3" name="Slide Number Placeholder 2">
-            <a:extLst>
-              <a:ext uri="{FF2B5EF4-FFF2-40B4-BE49-F238E27FC236}">
-                <a16:creationId xmlns:a16="http://schemas.microsoft.com/office/drawing/2014/main" id="{586329B8-615A-7647-98FD-7D365CE2492C}"/>
-              </a:ext>
-            </a:extLst>
-          </p:cNvPr>
-          <p:cNvSpPr>
-            <a:spLocks noGrp="1"/>
-          </p:cNvSpPr>
-          <p:nvPr>
-            <p:ph type="sldNum" sz="quarter" idx="12"/>
-          </p:nvPr>
-        </p:nvSpPr>
-        <p:spPr/>
-        <p:txBody>
-          <a:bodyPr/>
-          <a:lstStyle/>
-          <a:p>
-            <a:fld id="{D75B69EA-F5F3-9148-B3D2-85669F9D4A27}" type="slidenum">
-              <a:rPr lang="en-US" smtClean="0"/>
-              <a:pPr/>
-              <a:t>30</a:t>
-            </a:fld>
-            <a:endParaRPr lang="en-US" dirty="0"/>
-          </a:p>
-        </p:txBody>
-      </p:sp>
-      <p:sp>
-        <p:nvSpPr>
-          <p:cNvPr id="6" name="Date Placeholder 5">
-            <a:extLst>
-              <a:ext uri="{FF2B5EF4-FFF2-40B4-BE49-F238E27FC236}">
-                <a16:creationId xmlns:a16="http://schemas.microsoft.com/office/drawing/2014/main" id="{7CEAE1AE-1781-3B95-DB5D-5ACFB2CE9340}"/>
-              </a:ext>
-            </a:extLst>
-          </p:cNvPr>
-          <p:cNvSpPr>
-            <a:spLocks noGrp="1"/>
-          </p:cNvSpPr>
-          <p:nvPr>
-            <p:ph type="dt" sz="half" idx="10"/>
-          </p:nvPr>
-        </p:nvSpPr>
-        <p:spPr/>
-        <p:txBody>
-          <a:bodyPr/>
-          <a:lstStyle/>
-          <a:p>
-            <a:fld id="{9964A0A3-3C4F-DD49-BACB-31C74252E6B7}" type="datetime1">
-              <a:rPr lang="en-US" smtClean="0"/>
-              <a:t>3/22/23</a:t>
-            </a:fld>
-            <a:endParaRPr lang="en-US" dirty="0"/>
-          </a:p>
-        </p:txBody>
-      </p:sp>
-      <p:sp>
-        <p:nvSpPr>
-          <p:cNvPr id="11" name="TextBox 10">
-            <a:extLst>
-              <a:ext uri="{FF2B5EF4-FFF2-40B4-BE49-F238E27FC236}">
-                <a16:creationId xmlns:a16="http://schemas.microsoft.com/office/drawing/2014/main" id="{6492DBF3-515C-F1FA-8B15-B46143E7BCD2}"/>
-              </a:ext>
-            </a:extLst>
-          </p:cNvPr>
-          <p:cNvSpPr txBox="1"/>
-          <p:nvPr/>
-        </p:nvSpPr>
-        <p:spPr>
-          <a:xfrm>
-            <a:off x="838200" y="1631853"/>
-            <a:ext cx="10497202" cy="3046988"/>
-          </a:xfrm>
-          <a:prstGeom prst="rect">
-            <a:avLst/>
-          </a:prstGeom>
-          <a:noFill/>
-        </p:spPr>
-        <p:txBody>
-          <a:bodyPr wrap="square" rtlCol="0">
-            <a:spAutoFit/>
-          </a:bodyPr>
-          <a:lstStyle/>
-          <a:p>
-            <a:r>
-              <a:rPr lang="en-GB" sz="9600" b="1" dirty="0">
-                <a:solidFill>
-                  <a:srgbClr val="FF0000"/>
-                </a:solidFill>
-              </a:rPr>
-              <a:t>Statistical </a:t>
-            </a:r>
-          </a:p>
-          <a:p>
-            <a:r>
-              <a:rPr lang="en-GB" sz="9600" b="1" dirty="0">
-                <a:solidFill>
-                  <a:srgbClr val="FF0000"/>
-                </a:solidFill>
-              </a:rPr>
-              <a:t>Aspects</a:t>
-            </a:r>
-          </a:p>
-        </p:txBody>
-      </p:sp>
-    </p:spTree>
-    <p:extLst>
-      <p:ext uri="{BB962C8B-B14F-4D97-AF65-F5344CB8AC3E}">
-        <p14:creationId xmlns:p14="http://schemas.microsoft.com/office/powerpoint/2010/main" val="1020277713"/>
       </p:ext>
     </p:extLst>
   </p:cSld>
@@ -16703,6 +18073,144 @@
       </p:grpSpPr>
       <p:sp>
         <p:nvSpPr>
+          <p:cNvPr id="3" name="Slide Number Placeholder 2">
+            <a:extLst>
+              <a:ext uri="{FF2B5EF4-FFF2-40B4-BE49-F238E27FC236}">
+                <a16:creationId xmlns:a16="http://schemas.microsoft.com/office/drawing/2014/main" id="{586329B8-615A-7647-98FD-7D365CE2492C}"/>
+              </a:ext>
+            </a:extLst>
+          </p:cNvPr>
+          <p:cNvSpPr>
+            <a:spLocks noGrp="1"/>
+          </p:cNvSpPr>
+          <p:nvPr>
+            <p:ph type="sldNum" sz="quarter" idx="12"/>
+          </p:nvPr>
+        </p:nvSpPr>
+        <p:spPr/>
+        <p:txBody>
+          <a:bodyPr/>
+          <a:lstStyle/>
+          <a:p>
+            <a:fld id="{D75B69EA-F5F3-9148-B3D2-85669F9D4A27}" type="slidenum">
+              <a:rPr lang="en-US" smtClean="0"/>
+              <a:pPr/>
+              <a:t>31</a:t>
+            </a:fld>
+            <a:endParaRPr lang="en-US" dirty="0"/>
+          </a:p>
+        </p:txBody>
+      </p:sp>
+      <p:sp>
+        <p:nvSpPr>
+          <p:cNvPr id="6" name="Date Placeholder 5">
+            <a:extLst>
+              <a:ext uri="{FF2B5EF4-FFF2-40B4-BE49-F238E27FC236}">
+                <a16:creationId xmlns:a16="http://schemas.microsoft.com/office/drawing/2014/main" id="{7CEAE1AE-1781-3B95-DB5D-5ACFB2CE9340}"/>
+              </a:ext>
+            </a:extLst>
+          </p:cNvPr>
+          <p:cNvSpPr>
+            <a:spLocks noGrp="1"/>
+          </p:cNvSpPr>
+          <p:nvPr>
+            <p:ph type="dt" sz="half" idx="10"/>
+          </p:nvPr>
+        </p:nvSpPr>
+        <p:spPr/>
+        <p:txBody>
+          <a:bodyPr/>
+          <a:lstStyle/>
+          <a:p>
+            <a:fld id="{9964A0A3-3C4F-DD49-BACB-31C74252E6B7}" type="datetime1">
+              <a:rPr lang="en-US" smtClean="0"/>
+              <a:t>3/22/23</a:t>
+            </a:fld>
+            <a:endParaRPr lang="en-US" dirty="0"/>
+          </a:p>
+        </p:txBody>
+      </p:sp>
+      <p:sp>
+        <p:nvSpPr>
+          <p:cNvPr id="11" name="TextBox 10">
+            <a:extLst>
+              <a:ext uri="{FF2B5EF4-FFF2-40B4-BE49-F238E27FC236}">
+                <a16:creationId xmlns:a16="http://schemas.microsoft.com/office/drawing/2014/main" id="{6492DBF3-515C-F1FA-8B15-B46143E7BCD2}"/>
+              </a:ext>
+            </a:extLst>
+          </p:cNvPr>
+          <p:cNvSpPr txBox="1"/>
+          <p:nvPr/>
+        </p:nvSpPr>
+        <p:spPr>
+          <a:xfrm>
+            <a:off x="838200" y="1631853"/>
+            <a:ext cx="10497202" cy="3046988"/>
+          </a:xfrm>
+          <a:prstGeom prst="rect">
+            <a:avLst/>
+          </a:prstGeom>
+          <a:noFill/>
+        </p:spPr>
+        <p:txBody>
+          <a:bodyPr wrap="square" rtlCol="0">
+            <a:spAutoFit/>
+          </a:bodyPr>
+          <a:lstStyle/>
+          <a:p>
+            <a:r>
+              <a:rPr lang="en-GB" sz="9600" b="1" dirty="0">
+                <a:solidFill>
+                  <a:srgbClr val="FF0000"/>
+                </a:solidFill>
+              </a:rPr>
+              <a:t>Statistical </a:t>
+            </a:r>
+          </a:p>
+          <a:p>
+            <a:r>
+              <a:rPr lang="en-GB" sz="9600" b="1" dirty="0">
+                <a:solidFill>
+                  <a:srgbClr val="FF0000"/>
+                </a:solidFill>
+              </a:rPr>
+              <a:t>Aspects</a:t>
+            </a:r>
+          </a:p>
+        </p:txBody>
+      </p:sp>
+    </p:spTree>
+    <p:extLst>
+      <p:ext uri="{BB962C8B-B14F-4D97-AF65-F5344CB8AC3E}">
+        <p14:creationId xmlns:p14="http://schemas.microsoft.com/office/powerpoint/2010/main" val="1020277713"/>
+      </p:ext>
+    </p:extLst>
+  </p:cSld>
+  <p:clrMapOvr>
+    <a:masterClrMapping/>
+  </p:clrMapOvr>
+</p:sld>
+</file>
+
+<file path=ppt/slides/slide32.xml><?xml version="1.0" encoding="utf-8"?>
+<p:sld xmlns:a="http://schemas.openxmlformats.org/drawingml/2006/main" xmlns:r="http://schemas.openxmlformats.org/officeDocument/2006/relationships" xmlns:p="http://schemas.openxmlformats.org/presentationml/2006/main">
+  <p:cSld>
+    <p:spTree>
+      <p:nvGrpSpPr>
+        <p:cNvPr id="1" name=""/>
+        <p:cNvGrpSpPr/>
+        <p:nvPr/>
+      </p:nvGrpSpPr>
+      <p:grpSpPr>
+        <a:xfrm>
+          <a:off x="0" y="0"/>
+          <a:ext cx="0" cy="0"/>
+          <a:chOff x="0" y="0"/>
+          <a:chExt cx="0" cy="0"/>
+        </a:xfrm>
+      </p:grpSpPr>
+      <p:sp>
+        <p:nvSpPr>
           <p:cNvPr id="2" name="Title 1">
             <a:extLst>
               <a:ext uri="{FF2B5EF4-FFF2-40B4-BE49-F238E27FC236}">
@@ -16774,7 +18282,7 @@
             <a:fld id="{D75B69EA-F5F3-9148-B3D2-85669F9D4A27}" type="slidenum">
               <a:rPr lang="en-US" smtClean="0"/>
               <a:pPr/>
-              <a:t>31</a:t>
+              <a:t>32</a:t>
             </a:fld>
             <a:endParaRPr lang="en-US" dirty="0"/>
           </a:p>
@@ -18022,6 +19530,57 @@
           </p:sp>
         </mc:Fallback>
       </mc:AlternateContent>
+      <mc:AlternateContent xmlns:mc="http://schemas.openxmlformats.org/markup-compatibility/2006">
+        <mc:Choice xmlns:p14="http://schemas.microsoft.com/office/powerpoint/2010/main" Requires="p14">
+          <p:contentPart p14:bwMode="auto" r:id="rId6">
+            <p14:nvContentPartPr>
+              <p14:cNvPr id="8" name="Ink 7">
+                <a:extLst>
+                  <a:ext uri="{FF2B5EF4-FFF2-40B4-BE49-F238E27FC236}">
+                    <a16:creationId xmlns:a16="http://schemas.microsoft.com/office/drawing/2014/main" id="{64CA558B-4878-6C39-8FF6-78F0F10FFC0F}"/>
+                  </a:ext>
+                </a:extLst>
+              </p14:cNvPr>
+              <p14:cNvContentPartPr/>
+              <p14:nvPr/>
+            </p14:nvContentPartPr>
+            <p14:xfrm>
+              <a:off x="997920" y="1335600"/>
+              <a:ext cx="9661680" cy="4821840"/>
+            </p14:xfrm>
+          </p:contentPart>
+        </mc:Choice>
+        <mc:Fallback>
+          <p:pic>
+            <p:nvPicPr>
+              <p:cNvPr id="8" name="Ink 7">
+                <a:extLst>
+                  <a:ext uri="{FF2B5EF4-FFF2-40B4-BE49-F238E27FC236}">
+                    <a16:creationId xmlns:a16="http://schemas.microsoft.com/office/drawing/2014/main" id="{64CA558B-4878-6C39-8FF6-78F0F10FFC0F}"/>
+                  </a:ext>
+                </a:extLst>
+              </p:cNvPr>
+              <p:cNvPicPr/>
+              <p:nvPr/>
+            </p:nvPicPr>
+            <p:blipFill>
+              <a:blip r:embed="rId7"/>
+              <a:stretch>
+                <a:fillRect/>
+              </a:stretch>
+            </p:blipFill>
+            <p:spPr>
+              <a:xfrm>
+                <a:off x="988560" y="1326240"/>
+                <a:ext cx="9680400" cy="4840560"/>
+              </a:xfrm>
+              <a:prstGeom prst="rect">
+                <a:avLst/>
+              </a:prstGeom>
+            </p:spPr>
+          </p:pic>
+        </mc:Fallback>
+      </mc:AlternateContent>
     </p:spTree>
     <p:extLst>
       <p:ext uri="{BB962C8B-B14F-4D97-AF65-F5344CB8AC3E}">
@@ -18035,7 +19594,7 @@
 </p:sld>
 </file>
 
-<file path=ppt/slides/slide32.xml><?xml version="1.0" encoding="utf-8"?>
+<file path=ppt/slides/slide33.xml><?xml version="1.0" encoding="utf-8"?>
 <p:sld xmlns:a="http://schemas.openxmlformats.org/drawingml/2006/main" xmlns:r="http://schemas.openxmlformats.org/officeDocument/2006/relationships" xmlns:p="http://schemas.openxmlformats.org/presentationml/2006/main">
   <p:cSld>
     <p:spTree>
@@ -18113,7 +19672,7 @@
             <a:fld id="{D75B69EA-F5F3-9148-B3D2-85669F9D4A27}" type="slidenum">
               <a:rPr lang="en-US" smtClean="0"/>
               <a:pPr/>
-              <a:t>32</a:t>
+              <a:t>33</a:t>
             </a:fld>
             <a:endParaRPr lang="en-US" dirty="0"/>
           </a:p>
@@ -18756,7 +20315,7 @@
 </p:sld>
 </file>
 
-<file path=ppt/slides/slide33.xml><?xml version="1.0" encoding="utf-8"?>
+<file path=ppt/slides/slide34.xml><?xml version="1.0" encoding="utf-8"?>
 <p:sld xmlns:a="http://schemas.openxmlformats.org/drawingml/2006/main" xmlns:r="http://schemas.openxmlformats.org/officeDocument/2006/relationships" xmlns:p="http://schemas.openxmlformats.org/presentationml/2006/main">
   <p:cSld>
     <p:spTree>
@@ -20993,144 +22552,61 @@
           </a:p>
         </p:txBody>
       </p:sp>
+      <mc:AlternateContent xmlns:mc="http://schemas.openxmlformats.org/markup-compatibility/2006">
+        <mc:Choice xmlns:p14="http://schemas.microsoft.com/office/powerpoint/2010/main" Requires="p14">
+          <p:contentPart p14:bwMode="auto" r:id="rId4">
+            <p14:nvContentPartPr>
+              <p14:cNvPr id="5" name="Ink 4">
+                <a:extLst>
+                  <a:ext uri="{FF2B5EF4-FFF2-40B4-BE49-F238E27FC236}">
+                    <a16:creationId xmlns:a16="http://schemas.microsoft.com/office/drawing/2014/main" id="{7F3303E7-85AB-EE5E-2C56-BA3B08A0F391}"/>
+                  </a:ext>
+                </a:extLst>
+              </p14:cNvPr>
+              <p14:cNvContentPartPr/>
+              <p14:nvPr/>
+            </p14:nvContentPartPr>
+            <p14:xfrm>
+              <a:off x="7664040" y="1658160"/>
+              <a:ext cx="761760" cy="829800"/>
+            </p14:xfrm>
+          </p:contentPart>
+        </mc:Choice>
+        <mc:Fallback>
+          <p:pic>
+            <p:nvPicPr>
+              <p:cNvPr id="5" name="Ink 4">
+                <a:extLst>
+                  <a:ext uri="{FF2B5EF4-FFF2-40B4-BE49-F238E27FC236}">
+                    <a16:creationId xmlns:a16="http://schemas.microsoft.com/office/drawing/2014/main" id="{7F3303E7-85AB-EE5E-2C56-BA3B08A0F391}"/>
+                  </a:ext>
+                </a:extLst>
+              </p:cNvPr>
+              <p:cNvPicPr/>
+              <p:nvPr/>
+            </p:nvPicPr>
+            <p:blipFill>
+              <a:blip r:embed="rId5"/>
+              <a:stretch>
+                <a:fillRect/>
+              </a:stretch>
+            </p:blipFill>
+            <p:spPr>
+              <a:xfrm>
+                <a:off x="7654680" y="1648800"/>
+                <a:ext cx="780480" cy="848520"/>
+              </a:xfrm>
+              <a:prstGeom prst="rect">
+                <a:avLst/>
+              </a:prstGeom>
+            </p:spPr>
+          </p:pic>
+        </mc:Fallback>
+      </mc:AlternateContent>
     </p:spTree>
     <p:extLst>
       <p:ext uri="{BB962C8B-B14F-4D97-AF65-F5344CB8AC3E}">
         <p14:creationId xmlns:p14="http://schemas.microsoft.com/office/powerpoint/2010/main" val="871078859"/>
-      </p:ext>
-    </p:extLst>
-  </p:cSld>
-  <p:clrMapOvr>
-    <a:masterClrMapping/>
-  </p:clrMapOvr>
-</p:sld>
-</file>
-
-<file path=ppt/slides/slide34.xml><?xml version="1.0" encoding="utf-8"?>
-<p:sld xmlns:a="http://schemas.openxmlformats.org/drawingml/2006/main" xmlns:r="http://schemas.openxmlformats.org/officeDocument/2006/relationships" xmlns:p="http://schemas.openxmlformats.org/presentationml/2006/main">
-  <p:cSld>
-    <p:spTree>
-      <p:nvGrpSpPr>
-        <p:cNvPr id="1" name=""/>
-        <p:cNvGrpSpPr/>
-        <p:nvPr/>
-      </p:nvGrpSpPr>
-      <p:grpSpPr>
-        <a:xfrm>
-          <a:off x="0" y="0"/>
-          <a:ext cx="0" cy="0"/>
-          <a:chOff x="0" y="0"/>
-          <a:chExt cx="0" cy="0"/>
-        </a:xfrm>
-      </p:grpSpPr>
-      <p:sp>
-        <p:nvSpPr>
-          <p:cNvPr id="3" name="Slide Number Placeholder 2">
-            <a:extLst>
-              <a:ext uri="{FF2B5EF4-FFF2-40B4-BE49-F238E27FC236}">
-                <a16:creationId xmlns:a16="http://schemas.microsoft.com/office/drawing/2014/main" id="{2FC82F7E-50BA-8F4E-B2E8-088E95CAF904}"/>
-              </a:ext>
-            </a:extLst>
-          </p:cNvPr>
-          <p:cNvSpPr>
-            <a:spLocks noGrp="1"/>
-          </p:cNvSpPr>
-          <p:nvPr>
-            <p:ph type="sldNum" sz="quarter" idx="12"/>
-          </p:nvPr>
-        </p:nvSpPr>
-        <p:spPr/>
-        <p:txBody>
-          <a:bodyPr/>
-          <a:lstStyle/>
-          <a:p>
-            <a:fld id="{D75B69EA-F5F3-9148-B3D2-85669F9D4A27}" type="slidenum">
-              <a:rPr lang="en-US" smtClean="0"/>
-              <a:pPr/>
-              <a:t>34</a:t>
-            </a:fld>
-            <a:endParaRPr lang="en-US" dirty="0"/>
-          </a:p>
-        </p:txBody>
-      </p:sp>
-      <p:sp>
-        <p:nvSpPr>
-          <p:cNvPr id="6" name="TextBox 5">
-            <a:extLst>
-              <a:ext uri="{FF2B5EF4-FFF2-40B4-BE49-F238E27FC236}">
-                <a16:creationId xmlns:a16="http://schemas.microsoft.com/office/drawing/2014/main" id="{7228C4BD-B8E6-2AB2-53DA-D917D6153293}"/>
-              </a:ext>
-            </a:extLst>
-          </p:cNvPr>
-          <p:cNvSpPr txBox="1"/>
-          <p:nvPr/>
-        </p:nvSpPr>
-        <p:spPr>
-          <a:xfrm>
-            <a:off x="838200" y="2389324"/>
-            <a:ext cx="8982247" cy="2079352"/>
-          </a:xfrm>
-          <a:prstGeom prst="rect">
-            <a:avLst/>
-          </a:prstGeom>
-          <a:noFill/>
-        </p:spPr>
-        <p:txBody>
-          <a:bodyPr wrap="square" rtlCol="0">
-            <a:spAutoFit/>
-          </a:bodyPr>
-          <a:lstStyle/>
-          <a:p>
-            <a:pPr>
-              <a:lnSpc>
-                <a:spcPct val="150000"/>
-              </a:lnSpc>
-            </a:pPr>
-            <a:r>
-              <a:rPr lang="en-US" sz="9600" dirty="0">
-                <a:solidFill>
-                  <a:srgbClr val="FF0000"/>
-                </a:solidFill>
-                <a:cs typeface="Arial" panose="020B0604020202020204" pitchFamily="34" charset="0"/>
-              </a:rPr>
-              <a:t>Interpretations</a:t>
-            </a:r>
-          </a:p>
-        </p:txBody>
-      </p:sp>
-      <p:sp>
-        <p:nvSpPr>
-          <p:cNvPr id="4" name="Date Placeholder 3">
-            <a:extLst>
-              <a:ext uri="{FF2B5EF4-FFF2-40B4-BE49-F238E27FC236}">
-                <a16:creationId xmlns:a16="http://schemas.microsoft.com/office/drawing/2014/main" id="{AAEFDE8C-806D-11E1-0475-B0DA48B70A5A}"/>
-              </a:ext>
-            </a:extLst>
-          </p:cNvPr>
-          <p:cNvSpPr>
-            <a:spLocks noGrp="1"/>
-          </p:cNvSpPr>
-          <p:nvPr>
-            <p:ph type="dt" sz="half" idx="10"/>
-          </p:nvPr>
-        </p:nvSpPr>
-        <p:spPr/>
-        <p:txBody>
-          <a:bodyPr/>
-          <a:lstStyle/>
-          <a:p>
-            <a:fld id="{853CD2E7-96C1-CF49-8E6A-DB2FC224E1F5}" type="datetime1">
-              <a:rPr lang="en-US" smtClean="0"/>
-              <a:t>3/22/23</a:t>
-            </a:fld>
-            <a:endParaRPr lang="en-US" dirty="0"/>
-          </a:p>
-        </p:txBody>
-      </p:sp>
-    </p:spTree>
-    <p:extLst>
-      <p:ext uri="{BB962C8B-B14F-4D97-AF65-F5344CB8AC3E}">
-        <p14:creationId xmlns:p14="http://schemas.microsoft.com/office/powerpoint/2010/main" val="12388330"/>
       </p:ext>
     </p:extLst>
   </p:cSld>
@@ -21159,6 +22635,140 @@
       </p:grpSpPr>
       <p:sp>
         <p:nvSpPr>
+          <p:cNvPr id="3" name="Slide Number Placeholder 2">
+            <a:extLst>
+              <a:ext uri="{FF2B5EF4-FFF2-40B4-BE49-F238E27FC236}">
+                <a16:creationId xmlns:a16="http://schemas.microsoft.com/office/drawing/2014/main" id="{2FC82F7E-50BA-8F4E-B2E8-088E95CAF904}"/>
+              </a:ext>
+            </a:extLst>
+          </p:cNvPr>
+          <p:cNvSpPr>
+            <a:spLocks noGrp="1"/>
+          </p:cNvSpPr>
+          <p:nvPr>
+            <p:ph type="sldNum" sz="quarter" idx="12"/>
+          </p:nvPr>
+        </p:nvSpPr>
+        <p:spPr/>
+        <p:txBody>
+          <a:bodyPr/>
+          <a:lstStyle/>
+          <a:p>
+            <a:fld id="{D75B69EA-F5F3-9148-B3D2-85669F9D4A27}" type="slidenum">
+              <a:rPr lang="en-US" smtClean="0"/>
+              <a:pPr/>
+              <a:t>35</a:t>
+            </a:fld>
+            <a:endParaRPr lang="en-US" dirty="0"/>
+          </a:p>
+        </p:txBody>
+      </p:sp>
+      <p:sp>
+        <p:nvSpPr>
+          <p:cNvPr id="6" name="TextBox 5">
+            <a:extLst>
+              <a:ext uri="{FF2B5EF4-FFF2-40B4-BE49-F238E27FC236}">
+                <a16:creationId xmlns:a16="http://schemas.microsoft.com/office/drawing/2014/main" id="{7228C4BD-B8E6-2AB2-53DA-D917D6153293}"/>
+              </a:ext>
+            </a:extLst>
+          </p:cNvPr>
+          <p:cNvSpPr txBox="1"/>
+          <p:nvPr/>
+        </p:nvSpPr>
+        <p:spPr>
+          <a:xfrm>
+            <a:off x="838200" y="2389324"/>
+            <a:ext cx="8982247" cy="2079352"/>
+          </a:xfrm>
+          <a:prstGeom prst="rect">
+            <a:avLst/>
+          </a:prstGeom>
+          <a:noFill/>
+        </p:spPr>
+        <p:txBody>
+          <a:bodyPr wrap="square" rtlCol="0">
+            <a:spAutoFit/>
+          </a:bodyPr>
+          <a:lstStyle/>
+          <a:p>
+            <a:pPr>
+              <a:lnSpc>
+                <a:spcPct val="150000"/>
+              </a:lnSpc>
+            </a:pPr>
+            <a:r>
+              <a:rPr lang="en-US" sz="9600" dirty="0">
+                <a:solidFill>
+                  <a:srgbClr val="FF0000"/>
+                </a:solidFill>
+                <a:cs typeface="Arial" panose="020B0604020202020204" pitchFamily="34" charset="0"/>
+              </a:rPr>
+              <a:t>Interpretations</a:t>
+            </a:r>
+          </a:p>
+        </p:txBody>
+      </p:sp>
+      <p:sp>
+        <p:nvSpPr>
+          <p:cNvPr id="4" name="Date Placeholder 3">
+            <a:extLst>
+              <a:ext uri="{FF2B5EF4-FFF2-40B4-BE49-F238E27FC236}">
+                <a16:creationId xmlns:a16="http://schemas.microsoft.com/office/drawing/2014/main" id="{AAEFDE8C-806D-11E1-0475-B0DA48B70A5A}"/>
+              </a:ext>
+            </a:extLst>
+          </p:cNvPr>
+          <p:cNvSpPr>
+            <a:spLocks noGrp="1"/>
+          </p:cNvSpPr>
+          <p:nvPr>
+            <p:ph type="dt" sz="half" idx="10"/>
+          </p:nvPr>
+        </p:nvSpPr>
+        <p:spPr/>
+        <p:txBody>
+          <a:bodyPr/>
+          <a:lstStyle/>
+          <a:p>
+            <a:fld id="{853CD2E7-96C1-CF49-8E6A-DB2FC224E1F5}" type="datetime1">
+              <a:rPr lang="en-US" smtClean="0"/>
+              <a:t>3/22/23</a:t>
+            </a:fld>
+            <a:endParaRPr lang="en-US" dirty="0"/>
+          </a:p>
+        </p:txBody>
+      </p:sp>
+    </p:spTree>
+    <p:extLst>
+      <p:ext uri="{BB962C8B-B14F-4D97-AF65-F5344CB8AC3E}">
+        <p14:creationId xmlns:p14="http://schemas.microsoft.com/office/powerpoint/2010/main" val="12388330"/>
+      </p:ext>
+    </p:extLst>
+  </p:cSld>
+  <p:clrMapOvr>
+    <a:masterClrMapping/>
+  </p:clrMapOvr>
+</p:sld>
+</file>
+
+<file path=ppt/slides/slide36.xml><?xml version="1.0" encoding="utf-8"?>
+<p:sld xmlns:a="http://schemas.openxmlformats.org/drawingml/2006/main" xmlns:r="http://schemas.openxmlformats.org/officeDocument/2006/relationships" xmlns:p="http://schemas.openxmlformats.org/presentationml/2006/main">
+  <p:cSld>
+    <p:spTree>
+      <p:nvGrpSpPr>
+        <p:cNvPr id="1" name=""/>
+        <p:cNvGrpSpPr/>
+        <p:nvPr/>
+      </p:nvGrpSpPr>
+      <p:grpSpPr>
+        <a:xfrm>
+          <a:off x="0" y="0"/>
+          <a:ext cx="0" cy="0"/>
+          <a:chOff x="0" y="0"/>
+          <a:chExt cx="0" cy="0"/>
+        </a:xfrm>
+      </p:grpSpPr>
+      <p:sp>
+        <p:nvSpPr>
           <p:cNvPr id="2" name="TextBox 1">
             <a:extLst>
               <a:ext uri="{FF2B5EF4-FFF2-40B4-BE49-F238E27FC236}">
@@ -21215,7 +22825,7 @@
           <a:p>
             <a:fld id="{D75B69EA-F5F3-9148-B3D2-85669F9D4A27}" type="slidenum">
               <a:rPr lang="en-US" smtClean="0"/>
-              <a:t>35</a:t>
+              <a:t>36</a:t>
             </a:fld>
             <a:endParaRPr lang="en-US"/>
           </a:p>
@@ -22010,6 +23620,57 @@
           </a:p>
         </p:txBody>
       </p:sp>
+      <mc:AlternateContent xmlns:mc="http://schemas.openxmlformats.org/markup-compatibility/2006">
+        <mc:Choice xmlns:p14="http://schemas.microsoft.com/office/powerpoint/2010/main" Requires="p14">
+          <p:contentPart p14:bwMode="auto" r:id="rId11">
+            <p14:nvContentPartPr>
+              <p14:cNvPr id="5" name="Ink 4">
+                <a:extLst>
+                  <a:ext uri="{FF2B5EF4-FFF2-40B4-BE49-F238E27FC236}">
+                    <a16:creationId xmlns:a16="http://schemas.microsoft.com/office/drawing/2014/main" id="{7794D409-3A21-A4CF-5B3C-0BDA495A57EA}"/>
+                  </a:ext>
+                </a:extLst>
+              </p14:cNvPr>
+              <p14:cNvContentPartPr/>
+              <p14:nvPr/>
+            </p14:nvContentPartPr>
+            <p14:xfrm>
+              <a:off x="7381800" y="779040"/>
+              <a:ext cx="1961640" cy="2502720"/>
+            </p14:xfrm>
+          </p:contentPart>
+        </mc:Choice>
+        <mc:Fallback>
+          <p:pic>
+            <p:nvPicPr>
+              <p:cNvPr id="5" name="Ink 4">
+                <a:extLst>
+                  <a:ext uri="{FF2B5EF4-FFF2-40B4-BE49-F238E27FC236}">
+                    <a16:creationId xmlns:a16="http://schemas.microsoft.com/office/drawing/2014/main" id="{7794D409-3A21-A4CF-5B3C-0BDA495A57EA}"/>
+                  </a:ext>
+                </a:extLst>
+              </p:cNvPr>
+              <p:cNvPicPr/>
+              <p:nvPr/>
+            </p:nvPicPr>
+            <p:blipFill>
+              <a:blip r:embed="rId12"/>
+              <a:stretch>
+                <a:fillRect/>
+              </a:stretch>
+            </p:blipFill>
+            <p:spPr>
+              <a:xfrm>
+                <a:off x="7372440" y="769680"/>
+                <a:ext cx="1980360" cy="2521440"/>
+              </a:xfrm>
+              <a:prstGeom prst="rect">
+                <a:avLst/>
+              </a:prstGeom>
+            </p:spPr>
+          </p:pic>
+        </mc:Fallback>
+      </mc:AlternateContent>
     </p:spTree>
     <p:extLst>
       <p:ext uri="{BB962C8B-B14F-4D97-AF65-F5344CB8AC3E}">
@@ -22023,7 +23684,7 @@
 </p:sld>
 </file>
 
-<file path=ppt/slides/slide36.xml><?xml version="1.0" encoding="utf-8"?>
+<file path=ppt/slides/slide37.xml><?xml version="1.0" encoding="utf-8"?>
 <p:sld xmlns:a="http://schemas.openxmlformats.org/drawingml/2006/main" xmlns:r="http://schemas.openxmlformats.org/officeDocument/2006/relationships" xmlns:p="http://schemas.openxmlformats.org/presentationml/2006/main">
   <p:cSld>
     <p:spTree>
@@ -23179,7 +24840,7 @@
             <a:fld id="{D75B69EA-F5F3-9148-B3D2-85669F9D4A27}" type="slidenum">
               <a:rPr lang="en-US" smtClean="0"/>
               <a:pPr/>
-              <a:t>36</a:t>
+              <a:t>37</a:t>
             </a:fld>
             <a:endParaRPr lang="en-US" dirty="0"/>
           </a:p>
@@ -25243,7 +26904,7 @@
 </p:sld>
 </file>
 
-<file path=ppt/slides/slide37.xml><?xml version="1.0" encoding="utf-8"?>
+<file path=ppt/slides/slide38.xml><?xml version="1.0" encoding="utf-8"?>
 <p:sld xmlns:a="http://schemas.openxmlformats.org/drawingml/2006/main" xmlns:r="http://schemas.openxmlformats.org/officeDocument/2006/relationships" xmlns:p="http://schemas.openxmlformats.org/presentationml/2006/main">
   <p:cSld>
     <p:spTree>
@@ -25318,7 +26979,7 @@
           <a:p>
             <a:fld id="{D75B69EA-F5F3-9148-B3D2-85669F9D4A27}" type="slidenum">
               <a:rPr lang="en-US" smtClean="0"/>
-              <a:t>37</a:t>
+              <a:t>38</a:t>
             </a:fld>
             <a:endParaRPr lang="en-US"/>
           </a:p>
@@ -25944,6 +27605,57 @@
           </a:p>
         </p:txBody>
       </p:sp>
+      <mc:AlternateContent xmlns:mc="http://schemas.openxmlformats.org/markup-compatibility/2006">
+        <mc:Choice xmlns:p14="http://schemas.microsoft.com/office/powerpoint/2010/main" Requires="p14">
+          <p:contentPart p14:bwMode="auto" r:id="rId4">
+            <p14:nvContentPartPr>
+              <p14:cNvPr id="3" name="Ink 2">
+                <a:extLst>
+                  <a:ext uri="{FF2B5EF4-FFF2-40B4-BE49-F238E27FC236}">
+                    <a16:creationId xmlns:a16="http://schemas.microsoft.com/office/drawing/2014/main" id="{141F92D5-5EF7-058C-9635-C367CA350FEB}"/>
+                  </a:ext>
+                </a:extLst>
+              </p14:cNvPr>
+              <p14:cNvContentPartPr/>
+              <p14:nvPr/>
+            </p14:nvContentPartPr>
+            <p14:xfrm>
+              <a:off x="3823200" y="2444400"/>
+              <a:ext cx="1086480" cy="916200"/>
+            </p14:xfrm>
+          </p:contentPart>
+        </mc:Choice>
+        <mc:Fallback>
+          <p:pic>
+            <p:nvPicPr>
+              <p:cNvPr id="3" name="Ink 2">
+                <a:extLst>
+                  <a:ext uri="{FF2B5EF4-FFF2-40B4-BE49-F238E27FC236}">
+                    <a16:creationId xmlns:a16="http://schemas.microsoft.com/office/drawing/2014/main" id="{141F92D5-5EF7-058C-9635-C367CA350FEB}"/>
+                  </a:ext>
+                </a:extLst>
+              </p:cNvPr>
+              <p:cNvPicPr/>
+              <p:nvPr/>
+            </p:nvPicPr>
+            <p:blipFill>
+              <a:blip r:embed="rId5"/>
+              <a:stretch>
+                <a:fillRect/>
+              </a:stretch>
+            </p:blipFill>
+            <p:spPr>
+              <a:xfrm>
+                <a:off x="3813840" y="2435040"/>
+                <a:ext cx="1105200" cy="934920"/>
+              </a:xfrm>
+              <a:prstGeom prst="rect">
+                <a:avLst/>
+              </a:prstGeom>
+            </p:spPr>
+          </p:pic>
+        </mc:Fallback>
+      </mc:AlternateContent>
     </p:spTree>
     <p:extLst>
       <p:ext uri="{BB962C8B-B14F-4D97-AF65-F5344CB8AC3E}">
@@ -25957,7 +27669,7 @@
 </p:sld>
 </file>
 
-<file path=ppt/slides/slide38.xml><?xml version="1.0" encoding="utf-8"?>
+<file path=ppt/slides/slide39.xml><?xml version="1.0" encoding="utf-8"?>
 <p:sld xmlns:a="http://schemas.openxmlformats.org/drawingml/2006/main" xmlns:r="http://schemas.openxmlformats.org/officeDocument/2006/relationships" xmlns:p="http://schemas.openxmlformats.org/presentationml/2006/main">
   <p:cSld>
     <p:spTree>
@@ -26032,7 +27744,7 @@
           <a:p>
             <a:fld id="{D75B69EA-F5F3-9148-B3D2-85669F9D4A27}" type="slidenum">
               <a:rPr lang="en-US" smtClean="0"/>
-              <a:t>38</a:t>
+              <a:t>39</a:t>
             </a:fld>
             <a:endParaRPr lang="en-US"/>
           </a:p>
@@ -26903,7 +28615,261 @@
 </p:sld>
 </file>
 
-<file path=ppt/slides/slide39.xml><?xml version="1.0" encoding="utf-8"?>
+<file path=ppt/slides/slide4.xml><?xml version="1.0" encoding="utf-8"?>
+<p:sld xmlns:a="http://schemas.openxmlformats.org/drawingml/2006/main" xmlns:r="http://schemas.openxmlformats.org/officeDocument/2006/relationships" xmlns:p="http://schemas.openxmlformats.org/presentationml/2006/main">
+  <p:cSld>
+    <p:spTree>
+      <p:nvGrpSpPr>
+        <p:cNvPr id="1" name=""/>
+        <p:cNvGrpSpPr/>
+        <p:nvPr/>
+      </p:nvGrpSpPr>
+      <p:grpSpPr>
+        <a:xfrm>
+          <a:off x="0" y="0"/>
+          <a:ext cx="0" cy="0"/>
+          <a:chOff x="0" y="0"/>
+          <a:chExt cx="0" cy="0"/>
+        </a:xfrm>
+      </p:grpSpPr>
+      <p:sp>
+        <p:nvSpPr>
+          <p:cNvPr id="3" name="Content Placeholder 2">
+            <a:extLst>
+              <a:ext uri="{FF2B5EF4-FFF2-40B4-BE49-F238E27FC236}">
+                <a16:creationId xmlns:a16="http://schemas.microsoft.com/office/drawing/2014/main" id="{E90B5D76-B8CC-9058-20A8-BE02088AF03B}"/>
+              </a:ext>
+            </a:extLst>
+          </p:cNvPr>
+          <p:cNvSpPr>
+            <a:spLocks noGrp="1"/>
+          </p:cNvSpPr>
+          <p:nvPr>
+            <p:ph idx="1"/>
+          </p:nvPr>
+        </p:nvSpPr>
+        <p:spPr>
+          <a:xfrm>
+            <a:off x="277250" y="286335"/>
+            <a:ext cx="11908888" cy="5858999"/>
+          </a:xfrm>
+        </p:spPr>
+        <p:txBody>
+          <a:bodyPr>
+            <a:normAutofit fontScale="92500" lnSpcReduction="10000"/>
+          </a:bodyPr>
+          <a:lstStyle/>
+          <a:p>
+            <a:pPr>
+              <a:lnSpc>
+                <a:spcPct val="120000"/>
+              </a:lnSpc>
+            </a:pPr>
+            <a:endParaRPr lang="en-GB" sz="2800" dirty="0">
+              <a:solidFill>
+                <a:srgbClr val="000000"/>
+              </a:solidFill>
+              <a:effectLst/>
+              <a:latin typeface="Helvetica" pitchFamily="2" charset="0"/>
+            </a:endParaRPr>
+          </a:p>
+          <a:p>
+            <a:pPr>
+              <a:lnSpc>
+                <a:spcPct val="120000"/>
+              </a:lnSpc>
+            </a:pPr>
+            <a:r>
+              <a:rPr lang="en-GB" sz="2800" i="1" dirty="0">
+                <a:solidFill>
+                  <a:srgbClr val="000000"/>
+                </a:solidFill>
+                <a:effectLst/>
+                <a:latin typeface="Helvetica" pitchFamily="2" charset="0"/>
+              </a:rPr>
+              <a:t>My suggestion is that number of points from quiz can be seen right after the quiz. Then it would motivate more to study the subjects more when trying to get the answers right with 2. try.</a:t>
+            </a:r>
+          </a:p>
+          <a:p>
+            <a:pPr>
+              <a:lnSpc>
+                <a:spcPct val="100000"/>
+              </a:lnSpc>
+            </a:pPr>
+            <a:endParaRPr lang="en-GB" dirty="0">
+              <a:solidFill>
+                <a:srgbClr val="000000"/>
+              </a:solidFill>
+              <a:latin typeface="Helvetica" pitchFamily="2" charset="0"/>
+            </a:endParaRPr>
+          </a:p>
+          <a:p>
+            <a:pPr>
+              <a:lnSpc>
+                <a:spcPct val="100000"/>
+              </a:lnSpc>
+            </a:pPr>
+            <a:r>
+              <a:rPr lang="en-GB" sz="2800" i="1" dirty="0">
+                <a:solidFill>
+                  <a:srgbClr val="000000"/>
+                </a:solidFill>
+                <a:effectLst/>
+                <a:latin typeface="Helvetica" pitchFamily="2" charset="0"/>
+              </a:rPr>
+              <a:t>Lecture notes are fine, and quizzes have some questions that feel a bit 50/50 in terms how to interpret them and some questions are terribly easy having some random number as answer of two alternative</a:t>
+            </a:r>
+          </a:p>
+          <a:p>
+            <a:pPr marL="0" indent="0">
+              <a:lnSpc>
+                <a:spcPct val="100000"/>
+              </a:lnSpc>
+              <a:buNone/>
+            </a:pPr>
+            <a:endParaRPr lang="en-GB" sz="2800" i="1" dirty="0">
+              <a:solidFill>
+                <a:srgbClr val="000000"/>
+              </a:solidFill>
+              <a:effectLst/>
+              <a:latin typeface="Helvetica" pitchFamily="2" charset="0"/>
+            </a:endParaRPr>
+          </a:p>
+          <a:p>
+            <a:pPr>
+              <a:lnSpc>
+                <a:spcPct val="100000"/>
+              </a:lnSpc>
+            </a:pPr>
+            <a:r>
+              <a:rPr lang="en-GB" sz="2800" i="1" dirty="0">
+                <a:solidFill>
+                  <a:srgbClr val="000000"/>
+                </a:solidFill>
+                <a:effectLst/>
+                <a:latin typeface="Helvetica" pitchFamily="2" charset="0"/>
+              </a:rPr>
+              <a:t>I need feedback for quizzes</a:t>
+            </a:r>
+            <a:r>
+              <a:rPr lang="en-GB" sz="2800" dirty="0">
+                <a:solidFill>
+                  <a:srgbClr val="000000"/>
+                </a:solidFill>
+                <a:effectLst/>
+                <a:latin typeface="Helvetica" pitchFamily="2" charset="0"/>
+              </a:rPr>
+              <a:t>.</a:t>
+            </a:r>
+            <a:br>
+              <a:rPr lang="en-GB" sz="2800" dirty="0">
+                <a:solidFill>
+                  <a:srgbClr val="000000"/>
+                </a:solidFill>
+                <a:effectLst/>
+                <a:latin typeface="Helvetica" pitchFamily="2" charset="0"/>
+              </a:rPr>
+            </a:br>
+            <a:endParaRPr lang="en-GB" sz="2800" dirty="0">
+              <a:solidFill>
+                <a:srgbClr val="000000"/>
+              </a:solidFill>
+              <a:effectLst/>
+              <a:latin typeface="Helvetica" pitchFamily="2" charset="0"/>
+            </a:endParaRPr>
+          </a:p>
+          <a:p>
+            <a:pPr>
+              <a:lnSpc>
+                <a:spcPct val="100000"/>
+              </a:lnSpc>
+            </a:pPr>
+            <a:r>
+              <a:rPr lang="en-GB" sz="2800" i="1" dirty="0">
+                <a:solidFill>
+                  <a:srgbClr val="000000"/>
+                </a:solidFill>
+                <a:effectLst/>
+                <a:latin typeface="Helvetica" pitchFamily="2" charset="0"/>
+              </a:rPr>
+              <a:t>It would be helpful to get some sort of feedback from the quizzes. </a:t>
+            </a:r>
+          </a:p>
+        </p:txBody>
+      </p:sp>
+      <p:sp>
+        <p:nvSpPr>
+          <p:cNvPr id="4" name="Date Placeholder 3">
+            <a:extLst>
+              <a:ext uri="{FF2B5EF4-FFF2-40B4-BE49-F238E27FC236}">
+                <a16:creationId xmlns:a16="http://schemas.microsoft.com/office/drawing/2014/main" id="{A6F84643-291C-3EB0-D419-3EACA62C6C61}"/>
+              </a:ext>
+            </a:extLst>
+          </p:cNvPr>
+          <p:cNvSpPr>
+            <a:spLocks noGrp="1"/>
+          </p:cNvSpPr>
+          <p:nvPr>
+            <p:ph type="dt" sz="half" idx="10"/>
+          </p:nvPr>
+        </p:nvSpPr>
+        <p:spPr/>
+        <p:txBody>
+          <a:bodyPr/>
+          <a:lstStyle/>
+          <a:p>
+            <a:fld id="{296FA5BE-6560-2B4F-B398-067F34961958}" type="datetime1">
+              <a:rPr lang="en-US" smtClean="0"/>
+              <a:t>3/22/23</a:t>
+            </a:fld>
+            <a:endParaRPr lang="en-US" dirty="0"/>
+          </a:p>
+        </p:txBody>
+      </p:sp>
+      <p:sp>
+        <p:nvSpPr>
+          <p:cNvPr id="5" name="Slide Number Placeholder 4">
+            <a:extLst>
+              <a:ext uri="{FF2B5EF4-FFF2-40B4-BE49-F238E27FC236}">
+                <a16:creationId xmlns:a16="http://schemas.microsoft.com/office/drawing/2014/main" id="{EA75B1A8-1FF1-A01D-67C3-9F9B40DF7D34}"/>
+              </a:ext>
+            </a:extLst>
+          </p:cNvPr>
+          <p:cNvSpPr>
+            <a:spLocks noGrp="1"/>
+          </p:cNvSpPr>
+          <p:nvPr>
+            <p:ph type="sldNum" sz="quarter" idx="12"/>
+          </p:nvPr>
+        </p:nvSpPr>
+        <p:spPr/>
+        <p:txBody>
+          <a:bodyPr/>
+          <a:lstStyle/>
+          <a:p>
+            <a:fld id="{D75B69EA-F5F3-9148-B3D2-85669F9D4A27}" type="slidenum">
+              <a:rPr lang="en-US" smtClean="0"/>
+              <a:pPr/>
+              <a:t>4</a:t>
+            </a:fld>
+            <a:endParaRPr lang="en-US" dirty="0"/>
+          </a:p>
+        </p:txBody>
+      </p:sp>
+    </p:spTree>
+    <p:extLst>
+      <p:ext uri="{BB962C8B-B14F-4D97-AF65-F5344CB8AC3E}">
+        <p14:creationId xmlns:p14="http://schemas.microsoft.com/office/powerpoint/2010/main" val="2515502304"/>
+      </p:ext>
+    </p:extLst>
+  </p:cSld>
+  <p:clrMapOvr>
+    <a:masterClrMapping/>
+  </p:clrMapOvr>
+</p:sld>
+</file>
+
+<file path=ppt/slides/slide40.xml><?xml version="1.0" encoding="utf-8"?>
 <p:sld xmlns:a="http://schemas.openxmlformats.org/drawingml/2006/main" xmlns:r="http://schemas.openxmlformats.org/officeDocument/2006/relationships" xmlns:p="http://schemas.openxmlformats.org/presentationml/2006/main">
   <p:cSld>
     <p:spTree>
@@ -26978,7 +28944,7 @@
           <a:p>
             <a:fld id="{D75B69EA-F5F3-9148-B3D2-85669F9D4A27}" type="slidenum">
               <a:rPr lang="en-US" smtClean="0"/>
-              <a:t>39</a:t>
+              <a:t>40</a:t>
             </a:fld>
             <a:endParaRPr lang="en-US"/>
           </a:p>
@@ -27973,261 +29939,7 @@
 </p:sld>
 </file>
 
-<file path=ppt/slides/slide4.xml><?xml version="1.0" encoding="utf-8"?>
-<p:sld xmlns:a="http://schemas.openxmlformats.org/drawingml/2006/main" xmlns:r="http://schemas.openxmlformats.org/officeDocument/2006/relationships" xmlns:p="http://schemas.openxmlformats.org/presentationml/2006/main">
-  <p:cSld>
-    <p:spTree>
-      <p:nvGrpSpPr>
-        <p:cNvPr id="1" name=""/>
-        <p:cNvGrpSpPr/>
-        <p:nvPr/>
-      </p:nvGrpSpPr>
-      <p:grpSpPr>
-        <a:xfrm>
-          <a:off x="0" y="0"/>
-          <a:ext cx="0" cy="0"/>
-          <a:chOff x="0" y="0"/>
-          <a:chExt cx="0" cy="0"/>
-        </a:xfrm>
-      </p:grpSpPr>
-      <p:sp>
-        <p:nvSpPr>
-          <p:cNvPr id="3" name="Content Placeholder 2">
-            <a:extLst>
-              <a:ext uri="{FF2B5EF4-FFF2-40B4-BE49-F238E27FC236}">
-                <a16:creationId xmlns:a16="http://schemas.microsoft.com/office/drawing/2014/main" id="{E90B5D76-B8CC-9058-20A8-BE02088AF03B}"/>
-              </a:ext>
-            </a:extLst>
-          </p:cNvPr>
-          <p:cNvSpPr>
-            <a:spLocks noGrp="1"/>
-          </p:cNvSpPr>
-          <p:nvPr>
-            <p:ph idx="1"/>
-          </p:nvPr>
-        </p:nvSpPr>
-        <p:spPr>
-          <a:xfrm>
-            <a:off x="277250" y="286335"/>
-            <a:ext cx="11908888" cy="5858999"/>
-          </a:xfrm>
-        </p:spPr>
-        <p:txBody>
-          <a:bodyPr>
-            <a:normAutofit fontScale="92500" lnSpcReduction="10000"/>
-          </a:bodyPr>
-          <a:lstStyle/>
-          <a:p>
-            <a:pPr>
-              <a:lnSpc>
-                <a:spcPct val="120000"/>
-              </a:lnSpc>
-            </a:pPr>
-            <a:endParaRPr lang="en-GB" sz="2800" dirty="0">
-              <a:solidFill>
-                <a:srgbClr val="000000"/>
-              </a:solidFill>
-              <a:effectLst/>
-              <a:latin typeface="Helvetica" pitchFamily="2" charset="0"/>
-            </a:endParaRPr>
-          </a:p>
-          <a:p>
-            <a:pPr>
-              <a:lnSpc>
-                <a:spcPct val="120000"/>
-              </a:lnSpc>
-            </a:pPr>
-            <a:r>
-              <a:rPr lang="en-GB" sz="2800" i="1" dirty="0">
-                <a:solidFill>
-                  <a:srgbClr val="000000"/>
-                </a:solidFill>
-                <a:effectLst/>
-                <a:latin typeface="Helvetica" pitchFamily="2" charset="0"/>
-              </a:rPr>
-              <a:t>My suggestion is that number of points from quiz can be seen right after the quiz. Then it would motivate more to study the subjects more when trying to get the answers right with 2. try.</a:t>
-            </a:r>
-          </a:p>
-          <a:p>
-            <a:pPr>
-              <a:lnSpc>
-                <a:spcPct val="100000"/>
-              </a:lnSpc>
-            </a:pPr>
-            <a:endParaRPr lang="en-GB" dirty="0">
-              <a:solidFill>
-                <a:srgbClr val="000000"/>
-              </a:solidFill>
-              <a:latin typeface="Helvetica" pitchFamily="2" charset="0"/>
-            </a:endParaRPr>
-          </a:p>
-          <a:p>
-            <a:pPr>
-              <a:lnSpc>
-                <a:spcPct val="100000"/>
-              </a:lnSpc>
-            </a:pPr>
-            <a:r>
-              <a:rPr lang="en-GB" sz="2800" i="1" dirty="0">
-                <a:solidFill>
-                  <a:srgbClr val="000000"/>
-                </a:solidFill>
-                <a:effectLst/>
-                <a:latin typeface="Helvetica" pitchFamily="2" charset="0"/>
-              </a:rPr>
-              <a:t>Lecture notes are fine, and quizzes have some questions that feel a bit 50/50 in terms how to interpret them and some questions are terribly easy having some random number as answer of two alternative</a:t>
-            </a:r>
-          </a:p>
-          <a:p>
-            <a:pPr marL="0" indent="0">
-              <a:lnSpc>
-                <a:spcPct val="100000"/>
-              </a:lnSpc>
-              <a:buNone/>
-            </a:pPr>
-            <a:endParaRPr lang="en-GB" sz="2800" i="1" dirty="0">
-              <a:solidFill>
-                <a:srgbClr val="000000"/>
-              </a:solidFill>
-              <a:effectLst/>
-              <a:latin typeface="Helvetica" pitchFamily="2" charset="0"/>
-            </a:endParaRPr>
-          </a:p>
-          <a:p>
-            <a:pPr>
-              <a:lnSpc>
-                <a:spcPct val="100000"/>
-              </a:lnSpc>
-            </a:pPr>
-            <a:r>
-              <a:rPr lang="en-GB" sz="2800" i="1" dirty="0">
-                <a:solidFill>
-                  <a:srgbClr val="000000"/>
-                </a:solidFill>
-                <a:effectLst/>
-                <a:latin typeface="Helvetica" pitchFamily="2" charset="0"/>
-              </a:rPr>
-              <a:t>I need feedback for quizzes</a:t>
-            </a:r>
-            <a:r>
-              <a:rPr lang="en-GB" sz="2800" dirty="0">
-                <a:solidFill>
-                  <a:srgbClr val="000000"/>
-                </a:solidFill>
-                <a:effectLst/>
-                <a:latin typeface="Helvetica" pitchFamily="2" charset="0"/>
-              </a:rPr>
-              <a:t>.</a:t>
-            </a:r>
-            <a:br>
-              <a:rPr lang="en-GB" sz="2800" dirty="0">
-                <a:solidFill>
-                  <a:srgbClr val="000000"/>
-                </a:solidFill>
-                <a:effectLst/>
-                <a:latin typeface="Helvetica" pitchFamily="2" charset="0"/>
-              </a:rPr>
-            </a:br>
-            <a:endParaRPr lang="en-GB" sz="2800" dirty="0">
-              <a:solidFill>
-                <a:srgbClr val="000000"/>
-              </a:solidFill>
-              <a:effectLst/>
-              <a:latin typeface="Helvetica" pitchFamily="2" charset="0"/>
-            </a:endParaRPr>
-          </a:p>
-          <a:p>
-            <a:pPr>
-              <a:lnSpc>
-                <a:spcPct val="100000"/>
-              </a:lnSpc>
-            </a:pPr>
-            <a:r>
-              <a:rPr lang="en-GB" sz="2800" i="1" dirty="0">
-                <a:solidFill>
-                  <a:srgbClr val="000000"/>
-                </a:solidFill>
-                <a:effectLst/>
-                <a:latin typeface="Helvetica" pitchFamily="2" charset="0"/>
-              </a:rPr>
-              <a:t>It would be helpful to get some sort of feedback from the quizzes. </a:t>
-            </a:r>
-          </a:p>
-        </p:txBody>
-      </p:sp>
-      <p:sp>
-        <p:nvSpPr>
-          <p:cNvPr id="4" name="Date Placeholder 3">
-            <a:extLst>
-              <a:ext uri="{FF2B5EF4-FFF2-40B4-BE49-F238E27FC236}">
-                <a16:creationId xmlns:a16="http://schemas.microsoft.com/office/drawing/2014/main" id="{A6F84643-291C-3EB0-D419-3EACA62C6C61}"/>
-              </a:ext>
-            </a:extLst>
-          </p:cNvPr>
-          <p:cNvSpPr>
-            <a:spLocks noGrp="1"/>
-          </p:cNvSpPr>
-          <p:nvPr>
-            <p:ph type="dt" sz="half" idx="10"/>
-          </p:nvPr>
-        </p:nvSpPr>
-        <p:spPr/>
-        <p:txBody>
-          <a:bodyPr/>
-          <a:lstStyle/>
-          <a:p>
-            <a:fld id="{296FA5BE-6560-2B4F-B398-067F34961958}" type="datetime1">
-              <a:rPr lang="en-US" smtClean="0"/>
-              <a:t>3/22/23</a:t>
-            </a:fld>
-            <a:endParaRPr lang="en-US" dirty="0"/>
-          </a:p>
-        </p:txBody>
-      </p:sp>
-      <p:sp>
-        <p:nvSpPr>
-          <p:cNvPr id="5" name="Slide Number Placeholder 4">
-            <a:extLst>
-              <a:ext uri="{FF2B5EF4-FFF2-40B4-BE49-F238E27FC236}">
-                <a16:creationId xmlns:a16="http://schemas.microsoft.com/office/drawing/2014/main" id="{EA75B1A8-1FF1-A01D-67C3-9F9B40DF7D34}"/>
-              </a:ext>
-            </a:extLst>
-          </p:cNvPr>
-          <p:cNvSpPr>
-            <a:spLocks noGrp="1"/>
-          </p:cNvSpPr>
-          <p:nvPr>
-            <p:ph type="sldNum" sz="quarter" idx="12"/>
-          </p:nvPr>
-        </p:nvSpPr>
-        <p:spPr/>
-        <p:txBody>
-          <a:bodyPr/>
-          <a:lstStyle/>
-          <a:p>
-            <a:fld id="{D75B69EA-F5F3-9148-B3D2-85669F9D4A27}" type="slidenum">
-              <a:rPr lang="en-US" smtClean="0"/>
-              <a:pPr/>
-              <a:t>4</a:t>
-            </a:fld>
-            <a:endParaRPr lang="en-US" dirty="0"/>
-          </a:p>
-        </p:txBody>
-      </p:sp>
-    </p:spTree>
-    <p:extLst>
-      <p:ext uri="{BB962C8B-B14F-4D97-AF65-F5344CB8AC3E}">
-        <p14:creationId xmlns:p14="http://schemas.microsoft.com/office/powerpoint/2010/main" val="2515502304"/>
-      </p:ext>
-    </p:extLst>
-  </p:cSld>
-  <p:clrMapOvr>
-    <a:masterClrMapping/>
-  </p:clrMapOvr>
-</p:sld>
-</file>
-
-<file path=ppt/slides/slide40.xml><?xml version="1.0" encoding="utf-8"?>
+<file path=ppt/slides/slide41.xml><?xml version="1.0" encoding="utf-8"?>
 <p:sld xmlns:a="http://schemas.openxmlformats.org/drawingml/2006/main" xmlns:r="http://schemas.openxmlformats.org/officeDocument/2006/relationships" xmlns:p="http://schemas.openxmlformats.org/presentationml/2006/main">
   <p:cSld>
     <p:spTree>
@@ -28305,7 +30017,7 @@
             <a:fld id="{D75B69EA-F5F3-9148-B3D2-85669F9D4A27}" type="slidenum">
               <a:rPr lang="en-US" smtClean="0"/>
               <a:pPr/>
-              <a:t>40</a:t>
+              <a:t>41</a:t>
             </a:fld>
             <a:endParaRPr lang="en-US" dirty="0"/>
           </a:p>
@@ -28950,7 +30662,7 @@
 </p:sld>
 </file>
 
-<file path=ppt/slides/slide41.xml><?xml version="1.0" encoding="utf-8"?>
+<file path=ppt/slides/slide42.xml><?xml version="1.0" encoding="utf-8"?>
 <p:sld xmlns:a="http://schemas.openxmlformats.org/drawingml/2006/main" xmlns:r="http://schemas.openxmlformats.org/officeDocument/2006/relationships" xmlns:p="http://schemas.openxmlformats.org/presentationml/2006/main">
   <p:cSld>
     <p:spTree>
@@ -29028,7 +30740,7 @@
             <a:fld id="{D75B69EA-F5F3-9148-B3D2-85669F9D4A27}" type="slidenum">
               <a:rPr lang="en-US" smtClean="0"/>
               <a:pPr/>
-              <a:t>41</a:t>
+              <a:t>42</a:t>
             </a:fld>
             <a:endParaRPr lang="en-US" dirty="0"/>
           </a:p>
@@ -29170,7 +30882,7 @@
 </p:sld>
 </file>
 
-<file path=ppt/slides/slide42.xml><?xml version="1.0" encoding="utf-8"?>
+<file path=ppt/slides/slide43.xml><?xml version="1.0" encoding="utf-8"?>
 <p:sld xmlns:a="http://schemas.openxmlformats.org/drawingml/2006/main" xmlns:r="http://schemas.openxmlformats.org/officeDocument/2006/relationships" xmlns:p="http://schemas.openxmlformats.org/presentationml/2006/main">
   <p:cSld>
     <p:spTree>
@@ -29295,7 +31007,7 @@
             <a:fld id="{D75B69EA-F5F3-9148-B3D2-85669F9D4A27}" type="slidenum">
               <a:rPr lang="en-US" smtClean="0"/>
               <a:pPr/>
-              <a:t>42</a:t>
+              <a:t>43</a:t>
             </a:fld>
             <a:endParaRPr lang="en-US" dirty="0"/>
           </a:p>
@@ -29538,7 +31250,7 @@
 </p:sld>
 </file>
 
-<file path=ppt/slides/slide43.xml><?xml version="1.0" encoding="utf-8"?>
+<file path=ppt/slides/slide44.xml><?xml version="1.0" encoding="utf-8"?>
 <p:sld xmlns:a="http://schemas.openxmlformats.org/drawingml/2006/main" xmlns:r="http://schemas.openxmlformats.org/officeDocument/2006/relationships" xmlns:p="http://schemas.openxmlformats.org/presentationml/2006/main">
   <p:cSld>
     <p:spTree>
@@ -29629,7 +31341,7 @@
           <a:p>
             <a:fld id="{D75B69EA-F5F3-9148-B3D2-85669F9D4A27}" type="slidenum">
               <a:rPr lang="en-US" smtClean="0"/>
-              <a:t>43</a:t>
+              <a:t>44</a:t>
             </a:fld>
             <a:endParaRPr lang="en-US"/>
           </a:p>
@@ -29677,7 +31389,7 @@
 </p:sld>
 </file>
 
-<file path=ppt/slides/slide44.xml><?xml version="1.0" encoding="utf-8"?>
+<file path=ppt/slides/slide45.xml><?xml version="1.0" encoding="utf-8"?>
 <p:sld xmlns:a="http://schemas.openxmlformats.org/drawingml/2006/main" xmlns:r="http://schemas.openxmlformats.org/officeDocument/2006/relationships" xmlns:p="http://schemas.openxmlformats.org/presentationml/2006/main">
   <p:cSld>
     <p:spTree>
@@ -31835,6 +33547,57 @@
           </a:p>
         </p:txBody>
       </p:sp>
+      <mc:AlternateContent xmlns:mc="http://schemas.openxmlformats.org/markup-compatibility/2006">
+        <mc:Choice xmlns:p14="http://schemas.microsoft.com/office/powerpoint/2010/main" Requires="p14">
+          <p:contentPart p14:bwMode="auto" r:id="rId8">
+            <p14:nvContentPartPr>
+              <p14:cNvPr id="2" name="Ink 1">
+                <a:extLst>
+                  <a:ext uri="{FF2B5EF4-FFF2-40B4-BE49-F238E27FC236}">
+                    <a16:creationId xmlns:a16="http://schemas.microsoft.com/office/drawing/2014/main" id="{E8CDE3A6-EDC7-07A2-9627-B442E166B89F}"/>
+                  </a:ext>
+                </a:extLst>
+              </p14:cNvPr>
+              <p14:cNvContentPartPr/>
+              <p14:nvPr/>
+            </p14:nvContentPartPr>
+            <p14:xfrm>
+              <a:off x="268560" y="2652480"/>
+              <a:ext cx="9025920" cy="4205520"/>
+            </p14:xfrm>
+          </p:contentPart>
+        </mc:Choice>
+        <mc:Fallback>
+          <p:pic>
+            <p:nvPicPr>
+              <p:cNvPr id="2" name="Ink 1">
+                <a:extLst>
+                  <a:ext uri="{FF2B5EF4-FFF2-40B4-BE49-F238E27FC236}">
+                    <a16:creationId xmlns:a16="http://schemas.microsoft.com/office/drawing/2014/main" id="{E8CDE3A6-EDC7-07A2-9627-B442E166B89F}"/>
+                  </a:ext>
+                </a:extLst>
+              </p:cNvPr>
+              <p:cNvPicPr/>
+              <p:nvPr/>
+            </p:nvPicPr>
+            <p:blipFill>
+              <a:blip r:embed="rId9"/>
+              <a:stretch>
+                <a:fillRect/>
+              </a:stretch>
+            </p:blipFill>
+            <p:spPr>
+              <a:xfrm>
+                <a:off x="259200" y="2643120"/>
+                <a:ext cx="9044640" cy="4224240"/>
+              </a:xfrm>
+              <a:prstGeom prst="rect">
+                <a:avLst/>
+              </a:prstGeom>
+            </p:spPr>
+          </p:pic>
+        </mc:Fallback>
+      </mc:AlternateContent>
     </p:spTree>
     <p:extLst>
       <p:ext uri="{BB962C8B-B14F-4D97-AF65-F5344CB8AC3E}">
@@ -31848,7 +33611,7 @@
 </p:sld>
 </file>
 
-<file path=ppt/slides/slide45.xml><?xml version="1.0" encoding="utf-8"?>
+<file path=ppt/slides/slide46.xml><?xml version="1.0" encoding="utf-8"?>
 <p:sld xmlns:a="http://schemas.openxmlformats.org/drawingml/2006/main" xmlns:r="http://schemas.openxmlformats.org/officeDocument/2006/relationships" xmlns:p="http://schemas.openxmlformats.org/presentationml/2006/main">
   <p:cSld>
     <p:spTree>
@@ -31926,7 +33689,7 @@
             <a:fld id="{D75B69EA-F5F3-9148-B3D2-85669F9D4A27}" type="slidenum">
               <a:rPr lang="en-US" smtClean="0"/>
               <a:pPr/>
-              <a:t>45</a:t>
+              <a:t>46</a:t>
             </a:fld>
             <a:endParaRPr lang="en-US" dirty="0"/>
           </a:p>
@@ -32101,7 +33864,7 @@
 </p:sld>
 </file>
 
-<file path=ppt/slides/slide46.xml><?xml version="1.0" encoding="utf-8"?>
+<file path=ppt/slides/slide47.xml><?xml version="1.0" encoding="utf-8"?>
 <p:sld xmlns:a="http://schemas.openxmlformats.org/drawingml/2006/main" xmlns:r="http://schemas.openxmlformats.org/officeDocument/2006/relationships" xmlns:p="http://schemas.openxmlformats.org/presentationml/2006/main">
   <p:cSld>
     <p:spTree>
@@ -32189,7 +33952,7 @@
             <a:fld id="{D75B69EA-F5F3-9148-B3D2-85669F9D4A27}" type="slidenum">
               <a:rPr lang="en-US" smtClean="0"/>
               <a:pPr/>
-              <a:t>46</a:t>
+              <a:t>47</a:t>
             </a:fld>
             <a:endParaRPr lang="en-US" dirty="0"/>
           </a:p>
@@ -32839,7 +34602,7 @@
         </p:blipFill>
         <p:spPr>
           <a:xfrm>
-            <a:off x="135113" y="1346560"/>
+            <a:off x="135113" y="1486045"/>
             <a:ext cx="12056887" cy="3451079"/>
           </a:xfrm>
           <a:prstGeom prst="rect">
@@ -32847,6 +34610,41 @@
           </a:prstGeom>
         </p:spPr>
       </p:pic>
+      <p:sp>
+        <p:nvSpPr>
+          <p:cNvPr id="7" name="TextBox 6">
+            <a:extLst>
+              <a:ext uri="{FF2B5EF4-FFF2-40B4-BE49-F238E27FC236}">
+                <a16:creationId xmlns:a16="http://schemas.microsoft.com/office/drawing/2014/main" id="{433D005F-4B8C-51B7-B01B-F1D0E4805963}"/>
+              </a:ext>
+            </a:extLst>
+          </p:cNvPr>
+          <p:cNvSpPr txBox="1"/>
+          <p:nvPr/>
+        </p:nvSpPr>
+        <p:spPr>
+          <a:xfrm>
+            <a:off x="526942" y="418454"/>
+            <a:ext cx="6322565" cy="769441"/>
+          </a:xfrm>
+          <a:prstGeom prst="rect">
+            <a:avLst/>
+          </a:prstGeom>
+          <a:noFill/>
+        </p:spPr>
+        <p:txBody>
+          <a:bodyPr wrap="none" rtlCol="0">
+            <a:spAutoFit/>
+          </a:bodyPr>
+          <a:lstStyle/>
+          <a:p>
+            <a:r>
+              <a:rPr lang="en-GB" sz="4400" dirty="0"/>
+              <a:t>Quiz “ML Design Principle”</a:t>
+            </a:r>
+          </a:p>
+        </p:txBody>
+      </p:sp>
     </p:spTree>
     <p:extLst>
       <p:ext uri="{BB962C8B-B14F-4D97-AF65-F5344CB8AC3E}">
@@ -32879,57 +34677,10 @@
       </p:grpSpPr>
       <p:sp>
         <p:nvSpPr>
-          <p:cNvPr id="3" name="Content Placeholder 2">
-            <a:extLst>
-              <a:ext uri="{FF2B5EF4-FFF2-40B4-BE49-F238E27FC236}">
-                <a16:creationId xmlns:a16="http://schemas.microsoft.com/office/drawing/2014/main" id="{B712E454-1C7A-DE49-19E1-1793387AE2C0}"/>
-              </a:ext>
-            </a:extLst>
-          </p:cNvPr>
-          <p:cNvSpPr>
-            <a:spLocks noGrp="1"/>
-          </p:cNvSpPr>
-          <p:nvPr>
-            <p:ph idx="1"/>
-          </p:nvPr>
-        </p:nvSpPr>
-        <p:spPr>
-          <a:xfrm>
-            <a:off x="497711" y="1690688"/>
-            <a:ext cx="10856089" cy="4351338"/>
-          </a:xfrm>
-        </p:spPr>
-        <p:txBody>
-          <a:bodyPr>
-            <a:normAutofit/>
-          </a:bodyPr>
-          <a:lstStyle/>
-          <a:p>
-            <a:pPr marL="0" indent="0">
-              <a:buNone/>
-            </a:pPr>
-            <a:r>
-              <a:rPr lang="en-GB" sz="7200" dirty="0"/>
-              <a:t>What are the main components of ML and </a:t>
-            </a:r>
-          </a:p>
-          <a:p>
-            <a:pPr marL="0" indent="0">
-              <a:buNone/>
-            </a:pPr>
-            <a:r>
-              <a:rPr lang="en-GB" sz="7200" dirty="0"/>
-              <a:t>how are they combined?</a:t>
-            </a:r>
-          </a:p>
-        </p:txBody>
-      </p:sp>
-      <p:sp>
-        <p:nvSpPr>
           <p:cNvPr id="4" name="Date Placeholder 3">
             <a:extLst>
               <a:ext uri="{FF2B5EF4-FFF2-40B4-BE49-F238E27FC236}">
-                <a16:creationId xmlns:a16="http://schemas.microsoft.com/office/drawing/2014/main" id="{92A45018-1596-77FC-60B1-76D89CB1E96C}"/>
+                <a16:creationId xmlns:a16="http://schemas.microsoft.com/office/drawing/2014/main" id="{D188D944-658C-8B4C-CAB5-6C2ECDE6F6FD}"/>
               </a:ext>
             </a:extLst>
           </p:cNvPr>
@@ -32945,11 +34696,11 @@
           <a:bodyPr/>
           <a:lstStyle/>
           <a:p>
-            <a:fld id="{09C2894A-47FF-4D4A-84EA-3327DF49E5B5}" type="datetime1">
-              <a:rPr lang="en-US" sz="2400" smtClean="0"/>
+            <a:fld id="{296FA5BE-6560-2B4F-B398-067F34961958}" type="datetime1">
+              <a:rPr lang="en-US" smtClean="0"/>
               <a:t>3/22/23</a:t>
             </a:fld>
-            <a:endParaRPr lang="en-GB" sz="2400" dirty="0"/>
+            <a:endParaRPr lang="en-US" dirty="0"/>
           </a:p>
         </p:txBody>
       </p:sp>
@@ -32958,7 +34709,7 @@
           <p:cNvPr id="5" name="Slide Number Placeholder 4">
             <a:extLst>
               <a:ext uri="{FF2B5EF4-FFF2-40B4-BE49-F238E27FC236}">
-                <a16:creationId xmlns:a16="http://schemas.microsoft.com/office/drawing/2014/main" id="{2103CC7C-91ED-326C-25F2-E85DB5F3BD71}"/>
+                <a16:creationId xmlns:a16="http://schemas.microsoft.com/office/drawing/2014/main" id="{E2BD9DE6-3885-F7CD-D181-591E65158D85}"/>
               </a:ext>
             </a:extLst>
           </p:cNvPr>
@@ -32974,18 +34725,84 @@
           <a:bodyPr/>
           <a:lstStyle/>
           <a:p>
-            <a:fld id="{6FD98A76-ED6B-D54E-BABE-E8A9BFC6A4C6}" type="slidenum">
-              <a:rPr lang="en-GB" sz="2400" smtClean="0"/>
+            <a:fld id="{D75B69EA-F5F3-9148-B3D2-85669F9D4A27}" type="slidenum">
+              <a:rPr lang="en-US" smtClean="0"/>
+              <a:pPr/>
               <a:t>9</a:t>
             </a:fld>
-            <a:endParaRPr lang="en-GB" sz="2400" dirty="0"/>
+            <a:endParaRPr lang="en-US" dirty="0"/>
+          </a:p>
+        </p:txBody>
+      </p:sp>
+      <p:pic>
+        <p:nvPicPr>
+          <p:cNvPr id="3" name="Picture 2" descr="Graphical user interface, text, application, email&#10;&#10;Description automatically generated">
+            <a:extLst>
+              <a:ext uri="{FF2B5EF4-FFF2-40B4-BE49-F238E27FC236}">
+                <a16:creationId xmlns:a16="http://schemas.microsoft.com/office/drawing/2014/main" id="{7E7FF76C-EC5F-A841-1CB2-DB7489711B54}"/>
+              </a:ext>
+            </a:extLst>
+          </p:cNvPr>
+          <p:cNvPicPr>
+            <a:picLocks noChangeAspect="1"/>
+          </p:cNvPicPr>
+          <p:nvPr/>
+        </p:nvPicPr>
+        <p:blipFill>
+          <a:blip r:embed="rId2"/>
+          <a:stretch>
+            <a:fillRect/>
+          </a:stretch>
+        </p:blipFill>
+        <p:spPr>
+          <a:xfrm>
+            <a:off x="384183" y="1705459"/>
+            <a:ext cx="10969617" cy="3447081"/>
+          </a:xfrm>
+          <a:prstGeom prst="rect">
+            <a:avLst/>
+          </a:prstGeom>
+        </p:spPr>
+      </p:pic>
+      <p:sp>
+        <p:nvSpPr>
+          <p:cNvPr id="7" name="TextBox 6">
+            <a:extLst>
+              <a:ext uri="{FF2B5EF4-FFF2-40B4-BE49-F238E27FC236}">
+                <a16:creationId xmlns:a16="http://schemas.microsoft.com/office/drawing/2014/main" id="{870CEC95-D937-0056-ADAB-41C364786339}"/>
+              </a:ext>
+            </a:extLst>
+          </p:cNvPr>
+          <p:cNvSpPr txBox="1"/>
+          <p:nvPr/>
+        </p:nvSpPr>
+        <p:spPr>
+          <a:xfrm>
+            <a:off x="914400" y="774915"/>
+            <a:ext cx="5993051" cy="769441"/>
+          </a:xfrm>
+          <a:prstGeom prst="rect">
+            <a:avLst/>
+          </a:prstGeom>
+          <a:noFill/>
+        </p:spPr>
+        <p:txBody>
+          <a:bodyPr wrap="none" rtlCol="0">
+            <a:spAutoFit/>
+          </a:bodyPr>
+          <a:lstStyle/>
+          <a:p>
+            <a:r>
+              <a:rPr lang="en-GB" sz="4400" dirty="0"/>
+              <a:t>Quiz “Gradient Methods”</a:t>
+            </a:r>
           </a:p>
         </p:txBody>
       </p:sp>
     </p:spTree>
     <p:extLst>
       <p:ext uri="{BB962C8B-B14F-4D97-AF65-F5344CB8AC3E}">
-        <p14:creationId xmlns:p14="http://schemas.microsoft.com/office/powerpoint/2010/main" val="4262797932"/>
+        <p14:creationId xmlns:p14="http://schemas.microsoft.com/office/powerpoint/2010/main" val="986148138"/>
       </p:ext>
     </p:extLst>
   </p:cSld>
